--- a/Manim/Learn Manim Library by Practice.pptx
+++ b/Manim/Learn Manim Library by Practice.pptx
@@ -11725,7 +11725,7 @@
         </p:nvSpPr>
         <p:spPr>
           <a:xfrm>
-            <a:off x="2422004" y="3501008"/>
+            <a:off x="2422004" y="2918559"/>
             <a:ext cx="8329031" cy="1571407"/>
           </a:xfrm>
         </p:spPr>
@@ -11734,8 +11734,8 @@
           <a:lstStyle/>
           <a:p>
             <a:r>
-              <a:rPr lang="en-US" dirty="0"/>
-              <a:t>Learn Manim Library by Practice - Opening</a:t>
+              <a:rPr lang="en-US" sz="4400" dirty="0"/>
+              <a:t>Learn Manim Library by Practice – Opening and Installation</a:t>
             </a:r>
           </a:p>
         </p:txBody>
@@ -11806,7 +11806,7 @@
         </p:blipFill>
         <p:spPr>
           <a:xfrm>
-            <a:off x="1989320" y="476672"/>
+            <a:off x="1989320" y="140530"/>
             <a:ext cx="8210183" cy="2808312"/>
           </a:xfrm>
           <a:prstGeom prst="rect">
@@ -11847,6 +11847,46 @@
           </a:ln>
           <a:effectLst>
             <a:softEdge rad="112500"/>
+          </a:effectLst>
+        </p:spPr>
+      </p:pic>
+      <p:pic>
+        <p:nvPicPr>
+          <p:cNvPr id="9" name="Picture 8">
+            <a:extLst>
+              <a:ext uri="{FF2B5EF4-FFF2-40B4-BE49-F238E27FC236}">
+                <a16:creationId xmlns:a16="http://schemas.microsoft.com/office/drawing/2014/main" id="{03A76FBF-7292-8A57-F272-5D1B2395A079}"/>
+              </a:ext>
+            </a:extLst>
+          </p:cNvPr>
+          <p:cNvPicPr>
+            <a:picLocks noChangeAspect="1"/>
+          </p:cNvPicPr>
+          <p:nvPr/>
+        </p:nvPicPr>
+        <p:blipFill>
+          <a:blip r:embed="rId4"/>
+          <a:stretch>
+            <a:fillRect/>
+          </a:stretch>
+        </p:blipFill>
+        <p:spPr>
+          <a:xfrm>
+            <a:off x="3447012" y="4562044"/>
+            <a:ext cx="6735688" cy="2175066"/>
+          </a:xfrm>
+          <a:prstGeom prst="rect">
+            <a:avLst/>
+          </a:prstGeom>
+          <a:ln>
+            <a:noFill/>
+          </a:ln>
+          <a:effectLst>
+            <a:outerShdw blurRad="292100" dist="139700" dir="2700000" algn="tl" rotWithShape="0">
+              <a:srgbClr val="333333">
+                <a:alpha val="65000"/>
+              </a:srgbClr>
+            </a:outerShdw>
           </a:effectLst>
         </p:spPr>
       </p:pic>
@@ -12100,52 +12140,91 @@
             <p:ph type="title"/>
           </p:nvPr>
         </p:nvSpPr>
-        <p:spPr/>
+        <p:spPr>
+          <a:xfrm>
+            <a:off x="1593436" y="260648"/>
+            <a:ext cx="9782801" cy="1156989"/>
+          </a:xfrm>
+        </p:spPr>
         <p:txBody>
-          <a:bodyPr/>
+          <a:bodyPr anchor="ctr">
+            <a:normAutofit/>
+          </a:bodyPr>
           <a:lstStyle/>
           <a:p>
             <a:r>
-              <a:rPr lang="en-US" dirty="0"/>
-              <a:t>Title and Content Layout with List</a:t>
+              <a:rPr lang="en-US" sz="6000" b="1" dirty="0"/>
+              <a:t>Learning Manim</a:t>
             </a:r>
           </a:p>
         </p:txBody>
       </p:sp>
-      <p:sp>
-        <p:nvSpPr>
-          <p:cNvPr id="14" name="Content Placeholder 13"/>
-          <p:cNvSpPr>
-            <a:spLocks noGrp="1"/>
-          </p:cNvSpPr>
-          <p:nvPr>
-            <p:ph idx="1"/>
-          </p:nvPr>
-        </p:nvSpPr>
-        <p:spPr/>
-        <p:txBody>
-          <a:bodyPr/>
-          <a:lstStyle/>
-          <a:p>
-            <a:r>
-              <a:rPr lang="en-US" dirty="0"/>
-              <a:t>Add your first bullet point here</a:t>
-            </a:r>
-          </a:p>
-          <a:p>
-            <a:r>
-              <a:rPr lang="en-US" dirty="0"/>
-              <a:t>Add your second bullet point here</a:t>
-            </a:r>
-          </a:p>
-          <a:p>
-            <a:r>
-              <a:rPr lang="en-US" dirty="0"/>
-              <a:t>Add your third bullet point here</a:t>
-            </a:r>
-          </a:p>
-        </p:txBody>
-      </p:sp>
+      <p:pic>
+        <p:nvPicPr>
+          <p:cNvPr id="4" name="Picture 3">
+            <a:extLst>
+              <a:ext uri="{FF2B5EF4-FFF2-40B4-BE49-F238E27FC236}">
+                <a16:creationId xmlns:a16="http://schemas.microsoft.com/office/drawing/2014/main" id="{096C7980-7297-A056-1640-E4109B914CDD}"/>
+              </a:ext>
+            </a:extLst>
+          </p:cNvPr>
+          <p:cNvPicPr>
+            <a:picLocks noChangeAspect="1"/>
+          </p:cNvPicPr>
+          <p:nvPr/>
+        </p:nvPicPr>
+        <p:blipFill>
+          <a:blip r:embed="rId2"/>
+          <a:stretch>
+            <a:fillRect/>
+          </a:stretch>
+        </p:blipFill>
+        <p:spPr>
+          <a:xfrm>
+            <a:off x="7767957" y="83058"/>
+            <a:ext cx="4420868" cy="1512168"/>
+          </a:xfrm>
+          <a:prstGeom prst="rect">
+            <a:avLst/>
+          </a:prstGeom>
+        </p:spPr>
+      </p:pic>
+      <p:pic>
+        <p:nvPicPr>
+          <p:cNvPr id="5" name="Picture 4">
+            <a:extLst>
+              <a:ext uri="{FF2B5EF4-FFF2-40B4-BE49-F238E27FC236}">
+                <a16:creationId xmlns:a16="http://schemas.microsoft.com/office/drawing/2014/main" id="{A29A4FAA-8674-8DEA-4FB9-F88E5AF9A40C}"/>
+              </a:ext>
+            </a:extLst>
+          </p:cNvPr>
+          <p:cNvPicPr>
+            <a:picLocks noChangeAspect="1"/>
+          </p:cNvPicPr>
+          <p:nvPr/>
+        </p:nvPicPr>
+        <p:blipFill>
+          <a:blip r:embed="rId3"/>
+          <a:stretch>
+            <a:fillRect/>
+          </a:stretch>
+        </p:blipFill>
+        <p:spPr>
+          <a:xfrm>
+            <a:off x="117748" y="5589240"/>
+            <a:ext cx="1152128" cy="1180931"/>
+          </a:xfrm>
+          <a:prstGeom prst="rect">
+            <a:avLst/>
+          </a:prstGeom>
+          <a:ln>
+            <a:noFill/>
+          </a:ln>
+          <a:effectLst>
+            <a:softEdge rad="112500"/>
+          </a:effectLst>
+        </p:spPr>
+      </p:pic>
     </p:spTree>
     <p:extLst>
       <p:ext uri="{BB962C8B-B14F-4D97-AF65-F5344CB8AC3E}">

--- a/Manim/Learn Manim Library by Practice.pptx
+++ b/Manim/Learn Manim Library by Practice.pptx
@@ -5,23 +5,14 @@
     <p:sldMasterId id="2147483648" r:id="rId1"/>
   </p:sldMasterIdLst>
   <p:notesMasterIdLst>
-    <p:notesMasterId r:id="rId13"/>
+    <p:notesMasterId r:id="rId4"/>
   </p:notesMasterIdLst>
   <p:handoutMasterIdLst>
-    <p:handoutMasterId r:id="rId14"/>
+    <p:handoutMasterId r:id="rId5"/>
   </p:handoutMasterIdLst>
   <p:sldIdLst>
     <p:sldId id="256" r:id="rId2"/>
     <p:sldId id="267" r:id="rId3"/>
-    <p:sldId id="268" r:id="rId4"/>
-    <p:sldId id="269" r:id="rId5"/>
-    <p:sldId id="271" r:id="rId6"/>
-    <p:sldId id="258" r:id="rId7"/>
-    <p:sldId id="260" r:id="rId8"/>
-    <p:sldId id="261" r:id="rId9"/>
-    <p:sldId id="262" r:id="rId10"/>
-    <p:sldId id="272" r:id="rId11"/>
-    <p:sldId id="264" r:id="rId12"/>
   </p:sldIdLst>
   <p:sldSz cx="12188825" cy="6858000"/>
   <p:notesSz cx="6858000" cy="9144000"/>
@@ -156,4144 +147,6 @@
     </p:ext>
   </p:extLst>
 </p:presentation>
-</file>
-
-<file path=ppt/charts/chart1.xml><?xml version="1.0" encoding="utf-8"?>
-<c:chartSpace xmlns:c="http://schemas.openxmlformats.org/drawingml/2006/chart" xmlns:a="http://schemas.openxmlformats.org/drawingml/2006/main" xmlns:r="http://schemas.openxmlformats.org/officeDocument/2006/relationships" xmlns:c16r2="http://schemas.microsoft.com/office/drawing/2015/06/chart">
-  <c:date1904 val="0"/>
-  <c:lang val="en-US"/>
-  <c:roundedCorners val="0"/>
-  <mc:AlternateContent xmlns:mc="http://schemas.openxmlformats.org/markup-compatibility/2006">
-    <mc:Choice xmlns:c14="http://schemas.microsoft.com/office/drawing/2007/8/2/chart" Requires="c14">
-      <c14:style val="102"/>
-    </mc:Choice>
-    <mc:Fallback>
-      <c:style val="2"/>
-    </mc:Fallback>
-  </mc:AlternateContent>
-  <c:chart>
-    <c:autoTitleDeleted val="1"/>
-    <c:plotArea>
-      <c:layout/>
-      <c:barChart>
-        <c:barDir val="bar"/>
-        <c:grouping val="stacked"/>
-        <c:varyColors val="0"/>
-        <c:ser>
-          <c:idx val="0"/>
-          <c:order val="0"/>
-          <c:tx>
-            <c:strRef>
-              <c:f>Sheet1!$B$1</c:f>
-              <c:strCache>
-                <c:ptCount val="1"/>
-                <c:pt idx="0">
-                  <c:v>Series 1</c:v>
-                </c:pt>
-              </c:strCache>
-            </c:strRef>
-          </c:tx>
-          <c:spPr>
-            <a:solidFill>
-              <a:schemeClr val="accent1">
-                <a:alpha val="70000"/>
-              </a:schemeClr>
-            </a:solidFill>
-            <a:ln>
-              <a:noFill/>
-            </a:ln>
-            <a:effectLst/>
-          </c:spPr>
-          <c:invertIfNegative val="0"/>
-          <c:cat>
-            <c:strRef>
-              <c:f>Sheet1!$A$2:$A$5</c:f>
-              <c:strCache>
-                <c:ptCount val="4"/>
-                <c:pt idx="0">
-                  <c:v>Category 1</c:v>
-                </c:pt>
-                <c:pt idx="1">
-                  <c:v>Category 2</c:v>
-                </c:pt>
-                <c:pt idx="2">
-                  <c:v>Category 3</c:v>
-                </c:pt>
-                <c:pt idx="3">
-                  <c:v>Category 4</c:v>
-                </c:pt>
-              </c:strCache>
-            </c:strRef>
-          </c:cat>
-          <c:val>
-            <c:numRef>
-              <c:f>Sheet1!$B$2:$B$5</c:f>
-              <c:numCache>
-                <c:formatCode>General</c:formatCode>
-                <c:ptCount val="4"/>
-                <c:pt idx="0">
-                  <c:v>4.3</c:v>
-                </c:pt>
-                <c:pt idx="1">
-                  <c:v>2.5</c:v>
-                </c:pt>
-                <c:pt idx="2">
-                  <c:v>3.5</c:v>
-                </c:pt>
-                <c:pt idx="3">
-                  <c:v>4.5</c:v>
-                </c:pt>
-              </c:numCache>
-            </c:numRef>
-          </c:val>
-          <c:extLst>
-            <c:ext xmlns:c16="http://schemas.microsoft.com/office/drawing/2014/chart" uri="{C3380CC4-5D6E-409C-BE32-E72D297353CC}">
-              <c16:uniqueId val="{00000000-EA47-4237-B372-B2E0A251D9D1}"/>
-            </c:ext>
-          </c:extLst>
-        </c:ser>
-        <c:ser>
-          <c:idx val="1"/>
-          <c:order val="1"/>
-          <c:tx>
-            <c:strRef>
-              <c:f>Sheet1!$C$1</c:f>
-              <c:strCache>
-                <c:ptCount val="1"/>
-                <c:pt idx="0">
-                  <c:v>Series 2</c:v>
-                </c:pt>
-              </c:strCache>
-            </c:strRef>
-          </c:tx>
-          <c:spPr>
-            <a:solidFill>
-              <a:schemeClr val="accent2">
-                <a:alpha val="70000"/>
-              </a:schemeClr>
-            </a:solidFill>
-            <a:ln>
-              <a:noFill/>
-            </a:ln>
-            <a:effectLst/>
-          </c:spPr>
-          <c:invertIfNegative val="0"/>
-          <c:cat>
-            <c:strRef>
-              <c:f>Sheet1!$A$2:$A$5</c:f>
-              <c:strCache>
-                <c:ptCount val="4"/>
-                <c:pt idx="0">
-                  <c:v>Category 1</c:v>
-                </c:pt>
-                <c:pt idx="1">
-                  <c:v>Category 2</c:v>
-                </c:pt>
-                <c:pt idx="2">
-                  <c:v>Category 3</c:v>
-                </c:pt>
-                <c:pt idx="3">
-                  <c:v>Category 4</c:v>
-                </c:pt>
-              </c:strCache>
-            </c:strRef>
-          </c:cat>
-          <c:val>
-            <c:numRef>
-              <c:f>Sheet1!$C$2:$C$5</c:f>
-              <c:numCache>
-                <c:formatCode>General</c:formatCode>
-                <c:ptCount val="4"/>
-                <c:pt idx="0">
-                  <c:v>2.4</c:v>
-                </c:pt>
-                <c:pt idx="1">
-                  <c:v>4.4000000000000004</c:v>
-                </c:pt>
-                <c:pt idx="2">
-                  <c:v>1.8</c:v>
-                </c:pt>
-                <c:pt idx="3">
-                  <c:v>2.8</c:v>
-                </c:pt>
-              </c:numCache>
-            </c:numRef>
-          </c:val>
-          <c:extLst>
-            <c:ext xmlns:c16="http://schemas.microsoft.com/office/drawing/2014/chart" uri="{C3380CC4-5D6E-409C-BE32-E72D297353CC}">
-              <c16:uniqueId val="{00000001-EA47-4237-B372-B2E0A251D9D1}"/>
-            </c:ext>
-          </c:extLst>
-        </c:ser>
-        <c:ser>
-          <c:idx val="2"/>
-          <c:order val="2"/>
-          <c:tx>
-            <c:strRef>
-              <c:f>Sheet1!$D$1</c:f>
-              <c:strCache>
-                <c:ptCount val="1"/>
-                <c:pt idx="0">
-                  <c:v>Series 3</c:v>
-                </c:pt>
-              </c:strCache>
-            </c:strRef>
-          </c:tx>
-          <c:spPr>
-            <a:solidFill>
-              <a:schemeClr val="accent3">
-                <a:alpha val="70000"/>
-              </a:schemeClr>
-            </a:solidFill>
-            <a:ln>
-              <a:noFill/>
-            </a:ln>
-            <a:effectLst/>
-          </c:spPr>
-          <c:invertIfNegative val="0"/>
-          <c:cat>
-            <c:strRef>
-              <c:f>Sheet1!$A$2:$A$5</c:f>
-              <c:strCache>
-                <c:ptCount val="4"/>
-                <c:pt idx="0">
-                  <c:v>Category 1</c:v>
-                </c:pt>
-                <c:pt idx="1">
-                  <c:v>Category 2</c:v>
-                </c:pt>
-                <c:pt idx="2">
-                  <c:v>Category 3</c:v>
-                </c:pt>
-                <c:pt idx="3">
-                  <c:v>Category 4</c:v>
-                </c:pt>
-              </c:strCache>
-            </c:strRef>
-          </c:cat>
-          <c:val>
-            <c:numRef>
-              <c:f>Sheet1!$D$2:$D$5</c:f>
-              <c:numCache>
-                <c:formatCode>General</c:formatCode>
-                <c:ptCount val="4"/>
-                <c:pt idx="0">
-                  <c:v>2</c:v>
-                </c:pt>
-                <c:pt idx="1">
-                  <c:v>2</c:v>
-                </c:pt>
-                <c:pt idx="2">
-                  <c:v>3</c:v>
-                </c:pt>
-                <c:pt idx="3">
-                  <c:v>5</c:v>
-                </c:pt>
-              </c:numCache>
-            </c:numRef>
-          </c:val>
-          <c:extLst>
-            <c:ext xmlns:c16="http://schemas.microsoft.com/office/drawing/2014/chart" uri="{C3380CC4-5D6E-409C-BE32-E72D297353CC}">
-              <c16:uniqueId val="{00000002-EA47-4237-B372-B2E0A251D9D1}"/>
-            </c:ext>
-          </c:extLst>
-        </c:ser>
-        <c:dLbls>
-          <c:showLegendKey val="0"/>
-          <c:showVal val="0"/>
-          <c:showCatName val="0"/>
-          <c:showSerName val="0"/>
-          <c:showPercent val="0"/>
-          <c:showBubbleSize val="0"/>
-        </c:dLbls>
-        <c:gapWidth val="50"/>
-        <c:overlap val="100"/>
-        <c:axId val="228523504"/>
-        <c:axId val="228523896"/>
-      </c:barChart>
-      <c:catAx>
-        <c:axId val="228523504"/>
-        <c:scaling>
-          <c:orientation val="minMax"/>
-        </c:scaling>
-        <c:delete val="0"/>
-        <c:axPos val="l"/>
-        <c:numFmt formatCode="General" sourceLinked="1"/>
-        <c:majorTickMark val="none"/>
-        <c:minorTickMark val="none"/>
-        <c:tickLblPos val="nextTo"/>
-        <c:spPr>
-          <a:noFill/>
-          <a:ln w="9525" cap="flat" cmpd="sng" algn="ctr">
-            <a:solidFill>
-              <a:schemeClr val="tx1">
-                <a:lumMod val="25000"/>
-                <a:lumOff val="75000"/>
-              </a:schemeClr>
-            </a:solidFill>
-            <a:round/>
-            <a:headEnd type="none" w="sm" len="sm"/>
-            <a:tailEnd type="none" w="sm" len="sm"/>
-          </a:ln>
-          <a:effectLst/>
-        </c:spPr>
-        <c:txPr>
-          <a:bodyPr rot="-60000000" spcFirstLastPara="1" vertOverflow="ellipsis" vert="horz" wrap="square" anchor="ctr" anchorCtr="1"/>
-          <a:lstStyle/>
-          <a:p>
-            <a:pPr>
-              <a:defRPr sz="1197" b="0" i="0" u="none" strike="noStrike" kern="1200" baseline="0">
-                <a:solidFill>
-                  <a:schemeClr val="tx1">
-                    <a:lumMod val="65000"/>
-                    <a:lumOff val="35000"/>
-                  </a:schemeClr>
-                </a:solidFill>
-                <a:latin typeface="+mn-lt"/>
-                <a:ea typeface="+mn-ea"/>
-                <a:cs typeface="+mn-cs"/>
-              </a:defRPr>
-            </a:pPr>
-            <a:endParaRPr lang="en-US"/>
-          </a:p>
-        </c:txPr>
-        <c:crossAx val="228523896"/>
-        <c:crosses val="autoZero"/>
-        <c:auto val="1"/>
-        <c:lblAlgn val="ctr"/>
-        <c:lblOffset val="100"/>
-        <c:noMultiLvlLbl val="0"/>
-      </c:catAx>
-      <c:valAx>
-        <c:axId val="228523896"/>
-        <c:scaling>
-          <c:orientation val="minMax"/>
-        </c:scaling>
-        <c:delete val="0"/>
-        <c:axPos val="b"/>
-        <c:majorGridlines>
-          <c:spPr>
-            <a:ln w="9525" cap="flat" cmpd="sng" algn="ctr">
-              <a:gradFill>
-                <a:gsLst>
-                  <a:gs pos="0">
-                    <a:schemeClr val="tx1">
-                      <a:lumMod val="5000"/>
-                      <a:lumOff val="95000"/>
-                    </a:schemeClr>
-                  </a:gs>
-                  <a:gs pos="100000">
-                    <a:schemeClr val="tx1">
-                      <a:lumMod val="15000"/>
-                      <a:lumOff val="85000"/>
-                    </a:schemeClr>
-                  </a:gs>
-                </a:gsLst>
-                <a:lin ang="5400000" scaled="0"/>
-              </a:gradFill>
-              <a:round/>
-            </a:ln>
-            <a:effectLst/>
-          </c:spPr>
-        </c:majorGridlines>
-        <c:numFmt formatCode="General" sourceLinked="1"/>
-        <c:majorTickMark val="none"/>
-        <c:minorTickMark val="none"/>
-        <c:tickLblPos val="nextTo"/>
-        <c:spPr>
-          <a:noFill/>
-          <a:ln>
-            <a:noFill/>
-          </a:ln>
-          <a:effectLst/>
-        </c:spPr>
-        <c:txPr>
-          <a:bodyPr rot="-60000000" spcFirstLastPara="1" vertOverflow="ellipsis" vert="horz" wrap="square" anchor="ctr" anchorCtr="1"/>
-          <a:lstStyle/>
-          <a:p>
-            <a:pPr>
-              <a:defRPr sz="1197" b="0" i="0" u="none" strike="noStrike" kern="1200" baseline="0">
-                <a:solidFill>
-                  <a:schemeClr val="tx1">
-                    <a:lumMod val="65000"/>
-                    <a:lumOff val="35000"/>
-                  </a:schemeClr>
-                </a:solidFill>
-                <a:latin typeface="+mn-lt"/>
-                <a:ea typeface="+mn-ea"/>
-                <a:cs typeface="+mn-cs"/>
-              </a:defRPr>
-            </a:pPr>
-            <a:endParaRPr lang="en-US"/>
-          </a:p>
-        </c:txPr>
-        <c:crossAx val="228523504"/>
-        <c:crosses val="autoZero"/>
-        <c:crossBetween val="between"/>
-      </c:valAx>
-      <c:spPr>
-        <a:noFill/>
-        <a:ln>
-          <a:noFill/>
-        </a:ln>
-        <a:effectLst/>
-      </c:spPr>
-    </c:plotArea>
-    <c:legend>
-      <c:legendPos val="b"/>
-      <c:overlay val="0"/>
-      <c:spPr>
-        <a:noFill/>
-        <a:ln>
-          <a:noFill/>
-        </a:ln>
-        <a:effectLst/>
-      </c:spPr>
-      <c:txPr>
-        <a:bodyPr rot="0" spcFirstLastPara="1" vertOverflow="ellipsis" vert="horz" wrap="square" anchor="ctr" anchorCtr="1"/>
-        <a:lstStyle/>
-        <a:p>
-          <a:pPr>
-            <a:defRPr sz="1197" b="0" i="0" u="none" strike="noStrike" kern="1200" baseline="0">
-              <a:solidFill>
-                <a:schemeClr val="tx1">
-                  <a:lumMod val="65000"/>
-                  <a:lumOff val="35000"/>
-                </a:schemeClr>
-              </a:solidFill>
-              <a:latin typeface="+mn-lt"/>
-              <a:ea typeface="+mn-ea"/>
-              <a:cs typeface="+mn-cs"/>
-            </a:defRPr>
-          </a:pPr>
-          <a:endParaRPr lang="en-US"/>
-        </a:p>
-      </c:txPr>
-    </c:legend>
-    <c:plotVisOnly val="1"/>
-    <c:dispBlanksAs val="gap"/>
-    <c:showDLblsOverMax val="0"/>
-  </c:chart>
-  <c:spPr>
-    <a:noFill/>
-    <a:ln>
-      <a:noFill/>
-    </a:ln>
-    <a:effectLst/>
-  </c:spPr>
-  <c:txPr>
-    <a:bodyPr/>
-    <a:lstStyle/>
-    <a:p>
-      <a:pPr>
-        <a:defRPr/>
-      </a:pPr>
-      <a:endParaRPr lang="en-US"/>
-    </a:p>
-  </c:txPr>
-  <c:externalData r:id="rId3">
-    <c:autoUpdate val="0"/>
-  </c:externalData>
-</c:chartSpace>
-</file>
-
-<file path=ppt/charts/colors1.xml><?xml version="1.0" encoding="utf-8"?>
-<cs:colorStyle xmlns:cs="http://schemas.microsoft.com/office/drawing/2012/chartStyle" xmlns:a="http://schemas.openxmlformats.org/drawingml/2006/main" meth="cycle" id="10">
-  <a:schemeClr val="accent1"/>
-  <a:schemeClr val="accent2"/>
-  <a:schemeClr val="accent3"/>
-  <a:schemeClr val="accent4"/>
-  <a:schemeClr val="accent5"/>
-  <a:schemeClr val="accent6"/>
-  <cs:variation/>
-  <cs:variation>
-    <a:lumMod val="60000"/>
-  </cs:variation>
-  <cs:variation>
-    <a:lumMod val="80000"/>
-    <a:lumOff val="20000"/>
-  </cs:variation>
-  <cs:variation>
-    <a:lumMod val="80000"/>
-  </cs:variation>
-  <cs:variation>
-    <a:lumMod val="60000"/>
-    <a:lumOff val="40000"/>
-  </cs:variation>
-  <cs:variation>
-    <a:lumMod val="50000"/>
-  </cs:variation>
-  <cs:variation>
-    <a:lumMod val="70000"/>
-    <a:lumOff val="30000"/>
-  </cs:variation>
-  <cs:variation>
-    <a:lumMod val="70000"/>
-  </cs:variation>
-  <cs:variation>
-    <a:lumMod val="50000"/>
-    <a:lumOff val="50000"/>
-  </cs:variation>
-</cs:colorStyle>
-</file>
-
-<file path=ppt/charts/style1.xml><?xml version="1.0" encoding="utf-8"?>
-<cs:chartStyle xmlns:cs="http://schemas.microsoft.com/office/drawing/2012/chartStyle" xmlns:a="http://schemas.openxmlformats.org/drawingml/2006/main" id="305">
-  <cs:axisTitle>
-    <cs:lnRef idx="0"/>
-    <cs:fillRef idx="0"/>
-    <cs:effectRef idx="0"/>
-    <cs:fontRef idx="minor">
-      <a:schemeClr val="tx1">
-        <a:lumMod val="65000"/>
-        <a:lumOff val="35000"/>
-      </a:schemeClr>
-    </cs:fontRef>
-    <cs:defRPr sz="1197" kern="1200" cap="all"/>
-  </cs:axisTitle>
-  <cs:categoryAxis>
-    <cs:lnRef idx="0"/>
-    <cs:fillRef idx="0"/>
-    <cs:effectRef idx="0"/>
-    <cs:fontRef idx="minor">
-      <a:schemeClr val="tx1">
-        <a:lumMod val="65000"/>
-        <a:lumOff val="35000"/>
-      </a:schemeClr>
-    </cs:fontRef>
-    <cs:spPr>
-      <a:ln w="9525" cap="flat" cmpd="sng" algn="ctr">
-        <a:solidFill>
-          <a:schemeClr val="tx1">
-            <a:lumMod val="25000"/>
-            <a:lumOff val="75000"/>
-          </a:schemeClr>
-        </a:solidFill>
-        <a:round/>
-        <a:headEnd type="none" w="sm" len="sm"/>
-        <a:tailEnd type="none" w="sm" len="sm"/>
-      </a:ln>
-    </cs:spPr>
-    <cs:defRPr sz="1197" kern="1200"/>
-  </cs:categoryAxis>
-  <cs:chartArea mods="allowNoFillOverride allowNoLineOverride">
-    <cs:lnRef idx="0"/>
-    <cs:fillRef idx="0"/>
-    <cs:effectRef idx="0"/>
-    <cs:fontRef idx="minor">
-      <a:schemeClr val="dk1"/>
-    </cs:fontRef>
-    <cs:spPr>
-      <a:solidFill>
-        <a:schemeClr val="bg1"/>
-      </a:solidFill>
-      <a:ln w="9525" cap="flat" cmpd="sng" algn="ctr">
-        <a:solidFill>
-          <a:schemeClr val="tx1">
-            <a:lumMod val="15000"/>
-            <a:lumOff val="85000"/>
-          </a:schemeClr>
-        </a:solidFill>
-        <a:round/>
-      </a:ln>
-    </cs:spPr>
-    <cs:defRPr sz="1197" kern="1200"/>
-  </cs:chartArea>
-  <cs:dataLabel>
-    <cs:lnRef idx="0"/>
-    <cs:fillRef idx="0"/>
-    <cs:effectRef idx="0"/>
-    <cs:fontRef idx="minor">
-      <a:schemeClr val="tx1">
-        <a:lumMod val="75000"/>
-        <a:lumOff val="25000"/>
-      </a:schemeClr>
-    </cs:fontRef>
-    <cs:defRPr sz="1197" kern="1200"/>
-  </cs:dataLabel>
-  <cs:dataLabelCallout>
-    <cs:lnRef idx="0"/>
-    <cs:fillRef idx="0"/>
-    <cs:effectRef idx="0"/>
-    <cs:fontRef idx="minor">
-      <a:schemeClr val="bg1"/>
-    </cs:fontRef>
-    <cs:spPr>
-      <a:solidFill>
-        <a:schemeClr val="tx1">
-          <a:lumMod val="50000"/>
-          <a:lumOff val="50000"/>
-        </a:schemeClr>
-      </a:solidFill>
-    </cs:spPr>
-    <cs:defRPr sz="1197" kern="1200"/>
-  </cs:dataLabelCallout>
-  <cs:dataPoint>
-    <cs:lnRef idx="0"/>
-    <cs:fillRef idx="0">
-      <cs:styleClr val="auto"/>
-    </cs:fillRef>
-    <cs:effectRef idx="0"/>
-    <cs:fontRef idx="minor">
-      <a:schemeClr val="tx1"/>
-    </cs:fontRef>
-    <cs:spPr>
-      <a:solidFill>
-        <a:schemeClr val="phClr">
-          <a:alpha val="70000"/>
-        </a:schemeClr>
-      </a:solidFill>
-    </cs:spPr>
-  </cs:dataPoint>
-  <cs:dataPoint3D>
-    <cs:lnRef idx="0"/>
-    <cs:fillRef idx="0">
-      <cs:styleClr val="auto"/>
-    </cs:fillRef>
-    <cs:effectRef idx="0"/>
-    <cs:fontRef idx="minor">
-      <a:schemeClr val="tx1"/>
-    </cs:fontRef>
-    <cs:spPr>
-      <a:solidFill>
-        <a:schemeClr val="phClr">
-          <a:alpha val="70000"/>
-        </a:schemeClr>
-      </a:solidFill>
-    </cs:spPr>
-  </cs:dataPoint3D>
-  <cs:dataPointLine>
-    <cs:lnRef idx="0">
-      <cs:styleClr val="auto"/>
-    </cs:lnRef>
-    <cs:fillRef idx="0"/>
-    <cs:effectRef idx="0"/>
-    <cs:fontRef idx="minor">
-      <a:schemeClr val="dk1"/>
-    </cs:fontRef>
-    <cs:spPr>
-      <a:ln w="28575" cap="rnd">
-        <a:solidFill>
-          <a:schemeClr val="phClr"/>
-        </a:solidFill>
-        <a:round/>
-      </a:ln>
-    </cs:spPr>
-  </cs:dataPointLine>
-  <cs:dataPointMarker>
-    <cs:lnRef idx="0">
-      <cs:styleClr val="auto"/>
-    </cs:lnRef>
-    <cs:fillRef idx="0">
-      <cs:styleClr val="auto"/>
-    </cs:fillRef>
-    <cs:effectRef idx="0"/>
-    <cs:fontRef idx="minor">
-      <a:schemeClr val="dk1"/>
-    </cs:fontRef>
-    <cs:spPr>
-      <a:gradFill>
-        <a:gsLst>
-          <a:gs pos="0">
-            <a:schemeClr val="phClr"/>
-          </a:gs>
-          <a:gs pos="46000">
-            <a:schemeClr val="phClr"/>
-          </a:gs>
-          <a:gs pos="100000">
-            <a:schemeClr val="phClr">
-              <a:lumMod val="20000"/>
-              <a:lumOff val="80000"/>
-              <a:alpha val="0"/>
-            </a:schemeClr>
-          </a:gs>
-        </a:gsLst>
-        <a:path path="circle">
-          <a:fillToRect l="50000" t="-80000" r="50000" b="180000"/>
-        </a:path>
-      </a:gradFill>
-      <a:ln w="9525" cap="flat" cmpd="sng" algn="ctr">
-        <a:solidFill>
-          <a:schemeClr val="phClr">
-            <a:shade val="95000"/>
-          </a:schemeClr>
-        </a:solidFill>
-        <a:round/>
-      </a:ln>
-    </cs:spPr>
-  </cs:dataPointMarker>
-  <cs:dataPointMarkerLayout symbol="circle" size="6"/>
-  <cs:dataPointWireframe>
-    <cs:lnRef idx="0">
-      <cs:styleClr val="auto"/>
-    </cs:lnRef>
-    <cs:fillRef idx="0"/>
-    <cs:effectRef idx="0"/>
-    <cs:fontRef idx="minor">
-      <a:schemeClr val="dk1"/>
-    </cs:fontRef>
-    <cs:spPr>
-      <a:ln w="9525" cap="rnd">
-        <a:solidFill>
-          <a:schemeClr val="phClr"/>
-        </a:solidFill>
-        <a:round/>
-      </a:ln>
-    </cs:spPr>
-  </cs:dataPointWireframe>
-  <cs:dataTable>
-    <cs:lnRef idx="0"/>
-    <cs:fillRef idx="0"/>
-    <cs:effectRef idx="0"/>
-    <cs:fontRef idx="minor">
-      <a:schemeClr val="tx1">
-        <a:lumMod val="65000"/>
-        <a:lumOff val="35000"/>
-      </a:schemeClr>
-    </cs:fontRef>
-    <cs:spPr>
-      <a:ln w="9525">
-        <a:solidFill>
-          <a:schemeClr val="tx1">
-            <a:lumMod val="15000"/>
-            <a:lumOff val="85000"/>
-          </a:schemeClr>
-        </a:solidFill>
-      </a:ln>
-    </cs:spPr>
-    <cs:defRPr sz="1197" kern="1200"/>
-  </cs:dataTable>
-  <cs:downBar>
-    <cs:lnRef idx="0"/>
-    <cs:fillRef idx="0"/>
-    <cs:effectRef idx="0"/>
-    <cs:fontRef idx="minor">
-      <a:schemeClr val="dk1"/>
-    </cs:fontRef>
-    <cs:spPr>
-      <a:solidFill>
-        <a:schemeClr val="dk1">
-          <a:lumMod val="75000"/>
-          <a:lumOff val="25000"/>
-        </a:schemeClr>
-      </a:solidFill>
-      <a:ln w="9525">
-        <a:solidFill>
-          <a:schemeClr val="tx1">
-            <a:lumMod val="65000"/>
-            <a:lumOff val="35000"/>
-          </a:schemeClr>
-        </a:solidFill>
-      </a:ln>
-    </cs:spPr>
-  </cs:downBar>
-  <cs:dropLine>
-    <cs:lnRef idx="0"/>
-    <cs:fillRef idx="0"/>
-    <cs:effectRef idx="0"/>
-    <cs:fontRef idx="minor">
-      <a:schemeClr val="dk1"/>
-    </cs:fontRef>
-    <cs:spPr>
-      <a:ln w="9525">
-        <a:solidFill>
-          <a:schemeClr val="tx1">
-            <a:lumMod val="35000"/>
-            <a:lumOff val="65000"/>
-          </a:schemeClr>
-        </a:solidFill>
-      </a:ln>
-    </cs:spPr>
-  </cs:dropLine>
-  <cs:errorBar>
-    <cs:lnRef idx="0"/>
-    <cs:fillRef idx="0"/>
-    <cs:effectRef idx="0"/>
-    <cs:fontRef idx="minor">
-      <a:schemeClr val="dk1"/>
-    </cs:fontRef>
-    <cs:spPr>
-      <a:ln w="9525" cap="flat" cmpd="sng" algn="ctr">
-        <a:solidFill>
-          <a:schemeClr val="tx1">
-            <a:lumMod val="65000"/>
-            <a:lumOff val="35000"/>
-          </a:schemeClr>
-        </a:solidFill>
-        <a:round/>
-      </a:ln>
-    </cs:spPr>
-  </cs:errorBar>
-  <cs:floor>
-    <cs:lnRef idx="0"/>
-    <cs:fillRef idx="0"/>
-    <cs:effectRef idx="0"/>
-    <cs:fontRef idx="minor">
-      <a:schemeClr val="dk1"/>
-    </cs:fontRef>
-  </cs:floor>
-  <cs:gridlineMajor>
-    <cs:lnRef idx="0"/>
-    <cs:fillRef idx="0"/>
-    <cs:effectRef idx="0"/>
-    <cs:fontRef idx="minor">
-      <a:schemeClr val="dk1"/>
-    </cs:fontRef>
-    <cs:spPr>
-      <a:ln w="9525" cap="flat" cmpd="sng" algn="ctr">
-        <a:gradFill>
-          <a:gsLst>
-            <a:gs pos="0">
-              <a:schemeClr val="tx1">
-                <a:lumMod val="5000"/>
-                <a:lumOff val="95000"/>
-              </a:schemeClr>
-            </a:gs>
-            <a:gs pos="100000">
-              <a:schemeClr val="tx1">
-                <a:lumMod val="15000"/>
-                <a:lumOff val="85000"/>
-              </a:schemeClr>
-            </a:gs>
-          </a:gsLst>
-          <a:lin ang="5400000" scaled="0"/>
-        </a:gradFill>
-        <a:round/>
-      </a:ln>
-    </cs:spPr>
-  </cs:gridlineMajor>
-  <cs:gridlineMinor>
-    <cs:lnRef idx="0"/>
-    <cs:fillRef idx="0"/>
-    <cs:effectRef idx="0"/>
-    <cs:fontRef idx="minor">
-      <a:schemeClr val="dk1"/>
-    </cs:fontRef>
-    <cs:spPr>
-      <a:ln w="9525" cap="flat" cmpd="sng" algn="ctr">
-        <a:gradFill>
-          <a:gsLst>
-            <a:gs pos="0">
-              <a:schemeClr val="tx1">
-                <a:lumMod val="5000"/>
-                <a:lumOff val="95000"/>
-              </a:schemeClr>
-            </a:gs>
-            <a:gs pos="100000">
-              <a:schemeClr val="tx1">
-                <a:lumMod val="15000"/>
-                <a:lumOff val="85000"/>
-              </a:schemeClr>
-            </a:gs>
-          </a:gsLst>
-          <a:lin ang="5400000" scaled="0"/>
-        </a:gradFill>
-        <a:round/>
-      </a:ln>
-    </cs:spPr>
-  </cs:gridlineMinor>
-  <cs:hiLoLine>
-    <cs:lnRef idx="0"/>
-    <cs:fillRef idx="0"/>
-    <cs:effectRef idx="0"/>
-    <cs:fontRef idx="minor">
-      <a:schemeClr val="dk1"/>
-    </cs:fontRef>
-    <cs:spPr>
-      <a:ln w="9525">
-        <a:solidFill>
-          <a:schemeClr val="tx1">
-            <a:lumMod val="50000"/>
-            <a:lumOff val="50000"/>
-          </a:schemeClr>
-        </a:solidFill>
-      </a:ln>
-    </cs:spPr>
-  </cs:hiLoLine>
-  <cs:leaderLine>
-    <cs:lnRef idx="0"/>
-    <cs:fillRef idx="0"/>
-    <cs:effectRef idx="0"/>
-    <cs:fontRef idx="minor">
-      <a:schemeClr val="dk1"/>
-    </cs:fontRef>
-    <cs:spPr>
-      <a:ln w="9525">
-        <a:solidFill>
-          <a:schemeClr val="tx1">
-            <a:lumMod val="35000"/>
-            <a:lumOff val="65000"/>
-          </a:schemeClr>
-        </a:solidFill>
-      </a:ln>
-    </cs:spPr>
-  </cs:leaderLine>
-  <cs:legend>
-    <cs:lnRef idx="0"/>
-    <cs:fillRef idx="0"/>
-    <cs:effectRef idx="0"/>
-    <cs:fontRef idx="minor">
-      <a:schemeClr val="tx1">
-        <a:lumMod val="65000"/>
-        <a:lumOff val="35000"/>
-      </a:schemeClr>
-    </cs:fontRef>
-    <cs:defRPr sz="1197" kern="1200"/>
-  </cs:legend>
-  <cs:plotArea mods="allowNoFillOverride allowNoLineOverride">
-    <cs:lnRef idx="0"/>
-    <cs:fillRef idx="0"/>
-    <cs:effectRef idx="0"/>
-    <cs:fontRef idx="minor">
-      <a:schemeClr val="dk1"/>
-    </cs:fontRef>
-  </cs:plotArea>
-  <cs:plotArea3D mods="allowNoFillOverride allowNoLineOverride">
-    <cs:lnRef idx="0"/>
-    <cs:fillRef idx="0"/>
-    <cs:effectRef idx="0"/>
-    <cs:fontRef idx="minor">
-      <a:schemeClr val="dk1"/>
-    </cs:fontRef>
-  </cs:plotArea3D>
-  <cs:seriesAxis>
-    <cs:lnRef idx="0"/>
-    <cs:fillRef idx="0"/>
-    <cs:effectRef idx="0"/>
-    <cs:fontRef idx="minor">
-      <a:schemeClr val="tx1">
-        <a:lumMod val="65000"/>
-        <a:lumOff val="35000"/>
-      </a:schemeClr>
-    </cs:fontRef>
-    <cs:spPr>
-      <a:ln w="9525" cap="flat" cmpd="sng" algn="ctr">
-        <a:solidFill>
-          <a:schemeClr val="tx1">
-            <a:lumMod val="15000"/>
-            <a:lumOff val="85000"/>
-          </a:schemeClr>
-        </a:solidFill>
-        <a:round/>
-        <a:headEnd type="none" w="sm" len="sm"/>
-        <a:tailEnd type="none" w="sm" len="sm"/>
-      </a:ln>
-    </cs:spPr>
-    <cs:defRPr sz="1197" kern="1200"/>
-  </cs:seriesAxis>
-  <cs:seriesLine>
-    <cs:lnRef idx="0"/>
-    <cs:fillRef idx="0"/>
-    <cs:effectRef idx="0"/>
-    <cs:fontRef idx="minor">
-      <a:schemeClr val="dk1"/>
-    </cs:fontRef>
-    <cs:spPr>
-      <a:ln w="9525">
-        <a:solidFill>
-          <a:schemeClr val="tx1">
-            <a:lumMod val="35000"/>
-            <a:lumOff val="65000"/>
-          </a:schemeClr>
-        </a:solidFill>
-        <a:round/>
-      </a:ln>
-    </cs:spPr>
-  </cs:seriesLine>
-  <cs:title>
-    <cs:lnRef idx="0"/>
-    <cs:fillRef idx="0"/>
-    <cs:effectRef idx="0"/>
-    <cs:fontRef idx="minor">
-      <a:schemeClr val="tx1">
-        <a:lumMod val="65000"/>
-        <a:lumOff val="35000"/>
-      </a:schemeClr>
-    </cs:fontRef>
-    <cs:defRPr sz="2200" b="1" kern="1200" cap="all" spc="50" baseline="0"/>
-  </cs:title>
-  <cs:trendline>
-    <cs:lnRef idx="0">
-      <cs:styleClr val="auto"/>
-    </cs:lnRef>
-    <cs:fillRef idx="0"/>
-    <cs:effectRef idx="0"/>
-    <cs:fontRef idx="minor">
-      <a:schemeClr val="dk1"/>
-    </cs:fontRef>
-    <cs:spPr>
-      <a:ln w="9525" cap="rnd">
-        <a:solidFill>
-          <a:schemeClr val="phClr"/>
-        </a:solidFill>
-      </a:ln>
-    </cs:spPr>
-  </cs:trendline>
-  <cs:trendlineLabel>
-    <cs:lnRef idx="0"/>
-    <cs:fillRef idx="0"/>
-    <cs:effectRef idx="0"/>
-    <cs:fontRef idx="minor">
-      <a:schemeClr val="tx1">
-        <a:lumMod val="65000"/>
-        <a:lumOff val="35000"/>
-      </a:schemeClr>
-    </cs:fontRef>
-    <cs:defRPr sz="1197" kern="1200"/>
-  </cs:trendlineLabel>
-  <cs:upBar>
-    <cs:lnRef idx="0"/>
-    <cs:fillRef idx="0"/>
-    <cs:effectRef idx="0"/>
-    <cs:fontRef idx="minor">
-      <a:schemeClr val="dk1"/>
-    </cs:fontRef>
-    <cs:spPr>
-      <a:solidFill>
-        <a:schemeClr val="lt1"/>
-      </a:solidFill>
-      <a:ln w="9525">
-        <a:solidFill>
-          <a:schemeClr val="tx1">
-            <a:lumMod val="65000"/>
-            <a:lumOff val="35000"/>
-          </a:schemeClr>
-        </a:solidFill>
-      </a:ln>
-    </cs:spPr>
-  </cs:upBar>
-  <cs:valueAxis>
-    <cs:lnRef idx="0"/>
-    <cs:fillRef idx="0"/>
-    <cs:effectRef idx="0"/>
-    <cs:fontRef idx="minor">
-      <a:schemeClr val="tx1">
-        <a:lumMod val="65000"/>
-        <a:lumOff val="35000"/>
-      </a:schemeClr>
-    </cs:fontRef>
-    <cs:defRPr sz="1197" kern="1200"/>
-  </cs:valueAxis>
-  <cs:wall>
-    <cs:lnRef idx="0"/>
-    <cs:fillRef idx="0"/>
-    <cs:effectRef idx="0"/>
-    <cs:fontRef idx="minor">
-      <a:schemeClr val="dk1"/>
-    </cs:fontRef>
-  </cs:wall>
-</cs:chartStyle>
-</file>
-
-<file path=ppt/diagrams/colors1.xml><?xml version="1.0" encoding="utf-8"?>
-<dgm:colorsDef xmlns:dgm="http://schemas.openxmlformats.org/drawingml/2006/diagram" xmlns:a="http://schemas.openxmlformats.org/drawingml/2006/main" uniqueId="urn:microsoft.com/office/officeart/2005/8/colors/accent1_3">
-  <dgm:title val=""/>
-  <dgm:desc val=""/>
-  <dgm:catLst>
-    <dgm:cat type="accent1" pri="11300"/>
-  </dgm:catLst>
-  <dgm:styleLbl name="node0">
-    <dgm:fillClrLst meth="repeat">
-      <a:schemeClr val="accent1">
-        <a:shade val="80000"/>
-      </a:schemeClr>
-    </dgm:fillClrLst>
-    <dgm:linClrLst meth="repeat">
-      <a:schemeClr val="lt1"/>
-    </dgm:linClrLst>
-    <dgm:effectClrLst/>
-    <dgm:txLinClrLst/>
-    <dgm:txFillClrLst/>
-    <dgm:txEffectClrLst/>
-  </dgm:styleLbl>
-  <dgm:styleLbl name="alignNode1">
-    <dgm:fillClrLst>
-      <a:schemeClr val="accent1">
-        <a:shade val="80000"/>
-      </a:schemeClr>
-      <a:schemeClr val="accent1">
-        <a:tint val="70000"/>
-      </a:schemeClr>
-    </dgm:fillClrLst>
-    <dgm:linClrLst>
-      <a:schemeClr val="accent1">
-        <a:shade val="80000"/>
-      </a:schemeClr>
-      <a:schemeClr val="accent1">
-        <a:tint val="70000"/>
-      </a:schemeClr>
-    </dgm:linClrLst>
-    <dgm:effectClrLst/>
-    <dgm:txLinClrLst/>
-    <dgm:txFillClrLst/>
-    <dgm:txEffectClrLst/>
-  </dgm:styleLbl>
-  <dgm:styleLbl name="node1">
-    <dgm:fillClrLst>
-      <a:schemeClr val="accent1">
-        <a:shade val="80000"/>
-      </a:schemeClr>
-      <a:schemeClr val="accent1">
-        <a:tint val="70000"/>
-      </a:schemeClr>
-    </dgm:fillClrLst>
-    <dgm:linClrLst meth="repeat">
-      <a:schemeClr val="lt1"/>
-    </dgm:linClrLst>
-    <dgm:effectClrLst/>
-    <dgm:txLinClrLst/>
-    <dgm:txFillClrLst/>
-    <dgm:txEffectClrLst/>
-  </dgm:styleLbl>
-  <dgm:styleLbl name="lnNode1">
-    <dgm:fillClrLst>
-      <a:schemeClr val="accent1">
-        <a:shade val="80000"/>
-      </a:schemeClr>
-      <a:schemeClr val="accent1">
-        <a:tint val="70000"/>
-      </a:schemeClr>
-    </dgm:fillClrLst>
-    <dgm:linClrLst meth="repeat">
-      <a:schemeClr val="lt1"/>
-    </dgm:linClrLst>
-    <dgm:effectClrLst/>
-    <dgm:txLinClrLst/>
-    <dgm:txFillClrLst/>
-    <dgm:txEffectClrLst/>
-  </dgm:styleLbl>
-  <dgm:styleLbl name="vennNode1">
-    <dgm:fillClrLst>
-      <a:schemeClr val="accent1">
-        <a:shade val="80000"/>
-        <a:alpha val="50000"/>
-      </a:schemeClr>
-      <a:schemeClr val="accent1">
-        <a:tint val="70000"/>
-        <a:alpha val="50000"/>
-      </a:schemeClr>
-    </dgm:fillClrLst>
-    <dgm:linClrLst meth="repeat">
-      <a:schemeClr val="lt1"/>
-    </dgm:linClrLst>
-    <dgm:effectClrLst/>
-    <dgm:txLinClrLst/>
-    <dgm:txFillClrLst/>
-    <dgm:txEffectClrLst/>
-  </dgm:styleLbl>
-  <dgm:styleLbl name="node2">
-    <dgm:fillClrLst>
-      <a:schemeClr val="accent1">
-        <a:tint val="99000"/>
-      </a:schemeClr>
-    </dgm:fillClrLst>
-    <dgm:linClrLst meth="repeat">
-      <a:schemeClr val="lt1"/>
-    </dgm:linClrLst>
-    <dgm:effectClrLst/>
-    <dgm:txLinClrLst/>
-    <dgm:txFillClrLst/>
-    <dgm:txEffectClrLst/>
-  </dgm:styleLbl>
-  <dgm:styleLbl name="node3">
-    <dgm:fillClrLst>
-      <a:schemeClr val="accent1">
-        <a:tint val="80000"/>
-      </a:schemeClr>
-    </dgm:fillClrLst>
-    <dgm:linClrLst meth="repeat">
-      <a:schemeClr val="lt1"/>
-    </dgm:linClrLst>
-    <dgm:effectClrLst/>
-    <dgm:txLinClrLst/>
-    <dgm:txFillClrLst/>
-    <dgm:txEffectClrLst/>
-  </dgm:styleLbl>
-  <dgm:styleLbl name="node4">
-    <dgm:fillClrLst>
-      <a:schemeClr val="accent1">
-        <a:tint val="70000"/>
-      </a:schemeClr>
-    </dgm:fillClrLst>
-    <dgm:linClrLst meth="repeat">
-      <a:schemeClr val="lt1"/>
-    </dgm:linClrLst>
-    <dgm:effectClrLst/>
-    <dgm:txLinClrLst/>
-    <dgm:txFillClrLst/>
-    <dgm:txEffectClrLst/>
-  </dgm:styleLbl>
-  <dgm:styleLbl name="fgImgPlace1">
-    <dgm:fillClrLst>
-      <a:schemeClr val="accent1">
-        <a:tint val="50000"/>
-      </a:schemeClr>
-      <a:schemeClr val="accent1">
-        <a:tint val="20000"/>
-      </a:schemeClr>
-    </dgm:fillClrLst>
-    <dgm:linClrLst meth="repeat">
-      <a:schemeClr val="lt1"/>
-    </dgm:linClrLst>
-    <dgm:effectClrLst/>
-    <dgm:txLinClrLst/>
-    <dgm:txFillClrLst meth="repeat">
-      <a:schemeClr val="lt1"/>
-    </dgm:txFillClrLst>
-    <dgm:txEffectClrLst/>
-  </dgm:styleLbl>
-  <dgm:styleLbl name="alignImgPlace1">
-    <dgm:fillClrLst>
-      <a:schemeClr val="accent1">
-        <a:tint val="50000"/>
-      </a:schemeClr>
-      <a:schemeClr val="accent1">
-        <a:tint val="20000"/>
-      </a:schemeClr>
-    </dgm:fillClrLst>
-    <dgm:linClrLst meth="repeat">
-      <a:schemeClr val="lt1"/>
-    </dgm:linClrLst>
-    <dgm:effectClrLst/>
-    <dgm:txLinClrLst/>
-    <dgm:txFillClrLst meth="repeat">
-      <a:schemeClr val="lt1"/>
-    </dgm:txFillClrLst>
-    <dgm:txEffectClrLst/>
-  </dgm:styleLbl>
-  <dgm:styleLbl name="bgImgPlace1">
-    <dgm:fillClrLst>
-      <a:schemeClr val="accent1">
-        <a:tint val="50000"/>
-      </a:schemeClr>
-      <a:schemeClr val="accent1">
-        <a:tint val="20000"/>
-      </a:schemeClr>
-    </dgm:fillClrLst>
-    <dgm:linClrLst meth="repeat">
-      <a:schemeClr val="lt1"/>
-    </dgm:linClrLst>
-    <dgm:effectClrLst/>
-    <dgm:txLinClrLst/>
-    <dgm:txFillClrLst meth="repeat">
-      <a:schemeClr val="lt1"/>
-    </dgm:txFillClrLst>
-    <dgm:txEffectClrLst/>
-  </dgm:styleLbl>
-  <dgm:styleLbl name="sibTrans2D1">
-    <dgm:fillClrLst>
-      <a:schemeClr val="accent1">
-        <a:shade val="90000"/>
-      </a:schemeClr>
-      <a:schemeClr val="accent1">
-        <a:tint val="70000"/>
-      </a:schemeClr>
-    </dgm:fillClrLst>
-    <dgm:linClrLst>
-      <a:schemeClr val="accent1">
-        <a:shade val="90000"/>
-      </a:schemeClr>
-      <a:schemeClr val="accent1">
-        <a:tint val="70000"/>
-      </a:schemeClr>
-    </dgm:linClrLst>
-    <dgm:effectClrLst/>
-    <dgm:txLinClrLst/>
-    <dgm:txFillClrLst/>
-    <dgm:txEffectClrLst/>
-  </dgm:styleLbl>
-  <dgm:styleLbl name="fgSibTrans2D1">
-    <dgm:fillClrLst>
-      <a:schemeClr val="accent1">
-        <a:shade val="90000"/>
-      </a:schemeClr>
-      <a:schemeClr val="accent1">
-        <a:tint val="70000"/>
-      </a:schemeClr>
-    </dgm:fillClrLst>
-    <dgm:linClrLst>
-      <a:schemeClr val="accent1">
-        <a:shade val="90000"/>
-      </a:schemeClr>
-      <a:schemeClr val="accent1">
-        <a:tint val="70000"/>
-      </a:schemeClr>
-    </dgm:linClrLst>
-    <dgm:effectClrLst/>
-    <dgm:txLinClrLst/>
-    <dgm:txFillClrLst meth="repeat">
-      <a:schemeClr val="lt1"/>
-    </dgm:txFillClrLst>
-    <dgm:txEffectClrLst/>
-  </dgm:styleLbl>
-  <dgm:styleLbl name="bgSibTrans2D1">
-    <dgm:fillClrLst>
-      <a:schemeClr val="accent1">
-        <a:shade val="90000"/>
-      </a:schemeClr>
-      <a:schemeClr val="accent1">
-        <a:tint val="70000"/>
-      </a:schemeClr>
-    </dgm:fillClrLst>
-    <dgm:linClrLst>
-      <a:schemeClr val="accent1">
-        <a:shade val="90000"/>
-      </a:schemeClr>
-      <a:schemeClr val="accent1">
-        <a:tint val="70000"/>
-      </a:schemeClr>
-    </dgm:linClrLst>
-    <dgm:effectClrLst/>
-    <dgm:txLinClrLst/>
-    <dgm:txFillClrLst meth="repeat">
-      <a:schemeClr val="lt1"/>
-    </dgm:txFillClrLst>
-    <dgm:txEffectClrLst/>
-  </dgm:styleLbl>
-  <dgm:styleLbl name="sibTrans1D1">
-    <dgm:fillClrLst>
-      <a:schemeClr val="accent1">
-        <a:shade val="90000"/>
-      </a:schemeClr>
-      <a:schemeClr val="accent1">
-        <a:tint val="70000"/>
-      </a:schemeClr>
-    </dgm:fillClrLst>
-    <dgm:linClrLst>
-      <a:schemeClr val="accent1">
-        <a:shade val="90000"/>
-      </a:schemeClr>
-      <a:schemeClr val="accent1">
-        <a:tint val="70000"/>
-      </a:schemeClr>
-    </dgm:linClrLst>
-    <dgm:effectClrLst/>
-    <dgm:txLinClrLst/>
-    <dgm:txFillClrLst meth="repeat">
-      <a:schemeClr val="tx1"/>
-    </dgm:txFillClrLst>
-    <dgm:txEffectClrLst/>
-  </dgm:styleLbl>
-  <dgm:styleLbl name="callout">
-    <dgm:fillClrLst meth="repeat">
-      <a:schemeClr val="accent1"/>
-    </dgm:fillClrLst>
-    <dgm:linClrLst meth="repeat">
-      <a:schemeClr val="accent1"/>
-    </dgm:linClrLst>
-    <dgm:effectClrLst/>
-    <dgm:txLinClrLst/>
-    <dgm:txFillClrLst meth="repeat">
-      <a:schemeClr val="tx1"/>
-    </dgm:txFillClrLst>
-    <dgm:txEffectClrLst/>
-  </dgm:styleLbl>
-  <dgm:styleLbl name="asst0">
-    <dgm:fillClrLst meth="repeat">
-      <a:schemeClr val="accent1">
-        <a:shade val="80000"/>
-      </a:schemeClr>
-    </dgm:fillClrLst>
-    <dgm:linClrLst meth="repeat">
-      <a:schemeClr val="lt1"/>
-    </dgm:linClrLst>
-    <dgm:effectClrLst/>
-    <dgm:txLinClrLst/>
-    <dgm:txFillClrLst/>
-    <dgm:txEffectClrLst/>
-  </dgm:styleLbl>
-  <dgm:styleLbl name="asst1">
-    <dgm:fillClrLst meth="repeat">
-      <a:schemeClr val="accent1">
-        <a:shade val="80000"/>
-      </a:schemeClr>
-    </dgm:fillClrLst>
-    <dgm:linClrLst meth="repeat">
-      <a:schemeClr val="lt1"/>
-    </dgm:linClrLst>
-    <dgm:effectClrLst/>
-    <dgm:txLinClrLst/>
-    <dgm:txFillClrLst/>
-    <dgm:txEffectClrLst/>
-  </dgm:styleLbl>
-  <dgm:styleLbl name="asst2">
-    <dgm:fillClrLst>
-      <a:schemeClr val="accent1">
-        <a:tint val="99000"/>
-      </a:schemeClr>
-    </dgm:fillClrLst>
-    <dgm:linClrLst meth="repeat">
-      <a:schemeClr val="lt1"/>
-    </dgm:linClrLst>
-    <dgm:effectClrLst/>
-    <dgm:txLinClrLst/>
-    <dgm:txFillClrLst/>
-    <dgm:txEffectClrLst/>
-  </dgm:styleLbl>
-  <dgm:styleLbl name="asst3">
-    <dgm:fillClrLst>
-      <a:schemeClr val="accent1">
-        <a:tint val="80000"/>
-      </a:schemeClr>
-    </dgm:fillClrLst>
-    <dgm:linClrLst meth="repeat">
-      <a:schemeClr val="lt1"/>
-    </dgm:linClrLst>
-    <dgm:effectClrLst/>
-    <dgm:txLinClrLst/>
-    <dgm:txFillClrLst/>
-    <dgm:txEffectClrLst/>
-  </dgm:styleLbl>
-  <dgm:styleLbl name="asst4">
-    <dgm:fillClrLst>
-      <a:schemeClr val="accent1">
-        <a:tint val="70000"/>
-      </a:schemeClr>
-    </dgm:fillClrLst>
-    <dgm:linClrLst meth="repeat">
-      <a:schemeClr val="lt1"/>
-    </dgm:linClrLst>
-    <dgm:effectClrLst/>
-    <dgm:txLinClrLst/>
-    <dgm:txFillClrLst/>
-    <dgm:txEffectClrLst/>
-  </dgm:styleLbl>
-  <dgm:styleLbl name="parChTrans2D1">
-    <dgm:fillClrLst meth="repeat">
-      <a:schemeClr val="accent1">
-        <a:tint val="60000"/>
-      </a:schemeClr>
-    </dgm:fillClrLst>
-    <dgm:linClrLst meth="repeat">
-      <a:schemeClr val="accent1">
-        <a:tint val="60000"/>
-      </a:schemeClr>
-    </dgm:linClrLst>
-    <dgm:effectClrLst/>
-    <dgm:txLinClrLst/>
-    <dgm:txFillClrLst meth="repeat">
-      <a:schemeClr val="lt1"/>
-    </dgm:txFillClrLst>
-    <dgm:txEffectClrLst/>
-  </dgm:styleLbl>
-  <dgm:styleLbl name="parChTrans2D2">
-    <dgm:fillClrLst meth="repeat">
-      <a:schemeClr val="accent1">
-        <a:tint val="90000"/>
-      </a:schemeClr>
-    </dgm:fillClrLst>
-    <dgm:linClrLst meth="repeat">
-      <a:schemeClr val="accent1">
-        <a:tint val="90000"/>
-      </a:schemeClr>
-    </dgm:linClrLst>
-    <dgm:effectClrLst/>
-    <dgm:txLinClrLst/>
-    <dgm:txFillClrLst/>
-    <dgm:txEffectClrLst/>
-  </dgm:styleLbl>
-  <dgm:styleLbl name="parChTrans2D3">
-    <dgm:fillClrLst meth="repeat">
-      <a:schemeClr val="accent1">
-        <a:tint val="70000"/>
-      </a:schemeClr>
-    </dgm:fillClrLst>
-    <dgm:linClrLst meth="repeat">
-      <a:schemeClr val="accent1">
-        <a:tint val="70000"/>
-      </a:schemeClr>
-    </dgm:linClrLst>
-    <dgm:effectClrLst/>
-    <dgm:txLinClrLst/>
-    <dgm:txFillClrLst/>
-    <dgm:txEffectClrLst/>
-  </dgm:styleLbl>
-  <dgm:styleLbl name="parChTrans2D4">
-    <dgm:fillClrLst meth="repeat">
-      <a:schemeClr val="accent1">
-        <a:tint val="50000"/>
-      </a:schemeClr>
-    </dgm:fillClrLst>
-    <dgm:linClrLst meth="repeat">
-      <a:schemeClr val="accent1">
-        <a:tint val="50000"/>
-      </a:schemeClr>
-    </dgm:linClrLst>
-    <dgm:effectClrLst/>
-    <dgm:txLinClrLst/>
-    <dgm:txFillClrLst meth="repeat">
-      <a:schemeClr val="lt1"/>
-    </dgm:txFillClrLst>
-    <dgm:txEffectClrLst/>
-  </dgm:styleLbl>
-  <dgm:styleLbl name="parChTrans1D1">
-    <dgm:fillClrLst meth="repeat">
-      <a:schemeClr val="accent1">
-        <a:shade val="80000"/>
-      </a:schemeClr>
-    </dgm:fillClrLst>
-    <dgm:linClrLst meth="repeat">
-      <a:schemeClr val="accent1">
-        <a:shade val="80000"/>
-      </a:schemeClr>
-    </dgm:linClrLst>
-    <dgm:effectClrLst/>
-    <dgm:txLinClrLst/>
-    <dgm:txFillClrLst meth="repeat">
-      <a:schemeClr val="tx1"/>
-    </dgm:txFillClrLst>
-    <dgm:txEffectClrLst/>
-  </dgm:styleLbl>
-  <dgm:styleLbl name="parChTrans1D2">
-    <dgm:fillClrLst meth="repeat">
-      <a:schemeClr val="accent1">
-        <a:tint val="99000"/>
-      </a:schemeClr>
-    </dgm:fillClrLst>
-    <dgm:linClrLst meth="repeat">
-      <a:schemeClr val="accent1">
-        <a:tint val="99000"/>
-      </a:schemeClr>
-    </dgm:linClrLst>
-    <dgm:effectClrLst/>
-    <dgm:txLinClrLst/>
-    <dgm:txFillClrLst meth="repeat">
-      <a:schemeClr val="tx1"/>
-    </dgm:txFillClrLst>
-    <dgm:txEffectClrLst/>
-  </dgm:styleLbl>
-  <dgm:styleLbl name="parChTrans1D3">
-    <dgm:fillClrLst meth="repeat">
-      <a:schemeClr val="accent1">
-        <a:tint val="80000"/>
-      </a:schemeClr>
-    </dgm:fillClrLst>
-    <dgm:linClrLst meth="repeat">
-      <a:schemeClr val="accent1">
-        <a:tint val="80000"/>
-      </a:schemeClr>
-    </dgm:linClrLst>
-    <dgm:effectClrLst/>
-    <dgm:txLinClrLst/>
-    <dgm:txFillClrLst meth="repeat">
-      <a:schemeClr val="tx1"/>
-    </dgm:txFillClrLst>
-    <dgm:txEffectClrLst/>
-  </dgm:styleLbl>
-  <dgm:styleLbl name="parChTrans1D4">
-    <dgm:fillClrLst meth="repeat">
-      <a:schemeClr val="accent1">
-        <a:tint val="70000"/>
-      </a:schemeClr>
-    </dgm:fillClrLst>
-    <dgm:linClrLst meth="repeat">
-      <a:schemeClr val="accent1">
-        <a:tint val="70000"/>
-      </a:schemeClr>
-    </dgm:linClrLst>
-    <dgm:effectClrLst/>
-    <dgm:txLinClrLst/>
-    <dgm:txFillClrLst meth="repeat">
-      <a:schemeClr val="tx1"/>
-    </dgm:txFillClrLst>
-    <dgm:txEffectClrLst/>
-  </dgm:styleLbl>
-  <dgm:styleLbl name="fgAcc1">
-    <dgm:fillClrLst meth="repeat">
-      <a:schemeClr val="lt1">
-        <a:alpha val="90000"/>
-      </a:schemeClr>
-    </dgm:fillClrLst>
-    <dgm:linClrLst>
-      <a:schemeClr val="accent1">
-        <a:shade val="80000"/>
-      </a:schemeClr>
-      <a:schemeClr val="accent1">
-        <a:tint val="70000"/>
-      </a:schemeClr>
-    </dgm:linClrLst>
-    <dgm:effectClrLst/>
-    <dgm:txLinClrLst/>
-    <dgm:txFillClrLst meth="repeat">
-      <a:schemeClr val="dk1"/>
-    </dgm:txFillClrLst>
-    <dgm:txEffectClrLst/>
-  </dgm:styleLbl>
-  <dgm:styleLbl name="conFgAcc1">
-    <dgm:fillClrLst meth="repeat">
-      <a:schemeClr val="lt1">
-        <a:alpha val="90000"/>
-      </a:schemeClr>
-    </dgm:fillClrLst>
-    <dgm:linClrLst>
-      <a:schemeClr val="accent1">
-        <a:shade val="80000"/>
-      </a:schemeClr>
-      <a:schemeClr val="accent1">
-        <a:tint val="70000"/>
-      </a:schemeClr>
-    </dgm:linClrLst>
-    <dgm:effectClrLst/>
-    <dgm:txLinClrLst/>
-    <dgm:txFillClrLst meth="repeat">
-      <a:schemeClr val="dk1"/>
-    </dgm:txFillClrLst>
-    <dgm:txEffectClrLst/>
-  </dgm:styleLbl>
-  <dgm:styleLbl name="alignAcc1">
-    <dgm:fillClrLst meth="repeat">
-      <a:schemeClr val="lt1">
-        <a:alpha val="90000"/>
-      </a:schemeClr>
-    </dgm:fillClrLst>
-    <dgm:linClrLst>
-      <a:schemeClr val="accent1">
-        <a:shade val="80000"/>
-      </a:schemeClr>
-      <a:schemeClr val="accent1">
-        <a:tint val="70000"/>
-      </a:schemeClr>
-    </dgm:linClrLst>
-    <dgm:effectClrLst/>
-    <dgm:txLinClrLst/>
-    <dgm:txFillClrLst meth="repeat">
-      <a:schemeClr val="dk1"/>
-    </dgm:txFillClrLst>
-    <dgm:txEffectClrLst/>
-  </dgm:styleLbl>
-  <dgm:styleLbl name="trAlignAcc1">
-    <dgm:fillClrLst meth="repeat">
-      <a:schemeClr val="lt1">
-        <a:alpha val="40000"/>
-      </a:schemeClr>
-    </dgm:fillClrLst>
-    <dgm:linClrLst meth="repeat">
-      <a:schemeClr val="accent1"/>
-    </dgm:linClrLst>
-    <dgm:effectClrLst/>
-    <dgm:txLinClrLst/>
-    <dgm:txFillClrLst meth="repeat">
-      <a:schemeClr val="dk1"/>
-    </dgm:txFillClrLst>
-    <dgm:txEffectClrLst/>
-  </dgm:styleLbl>
-  <dgm:styleLbl name="bgAcc1">
-    <dgm:fillClrLst meth="repeat">
-      <a:schemeClr val="lt1">
-        <a:alpha val="90000"/>
-      </a:schemeClr>
-    </dgm:fillClrLst>
-    <dgm:linClrLst>
-      <a:schemeClr val="accent1">
-        <a:shade val="80000"/>
-      </a:schemeClr>
-      <a:schemeClr val="accent1">
-        <a:tint val="70000"/>
-      </a:schemeClr>
-    </dgm:linClrLst>
-    <dgm:effectClrLst/>
-    <dgm:txLinClrLst/>
-    <dgm:txFillClrLst meth="repeat">
-      <a:schemeClr val="dk1"/>
-    </dgm:txFillClrLst>
-    <dgm:txEffectClrLst/>
-  </dgm:styleLbl>
-  <dgm:styleLbl name="solidFgAcc1">
-    <dgm:fillClrLst meth="repeat">
-      <a:schemeClr val="lt1"/>
-    </dgm:fillClrLst>
-    <dgm:linClrLst>
-      <a:schemeClr val="accent1">
-        <a:shade val="80000"/>
-      </a:schemeClr>
-      <a:schemeClr val="accent1">
-        <a:tint val="70000"/>
-      </a:schemeClr>
-    </dgm:linClrLst>
-    <dgm:effectClrLst/>
-    <dgm:txLinClrLst/>
-    <dgm:txFillClrLst meth="repeat">
-      <a:schemeClr val="dk1"/>
-    </dgm:txFillClrLst>
-    <dgm:txEffectClrLst/>
-  </dgm:styleLbl>
-  <dgm:styleLbl name="solidAlignAcc1">
-    <dgm:fillClrLst meth="repeat">
-      <a:schemeClr val="lt1"/>
-    </dgm:fillClrLst>
-    <dgm:linClrLst meth="repeat">
-      <a:schemeClr val="accent1"/>
-    </dgm:linClrLst>
-    <dgm:effectClrLst/>
-    <dgm:txLinClrLst/>
-    <dgm:txFillClrLst meth="repeat">
-      <a:schemeClr val="dk1"/>
-    </dgm:txFillClrLst>
-    <dgm:txEffectClrLst/>
-  </dgm:styleLbl>
-  <dgm:styleLbl name="solidBgAcc1">
-    <dgm:fillClrLst meth="repeat">
-      <a:schemeClr val="lt1"/>
-    </dgm:fillClrLst>
-    <dgm:linClrLst meth="repeat">
-      <a:schemeClr val="accent1"/>
-    </dgm:linClrLst>
-    <dgm:effectClrLst/>
-    <dgm:txLinClrLst/>
-    <dgm:txFillClrLst meth="repeat">
-      <a:schemeClr val="dk1"/>
-    </dgm:txFillClrLst>
-    <dgm:txEffectClrLst/>
-  </dgm:styleLbl>
-  <dgm:styleLbl name="fgAccFollowNode1">
-    <dgm:fillClrLst meth="repeat">
-      <a:schemeClr val="accent1">
-        <a:alpha val="90000"/>
-        <a:tint val="40000"/>
-      </a:schemeClr>
-    </dgm:fillClrLst>
-    <dgm:linClrLst meth="repeat">
-      <a:schemeClr val="accent1">
-        <a:alpha val="90000"/>
-        <a:tint val="40000"/>
-      </a:schemeClr>
-    </dgm:linClrLst>
-    <dgm:effectClrLst/>
-    <dgm:txLinClrLst/>
-    <dgm:txFillClrLst meth="repeat">
-      <a:schemeClr val="dk1"/>
-    </dgm:txFillClrLst>
-    <dgm:txEffectClrLst/>
-  </dgm:styleLbl>
-  <dgm:styleLbl name="alignAccFollowNode1">
-    <dgm:fillClrLst meth="repeat">
-      <a:schemeClr val="accent1">
-        <a:alpha val="90000"/>
-        <a:tint val="40000"/>
-      </a:schemeClr>
-    </dgm:fillClrLst>
-    <dgm:linClrLst meth="repeat">
-      <a:schemeClr val="accent1">
-        <a:alpha val="90000"/>
-        <a:tint val="40000"/>
-      </a:schemeClr>
-    </dgm:linClrLst>
-    <dgm:effectClrLst/>
-    <dgm:txLinClrLst/>
-    <dgm:txFillClrLst meth="repeat">
-      <a:schemeClr val="dk1"/>
-    </dgm:txFillClrLst>
-    <dgm:txEffectClrLst/>
-  </dgm:styleLbl>
-  <dgm:styleLbl name="bgAccFollowNode1">
-    <dgm:fillClrLst meth="repeat">
-      <a:schemeClr val="accent1">
-        <a:alpha val="90000"/>
-        <a:tint val="40000"/>
-      </a:schemeClr>
-    </dgm:fillClrLst>
-    <dgm:linClrLst meth="repeat">
-      <a:schemeClr val="lt1"/>
-    </dgm:linClrLst>
-    <dgm:effectClrLst/>
-    <dgm:txLinClrLst/>
-    <dgm:txFillClrLst meth="repeat">
-      <a:schemeClr val="dk1"/>
-    </dgm:txFillClrLst>
-    <dgm:txEffectClrLst/>
-  </dgm:styleLbl>
-  <dgm:styleLbl name="fgAcc0">
-    <dgm:fillClrLst meth="repeat">
-      <a:schemeClr val="lt1">
-        <a:alpha val="90000"/>
-      </a:schemeClr>
-    </dgm:fillClrLst>
-    <dgm:linClrLst meth="repeat">
-      <a:schemeClr val="accent1">
-        <a:shade val="80000"/>
-      </a:schemeClr>
-    </dgm:linClrLst>
-    <dgm:effectClrLst/>
-    <dgm:txLinClrLst/>
-    <dgm:txFillClrLst meth="repeat">
-      <a:schemeClr val="dk1"/>
-    </dgm:txFillClrLst>
-    <dgm:txEffectClrLst/>
-  </dgm:styleLbl>
-  <dgm:styleLbl name="fgAcc2">
-    <dgm:fillClrLst meth="repeat">
-      <a:schemeClr val="lt1">
-        <a:alpha val="90000"/>
-      </a:schemeClr>
-    </dgm:fillClrLst>
-    <dgm:linClrLst meth="repeat">
-      <a:schemeClr val="accent1">
-        <a:tint val="99000"/>
-      </a:schemeClr>
-    </dgm:linClrLst>
-    <dgm:effectClrLst/>
-    <dgm:txLinClrLst/>
-    <dgm:txFillClrLst meth="repeat">
-      <a:schemeClr val="dk1"/>
-    </dgm:txFillClrLst>
-    <dgm:txEffectClrLst/>
-  </dgm:styleLbl>
-  <dgm:styleLbl name="fgAcc3">
-    <dgm:fillClrLst meth="repeat">
-      <a:schemeClr val="lt1">
-        <a:alpha val="90000"/>
-      </a:schemeClr>
-    </dgm:fillClrLst>
-    <dgm:linClrLst meth="repeat">
-      <a:schemeClr val="accent1">
-        <a:tint val="80000"/>
-      </a:schemeClr>
-    </dgm:linClrLst>
-    <dgm:effectClrLst/>
-    <dgm:txLinClrLst/>
-    <dgm:txFillClrLst meth="repeat">
-      <a:schemeClr val="dk1"/>
-    </dgm:txFillClrLst>
-    <dgm:txEffectClrLst/>
-  </dgm:styleLbl>
-  <dgm:styleLbl name="fgAcc4">
-    <dgm:fillClrLst meth="repeat">
-      <a:schemeClr val="lt1">
-        <a:alpha val="90000"/>
-      </a:schemeClr>
-    </dgm:fillClrLst>
-    <dgm:linClrLst meth="repeat">
-      <a:schemeClr val="accent1">
-        <a:tint val="70000"/>
-      </a:schemeClr>
-    </dgm:linClrLst>
-    <dgm:effectClrLst/>
-    <dgm:txLinClrLst/>
-    <dgm:txFillClrLst meth="repeat">
-      <a:schemeClr val="dk1"/>
-    </dgm:txFillClrLst>
-    <dgm:txEffectClrLst/>
-  </dgm:styleLbl>
-  <dgm:styleLbl name="bgShp">
-    <dgm:fillClrLst meth="repeat">
-      <a:schemeClr val="accent1">
-        <a:tint val="40000"/>
-      </a:schemeClr>
-    </dgm:fillClrLst>
-    <dgm:linClrLst meth="repeat">
-      <a:schemeClr val="dk1"/>
-    </dgm:linClrLst>
-    <dgm:effectClrLst/>
-    <dgm:txLinClrLst/>
-    <dgm:txFillClrLst meth="repeat">
-      <a:schemeClr val="dk1"/>
-    </dgm:txFillClrLst>
-    <dgm:txEffectClrLst/>
-  </dgm:styleLbl>
-  <dgm:styleLbl name="dkBgShp">
-    <dgm:fillClrLst meth="repeat">
-      <a:schemeClr val="accent1">
-        <a:shade val="90000"/>
-      </a:schemeClr>
-    </dgm:fillClrLst>
-    <dgm:linClrLst meth="repeat">
-      <a:schemeClr val="dk1"/>
-    </dgm:linClrLst>
-    <dgm:effectClrLst/>
-    <dgm:txLinClrLst/>
-    <dgm:txFillClrLst meth="repeat">
-      <a:schemeClr val="lt1"/>
-    </dgm:txFillClrLst>
-    <dgm:txEffectClrLst/>
-  </dgm:styleLbl>
-  <dgm:styleLbl name="trBgShp">
-    <dgm:fillClrLst meth="repeat">
-      <a:schemeClr val="accent1">
-        <a:tint val="50000"/>
-        <a:alpha val="40000"/>
-      </a:schemeClr>
-    </dgm:fillClrLst>
-    <dgm:linClrLst meth="repeat">
-      <a:schemeClr val="accent1"/>
-    </dgm:linClrLst>
-    <dgm:effectClrLst/>
-    <dgm:txLinClrLst/>
-    <dgm:txFillClrLst meth="repeat">
-      <a:schemeClr val="lt1"/>
-    </dgm:txFillClrLst>
-    <dgm:txEffectClrLst/>
-  </dgm:styleLbl>
-  <dgm:styleLbl name="fgShp">
-    <dgm:fillClrLst meth="repeat">
-      <a:schemeClr val="accent1">
-        <a:tint val="40000"/>
-      </a:schemeClr>
-    </dgm:fillClrLst>
-    <dgm:linClrLst meth="repeat">
-      <a:schemeClr val="lt1"/>
-    </dgm:linClrLst>
-    <dgm:effectClrLst/>
-    <dgm:txLinClrLst/>
-    <dgm:txFillClrLst meth="repeat">
-      <a:schemeClr val="dk1"/>
-    </dgm:txFillClrLst>
-    <dgm:txEffectClrLst/>
-  </dgm:styleLbl>
-  <dgm:styleLbl name="revTx">
-    <dgm:fillClrLst meth="repeat">
-      <a:schemeClr val="lt1">
-        <a:alpha val="0"/>
-      </a:schemeClr>
-    </dgm:fillClrLst>
-    <dgm:linClrLst meth="repeat">
-      <a:schemeClr val="dk1">
-        <a:alpha val="0"/>
-      </a:schemeClr>
-    </dgm:linClrLst>
-    <dgm:effectClrLst/>
-    <dgm:txLinClrLst/>
-    <dgm:txFillClrLst meth="repeat">
-      <a:schemeClr val="tx1"/>
-    </dgm:txFillClrLst>
-    <dgm:txEffectClrLst/>
-  </dgm:styleLbl>
-</dgm:colorsDef>
-</file>
-
-<file path=ppt/diagrams/data1.xml><?xml version="1.0" encoding="utf-8"?>
-<dgm:dataModel xmlns:dgm="http://schemas.openxmlformats.org/drawingml/2006/diagram" xmlns:a="http://schemas.openxmlformats.org/drawingml/2006/main">
-  <dgm:ptLst>
-    <dgm:pt modelId="{3183185A-2A53-4D8C-8F32-C845F2F70CBF}" type="doc">
-      <dgm:prSet loTypeId="urn:microsoft.com/office/officeart/2005/8/layout/chevron2" loCatId="list" qsTypeId="urn:microsoft.com/office/officeart/2005/8/quickstyle/simple1" qsCatId="simple" csTypeId="urn:microsoft.com/office/officeart/2005/8/colors/accent1_3" csCatId="accent1" phldr="1"/>
-      <dgm:spPr/>
-      <dgm:t>
-        <a:bodyPr/>
-        <a:lstStyle/>
-        <a:p>
-          <a:endParaRPr lang="en-US"/>
-        </a:p>
-      </dgm:t>
-    </dgm:pt>
-    <dgm:pt modelId="{758CBA3A-9936-4C67-965C-A8DD3074879B}">
-      <dgm:prSet phldrT="[Text]"/>
-      <dgm:spPr/>
-      <dgm:t>
-        <a:bodyPr/>
-        <a:lstStyle/>
-        <a:p>
-          <a:r>
-            <a:rPr lang="en-US" dirty="0"/>
-            <a:t>A</a:t>
-          </a:r>
-        </a:p>
-      </dgm:t>
-    </dgm:pt>
-    <dgm:pt modelId="{39812E31-9C15-4A6C-B8B9-78CE6FB555B1}" type="parTrans" cxnId="{F717B596-7122-4C3F-9238-14763508386B}">
-      <dgm:prSet/>
-      <dgm:spPr/>
-      <dgm:t>
-        <a:bodyPr/>
-        <a:lstStyle/>
-        <a:p>
-          <a:endParaRPr lang="en-US"/>
-        </a:p>
-      </dgm:t>
-    </dgm:pt>
-    <dgm:pt modelId="{290E9CBE-1634-47AD-B973-508944073D35}" type="sibTrans" cxnId="{F717B596-7122-4C3F-9238-14763508386B}">
-      <dgm:prSet/>
-      <dgm:spPr/>
-      <dgm:t>
-        <a:bodyPr/>
-        <a:lstStyle/>
-        <a:p>
-          <a:endParaRPr lang="en-US"/>
-        </a:p>
-      </dgm:t>
-    </dgm:pt>
-    <dgm:pt modelId="{E90264E4-81CE-47E1-80E3-2624D8E5DFEE}">
-      <dgm:prSet phldrT="[Text]"/>
-      <dgm:spPr/>
-      <dgm:t>
-        <a:bodyPr/>
-        <a:lstStyle/>
-        <a:p>
-          <a:r>
-            <a:rPr lang="en-US" dirty="0"/>
-            <a:t>Task 1</a:t>
-          </a:r>
-        </a:p>
-      </dgm:t>
-    </dgm:pt>
-    <dgm:pt modelId="{79881485-DDC4-4A70-AA7E-393B9FD5747B}" type="parTrans" cxnId="{F3B89C52-602F-49F7-B10E-F3B64BCDF706}">
-      <dgm:prSet/>
-      <dgm:spPr/>
-      <dgm:t>
-        <a:bodyPr/>
-        <a:lstStyle/>
-        <a:p>
-          <a:endParaRPr lang="en-US"/>
-        </a:p>
-      </dgm:t>
-    </dgm:pt>
-    <dgm:pt modelId="{F41EE2E3-AB57-4E33-8FAD-2DCFFB467FDC}" type="sibTrans" cxnId="{F3B89C52-602F-49F7-B10E-F3B64BCDF706}">
-      <dgm:prSet/>
-      <dgm:spPr/>
-      <dgm:t>
-        <a:bodyPr/>
-        <a:lstStyle/>
-        <a:p>
-          <a:endParaRPr lang="en-US"/>
-        </a:p>
-      </dgm:t>
-    </dgm:pt>
-    <dgm:pt modelId="{B8D53E29-122A-46E1-B481-B57598D97444}">
-      <dgm:prSet phldrT="[Text]"/>
-      <dgm:spPr/>
-      <dgm:t>
-        <a:bodyPr/>
-        <a:lstStyle/>
-        <a:p>
-          <a:r>
-            <a:rPr lang="en-US" dirty="0"/>
-            <a:t>Task 2</a:t>
-          </a:r>
-        </a:p>
-      </dgm:t>
-    </dgm:pt>
-    <dgm:pt modelId="{EF8E1F9D-EFFE-4283-A7B6-A44D3292ACA4}" type="parTrans" cxnId="{C5FFCAE6-64D2-4A77-B85B-A376B2EE8E4F}">
-      <dgm:prSet/>
-      <dgm:spPr/>
-      <dgm:t>
-        <a:bodyPr/>
-        <a:lstStyle/>
-        <a:p>
-          <a:endParaRPr lang="en-US"/>
-        </a:p>
-      </dgm:t>
-    </dgm:pt>
-    <dgm:pt modelId="{99B04B81-08CA-46AC-951C-217069AEF451}" type="sibTrans" cxnId="{C5FFCAE6-64D2-4A77-B85B-A376B2EE8E4F}">
-      <dgm:prSet/>
-      <dgm:spPr/>
-      <dgm:t>
-        <a:bodyPr/>
-        <a:lstStyle/>
-        <a:p>
-          <a:endParaRPr lang="en-US"/>
-        </a:p>
-      </dgm:t>
-    </dgm:pt>
-    <dgm:pt modelId="{15031D9C-993C-4715-A26F-56D8831933EB}">
-      <dgm:prSet phldrT="[Text]"/>
-      <dgm:spPr/>
-      <dgm:t>
-        <a:bodyPr/>
-        <a:lstStyle/>
-        <a:p>
-          <a:r>
-            <a:rPr lang="en-US" dirty="0"/>
-            <a:t>B</a:t>
-          </a:r>
-        </a:p>
-      </dgm:t>
-    </dgm:pt>
-    <dgm:pt modelId="{77530735-8AD3-469C-AEC2-B5B17A08AF65}" type="parTrans" cxnId="{C8C2ADA0-316E-46E3-A4D5-49BD4A9A4B0B}">
-      <dgm:prSet/>
-      <dgm:spPr/>
-      <dgm:t>
-        <a:bodyPr/>
-        <a:lstStyle/>
-        <a:p>
-          <a:endParaRPr lang="en-US"/>
-        </a:p>
-      </dgm:t>
-    </dgm:pt>
-    <dgm:pt modelId="{FB1D36D5-798A-40AA-91C3-3F3E5AF1A86F}" type="sibTrans" cxnId="{C8C2ADA0-316E-46E3-A4D5-49BD4A9A4B0B}">
-      <dgm:prSet/>
-      <dgm:spPr/>
-      <dgm:t>
-        <a:bodyPr/>
-        <a:lstStyle/>
-        <a:p>
-          <a:endParaRPr lang="en-US"/>
-        </a:p>
-      </dgm:t>
-    </dgm:pt>
-    <dgm:pt modelId="{07B93839-AE15-473C-B47B-27FA5DBEE4E9}">
-      <dgm:prSet phldrT="[Text]"/>
-      <dgm:spPr/>
-      <dgm:t>
-        <a:bodyPr/>
-        <a:lstStyle/>
-        <a:p>
-          <a:r>
-            <a:rPr lang="en-US" dirty="0"/>
-            <a:t>Task 1</a:t>
-          </a:r>
-        </a:p>
-      </dgm:t>
-    </dgm:pt>
-    <dgm:pt modelId="{2BEFC288-C4D1-45AF-B679-7A41333941DE}" type="parTrans" cxnId="{4D38D698-DC6D-4926-9520-43A255B536D4}">
-      <dgm:prSet/>
-      <dgm:spPr/>
-      <dgm:t>
-        <a:bodyPr/>
-        <a:lstStyle/>
-        <a:p>
-          <a:endParaRPr lang="en-US"/>
-        </a:p>
-      </dgm:t>
-    </dgm:pt>
-    <dgm:pt modelId="{0468DBFC-CB2D-4B3A-AAE7-09352D12344E}" type="sibTrans" cxnId="{4D38D698-DC6D-4926-9520-43A255B536D4}">
-      <dgm:prSet/>
-      <dgm:spPr/>
-      <dgm:t>
-        <a:bodyPr/>
-        <a:lstStyle/>
-        <a:p>
-          <a:endParaRPr lang="en-US"/>
-        </a:p>
-      </dgm:t>
-    </dgm:pt>
-    <dgm:pt modelId="{23C50191-A44D-4110-97C1-1DC6F9FD79CA}">
-      <dgm:prSet phldrT="[Text]"/>
-      <dgm:spPr/>
-      <dgm:t>
-        <a:bodyPr/>
-        <a:lstStyle/>
-        <a:p>
-          <a:r>
-            <a:rPr lang="en-US" dirty="0"/>
-            <a:t>Task 2</a:t>
-          </a:r>
-        </a:p>
-      </dgm:t>
-    </dgm:pt>
-    <dgm:pt modelId="{E183CF6D-105A-4EAB-A780-A97B120C1182}" type="parTrans" cxnId="{A71F00B0-D098-4236-AD79-95FC48F754F5}">
-      <dgm:prSet/>
-      <dgm:spPr/>
-      <dgm:t>
-        <a:bodyPr/>
-        <a:lstStyle/>
-        <a:p>
-          <a:endParaRPr lang="en-US"/>
-        </a:p>
-      </dgm:t>
-    </dgm:pt>
-    <dgm:pt modelId="{8625F877-DCE4-4E39-929E-7FA0A761B660}" type="sibTrans" cxnId="{A71F00B0-D098-4236-AD79-95FC48F754F5}">
-      <dgm:prSet/>
-      <dgm:spPr/>
-      <dgm:t>
-        <a:bodyPr/>
-        <a:lstStyle/>
-        <a:p>
-          <a:endParaRPr lang="en-US"/>
-        </a:p>
-      </dgm:t>
-    </dgm:pt>
-    <dgm:pt modelId="{2936D842-720E-4365-AD39-F6EAEC441633}">
-      <dgm:prSet phldrT="[Text]"/>
-      <dgm:spPr/>
-      <dgm:t>
-        <a:bodyPr/>
-        <a:lstStyle/>
-        <a:p>
-          <a:r>
-            <a:rPr lang="en-US" dirty="0"/>
-            <a:t>C</a:t>
-          </a:r>
-        </a:p>
-      </dgm:t>
-    </dgm:pt>
-    <dgm:pt modelId="{13139645-28B0-41D9-8ED9-DA67D736E51B}" type="parTrans" cxnId="{3A8ECB28-E23B-45B6-8C84-8AF5114507DE}">
-      <dgm:prSet/>
-      <dgm:spPr/>
-      <dgm:t>
-        <a:bodyPr/>
-        <a:lstStyle/>
-        <a:p>
-          <a:endParaRPr lang="en-US"/>
-        </a:p>
-      </dgm:t>
-    </dgm:pt>
-    <dgm:pt modelId="{96C19FF6-672B-4588-9D93-2A932D4ACF8D}" type="sibTrans" cxnId="{3A8ECB28-E23B-45B6-8C84-8AF5114507DE}">
-      <dgm:prSet/>
-      <dgm:spPr/>
-      <dgm:t>
-        <a:bodyPr/>
-        <a:lstStyle/>
-        <a:p>
-          <a:endParaRPr lang="en-US"/>
-        </a:p>
-      </dgm:t>
-    </dgm:pt>
-    <dgm:pt modelId="{A05E8D05-15E6-4BEC-B725-D745A48258D3}">
-      <dgm:prSet phldrT="[Text]"/>
-      <dgm:spPr/>
-      <dgm:t>
-        <a:bodyPr/>
-        <a:lstStyle/>
-        <a:p>
-          <a:r>
-            <a:rPr lang="en-US" dirty="0"/>
-            <a:t>Task 1</a:t>
-          </a:r>
-        </a:p>
-      </dgm:t>
-    </dgm:pt>
-    <dgm:pt modelId="{29C49A6E-36B2-41D1-83D5-6B58713D5DAF}" type="parTrans" cxnId="{EFE22C42-C667-4B7A-8208-6758BAEC1445}">
-      <dgm:prSet/>
-      <dgm:spPr/>
-      <dgm:t>
-        <a:bodyPr/>
-        <a:lstStyle/>
-        <a:p>
-          <a:endParaRPr lang="en-US"/>
-        </a:p>
-      </dgm:t>
-    </dgm:pt>
-    <dgm:pt modelId="{EA09E308-F440-47C6-8C86-B63BABC170D9}" type="sibTrans" cxnId="{EFE22C42-C667-4B7A-8208-6758BAEC1445}">
-      <dgm:prSet/>
-      <dgm:spPr/>
-      <dgm:t>
-        <a:bodyPr/>
-        <a:lstStyle/>
-        <a:p>
-          <a:endParaRPr lang="en-US"/>
-        </a:p>
-      </dgm:t>
-    </dgm:pt>
-    <dgm:pt modelId="{E80E23AD-ECAE-46D2-92A5-71CA9074EED7}" type="pres">
-      <dgm:prSet presAssocID="{3183185A-2A53-4D8C-8F32-C845F2F70CBF}" presName="linearFlow" presStyleCnt="0">
-        <dgm:presLayoutVars>
-          <dgm:dir/>
-          <dgm:animLvl val="lvl"/>
-          <dgm:resizeHandles val="exact"/>
-        </dgm:presLayoutVars>
-      </dgm:prSet>
-      <dgm:spPr/>
-    </dgm:pt>
-    <dgm:pt modelId="{63DDCCD6-3F31-4095-8E42-5BBFC31B83BE}" type="pres">
-      <dgm:prSet presAssocID="{758CBA3A-9936-4C67-965C-A8DD3074879B}" presName="composite" presStyleCnt="0"/>
-      <dgm:spPr/>
-    </dgm:pt>
-    <dgm:pt modelId="{C0AF5CB7-6C4F-49BC-8738-E4DE0AC00B72}" type="pres">
-      <dgm:prSet presAssocID="{758CBA3A-9936-4C67-965C-A8DD3074879B}" presName="parentText" presStyleLbl="alignNode1" presStyleIdx="0" presStyleCnt="3">
-        <dgm:presLayoutVars>
-          <dgm:chMax val="1"/>
-          <dgm:bulletEnabled val="1"/>
-        </dgm:presLayoutVars>
-      </dgm:prSet>
-      <dgm:spPr/>
-    </dgm:pt>
-    <dgm:pt modelId="{0E09DE89-66C0-478D-8170-8F0BC920F1EB}" type="pres">
-      <dgm:prSet presAssocID="{758CBA3A-9936-4C67-965C-A8DD3074879B}" presName="descendantText" presStyleLbl="alignAcc1" presStyleIdx="0" presStyleCnt="3">
-        <dgm:presLayoutVars>
-          <dgm:bulletEnabled val="1"/>
-        </dgm:presLayoutVars>
-      </dgm:prSet>
-      <dgm:spPr/>
-    </dgm:pt>
-    <dgm:pt modelId="{52E78D13-8FB5-4AEC-B5C0-881B683FCF22}" type="pres">
-      <dgm:prSet presAssocID="{290E9CBE-1634-47AD-B973-508944073D35}" presName="sp" presStyleCnt="0"/>
-      <dgm:spPr/>
-    </dgm:pt>
-    <dgm:pt modelId="{E529DD28-A6C8-4185-BA28-3A73741EACF4}" type="pres">
-      <dgm:prSet presAssocID="{15031D9C-993C-4715-A26F-56D8831933EB}" presName="composite" presStyleCnt="0"/>
-      <dgm:spPr/>
-    </dgm:pt>
-    <dgm:pt modelId="{29EA1718-F619-46D8-B505-CF1DDA71B8BF}" type="pres">
-      <dgm:prSet presAssocID="{15031D9C-993C-4715-A26F-56D8831933EB}" presName="parentText" presStyleLbl="alignNode1" presStyleIdx="1" presStyleCnt="3">
-        <dgm:presLayoutVars>
-          <dgm:chMax val="1"/>
-          <dgm:bulletEnabled val="1"/>
-        </dgm:presLayoutVars>
-      </dgm:prSet>
-      <dgm:spPr/>
-    </dgm:pt>
-    <dgm:pt modelId="{C96267EA-EF01-411B-8D37-95F44BBB68D3}" type="pres">
-      <dgm:prSet presAssocID="{15031D9C-993C-4715-A26F-56D8831933EB}" presName="descendantText" presStyleLbl="alignAcc1" presStyleIdx="1" presStyleCnt="3">
-        <dgm:presLayoutVars>
-          <dgm:bulletEnabled val="1"/>
-        </dgm:presLayoutVars>
-      </dgm:prSet>
-      <dgm:spPr/>
-    </dgm:pt>
-    <dgm:pt modelId="{4CCED8E1-297A-4834-9FC1-39D8E59A67B1}" type="pres">
-      <dgm:prSet presAssocID="{FB1D36D5-798A-40AA-91C3-3F3E5AF1A86F}" presName="sp" presStyleCnt="0"/>
-      <dgm:spPr/>
-    </dgm:pt>
-    <dgm:pt modelId="{95036E43-6C97-4BF5-8CB3-7871077B6900}" type="pres">
-      <dgm:prSet presAssocID="{2936D842-720E-4365-AD39-F6EAEC441633}" presName="composite" presStyleCnt="0"/>
-      <dgm:spPr/>
-    </dgm:pt>
-    <dgm:pt modelId="{E7C44091-B50A-4CB0-98F0-E70A01DD36F4}" type="pres">
-      <dgm:prSet presAssocID="{2936D842-720E-4365-AD39-F6EAEC441633}" presName="parentText" presStyleLbl="alignNode1" presStyleIdx="2" presStyleCnt="3">
-        <dgm:presLayoutVars>
-          <dgm:chMax val="1"/>
-          <dgm:bulletEnabled val="1"/>
-        </dgm:presLayoutVars>
-      </dgm:prSet>
-      <dgm:spPr/>
-    </dgm:pt>
-    <dgm:pt modelId="{68EF0610-07B4-40C7-AD99-F2285099C2E4}" type="pres">
-      <dgm:prSet presAssocID="{2936D842-720E-4365-AD39-F6EAEC441633}" presName="descendantText" presStyleLbl="alignAcc1" presStyleIdx="2" presStyleCnt="3">
-        <dgm:presLayoutVars>
-          <dgm:bulletEnabled val="1"/>
-        </dgm:presLayoutVars>
-      </dgm:prSet>
-      <dgm:spPr/>
-    </dgm:pt>
-  </dgm:ptLst>
-  <dgm:cxnLst>
-    <dgm:cxn modelId="{71B43602-5819-468F-A340-DA5A96BA033E}" type="presOf" srcId="{758CBA3A-9936-4C67-965C-A8DD3074879B}" destId="{C0AF5CB7-6C4F-49BC-8738-E4DE0AC00B72}" srcOrd="0" destOrd="0" presId="urn:microsoft.com/office/officeart/2005/8/layout/chevron2"/>
-    <dgm:cxn modelId="{4684350B-06FE-48D5-B3C1-163A56F1155A}" type="presOf" srcId="{07B93839-AE15-473C-B47B-27FA5DBEE4E9}" destId="{C96267EA-EF01-411B-8D37-95F44BBB68D3}" srcOrd="0" destOrd="0" presId="urn:microsoft.com/office/officeart/2005/8/layout/chevron2"/>
-    <dgm:cxn modelId="{B16F9628-8397-4FE5-BC4D-5FC1A248AC83}" type="presOf" srcId="{15031D9C-993C-4715-A26F-56D8831933EB}" destId="{29EA1718-F619-46D8-B505-CF1DDA71B8BF}" srcOrd="0" destOrd="0" presId="urn:microsoft.com/office/officeart/2005/8/layout/chevron2"/>
-    <dgm:cxn modelId="{3A8ECB28-E23B-45B6-8C84-8AF5114507DE}" srcId="{3183185A-2A53-4D8C-8F32-C845F2F70CBF}" destId="{2936D842-720E-4365-AD39-F6EAEC441633}" srcOrd="2" destOrd="0" parTransId="{13139645-28B0-41D9-8ED9-DA67D736E51B}" sibTransId="{96C19FF6-672B-4588-9D93-2A932D4ACF8D}"/>
-    <dgm:cxn modelId="{CC2F2B2A-04B7-4809-A4A4-4104809974E6}" type="presOf" srcId="{A05E8D05-15E6-4BEC-B725-D745A48258D3}" destId="{68EF0610-07B4-40C7-AD99-F2285099C2E4}" srcOrd="0" destOrd="0" presId="urn:microsoft.com/office/officeart/2005/8/layout/chevron2"/>
-    <dgm:cxn modelId="{EFE22C42-C667-4B7A-8208-6758BAEC1445}" srcId="{2936D842-720E-4365-AD39-F6EAEC441633}" destId="{A05E8D05-15E6-4BEC-B725-D745A48258D3}" srcOrd="0" destOrd="0" parTransId="{29C49A6E-36B2-41D1-83D5-6B58713D5DAF}" sibTransId="{EA09E308-F440-47C6-8C86-B63BABC170D9}"/>
-    <dgm:cxn modelId="{46D65943-0A7C-46F6-A9D3-BDC8883577AD}" type="presOf" srcId="{23C50191-A44D-4110-97C1-1DC6F9FD79CA}" destId="{C96267EA-EF01-411B-8D37-95F44BBB68D3}" srcOrd="0" destOrd="1" presId="urn:microsoft.com/office/officeart/2005/8/layout/chevron2"/>
-    <dgm:cxn modelId="{B3B75767-F5F8-4491-90D5-5742EB2BC878}" type="presOf" srcId="{E90264E4-81CE-47E1-80E3-2624D8E5DFEE}" destId="{0E09DE89-66C0-478D-8170-8F0BC920F1EB}" srcOrd="0" destOrd="0" presId="urn:microsoft.com/office/officeart/2005/8/layout/chevron2"/>
-    <dgm:cxn modelId="{CCB2FC69-48E6-4186-BB69-434FE6081740}" type="presOf" srcId="{B8D53E29-122A-46E1-B481-B57598D97444}" destId="{0E09DE89-66C0-478D-8170-8F0BC920F1EB}" srcOrd="0" destOrd="1" presId="urn:microsoft.com/office/officeart/2005/8/layout/chevron2"/>
-    <dgm:cxn modelId="{F3B89C52-602F-49F7-B10E-F3B64BCDF706}" srcId="{758CBA3A-9936-4C67-965C-A8DD3074879B}" destId="{E90264E4-81CE-47E1-80E3-2624D8E5DFEE}" srcOrd="0" destOrd="0" parTransId="{79881485-DDC4-4A70-AA7E-393B9FD5747B}" sibTransId="{F41EE2E3-AB57-4E33-8FAD-2DCFFB467FDC}"/>
-    <dgm:cxn modelId="{4333FB74-FEDF-4697-9A39-612F6D8B9AB6}" type="presOf" srcId="{2936D842-720E-4365-AD39-F6EAEC441633}" destId="{E7C44091-B50A-4CB0-98F0-E70A01DD36F4}" srcOrd="0" destOrd="0" presId="urn:microsoft.com/office/officeart/2005/8/layout/chevron2"/>
-    <dgm:cxn modelId="{5F92077A-D266-43D8-B1E4-282FB69A0EF5}" type="presOf" srcId="{3183185A-2A53-4D8C-8F32-C845F2F70CBF}" destId="{E80E23AD-ECAE-46D2-92A5-71CA9074EED7}" srcOrd="0" destOrd="0" presId="urn:microsoft.com/office/officeart/2005/8/layout/chevron2"/>
-    <dgm:cxn modelId="{F717B596-7122-4C3F-9238-14763508386B}" srcId="{3183185A-2A53-4D8C-8F32-C845F2F70CBF}" destId="{758CBA3A-9936-4C67-965C-A8DD3074879B}" srcOrd="0" destOrd="0" parTransId="{39812E31-9C15-4A6C-B8B9-78CE6FB555B1}" sibTransId="{290E9CBE-1634-47AD-B973-508944073D35}"/>
-    <dgm:cxn modelId="{4D38D698-DC6D-4926-9520-43A255B536D4}" srcId="{15031D9C-993C-4715-A26F-56D8831933EB}" destId="{07B93839-AE15-473C-B47B-27FA5DBEE4E9}" srcOrd="0" destOrd="0" parTransId="{2BEFC288-C4D1-45AF-B679-7A41333941DE}" sibTransId="{0468DBFC-CB2D-4B3A-AAE7-09352D12344E}"/>
-    <dgm:cxn modelId="{C8C2ADA0-316E-46E3-A4D5-49BD4A9A4B0B}" srcId="{3183185A-2A53-4D8C-8F32-C845F2F70CBF}" destId="{15031D9C-993C-4715-A26F-56D8831933EB}" srcOrd="1" destOrd="0" parTransId="{77530735-8AD3-469C-AEC2-B5B17A08AF65}" sibTransId="{FB1D36D5-798A-40AA-91C3-3F3E5AF1A86F}"/>
-    <dgm:cxn modelId="{A71F00B0-D098-4236-AD79-95FC48F754F5}" srcId="{15031D9C-993C-4715-A26F-56D8831933EB}" destId="{23C50191-A44D-4110-97C1-1DC6F9FD79CA}" srcOrd="1" destOrd="0" parTransId="{E183CF6D-105A-4EAB-A780-A97B120C1182}" sibTransId="{8625F877-DCE4-4E39-929E-7FA0A761B660}"/>
-    <dgm:cxn modelId="{C5FFCAE6-64D2-4A77-B85B-A376B2EE8E4F}" srcId="{758CBA3A-9936-4C67-965C-A8DD3074879B}" destId="{B8D53E29-122A-46E1-B481-B57598D97444}" srcOrd="1" destOrd="0" parTransId="{EF8E1F9D-EFFE-4283-A7B6-A44D3292ACA4}" sibTransId="{99B04B81-08CA-46AC-951C-217069AEF451}"/>
-    <dgm:cxn modelId="{135E7873-A46E-4154-8EE3-52AAA60564FD}" type="presParOf" srcId="{E80E23AD-ECAE-46D2-92A5-71CA9074EED7}" destId="{63DDCCD6-3F31-4095-8E42-5BBFC31B83BE}" srcOrd="0" destOrd="0" presId="urn:microsoft.com/office/officeart/2005/8/layout/chevron2"/>
-    <dgm:cxn modelId="{A9FAD751-EA16-40A5-97AE-3F69AE5C1837}" type="presParOf" srcId="{63DDCCD6-3F31-4095-8E42-5BBFC31B83BE}" destId="{C0AF5CB7-6C4F-49BC-8738-E4DE0AC00B72}" srcOrd="0" destOrd="0" presId="urn:microsoft.com/office/officeart/2005/8/layout/chevron2"/>
-    <dgm:cxn modelId="{D4F1CFD9-FAA1-4448-ABAA-E3FEFCB6CAF1}" type="presParOf" srcId="{63DDCCD6-3F31-4095-8E42-5BBFC31B83BE}" destId="{0E09DE89-66C0-478D-8170-8F0BC920F1EB}" srcOrd="1" destOrd="0" presId="urn:microsoft.com/office/officeart/2005/8/layout/chevron2"/>
-    <dgm:cxn modelId="{2E2E534E-4D39-4D42-98E3-8E839879F75B}" type="presParOf" srcId="{E80E23AD-ECAE-46D2-92A5-71CA9074EED7}" destId="{52E78D13-8FB5-4AEC-B5C0-881B683FCF22}" srcOrd="1" destOrd="0" presId="urn:microsoft.com/office/officeart/2005/8/layout/chevron2"/>
-    <dgm:cxn modelId="{E68FD358-61E9-4B14-947B-E013AD32E758}" type="presParOf" srcId="{E80E23AD-ECAE-46D2-92A5-71CA9074EED7}" destId="{E529DD28-A6C8-4185-BA28-3A73741EACF4}" srcOrd="2" destOrd="0" presId="urn:microsoft.com/office/officeart/2005/8/layout/chevron2"/>
-    <dgm:cxn modelId="{ADDEDC8D-E08F-431C-8144-0F1630B4A0CB}" type="presParOf" srcId="{E529DD28-A6C8-4185-BA28-3A73741EACF4}" destId="{29EA1718-F619-46D8-B505-CF1DDA71B8BF}" srcOrd="0" destOrd="0" presId="urn:microsoft.com/office/officeart/2005/8/layout/chevron2"/>
-    <dgm:cxn modelId="{D8DF5C2A-E654-4638-8D6A-DD69C6F02065}" type="presParOf" srcId="{E529DD28-A6C8-4185-BA28-3A73741EACF4}" destId="{C96267EA-EF01-411B-8D37-95F44BBB68D3}" srcOrd="1" destOrd="0" presId="urn:microsoft.com/office/officeart/2005/8/layout/chevron2"/>
-    <dgm:cxn modelId="{8CA69AEF-3F6A-4CF3-AA93-E24960786D06}" type="presParOf" srcId="{E80E23AD-ECAE-46D2-92A5-71CA9074EED7}" destId="{4CCED8E1-297A-4834-9FC1-39D8E59A67B1}" srcOrd="3" destOrd="0" presId="urn:microsoft.com/office/officeart/2005/8/layout/chevron2"/>
-    <dgm:cxn modelId="{23553970-4502-4F21-A038-1A6EF7082C03}" type="presParOf" srcId="{E80E23AD-ECAE-46D2-92A5-71CA9074EED7}" destId="{95036E43-6C97-4BF5-8CB3-7871077B6900}" srcOrd="4" destOrd="0" presId="urn:microsoft.com/office/officeart/2005/8/layout/chevron2"/>
-    <dgm:cxn modelId="{2BCE6584-740F-4DE0-9BB4-2B4E6DC85A9E}" type="presParOf" srcId="{95036E43-6C97-4BF5-8CB3-7871077B6900}" destId="{E7C44091-B50A-4CB0-98F0-E70A01DD36F4}" srcOrd="0" destOrd="0" presId="urn:microsoft.com/office/officeart/2005/8/layout/chevron2"/>
-    <dgm:cxn modelId="{EEBB7F6E-84DC-4C03-95AA-EA05A012B25A}" type="presParOf" srcId="{95036E43-6C97-4BF5-8CB3-7871077B6900}" destId="{68EF0610-07B4-40C7-AD99-F2285099C2E4}" srcOrd="1" destOrd="0" presId="urn:microsoft.com/office/officeart/2005/8/layout/chevron2"/>
-  </dgm:cxnLst>
-  <dgm:bg/>
-  <dgm:whole/>
-  <dgm:extLst>
-    <a:ext uri="http://schemas.microsoft.com/office/drawing/2008/diagram">
-      <dsp:dataModelExt xmlns:dsp="http://schemas.microsoft.com/office/drawing/2008/diagram" relId="rId6" minVer="http://schemas.openxmlformats.org/drawingml/2006/diagram"/>
-    </a:ext>
-  </dgm:extLst>
-</dgm:dataModel>
-</file>
-
-<file path=ppt/diagrams/drawing1.xml><?xml version="1.0" encoding="utf-8"?>
-<dsp:drawing xmlns:dgm="http://schemas.openxmlformats.org/drawingml/2006/diagram" xmlns:dsp="http://schemas.microsoft.com/office/drawing/2008/diagram" xmlns:a="http://schemas.openxmlformats.org/drawingml/2006/main">
-  <dsp:spTree>
-    <dsp:nvGrpSpPr>
-      <dsp:cNvPr id="0" name=""/>
-      <dsp:cNvGrpSpPr/>
-    </dsp:nvGrpSpPr>
-    <dsp:grpSpPr/>
-    <dsp:sp modelId="{C0AF5CB7-6C4F-49BC-8738-E4DE0AC00B72}">
-      <dsp:nvSpPr>
-        <dsp:cNvPr id="0" name=""/>
-        <dsp:cNvSpPr/>
-      </dsp:nvSpPr>
-      <dsp:spPr>
-        <a:xfrm rot="5400000">
-          <a:off x="-247798" y="249366"/>
-          <a:ext cx="1651992" cy="1156394"/>
-        </a:xfrm>
-        <a:prstGeom prst="chevron">
-          <a:avLst/>
-        </a:prstGeom>
-        <a:solidFill>
-          <a:schemeClr val="accent1">
-            <a:shade val="80000"/>
-            <a:hueOff val="0"/>
-            <a:satOff val="0"/>
-            <a:lumOff val="0"/>
-            <a:alphaOff val="0"/>
-          </a:schemeClr>
-        </a:solidFill>
-        <a:ln w="12700" cap="flat" cmpd="sng" algn="ctr">
-          <a:solidFill>
-            <a:schemeClr val="accent1">
-              <a:shade val="80000"/>
-              <a:hueOff val="0"/>
-              <a:satOff val="0"/>
-              <a:lumOff val="0"/>
-              <a:alphaOff val="0"/>
-            </a:schemeClr>
-          </a:solidFill>
-          <a:prstDash val="solid"/>
-          <a:miter lim="800000"/>
-        </a:ln>
-        <a:effectLst/>
-      </dsp:spPr>
-      <dsp:style>
-        <a:lnRef idx="2">
-          <a:scrgbClr r="0" g="0" b="0"/>
-        </a:lnRef>
-        <a:fillRef idx="1">
-          <a:scrgbClr r="0" g="0" b="0"/>
-        </a:fillRef>
-        <a:effectRef idx="0">
-          <a:scrgbClr r="0" g="0" b="0"/>
-        </a:effectRef>
-        <a:fontRef idx="minor">
-          <a:schemeClr val="lt1"/>
-        </a:fontRef>
-      </dsp:style>
-      <dsp:txBody>
-        <a:bodyPr spcFirstLastPara="0" vert="horz" wrap="square" lIns="18415" tIns="18415" rIns="18415" bIns="18415" numCol="1" spcCol="1270" anchor="ctr" anchorCtr="0">
-          <a:noAutofit/>
-        </a:bodyPr>
-        <a:lstStyle/>
-        <a:p>
-          <a:pPr marL="0" lvl="0" indent="0" algn="ctr" defTabSz="1289050">
-            <a:lnSpc>
-              <a:spcPct val="90000"/>
-            </a:lnSpc>
-            <a:spcBef>
-              <a:spcPct val="0"/>
-            </a:spcBef>
-            <a:spcAft>
-              <a:spcPct val="35000"/>
-            </a:spcAft>
-            <a:buNone/>
-          </a:pPr>
-          <a:r>
-            <a:rPr lang="en-US" sz="2900" kern="1200" dirty="0"/>
-            <a:t>A</a:t>
-          </a:r>
-        </a:p>
-      </dsp:txBody>
-      <dsp:txXfrm rot="-5400000">
-        <a:off x="1" y="579764"/>
-        <a:ext cx="1156394" cy="495598"/>
-      </dsp:txXfrm>
-    </dsp:sp>
-    <dsp:sp modelId="{0E09DE89-66C0-478D-8170-8F0BC920F1EB}">
-      <dsp:nvSpPr>
-        <dsp:cNvPr id="0" name=""/>
-        <dsp:cNvSpPr/>
-      </dsp:nvSpPr>
-      <dsp:spPr>
-        <a:xfrm rot="5400000">
-          <a:off x="2448743" y="-1290781"/>
-          <a:ext cx="1073794" cy="3658493"/>
-        </a:xfrm>
-        <a:prstGeom prst="round2SameRect">
-          <a:avLst/>
-        </a:prstGeom>
-        <a:solidFill>
-          <a:schemeClr val="lt1">
-            <a:alpha val="90000"/>
-            <a:hueOff val="0"/>
-            <a:satOff val="0"/>
-            <a:lumOff val="0"/>
-            <a:alphaOff val="0"/>
-          </a:schemeClr>
-        </a:solidFill>
-        <a:ln w="12700" cap="flat" cmpd="sng" algn="ctr">
-          <a:solidFill>
-            <a:schemeClr val="accent1">
-              <a:shade val="80000"/>
-              <a:hueOff val="0"/>
-              <a:satOff val="0"/>
-              <a:lumOff val="0"/>
-              <a:alphaOff val="0"/>
-            </a:schemeClr>
-          </a:solidFill>
-          <a:prstDash val="solid"/>
-          <a:miter lim="800000"/>
-        </a:ln>
-        <a:effectLst/>
-      </dsp:spPr>
-      <dsp:style>
-        <a:lnRef idx="2">
-          <a:scrgbClr r="0" g="0" b="0"/>
-        </a:lnRef>
-        <a:fillRef idx="1">
-          <a:scrgbClr r="0" g="0" b="0"/>
-        </a:fillRef>
-        <a:effectRef idx="0">
-          <a:scrgbClr r="0" g="0" b="0"/>
-        </a:effectRef>
-        <a:fontRef idx="minor"/>
-      </dsp:style>
-      <dsp:txBody>
-        <a:bodyPr spcFirstLastPara="0" vert="horz" wrap="square" lIns="192024" tIns="17145" rIns="17145" bIns="17145" numCol="1" spcCol="1270" anchor="ctr" anchorCtr="0">
-          <a:noAutofit/>
-        </a:bodyPr>
-        <a:lstStyle/>
-        <a:p>
-          <a:pPr marL="228600" lvl="1" indent="-228600" algn="l" defTabSz="1200150">
-            <a:lnSpc>
-              <a:spcPct val="90000"/>
-            </a:lnSpc>
-            <a:spcBef>
-              <a:spcPct val="0"/>
-            </a:spcBef>
-            <a:spcAft>
-              <a:spcPct val="15000"/>
-            </a:spcAft>
-            <a:buChar char="•"/>
-          </a:pPr>
-          <a:r>
-            <a:rPr lang="en-US" sz="2700" kern="1200" dirty="0"/>
-            <a:t>Task 1</a:t>
-          </a:r>
-        </a:p>
-        <a:p>
-          <a:pPr marL="228600" lvl="1" indent="-228600" algn="l" defTabSz="1200150">
-            <a:lnSpc>
-              <a:spcPct val="90000"/>
-            </a:lnSpc>
-            <a:spcBef>
-              <a:spcPct val="0"/>
-            </a:spcBef>
-            <a:spcAft>
-              <a:spcPct val="15000"/>
-            </a:spcAft>
-            <a:buChar char="•"/>
-          </a:pPr>
-          <a:r>
-            <a:rPr lang="en-US" sz="2700" kern="1200" dirty="0"/>
-            <a:t>Task 2</a:t>
-          </a:r>
-        </a:p>
-      </dsp:txBody>
-      <dsp:txXfrm rot="-5400000">
-        <a:off x="1156394" y="53986"/>
-        <a:ext cx="3606075" cy="968958"/>
-      </dsp:txXfrm>
-    </dsp:sp>
-    <dsp:sp modelId="{29EA1718-F619-46D8-B505-CF1DDA71B8BF}">
-      <dsp:nvSpPr>
-        <dsp:cNvPr id="0" name=""/>
-        <dsp:cNvSpPr/>
-      </dsp:nvSpPr>
-      <dsp:spPr>
-        <a:xfrm rot="5400000">
-          <a:off x="-247798" y="1707802"/>
-          <a:ext cx="1651992" cy="1156394"/>
-        </a:xfrm>
-        <a:prstGeom prst="chevron">
-          <a:avLst/>
-        </a:prstGeom>
-        <a:solidFill>
-          <a:schemeClr val="accent1">
-            <a:shade val="80000"/>
-            <a:hueOff val="24829"/>
-            <a:satOff val="941"/>
-            <a:lumOff val="9312"/>
-            <a:alphaOff val="0"/>
-          </a:schemeClr>
-        </a:solidFill>
-        <a:ln w="12700" cap="flat" cmpd="sng" algn="ctr">
-          <a:solidFill>
-            <a:schemeClr val="accent1">
-              <a:shade val="80000"/>
-              <a:hueOff val="24829"/>
-              <a:satOff val="941"/>
-              <a:lumOff val="9312"/>
-              <a:alphaOff val="0"/>
-            </a:schemeClr>
-          </a:solidFill>
-          <a:prstDash val="solid"/>
-          <a:miter lim="800000"/>
-        </a:ln>
-        <a:effectLst/>
-      </dsp:spPr>
-      <dsp:style>
-        <a:lnRef idx="2">
-          <a:scrgbClr r="0" g="0" b="0"/>
-        </a:lnRef>
-        <a:fillRef idx="1">
-          <a:scrgbClr r="0" g="0" b="0"/>
-        </a:fillRef>
-        <a:effectRef idx="0">
-          <a:scrgbClr r="0" g="0" b="0"/>
-        </a:effectRef>
-        <a:fontRef idx="minor">
-          <a:schemeClr val="lt1"/>
-        </a:fontRef>
-      </dsp:style>
-      <dsp:txBody>
-        <a:bodyPr spcFirstLastPara="0" vert="horz" wrap="square" lIns="18415" tIns="18415" rIns="18415" bIns="18415" numCol="1" spcCol="1270" anchor="ctr" anchorCtr="0">
-          <a:noAutofit/>
-        </a:bodyPr>
-        <a:lstStyle/>
-        <a:p>
-          <a:pPr marL="0" lvl="0" indent="0" algn="ctr" defTabSz="1289050">
-            <a:lnSpc>
-              <a:spcPct val="90000"/>
-            </a:lnSpc>
-            <a:spcBef>
-              <a:spcPct val="0"/>
-            </a:spcBef>
-            <a:spcAft>
-              <a:spcPct val="35000"/>
-            </a:spcAft>
-            <a:buNone/>
-          </a:pPr>
-          <a:r>
-            <a:rPr lang="en-US" sz="2900" kern="1200" dirty="0"/>
-            <a:t>B</a:t>
-          </a:r>
-        </a:p>
-      </dsp:txBody>
-      <dsp:txXfrm rot="-5400000">
-        <a:off x="1" y="2038200"/>
-        <a:ext cx="1156394" cy="495598"/>
-      </dsp:txXfrm>
-    </dsp:sp>
-    <dsp:sp modelId="{C96267EA-EF01-411B-8D37-95F44BBB68D3}">
-      <dsp:nvSpPr>
-        <dsp:cNvPr id="0" name=""/>
-        <dsp:cNvSpPr/>
-      </dsp:nvSpPr>
-      <dsp:spPr>
-        <a:xfrm rot="5400000">
-          <a:off x="2448743" y="167654"/>
-          <a:ext cx="1073794" cy="3658493"/>
-        </a:xfrm>
-        <a:prstGeom prst="round2SameRect">
-          <a:avLst/>
-        </a:prstGeom>
-        <a:solidFill>
-          <a:schemeClr val="lt1">
-            <a:alpha val="90000"/>
-            <a:hueOff val="0"/>
-            <a:satOff val="0"/>
-            <a:lumOff val="0"/>
-            <a:alphaOff val="0"/>
-          </a:schemeClr>
-        </a:solidFill>
-        <a:ln w="12700" cap="flat" cmpd="sng" algn="ctr">
-          <a:solidFill>
-            <a:schemeClr val="accent1">
-              <a:shade val="80000"/>
-              <a:hueOff val="24829"/>
-              <a:satOff val="941"/>
-              <a:lumOff val="9312"/>
-              <a:alphaOff val="0"/>
-            </a:schemeClr>
-          </a:solidFill>
-          <a:prstDash val="solid"/>
-          <a:miter lim="800000"/>
-        </a:ln>
-        <a:effectLst/>
-      </dsp:spPr>
-      <dsp:style>
-        <a:lnRef idx="2">
-          <a:scrgbClr r="0" g="0" b="0"/>
-        </a:lnRef>
-        <a:fillRef idx="1">
-          <a:scrgbClr r="0" g="0" b="0"/>
-        </a:fillRef>
-        <a:effectRef idx="0">
-          <a:scrgbClr r="0" g="0" b="0"/>
-        </a:effectRef>
-        <a:fontRef idx="minor"/>
-      </dsp:style>
-      <dsp:txBody>
-        <a:bodyPr spcFirstLastPara="0" vert="horz" wrap="square" lIns="192024" tIns="17145" rIns="17145" bIns="17145" numCol="1" spcCol="1270" anchor="ctr" anchorCtr="0">
-          <a:noAutofit/>
-        </a:bodyPr>
-        <a:lstStyle/>
-        <a:p>
-          <a:pPr marL="228600" lvl="1" indent="-228600" algn="l" defTabSz="1200150">
-            <a:lnSpc>
-              <a:spcPct val="90000"/>
-            </a:lnSpc>
-            <a:spcBef>
-              <a:spcPct val="0"/>
-            </a:spcBef>
-            <a:spcAft>
-              <a:spcPct val="15000"/>
-            </a:spcAft>
-            <a:buChar char="•"/>
-          </a:pPr>
-          <a:r>
-            <a:rPr lang="en-US" sz="2700" kern="1200" dirty="0"/>
-            <a:t>Task 1</a:t>
-          </a:r>
-        </a:p>
-        <a:p>
-          <a:pPr marL="228600" lvl="1" indent="-228600" algn="l" defTabSz="1200150">
-            <a:lnSpc>
-              <a:spcPct val="90000"/>
-            </a:lnSpc>
-            <a:spcBef>
-              <a:spcPct val="0"/>
-            </a:spcBef>
-            <a:spcAft>
-              <a:spcPct val="15000"/>
-            </a:spcAft>
-            <a:buChar char="•"/>
-          </a:pPr>
-          <a:r>
-            <a:rPr lang="en-US" sz="2700" kern="1200" dirty="0"/>
-            <a:t>Task 2</a:t>
-          </a:r>
-        </a:p>
-      </dsp:txBody>
-      <dsp:txXfrm rot="-5400000">
-        <a:off x="1156394" y="1512421"/>
-        <a:ext cx="3606075" cy="968958"/>
-      </dsp:txXfrm>
-    </dsp:sp>
-    <dsp:sp modelId="{E7C44091-B50A-4CB0-98F0-E70A01DD36F4}">
-      <dsp:nvSpPr>
-        <dsp:cNvPr id="0" name=""/>
-        <dsp:cNvSpPr/>
-      </dsp:nvSpPr>
-      <dsp:spPr>
-        <a:xfrm rot="5400000">
-          <a:off x="-247798" y="3166238"/>
-          <a:ext cx="1651992" cy="1156394"/>
-        </a:xfrm>
-        <a:prstGeom prst="chevron">
-          <a:avLst/>
-        </a:prstGeom>
-        <a:solidFill>
-          <a:schemeClr val="accent1">
-            <a:shade val="80000"/>
-            <a:hueOff val="49657"/>
-            <a:satOff val="1882"/>
-            <a:lumOff val="18624"/>
-            <a:alphaOff val="0"/>
-          </a:schemeClr>
-        </a:solidFill>
-        <a:ln w="12700" cap="flat" cmpd="sng" algn="ctr">
-          <a:solidFill>
-            <a:schemeClr val="accent1">
-              <a:shade val="80000"/>
-              <a:hueOff val="49657"/>
-              <a:satOff val="1882"/>
-              <a:lumOff val="18624"/>
-              <a:alphaOff val="0"/>
-            </a:schemeClr>
-          </a:solidFill>
-          <a:prstDash val="solid"/>
-          <a:miter lim="800000"/>
-        </a:ln>
-        <a:effectLst/>
-      </dsp:spPr>
-      <dsp:style>
-        <a:lnRef idx="2">
-          <a:scrgbClr r="0" g="0" b="0"/>
-        </a:lnRef>
-        <a:fillRef idx="1">
-          <a:scrgbClr r="0" g="0" b="0"/>
-        </a:fillRef>
-        <a:effectRef idx="0">
-          <a:scrgbClr r="0" g="0" b="0"/>
-        </a:effectRef>
-        <a:fontRef idx="minor">
-          <a:schemeClr val="lt1"/>
-        </a:fontRef>
-      </dsp:style>
-      <dsp:txBody>
-        <a:bodyPr spcFirstLastPara="0" vert="horz" wrap="square" lIns="18415" tIns="18415" rIns="18415" bIns="18415" numCol="1" spcCol="1270" anchor="ctr" anchorCtr="0">
-          <a:noAutofit/>
-        </a:bodyPr>
-        <a:lstStyle/>
-        <a:p>
-          <a:pPr marL="0" lvl="0" indent="0" algn="ctr" defTabSz="1289050">
-            <a:lnSpc>
-              <a:spcPct val="90000"/>
-            </a:lnSpc>
-            <a:spcBef>
-              <a:spcPct val="0"/>
-            </a:spcBef>
-            <a:spcAft>
-              <a:spcPct val="35000"/>
-            </a:spcAft>
-            <a:buNone/>
-          </a:pPr>
-          <a:r>
-            <a:rPr lang="en-US" sz="2900" kern="1200" dirty="0"/>
-            <a:t>C</a:t>
-          </a:r>
-        </a:p>
-      </dsp:txBody>
-      <dsp:txXfrm rot="-5400000">
-        <a:off x="1" y="3496636"/>
-        <a:ext cx="1156394" cy="495598"/>
-      </dsp:txXfrm>
-    </dsp:sp>
-    <dsp:sp modelId="{68EF0610-07B4-40C7-AD99-F2285099C2E4}">
-      <dsp:nvSpPr>
-        <dsp:cNvPr id="0" name=""/>
-        <dsp:cNvSpPr/>
-      </dsp:nvSpPr>
-      <dsp:spPr>
-        <a:xfrm rot="5400000">
-          <a:off x="2448743" y="1626090"/>
-          <a:ext cx="1073794" cy="3658493"/>
-        </a:xfrm>
-        <a:prstGeom prst="round2SameRect">
-          <a:avLst/>
-        </a:prstGeom>
-        <a:solidFill>
-          <a:schemeClr val="lt1">
-            <a:alpha val="90000"/>
-            <a:hueOff val="0"/>
-            <a:satOff val="0"/>
-            <a:lumOff val="0"/>
-            <a:alphaOff val="0"/>
-          </a:schemeClr>
-        </a:solidFill>
-        <a:ln w="12700" cap="flat" cmpd="sng" algn="ctr">
-          <a:solidFill>
-            <a:schemeClr val="accent1">
-              <a:shade val="80000"/>
-              <a:hueOff val="49657"/>
-              <a:satOff val="1882"/>
-              <a:lumOff val="18624"/>
-              <a:alphaOff val="0"/>
-            </a:schemeClr>
-          </a:solidFill>
-          <a:prstDash val="solid"/>
-          <a:miter lim="800000"/>
-        </a:ln>
-        <a:effectLst/>
-      </dsp:spPr>
-      <dsp:style>
-        <a:lnRef idx="2">
-          <a:scrgbClr r="0" g="0" b="0"/>
-        </a:lnRef>
-        <a:fillRef idx="1">
-          <a:scrgbClr r="0" g="0" b="0"/>
-        </a:fillRef>
-        <a:effectRef idx="0">
-          <a:scrgbClr r="0" g="0" b="0"/>
-        </a:effectRef>
-        <a:fontRef idx="minor"/>
-      </dsp:style>
-      <dsp:txBody>
-        <a:bodyPr spcFirstLastPara="0" vert="horz" wrap="square" lIns="192024" tIns="17145" rIns="17145" bIns="17145" numCol="1" spcCol="1270" anchor="ctr" anchorCtr="0">
-          <a:noAutofit/>
-        </a:bodyPr>
-        <a:lstStyle/>
-        <a:p>
-          <a:pPr marL="228600" lvl="1" indent="-228600" algn="l" defTabSz="1200150">
-            <a:lnSpc>
-              <a:spcPct val="90000"/>
-            </a:lnSpc>
-            <a:spcBef>
-              <a:spcPct val="0"/>
-            </a:spcBef>
-            <a:spcAft>
-              <a:spcPct val="15000"/>
-            </a:spcAft>
-            <a:buChar char="•"/>
-          </a:pPr>
-          <a:r>
-            <a:rPr lang="en-US" sz="2700" kern="1200" dirty="0"/>
-            <a:t>Task 1</a:t>
-          </a:r>
-        </a:p>
-      </dsp:txBody>
-      <dsp:txXfrm rot="-5400000">
-        <a:off x="1156394" y="2970857"/>
-        <a:ext cx="3606075" cy="968958"/>
-      </dsp:txXfrm>
-    </dsp:sp>
-  </dsp:spTree>
-</dsp:drawing>
-</file>
-
-<file path=ppt/diagrams/layout1.xml><?xml version="1.0" encoding="utf-8"?>
-<dgm:layoutDef xmlns:dgm="http://schemas.openxmlformats.org/drawingml/2006/diagram" xmlns:a="http://schemas.openxmlformats.org/drawingml/2006/main" uniqueId="urn:microsoft.com/office/officeart/2005/8/layout/chevron2">
-  <dgm:title val=""/>
-  <dgm:desc val=""/>
-  <dgm:catLst>
-    <dgm:cat type="process" pri="12000"/>
-    <dgm:cat type="list" pri="16000"/>
-    <dgm:cat type="convert" pri="11000"/>
-  </dgm:catLst>
-  <dgm:sampData>
-    <dgm:dataModel>
-      <dgm:ptLst>
-        <dgm:pt modelId="0" type="doc"/>
-        <dgm:pt modelId="1">
-          <dgm:prSet phldr="1"/>
-        </dgm:pt>
-        <dgm:pt modelId="11">
-          <dgm:prSet phldr="1"/>
-        </dgm:pt>
-        <dgm:pt modelId="12">
-          <dgm:prSet phldr="1"/>
-        </dgm:pt>
-        <dgm:pt modelId="2">
-          <dgm:prSet phldr="1"/>
-        </dgm:pt>
-        <dgm:pt modelId="21">
-          <dgm:prSet phldr="1"/>
-        </dgm:pt>
-        <dgm:pt modelId="22">
-          <dgm:prSet phldr="1"/>
-        </dgm:pt>
-        <dgm:pt modelId="3">
-          <dgm:prSet phldr="1"/>
-        </dgm:pt>
-        <dgm:pt modelId="31">
-          <dgm:prSet phldr="1"/>
-        </dgm:pt>
-        <dgm:pt modelId="32">
-          <dgm:prSet phldr="1"/>
-        </dgm:pt>
-      </dgm:ptLst>
-      <dgm:cxnLst>
-        <dgm:cxn modelId="4" srcId="0" destId="1" srcOrd="0" destOrd="0"/>
-        <dgm:cxn modelId="5" srcId="0" destId="2" srcOrd="1" destOrd="0"/>
-        <dgm:cxn modelId="6" srcId="0" destId="3" srcOrd="2" destOrd="0"/>
-        <dgm:cxn modelId="13" srcId="1" destId="11" srcOrd="0" destOrd="0"/>
-        <dgm:cxn modelId="14" srcId="1" destId="12" srcOrd="1" destOrd="0"/>
-        <dgm:cxn modelId="23" srcId="2" destId="21" srcOrd="0" destOrd="0"/>
-        <dgm:cxn modelId="24" srcId="2" destId="22" srcOrd="1" destOrd="0"/>
-        <dgm:cxn modelId="33" srcId="3" destId="31" srcOrd="0" destOrd="0"/>
-        <dgm:cxn modelId="34" srcId="3" destId="32" srcOrd="1" destOrd="0"/>
-      </dgm:cxnLst>
-      <dgm:bg/>
-      <dgm:whole/>
-    </dgm:dataModel>
-  </dgm:sampData>
-  <dgm:styleData>
-    <dgm:dataModel>
-      <dgm:ptLst>
-        <dgm:pt modelId="0" type="doc"/>
-        <dgm:pt modelId="1"/>
-      </dgm:ptLst>
-      <dgm:cxnLst>
-        <dgm:cxn modelId="4" srcId="0" destId="1" srcOrd="0" destOrd="0"/>
-      </dgm:cxnLst>
-      <dgm:bg/>
-      <dgm:whole/>
-    </dgm:dataModel>
-  </dgm:styleData>
-  <dgm:clrData>
-    <dgm:dataModel>
-      <dgm:ptLst>
-        <dgm:pt modelId="0" type="doc"/>
-        <dgm:pt modelId="1"/>
-        <dgm:pt modelId="11"/>
-        <dgm:pt modelId="2"/>
-        <dgm:pt modelId="21"/>
-        <dgm:pt modelId="3"/>
-        <dgm:pt modelId="31"/>
-        <dgm:pt modelId="4"/>
-        <dgm:pt modelId="41"/>
-      </dgm:ptLst>
-      <dgm:cxnLst>
-        <dgm:cxn modelId="5" srcId="0" destId="1" srcOrd="0" destOrd="0"/>
-        <dgm:cxn modelId="6" srcId="0" destId="2" srcOrd="1" destOrd="0"/>
-        <dgm:cxn modelId="7" srcId="0" destId="3" srcOrd="2" destOrd="0"/>
-        <dgm:cxn modelId="8" srcId="0" destId="4" srcOrd="3" destOrd="0"/>
-        <dgm:cxn modelId="13" srcId="1" destId="11" srcOrd="0" destOrd="0"/>
-        <dgm:cxn modelId="23" srcId="2" destId="21" srcOrd="0" destOrd="0"/>
-        <dgm:cxn modelId="33" srcId="3" destId="31" srcOrd="0" destOrd="0"/>
-        <dgm:cxn modelId="43" srcId="4" destId="41" srcOrd="0" destOrd="0"/>
-      </dgm:cxnLst>
-      <dgm:bg/>
-      <dgm:whole/>
-    </dgm:dataModel>
-  </dgm:clrData>
-  <dgm:layoutNode name="linearFlow">
-    <dgm:varLst>
-      <dgm:dir/>
-      <dgm:animLvl val="lvl"/>
-      <dgm:resizeHandles val="exact"/>
-    </dgm:varLst>
-    <dgm:alg type="lin">
-      <dgm:param type="linDir" val="fromT"/>
-      <dgm:param type="nodeHorzAlign" val="l"/>
-    </dgm:alg>
-    <dgm:shape xmlns:r="http://schemas.openxmlformats.org/officeDocument/2006/relationships" r:blip="">
-      <dgm:adjLst/>
-    </dgm:shape>
-    <dgm:presOf/>
-    <dgm:constrLst>
-      <dgm:constr type="h" for="ch" forName="composite" refType="h"/>
-      <dgm:constr type="w" for="ch" forName="composite" refType="w"/>
-      <dgm:constr type="h" for="des" forName="parentText" op="equ"/>
-      <dgm:constr type="h" for="ch" forName="sp" val="-14.88"/>
-      <dgm:constr type="h" for="ch" forName="sp" refType="w" refFor="des" refForName="parentText" op="gte" fact="-0.3"/>
-      <dgm:constr type="primFontSz" for="des" forName="parentText" op="equ" val="65"/>
-      <dgm:constr type="primFontSz" for="des" forName="descendantText" op="equ" val="65"/>
-    </dgm:constrLst>
-    <dgm:ruleLst/>
-    <dgm:forEach name="Name0" axis="ch" ptType="node">
-      <dgm:layoutNode name="composite">
-        <dgm:alg type="composite"/>
-        <dgm:shape xmlns:r="http://schemas.openxmlformats.org/officeDocument/2006/relationships" r:blip="">
-          <dgm:adjLst/>
-        </dgm:shape>
-        <dgm:presOf/>
-        <dgm:choose name="Name1">
-          <dgm:if name="Name2" func="var" arg="dir" op="equ" val="norm">
-            <dgm:constrLst>
-              <dgm:constr type="t" for="ch" forName="parentText"/>
-              <dgm:constr type="l" for="ch" forName="parentText"/>
-              <dgm:constr type="w" for="ch" forName="parentText" refType="w" fact="0.4"/>
-              <dgm:constr type="h" for="ch" forName="parentText" refType="h"/>
-              <dgm:constr type="w" for="ch" forName="parentText" refType="w" op="lte" fact="0.5"/>
-              <dgm:constr type="w" for="ch" forName="parentText" refType="h" refFor="ch" refForName="parentText" op="lte" fact="0.7"/>
-              <dgm:constr type="h" for="ch" forName="parentText" refType="w" refFor="ch" refForName="parentText" op="lte" fact="3"/>
-              <dgm:constr type="l" for="ch" forName="descendantText" refType="w" refFor="ch" refForName="parentText"/>
-              <dgm:constr type="w" for="ch" forName="descendantText" refType="w"/>
-              <dgm:constr type="wOff" for="ch" forName="descendantText" refType="w" refFor="ch" refForName="parentText" fact="-1"/>
-              <dgm:constr type="t" for="ch" forName="descendantText"/>
-              <dgm:constr type="b" for="ch" forName="descendantText" refType="h" refFor="ch" refForName="parentText"/>
-              <dgm:constr type="bOff" for="ch" forName="descendantText" refType="w" refFor="ch" refForName="parentText" fact="-0.5"/>
-            </dgm:constrLst>
-          </dgm:if>
-          <dgm:else name="Name3">
-            <dgm:constrLst>
-              <dgm:constr type="t" for="ch" forName="parentText"/>
-              <dgm:constr type="r" for="ch" forName="parentText" refType="w"/>
-              <dgm:constr type="w" for="ch" forName="parentText" refType="w" fact="0.4"/>
-              <dgm:constr type="h" for="ch" forName="parentText" refType="h"/>
-              <dgm:constr type="w" for="ch" forName="parentText" refType="w" op="lte" fact="0.5"/>
-              <dgm:constr type="w" for="ch" forName="parentText" refType="h" refFor="ch" refForName="parentText" op="lte" fact="0.7"/>
-              <dgm:constr type="h" for="ch" forName="parentText" refType="w" refFor="ch" refForName="parentText" op="lte" fact="3"/>
-              <dgm:constr type="l" for="ch" forName="descendantText"/>
-              <dgm:constr type="w" for="ch" forName="descendantText" refType="w"/>
-              <dgm:constr type="wOff" for="ch" forName="descendantText" refType="w" refFor="ch" refForName="parentText" fact="-1"/>
-              <dgm:constr type="t" for="ch" forName="descendantText"/>
-              <dgm:constr type="b" for="ch" forName="descendantText" refType="h" refFor="ch" refForName="parentText"/>
-              <dgm:constr type="bOff" for="ch" forName="descendantText" refType="w" refFor="ch" refForName="parentText" fact="-0.5"/>
-            </dgm:constrLst>
-          </dgm:else>
-        </dgm:choose>
-        <dgm:ruleLst/>
-        <dgm:layoutNode name="parentText" styleLbl="alignNode1">
-          <dgm:varLst>
-            <dgm:chMax val="1"/>
-            <dgm:bulletEnabled val="1"/>
-          </dgm:varLst>
-          <dgm:alg type="tx"/>
-          <dgm:shape xmlns:r="http://schemas.openxmlformats.org/officeDocument/2006/relationships" rot="90" type="chevron" r:blip="">
-            <dgm:adjLst/>
-          </dgm:shape>
-          <dgm:presOf axis="self" ptType="node"/>
-          <dgm:constrLst>
-            <dgm:constr type="lMarg" refType="primFontSz" fact="0.05"/>
-            <dgm:constr type="rMarg" refType="primFontSz" fact="0.05"/>
-            <dgm:constr type="tMarg" refType="primFontSz" fact="0.05"/>
-            <dgm:constr type="bMarg" refType="primFontSz" fact="0.05"/>
-          </dgm:constrLst>
-          <dgm:ruleLst>
-            <dgm:rule type="h" val="100" fact="NaN" max="NaN"/>
-            <dgm:rule type="primFontSz" val="24" fact="NaN" max="NaN"/>
-            <dgm:rule type="h" val="110" fact="NaN" max="NaN"/>
-            <dgm:rule type="primFontSz" val="18" fact="NaN" max="NaN"/>
-            <dgm:rule type="h" val="INF" fact="NaN" max="NaN"/>
-            <dgm:rule type="primFontSz" val="5" fact="NaN" max="NaN"/>
-          </dgm:ruleLst>
-        </dgm:layoutNode>
-        <dgm:layoutNode name="descendantText" styleLbl="alignAcc1">
-          <dgm:varLst>
-            <dgm:bulletEnabled val="1"/>
-          </dgm:varLst>
-          <dgm:choose name="Name4">
-            <dgm:if name="Name5" func="var" arg="dir" op="equ" val="norm">
-              <dgm:alg type="tx">
-                <dgm:param type="stBulletLvl" val="1"/>
-                <dgm:param type="txAnchorVertCh" val="mid"/>
-              </dgm:alg>
-              <dgm:shape xmlns:r="http://schemas.openxmlformats.org/officeDocument/2006/relationships" rot="90" type="round2SameRect" r:blip="">
-                <dgm:adjLst/>
-              </dgm:shape>
-            </dgm:if>
-            <dgm:else name="Name6">
-              <dgm:alg type="tx">
-                <dgm:param type="stBulletLvl" val="1"/>
-                <dgm:param type="txAnchorVertCh" val="mid"/>
-              </dgm:alg>
-              <dgm:shape xmlns:r="http://schemas.openxmlformats.org/officeDocument/2006/relationships" rot="-90" type="round2SameRect" r:blip="">
-                <dgm:adjLst/>
-              </dgm:shape>
-            </dgm:else>
-          </dgm:choose>
-          <dgm:presOf axis="des" ptType="node"/>
-          <dgm:choose name="Name7">
-            <dgm:if name="Name8" func="var" arg="dir" op="equ" val="norm">
-              <dgm:constrLst>
-                <dgm:constr type="secFontSz" refType="primFontSz"/>
-                <dgm:constr type="tMarg" refType="primFontSz" fact="0.05"/>
-                <dgm:constr type="bMarg" refType="primFontSz" fact="0.05"/>
-                <dgm:constr type="rMarg" refType="primFontSz" fact="0.05"/>
-              </dgm:constrLst>
-            </dgm:if>
-            <dgm:else name="Name9">
-              <dgm:constrLst>
-                <dgm:constr type="secFontSz" refType="primFontSz"/>
-                <dgm:constr type="tMarg" refType="primFontSz" fact="0.05"/>
-                <dgm:constr type="bMarg" refType="primFontSz" fact="0.05"/>
-                <dgm:constr type="lMarg" refType="primFontSz" fact="0.05"/>
-              </dgm:constrLst>
-            </dgm:else>
-          </dgm:choose>
-          <dgm:ruleLst>
-            <dgm:rule type="primFontSz" val="5" fact="NaN" max="NaN"/>
-          </dgm:ruleLst>
-        </dgm:layoutNode>
-      </dgm:layoutNode>
-      <dgm:forEach name="Name10" axis="followSib" ptType="sibTrans" cnt="1">
-        <dgm:layoutNode name="sp">
-          <dgm:alg type="sp"/>
-          <dgm:shape xmlns:r="http://schemas.openxmlformats.org/officeDocument/2006/relationships" r:blip="">
-            <dgm:adjLst/>
-          </dgm:shape>
-          <dgm:presOf axis="self"/>
-          <dgm:constrLst>
-            <dgm:constr type="w" val="1"/>
-            <dgm:constr type="h" val="37.5"/>
-          </dgm:constrLst>
-          <dgm:ruleLst/>
-        </dgm:layoutNode>
-      </dgm:forEach>
-    </dgm:forEach>
-  </dgm:layoutNode>
-</dgm:layoutDef>
-</file>
-
-<file path=ppt/diagrams/quickStyle1.xml><?xml version="1.0" encoding="utf-8"?>
-<dgm:styleDef xmlns:dgm="http://schemas.openxmlformats.org/drawingml/2006/diagram" xmlns:a="http://schemas.openxmlformats.org/drawingml/2006/main" uniqueId="urn:microsoft.com/office/officeart/2005/8/quickstyle/simple1">
-  <dgm:title val=""/>
-  <dgm:desc val=""/>
-  <dgm:catLst>
-    <dgm:cat type="simple" pri="10100"/>
-  </dgm:catLst>
-  <dgm:scene3d>
-    <a:camera prst="orthographicFront"/>
-    <a:lightRig rig="threePt" dir="t"/>
-  </dgm:scene3d>
-  <dgm:styleLbl name="node0">
-    <dgm:scene3d>
-      <a:camera prst="orthographicFront"/>
-      <a:lightRig rig="threePt" dir="t"/>
-    </dgm:scene3d>
-    <dgm:sp3d/>
-    <dgm:txPr/>
-    <dgm:style>
-      <a:lnRef idx="2">
-        <a:scrgbClr r="0" g="0" b="0"/>
-      </a:lnRef>
-      <a:fillRef idx="1">
-        <a:scrgbClr r="0" g="0" b="0"/>
-      </a:fillRef>
-      <a:effectRef idx="0">
-        <a:scrgbClr r="0" g="0" b="0"/>
-      </a:effectRef>
-      <a:fontRef idx="minor">
-        <a:schemeClr val="lt1"/>
-      </a:fontRef>
-    </dgm:style>
-  </dgm:styleLbl>
-  <dgm:styleLbl name="lnNode1">
-    <dgm:scene3d>
-      <a:camera prst="orthographicFront"/>
-      <a:lightRig rig="threePt" dir="t"/>
-    </dgm:scene3d>
-    <dgm:sp3d/>
-    <dgm:txPr/>
-    <dgm:style>
-      <a:lnRef idx="2">
-        <a:scrgbClr r="0" g="0" b="0"/>
-      </a:lnRef>
-      <a:fillRef idx="1">
-        <a:scrgbClr r="0" g="0" b="0"/>
-      </a:fillRef>
-      <a:effectRef idx="0">
-        <a:scrgbClr r="0" g="0" b="0"/>
-      </a:effectRef>
-      <a:fontRef idx="minor">
-        <a:schemeClr val="lt1"/>
-      </a:fontRef>
-    </dgm:style>
-  </dgm:styleLbl>
-  <dgm:styleLbl name="vennNode1">
-    <dgm:scene3d>
-      <a:camera prst="orthographicFront"/>
-      <a:lightRig rig="threePt" dir="t"/>
-    </dgm:scene3d>
-    <dgm:sp3d/>
-    <dgm:txPr/>
-    <dgm:style>
-      <a:lnRef idx="2">
-        <a:scrgbClr r="0" g="0" b="0"/>
-      </a:lnRef>
-      <a:fillRef idx="1">
-        <a:scrgbClr r="0" g="0" b="0"/>
-      </a:fillRef>
-      <a:effectRef idx="0">
-        <a:scrgbClr r="0" g="0" b="0"/>
-      </a:effectRef>
-      <a:fontRef idx="minor">
-        <a:schemeClr val="tx1"/>
-      </a:fontRef>
-    </dgm:style>
-  </dgm:styleLbl>
-  <dgm:styleLbl name="alignNode1">
-    <dgm:scene3d>
-      <a:camera prst="orthographicFront"/>
-      <a:lightRig rig="threePt" dir="t"/>
-    </dgm:scene3d>
-    <dgm:sp3d/>
-    <dgm:txPr/>
-    <dgm:style>
-      <a:lnRef idx="2">
-        <a:scrgbClr r="0" g="0" b="0"/>
-      </a:lnRef>
-      <a:fillRef idx="1">
-        <a:scrgbClr r="0" g="0" b="0"/>
-      </a:fillRef>
-      <a:effectRef idx="0">
-        <a:scrgbClr r="0" g="0" b="0"/>
-      </a:effectRef>
-      <a:fontRef idx="minor">
-        <a:schemeClr val="lt1"/>
-      </a:fontRef>
-    </dgm:style>
-  </dgm:styleLbl>
-  <dgm:styleLbl name="node1">
-    <dgm:scene3d>
-      <a:camera prst="orthographicFront"/>
-      <a:lightRig rig="threePt" dir="t"/>
-    </dgm:scene3d>
-    <dgm:sp3d/>
-    <dgm:txPr/>
-    <dgm:style>
-      <a:lnRef idx="2">
-        <a:scrgbClr r="0" g="0" b="0"/>
-      </a:lnRef>
-      <a:fillRef idx="1">
-        <a:scrgbClr r="0" g="0" b="0"/>
-      </a:fillRef>
-      <a:effectRef idx="0">
-        <a:scrgbClr r="0" g="0" b="0"/>
-      </a:effectRef>
-      <a:fontRef idx="minor">
-        <a:schemeClr val="lt1"/>
-      </a:fontRef>
-    </dgm:style>
-  </dgm:styleLbl>
-  <dgm:styleLbl name="node2">
-    <dgm:scene3d>
-      <a:camera prst="orthographicFront"/>
-      <a:lightRig rig="threePt" dir="t"/>
-    </dgm:scene3d>
-    <dgm:sp3d/>
-    <dgm:txPr/>
-    <dgm:style>
-      <a:lnRef idx="2">
-        <a:scrgbClr r="0" g="0" b="0"/>
-      </a:lnRef>
-      <a:fillRef idx="1">
-        <a:scrgbClr r="0" g="0" b="0"/>
-      </a:fillRef>
-      <a:effectRef idx="0">
-        <a:scrgbClr r="0" g="0" b="0"/>
-      </a:effectRef>
-      <a:fontRef idx="minor">
-        <a:schemeClr val="lt1"/>
-      </a:fontRef>
-    </dgm:style>
-  </dgm:styleLbl>
-  <dgm:styleLbl name="node3">
-    <dgm:scene3d>
-      <a:camera prst="orthographicFront"/>
-      <a:lightRig rig="threePt" dir="t"/>
-    </dgm:scene3d>
-    <dgm:sp3d/>
-    <dgm:txPr/>
-    <dgm:style>
-      <a:lnRef idx="2">
-        <a:scrgbClr r="0" g="0" b="0"/>
-      </a:lnRef>
-      <a:fillRef idx="1">
-        <a:scrgbClr r="0" g="0" b="0"/>
-      </a:fillRef>
-      <a:effectRef idx="0">
-        <a:scrgbClr r="0" g="0" b="0"/>
-      </a:effectRef>
-      <a:fontRef idx="minor">
-        <a:schemeClr val="lt1"/>
-      </a:fontRef>
-    </dgm:style>
-  </dgm:styleLbl>
-  <dgm:styleLbl name="node4">
-    <dgm:scene3d>
-      <a:camera prst="orthographicFront"/>
-      <a:lightRig rig="threePt" dir="t"/>
-    </dgm:scene3d>
-    <dgm:sp3d/>
-    <dgm:txPr/>
-    <dgm:style>
-      <a:lnRef idx="2">
-        <a:scrgbClr r="0" g="0" b="0"/>
-      </a:lnRef>
-      <a:fillRef idx="1">
-        <a:scrgbClr r="0" g="0" b="0"/>
-      </a:fillRef>
-      <a:effectRef idx="0">
-        <a:scrgbClr r="0" g="0" b="0"/>
-      </a:effectRef>
-      <a:fontRef idx="minor">
-        <a:schemeClr val="lt1"/>
-      </a:fontRef>
-    </dgm:style>
-  </dgm:styleLbl>
-  <dgm:styleLbl name="fgImgPlace1">
-    <dgm:scene3d>
-      <a:camera prst="orthographicFront"/>
-      <a:lightRig rig="threePt" dir="t"/>
-    </dgm:scene3d>
-    <dgm:sp3d/>
-    <dgm:txPr/>
-    <dgm:style>
-      <a:lnRef idx="2">
-        <a:scrgbClr r="0" g="0" b="0"/>
-      </a:lnRef>
-      <a:fillRef idx="1">
-        <a:scrgbClr r="0" g="0" b="0"/>
-      </a:fillRef>
-      <a:effectRef idx="0">
-        <a:scrgbClr r="0" g="0" b="0"/>
-      </a:effectRef>
-      <a:fontRef idx="minor"/>
-    </dgm:style>
-  </dgm:styleLbl>
-  <dgm:styleLbl name="alignImgPlace1">
-    <dgm:scene3d>
-      <a:camera prst="orthographicFront"/>
-      <a:lightRig rig="threePt" dir="t"/>
-    </dgm:scene3d>
-    <dgm:sp3d/>
-    <dgm:txPr/>
-    <dgm:style>
-      <a:lnRef idx="2">
-        <a:scrgbClr r="0" g="0" b="0"/>
-      </a:lnRef>
-      <a:fillRef idx="1">
-        <a:scrgbClr r="0" g="0" b="0"/>
-      </a:fillRef>
-      <a:effectRef idx="0">
-        <a:scrgbClr r="0" g="0" b="0"/>
-      </a:effectRef>
-      <a:fontRef idx="minor"/>
-    </dgm:style>
-  </dgm:styleLbl>
-  <dgm:styleLbl name="bgImgPlace1">
-    <dgm:scene3d>
-      <a:camera prst="orthographicFront"/>
-      <a:lightRig rig="threePt" dir="t"/>
-    </dgm:scene3d>
-    <dgm:sp3d/>
-    <dgm:txPr/>
-    <dgm:style>
-      <a:lnRef idx="2">
-        <a:scrgbClr r="0" g="0" b="0"/>
-      </a:lnRef>
-      <a:fillRef idx="1">
-        <a:scrgbClr r="0" g="0" b="0"/>
-      </a:fillRef>
-      <a:effectRef idx="0">
-        <a:scrgbClr r="0" g="0" b="0"/>
-      </a:effectRef>
-      <a:fontRef idx="minor"/>
-    </dgm:style>
-  </dgm:styleLbl>
-  <dgm:styleLbl name="sibTrans2D1">
-    <dgm:scene3d>
-      <a:camera prst="orthographicFront"/>
-      <a:lightRig rig="threePt" dir="t"/>
-    </dgm:scene3d>
-    <dgm:sp3d/>
-    <dgm:txPr/>
-    <dgm:style>
-      <a:lnRef idx="0">
-        <a:scrgbClr r="0" g="0" b="0"/>
-      </a:lnRef>
-      <a:fillRef idx="1">
-        <a:scrgbClr r="0" g="0" b="0"/>
-      </a:fillRef>
-      <a:effectRef idx="0">
-        <a:scrgbClr r="0" g="0" b="0"/>
-      </a:effectRef>
-      <a:fontRef idx="minor">
-        <a:schemeClr val="lt1"/>
-      </a:fontRef>
-    </dgm:style>
-  </dgm:styleLbl>
-  <dgm:styleLbl name="fgSibTrans2D1">
-    <dgm:scene3d>
-      <a:camera prst="orthographicFront"/>
-      <a:lightRig rig="threePt" dir="t"/>
-    </dgm:scene3d>
-    <dgm:sp3d/>
-    <dgm:txPr/>
-    <dgm:style>
-      <a:lnRef idx="0">
-        <a:scrgbClr r="0" g="0" b="0"/>
-      </a:lnRef>
-      <a:fillRef idx="1">
-        <a:scrgbClr r="0" g="0" b="0"/>
-      </a:fillRef>
-      <a:effectRef idx="0">
-        <a:scrgbClr r="0" g="0" b="0"/>
-      </a:effectRef>
-      <a:fontRef idx="minor">
-        <a:schemeClr val="lt1"/>
-      </a:fontRef>
-    </dgm:style>
-  </dgm:styleLbl>
-  <dgm:styleLbl name="bgSibTrans2D1">
-    <dgm:scene3d>
-      <a:camera prst="orthographicFront"/>
-      <a:lightRig rig="threePt" dir="t"/>
-    </dgm:scene3d>
-    <dgm:sp3d/>
-    <dgm:txPr/>
-    <dgm:style>
-      <a:lnRef idx="0">
-        <a:scrgbClr r="0" g="0" b="0"/>
-      </a:lnRef>
-      <a:fillRef idx="1">
-        <a:scrgbClr r="0" g="0" b="0"/>
-      </a:fillRef>
-      <a:effectRef idx="0">
-        <a:scrgbClr r="0" g="0" b="0"/>
-      </a:effectRef>
-      <a:fontRef idx="minor">
-        <a:schemeClr val="lt1"/>
-      </a:fontRef>
-    </dgm:style>
-  </dgm:styleLbl>
-  <dgm:styleLbl name="sibTrans1D1">
-    <dgm:scene3d>
-      <a:camera prst="orthographicFront"/>
-      <a:lightRig rig="threePt" dir="t"/>
-    </dgm:scene3d>
-    <dgm:sp3d/>
-    <dgm:txPr/>
-    <dgm:style>
-      <a:lnRef idx="1">
-        <a:scrgbClr r="0" g="0" b="0"/>
-      </a:lnRef>
-      <a:fillRef idx="0">
-        <a:scrgbClr r="0" g="0" b="0"/>
-      </a:fillRef>
-      <a:effectRef idx="0">
-        <a:scrgbClr r="0" g="0" b="0"/>
-      </a:effectRef>
-      <a:fontRef idx="minor"/>
-    </dgm:style>
-  </dgm:styleLbl>
-  <dgm:styleLbl name="callout">
-    <dgm:scene3d>
-      <a:camera prst="orthographicFront"/>
-      <a:lightRig rig="threePt" dir="t"/>
-    </dgm:scene3d>
-    <dgm:sp3d/>
-    <dgm:txPr/>
-    <dgm:style>
-      <a:lnRef idx="2">
-        <a:scrgbClr r="0" g="0" b="0"/>
-      </a:lnRef>
-      <a:fillRef idx="1">
-        <a:scrgbClr r="0" g="0" b="0"/>
-      </a:fillRef>
-      <a:effectRef idx="0">
-        <a:scrgbClr r="0" g="0" b="0"/>
-      </a:effectRef>
-      <a:fontRef idx="minor"/>
-    </dgm:style>
-  </dgm:styleLbl>
-  <dgm:styleLbl name="asst0">
-    <dgm:scene3d>
-      <a:camera prst="orthographicFront"/>
-      <a:lightRig rig="threePt" dir="t"/>
-    </dgm:scene3d>
-    <dgm:sp3d/>
-    <dgm:txPr/>
-    <dgm:style>
-      <a:lnRef idx="2">
-        <a:scrgbClr r="0" g="0" b="0"/>
-      </a:lnRef>
-      <a:fillRef idx="1">
-        <a:scrgbClr r="0" g="0" b="0"/>
-      </a:fillRef>
-      <a:effectRef idx="0">
-        <a:scrgbClr r="0" g="0" b="0"/>
-      </a:effectRef>
-      <a:fontRef idx="minor">
-        <a:schemeClr val="lt1"/>
-      </a:fontRef>
-    </dgm:style>
-  </dgm:styleLbl>
-  <dgm:styleLbl name="asst1">
-    <dgm:scene3d>
-      <a:camera prst="orthographicFront"/>
-      <a:lightRig rig="threePt" dir="t"/>
-    </dgm:scene3d>
-    <dgm:sp3d/>
-    <dgm:txPr/>
-    <dgm:style>
-      <a:lnRef idx="2">
-        <a:scrgbClr r="0" g="0" b="0"/>
-      </a:lnRef>
-      <a:fillRef idx="1">
-        <a:scrgbClr r="0" g="0" b="0"/>
-      </a:fillRef>
-      <a:effectRef idx="0">
-        <a:scrgbClr r="0" g="0" b="0"/>
-      </a:effectRef>
-      <a:fontRef idx="minor">
-        <a:schemeClr val="lt1"/>
-      </a:fontRef>
-    </dgm:style>
-  </dgm:styleLbl>
-  <dgm:styleLbl name="asst2">
-    <dgm:scene3d>
-      <a:camera prst="orthographicFront"/>
-      <a:lightRig rig="threePt" dir="t"/>
-    </dgm:scene3d>
-    <dgm:sp3d/>
-    <dgm:txPr/>
-    <dgm:style>
-      <a:lnRef idx="2">
-        <a:scrgbClr r="0" g="0" b="0"/>
-      </a:lnRef>
-      <a:fillRef idx="1">
-        <a:scrgbClr r="0" g="0" b="0"/>
-      </a:fillRef>
-      <a:effectRef idx="0">
-        <a:scrgbClr r="0" g="0" b="0"/>
-      </a:effectRef>
-      <a:fontRef idx="minor">
-        <a:schemeClr val="lt1"/>
-      </a:fontRef>
-    </dgm:style>
-  </dgm:styleLbl>
-  <dgm:styleLbl name="asst3">
-    <dgm:scene3d>
-      <a:camera prst="orthographicFront"/>
-      <a:lightRig rig="threePt" dir="t"/>
-    </dgm:scene3d>
-    <dgm:sp3d/>
-    <dgm:txPr/>
-    <dgm:style>
-      <a:lnRef idx="2">
-        <a:scrgbClr r="0" g="0" b="0"/>
-      </a:lnRef>
-      <a:fillRef idx="1">
-        <a:scrgbClr r="0" g="0" b="0"/>
-      </a:fillRef>
-      <a:effectRef idx="0">
-        <a:scrgbClr r="0" g="0" b="0"/>
-      </a:effectRef>
-      <a:fontRef idx="minor">
-        <a:schemeClr val="lt1"/>
-      </a:fontRef>
-    </dgm:style>
-  </dgm:styleLbl>
-  <dgm:styleLbl name="asst4">
-    <dgm:scene3d>
-      <a:camera prst="orthographicFront"/>
-      <a:lightRig rig="threePt" dir="t"/>
-    </dgm:scene3d>
-    <dgm:sp3d/>
-    <dgm:txPr/>
-    <dgm:style>
-      <a:lnRef idx="2">
-        <a:scrgbClr r="0" g="0" b="0"/>
-      </a:lnRef>
-      <a:fillRef idx="1">
-        <a:scrgbClr r="0" g="0" b="0"/>
-      </a:fillRef>
-      <a:effectRef idx="0">
-        <a:scrgbClr r="0" g="0" b="0"/>
-      </a:effectRef>
-      <a:fontRef idx="minor">
-        <a:schemeClr val="lt1"/>
-      </a:fontRef>
-    </dgm:style>
-  </dgm:styleLbl>
-  <dgm:styleLbl name="parChTrans2D1">
-    <dgm:scene3d>
-      <a:camera prst="orthographicFront"/>
-      <a:lightRig rig="threePt" dir="t"/>
-    </dgm:scene3d>
-    <dgm:sp3d/>
-    <dgm:txPr/>
-    <dgm:style>
-      <a:lnRef idx="2">
-        <a:scrgbClr r="0" g="0" b="0"/>
-      </a:lnRef>
-      <a:fillRef idx="1">
-        <a:scrgbClr r="0" g="0" b="0"/>
-      </a:fillRef>
-      <a:effectRef idx="0">
-        <a:scrgbClr r="0" g="0" b="0"/>
-      </a:effectRef>
-      <a:fontRef idx="minor">
-        <a:schemeClr val="lt1"/>
-      </a:fontRef>
-    </dgm:style>
-  </dgm:styleLbl>
-  <dgm:styleLbl name="parChTrans2D2">
-    <dgm:scene3d>
-      <a:camera prst="orthographicFront"/>
-      <a:lightRig rig="threePt" dir="t"/>
-    </dgm:scene3d>
-    <dgm:sp3d/>
-    <dgm:txPr/>
-    <dgm:style>
-      <a:lnRef idx="2">
-        <a:scrgbClr r="0" g="0" b="0"/>
-      </a:lnRef>
-      <a:fillRef idx="1">
-        <a:scrgbClr r="0" g="0" b="0"/>
-      </a:fillRef>
-      <a:effectRef idx="0">
-        <a:scrgbClr r="0" g="0" b="0"/>
-      </a:effectRef>
-      <a:fontRef idx="minor">
-        <a:schemeClr val="lt1"/>
-      </a:fontRef>
-    </dgm:style>
-  </dgm:styleLbl>
-  <dgm:styleLbl name="parChTrans2D3">
-    <dgm:scene3d>
-      <a:camera prst="orthographicFront"/>
-      <a:lightRig rig="threePt" dir="t"/>
-    </dgm:scene3d>
-    <dgm:sp3d/>
-    <dgm:txPr/>
-    <dgm:style>
-      <a:lnRef idx="2">
-        <a:scrgbClr r="0" g="0" b="0"/>
-      </a:lnRef>
-      <a:fillRef idx="1">
-        <a:scrgbClr r="0" g="0" b="0"/>
-      </a:fillRef>
-      <a:effectRef idx="0">
-        <a:scrgbClr r="0" g="0" b="0"/>
-      </a:effectRef>
-      <a:fontRef idx="minor">
-        <a:schemeClr val="lt1"/>
-      </a:fontRef>
-    </dgm:style>
-  </dgm:styleLbl>
-  <dgm:styleLbl name="parChTrans2D4">
-    <dgm:scene3d>
-      <a:camera prst="orthographicFront"/>
-      <a:lightRig rig="threePt" dir="t"/>
-    </dgm:scene3d>
-    <dgm:sp3d/>
-    <dgm:txPr/>
-    <dgm:style>
-      <a:lnRef idx="2">
-        <a:scrgbClr r="0" g="0" b="0"/>
-      </a:lnRef>
-      <a:fillRef idx="1">
-        <a:scrgbClr r="0" g="0" b="0"/>
-      </a:fillRef>
-      <a:effectRef idx="0">
-        <a:scrgbClr r="0" g="0" b="0"/>
-      </a:effectRef>
-      <a:fontRef idx="minor">
-        <a:schemeClr val="lt1"/>
-      </a:fontRef>
-    </dgm:style>
-  </dgm:styleLbl>
-  <dgm:styleLbl name="parChTrans1D1">
-    <dgm:scene3d>
-      <a:camera prst="orthographicFront"/>
-      <a:lightRig rig="threePt" dir="t"/>
-    </dgm:scene3d>
-    <dgm:sp3d/>
-    <dgm:txPr/>
-    <dgm:style>
-      <a:lnRef idx="2">
-        <a:scrgbClr r="0" g="0" b="0"/>
-      </a:lnRef>
-      <a:fillRef idx="0">
-        <a:scrgbClr r="0" g="0" b="0"/>
-      </a:fillRef>
-      <a:effectRef idx="0">
-        <a:scrgbClr r="0" g="0" b="0"/>
-      </a:effectRef>
-      <a:fontRef idx="minor"/>
-    </dgm:style>
-  </dgm:styleLbl>
-  <dgm:styleLbl name="parChTrans1D2">
-    <dgm:scene3d>
-      <a:camera prst="orthographicFront"/>
-      <a:lightRig rig="threePt" dir="t"/>
-    </dgm:scene3d>
-    <dgm:sp3d/>
-    <dgm:txPr/>
-    <dgm:style>
-      <a:lnRef idx="2">
-        <a:scrgbClr r="0" g="0" b="0"/>
-      </a:lnRef>
-      <a:fillRef idx="0">
-        <a:scrgbClr r="0" g="0" b="0"/>
-      </a:fillRef>
-      <a:effectRef idx="0">
-        <a:scrgbClr r="0" g="0" b="0"/>
-      </a:effectRef>
-      <a:fontRef idx="minor"/>
-    </dgm:style>
-  </dgm:styleLbl>
-  <dgm:styleLbl name="parChTrans1D3">
-    <dgm:scene3d>
-      <a:camera prst="orthographicFront"/>
-      <a:lightRig rig="threePt" dir="t"/>
-    </dgm:scene3d>
-    <dgm:sp3d/>
-    <dgm:txPr/>
-    <dgm:style>
-      <a:lnRef idx="2">
-        <a:scrgbClr r="0" g="0" b="0"/>
-      </a:lnRef>
-      <a:fillRef idx="0">
-        <a:scrgbClr r="0" g="0" b="0"/>
-      </a:fillRef>
-      <a:effectRef idx="0">
-        <a:scrgbClr r="0" g="0" b="0"/>
-      </a:effectRef>
-      <a:fontRef idx="minor"/>
-    </dgm:style>
-  </dgm:styleLbl>
-  <dgm:styleLbl name="parChTrans1D4">
-    <dgm:scene3d>
-      <a:camera prst="orthographicFront"/>
-      <a:lightRig rig="threePt" dir="t"/>
-    </dgm:scene3d>
-    <dgm:sp3d/>
-    <dgm:txPr/>
-    <dgm:style>
-      <a:lnRef idx="2">
-        <a:scrgbClr r="0" g="0" b="0"/>
-      </a:lnRef>
-      <a:fillRef idx="0">
-        <a:scrgbClr r="0" g="0" b="0"/>
-      </a:fillRef>
-      <a:effectRef idx="0">
-        <a:scrgbClr r="0" g="0" b="0"/>
-      </a:effectRef>
-      <a:fontRef idx="minor"/>
-    </dgm:style>
-  </dgm:styleLbl>
-  <dgm:styleLbl name="fgAcc1">
-    <dgm:scene3d>
-      <a:camera prst="orthographicFront"/>
-      <a:lightRig rig="threePt" dir="t"/>
-    </dgm:scene3d>
-    <dgm:sp3d/>
-    <dgm:txPr/>
-    <dgm:style>
-      <a:lnRef idx="2">
-        <a:scrgbClr r="0" g="0" b="0"/>
-      </a:lnRef>
-      <a:fillRef idx="1">
-        <a:scrgbClr r="0" g="0" b="0"/>
-      </a:fillRef>
-      <a:effectRef idx="0">
-        <a:scrgbClr r="0" g="0" b="0"/>
-      </a:effectRef>
-      <a:fontRef idx="minor"/>
-    </dgm:style>
-  </dgm:styleLbl>
-  <dgm:styleLbl name="conFgAcc1">
-    <dgm:scene3d>
-      <a:camera prst="orthographicFront"/>
-      <a:lightRig rig="threePt" dir="t"/>
-    </dgm:scene3d>
-    <dgm:sp3d/>
-    <dgm:txPr/>
-    <dgm:style>
-      <a:lnRef idx="2">
-        <a:scrgbClr r="0" g="0" b="0"/>
-      </a:lnRef>
-      <a:fillRef idx="1">
-        <a:scrgbClr r="0" g="0" b="0"/>
-      </a:fillRef>
-      <a:effectRef idx="0">
-        <a:scrgbClr r="0" g="0" b="0"/>
-      </a:effectRef>
-      <a:fontRef idx="minor"/>
-    </dgm:style>
-  </dgm:styleLbl>
-  <dgm:styleLbl name="alignAcc1">
-    <dgm:scene3d>
-      <a:camera prst="orthographicFront"/>
-      <a:lightRig rig="threePt" dir="t"/>
-    </dgm:scene3d>
-    <dgm:sp3d/>
-    <dgm:txPr/>
-    <dgm:style>
-      <a:lnRef idx="2">
-        <a:scrgbClr r="0" g="0" b="0"/>
-      </a:lnRef>
-      <a:fillRef idx="1">
-        <a:scrgbClr r="0" g="0" b="0"/>
-      </a:fillRef>
-      <a:effectRef idx="0">
-        <a:scrgbClr r="0" g="0" b="0"/>
-      </a:effectRef>
-      <a:fontRef idx="minor"/>
-    </dgm:style>
-  </dgm:styleLbl>
-  <dgm:styleLbl name="trAlignAcc1">
-    <dgm:scene3d>
-      <a:camera prst="orthographicFront"/>
-      <a:lightRig rig="threePt" dir="t"/>
-    </dgm:scene3d>
-    <dgm:sp3d/>
-    <dgm:txPr/>
-    <dgm:style>
-      <a:lnRef idx="1">
-        <a:scrgbClr r="0" g="0" b="0"/>
-      </a:lnRef>
-      <a:fillRef idx="1">
-        <a:scrgbClr r="0" g="0" b="0"/>
-      </a:fillRef>
-      <a:effectRef idx="0">
-        <a:scrgbClr r="0" g="0" b="0"/>
-      </a:effectRef>
-      <a:fontRef idx="minor"/>
-    </dgm:style>
-  </dgm:styleLbl>
-  <dgm:styleLbl name="bgAcc1">
-    <dgm:scene3d>
-      <a:camera prst="orthographicFront"/>
-      <a:lightRig rig="threePt" dir="t"/>
-    </dgm:scene3d>
-    <dgm:sp3d/>
-    <dgm:txPr/>
-    <dgm:style>
-      <a:lnRef idx="2">
-        <a:scrgbClr r="0" g="0" b="0"/>
-      </a:lnRef>
-      <a:fillRef idx="1">
-        <a:scrgbClr r="0" g="0" b="0"/>
-      </a:fillRef>
-      <a:effectRef idx="0">
-        <a:scrgbClr r="0" g="0" b="0"/>
-      </a:effectRef>
-      <a:fontRef idx="minor"/>
-    </dgm:style>
-  </dgm:styleLbl>
-  <dgm:styleLbl name="solidFgAcc1">
-    <dgm:scene3d>
-      <a:camera prst="orthographicFront"/>
-      <a:lightRig rig="threePt" dir="t"/>
-    </dgm:scene3d>
-    <dgm:sp3d/>
-    <dgm:txPr/>
-    <dgm:style>
-      <a:lnRef idx="2">
-        <a:scrgbClr r="0" g="0" b="0"/>
-      </a:lnRef>
-      <a:fillRef idx="1">
-        <a:scrgbClr r="0" g="0" b="0"/>
-      </a:fillRef>
-      <a:effectRef idx="0">
-        <a:scrgbClr r="0" g="0" b="0"/>
-      </a:effectRef>
-      <a:fontRef idx="minor"/>
-    </dgm:style>
-  </dgm:styleLbl>
-  <dgm:styleLbl name="solidAlignAcc1">
-    <dgm:scene3d>
-      <a:camera prst="orthographicFront"/>
-      <a:lightRig rig="threePt" dir="t"/>
-    </dgm:scene3d>
-    <dgm:sp3d/>
-    <dgm:txPr/>
-    <dgm:style>
-      <a:lnRef idx="2">
-        <a:scrgbClr r="0" g="0" b="0"/>
-      </a:lnRef>
-      <a:fillRef idx="1">
-        <a:scrgbClr r="0" g="0" b="0"/>
-      </a:fillRef>
-      <a:effectRef idx="0">
-        <a:scrgbClr r="0" g="0" b="0"/>
-      </a:effectRef>
-      <a:fontRef idx="minor"/>
-    </dgm:style>
-  </dgm:styleLbl>
-  <dgm:styleLbl name="solidBgAcc1">
-    <dgm:scene3d>
-      <a:camera prst="orthographicFront"/>
-      <a:lightRig rig="threePt" dir="t"/>
-    </dgm:scene3d>
-    <dgm:sp3d/>
-    <dgm:txPr/>
-    <dgm:style>
-      <a:lnRef idx="2">
-        <a:scrgbClr r="0" g="0" b="0"/>
-      </a:lnRef>
-      <a:fillRef idx="1">
-        <a:scrgbClr r="0" g="0" b="0"/>
-      </a:fillRef>
-      <a:effectRef idx="0">
-        <a:scrgbClr r="0" g="0" b="0"/>
-      </a:effectRef>
-      <a:fontRef idx="minor"/>
-    </dgm:style>
-  </dgm:styleLbl>
-  <dgm:styleLbl name="fgAccFollowNode1">
-    <dgm:scene3d>
-      <a:camera prst="orthographicFront"/>
-      <a:lightRig rig="threePt" dir="t"/>
-    </dgm:scene3d>
-    <dgm:sp3d/>
-    <dgm:txPr/>
-    <dgm:style>
-      <a:lnRef idx="2">
-        <a:scrgbClr r="0" g="0" b="0"/>
-      </a:lnRef>
-      <a:fillRef idx="1">
-        <a:scrgbClr r="0" g="0" b="0"/>
-      </a:fillRef>
-      <a:effectRef idx="0">
-        <a:scrgbClr r="0" g="0" b="0"/>
-      </a:effectRef>
-      <a:fontRef idx="minor"/>
-    </dgm:style>
-  </dgm:styleLbl>
-  <dgm:styleLbl name="alignAccFollowNode1">
-    <dgm:scene3d>
-      <a:camera prst="orthographicFront"/>
-      <a:lightRig rig="threePt" dir="t"/>
-    </dgm:scene3d>
-    <dgm:sp3d/>
-    <dgm:txPr/>
-    <dgm:style>
-      <a:lnRef idx="2">
-        <a:scrgbClr r="0" g="0" b="0"/>
-      </a:lnRef>
-      <a:fillRef idx="1">
-        <a:scrgbClr r="0" g="0" b="0"/>
-      </a:fillRef>
-      <a:effectRef idx="0">
-        <a:scrgbClr r="0" g="0" b="0"/>
-      </a:effectRef>
-      <a:fontRef idx="minor"/>
-    </dgm:style>
-  </dgm:styleLbl>
-  <dgm:styleLbl name="bgAccFollowNode1">
-    <dgm:scene3d>
-      <a:camera prst="orthographicFront"/>
-      <a:lightRig rig="threePt" dir="t"/>
-    </dgm:scene3d>
-    <dgm:sp3d/>
-    <dgm:txPr/>
-    <dgm:style>
-      <a:lnRef idx="2">
-        <a:scrgbClr r="0" g="0" b="0"/>
-      </a:lnRef>
-      <a:fillRef idx="1">
-        <a:scrgbClr r="0" g="0" b="0"/>
-      </a:fillRef>
-      <a:effectRef idx="0">
-        <a:scrgbClr r="0" g="0" b="0"/>
-      </a:effectRef>
-      <a:fontRef idx="minor"/>
-    </dgm:style>
-  </dgm:styleLbl>
-  <dgm:styleLbl name="fgAcc0">
-    <dgm:scene3d>
-      <a:camera prst="orthographicFront"/>
-      <a:lightRig rig="threePt" dir="t"/>
-    </dgm:scene3d>
-    <dgm:sp3d/>
-    <dgm:txPr/>
-    <dgm:style>
-      <a:lnRef idx="2">
-        <a:scrgbClr r="0" g="0" b="0"/>
-      </a:lnRef>
-      <a:fillRef idx="1">
-        <a:scrgbClr r="0" g="0" b="0"/>
-      </a:fillRef>
-      <a:effectRef idx="0">
-        <a:scrgbClr r="0" g="0" b="0"/>
-      </a:effectRef>
-      <a:fontRef idx="minor"/>
-    </dgm:style>
-  </dgm:styleLbl>
-  <dgm:styleLbl name="fgAcc2">
-    <dgm:scene3d>
-      <a:camera prst="orthographicFront"/>
-      <a:lightRig rig="threePt" dir="t"/>
-    </dgm:scene3d>
-    <dgm:sp3d/>
-    <dgm:txPr/>
-    <dgm:style>
-      <a:lnRef idx="2">
-        <a:scrgbClr r="0" g="0" b="0"/>
-      </a:lnRef>
-      <a:fillRef idx="1">
-        <a:scrgbClr r="0" g="0" b="0"/>
-      </a:fillRef>
-      <a:effectRef idx="0">
-        <a:scrgbClr r="0" g="0" b="0"/>
-      </a:effectRef>
-      <a:fontRef idx="minor"/>
-    </dgm:style>
-  </dgm:styleLbl>
-  <dgm:styleLbl name="fgAcc3">
-    <dgm:scene3d>
-      <a:camera prst="orthographicFront"/>
-      <a:lightRig rig="threePt" dir="t"/>
-    </dgm:scene3d>
-    <dgm:sp3d/>
-    <dgm:txPr/>
-    <dgm:style>
-      <a:lnRef idx="2">
-        <a:scrgbClr r="0" g="0" b="0"/>
-      </a:lnRef>
-      <a:fillRef idx="1">
-        <a:scrgbClr r="0" g="0" b="0"/>
-      </a:fillRef>
-      <a:effectRef idx="0">
-        <a:scrgbClr r="0" g="0" b="0"/>
-      </a:effectRef>
-      <a:fontRef idx="minor"/>
-    </dgm:style>
-  </dgm:styleLbl>
-  <dgm:styleLbl name="fgAcc4">
-    <dgm:scene3d>
-      <a:camera prst="orthographicFront"/>
-      <a:lightRig rig="threePt" dir="t"/>
-    </dgm:scene3d>
-    <dgm:sp3d/>
-    <dgm:txPr/>
-    <dgm:style>
-      <a:lnRef idx="2">
-        <a:scrgbClr r="0" g="0" b="0"/>
-      </a:lnRef>
-      <a:fillRef idx="1">
-        <a:scrgbClr r="0" g="0" b="0"/>
-      </a:fillRef>
-      <a:effectRef idx="0">
-        <a:scrgbClr r="0" g="0" b="0"/>
-      </a:effectRef>
-      <a:fontRef idx="minor"/>
-    </dgm:style>
-  </dgm:styleLbl>
-  <dgm:styleLbl name="bgShp">
-    <dgm:scene3d>
-      <a:camera prst="orthographicFront"/>
-      <a:lightRig rig="threePt" dir="t"/>
-    </dgm:scene3d>
-    <dgm:sp3d/>
-    <dgm:txPr/>
-    <dgm:style>
-      <a:lnRef idx="0">
-        <a:scrgbClr r="0" g="0" b="0"/>
-      </a:lnRef>
-      <a:fillRef idx="1">
-        <a:scrgbClr r="0" g="0" b="0"/>
-      </a:fillRef>
-      <a:effectRef idx="0">
-        <a:scrgbClr r="0" g="0" b="0"/>
-      </a:effectRef>
-      <a:fontRef idx="minor"/>
-    </dgm:style>
-  </dgm:styleLbl>
-  <dgm:styleLbl name="dkBgShp">
-    <dgm:scene3d>
-      <a:camera prst="orthographicFront"/>
-      <a:lightRig rig="threePt" dir="t"/>
-    </dgm:scene3d>
-    <dgm:sp3d/>
-    <dgm:txPr/>
-    <dgm:style>
-      <a:lnRef idx="0">
-        <a:scrgbClr r="0" g="0" b="0"/>
-      </a:lnRef>
-      <a:fillRef idx="1">
-        <a:scrgbClr r="0" g="0" b="0"/>
-      </a:fillRef>
-      <a:effectRef idx="0">
-        <a:scrgbClr r="0" g="0" b="0"/>
-      </a:effectRef>
-      <a:fontRef idx="minor"/>
-    </dgm:style>
-  </dgm:styleLbl>
-  <dgm:styleLbl name="trBgShp">
-    <dgm:scene3d>
-      <a:camera prst="orthographicFront"/>
-      <a:lightRig rig="threePt" dir="t"/>
-    </dgm:scene3d>
-    <dgm:sp3d/>
-    <dgm:txPr/>
-    <dgm:style>
-      <a:lnRef idx="0">
-        <a:scrgbClr r="0" g="0" b="0"/>
-      </a:lnRef>
-      <a:fillRef idx="1">
-        <a:scrgbClr r="0" g="0" b="0"/>
-      </a:fillRef>
-      <a:effectRef idx="0">
-        <a:scrgbClr r="0" g="0" b="0"/>
-      </a:effectRef>
-      <a:fontRef idx="minor"/>
-    </dgm:style>
-  </dgm:styleLbl>
-  <dgm:styleLbl name="fgShp">
-    <dgm:scene3d>
-      <a:camera prst="orthographicFront"/>
-      <a:lightRig rig="threePt" dir="t"/>
-    </dgm:scene3d>
-    <dgm:sp3d/>
-    <dgm:txPr/>
-    <dgm:style>
-      <a:lnRef idx="2">
-        <a:scrgbClr r="0" g="0" b="0"/>
-      </a:lnRef>
-      <a:fillRef idx="1">
-        <a:scrgbClr r="0" g="0" b="0"/>
-      </a:fillRef>
-      <a:effectRef idx="0">
-        <a:scrgbClr r="0" g="0" b="0"/>
-      </a:effectRef>
-      <a:fontRef idx="minor"/>
-    </dgm:style>
-  </dgm:styleLbl>
-  <dgm:styleLbl name="revTx">
-    <dgm:scene3d>
-      <a:camera prst="orthographicFront"/>
-      <a:lightRig rig="threePt" dir="t"/>
-    </dgm:scene3d>
-    <dgm:sp3d/>
-    <dgm:txPr/>
-    <dgm:style>
-      <a:lnRef idx="0">
-        <a:scrgbClr r="0" g="0" b="0"/>
-      </a:lnRef>
-      <a:fillRef idx="0">
-        <a:scrgbClr r="0" g="0" b="0"/>
-      </a:fillRef>
-      <a:effectRef idx="0">
-        <a:scrgbClr r="0" g="0" b="0"/>
-      </a:effectRef>
-      <a:fontRef idx="minor"/>
-    </dgm:style>
-  </dgm:styleLbl>
-</dgm:styleDef>
 </file>
 
 <file path=ppt/handoutMasters/handoutMaster1.xml><?xml version="1.0" encoding="utf-8"?>
@@ -11852,10 +7705,10 @@
       </p:pic>
       <p:pic>
         <p:nvPicPr>
-          <p:cNvPr id="9" name="Picture 8">
+          <p:cNvPr id="11" name="Picture 10">
             <a:extLst>
               <a:ext uri="{FF2B5EF4-FFF2-40B4-BE49-F238E27FC236}">
-                <a16:creationId xmlns:a16="http://schemas.microsoft.com/office/drawing/2014/main" id="{03A76FBF-7292-8A57-F272-5D1B2395A079}"/>
+                <a16:creationId xmlns:a16="http://schemas.microsoft.com/office/drawing/2014/main" id="{EA4F8DC0-FBEF-2260-6AC3-B0DAF9259E66}"/>
               </a:ext>
             </a:extLst>
           </p:cNvPr>
@@ -11872,8 +7725,8 @@
         </p:blipFill>
         <p:spPr>
           <a:xfrm>
-            <a:off x="3447012" y="4562044"/>
-            <a:ext cx="6735688" cy="2175066"/>
+            <a:off x="3646140" y="4534445"/>
+            <a:ext cx="5616624" cy="2230264"/>
           </a:xfrm>
           <a:prstGeom prst="rect">
             <a:avLst/>
@@ -11894,204 +7747,6 @@
     <p:extLst>
       <p:ext uri="{BB962C8B-B14F-4D97-AF65-F5344CB8AC3E}">
         <p14:creationId xmlns:p14="http://schemas.microsoft.com/office/powerpoint/2010/main" val="506761459"/>
-      </p:ext>
-    </p:extLst>
-  </p:cSld>
-  <p:clrMapOvr>
-    <a:masterClrMapping/>
-  </p:clrMapOvr>
-  <mc:AlternateContent xmlns:mc="http://schemas.openxmlformats.org/markup-compatibility/2006" xmlns:p14="http://schemas.microsoft.com/office/powerpoint/2010/main">
-    <mc:Choice Requires="p14">
-      <p:transition spd="med" p14:dur="700">
-        <p:fade/>
-      </p:transition>
-    </mc:Choice>
-    <mc:Fallback xmlns="">
-      <p:transition spd="med">
-        <p:fade/>
-      </p:transition>
-    </mc:Fallback>
-  </mc:AlternateContent>
-</p:sld>
-</file>
-
-<file path=ppt/slides/slide10.xml><?xml version="1.0" encoding="utf-8"?>
-<p:sld xmlns:a="http://schemas.openxmlformats.org/drawingml/2006/main" xmlns:r="http://schemas.openxmlformats.org/officeDocument/2006/relationships" xmlns:p="http://schemas.openxmlformats.org/presentationml/2006/main">
-  <p:cSld>
-    <p:spTree>
-      <p:nvGrpSpPr>
-        <p:cNvPr id="1" name=""/>
-        <p:cNvGrpSpPr/>
-        <p:nvPr/>
-      </p:nvGrpSpPr>
-      <p:grpSpPr>
-        <a:xfrm>
-          <a:off x="0" y="0"/>
-          <a:ext cx="0" cy="0"/>
-          <a:chOff x="0" y="0"/>
-          <a:chExt cx="0" cy="0"/>
-        </a:xfrm>
-      </p:grpSpPr>
-      <p:sp>
-        <p:nvSpPr>
-          <p:cNvPr id="2" name="Title 1"/>
-          <p:cNvSpPr>
-            <a:spLocks noGrp="1"/>
-          </p:cNvSpPr>
-          <p:nvPr>
-            <p:ph type="title"/>
-          </p:nvPr>
-        </p:nvSpPr>
-        <p:spPr/>
-        <p:txBody>
-          <a:bodyPr/>
-          <a:lstStyle/>
-          <a:p>
-            <a:endParaRPr lang="en-US"/>
-          </a:p>
-        </p:txBody>
-      </p:sp>
-      <p:sp>
-        <p:nvSpPr>
-          <p:cNvPr id="3" name="Content Placeholder 2"/>
-          <p:cNvSpPr>
-            <a:spLocks noGrp="1"/>
-          </p:cNvSpPr>
-          <p:nvPr>
-            <p:ph idx="1"/>
-          </p:nvPr>
-        </p:nvSpPr>
-        <p:spPr/>
-        <p:txBody>
-          <a:bodyPr/>
-          <a:lstStyle/>
-          <a:p>
-            <a:endParaRPr lang="en-US"/>
-          </a:p>
-        </p:txBody>
-      </p:sp>
-      <p:sp>
-        <p:nvSpPr>
-          <p:cNvPr id="4" name="Text Placeholder 3"/>
-          <p:cNvSpPr>
-            <a:spLocks noGrp="1"/>
-          </p:cNvSpPr>
-          <p:nvPr>
-            <p:ph type="body" sz="half" idx="2"/>
-          </p:nvPr>
-        </p:nvSpPr>
-        <p:spPr/>
-        <p:txBody>
-          <a:bodyPr/>
-          <a:lstStyle/>
-          <a:p>
-            <a:endParaRPr lang="en-US"/>
-          </a:p>
-        </p:txBody>
-      </p:sp>
-    </p:spTree>
-    <p:extLst>
-      <p:ext uri="{BB962C8B-B14F-4D97-AF65-F5344CB8AC3E}">
-        <p14:creationId xmlns:p14="http://schemas.microsoft.com/office/powerpoint/2010/main" val="3614150638"/>
-      </p:ext>
-    </p:extLst>
-  </p:cSld>
-  <p:clrMapOvr>
-    <a:masterClrMapping/>
-  </p:clrMapOvr>
-  <mc:AlternateContent xmlns:mc="http://schemas.openxmlformats.org/markup-compatibility/2006" xmlns:p14="http://schemas.microsoft.com/office/powerpoint/2010/main">
-    <mc:Choice Requires="p14">
-      <p:transition spd="med" p14:dur="700">
-        <p:fade/>
-      </p:transition>
-    </mc:Choice>
-    <mc:Fallback xmlns="">
-      <p:transition spd="med">
-        <p:fade/>
-      </p:transition>
-    </mc:Fallback>
-  </mc:AlternateContent>
-</p:sld>
-</file>
-
-<file path=ppt/slides/slide11.xml><?xml version="1.0" encoding="utf-8"?>
-<p:sld xmlns:a="http://schemas.openxmlformats.org/drawingml/2006/main" xmlns:r="http://schemas.openxmlformats.org/officeDocument/2006/relationships" xmlns:p="http://schemas.openxmlformats.org/presentationml/2006/main">
-  <p:cSld>
-    <p:spTree>
-      <p:nvGrpSpPr>
-        <p:cNvPr id="1" name=""/>
-        <p:cNvGrpSpPr/>
-        <p:nvPr/>
-      </p:nvGrpSpPr>
-      <p:grpSpPr>
-        <a:xfrm>
-          <a:off x="0" y="0"/>
-          <a:ext cx="0" cy="0"/>
-          <a:chOff x="0" y="0"/>
-          <a:chExt cx="0" cy="0"/>
-        </a:xfrm>
-      </p:grpSpPr>
-      <p:sp>
-        <p:nvSpPr>
-          <p:cNvPr id="2" name="Title 1"/>
-          <p:cNvSpPr>
-            <a:spLocks noGrp="1"/>
-          </p:cNvSpPr>
-          <p:nvPr>
-            <p:ph type="title"/>
-          </p:nvPr>
-        </p:nvSpPr>
-        <p:spPr/>
-        <p:txBody>
-          <a:bodyPr/>
-          <a:lstStyle/>
-          <a:p>
-            <a:endParaRPr lang="en-US" dirty="0"/>
-          </a:p>
-        </p:txBody>
-      </p:sp>
-      <p:sp>
-        <p:nvSpPr>
-          <p:cNvPr id="4" name="Text Placeholder 3"/>
-          <p:cNvSpPr>
-            <a:spLocks noGrp="1"/>
-          </p:cNvSpPr>
-          <p:nvPr>
-            <p:ph type="body" sz="half" idx="2"/>
-          </p:nvPr>
-        </p:nvSpPr>
-        <p:spPr/>
-        <p:txBody>
-          <a:bodyPr/>
-          <a:lstStyle/>
-          <a:p>
-            <a:endParaRPr lang="en-US" dirty="0"/>
-          </a:p>
-        </p:txBody>
-      </p:sp>
-      <p:sp>
-        <p:nvSpPr>
-          <p:cNvPr id="6" name="Picture Placeholder 5"/>
-          <p:cNvSpPr>
-            <a:spLocks noGrp="1"/>
-          </p:cNvSpPr>
-          <p:nvPr>
-            <p:ph type="pic" idx="1"/>
-          </p:nvPr>
-        </p:nvSpPr>
-        <p:spPr bwMode="white"/>
-        <p:txBody>
-          <a:bodyPr/>
-          <a:lstStyle/>
-          <a:p>
-            <a:endParaRPr lang="en-US"/>
-          </a:p>
-        </p:txBody>
-      </p:sp>
-    </p:spTree>
-    <p:extLst>
-      <p:ext uri="{BB962C8B-B14F-4D97-AF65-F5344CB8AC3E}">
-        <p14:creationId xmlns:p14="http://schemas.microsoft.com/office/powerpoint/2010/main" val="3941285470"/>
       </p:ext>
     </p:extLst>
   </p:cSld>
@@ -12142,13 +7797,13 @@
         </p:nvSpPr>
         <p:spPr>
           <a:xfrm>
-            <a:off x="1593436" y="260648"/>
-            <a:ext cx="9782801" cy="1156989"/>
+            <a:off x="1593436" y="260649"/>
+            <a:ext cx="9782801" cy="864096"/>
           </a:xfrm>
         </p:spPr>
         <p:txBody>
           <a:bodyPr anchor="ctr">
-            <a:normAutofit/>
+            <a:normAutofit fontScale="90000"/>
           </a:bodyPr>
           <a:lstStyle/>
           <a:p>
@@ -12225,885 +7880,329 @@
           </a:effectLst>
         </p:spPr>
       </p:pic>
+      <p:sp>
+        <p:nvSpPr>
+          <p:cNvPr id="6" name="Subtitle 2">
+            <a:extLst>
+              <a:ext uri="{FF2B5EF4-FFF2-40B4-BE49-F238E27FC236}">
+                <a16:creationId xmlns:a16="http://schemas.microsoft.com/office/drawing/2014/main" id="{77F7B754-7A45-491D-AAC9-0D7BC1542012}"/>
+              </a:ext>
+            </a:extLst>
+          </p:cNvPr>
+          <p:cNvSpPr txBox="1">
+            <a:spLocks/>
+          </p:cNvSpPr>
+          <p:nvPr/>
+        </p:nvSpPr>
+        <p:spPr>
+          <a:xfrm>
+            <a:off x="-1022" y="1484784"/>
+            <a:ext cx="1701923" cy="1368152"/>
+          </a:xfrm>
+          <a:prstGeom prst="rect">
+            <a:avLst/>
+          </a:prstGeom>
+        </p:spPr>
+        <p:style>
+          <a:lnRef idx="0">
+            <a:schemeClr val="accent2"/>
+          </a:lnRef>
+          <a:fillRef idx="3">
+            <a:schemeClr val="accent2"/>
+          </a:fillRef>
+          <a:effectRef idx="3">
+            <a:schemeClr val="accent2"/>
+          </a:effectRef>
+          <a:fontRef idx="minor">
+            <a:schemeClr val="lt1"/>
+          </a:fontRef>
+        </p:style>
+        <p:txBody>
+          <a:bodyPr vert="horz" lIns="91440" tIns="45720" rIns="91440" bIns="45720" rtlCol="0" anchor="ctr">
+            <a:normAutofit fontScale="92500"/>
+          </a:bodyPr>
+          <a:lstStyle>
+            <a:lvl1pPr marL="246888" indent="-246888" algn="l" defTabSz="914400" rtl="0" eaLnBrk="1" latinLnBrk="0" hangingPunct="1">
+              <a:lnSpc>
+                <a:spcPct val="90000"/>
+              </a:lnSpc>
+              <a:spcBef>
+                <a:spcPts val="1400"/>
+              </a:spcBef>
+              <a:buFont typeface="Euphemia" pitchFamily="34" charset="0"/>
+              <a:buChar char="›"/>
+              <a:defRPr sz="2800" kern="1200">
+                <a:solidFill>
+                  <a:schemeClr val="lt1"/>
+                </a:solidFill>
+                <a:latin typeface="+mn-lt"/>
+                <a:ea typeface="+mn-ea"/>
+                <a:cs typeface="+mn-cs"/>
+              </a:defRPr>
+            </a:lvl1pPr>
+            <a:lvl2pPr marL="612648" indent="-246888" algn="l" defTabSz="914400" rtl="0" eaLnBrk="1" latinLnBrk="0" hangingPunct="1">
+              <a:lnSpc>
+                <a:spcPct val="90000"/>
+              </a:lnSpc>
+              <a:spcBef>
+                <a:spcPts val="600"/>
+              </a:spcBef>
+              <a:buFont typeface="Euphemia" pitchFamily="34" charset="0"/>
+              <a:buChar char="–"/>
+              <a:defRPr sz="2400" kern="1200">
+                <a:solidFill>
+                  <a:schemeClr val="lt1"/>
+                </a:solidFill>
+                <a:latin typeface="+mn-lt"/>
+                <a:ea typeface="+mn-ea"/>
+                <a:cs typeface="+mn-cs"/>
+              </a:defRPr>
+            </a:lvl2pPr>
+            <a:lvl3pPr marL="978408" indent="-246888" algn="l" defTabSz="914400" rtl="0" eaLnBrk="1" latinLnBrk="0" hangingPunct="1">
+              <a:lnSpc>
+                <a:spcPct val="90000"/>
+              </a:lnSpc>
+              <a:spcBef>
+                <a:spcPts val="600"/>
+              </a:spcBef>
+              <a:buFont typeface="Euphemia" pitchFamily="34" charset="0"/>
+              <a:buChar char="›"/>
+              <a:defRPr sz="2000" kern="1200">
+                <a:solidFill>
+                  <a:schemeClr val="lt1"/>
+                </a:solidFill>
+                <a:latin typeface="+mn-lt"/>
+                <a:ea typeface="+mn-ea"/>
+                <a:cs typeface="+mn-cs"/>
+              </a:defRPr>
+            </a:lvl3pPr>
+            <a:lvl4pPr marL="1344168" indent="-246888" algn="l" defTabSz="914400" rtl="0" eaLnBrk="1" latinLnBrk="0" hangingPunct="1">
+              <a:lnSpc>
+                <a:spcPct val="90000"/>
+              </a:lnSpc>
+              <a:spcBef>
+                <a:spcPts val="600"/>
+              </a:spcBef>
+              <a:buFont typeface="Arial" pitchFamily="34" charset="0"/>
+              <a:buChar char="–"/>
+              <a:defRPr sz="1800" kern="1200">
+                <a:solidFill>
+                  <a:schemeClr val="lt1"/>
+                </a:solidFill>
+                <a:latin typeface="+mn-lt"/>
+                <a:ea typeface="+mn-ea"/>
+                <a:cs typeface="+mn-cs"/>
+              </a:defRPr>
+            </a:lvl4pPr>
+            <a:lvl5pPr marL="1709928" indent="-246888" algn="l" defTabSz="914400" rtl="0" eaLnBrk="1" latinLnBrk="0" hangingPunct="1">
+              <a:lnSpc>
+                <a:spcPct val="90000"/>
+              </a:lnSpc>
+              <a:spcBef>
+                <a:spcPts val="600"/>
+              </a:spcBef>
+              <a:buFont typeface="Euphemia" pitchFamily="34" charset="0"/>
+              <a:buChar char="›"/>
+              <a:defRPr sz="1800" kern="1200">
+                <a:solidFill>
+                  <a:schemeClr val="lt1"/>
+                </a:solidFill>
+                <a:latin typeface="+mn-lt"/>
+                <a:ea typeface="+mn-ea"/>
+                <a:cs typeface="+mn-cs"/>
+              </a:defRPr>
+            </a:lvl5pPr>
+            <a:lvl6pPr marL="2075688" indent="-246888" algn="l" defTabSz="914400" rtl="0" eaLnBrk="1" latinLnBrk="0" hangingPunct="1">
+              <a:lnSpc>
+                <a:spcPct val="90000"/>
+              </a:lnSpc>
+              <a:spcBef>
+                <a:spcPts val="600"/>
+              </a:spcBef>
+              <a:buFont typeface="Euphemia" pitchFamily="34" charset="0"/>
+              <a:buChar char="–"/>
+              <a:defRPr sz="1800" kern="1200">
+                <a:solidFill>
+                  <a:schemeClr val="lt1"/>
+                </a:solidFill>
+                <a:latin typeface="+mn-lt"/>
+                <a:ea typeface="+mn-ea"/>
+                <a:cs typeface="+mn-cs"/>
+              </a:defRPr>
+            </a:lvl6pPr>
+            <a:lvl7pPr marL="2441448" indent="-246888" algn="l" defTabSz="914400" rtl="0" eaLnBrk="1" latinLnBrk="0" hangingPunct="1">
+              <a:lnSpc>
+                <a:spcPct val="90000"/>
+              </a:lnSpc>
+              <a:spcBef>
+                <a:spcPts val="600"/>
+              </a:spcBef>
+              <a:buFont typeface="Euphemia" pitchFamily="34" charset="0"/>
+              <a:buChar char="›"/>
+              <a:defRPr sz="1800" kern="1200">
+                <a:solidFill>
+                  <a:schemeClr val="lt1"/>
+                </a:solidFill>
+                <a:latin typeface="+mn-lt"/>
+                <a:ea typeface="+mn-ea"/>
+                <a:cs typeface="+mn-cs"/>
+              </a:defRPr>
+            </a:lvl7pPr>
+            <a:lvl8pPr marL="2807208" indent="-246888" algn="l" defTabSz="914400" rtl="0" eaLnBrk="1" latinLnBrk="0" hangingPunct="1">
+              <a:lnSpc>
+                <a:spcPct val="90000"/>
+              </a:lnSpc>
+              <a:spcBef>
+                <a:spcPts val="600"/>
+              </a:spcBef>
+              <a:buFont typeface="Euphemia" pitchFamily="34" charset="0"/>
+              <a:buChar char="–"/>
+              <a:defRPr sz="1800" kern="1200" baseline="0">
+                <a:solidFill>
+                  <a:schemeClr val="lt1"/>
+                </a:solidFill>
+                <a:latin typeface="+mn-lt"/>
+                <a:ea typeface="+mn-ea"/>
+                <a:cs typeface="+mn-cs"/>
+              </a:defRPr>
+            </a:lvl8pPr>
+            <a:lvl9pPr marL="3172968" indent="-246888" algn="l" defTabSz="914400" rtl="0" eaLnBrk="1" latinLnBrk="0" hangingPunct="1">
+              <a:lnSpc>
+                <a:spcPct val="90000"/>
+              </a:lnSpc>
+              <a:spcBef>
+                <a:spcPts val="600"/>
+              </a:spcBef>
+              <a:buFont typeface="Euphemia" pitchFamily="34" charset="0"/>
+              <a:buChar char="›"/>
+              <a:defRPr sz="1800" kern="1200" baseline="0">
+                <a:solidFill>
+                  <a:schemeClr val="lt1"/>
+                </a:solidFill>
+                <a:latin typeface="+mn-lt"/>
+                <a:ea typeface="+mn-ea"/>
+                <a:cs typeface="+mn-cs"/>
+              </a:defRPr>
+            </a:lvl9pPr>
+          </a:lstStyle>
+          <a:p>
+            <a:pPr marL="0" indent="0" algn="ctr">
+              <a:buNone/>
+            </a:pPr>
+            <a:r>
+              <a:rPr lang="en-US" sz="7200" b="1" dirty="0">
+                <a:solidFill>
+                  <a:schemeClr val="tx2">
+                    <a:lumMod val="75000"/>
+                    <a:lumOff val="25000"/>
+                  </a:schemeClr>
+                </a:solidFill>
+              </a:rPr>
+              <a:t>002</a:t>
+            </a:r>
+          </a:p>
+        </p:txBody>
+      </p:sp>
+      <p:pic>
+        <p:nvPicPr>
+          <p:cNvPr id="8" name="Picture 7">
+            <a:extLst>
+              <a:ext uri="{FF2B5EF4-FFF2-40B4-BE49-F238E27FC236}">
+                <a16:creationId xmlns:a16="http://schemas.microsoft.com/office/drawing/2014/main" id="{794087CD-E907-F863-B24C-95F5EF287A05}"/>
+              </a:ext>
+            </a:extLst>
+          </p:cNvPr>
+          <p:cNvPicPr>
+            <a:picLocks noChangeAspect="1"/>
+          </p:cNvPicPr>
+          <p:nvPr/>
+        </p:nvPicPr>
+        <p:blipFill>
+          <a:blip r:embed="rId4"/>
+          <a:stretch>
+            <a:fillRect/>
+          </a:stretch>
+        </p:blipFill>
+        <p:spPr>
+          <a:xfrm>
+            <a:off x="2694994" y="2328443"/>
+            <a:ext cx="7579683" cy="4441728"/>
+          </a:xfrm>
+          <a:prstGeom prst="rect">
+            <a:avLst/>
+          </a:prstGeom>
+          <a:ln>
+            <a:noFill/>
+          </a:ln>
+          <a:effectLst>
+            <a:outerShdw blurRad="292100" dist="139700" dir="2700000" algn="tl" rotWithShape="0">
+              <a:srgbClr val="333333">
+                <a:alpha val="65000"/>
+              </a:srgbClr>
+            </a:outerShdw>
+          </a:effectLst>
+        </p:spPr>
+      </p:pic>
+      <p:sp>
+        <p:nvSpPr>
+          <p:cNvPr id="9" name="Title 12">
+            <a:extLst>
+              <a:ext uri="{FF2B5EF4-FFF2-40B4-BE49-F238E27FC236}">
+                <a16:creationId xmlns:a16="http://schemas.microsoft.com/office/drawing/2014/main" id="{2EA57332-1839-DB63-CEB6-D8B6EE9B2FBC}"/>
+              </a:ext>
+            </a:extLst>
+          </p:cNvPr>
+          <p:cNvSpPr txBox="1">
+            <a:spLocks/>
+          </p:cNvSpPr>
+          <p:nvPr/>
+        </p:nvSpPr>
+        <p:spPr>
+          <a:xfrm>
+            <a:off x="1773932" y="1484783"/>
+            <a:ext cx="9782801" cy="843659"/>
+          </a:xfrm>
+          <a:prstGeom prst="rect">
+            <a:avLst/>
+          </a:prstGeom>
+        </p:spPr>
+        <p:txBody>
+          <a:bodyPr vert="horz" lIns="91440" tIns="45720" rIns="91440" bIns="45720" rtlCol="0" anchor="ctr">
+            <a:normAutofit fontScale="90000"/>
+          </a:bodyPr>
+          <a:lstStyle>
+            <a:lvl1pPr algn="l" defTabSz="914400" rtl="0" eaLnBrk="1" latinLnBrk="0" hangingPunct="1">
+              <a:lnSpc>
+                <a:spcPct val="90000"/>
+              </a:lnSpc>
+              <a:spcBef>
+                <a:spcPct val="0"/>
+              </a:spcBef>
+              <a:buNone/>
+              <a:defRPr sz="3600" kern="1200">
+                <a:solidFill>
+                  <a:schemeClr val="tx1">
+                    <a:lumMod val="75000"/>
+                  </a:schemeClr>
+                </a:solidFill>
+                <a:latin typeface="+mj-lt"/>
+                <a:ea typeface="+mj-ea"/>
+                <a:cs typeface="+mj-cs"/>
+              </a:defRPr>
+            </a:lvl1pPr>
+          </a:lstStyle>
+          <a:p>
+            <a:r>
+              <a:rPr lang="en-US" sz="4800" b="1" dirty="0"/>
+              <a:t>Tutorial – QuickStart – New Project</a:t>
+            </a:r>
+          </a:p>
+        </p:txBody>
+      </p:sp>
     </p:spTree>
     <p:extLst>
       <p:ext uri="{BB962C8B-B14F-4D97-AF65-F5344CB8AC3E}">
         <p14:creationId xmlns:p14="http://schemas.microsoft.com/office/powerpoint/2010/main" val="1720426387"/>
-      </p:ext>
-    </p:extLst>
-  </p:cSld>
-  <p:clrMapOvr>
-    <a:masterClrMapping/>
-  </p:clrMapOvr>
-  <mc:AlternateContent xmlns:mc="http://schemas.openxmlformats.org/markup-compatibility/2006" xmlns:p14="http://schemas.microsoft.com/office/powerpoint/2010/main">
-    <mc:Choice Requires="p14">
-      <p:transition spd="med" p14:dur="700">
-        <p:fade/>
-      </p:transition>
-    </mc:Choice>
-    <mc:Fallback xmlns="">
-      <p:transition spd="med">
-        <p:fade/>
-      </p:transition>
-    </mc:Fallback>
-  </mc:AlternateContent>
-</p:sld>
-</file>
-
-<file path=ppt/slides/slide3.xml><?xml version="1.0" encoding="utf-8"?>
-<p:sld xmlns:a="http://schemas.openxmlformats.org/drawingml/2006/main" xmlns:r="http://schemas.openxmlformats.org/officeDocument/2006/relationships" xmlns:p="http://schemas.openxmlformats.org/presentationml/2006/main">
-  <p:cSld>
-    <p:spTree>
-      <p:nvGrpSpPr>
-        <p:cNvPr id="1" name=""/>
-        <p:cNvGrpSpPr/>
-        <p:nvPr/>
-      </p:nvGrpSpPr>
-      <p:grpSpPr>
-        <a:xfrm>
-          <a:off x="0" y="0"/>
-          <a:ext cx="0" cy="0"/>
-          <a:chOff x="0" y="0"/>
-          <a:chExt cx="0" cy="0"/>
-        </a:xfrm>
-      </p:grpSpPr>
-      <p:sp>
-        <p:nvSpPr>
-          <p:cNvPr id="2" name="Title 1"/>
-          <p:cNvSpPr>
-            <a:spLocks noGrp="1"/>
-          </p:cNvSpPr>
-          <p:nvPr>
-            <p:ph type="title"/>
-          </p:nvPr>
-        </p:nvSpPr>
-        <p:spPr/>
-        <p:txBody>
-          <a:bodyPr/>
-          <a:lstStyle/>
-          <a:p>
-            <a:r>
-              <a:rPr lang="en-US" dirty="0"/>
-              <a:t>Title and Content Layout with Chart</a:t>
-            </a:r>
-          </a:p>
-        </p:txBody>
-      </p:sp>
-      <p:graphicFrame>
-        <p:nvGraphicFramePr>
-          <p:cNvPr id="7" name="Content Placeholder 6" descr="Stacked Bar chart" title="Chart"/>
-          <p:cNvGraphicFramePr>
-            <a:graphicFrameLocks noGrp="1"/>
-          </p:cNvGraphicFramePr>
-          <p:nvPr>
-            <p:ph idx="1"/>
-            <p:extLst>
-              <p:ext uri="{D42A27DB-BD31-4B8C-83A1-F6EECF244321}">
-                <p14:modId xmlns:p14="http://schemas.microsoft.com/office/powerpoint/2010/main" val="3828150343"/>
-              </p:ext>
-            </p:extLst>
-          </p:nvPr>
-        </p:nvGraphicFramePr>
-        <p:xfrm>
-          <a:off x="1593850" y="1600200"/>
-          <a:ext cx="9782175" cy="4572000"/>
-        </p:xfrm>
-        <a:graphic>
-          <a:graphicData uri="http://schemas.openxmlformats.org/drawingml/2006/chart">
-            <c:chart xmlns:c="http://schemas.openxmlformats.org/drawingml/2006/chart" xmlns:r="http://schemas.openxmlformats.org/officeDocument/2006/relationships" r:id="rId2"/>
-          </a:graphicData>
-        </a:graphic>
-      </p:graphicFrame>
-    </p:spTree>
-    <p:extLst>
-      <p:ext uri="{BB962C8B-B14F-4D97-AF65-F5344CB8AC3E}">
-        <p14:creationId xmlns:p14="http://schemas.microsoft.com/office/powerpoint/2010/main" val="571916843"/>
-      </p:ext>
-    </p:extLst>
-  </p:cSld>
-  <p:clrMapOvr>
-    <a:masterClrMapping/>
-  </p:clrMapOvr>
-  <mc:AlternateContent xmlns:mc="http://schemas.openxmlformats.org/markup-compatibility/2006" xmlns:p14="http://schemas.microsoft.com/office/powerpoint/2010/main">
-    <mc:Choice Requires="p14">
-      <p:transition spd="med" p14:dur="700">
-        <p:fade/>
-      </p:transition>
-    </mc:Choice>
-    <mc:Fallback xmlns="">
-      <p:transition spd="med">
-        <p:fade/>
-      </p:transition>
-    </mc:Fallback>
-  </mc:AlternateContent>
-</p:sld>
-</file>
-
-<file path=ppt/slides/slide4.xml><?xml version="1.0" encoding="utf-8"?>
-<p:sld xmlns:a="http://schemas.openxmlformats.org/drawingml/2006/main" xmlns:r="http://schemas.openxmlformats.org/officeDocument/2006/relationships" xmlns:p="http://schemas.openxmlformats.org/presentationml/2006/main">
-  <p:cSld>
-    <p:spTree>
-      <p:nvGrpSpPr>
-        <p:cNvPr id="1" name=""/>
-        <p:cNvGrpSpPr/>
-        <p:nvPr/>
-      </p:nvGrpSpPr>
-      <p:grpSpPr>
-        <a:xfrm>
-          <a:off x="0" y="0"/>
-          <a:ext cx="0" cy="0"/>
-          <a:chOff x="0" y="0"/>
-          <a:chExt cx="0" cy="0"/>
-        </a:xfrm>
-      </p:grpSpPr>
-      <p:sp>
-        <p:nvSpPr>
-          <p:cNvPr id="2" name="Title 1"/>
-          <p:cNvSpPr>
-            <a:spLocks noGrp="1"/>
-          </p:cNvSpPr>
-          <p:nvPr>
-            <p:ph type="title"/>
-          </p:nvPr>
-        </p:nvSpPr>
-        <p:spPr/>
-        <p:txBody>
-          <a:bodyPr/>
-          <a:lstStyle/>
-          <a:p>
-            <a:r>
-              <a:rPr lang="en-US" dirty="0"/>
-              <a:t>Two Content Layout with Table</a:t>
-            </a:r>
-          </a:p>
-        </p:txBody>
-      </p:sp>
-      <p:graphicFrame>
-        <p:nvGraphicFramePr>
-          <p:cNvPr id="11" name="Content Placeholder 10" descr="Sample table with 3 columns, 4 rows" title="Table"/>
-          <p:cNvGraphicFramePr>
-            <a:graphicFrameLocks noGrp="1"/>
-          </p:cNvGraphicFramePr>
-          <p:nvPr>
-            <p:ph sz="half" idx="1"/>
-            <p:extLst>
-              <p:ext uri="{D42A27DB-BD31-4B8C-83A1-F6EECF244321}">
-                <p14:modId xmlns:p14="http://schemas.microsoft.com/office/powerpoint/2010/main" val="2525299476"/>
-              </p:ext>
-            </p:extLst>
-          </p:nvPr>
-        </p:nvGraphicFramePr>
-        <p:xfrm>
-          <a:off x="1593850" y="1600200"/>
-          <a:ext cx="4814889" cy="2209800"/>
-        </p:xfrm>
-        <a:graphic>
-          <a:graphicData uri="http://schemas.openxmlformats.org/drawingml/2006/table">
-            <a:tbl>
-              <a:tblPr firstRow="1" bandRow="1">
-                <a:tableStyleId>{5C22544A-7EE6-4342-B048-85BDC9FD1C3A}</a:tableStyleId>
-              </a:tblPr>
-              <a:tblGrid>
-                <a:gridCol w="1604963">
-                  <a:extLst>
-                    <a:ext uri="{9D8B030D-6E8A-4147-A177-3AD203B41FA5}">
-                      <a16:colId xmlns:a16="http://schemas.microsoft.com/office/drawing/2014/main" val="20000"/>
-                    </a:ext>
-                  </a:extLst>
-                </a:gridCol>
-                <a:gridCol w="1604963">
-                  <a:extLst>
-                    <a:ext uri="{9D8B030D-6E8A-4147-A177-3AD203B41FA5}">
-                      <a16:colId xmlns:a16="http://schemas.microsoft.com/office/drawing/2014/main" val="20001"/>
-                    </a:ext>
-                  </a:extLst>
-                </a:gridCol>
-                <a:gridCol w="1604963">
-                  <a:extLst>
-                    <a:ext uri="{9D8B030D-6E8A-4147-A177-3AD203B41FA5}">
-                      <a16:colId xmlns:a16="http://schemas.microsoft.com/office/drawing/2014/main" val="20002"/>
-                    </a:ext>
-                  </a:extLst>
-                </a:gridCol>
-              </a:tblGrid>
-              <a:tr h="552450">
-                <a:tc>
-                  <a:txBody>
-                    <a:bodyPr/>
-                    <a:lstStyle/>
-                    <a:p>
-                      <a:endParaRPr lang="en-US" dirty="0"/>
-                    </a:p>
-                  </a:txBody>
-                  <a:tcPr anchor="ctr"/>
-                </a:tc>
-                <a:tc>
-                  <a:txBody>
-                    <a:bodyPr/>
-                    <a:lstStyle/>
-                    <a:p>
-                      <a:pPr algn="ctr"/>
-                      <a:r>
-                        <a:rPr lang="en-US" dirty="0"/>
-                        <a:t>Group A</a:t>
-                      </a:r>
-                    </a:p>
-                  </a:txBody>
-                  <a:tcPr anchor="ctr"/>
-                </a:tc>
-                <a:tc>
-                  <a:txBody>
-                    <a:bodyPr/>
-                    <a:lstStyle/>
-                    <a:p>
-                      <a:pPr algn="ctr"/>
-                      <a:r>
-                        <a:rPr lang="en-US" dirty="0"/>
-                        <a:t>Group B</a:t>
-                      </a:r>
-                    </a:p>
-                  </a:txBody>
-                  <a:tcPr anchor="ctr"/>
-                </a:tc>
-                <a:extLst>
-                  <a:ext uri="{0D108BD9-81ED-4DB2-BD59-A6C34878D82A}">
-                    <a16:rowId xmlns:a16="http://schemas.microsoft.com/office/drawing/2014/main" val="10000"/>
-                  </a:ext>
-                </a:extLst>
-              </a:tr>
-              <a:tr h="552450">
-                <a:tc>
-                  <a:txBody>
-                    <a:bodyPr/>
-                    <a:lstStyle/>
-                    <a:p>
-                      <a:r>
-                        <a:rPr lang="en-US" dirty="0"/>
-                        <a:t>Class 1</a:t>
-                      </a:r>
-                    </a:p>
-                  </a:txBody>
-                  <a:tcPr anchor="ctr"/>
-                </a:tc>
-                <a:tc>
-                  <a:txBody>
-                    <a:bodyPr/>
-                    <a:lstStyle/>
-                    <a:p>
-                      <a:pPr algn="ctr"/>
-                      <a:r>
-                        <a:rPr lang="en-US" dirty="0"/>
-                        <a:t>82</a:t>
-                      </a:r>
-                    </a:p>
-                  </a:txBody>
-                  <a:tcPr anchor="ctr"/>
-                </a:tc>
-                <a:tc>
-                  <a:txBody>
-                    <a:bodyPr/>
-                    <a:lstStyle/>
-                    <a:p>
-                      <a:pPr algn="ctr"/>
-                      <a:r>
-                        <a:rPr lang="en-US" dirty="0"/>
-                        <a:t>95</a:t>
-                      </a:r>
-                    </a:p>
-                  </a:txBody>
-                  <a:tcPr anchor="ctr"/>
-                </a:tc>
-                <a:extLst>
-                  <a:ext uri="{0D108BD9-81ED-4DB2-BD59-A6C34878D82A}">
-                    <a16:rowId xmlns:a16="http://schemas.microsoft.com/office/drawing/2014/main" val="10001"/>
-                  </a:ext>
-                </a:extLst>
-              </a:tr>
-              <a:tr h="552450">
-                <a:tc>
-                  <a:txBody>
-                    <a:bodyPr/>
-                    <a:lstStyle/>
-                    <a:p>
-                      <a:r>
-                        <a:rPr lang="en-US" dirty="0"/>
-                        <a:t>Class 2</a:t>
-                      </a:r>
-                    </a:p>
-                  </a:txBody>
-                  <a:tcPr anchor="ctr"/>
-                </a:tc>
-                <a:tc>
-                  <a:txBody>
-                    <a:bodyPr/>
-                    <a:lstStyle/>
-                    <a:p>
-                      <a:pPr algn="ctr"/>
-                      <a:r>
-                        <a:rPr lang="en-US" dirty="0"/>
-                        <a:t>76</a:t>
-                      </a:r>
-                    </a:p>
-                  </a:txBody>
-                  <a:tcPr anchor="ctr"/>
-                </a:tc>
-                <a:tc>
-                  <a:txBody>
-                    <a:bodyPr/>
-                    <a:lstStyle/>
-                    <a:p>
-                      <a:pPr algn="ctr"/>
-                      <a:r>
-                        <a:rPr lang="en-US" dirty="0"/>
-                        <a:t>88</a:t>
-                      </a:r>
-                    </a:p>
-                  </a:txBody>
-                  <a:tcPr anchor="ctr"/>
-                </a:tc>
-                <a:extLst>
-                  <a:ext uri="{0D108BD9-81ED-4DB2-BD59-A6C34878D82A}">
-                    <a16:rowId xmlns:a16="http://schemas.microsoft.com/office/drawing/2014/main" val="10002"/>
-                  </a:ext>
-                </a:extLst>
-              </a:tr>
-              <a:tr h="552450">
-                <a:tc>
-                  <a:txBody>
-                    <a:bodyPr/>
-                    <a:lstStyle/>
-                    <a:p>
-                      <a:r>
-                        <a:rPr lang="en-US" dirty="0"/>
-                        <a:t>Class 3</a:t>
-                      </a:r>
-                    </a:p>
-                  </a:txBody>
-                  <a:tcPr anchor="ctr"/>
-                </a:tc>
-                <a:tc>
-                  <a:txBody>
-                    <a:bodyPr/>
-                    <a:lstStyle/>
-                    <a:p>
-                      <a:pPr algn="ctr"/>
-                      <a:r>
-                        <a:rPr lang="en-US" dirty="0"/>
-                        <a:t>84</a:t>
-                      </a:r>
-                    </a:p>
-                  </a:txBody>
-                  <a:tcPr anchor="ctr"/>
-                </a:tc>
-                <a:tc>
-                  <a:txBody>
-                    <a:bodyPr/>
-                    <a:lstStyle/>
-                    <a:p>
-                      <a:pPr algn="ctr"/>
-                      <a:r>
-                        <a:rPr lang="en-US" dirty="0"/>
-                        <a:t>90</a:t>
-                      </a:r>
-                    </a:p>
-                  </a:txBody>
-                  <a:tcPr anchor="ctr"/>
-                </a:tc>
-                <a:extLst>
-                  <a:ext uri="{0D108BD9-81ED-4DB2-BD59-A6C34878D82A}">
-                    <a16:rowId xmlns:a16="http://schemas.microsoft.com/office/drawing/2014/main" val="10003"/>
-                  </a:ext>
-                </a:extLst>
-              </a:tr>
-            </a:tbl>
-          </a:graphicData>
-        </a:graphic>
-      </p:graphicFrame>
-      <p:sp>
-        <p:nvSpPr>
-          <p:cNvPr id="7" name="Content Placeholder 6"/>
-          <p:cNvSpPr>
-            <a:spLocks noGrp="1"/>
-          </p:cNvSpPr>
-          <p:nvPr>
-            <p:ph sz="half" idx="2"/>
-          </p:nvPr>
-        </p:nvSpPr>
-        <p:spPr/>
-        <p:txBody>
-          <a:bodyPr/>
-          <a:lstStyle/>
-          <a:p>
-            <a:r>
-              <a:rPr lang="en-US" dirty="0"/>
-              <a:t>First bullet point here</a:t>
-            </a:r>
-          </a:p>
-          <a:p>
-            <a:r>
-              <a:rPr lang="en-US" dirty="0"/>
-              <a:t>Second bullet point here</a:t>
-            </a:r>
-          </a:p>
-          <a:p>
-            <a:r>
-              <a:rPr lang="en-US" dirty="0"/>
-              <a:t>Third bullet point here</a:t>
-            </a:r>
-          </a:p>
-        </p:txBody>
-      </p:sp>
-    </p:spTree>
-    <p:extLst>
-      <p:ext uri="{BB962C8B-B14F-4D97-AF65-F5344CB8AC3E}">
-        <p14:creationId xmlns:p14="http://schemas.microsoft.com/office/powerpoint/2010/main" val="2593339164"/>
-      </p:ext>
-    </p:extLst>
-  </p:cSld>
-  <p:clrMapOvr>
-    <a:masterClrMapping/>
-  </p:clrMapOvr>
-  <mc:AlternateContent xmlns:mc="http://schemas.openxmlformats.org/markup-compatibility/2006" xmlns:p14="http://schemas.microsoft.com/office/powerpoint/2010/main">
-    <mc:Choice Requires="p14">
-      <p:transition spd="med" p14:dur="700">
-        <p:fade/>
-      </p:transition>
-    </mc:Choice>
-    <mc:Fallback xmlns="">
-      <p:transition spd="med">
-        <p:fade/>
-      </p:transition>
-    </mc:Fallback>
-  </mc:AlternateContent>
-</p:sld>
-</file>
-
-<file path=ppt/slides/slide5.xml><?xml version="1.0" encoding="utf-8"?>
-<p:sld xmlns:a="http://schemas.openxmlformats.org/drawingml/2006/main" xmlns:r="http://schemas.openxmlformats.org/officeDocument/2006/relationships" xmlns:p="http://schemas.openxmlformats.org/presentationml/2006/main">
-  <p:cSld>
-    <p:spTree>
-      <p:nvGrpSpPr>
-        <p:cNvPr id="1" name=""/>
-        <p:cNvGrpSpPr/>
-        <p:nvPr/>
-      </p:nvGrpSpPr>
-      <p:grpSpPr>
-        <a:xfrm>
-          <a:off x="0" y="0"/>
-          <a:ext cx="0" cy="0"/>
-          <a:chOff x="0" y="0"/>
-          <a:chExt cx="0" cy="0"/>
-        </a:xfrm>
-      </p:grpSpPr>
-      <p:sp>
-        <p:nvSpPr>
-          <p:cNvPr id="2" name="Title 1"/>
-          <p:cNvSpPr>
-            <a:spLocks noGrp="1"/>
-          </p:cNvSpPr>
-          <p:nvPr>
-            <p:ph type="title"/>
-          </p:nvPr>
-        </p:nvSpPr>
-        <p:spPr/>
-        <p:txBody>
-          <a:bodyPr/>
-          <a:lstStyle/>
-          <a:p>
-            <a:r>
-              <a:rPr lang="en-US" dirty="0"/>
-              <a:t>Two Content Layout with Table</a:t>
-            </a:r>
-          </a:p>
-        </p:txBody>
-      </p:sp>
-      <p:sp>
-        <p:nvSpPr>
-          <p:cNvPr id="7" name="Content Placeholder 6"/>
-          <p:cNvSpPr>
-            <a:spLocks noGrp="1"/>
-          </p:cNvSpPr>
-          <p:nvPr>
-            <p:ph sz="half" idx="2"/>
-          </p:nvPr>
-        </p:nvSpPr>
-        <p:spPr/>
-        <p:txBody>
-          <a:bodyPr/>
-          <a:lstStyle/>
-          <a:p>
-            <a:r>
-              <a:rPr lang="en-US" dirty="0"/>
-              <a:t>First bullet point here</a:t>
-            </a:r>
-          </a:p>
-          <a:p>
-            <a:r>
-              <a:rPr lang="en-US" dirty="0"/>
-              <a:t>Second bullet point here</a:t>
-            </a:r>
-          </a:p>
-          <a:p>
-            <a:r>
-              <a:rPr lang="en-US" dirty="0"/>
-              <a:t>Third bullet point here</a:t>
-            </a:r>
-          </a:p>
-        </p:txBody>
-      </p:sp>
-      <p:graphicFrame>
-        <p:nvGraphicFramePr>
-          <p:cNvPr id="6" name="Content Placeholder 5" descr="Vertical Chevron List" title="SmartArt"/>
-          <p:cNvGraphicFramePr>
-            <a:graphicFrameLocks noGrp="1"/>
-          </p:cNvGraphicFramePr>
-          <p:nvPr>
-            <p:ph sz="half" idx="1"/>
-            <p:extLst>
-              <p:ext uri="{D42A27DB-BD31-4B8C-83A1-F6EECF244321}">
-                <p14:modId xmlns:p14="http://schemas.microsoft.com/office/powerpoint/2010/main" val="2287590138"/>
-              </p:ext>
-            </p:extLst>
-          </p:nvPr>
-        </p:nvGraphicFramePr>
-        <p:xfrm>
-          <a:off x="1593850" y="1600200"/>
-          <a:ext cx="4814888" cy="4572000"/>
-        </p:xfrm>
-        <a:graphic>
-          <a:graphicData uri="http://schemas.openxmlformats.org/drawingml/2006/diagram">
-            <dgm:relIds xmlns:dgm="http://schemas.openxmlformats.org/drawingml/2006/diagram" xmlns:r="http://schemas.openxmlformats.org/officeDocument/2006/relationships" r:dm="rId2" r:lo="rId3" r:qs="rId4" r:cs="rId5"/>
-          </a:graphicData>
-        </a:graphic>
-      </p:graphicFrame>
-    </p:spTree>
-    <p:extLst>
-      <p:ext uri="{BB962C8B-B14F-4D97-AF65-F5344CB8AC3E}">
-        <p14:creationId xmlns:p14="http://schemas.microsoft.com/office/powerpoint/2010/main" val="513726968"/>
-      </p:ext>
-    </p:extLst>
-  </p:cSld>
-  <p:clrMapOvr>
-    <a:masterClrMapping/>
-  </p:clrMapOvr>
-  <mc:AlternateContent xmlns:mc="http://schemas.openxmlformats.org/markup-compatibility/2006" xmlns:p14="http://schemas.microsoft.com/office/powerpoint/2010/main">
-    <mc:Choice Requires="p14">
-      <p:transition spd="med" p14:dur="700">
-        <p:fade/>
-      </p:transition>
-    </mc:Choice>
-    <mc:Fallback xmlns="">
-      <p:transition spd="med">
-        <p:fade/>
-      </p:transition>
-    </mc:Fallback>
-  </mc:AlternateContent>
-</p:sld>
-</file>
-
-<file path=ppt/slides/slide6.xml><?xml version="1.0" encoding="utf-8"?>
-<p:sld xmlns:a="http://schemas.openxmlformats.org/drawingml/2006/main" xmlns:r="http://schemas.openxmlformats.org/officeDocument/2006/relationships" xmlns:p="http://schemas.openxmlformats.org/presentationml/2006/main">
-  <p:cSld>
-    <p:spTree>
-      <p:nvGrpSpPr>
-        <p:cNvPr id="1" name=""/>
-        <p:cNvGrpSpPr/>
-        <p:nvPr/>
-      </p:nvGrpSpPr>
-      <p:grpSpPr>
-        <a:xfrm>
-          <a:off x="0" y="0"/>
-          <a:ext cx="0" cy="0"/>
-          <a:chOff x="0" y="0"/>
-          <a:chExt cx="0" cy="0"/>
-        </a:xfrm>
-      </p:grpSpPr>
-      <p:sp>
-        <p:nvSpPr>
-          <p:cNvPr id="2" name="Title 1"/>
-          <p:cNvSpPr>
-            <a:spLocks noGrp="1"/>
-          </p:cNvSpPr>
-          <p:nvPr>
-            <p:ph type="title"/>
-          </p:nvPr>
-        </p:nvSpPr>
-        <p:spPr/>
-        <p:txBody>
-          <a:bodyPr>
-            <a:normAutofit/>
-          </a:bodyPr>
-          <a:lstStyle/>
-          <a:p>
-            <a:endParaRPr lang="en-US" dirty="0"/>
-          </a:p>
-        </p:txBody>
-      </p:sp>
-      <p:sp>
-        <p:nvSpPr>
-          <p:cNvPr id="3" name="Text Placeholder 2"/>
-          <p:cNvSpPr>
-            <a:spLocks noGrp="1"/>
-          </p:cNvSpPr>
-          <p:nvPr>
-            <p:ph type="body" idx="1"/>
-          </p:nvPr>
-        </p:nvSpPr>
-        <p:spPr/>
-        <p:txBody>
-          <a:bodyPr>
-            <a:normAutofit/>
-          </a:bodyPr>
-          <a:lstStyle/>
-          <a:p>
-            <a:endParaRPr lang="en-US" dirty="0"/>
-          </a:p>
-        </p:txBody>
-      </p:sp>
-    </p:spTree>
-    <p:extLst>
-      <p:ext uri="{BB962C8B-B14F-4D97-AF65-F5344CB8AC3E}">
-        <p14:creationId xmlns:p14="http://schemas.microsoft.com/office/powerpoint/2010/main" val="352090314"/>
-      </p:ext>
-    </p:extLst>
-  </p:cSld>
-  <p:clrMapOvr>
-    <a:masterClrMapping/>
-  </p:clrMapOvr>
-  <mc:AlternateContent xmlns:mc="http://schemas.openxmlformats.org/markup-compatibility/2006" xmlns:p14="http://schemas.microsoft.com/office/powerpoint/2010/main">
-    <mc:Choice Requires="p14">
-      <p:transition spd="med" p14:dur="700">
-        <p:fade/>
-      </p:transition>
-    </mc:Choice>
-    <mc:Fallback xmlns="">
-      <p:transition spd="med">
-        <p:fade/>
-      </p:transition>
-    </mc:Fallback>
-  </mc:AlternateContent>
-</p:sld>
-</file>
-
-<file path=ppt/slides/slide7.xml><?xml version="1.0" encoding="utf-8"?>
-<p:sld xmlns:a="http://schemas.openxmlformats.org/drawingml/2006/main" xmlns:r="http://schemas.openxmlformats.org/officeDocument/2006/relationships" xmlns:p="http://schemas.openxmlformats.org/presentationml/2006/main">
-  <p:cSld>
-    <p:spTree>
-      <p:nvGrpSpPr>
-        <p:cNvPr id="1" name=""/>
-        <p:cNvGrpSpPr/>
-        <p:nvPr/>
-      </p:nvGrpSpPr>
-      <p:grpSpPr>
-        <a:xfrm>
-          <a:off x="0" y="0"/>
-          <a:ext cx="0" cy="0"/>
-          <a:chOff x="0" y="0"/>
-          <a:chExt cx="0" cy="0"/>
-        </a:xfrm>
-      </p:grpSpPr>
-      <p:sp>
-        <p:nvSpPr>
-          <p:cNvPr id="2" name="Title 1"/>
-          <p:cNvSpPr>
-            <a:spLocks noGrp="1"/>
-          </p:cNvSpPr>
-          <p:nvPr>
-            <p:ph type="title"/>
-          </p:nvPr>
-        </p:nvSpPr>
-        <p:spPr/>
-        <p:txBody>
-          <a:bodyPr/>
-          <a:lstStyle/>
-          <a:p>
-            <a:endParaRPr lang="en-US" dirty="0"/>
-          </a:p>
-        </p:txBody>
-      </p:sp>
-      <p:sp>
-        <p:nvSpPr>
-          <p:cNvPr id="5" name="Text Placeholder 4"/>
-          <p:cNvSpPr>
-            <a:spLocks noGrp="1"/>
-          </p:cNvSpPr>
-          <p:nvPr>
-            <p:ph type="body" idx="1"/>
-          </p:nvPr>
-        </p:nvSpPr>
-        <p:spPr/>
-        <p:txBody>
-          <a:bodyPr/>
-          <a:lstStyle/>
-          <a:p>
-            <a:endParaRPr lang="en-US" dirty="0"/>
-          </a:p>
-        </p:txBody>
-      </p:sp>
-      <p:sp>
-        <p:nvSpPr>
-          <p:cNvPr id="3" name="Content Placeholder 2"/>
-          <p:cNvSpPr>
-            <a:spLocks noGrp="1"/>
-          </p:cNvSpPr>
-          <p:nvPr>
-            <p:ph sz="half" idx="2"/>
-          </p:nvPr>
-        </p:nvSpPr>
-        <p:spPr/>
-        <p:txBody>
-          <a:bodyPr/>
-          <a:lstStyle/>
-          <a:p>
-            <a:endParaRPr lang="en-US" dirty="0"/>
-          </a:p>
-        </p:txBody>
-      </p:sp>
-      <p:sp>
-        <p:nvSpPr>
-          <p:cNvPr id="6" name="Text Placeholder 5"/>
-          <p:cNvSpPr>
-            <a:spLocks noGrp="1"/>
-          </p:cNvSpPr>
-          <p:nvPr>
-            <p:ph type="body" sz="quarter" idx="3"/>
-          </p:nvPr>
-        </p:nvSpPr>
-        <p:spPr/>
-        <p:txBody>
-          <a:bodyPr/>
-          <a:lstStyle/>
-          <a:p>
-            <a:endParaRPr lang="en-US" dirty="0"/>
-          </a:p>
-        </p:txBody>
-      </p:sp>
-      <p:sp>
-        <p:nvSpPr>
-          <p:cNvPr id="4" name="Content Placeholder 3"/>
-          <p:cNvSpPr>
-            <a:spLocks noGrp="1"/>
-          </p:cNvSpPr>
-          <p:nvPr>
-            <p:ph sz="quarter" idx="4"/>
-          </p:nvPr>
-        </p:nvSpPr>
-        <p:spPr/>
-        <p:txBody>
-          <a:bodyPr/>
-          <a:lstStyle/>
-          <a:p>
-            <a:endParaRPr lang="en-US" dirty="0"/>
-          </a:p>
-        </p:txBody>
-      </p:sp>
-    </p:spTree>
-    <p:extLst>
-      <p:ext uri="{BB962C8B-B14F-4D97-AF65-F5344CB8AC3E}">
-        <p14:creationId xmlns:p14="http://schemas.microsoft.com/office/powerpoint/2010/main" val="1061194279"/>
-      </p:ext>
-    </p:extLst>
-  </p:cSld>
-  <p:clrMapOvr>
-    <a:masterClrMapping/>
-  </p:clrMapOvr>
-  <mc:AlternateContent xmlns:mc="http://schemas.openxmlformats.org/markup-compatibility/2006" xmlns:p14="http://schemas.microsoft.com/office/powerpoint/2010/main">
-    <mc:Choice Requires="p14">
-      <p:transition spd="med" p14:dur="700">
-        <p:fade/>
-      </p:transition>
-    </mc:Choice>
-    <mc:Fallback xmlns="">
-      <p:transition spd="med">
-        <p:fade/>
-      </p:transition>
-    </mc:Fallback>
-  </mc:AlternateContent>
-</p:sld>
-</file>
-
-<file path=ppt/slides/slide8.xml><?xml version="1.0" encoding="utf-8"?>
-<p:sld xmlns:a="http://schemas.openxmlformats.org/drawingml/2006/main" xmlns:r="http://schemas.openxmlformats.org/officeDocument/2006/relationships" xmlns:p="http://schemas.openxmlformats.org/presentationml/2006/main">
-  <p:cSld>
-    <p:spTree>
-      <p:nvGrpSpPr>
-        <p:cNvPr id="1" name=""/>
-        <p:cNvGrpSpPr/>
-        <p:nvPr/>
-      </p:nvGrpSpPr>
-      <p:grpSpPr>
-        <a:xfrm>
-          <a:off x="0" y="0"/>
-          <a:ext cx="0" cy="0"/>
-          <a:chOff x="0" y="0"/>
-          <a:chExt cx="0" cy="0"/>
-        </a:xfrm>
-      </p:grpSpPr>
-      <p:sp>
-        <p:nvSpPr>
-          <p:cNvPr id="2" name="Title 1"/>
-          <p:cNvSpPr>
-            <a:spLocks noGrp="1"/>
-          </p:cNvSpPr>
-          <p:nvPr>
-            <p:ph type="title"/>
-          </p:nvPr>
-        </p:nvSpPr>
-        <p:spPr/>
-        <p:txBody>
-          <a:bodyPr/>
-          <a:lstStyle/>
-          <a:p>
-            <a:endParaRPr lang="en-US" dirty="0"/>
-          </a:p>
-        </p:txBody>
-      </p:sp>
-    </p:spTree>
-    <p:extLst>
-      <p:ext uri="{BB962C8B-B14F-4D97-AF65-F5344CB8AC3E}">
-        <p14:creationId xmlns:p14="http://schemas.microsoft.com/office/powerpoint/2010/main" val="3401786857"/>
-      </p:ext>
-    </p:extLst>
-  </p:cSld>
-  <p:clrMapOvr>
-    <a:masterClrMapping/>
-  </p:clrMapOvr>
-  <mc:AlternateContent xmlns:mc="http://schemas.openxmlformats.org/markup-compatibility/2006" xmlns:p14="http://schemas.microsoft.com/office/powerpoint/2010/main">
-    <mc:Choice Requires="p14">
-      <p:transition spd="med" p14:dur="700">
-        <p:fade/>
-      </p:transition>
-    </mc:Choice>
-    <mc:Fallback xmlns="">
-      <p:transition spd="med">
-        <p:fade/>
-      </p:transition>
-    </mc:Fallback>
-  </mc:AlternateContent>
-</p:sld>
-</file>
-
-<file path=ppt/slides/slide9.xml><?xml version="1.0" encoding="utf-8"?>
-<p:sld xmlns:a="http://schemas.openxmlformats.org/drawingml/2006/main" xmlns:r="http://schemas.openxmlformats.org/officeDocument/2006/relationships" xmlns:p="http://schemas.openxmlformats.org/presentationml/2006/main">
-  <p:cSld>
-    <p:spTree>
-      <p:nvGrpSpPr>
-        <p:cNvPr id="1" name=""/>
-        <p:cNvGrpSpPr/>
-        <p:nvPr/>
-      </p:nvGrpSpPr>
-      <p:grpSpPr>
-        <a:xfrm>
-          <a:off x="0" y="0"/>
-          <a:ext cx="0" cy="0"/>
-          <a:chOff x="0" y="0"/>
-          <a:chExt cx="0" cy="0"/>
-        </a:xfrm>
-      </p:grpSpPr>
-    </p:spTree>
-    <p:extLst>
-      <p:ext uri="{BB962C8B-B14F-4D97-AF65-F5344CB8AC3E}">
-        <p14:creationId xmlns:p14="http://schemas.microsoft.com/office/powerpoint/2010/main" val="4022862849"/>
       </p:ext>
     </p:extLst>
   </p:cSld>

--- a/Manim/Learn Manim Library by Practice.pptx
+++ b/Manim/Learn Manim Library by Practice.pptx
@@ -5,14 +5,16 @@
     <p:sldMasterId id="2147483648" r:id="rId1"/>
   </p:sldMasterIdLst>
   <p:notesMasterIdLst>
-    <p:notesMasterId r:id="rId4"/>
+    <p:notesMasterId r:id="rId6"/>
   </p:notesMasterIdLst>
   <p:handoutMasterIdLst>
-    <p:handoutMasterId r:id="rId5"/>
+    <p:handoutMasterId r:id="rId7"/>
   </p:handoutMasterIdLst>
   <p:sldIdLst>
     <p:sldId id="256" r:id="rId2"/>
     <p:sldId id="267" r:id="rId3"/>
+    <p:sldId id="268" r:id="rId4"/>
+    <p:sldId id="269" r:id="rId5"/>
   </p:sldIdLst>
   <p:sldSz cx="12188825" cy="6858000"/>
   <p:notesSz cx="6858000" cy="9144000"/>
@@ -8216,6 +8218,950 @@
       </p:transition>
     </mc:Choice>
     <mc:Fallback xmlns="">
+      <p:transition spd="med">
+        <p:fade/>
+      </p:transition>
+    </mc:Fallback>
+  </mc:AlternateContent>
+</p:sld>
+</file>
+
+<file path=ppt/slides/slide3.xml><?xml version="1.0" encoding="utf-8"?>
+<p:sld xmlns:a="http://schemas.openxmlformats.org/drawingml/2006/main" xmlns:r="http://schemas.openxmlformats.org/officeDocument/2006/relationships" xmlns:p="http://schemas.openxmlformats.org/presentationml/2006/main">
+  <p:cSld>
+    <p:spTree>
+      <p:nvGrpSpPr>
+        <p:cNvPr id="1" name="">
+          <a:extLst>
+            <a:ext uri="{FF2B5EF4-FFF2-40B4-BE49-F238E27FC236}">
+              <a16:creationId xmlns:a16="http://schemas.microsoft.com/office/drawing/2014/main" id="{65DEFB53-3495-7EBD-5E21-3DAC6AF76D94}"/>
+            </a:ext>
+          </a:extLst>
+        </p:cNvPr>
+        <p:cNvGrpSpPr/>
+        <p:nvPr/>
+      </p:nvGrpSpPr>
+      <p:grpSpPr>
+        <a:xfrm>
+          <a:off x="0" y="0"/>
+          <a:ext cx="0" cy="0"/>
+          <a:chOff x="0" y="0"/>
+          <a:chExt cx="0" cy="0"/>
+        </a:xfrm>
+      </p:grpSpPr>
+      <p:sp>
+        <p:nvSpPr>
+          <p:cNvPr id="13" name="Title 12">
+            <a:extLst>
+              <a:ext uri="{FF2B5EF4-FFF2-40B4-BE49-F238E27FC236}">
+                <a16:creationId xmlns:a16="http://schemas.microsoft.com/office/drawing/2014/main" id="{E77215AF-CF7F-5E62-BFF1-BCB4196BF304}"/>
+              </a:ext>
+            </a:extLst>
+          </p:cNvPr>
+          <p:cNvSpPr>
+            <a:spLocks noGrp="1"/>
+          </p:cNvSpPr>
+          <p:nvPr>
+            <p:ph type="title"/>
+          </p:nvPr>
+        </p:nvSpPr>
+        <p:spPr>
+          <a:xfrm>
+            <a:off x="1593436" y="260649"/>
+            <a:ext cx="6174521" cy="864096"/>
+          </a:xfrm>
+        </p:spPr>
+        <p:txBody>
+          <a:bodyPr anchor="ctr">
+            <a:normAutofit fontScale="90000"/>
+          </a:bodyPr>
+          <a:lstStyle/>
+          <a:p>
+            <a:r>
+              <a:rPr lang="en-US" sz="6000" b="1" dirty="0">
+                <a:latin typeface="ADLaM Display" panose="02010000000000000000" pitchFamily="2" charset="0"/>
+                <a:ea typeface="ADLaM Display" panose="02010000000000000000" pitchFamily="2" charset="0"/>
+                <a:cs typeface="ADLaM Display" panose="02010000000000000000" pitchFamily="2" charset="0"/>
+              </a:rPr>
+              <a:t>Learning Manim</a:t>
+            </a:r>
+          </a:p>
+        </p:txBody>
+      </p:sp>
+      <p:pic>
+        <p:nvPicPr>
+          <p:cNvPr id="4" name="Picture 3">
+            <a:extLst>
+              <a:ext uri="{FF2B5EF4-FFF2-40B4-BE49-F238E27FC236}">
+                <a16:creationId xmlns:a16="http://schemas.microsoft.com/office/drawing/2014/main" id="{55CC6021-B110-C65C-F993-CBD8BDD9C3B8}"/>
+              </a:ext>
+            </a:extLst>
+          </p:cNvPr>
+          <p:cNvPicPr>
+            <a:picLocks noChangeAspect="1"/>
+          </p:cNvPicPr>
+          <p:nvPr/>
+        </p:nvPicPr>
+        <p:blipFill>
+          <a:blip r:embed="rId2"/>
+          <a:stretch>
+            <a:fillRect/>
+          </a:stretch>
+        </p:blipFill>
+        <p:spPr>
+          <a:xfrm>
+            <a:off x="7767957" y="83058"/>
+            <a:ext cx="4420868" cy="1512168"/>
+          </a:xfrm>
+          <a:prstGeom prst="rect">
+            <a:avLst/>
+          </a:prstGeom>
+        </p:spPr>
+      </p:pic>
+      <p:pic>
+        <p:nvPicPr>
+          <p:cNvPr id="5" name="Picture 4">
+            <a:extLst>
+              <a:ext uri="{FF2B5EF4-FFF2-40B4-BE49-F238E27FC236}">
+                <a16:creationId xmlns:a16="http://schemas.microsoft.com/office/drawing/2014/main" id="{60070E94-D69A-7D90-0E1B-841A52053471}"/>
+              </a:ext>
+            </a:extLst>
+          </p:cNvPr>
+          <p:cNvPicPr>
+            <a:picLocks noChangeAspect="1"/>
+          </p:cNvPicPr>
+          <p:nvPr/>
+        </p:nvPicPr>
+        <p:blipFill>
+          <a:blip r:embed="rId3"/>
+          <a:stretch>
+            <a:fillRect/>
+          </a:stretch>
+        </p:blipFill>
+        <p:spPr>
+          <a:xfrm>
+            <a:off x="117748" y="5589240"/>
+            <a:ext cx="1152128" cy="1180931"/>
+          </a:xfrm>
+          <a:prstGeom prst="rect">
+            <a:avLst/>
+          </a:prstGeom>
+          <a:ln>
+            <a:noFill/>
+          </a:ln>
+          <a:effectLst>
+            <a:softEdge rad="112500"/>
+          </a:effectLst>
+        </p:spPr>
+      </p:pic>
+      <p:sp>
+        <p:nvSpPr>
+          <p:cNvPr id="6" name="Subtitle 2">
+            <a:extLst>
+              <a:ext uri="{FF2B5EF4-FFF2-40B4-BE49-F238E27FC236}">
+                <a16:creationId xmlns:a16="http://schemas.microsoft.com/office/drawing/2014/main" id="{2DFCCB65-82A2-0FBF-4361-DA6246AC3A7C}"/>
+              </a:ext>
+            </a:extLst>
+          </p:cNvPr>
+          <p:cNvSpPr txBox="1">
+            <a:spLocks/>
+          </p:cNvSpPr>
+          <p:nvPr/>
+        </p:nvSpPr>
+        <p:spPr>
+          <a:xfrm>
+            <a:off x="-1022" y="1484784"/>
+            <a:ext cx="1701923" cy="1368152"/>
+          </a:xfrm>
+          <a:prstGeom prst="rect">
+            <a:avLst/>
+          </a:prstGeom>
+        </p:spPr>
+        <p:style>
+          <a:lnRef idx="0">
+            <a:schemeClr val="accent2"/>
+          </a:lnRef>
+          <a:fillRef idx="3">
+            <a:schemeClr val="accent2"/>
+          </a:fillRef>
+          <a:effectRef idx="3">
+            <a:schemeClr val="accent2"/>
+          </a:effectRef>
+          <a:fontRef idx="minor">
+            <a:schemeClr val="lt1"/>
+          </a:fontRef>
+        </p:style>
+        <p:txBody>
+          <a:bodyPr vert="horz" lIns="91440" tIns="45720" rIns="91440" bIns="45720" rtlCol="0" anchor="ctr">
+            <a:normAutofit fontScale="92500"/>
+          </a:bodyPr>
+          <a:lstStyle>
+            <a:lvl1pPr marL="246888" indent="-246888" algn="l" defTabSz="914400" rtl="0" eaLnBrk="1" latinLnBrk="0" hangingPunct="1">
+              <a:lnSpc>
+                <a:spcPct val="90000"/>
+              </a:lnSpc>
+              <a:spcBef>
+                <a:spcPts val="1400"/>
+              </a:spcBef>
+              <a:buFont typeface="Euphemia" pitchFamily="34" charset="0"/>
+              <a:buChar char="›"/>
+              <a:defRPr sz="2800" kern="1200">
+                <a:solidFill>
+                  <a:schemeClr val="lt1"/>
+                </a:solidFill>
+                <a:latin typeface="+mn-lt"/>
+                <a:ea typeface="+mn-ea"/>
+                <a:cs typeface="+mn-cs"/>
+              </a:defRPr>
+            </a:lvl1pPr>
+            <a:lvl2pPr marL="612648" indent="-246888" algn="l" defTabSz="914400" rtl="0" eaLnBrk="1" latinLnBrk="0" hangingPunct="1">
+              <a:lnSpc>
+                <a:spcPct val="90000"/>
+              </a:lnSpc>
+              <a:spcBef>
+                <a:spcPts val="600"/>
+              </a:spcBef>
+              <a:buFont typeface="Euphemia" pitchFamily="34" charset="0"/>
+              <a:buChar char="–"/>
+              <a:defRPr sz="2400" kern="1200">
+                <a:solidFill>
+                  <a:schemeClr val="lt1"/>
+                </a:solidFill>
+                <a:latin typeface="+mn-lt"/>
+                <a:ea typeface="+mn-ea"/>
+                <a:cs typeface="+mn-cs"/>
+              </a:defRPr>
+            </a:lvl2pPr>
+            <a:lvl3pPr marL="978408" indent="-246888" algn="l" defTabSz="914400" rtl="0" eaLnBrk="1" latinLnBrk="0" hangingPunct="1">
+              <a:lnSpc>
+                <a:spcPct val="90000"/>
+              </a:lnSpc>
+              <a:spcBef>
+                <a:spcPts val="600"/>
+              </a:spcBef>
+              <a:buFont typeface="Euphemia" pitchFamily="34" charset="0"/>
+              <a:buChar char="›"/>
+              <a:defRPr sz="2000" kern="1200">
+                <a:solidFill>
+                  <a:schemeClr val="lt1"/>
+                </a:solidFill>
+                <a:latin typeface="+mn-lt"/>
+                <a:ea typeface="+mn-ea"/>
+                <a:cs typeface="+mn-cs"/>
+              </a:defRPr>
+            </a:lvl3pPr>
+            <a:lvl4pPr marL="1344168" indent="-246888" algn="l" defTabSz="914400" rtl="0" eaLnBrk="1" latinLnBrk="0" hangingPunct="1">
+              <a:lnSpc>
+                <a:spcPct val="90000"/>
+              </a:lnSpc>
+              <a:spcBef>
+                <a:spcPts val="600"/>
+              </a:spcBef>
+              <a:buFont typeface="Arial" pitchFamily="34" charset="0"/>
+              <a:buChar char="–"/>
+              <a:defRPr sz="1800" kern="1200">
+                <a:solidFill>
+                  <a:schemeClr val="lt1"/>
+                </a:solidFill>
+                <a:latin typeface="+mn-lt"/>
+                <a:ea typeface="+mn-ea"/>
+                <a:cs typeface="+mn-cs"/>
+              </a:defRPr>
+            </a:lvl4pPr>
+            <a:lvl5pPr marL="1709928" indent="-246888" algn="l" defTabSz="914400" rtl="0" eaLnBrk="1" latinLnBrk="0" hangingPunct="1">
+              <a:lnSpc>
+                <a:spcPct val="90000"/>
+              </a:lnSpc>
+              <a:spcBef>
+                <a:spcPts val="600"/>
+              </a:spcBef>
+              <a:buFont typeface="Euphemia" pitchFamily="34" charset="0"/>
+              <a:buChar char="›"/>
+              <a:defRPr sz="1800" kern="1200">
+                <a:solidFill>
+                  <a:schemeClr val="lt1"/>
+                </a:solidFill>
+                <a:latin typeface="+mn-lt"/>
+                <a:ea typeface="+mn-ea"/>
+                <a:cs typeface="+mn-cs"/>
+              </a:defRPr>
+            </a:lvl5pPr>
+            <a:lvl6pPr marL="2075688" indent="-246888" algn="l" defTabSz="914400" rtl="0" eaLnBrk="1" latinLnBrk="0" hangingPunct="1">
+              <a:lnSpc>
+                <a:spcPct val="90000"/>
+              </a:lnSpc>
+              <a:spcBef>
+                <a:spcPts val="600"/>
+              </a:spcBef>
+              <a:buFont typeface="Euphemia" pitchFamily="34" charset="0"/>
+              <a:buChar char="–"/>
+              <a:defRPr sz="1800" kern="1200">
+                <a:solidFill>
+                  <a:schemeClr val="lt1"/>
+                </a:solidFill>
+                <a:latin typeface="+mn-lt"/>
+                <a:ea typeface="+mn-ea"/>
+                <a:cs typeface="+mn-cs"/>
+              </a:defRPr>
+            </a:lvl6pPr>
+            <a:lvl7pPr marL="2441448" indent="-246888" algn="l" defTabSz="914400" rtl="0" eaLnBrk="1" latinLnBrk="0" hangingPunct="1">
+              <a:lnSpc>
+                <a:spcPct val="90000"/>
+              </a:lnSpc>
+              <a:spcBef>
+                <a:spcPts val="600"/>
+              </a:spcBef>
+              <a:buFont typeface="Euphemia" pitchFamily="34" charset="0"/>
+              <a:buChar char="›"/>
+              <a:defRPr sz="1800" kern="1200">
+                <a:solidFill>
+                  <a:schemeClr val="lt1"/>
+                </a:solidFill>
+                <a:latin typeface="+mn-lt"/>
+                <a:ea typeface="+mn-ea"/>
+                <a:cs typeface="+mn-cs"/>
+              </a:defRPr>
+            </a:lvl7pPr>
+            <a:lvl8pPr marL="2807208" indent="-246888" algn="l" defTabSz="914400" rtl="0" eaLnBrk="1" latinLnBrk="0" hangingPunct="1">
+              <a:lnSpc>
+                <a:spcPct val="90000"/>
+              </a:lnSpc>
+              <a:spcBef>
+                <a:spcPts val="600"/>
+              </a:spcBef>
+              <a:buFont typeface="Euphemia" pitchFamily="34" charset="0"/>
+              <a:buChar char="–"/>
+              <a:defRPr sz="1800" kern="1200" baseline="0">
+                <a:solidFill>
+                  <a:schemeClr val="lt1"/>
+                </a:solidFill>
+                <a:latin typeface="+mn-lt"/>
+                <a:ea typeface="+mn-ea"/>
+                <a:cs typeface="+mn-cs"/>
+              </a:defRPr>
+            </a:lvl8pPr>
+            <a:lvl9pPr marL="3172968" indent="-246888" algn="l" defTabSz="914400" rtl="0" eaLnBrk="1" latinLnBrk="0" hangingPunct="1">
+              <a:lnSpc>
+                <a:spcPct val="90000"/>
+              </a:lnSpc>
+              <a:spcBef>
+                <a:spcPts val="600"/>
+              </a:spcBef>
+              <a:buFont typeface="Euphemia" pitchFamily="34" charset="0"/>
+              <a:buChar char="›"/>
+              <a:defRPr sz="1800" kern="1200" baseline="0">
+                <a:solidFill>
+                  <a:schemeClr val="lt1"/>
+                </a:solidFill>
+                <a:latin typeface="+mn-lt"/>
+                <a:ea typeface="+mn-ea"/>
+                <a:cs typeface="+mn-cs"/>
+              </a:defRPr>
+            </a:lvl9pPr>
+          </a:lstStyle>
+          <a:p>
+            <a:pPr marL="0" indent="0" algn="ctr">
+              <a:buNone/>
+            </a:pPr>
+            <a:r>
+              <a:rPr lang="en-US" sz="7200" b="1" dirty="0">
+                <a:solidFill>
+                  <a:schemeClr val="tx2">
+                    <a:lumMod val="75000"/>
+                    <a:lumOff val="25000"/>
+                  </a:schemeClr>
+                </a:solidFill>
+              </a:rPr>
+              <a:t>003</a:t>
+            </a:r>
+          </a:p>
+        </p:txBody>
+      </p:sp>
+      <p:sp>
+        <p:nvSpPr>
+          <p:cNvPr id="9" name="Title 12">
+            <a:extLst>
+              <a:ext uri="{FF2B5EF4-FFF2-40B4-BE49-F238E27FC236}">
+                <a16:creationId xmlns:a16="http://schemas.microsoft.com/office/drawing/2014/main" id="{6C29EBE7-FEAF-2F49-8DA0-2F7F3C430023}"/>
+              </a:ext>
+            </a:extLst>
+          </p:cNvPr>
+          <p:cNvSpPr txBox="1">
+            <a:spLocks/>
+          </p:cNvSpPr>
+          <p:nvPr/>
+        </p:nvSpPr>
+        <p:spPr>
+          <a:xfrm>
+            <a:off x="1773932" y="1484783"/>
+            <a:ext cx="9782801" cy="843659"/>
+          </a:xfrm>
+          <a:prstGeom prst="rect">
+            <a:avLst/>
+          </a:prstGeom>
+        </p:spPr>
+        <p:txBody>
+          <a:bodyPr vert="horz" lIns="91440" tIns="45720" rIns="91440" bIns="45720" rtlCol="0" anchor="ctr">
+            <a:normAutofit fontScale="97500"/>
+          </a:bodyPr>
+          <a:lstStyle>
+            <a:lvl1pPr algn="l" defTabSz="914400" rtl="0" eaLnBrk="1" latinLnBrk="0" hangingPunct="1">
+              <a:lnSpc>
+                <a:spcPct val="90000"/>
+              </a:lnSpc>
+              <a:spcBef>
+                <a:spcPct val="0"/>
+              </a:spcBef>
+              <a:buNone/>
+              <a:defRPr sz="3600" kern="1200">
+                <a:solidFill>
+                  <a:schemeClr val="tx1">
+                    <a:lumMod val="75000"/>
+                  </a:schemeClr>
+                </a:solidFill>
+                <a:latin typeface="+mj-lt"/>
+                <a:ea typeface="+mj-ea"/>
+                <a:cs typeface="+mj-cs"/>
+              </a:defRPr>
+            </a:lvl1pPr>
+          </a:lstStyle>
+          <a:p>
+            <a:r>
+              <a:rPr lang="en-US" sz="4800" b="1" dirty="0"/>
+              <a:t>Transform a Square into a Circle</a:t>
+            </a:r>
+          </a:p>
+        </p:txBody>
+      </p:sp>
+      <p:pic>
+        <p:nvPicPr>
+          <p:cNvPr id="3" name="Picture 2">
+            <a:extLst>
+              <a:ext uri="{FF2B5EF4-FFF2-40B4-BE49-F238E27FC236}">
+                <a16:creationId xmlns:a16="http://schemas.microsoft.com/office/drawing/2014/main" id="{50EAF650-6049-341F-83F5-42BBE3193344}"/>
+              </a:ext>
+            </a:extLst>
+          </p:cNvPr>
+          <p:cNvPicPr>
+            <a:picLocks noChangeAspect="1"/>
+          </p:cNvPicPr>
+          <p:nvPr/>
+        </p:nvPicPr>
+        <p:blipFill>
+          <a:blip r:embed="rId4"/>
+          <a:stretch>
+            <a:fillRect/>
+          </a:stretch>
+        </p:blipFill>
+        <p:spPr>
+          <a:xfrm>
+            <a:off x="2748330" y="2290102"/>
+            <a:ext cx="7679623" cy="4478914"/>
+          </a:xfrm>
+          <a:prstGeom prst="rect">
+            <a:avLst/>
+          </a:prstGeom>
+          <a:ln>
+            <a:noFill/>
+          </a:ln>
+          <a:effectLst>
+            <a:outerShdw blurRad="292100" dist="139700" dir="2700000" algn="tl" rotWithShape="0">
+              <a:srgbClr val="333333">
+                <a:alpha val="65000"/>
+              </a:srgbClr>
+            </a:outerShdw>
+          </a:effectLst>
+        </p:spPr>
+      </p:pic>
+    </p:spTree>
+    <p:extLst>
+      <p:ext uri="{BB962C8B-B14F-4D97-AF65-F5344CB8AC3E}">
+        <p14:creationId xmlns:p14="http://schemas.microsoft.com/office/powerpoint/2010/main" val="1202964032"/>
+      </p:ext>
+    </p:extLst>
+  </p:cSld>
+  <p:clrMapOvr>
+    <a:masterClrMapping/>
+  </p:clrMapOvr>
+  <mc:AlternateContent xmlns:mc="http://schemas.openxmlformats.org/markup-compatibility/2006">
+    <mc:Choice xmlns:p14="http://schemas.microsoft.com/office/powerpoint/2010/main" Requires="p14">
+      <p:transition spd="med" p14:dur="700">
+        <p:fade/>
+      </p:transition>
+    </mc:Choice>
+    <mc:Fallback>
+      <p:transition spd="med">
+        <p:fade/>
+      </p:transition>
+    </mc:Fallback>
+  </mc:AlternateContent>
+</p:sld>
+</file>
+
+<file path=ppt/slides/slide4.xml><?xml version="1.0" encoding="utf-8"?>
+<p:sld xmlns:a="http://schemas.openxmlformats.org/drawingml/2006/main" xmlns:r="http://schemas.openxmlformats.org/officeDocument/2006/relationships" xmlns:p="http://schemas.openxmlformats.org/presentationml/2006/main">
+  <p:cSld>
+    <p:spTree>
+      <p:nvGrpSpPr>
+        <p:cNvPr id="1" name="">
+          <a:extLst>
+            <a:ext uri="{FF2B5EF4-FFF2-40B4-BE49-F238E27FC236}">
+              <a16:creationId xmlns:a16="http://schemas.microsoft.com/office/drawing/2014/main" id="{1D7F43D0-1574-7DB5-7181-B26D2D378F3B}"/>
+            </a:ext>
+          </a:extLst>
+        </p:cNvPr>
+        <p:cNvGrpSpPr/>
+        <p:nvPr/>
+      </p:nvGrpSpPr>
+      <p:grpSpPr>
+        <a:xfrm>
+          <a:off x="0" y="0"/>
+          <a:ext cx="0" cy="0"/>
+          <a:chOff x="0" y="0"/>
+          <a:chExt cx="0" cy="0"/>
+        </a:xfrm>
+      </p:grpSpPr>
+      <p:sp>
+        <p:nvSpPr>
+          <p:cNvPr id="13" name="Title 12">
+            <a:extLst>
+              <a:ext uri="{FF2B5EF4-FFF2-40B4-BE49-F238E27FC236}">
+                <a16:creationId xmlns:a16="http://schemas.microsoft.com/office/drawing/2014/main" id="{21578DAD-B9A7-8F02-1098-AC094FE9FD1C}"/>
+              </a:ext>
+            </a:extLst>
+          </p:cNvPr>
+          <p:cNvSpPr>
+            <a:spLocks noGrp="1"/>
+          </p:cNvSpPr>
+          <p:nvPr>
+            <p:ph type="title"/>
+          </p:nvPr>
+        </p:nvSpPr>
+        <p:spPr>
+          <a:xfrm>
+            <a:off x="1593436" y="260649"/>
+            <a:ext cx="6174521" cy="864096"/>
+          </a:xfrm>
+        </p:spPr>
+        <p:txBody>
+          <a:bodyPr anchor="ctr">
+            <a:normAutofit fontScale="90000"/>
+          </a:bodyPr>
+          <a:lstStyle/>
+          <a:p>
+            <a:r>
+              <a:rPr lang="en-US" sz="6000" b="1" dirty="0">
+                <a:latin typeface="ADLaM Display" panose="02010000000000000000" pitchFamily="2" charset="0"/>
+                <a:ea typeface="ADLaM Display" panose="02010000000000000000" pitchFamily="2" charset="0"/>
+                <a:cs typeface="ADLaM Display" panose="02010000000000000000" pitchFamily="2" charset="0"/>
+              </a:rPr>
+              <a:t>Learning Manim</a:t>
+            </a:r>
+          </a:p>
+        </p:txBody>
+      </p:sp>
+      <p:pic>
+        <p:nvPicPr>
+          <p:cNvPr id="4" name="Picture 3">
+            <a:extLst>
+              <a:ext uri="{FF2B5EF4-FFF2-40B4-BE49-F238E27FC236}">
+                <a16:creationId xmlns:a16="http://schemas.microsoft.com/office/drawing/2014/main" id="{40A67585-7281-B878-C7A7-8BA539EE7D54}"/>
+              </a:ext>
+            </a:extLst>
+          </p:cNvPr>
+          <p:cNvPicPr>
+            <a:picLocks noChangeAspect="1"/>
+          </p:cNvPicPr>
+          <p:nvPr/>
+        </p:nvPicPr>
+        <p:blipFill>
+          <a:blip r:embed="rId2"/>
+          <a:stretch>
+            <a:fillRect/>
+          </a:stretch>
+        </p:blipFill>
+        <p:spPr>
+          <a:xfrm>
+            <a:off x="7767957" y="83058"/>
+            <a:ext cx="4420868" cy="1512168"/>
+          </a:xfrm>
+          <a:prstGeom prst="rect">
+            <a:avLst/>
+          </a:prstGeom>
+        </p:spPr>
+      </p:pic>
+      <p:pic>
+        <p:nvPicPr>
+          <p:cNvPr id="5" name="Picture 4">
+            <a:extLst>
+              <a:ext uri="{FF2B5EF4-FFF2-40B4-BE49-F238E27FC236}">
+                <a16:creationId xmlns:a16="http://schemas.microsoft.com/office/drawing/2014/main" id="{88889169-6C2B-0713-327F-2320B20BC227}"/>
+              </a:ext>
+            </a:extLst>
+          </p:cNvPr>
+          <p:cNvPicPr>
+            <a:picLocks noChangeAspect="1"/>
+          </p:cNvPicPr>
+          <p:nvPr/>
+        </p:nvPicPr>
+        <p:blipFill>
+          <a:blip r:embed="rId3"/>
+          <a:stretch>
+            <a:fillRect/>
+          </a:stretch>
+        </p:blipFill>
+        <p:spPr>
+          <a:xfrm>
+            <a:off x="117748" y="5589240"/>
+            <a:ext cx="1152128" cy="1180931"/>
+          </a:xfrm>
+          <a:prstGeom prst="rect">
+            <a:avLst/>
+          </a:prstGeom>
+          <a:ln>
+            <a:noFill/>
+          </a:ln>
+          <a:effectLst>
+            <a:softEdge rad="112500"/>
+          </a:effectLst>
+        </p:spPr>
+      </p:pic>
+      <p:sp>
+        <p:nvSpPr>
+          <p:cNvPr id="6" name="Subtitle 2">
+            <a:extLst>
+              <a:ext uri="{FF2B5EF4-FFF2-40B4-BE49-F238E27FC236}">
+                <a16:creationId xmlns:a16="http://schemas.microsoft.com/office/drawing/2014/main" id="{96559BCC-CDCB-3A7D-8C79-D51CDA5A2FB4}"/>
+              </a:ext>
+            </a:extLst>
+          </p:cNvPr>
+          <p:cNvSpPr txBox="1">
+            <a:spLocks/>
+          </p:cNvSpPr>
+          <p:nvPr/>
+        </p:nvSpPr>
+        <p:spPr>
+          <a:xfrm>
+            <a:off x="-1022" y="1484784"/>
+            <a:ext cx="1701923" cy="1368152"/>
+          </a:xfrm>
+          <a:prstGeom prst="rect">
+            <a:avLst/>
+          </a:prstGeom>
+        </p:spPr>
+        <p:style>
+          <a:lnRef idx="0">
+            <a:schemeClr val="accent2"/>
+          </a:lnRef>
+          <a:fillRef idx="3">
+            <a:schemeClr val="accent2"/>
+          </a:fillRef>
+          <a:effectRef idx="3">
+            <a:schemeClr val="accent2"/>
+          </a:effectRef>
+          <a:fontRef idx="minor">
+            <a:schemeClr val="lt1"/>
+          </a:fontRef>
+        </p:style>
+        <p:txBody>
+          <a:bodyPr vert="horz" lIns="91440" tIns="45720" rIns="91440" bIns="45720" rtlCol="0" anchor="ctr">
+            <a:normAutofit fontScale="92500"/>
+          </a:bodyPr>
+          <a:lstStyle>
+            <a:lvl1pPr marL="246888" indent="-246888" algn="l" defTabSz="914400" rtl="0" eaLnBrk="1" latinLnBrk="0" hangingPunct="1">
+              <a:lnSpc>
+                <a:spcPct val="90000"/>
+              </a:lnSpc>
+              <a:spcBef>
+                <a:spcPts val="1400"/>
+              </a:spcBef>
+              <a:buFont typeface="Euphemia" pitchFamily="34" charset="0"/>
+              <a:buChar char="›"/>
+              <a:defRPr sz="2800" kern="1200">
+                <a:solidFill>
+                  <a:schemeClr val="lt1"/>
+                </a:solidFill>
+                <a:latin typeface="+mn-lt"/>
+                <a:ea typeface="+mn-ea"/>
+                <a:cs typeface="+mn-cs"/>
+              </a:defRPr>
+            </a:lvl1pPr>
+            <a:lvl2pPr marL="612648" indent="-246888" algn="l" defTabSz="914400" rtl="0" eaLnBrk="1" latinLnBrk="0" hangingPunct="1">
+              <a:lnSpc>
+                <a:spcPct val="90000"/>
+              </a:lnSpc>
+              <a:spcBef>
+                <a:spcPts val="600"/>
+              </a:spcBef>
+              <a:buFont typeface="Euphemia" pitchFamily="34" charset="0"/>
+              <a:buChar char="–"/>
+              <a:defRPr sz="2400" kern="1200">
+                <a:solidFill>
+                  <a:schemeClr val="lt1"/>
+                </a:solidFill>
+                <a:latin typeface="+mn-lt"/>
+                <a:ea typeface="+mn-ea"/>
+                <a:cs typeface="+mn-cs"/>
+              </a:defRPr>
+            </a:lvl2pPr>
+            <a:lvl3pPr marL="978408" indent="-246888" algn="l" defTabSz="914400" rtl="0" eaLnBrk="1" latinLnBrk="0" hangingPunct="1">
+              <a:lnSpc>
+                <a:spcPct val="90000"/>
+              </a:lnSpc>
+              <a:spcBef>
+                <a:spcPts val="600"/>
+              </a:spcBef>
+              <a:buFont typeface="Euphemia" pitchFamily="34" charset="0"/>
+              <a:buChar char="›"/>
+              <a:defRPr sz="2000" kern="1200">
+                <a:solidFill>
+                  <a:schemeClr val="lt1"/>
+                </a:solidFill>
+                <a:latin typeface="+mn-lt"/>
+                <a:ea typeface="+mn-ea"/>
+                <a:cs typeface="+mn-cs"/>
+              </a:defRPr>
+            </a:lvl3pPr>
+            <a:lvl4pPr marL="1344168" indent="-246888" algn="l" defTabSz="914400" rtl="0" eaLnBrk="1" latinLnBrk="0" hangingPunct="1">
+              <a:lnSpc>
+                <a:spcPct val="90000"/>
+              </a:lnSpc>
+              <a:spcBef>
+                <a:spcPts val="600"/>
+              </a:spcBef>
+              <a:buFont typeface="Arial" pitchFamily="34" charset="0"/>
+              <a:buChar char="–"/>
+              <a:defRPr sz="1800" kern="1200">
+                <a:solidFill>
+                  <a:schemeClr val="lt1"/>
+                </a:solidFill>
+                <a:latin typeface="+mn-lt"/>
+                <a:ea typeface="+mn-ea"/>
+                <a:cs typeface="+mn-cs"/>
+              </a:defRPr>
+            </a:lvl4pPr>
+            <a:lvl5pPr marL="1709928" indent="-246888" algn="l" defTabSz="914400" rtl="0" eaLnBrk="1" latinLnBrk="0" hangingPunct="1">
+              <a:lnSpc>
+                <a:spcPct val="90000"/>
+              </a:lnSpc>
+              <a:spcBef>
+                <a:spcPts val="600"/>
+              </a:spcBef>
+              <a:buFont typeface="Euphemia" pitchFamily="34" charset="0"/>
+              <a:buChar char="›"/>
+              <a:defRPr sz="1800" kern="1200">
+                <a:solidFill>
+                  <a:schemeClr val="lt1"/>
+                </a:solidFill>
+                <a:latin typeface="+mn-lt"/>
+                <a:ea typeface="+mn-ea"/>
+                <a:cs typeface="+mn-cs"/>
+              </a:defRPr>
+            </a:lvl5pPr>
+            <a:lvl6pPr marL="2075688" indent="-246888" algn="l" defTabSz="914400" rtl="0" eaLnBrk="1" latinLnBrk="0" hangingPunct="1">
+              <a:lnSpc>
+                <a:spcPct val="90000"/>
+              </a:lnSpc>
+              <a:spcBef>
+                <a:spcPts val="600"/>
+              </a:spcBef>
+              <a:buFont typeface="Euphemia" pitchFamily="34" charset="0"/>
+              <a:buChar char="–"/>
+              <a:defRPr sz="1800" kern="1200">
+                <a:solidFill>
+                  <a:schemeClr val="lt1"/>
+                </a:solidFill>
+                <a:latin typeface="+mn-lt"/>
+                <a:ea typeface="+mn-ea"/>
+                <a:cs typeface="+mn-cs"/>
+              </a:defRPr>
+            </a:lvl6pPr>
+            <a:lvl7pPr marL="2441448" indent="-246888" algn="l" defTabSz="914400" rtl="0" eaLnBrk="1" latinLnBrk="0" hangingPunct="1">
+              <a:lnSpc>
+                <a:spcPct val="90000"/>
+              </a:lnSpc>
+              <a:spcBef>
+                <a:spcPts val="600"/>
+              </a:spcBef>
+              <a:buFont typeface="Euphemia" pitchFamily="34" charset="0"/>
+              <a:buChar char="›"/>
+              <a:defRPr sz="1800" kern="1200">
+                <a:solidFill>
+                  <a:schemeClr val="lt1"/>
+                </a:solidFill>
+                <a:latin typeface="+mn-lt"/>
+                <a:ea typeface="+mn-ea"/>
+                <a:cs typeface="+mn-cs"/>
+              </a:defRPr>
+            </a:lvl7pPr>
+            <a:lvl8pPr marL="2807208" indent="-246888" algn="l" defTabSz="914400" rtl="0" eaLnBrk="1" latinLnBrk="0" hangingPunct="1">
+              <a:lnSpc>
+                <a:spcPct val="90000"/>
+              </a:lnSpc>
+              <a:spcBef>
+                <a:spcPts val="600"/>
+              </a:spcBef>
+              <a:buFont typeface="Euphemia" pitchFamily="34" charset="0"/>
+              <a:buChar char="–"/>
+              <a:defRPr sz="1800" kern="1200" baseline="0">
+                <a:solidFill>
+                  <a:schemeClr val="lt1"/>
+                </a:solidFill>
+                <a:latin typeface="+mn-lt"/>
+                <a:ea typeface="+mn-ea"/>
+                <a:cs typeface="+mn-cs"/>
+              </a:defRPr>
+            </a:lvl8pPr>
+            <a:lvl9pPr marL="3172968" indent="-246888" algn="l" defTabSz="914400" rtl="0" eaLnBrk="1" latinLnBrk="0" hangingPunct="1">
+              <a:lnSpc>
+                <a:spcPct val="90000"/>
+              </a:lnSpc>
+              <a:spcBef>
+                <a:spcPts val="600"/>
+              </a:spcBef>
+              <a:buFont typeface="Euphemia" pitchFamily="34" charset="0"/>
+              <a:buChar char="›"/>
+              <a:defRPr sz="1800" kern="1200" baseline="0">
+                <a:solidFill>
+                  <a:schemeClr val="lt1"/>
+                </a:solidFill>
+                <a:latin typeface="+mn-lt"/>
+                <a:ea typeface="+mn-ea"/>
+                <a:cs typeface="+mn-cs"/>
+              </a:defRPr>
+            </a:lvl9pPr>
+          </a:lstStyle>
+          <a:p>
+            <a:pPr marL="0" indent="0" algn="ctr">
+              <a:buNone/>
+            </a:pPr>
+            <a:r>
+              <a:rPr lang="en-US" sz="7200" b="1" dirty="0">
+                <a:solidFill>
+                  <a:schemeClr val="tx2">
+                    <a:lumMod val="75000"/>
+                    <a:lumOff val="25000"/>
+                  </a:schemeClr>
+                </a:solidFill>
+              </a:rPr>
+              <a:t>004</a:t>
+            </a:r>
+          </a:p>
+        </p:txBody>
+      </p:sp>
+      <p:sp>
+        <p:nvSpPr>
+          <p:cNvPr id="9" name="Title 12">
+            <a:extLst>
+              <a:ext uri="{FF2B5EF4-FFF2-40B4-BE49-F238E27FC236}">
+                <a16:creationId xmlns:a16="http://schemas.microsoft.com/office/drawing/2014/main" id="{7DA07B10-B4C0-12BC-D654-90D18613A115}"/>
+              </a:ext>
+            </a:extLst>
+          </p:cNvPr>
+          <p:cNvSpPr txBox="1">
+            <a:spLocks/>
+          </p:cNvSpPr>
+          <p:nvPr/>
+        </p:nvSpPr>
+        <p:spPr>
+          <a:xfrm>
+            <a:off x="1773932" y="1484783"/>
+            <a:ext cx="9782801" cy="843659"/>
+          </a:xfrm>
+          <a:prstGeom prst="rect">
+            <a:avLst/>
+          </a:prstGeom>
+        </p:spPr>
+        <p:txBody>
+          <a:bodyPr vert="horz" lIns="91440" tIns="45720" rIns="91440" bIns="45720" rtlCol="0" anchor="ctr">
+            <a:normAutofit fontScale="97500"/>
+          </a:bodyPr>
+          <a:lstStyle>
+            <a:lvl1pPr algn="l" defTabSz="914400" rtl="0" eaLnBrk="1" latinLnBrk="0" hangingPunct="1">
+              <a:lnSpc>
+                <a:spcPct val="90000"/>
+              </a:lnSpc>
+              <a:spcBef>
+                <a:spcPct val="0"/>
+              </a:spcBef>
+              <a:buNone/>
+              <a:defRPr sz="3600" kern="1200">
+                <a:solidFill>
+                  <a:schemeClr val="tx1">
+                    <a:lumMod val="75000"/>
+                  </a:schemeClr>
+                </a:solidFill>
+                <a:latin typeface="+mj-lt"/>
+                <a:ea typeface="+mj-ea"/>
+                <a:cs typeface="+mj-cs"/>
+              </a:defRPr>
+            </a:lvl1pPr>
+          </a:lstStyle>
+          <a:p>
+            <a:r>
+              <a:rPr lang="en-US" sz="4800" b="1" dirty="0"/>
+              <a:t>Positioning MobjectS</a:t>
+            </a:r>
+          </a:p>
+        </p:txBody>
+      </p:sp>
+      <p:pic>
+        <p:nvPicPr>
+          <p:cNvPr id="7" name="Picture 6">
+            <a:extLst>
+              <a:ext uri="{FF2B5EF4-FFF2-40B4-BE49-F238E27FC236}">
+                <a16:creationId xmlns:a16="http://schemas.microsoft.com/office/drawing/2014/main" id="{9B1A7B67-AA39-317B-70A3-C62047D0E04F}"/>
+              </a:ext>
+            </a:extLst>
+          </p:cNvPr>
+          <p:cNvPicPr>
+            <a:picLocks noChangeAspect="1"/>
+          </p:cNvPicPr>
+          <p:nvPr/>
+        </p:nvPicPr>
+        <p:blipFill>
+          <a:blip r:embed="rId4"/>
+          <a:stretch>
+            <a:fillRect/>
+          </a:stretch>
+        </p:blipFill>
+        <p:spPr>
+          <a:xfrm>
+            <a:off x="2490440" y="2328442"/>
+            <a:ext cx="7463599" cy="4352924"/>
+          </a:xfrm>
+          <a:prstGeom prst="rect">
+            <a:avLst/>
+          </a:prstGeom>
+          <a:ln>
+            <a:noFill/>
+          </a:ln>
+          <a:effectLst>
+            <a:outerShdw blurRad="292100" dist="139700" dir="2700000" algn="tl" rotWithShape="0">
+              <a:srgbClr val="333333">
+                <a:alpha val="65000"/>
+              </a:srgbClr>
+            </a:outerShdw>
+          </a:effectLst>
+        </p:spPr>
+      </p:pic>
+    </p:spTree>
+    <p:extLst>
+      <p:ext uri="{BB962C8B-B14F-4D97-AF65-F5344CB8AC3E}">
+        <p14:creationId xmlns:p14="http://schemas.microsoft.com/office/powerpoint/2010/main" val="3984021197"/>
+      </p:ext>
+    </p:extLst>
+  </p:cSld>
+  <p:clrMapOvr>
+    <a:masterClrMapping/>
+  </p:clrMapOvr>
+  <mc:AlternateContent xmlns:mc="http://schemas.openxmlformats.org/markup-compatibility/2006">
+    <mc:Choice xmlns:p14="http://schemas.microsoft.com/office/powerpoint/2010/main" Requires="p14">
+      <p:transition spd="med" p14:dur="700">
+        <p:fade/>
+      </p:transition>
+    </mc:Choice>
+    <mc:Fallback>
       <p:transition spd="med">
         <p:fade/>
       </p:transition>

--- a/Manim/Learn Manim Library by Practice.pptx
+++ b/Manim/Learn Manim Library by Practice.pptx
@@ -5,16 +5,17 @@
     <p:sldMasterId id="2147483648" r:id="rId1"/>
   </p:sldMasterIdLst>
   <p:notesMasterIdLst>
-    <p:notesMasterId r:id="rId6"/>
+    <p:notesMasterId r:id="rId7"/>
   </p:notesMasterIdLst>
   <p:handoutMasterIdLst>
-    <p:handoutMasterId r:id="rId7"/>
+    <p:handoutMasterId r:id="rId8"/>
   </p:handoutMasterIdLst>
   <p:sldIdLst>
     <p:sldId id="256" r:id="rId2"/>
     <p:sldId id="267" r:id="rId3"/>
     <p:sldId id="268" r:id="rId4"/>
     <p:sldId id="269" r:id="rId5"/>
+    <p:sldId id="270" r:id="rId6"/>
   </p:sldIdLst>
   <p:sldSz cx="12188825" cy="6858000"/>
   <p:notesSz cx="6858000" cy="9144000"/>
@@ -233,7 +234,7 @@
           <a:p>
             <a:fld id="{BDB7646E-8811-423A-9C42-2CBFADA00A96}" type="datetimeFigureOut">
               <a:rPr lang="en-US" smtClean="0"/>
-              <a:t>11/12/2024</a:t>
+              <a:t>11/14/2024</a:t>
             </a:fld>
             <a:endParaRPr lang="en-US"/>
           </a:p>
@@ -407,7 +408,7 @@
             <a:fld id="{D677E230-58DD-43ED-96A1-552DDAB53532}" type="datetimeFigureOut">
               <a:rPr lang="en-US" smtClean="0"/>
               <a:pPr/>
-              <a:t>11/12/2024</a:t>
+              <a:t>11/14/2024</a:t>
             </a:fld>
             <a:endParaRPr lang="en-US"/>
           </a:p>
@@ -1599,7 +1600,7 @@
             <a:fld id="{C2C6F8EA-316C-41DE-B9A4-EDCC3A85ED9A}" type="datetimeFigureOut">
               <a:rPr lang="en-US"/>
               <a:pPr/>
-              <a:t>11/12/2024</a:t>
+              <a:t>11/14/2024</a:t>
             </a:fld>
             <a:endParaRPr/>
           </a:p>
@@ -1814,7 +1815,7 @@
           <a:p>
             <a:fld id="{C2C6F8EA-316C-41DE-B9A4-EDCC3A85ED9A}" type="datetimeFigureOut">
               <a:rPr lang="en-US"/>
-              <a:t>11/12/2024</a:t>
+              <a:t>11/14/2024</a:t>
             </a:fld>
             <a:endParaRPr/>
           </a:p>
@@ -2628,7 +2629,7 @@
           <a:p>
             <a:fld id="{C2C6F8EA-316C-41DE-B9A4-EDCC3A85ED9A}" type="datetimeFigureOut">
               <a:rPr lang="en-US"/>
-              <a:t>11/12/2024</a:t>
+              <a:t>11/14/2024</a:t>
             </a:fld>
             <a:endParaRPr/>
           </a:p>
@@ -2826,7 +2827,7 @@
           <a:p>
             <a:fld id="{C2C6F8EA-316C-41DE-B9A4-EDCC3A85ED9A}" type="datetimeFigureOut">
               <a:rPr lang="en-US"/>
-              <a:t>11/12/2024</a:t>
+              <a:t>11/14/2024</a:t>
             </a:fld>
             <a:endParaRPr/>
           </a:p>
@@ -3932,7 +3933,7 @@
             <a:fld id="{C2C6F8EA-316C-41DE-B9A4-EDCC3A85ED9A}" type="datetimeFigureOut">
               <a:rPr lang="en-US"/>
               <a:pPr/>
-              <a:t>11/12/2024</a:t>
+              <a:t>11/14/2024</a:t>
             </a:fld>
             <a:endParaRPr/>
           </a:p>
@@ -4405,7 +4406,7 @@
           <a:p>
             <a:fld id="{C2C6F8EA-316C-41DE-B9A4-EDCC3A85ED9A}" type="datetimeFigureOut">
               <a:rPr lang="en-US"/>
-              <a:t>11/12/2024</a:t>
+              <a:t>11/14/2024</a:t>
             </a:fld>
             <a:endParaRPr/>
           </a:p>
@@ -4853,7 +4854,7 @@
           <a:p>
             <a:fld id="{C2C6F8EA-316C-41DE-B9A4-EDCC3A85ED9A}" type="datetimeFigureOut">
               <a:rPr lang="en-US"/>
-              <a:t>11/12/2024</a:t>
+              <a:t>11/14/2024</a:t>
             </a:fld>
             <a:endParaRPr/>
           </a:p>
@@ -4983,7 +4984,7 @@
           <a:p>
             <a:fld id="{C2C6F8EA-316C-41DE-B9A4-EDCC3A85ED9A}" type="datetimeFigureOut">
               <a:rPr lang="en-US"/>
-              <a:t>11/12/2024</a:t>
+              <a:t>11/14/2024</a:t>
             </a:fld>
             <a:endParaRPr/>
           </a:p>
@@ -5318,7 +5319,7 @@
           <a:p>
             <a:fld id="{C2C6F8EA-316C-41DE-B9A4-EDCC3A85ED9A}" type="datetimeFigureOut">
               <a:rPr lang="en-US"/>
-              <a:t>11/12/2024</a:t>
+              <a:t>11/14/2024</a:t>
             </a:fld>
             <a:endParaRPr/>
           </a:p>
@@ -5810,7 +5811,7 @@
           <a:p>
             <a:fld id="{C2C6F8EA-316C-41DE-B9A4-EDCC3A85ED9A}" type="datetimeFigureOut">
               <a:rPr lang="en-US"/>
-              <a:t>11/12/2024</a:t>
+              <a:t>11/14/2024</a:t>
             </a:fld>
             <a:endParaRPr/>
           </a:p>
@@ -6246,7 +6247,7 @@
           <a:p>
             <a:fld id="{C2C6F8EA-316C-41DE-B9A4-EDCC3A85ED9A}" type="datetimeFigureOut">
               <a:rPr lang="en-US"/>
-              <a:t>11/12/2024</a:t>
+              <a:t>11/14/2024</a:t>
             </a:fld>
             <a:endParaRPr/>
           </a:p>
@@ -7130,7 +7131,7 @@
             <a:fld id="{C2C6F8EA-316C-41DE-B9A4-EDCC3A85ED9A}" type="datetimeFigureOut">
               <a:rPr lang="en-US"/>
               <a:pPr/>
-              <a:t>11/12/2024</a:t>
+              <a:t>11/14/2024</a:t>
             </a:fld>
             <a:endParaRPr/>
           </a:p>
@@ -8683,13 +8684,13 @@
   <p:clrMapOvr>
     <a:masterClrMapping/>
   </p:clrMapOvr>
-  <mc:AlternateContent xmlns:mc="http://schemas.openxmlformats.org/markup-compatibility/2006">
-    <mc:Choice xmlns:p14="http://schemas.microsoft.com/office/powerpoint/2010/main" Requires="p14">
+  <mc:AlternateContent xmlns:mc="http://schemas.openxmlformats.org/markup-compatibility/2006" xmlns:p14="http://schemas.microsoft.com/office/powerpoint/2010/main">
+    <mc:Choice Requires="p14">
       <p:transition spd="med" p14:dur="700">
         <p:fade/>
       </p:transition>
     </mc:Choice>
-    <mc:Fallback>
+    <mc:Fallback xmlns="">
       <p:transition spd="med">
         <p:fade/>
       </p:transition>
@@ -9149,6 +9150,438 @@
     <p:extLst>
       <p:ext uri="{BB962C8B-B14F-4D97-AF65-F5344CB8AC3E}">
         <p14:creationId xmlns:p14="http://schemas.microsoft.com/office/powerpoint/2010/main" val="3984021197"/>
+      </p:ext>
+    </p:extLst>
+  </p:cSld>
+  <p:clrMapOvr>
+    <a:masterClrMapping/>
+  </p:clrMapOvr>
+  <mc:AlternateContent xmlns:mc="http://schemas.openxmlformats.org/markup-compatibility/2006" xmlns:p14="http://schemas.microsoft.com/office/powerpoint/2010/main">
+    <mc:Choice Requires="p14">
+      <p:transition spd="med" p14:dur="700">
+        <p:fade/>
+      </p:transition>
+    </mc:Choice>
+    <mc:Fallback xmlns="">
+      <p:transition spd="med">
+        <p:fade/>
+      </p:transition>
+    </mc:Fallback>
+  </mc:AlternateContent>
+</p:sld>
+</file>
+
+<file path=ppt/slides/slide5.xml><?xml version="1.0" encoding="utf-8"?>
+<p:sld xmlns:a="http://schemas.openxmlformats.org/drawingml/2006/main" xmlns:r="http://schemas.openxmlformats.org/officeDocument/2006/relationships" xmlns:p="http://schemas.openxmlformats.org/presentationml/2006/main">
+  <p:cSld>
+    <p:spTree>
+      <p:nvGrpSpPr>
+        <p:cNvPr id="1" name="">
+          <a:extLst>
+            <a:ext uri="{FF2B5EF4-FFF2-40B4-BE49-F238E27FC236}">
+              <a16:creationId xmlns:a16="http://schemas.microsoft.com/office/drawing/2014/main" id="{04CC65F6-9019-42CA-8267-CA04AD4B239E}"/>
+            </a:ext>
+          </a:extLst>
+        </p:cNvPr>
+        <p:cNvGrpSpPr/>
+        <p:nvPr/>
+      </p:nvGrpSpPr>
+      <p:grpSpPr>
+        <a:xfrm>
+          <a:off x="0" y="0"/>
+          <a:ext cx="0" cy="0"/>
+          <a:chOff x="0" y="0"/>
+          <a:chExt cx="0" cy="0"/>
+        </a:xfrm>
+      </p:grpSpPr>
+      <p:sp>
+        <p:nvSpPr>
+          <p:cNvPr id="13" name="Title 12">
+            <a:extLst>
+              <a:ext uri="{FF2B5EF4-FFF2-40B4-BE49-F238E27FC236}">
+                <a16:creationId xmlns:a16="http://schemas.microsoft.com/office/drawing/2014/main" id="{230B91D3-1927-F292-7ACE-BC64AC604221}"/>
+              </a:ext>
+            </a:extLst>
+          </p:cNvPr>
+          <p:cNvSpPr>
+            <a:spLocks noGrp="1"/>
+          </p:cNvSpPr>
+          <p:nvPr>
+            <p:ph type="title"/>
+          </p:nvPr>
+        </p:nvSpPr>
+        <p:spPr>
+          <a:xfrm>
+            <a:off x="1593436" y="260649"/>
+            <a:ext cx="6174521" cy="864096"/>
+          </a:xfrm>
+        </p:spPr>
+        <p:txBody>
+          <a:bodyPr anchor="ctr">
+            <a:normAutofit fontScale="90000"/>
+          </a:bodyPr>
+          <a:lstStyle/>
+          <a:p>
+            <a:r>
+              <a:rPr lang="en-US" sz="6000" b="1" dirty="0">
+                <a:latin typeface="ADLaM Display" panose="02010000000000000000" pitchFamily="2" charset="0"/>
+                <a:ea typeface="ADLaM Display" panose="02010000000000000000" pitchFamily="2" charset="0"/>
+                <a:cs typeface="ADLaM Display" panose="02010000000000000000" pitchFamily="2" charset="0"/>
+              </a:rPr>
+              <a:t>Learning Manim</a:t>
+            </a:r>
+          </a:p>
+        </p:txBody>
+      </p:sp>
+      <p:pic>
+        <p:nvPicPr>
+          <p:cNvPr id="4" name="Picture 3">
+            <a:extLst>
+              <a:ext uri="{FF2B5EF4-FFF2-40B4-BE49-F238E27FC236}">
+                <a16:creationId xmlns:a16="http://schemas.microsoft.com/office/drawing/2014/main" id="{77A3DF15-26C1-C772-8576-9FFB23D551EB}"/>
+              </a:ext>
+            </a:extLst>
+          </p:cNvPr>
+          <p:cNvPicPr>
+            <a:picLocks noChangeAspect="1"/>
+          </p:cNvPicPr>
+          <p:nvPr/>
+        </p:nvPicPr>
+        <p:blipFill>
+          <a:blip r:embed="rId2"/>
+          <a:stretch>
+            <a:fillRect/>
+          </a:stretch>
+        </p:blipFill>
+        <p:spPr>
+          <a:xfrm>
+            <a:off x="7767957" y="83058"/>
+            <a:ext cx="4420868" cy="1512168"/>
+          </a:xfrm>
+          <a:prstGeom prst="rect">
+            <a:avLst/>
+          </a:prstGeom>
+        </p:spPr>
+      </p:pic>
+      <p:pic>
+        <p:nvPicPr>
+          <p:cNvPr id="5" name="Picture 4">
+            <a:extLst>
+              <a:ext uri="{FF2B5EF4-FFF2-40B4-BE49-F238E27FC236}">
+                <a16:creationId xmlns:a16="http://schemas.microsoft.com/office/drawing/2014/main" id="{2428F84D-45CE-3C45-84B5-F94175D9F08D}"/>
+              </a:ext>
+            </a:extLst>
+          </p:cNvPr>
+          <p:cNvPicPr>
+            <a:picLocks noChangeAspect="1"/>
+          </p:cNvPicPr>
+          <p:nvPr/>
+        </p:nvPicPr>
+        <p:blipFill>
+          <a:blip r:embed="rId3"/>
+          <a:stretch>
+            <a:fillRect/>
+          </a:stretch>
+        </p:blipFill>
+        <p:spPr>
+          <a:xfrm>
+            <a:off x="117748" y="5589240"/>
+            <a:ext cx="1152128" cy="1180931"/>
+          </a:xfrm>
+          <a:prstGeom prst="rect">
+            <a:avLst/>
+          </a:prstGeom>
+          <a:ln>
+            <a:noFill/>
+          </a:ln>
+          <a:effectLst>
+            <a:softEdge rad="112500"/>
+          </a:effectLst>
+        </p:spPr>
+      </p:pic>
+      <p:sp>
+        <p:nvSpPr>
+          <p:cNvPr id="6" name="Subtitle 2">
+            <a:extLst>
+              <a:ext uri="{FF2B5EF4-FFF2-40B4-BE49-F238E27FC236}">
+                <a16:creationId xmlns:a16="http://schemas.microsoft.com/office/drawing/2014/main" id="{F2986AB8-D610-339E-B15B-9B6D8A281ECD}"/>
+              </a:ext>
+            </a:extLst>
+          </p:cNvPr>
+          <p:cNvSpPr txBox="1">
+            <a:spLocks/>
+          </p:cNvSpPr>
+          <p:nvPr/>
+        </p:nvSpPr>
+        <p:spPr>
+          <a:xfrm>
+            <a:off x="-1022" y="1484784"/>
+            <a:ext cx="1701923" cy="1368152"/>
+          </a:xfrm>
+          <a:prstGeom prst="rect">
+            <a:avLst/>
+          </a:prstGeom>
+        </p:spPr>
+        <p:style>
+          <a:lnRef idx="0">
+            <a:schemeClr val="accent2"/>
+          </a:lnRef>
+          <a:fillRef idx="3">
+            <a:schemeClr val="accent2"/>
+          </a:fillRef>
+          <a:effectRef idx="3">
+            <a:schemeClr val="accent2"/>
+          </a:effectRef>
+          <a:fontRef idx="minor">
+            <a:schemeClr val="lt1"/>
+          </a:fontRef>
+        </p:style>
+        <p:txBody>
+          <a:bodyPr vert="horz" lIns="91440" tIns="45720" rIns="91440" bIns="45720" rtlCol="0" anchor="ctr">
+            <a:normAutofit fontScale="92500"/>
+          </a:bodyPr>
+          <a:lstStyle>
+            <a:lvl1pPr marL="246888" indent="-246888" algn="l" defTabSz="914400" rtl="0" eaLnBrk="1" latinLnBrk="0" hangingPunct="1">
+              <a:lnSpc>
+                <a:spcPct val="90000"/>
+              </a:lnSpc>
+              <a:spcBef>
+                <a:spcPts val="1400"/>
+              </a:spcBef>
+              <a:buFont typeface="Euphemia" pitchFamily="34" charset="0"/>
+              <a:buChar char="›"/>
+              <a:defRPr sz="2800" kern="1200">
+                <a:solidFill>
+                  <a:schemeClr val="lt1"/>
+                </a:solidFill>
+                <a:latin typeface="+mn-lt"/>
+                <a:ea typeface="+mn-ea"/>
+                <a:cs typeface="+mn-cs"/>
+              </a:defRPr>
+            </a:lvl1pPr>
+            <a:lvl2pPr marL="612648" indent="-246888" algn="l" defTabSz="914400" rtl="0" eaLnBrk="1" latinLnBrk="0" hangingPunct="1">
+              <a:lnSpc>
+                <a:spcPct val="90000"/>
+              </a:lnSpc>
+              <a:spcBef>
+                <a:spcPts val="600"/>
+              </a:spcBef>
+              <a:buFont typeface="Euphemia" pitchFamily="34" charset="0"/>
+              <a:buChar char="–"/>
+              <a:defRPr sz="2400" kern="1200">
+                <a:solidFill>
+                  <a:schemeClr val="lt1"/>
+                </a:solidFill>
+                <a:latin typeface="+mn-lt"/>
+                <a:ea typeface="+mn-ea"/>
+                <a:cs typeface="+mn-cs"/>
+              </a:defRPr>
+            </a:lvl2pPr>
+            <a:lvl3pPr marL="978408" indent="-246888" algn="l" defTabSz="914400" rtl="0" eaLnBrk="1" latinLnBrk="0" hangingPunct="1">
+              <a:lnSpc>
+                <a:spcPct val="90000"/>
+              </a:lnSpc>
+              <a:spcBef>
+                <a:spcPts val="600"/>
+              </a:spcBef>
+              <a:buFont typeface="Euphemia" pitchFamily="34" charset="0"/>
+              <a:buChar char="›"/>
+              <a:defRPr sz="2000" kern="1200">
+                <a:solidFill>
+                  <a:schemeClr val="lt1"/>
+                </a:solidFill>
+                <a:latin typeface="+mn-lt"/>
+                <a:ea typeface="+mn-ea"/>
+                <a:cs typeface="+mn-cs"/>
+              </a:defRPr>
+            </a:lvl3pPr>
+            <a:lvl4pPr marL="1344168" indent="-246888" algn="l" defTabSz="914400" rtl="0" eaLnBrk="1" latinLnBrk="0" hangingPunct="1">
+              <a:lnSpc>
+                <a:spcPct val="90000"/>
+              </a:lnSpc>
+              <a:spcBef>
+                <a:spcPts val="600"/>
+              </a:spcBef>
+              <a:buFont typeface="Arial" pitchFamily="34" charset="0"/>
+              <a:buChar char="–"/>
+              <a:defRPr sz="1800" kern="1200">
+                <a:solidFill>
+                  <a:schemeClr val="lt1"/>
+                </a:solidFill>
+                <a:latin typeface="+mn-lt"/>
+                <a:ea typeface="+mn-ea"/>
+                <a:cs typeface="+mn-cs"/>
+              </a:defRPr>
+            </a:lvl4pPr>
+            <a:lvl5pPr marL="1709928" indent="-246888" algn="l" defTabSz="914400" rtl="0" eaLnBrk="1" latinLnBrk="0" hangingPunct="1">
+              <a:lnSpc>
+                <a:spcPct val="90000"/>
+              </a:lnSpc>
+              <a:spcBef>
+                <a:spcPts val="600"/>
+              </a:spcBef>
+              <a:buFont typeface="Euphemia" pitchFamily="34" charset="0"/>
+              <a:buChar char="›"/>
+              <a:defRPr sz="1800" kern="1200">
+                <a:solidFill>
+                  <a:schemeClr val="lt1"/>
+                </a:solidFill>
+                <a:latin typeface="+mn-lt"/>
+                <a:ea typeface="+mn-ea"/>
+                <a:cs typeface="+mn-cs"/>
+              </a:defRPr>
+            </a:lvl5pPr>
+            <a:lvl6pPr marL="2075688" indent="-246888" algn="l" defTabSz="914400" rtl="0" eaLnBrk="1" latinLnBrk="0" hangingPunct="1">
+              <a:lnSpc>
+                <a:spcPct val="90000"/>
+              </a:lnSpc>
+              <a:spcBef>
+                <a:spcPts val="600"/>
+              </a:spcBef>
+              <a:buFont typeface="Euphemia" pitchFamily="34" charset="0"/>
+              <a:buChar char="–"/>
+              <a:defRPr sz="1800" kern="1200">
+                <a:solidFill>
+                  <a:schemeClr val="lt1"/>
+                </a:solidFill>
+                <a:latin typeface="+mn-lt"/>
+                <a:ea typeface="+mn-ea"/>
+                <a:cs typeface="+mn-cs"/>
+              </a:defRPr>
+            </a:lvl6pPr>
+            <a:lvl7pPr marL="2441448" indent="-246888" algn="l" defTabSz="914400" rtl="0" eaLnBrk="1" latinLnBrk="0" hangingPunct="1">
+              <a:lnSpc>
+                <a:spcPct val="90000"/>
+              </a:lnSpc>
+              <a:spcBef>
+                <a:spcPts val="600"/>
+              </a:spcBef>
+              <a:buFont typeface="Euphemia" pitchFamily="34" charset="0"/>
+              <a:buChar char="›"/>
+              <a:defRPr sz="1800" kern="1200">
+                <a:solidFill>
+                  <a:schemeClr val="lt1"/>
+                </a:solidFill>
+                <a:latin typeface="+mn-lt"/>
+                <a:ea typeface="+mn-ea"/>
+                <a:cs typeface="+mn-cs"/>
+              </a:defRPr>
+            </a:lvl7pPr>
+            <a:lvl8pPr marL="2807208" indent="-246888" algn="l" defTabSz="914400" rtl="0" eaLnBrk="1" latinLnBrk="0" hangingPunct="1">
+              <a:lnSpc>
+                <a:spcPct val="90000"/>
+              </a:lnSpc>
+              <a:spcBef>
+                <a:spcPts val="600"/>
+              </a:spcBef>
+              <a:buFont typeface="Euphemia" pitchFamily="34" charset="0"/>
+              <a:buChar char="–"/>
+              <a:defRPr sz="1800" kern="1200" baseline="0">
+                <a:solidFill>
+                  <a:schemeClr val="lt1"/>
+                </a:solidFill>
+                <a:latin typeface="+mn-lt"/>
+                <a:ea typeface="+mn-ea"/>
+                <a:cs typeface="+mn-cs"/>
+              </a:defRPr>
+            </a:lvl8pPr>
+            <a:lvl9pPr marL="3172968" indent="-246888" algn="l" defTabSz="914400" rtl="0" eaLnBrk="1" latinLnBrk="0" hangingPunct="1">
+              <a:lnSpc>
+                <a:spcPct val="90000"/>
+              </a:lnSpc>
+              <a:spcBef>
+                <a:spcPts val="600"/>
+              </a:spcBef>
+              <a:buFont typeface="Euphemia" pitchFamily="34" charset="0"/>
+              <a:buChar char="›"/>
+              <a:defRPr sz="1800" kern="1200" baseline="0">
+                <a:solidFill>
+                  <a:schemeClr val="lt1"/>
+                </a:solidFill>
+                <a:latin typeface="+mn-lt"/>
+                <a:ea typeface="+mn-ea"/>
+                <a:cs typeface="+mn-cs"/>
+              </a:defRPr>
+            </a:lvl9pPr>
+          </a:lstStyle>
+          <a:p>
+            <a:pPr marL="0" indent="0" algn="ctr">
+              <a:buNone/>
+            </a:pPr>
+            <a:r>
+              <a:rPr lang="en-US" sz="7200" b="1" dirty="0">
+                <a:solidFill>
+                  <a:schemeClr val="tx2">
+                    <a:lumMod val="75000"/>
+                    <a:lumOff val="25000"/>
+                  </a:schemeClr>
+                </a:solidFill>
+              </a:rPr>
+              <a:t>005</a:t>
+            </a:r>
+          </a:p>
+        </p:txBody>
+      </p:sp>
+      <p:sp>
+        <p:nvSpPr>
+          <p:cNvPr id="9" name="Title 12">
+            <a:extLst>
+              <a:ext uri="{FF2B5EF4-FFF2-40B4-BE49-F238E27FC236}">
+                <a16:creationId xmlns:a16="http://schemas.microsoft.com/office/drawing/2014/main" id="{52865F39-2475-9FEB-95AD-449AD8C1014B}"/>
+              </a:ext>
+            </a:extLst>
+          </p:cNvPr>
+          <p:cNvSpPr txBox="1">
+            <a:spLocks/>
+          </p:cNvSpPr>
+          <p:nvPr/>
+        </p:nvSpPr>
+        <p:spPr>
+          <a:xfrm>
+            <a:off x="1773932" y="1484783"/>
+            <a:ext cx="9782801" cy="843659"/>
+          </a:xfrm>
+          <a:prstGeom prst="rect">
+            <a:avLst/>
+          </a:prstGeom>
+        </p:spPr>
+        <p:txBody>
+          <a:bodyPr vert="horz" lIns="91440" tIns="45720" rIns="91440" bIns="45720" rtlCol="0" anchor="ctr">
+            <a:normAutofit fontScale="97500"/>
+          </a:bodyPr>
+          <a:lstStyle>
+            <a:lvl1pPr algn="l" defTabSz="914400" rtl="0" eaLnBrk="1" latinLnBrk="0" hangingPunct="1">
+              <a:lnSpc>
+                <a:spcPct val="90000"/>
+              </a:lnSpc>
+              <a:spcBef>
+                <a:spcPct val="0"/>
+              </a:spcBef>
+              <a:buNone/>
+              <a:defRPr sz="3600" kern="1200">
+                <a:solidFill>
+                  <a:schemeClr val="tx1">
+                    <a:lumMod val="75000"/>
+                  </a:schemeClr>
+                </a:solidFill>
+                <a:latin typeface="+mj-lt"/>
+                <a:ea typeface="+mj-ea"/>
+                <a:cs typeface="+mj-cs"/>
+              </a:defRPr>
+            </a:lvl1pPr>
+          </a:lstStyle>
+          <a:p>
+            <a:r>
+              <a:rPr lang="en-US" sz="4800" b="1" dirty="0"/>
+              <a:t>Using .animate syntax</a:t>
+            </a:r>
+          </a:p>
+        </p:txBody>
+      </p:sp>
+    </p:spTree>
+    <p:extLst>
+      <p:ext uri="{BB962C8B-B14F-4D97-AF65-F5344CB8AC3E}">
+        <p14:creationId xmlns:p14="http://schemas.microsoft.com/office/powerpoint/2010/main" val="2554437319"/>
       </p:ext>
     </p:extLst>
   </p:cSld>

--- a/Manim/Learn Manim Library by Practice.pptx
+++ b/Manim/Learn Manim Library by Practice.pptx
@@ -5,10 +5,10 @@
     <p:sldMasterId id="2147483648" r:id="rId1"/>
   </p:sldMasterIdLst>
   <p:notesMasterIdLst>
-    <p:notesMasterId r:id="rId7"/>
+    <p:notesMasterId r:id="rId14"/>
   </p:notesMasterIdLst>
   <p:handoutMasterIdLst>
-    <p:handoutMasterId r:id="rId8"/>
+    <p:handoutMasterId r:id="rId15"/>
   </p:handoutMasterIdLst>
   <p:sldIdLst>
     <p:sldId id="256" r:id="rId2"/>
@@ -16,6 +16,13 @@
     <p:sldId id="268" r:id="rId4"/>
     <p:sldId id="269" r:id="rId5"/>
     <p:sldId id="270" r:id="rId6"/>
+    <p:sldId id="271" r:id="rId7"/>
+    <p:sldId id="273" r:id="rId8"/>
+    <p:sldId id="274" r:id="rId9"/>
+    <p:sldId id="275" r:id="rId10"/>
+    <p:sldId id="276" r:id="rId11"/>
+    <p:sldId id="277" r:id="rId12"/>
+    <p:sldId id="272" r:id="rId13"/>
   </p:sldIdLst>
   <p:sldSz cx="12188825" cy="6858000"/>
   <p:notesSz cx="6858000" cy="9144000"/>
@@ -115,6 +122,30 @@
     </a:lvl9pPr>
   </p:defaultTextStyle>
   <p:extLst>
+    <p:ext uri="{521415D9-36F7-43E2-AB2F-B90AF26B5E84}">
+      <p14:sectionLst xmlns:p14="http://schemas.microsoft.com/office/powerpoint/2010/main">
+        <p14:section name="Default Section" id="{31C25DE4-BCB6-4E87-9795-4A924227221D}">
+          <p14:sldIdLst>
+            <p14:sldId id="256"/>
+            <p14:sldId id="267"/>
+            <p14:sldId id="268"/>
+            <p14:sldId id="269"/>
+            <p14:sldId id="270"/>
+            <p14:sldId id="271"/>
+            <p14:sldId id="273"/>
+            <p14:sldId id="274"/>
+            <p14:sldId id="275"/>
+            <p14:sldId id="276"/>
+            <p14:sldId id="277"/>
+          </p14:sldIdLst>
+        </p14:section>
+        <p14:section name="Udemy" id="{61D4A0FB-23D1-4A58-B3C6-86E5BDFA3F31}">
+          <p14:sldIdLst>
+            <p14:sldId id="272"/>
+          </p14:sldIdLst>
+        </p14:section>
+      </p14:sectionLst>
+    </p:ext>
     <p:ext uri="{EFAFB233-063F-42B5-8137-9DF3F51BA10A}">
       <p15:sldGuideLst xmlns:p15="http://schemas.microsoft.com/office/powerpoint/2012/main">
         <p15:guide id="1" orient="horz" pos="2160">
@@ -7771,6 +7802,1184 @@
 </p:sld>
 </file>
 
+<file path=ppt/slides/slide10.xml><?xml version="1.0" encoding="utf-8"?>
+<p:sld xmlns:a="http://schemas.openxmlformats.org/drawingml/2006/main" xmlns:r="http://schemas.openxmlformats.org/officeDocument/2006/relationships" xmlns:p="http://schemas.openxmlformats.org/presentationml/2006/main">
+  <p:cSld>
+    <p:spTree>
+      <p:nvGrpSpPr>
+        <p:cNvPr id="1" name="">
+          <a:extLst>
+            <a:ext uri="{FF2B5EF4-FFF2-40B4-BE49-F238E27FC236}">
+              <a16:creationId xmlns:a16="http://schemas.microsoft.com/office/drawing/2014/main" id="{C33898AC-2BCA-F8C5-9D72-14C86A4F1A17}"/>
+            </a:ext>
+          </a:extLst>
+        </p:cNvPr>
+        <p:cNvGrpSpPr/>
+        <p:nvPr/>
+      </p:nvGrpSpPr>
+      <p:grpSpPr>
+        <a:xfrm>
+          <a:off x="0" y="0"/>
+          <a:ext cx="0" cy="0"/>
+          <a:chOff x="0" y="0"/>
+          <a:chExt cx="0" cy="0"/>
+        </a:xfrm>
+      </p:grpSpPr>
+      <p:sp>
+        <p:nvSpPr>
+          <p:cNvPr id="13" name="Title 12">
+            <a:extLst>
+              <a:ext uri="{FF2B5EF4-FFF2-40B4-BE49-F238E27FC236}">
+                <a16:creationId xmlns:a16="http://schemas.microsoft.com/office/drawing/2014/main" id="{A3B99D8C-9C86-CC2F-1571-0AF29872C7BA}"/>
+              </a:ext>
+            </a:extLst>
+          </p:cNvPr>
+          <p:cNvSpPr>
+            <a:spLocks noGrp="1"/>
+          </p:cNvSpPr>
+          <p:nvPr>
+            <p:ph type="title"/>
+          </p:nvPr>
+        </p:nvSpPr>
+        <p:spPr>
+          <a:xfrm>
+            <a:off x="1593436" y="260649"/>
+            <a:ext cx="6174521" cy="864096"/>
+          </a:xfrm>
+        </p:spPr>
+        <p:txBody>
+          <a:bodyPr anchor="ctr">
+            <a:normAutofit fontScale="90000"/>
+          </a:bodyPr>
+          <a:lstStyle/>
+          <a:p>
+            <a:r>
+              <a:rPr lang="en-US" sz="6000" b="1" dirty="0">
+                <a:latin typeface="ADLaM Display" panose="02010000000000000000" pitchFamily="2" charset="0"/>
+                <a:ea typeface="ADLaM Display" panose="02010000000000000000" pitchFamily="2" charset="0"/>
+                <a:cs typeface="ADLaM Display" panose="02010000000000000000" pitchFamily="2" charset="0"/>
+              </a:rPr>
+              <a:t>Learning Manim</a:t>
+            </a:r>
+          </a:p>
+        </p:txBody>
+      </p:sp>
+      <p:pic>
+        <p:nvPicPr>
+          <p:cNvPr id="4" name="Picture 3">
+            <a:extLst>
+              <a:ext uri="{FF2B5EF4-FFF2-40B4-BE49-F238E27FC236}">
+                <a16:creationId xmlns:a16="http://schemas.microsoft.com/office/drawing/2014/main" id="{C0D53430-BE0B-F7F9-29BF-C83CAF6B79ED}"/>
+              </a:ext>
+            </a:extLst>
+          </p:cNvPr>
+          <p:cNvPicPr>
+            <a:picLocks noChangeAspect="1"/>
+          </p:cNvPicPr>
+          <p:nvPr/>
+        </p:nvPicPr>
+        <p:blipFill>
+          <a:blip r:embed="rId2"/>
+          <a:stretch>
+            <a:fillRect/>
+          </a:stretch>
+        </p:blipFill>
+        <p:spPr>
+          <a:xfrm>
+            <a:off x="7767957" y="83058"/>
+            <a:ext cx="4420868" cy="1512168"/>
+          </a:xfrm>
+          <a:prstGeom prst="rect">
+            <a:avLst/>
+          </a:prstGeom>
+        </p:spPr>
+      </p:pic>
+      <p:pic>
+        <p:nvPicPr>
+          <p:cNvPr id="5" name="Picture 4">
+            <a:extLst>
+              <a:ext uri="{FF2B5EF4-FFF2-40B4-BE49-F238E27FC236}">
+                <a16:creationId xmlns:a16="http://schemas.microsoft.com/office/drawing/2014/main" id="{8CCB357B-CADC-6F6A-E801-F7D91BAFC98A}"/>
+              </a:ext>
+            </a:extLst>
+          </p:cNvPr>
+          <p:cNvPicPr>
+            <a:picLocks noChangeAspect="1"/>
+          </p:cNvPicPr>
+          <p:nvPr/>
+        </p:nvPicPr>
+        <p:blipFill>
+          <a:blip r:embed="rId3"/>
+          <a:stretch>
+            <a:fillRect/>
+          </a:stretch>
+        </p:blipFill>
+        <p:spPr>
+          <a:xfrm>
+            <a:off x="117748" y="5589240"/>
+            <a:ext cx="1152128" cy="1180931"/>
+          </a:xfrm>
+          <a:prstGeom prst="rect">
+            <a:avLst/>
+          </a:prstGeom>
+          <a:ln>
+            <a:noFill/>
+          </a:ln>
+          <a:effectLst>
+            <a:softEdge rad="112500"/>
+          </a:effectLst>
+        </p:spPr>
+      </p:pic>
+      <p:sp>
+        <p:nvSpPr>
+          <p:cNvPr id="6" name="Subtitle 2">
+            <a:extLst>
+              <a:ext uri="{FF2B5EF4-FFF2-40B4-BE49-F238E27FC236}">
+                <a16:creationId xmlns:a16="http://schemas.microsoft.com/office/drawing/2014/main" id="{6F5582DE-161D-DD28-D3D4-BE3AADCB27B4}"/>
+              </a:ext>
+            </a:extLst>
+          </p:cNvPr>
+          <p:cNvSpPr txBox="1">
+            <a:spLocks/>
+          </p:cNvSpPr>
+          <p:nvPr/>
+        </p:nvSpPr>
+        <p:spPr>
+          <a:xfrm>
+            <a:off x="-1022" y="1484784"/>
+            <a:ext cx="1701923" cy="1368152"/>
+          </a:xfrm>
+          <a:prstGeom prst="rect">
+            <a:avLst/>
+          </a:prstGeom>
+        </p:spPr>
+        <p:style>
+          <a:lnRef idx="0">
+            <a:schemeClr val="accent2"/>
+          </a:lnRef>
+          <a:fillRef idx="3">
+            <a:schemeClr val="accent2"/>
+          </a:fillRef>
+          <a:effectRef idx="3">
+            <a:schemeClr val="accent2"/>
+          </a:effectRef>
+          <a:fontRef idx="minor">
+            <a:schemeClr val="lt1"/>
+          </a:fontRef>
+        </p:style>
+        <p:txBody>
+          <a:bodyPr vert="horz" lIns="91440" tIns="45720" rIns="91440" bIns="45720" rtlCol="0" anchor="ctr">
+            <a:normAutofit fontScale="92500"/>
+          </a:bodyPr>
+          <a:lstStyle>
+            <a:lvl1pPr marL="246888" indent="-246888" algn="l" defTabSz="914400" rtl="0" eaLnBrk="1" latinLnBrk="0" hangingPunct="1">
+              <a:lnSpc>
+                <a:spcPct val="90000"/>
+              </a:lnSpc>
+              <a:spcBef>
+                <a:spcPts val="1400"/>
+              </a:spcBef>
+              <a:buFont typeface="Euphemia" pitchFamily="34" charset="0"/>
+              <a:buChar char="›"/>
+              <a:defRPr sz="2800" kern="1200">
+                <a:solidFill>
+                  <a:schemeClr val="lt1"/>
+                </a:solidFill>
+                <a:latin typeface="+mn-lt"/>
+                <a:ea typeface="+mn-ea"/>
+                <a:cs typeface="+mn-cs"/>
+              </a:defRPr>
+            </a:lvl1pPr>
+            <a:lvl2pPr marL="612648" indent="-246888" algn="l" defTabSz="914400" rtl="0" eaLnBrk="1" latinLnBrk="0" hangingPunct="1">
+              <a:lnSpc>
+                <a:spcPct val="90000"/>
+              </a:lnSpc>
+              <a:spcBef>
+                <a:spcPts val="600"/>
+              </a:spcBef>
+              <a:buFont typeface="Euphemia" pitchFamily="34" charset="0"/>
+              <a:buChar char="–"/>
+              <a:defRPr sz="2400" kern="1200">
+                <a:solidFill>
+                  <a:schemeClr val="lt1"/>
+                </a:solidFill>
+                <a:latin typeface="+mn-lt"/>
+                <a:ea typeface="+mn-ea"/>
+                <a:cs typeface="+mn-cs"/>
+              </a:defRPr>
+            </a:lvl2pPr>
+            <a:lvl3pPr marL="978408" indent="-246888" algn="l" defTabSz="914400" rtl="0" eaLnBrk="1" latinLnBrk="0" hangingPunct="1">
+              <a:lnSpc>
+                <a:spcPct val="90000"/>
+              </a:lnSpc>
+              <a:spcBef>
+                <a:spcPts val="600"/>
+              </a:spcBef>
+              <a:buFont typeface="Euphemia" pitchFamily="34" charset="0"/>
+              <a:buChar char="›"/>
+              <a:defRPr sz="2000" kern="1200">
+                <a:solidFill>
+                  <a:schemeClr val="lt1"/>
+                </a:solidFill>
+                <a:latin typeface="+mn-lt"/>
+                <a:ea typeface="+mn-ea"/>
+                <a:cs typeface="+mn-cs"/>
+              </a:defRPr>
+            </a:lvl3pPr>
+            <a:lvl4pPr marL="1344168" indent="-246888" algn="l" defTabSz="914400" rtl="0" eaLnBrk="1" latinLnBrk="0" hangingPunct="1">
+              <a:lnSpc>
+                <a:spcPct val="90000"/>
+              </a:lnSpc>
+              <a:spcBef>
+                <a:spcPts val="600"/>
+              </a:spcBef>
+              <a:buFont typeface="Arial" pitchFamily="34" charset="0"/>
+              <a:buChar char="–"/>
+              <a:defRPr sz="1800" kern="1200">
+                <a:solidFill>
+                  <a:schemeClr val="lt1"/>
+                </a:solidFill>
+                <a:latin typeface="+mn-lt"/>
+                <a:ea typeface="+mn-ea"/>
+                <a:cs typeface="+mn-cs"/>
+              </a:defRPr>
+            </a:lvl4pPr>
+            <a:lvl5pPr marL="1709928" indent="-246888" algn="l" defTabSz="914400" rtl="0" eaLnBrk="1" latinLnBrk="0" hangingPunct="1">
+              <a:lnSpc>
+                <a:spcPct val="90000"/>
+              </a:lnSpc>
+              <a:spcBef>
+                <a:spcPts val="600"/>
+              </a:spcBef>
+              <a:buFont typeface="Euphemia" pitchFamily="34" charset="0"/>
+              <a:buChar char="›"/>
+              <a:defRPr sz="1800" kern="1200">
+                <a:solidFill>
+                  <a:schemeClr val="lt1"/>
+                </a:solidFill>
+                <a:latin typeface="+mn-lt"/>
+                <a:ea typeface="+mn-ea"/>
+                <a:cs typeface="+mn-cs"/>
+              </a:defRPr>
+            </a:lvl5pPr>
+            <a:lvl6pPr marL="2075688" indent="-246888" algn="l" defTabSz="914400" rtl="0" eaLnBrk="1" latinLnBrk="0" hangingPunct="1">
+              <a:lnSpc>
+                <a:spcPct val="90000"/>
+              </a:lnSpc>
+              <a:spcBef>
+                <a:spcPts val="600"/>
+              </a:spcBef>
+              <a:buFont typeface="Euphemia" pitchFamily="34" charset="0"/>
+              <a:buChar char="–"/>
+              <a:defRPr sz="1800" kern="1200">
+                <a:solidFill>
+                  <a:schemeClr val="lt1"/>
+                </a:solidFill>
+                <a:latin typeface="+mn-lt"/>
+                <a:ea typeface="+mn-ea"/>
+                <a:cs typeface="+mn-cs"/>
+              </a:defRPr>
+            </a:lvl6pPr>
+            <a:lvl7pPr marL="2441448" indent="-246888" algn="l" defTabSz="914400" rtl="0" eaLnBrk="1" latinLnBrk="0" hangingPunct="1">
+              <a:lnSpc>
+                <a:spcPct val="90000"/>
+              </a:lnSpc>
+              <a:spcBef>
+                <a:spcPts val="600"/>
+              </a:spcBef>
+              <a:buFont typeface="Euphemia" pitchFamily="34" charset="0"/>
+              <a:buChar char="›"/>
+              <a:defRPr sz="1800" kern="1200">
+                <a:solidFill>
+                  <a:schemeClr val="lt1"/>
+                </a:solidFill>
+                <a:latin typeface="+mn-lt"/>
+                <a:ea typeface="+mn-ea"/>
+                <a:cs typeface="+mn-cs"/>
+              </a:defRPr>
+            </a:lvl7pPr>
+            <a:lvl8pPr marL="2807208" indent="-246888" algn="l" defTabSz="914400" rtl="0" eaLnBrk="1" latinLnBrk="0" hangingPunct="1">
+              <a:lnSpc>
+                <a:spcPct val="90000"/>
+              </a:lnSpc>
+              <a:spcBef>
+                <a:spcPts val="600"/>
+              </a:spcBef>
+              <a:buFont typeface="Euphemia" pitchFamily="34" charset="0"/>
+              <a:buChar char="–"/>
+              <a:defRPr sz="1800" kern="1200" baseline="0">
+                <a:solidFill>
+                  <a:schemeClr val="lt1"/>
+                </a:solidFill>
+                <a:latin typeface="+mn-lt"/>
+                <a:ea typeface="+mn-ea"/>
+                <a:cs typeface="+mn-cs"/>
+              </a:defRPr>
+            </a:lvl8pPr>
+            <a:lvl9pPr marL="3172968" indent="-246888" algn="l" defTabSz="914400" rtl="0" eaLnBrk="1" latinLnBrk="0" hangingPunct="1">
+              <a:lnSpc>
+                <a:spcPct val="90000"/>
+              </a:lnSpc>
+              <a:spcBef>
+                <a:spcPts val="600"/>
+              </a:spcBef>
+              <a:buFont typeface="Euphemia" pitchFamily="34" charset="0"/>
+              <a:buChar char="›"/>
+              <a:defRPr sz="1800" kern="1200" baseline="0">
+                <a:solidFill>
+                  <a:schemeClr val="lt1"/>
+                </a:solidFill>
+                <a:latin typeface="+mn-lt"/>
+                <a:ea typeface="+mn-ea"/>
+                <a:cs typeface="+mn-cs"/>
+              </a:defRPr>
+            </a:lvl9pPr>
+          </a:lstStyle>
+          <a:p>
+            <a:pPr marL="0" indent="0" algn="ctr">
+              <a:buNone/>
+            </a:pPr>
+            <a:r>
+              <a:rPr lang="en-US" sz="7200" b="1" dirty="0">
+                <a:solidFill>
+                  <a:schemeClr val="tx2">
+                    <a:lumMod val="75000"/>
+                    <a:lumOff val="25000"/>
+                  </a:schemeClr>
+                </a:solidFill>
+              </a:rPr>
+              <a:t>010</a:t>
+            </a:r>
+          </a:p>
+        </p:txBody>
+      </p:sp>
+      <p:sp>
+        <p:nvSpPr>
+          <p:cNvPr id="9" name="Title 12">
+            <a:extLst>
+              <a:ext uri="{FF2B5EF4-FFF2-40B4-BE49-F238E27FC236}">
+                <a16:creationId xmlns:a16="http://schemas.microsoft.com/office/drawing/2014/main" id="{7E8DE680-F178-94F4-6799-177F948D4631}"/>
+              </a:ext>
+            </a:extLst>
+          </p:cNvPr>
+          <p:cNvSpPr txBox="1">
+            <a:spLocks/>
+          </p:cNvSpPr>
+          <p:nvPr/>
+        </p:nvSpPr>
+        <p:spPr>
+          <a:xfrm>
+            <a:off x="1773932" y="1124744"/>
+            <a:ext cx="9782801" cy="843659"/>
+          </a:xfrm>
+          <a:prstGeom prst="rect">
+            <a:avLst/>
+          </a:prstGeom>
+        </p:spPr>
+        <p:txBody>
+          <a:bodyPr vert="horz" lIns="91440" tIns="45720" rIns="91440" bIns="45720" rtlCol="0" anchor="ctr">
+            <a:normAutofit fontScale="97500"/>
+          </a:bodyPr>
+          <a:lstStyle>
+            <a:lvl1pPr algn="l" defTabSz="914400" rtl="0" eaLnBrk="1" latinLnBrk="0" hangingPunct="1">
+              <a:lnSpc>
+                <a:spcPct val="90000"/>
+              </a:lnSpc>
+              <a:spcBef>
+                <a:spcPct val="0"/>
+              </a:spcBef>
+              <a:buNone/>
+              <a:defRPr sz="3600" kern="1200">
+                <a:solidFill>
+                  <a:schemeClr val="tx1">
+                    <a:lumMod val="75000"/>
+                  </a:schemeClr>
+                </a:solidFill>
+                <a:latin typeface="+mj-lt"/>
+                <a:ea typeface="+mj-ea"/>
+                <a:cs typeface="+mj-cs"/>
+              </a:defRPr>
+            </a:lvl1pPr>
+          </a:lstStyle>
+          <a:p>
+            <a:r>
+              <a:rPr lang="en-US" sz="4800" b="1" dirty="0"/>
+              <a:t>Example: Union</a:t>
+            </a:r>
+          </a:p>
+        </p:txBody>
+      </p:sp>
+      <p:pic>
+        <p:nvPicPr>
+          <p:cNvPr id="7" name="Picture 6">
+            <a:extLst>
+              <a:ext uri="{FF2B5EF4-FFF2-40B4-BE49-F238E27FC236}">
+                <a16:creationId xmlns:a16="http://schemas.microsoft.com/office/drawing/2014/main" id="{FE9AE061-0F77-12C8-2B2F-5855F2A5EA0B}"/>
+              </a:ext>
+            </a:extLst>
+          </p:cNvPr>
+          <p:cNvPicPr>
+            <a:picLocks noChangeAspect="1"/>
+          </p:cNvPicPr>
+          <p:nvPr/>
+        </p:nvPicPr>
+        <p:blipFill>
+          <a:blip r:embed="rId4"/>
+          <a:stretch>
+            <a:fillRect/>
+          </a:stretch>
+        </p:blipFill>
+        <p:spPr>
+          <a:xfrm>
+            <a:off x="2133972" y="1968403"/>
+            <a:ext cx="8157881" cy="4778813"/>
+          </a:xfrm>
+          <a:prstGeom prst="rect">
+            <a:avLst/>
+          </a:prstGeom>
+          <a:ln>
+            <a:noFill/>
+          </a:ln>
+          <a:effectLst>
+            <a:outerShdw blurRad="292100" dist="139700" dir="2700000" algn="tl" rotWithShape="0">
+              <a:srgbClr val="333333">
+                <a:alpha val="65000"/>
+              </a:srgbClr>
+            </a:outerShdw>
+          </a:effectLst>
+        </p:spPr>
+      </p:pic>
+    </p:spTree>
+    <p:extLst>
+      <p:ext uri="{BB962C8B-B14F-4D97-AF65-F5344CB8AC3E}">
+        <p14:creationId xmlns:p14="http://schemas.microsoft.com/office/powerpoint/2010/main" val="2981568777"/>
+      </p:ext>
+    </p:extLst>
+  </p:cSld>
+  <p:clrMapOvr>
+    <a:masterClrMapping/>
+  </p:clrMapOvr>
+  <mc:AlternateContent xmlns:mc="http://schemas.openxmlformats.org/markup-compatibility/2006">
+    <mc:Choice xmlns:p14="http://schemas.microsoft.com/office/powerpoint/2010/main" Requires="p14">
+      <p:transition spd="med" p14:dur="700">
+        <p:fade/>
+      </p:transition>
+    </mc:Choice>
+    <mc:Fallback>
+      <p:transition spd="med">
+        <p:fade/>
+      </p:transition>
+    </mc:Fallback>
+  </mc:AlternateContent>
+</p:sld>
+</file>
+
+<file path=ppt/slides/slide11.xml><?xml version="1.0" encoding="utf-8"?>
+<p:sld xmlns:a="http://schemas.openxmlformats.org/drawingml/2006/main" xmlns:r="http://schemas.openxmlformats.org/officeDocument/2006/relationships" xmlns:p="http://schemas.openxmlformats.org/presentationml/2006/main">
+  <p:cSld>
+    <p:spTree>
+      <p:nvGrpSpPr>
+        <p:cNvPr id="1" name="">
+          <a:extLst>
+            <a:ext uri="{FF2B5EF4-FFF2-40B4-BE49-F238E27FC236}">
+              <a16:creationId xmlns:a16="http://schemas.microsoft.com/office/drawing/2014/main" id="{4851099B-C6E0-FF03-3034-D29ADC2B5EC1}"/>
+            </a:ext>
+          </a:extLst>
+        </p:cNvPr>
+        <p:cNvGrpSpPr/>
+        <p:nvPr/>
+      </p:nvGrpSpPr>
+      <p:grpSpPr>
+        <a:xfrm>
+          <a:off x="0" y="0"/>
+          <a:ext cx="0" cy="0"/>
+          <a:chOff x="0" y="0"/>
+          <a:chExt cx="0" cy="0"/>
+        </a:xfrm>
+      </p:grpSpPr>
+      <p:sp>
+        <p:nvSpPr>
+          <p:cNvPr id="13" name="Title 12">
+            <a:extLst>
+              <a:ext uri="{FF2B5EF4-FFF2-40B4-BE49-F238E27FC236}">
+                <a16:creationId xmlns:a16="http://schemas.microsoft.com/office/drawing/2014/main" id="{922F7906-7CAF-6FE4-010B-9883A42690A7}"/>
+              </a:ext>
+            </a:extLst>
+          </p:cNvPr>
+          <p:cNvSpPr>
+            <a:spLocks noGrp="1"/>
+          </p:cNvSpPr>
+          <p:nvPr>
+            <p:ph type="title"/>
+          </p:nvPr>
+        </p:nvSpPr>
+        <p:spPr>
+          <a:xfrm>
+            <a:off x="1593436" y="260649"/>
+            <a:ext cx="6174521" cy="864096"/>
+          </a:xfrm>
+        </p:spPr>
+        <p:txBody>
+          <a:bodyPr anchor="ctr">
+            <a:normAutofit fontScale="90000"/>
+          </a:bodyPr>
+          <a:lstStyle/>
+          <a:p>
+            <a:r>
+              <a:rPr lang="en-US" sz="6000" b="1" dirty="0">
+                <a:latin typeface="ADLaM Display" panose="02010000000000000000" pitchFamily="2" charset="0"/>
+                <a:ea typeface="ADLaM Display" panose="02010000000000000000" pitchFamily="2" charset="0"/>
+                <a:cs typeface="ADLaM Display" panose="02010000000000000000" pitchFamily="2" charset="0"/>
+              </a:rPr>
+              <a:t>Learning Manim</a:t>
+            </a:r>
+          </a:p>
+        </p:txBody>
+      </p:sp>
+      <p:pic>
+        <p:nvPicPr>
+          <p:cNvPr id="4" name="Picture 3">
+            <a:extLst>
+              <a:ext uri="{FF2B5EF4-FFF2-40B4-BE49-F238E27FC236}">
+                <a16:creationId xmlns:a16="http://schemas.microsoft.com/office/drawing/2014/main" id="{94E304D6-769F-6172-B9D2-413E0284453C}"/>
+              </a:ext>
+            </a:extLst>
+          </p:cNvPr>
+          <p:cNvPicPr>
+            <a:picLocks noChangeAspect="1"/>
+          </p:cNvPicPr>
+          <p:nvPr/>
+        </p:nvPicPr>
+        <p:blipFill>
+          <a:blip r:embed="rId2"/>
+          <a:stretch>
+            <a:fillRect/>
+          </a:stretch>
+        </p:blipFill>
+        <p:spPr>
+          <a:xfrm>
+            <a:off x="7767957" y="83058"/>
+            <a:ext cx="4420868" cy="1512168"/>
+          </a:xfrm>
+          <a:prstGeom prst="rect">
+            <a:avLst/>
+          </a:prstGeom>
+        </p:spPr>
+      </p:pic>
+      <p:pic>
+        <p:nvPicPr>
+          <p:cNvPr id="5" name="Picture 4">
+            <a:extLst>
+              <a:ext uri="{FF2B5EF4-FFF2-40B4-BE49-F238E27FC236}">
+                <a16:creationId xmlns:a16="http://schemas.microsoft.com/office/drawing/2014/main" id="{E6A4E5CB-67BD-58E1-7409-AC8205C6E342}"/>
+              </a:ext>
+            </a:extLst>
+          </p:cNvPr>
+          <p:cNvPicPr>
+            <a:picLocks noChangeAspect="1"/>
+          </p:cNvPicPr>
+          <p:nvPr/>
+        </p:nvPicPr>
+        <p:blipFill>
+          <a:blip r:embed="rId3"/>
+          <a:stretch>
+            <a:fillRect/>
+          </a:stretch>
+        </p:blipFill>
+        <p:spPr>
+          <a:xfrm>
+            <a:off x="117748" y="5589240"/>
+            <a:ext cx="1152128" cy="1180931"/>
+          </a:xfrm>
+          <a:prstGeom prst="rect">
+            <a:avLst/>
+          </a:prstGeom>
+          <a:ln>
+            <a:noFill/>
+          </a:ln>
+          <a:effectLst>
+            <a:softEdge rad="112500"/>
+          </a:effectLst>
+        </p:spPr>
+      </p:pic>
+      <p:sp>
+        <p:nvSpPr>
+          <p:cNvPr id="6" name="Subtitle 2">
+            <a:extLst>
+              <a:ext uri="{FF2B5EF4-FFF2-40B4-BE49-F238E27FC236}">
+                <a16:creationId xmlns:a16="http://schemas.microsoft.com/office/drawing/2014/main" id="{54A8BE61-2C87-8B5A-3CA9-EC94114E0284}"/>
+              </a:ext>
+            </a:extLst>
+          </p:cNvPr>
+          <p:cNvSpPr txBox="1">
+            <a:spLocks/>
+          </p:cNvSpPr>
+          <p:nvPr/>
+        </p:nvSpPr>
+        <p:spPr>
+          <a:xfrm>
+            <a:off x="-1022" y="1484784"/>
+            <a:ext cx="1701923" cy="1368152"/>
+          </a:xfrm>
+          <a:prstGeom prst="rect">
+            <a:avLst/>
+          </a:prstGeom>
+        </p:spPr>
+        <p:style>
+          <a:lnRef idx="0">
+            <a:schemeClr val="accent2"/>
+          </a:lnRef>
+          <a:fillRef idx="3">
+            <a:schemeClr val="accent2"/>
+          </a:fillRef>
+          <a:effectRef idx="3">
+            <a:schemeClr val="accent2"/>
+          </a:effectRef>
+          <a:fontRef idx="minor">
+            <a:schemeClr val="lt1"/>
+          </a:fontRef>
+        </p:style>
+        <p:txBody>
+          <a:bodyPr vert="horz" lIns="91440" tIns="45720" rIns="91440" bIns="45720" rtlCol="0" anchor="ctr">
+            <a:normAutofit/>
+          </a:bodyPr>
+          <a:lstStyle>
+            <a:lvl1pPr marL="246888" indent="-246888" algn="l" defTabSz="914400" rtl="0" eaLnBrk="1" latinLnBrk="0" hangingPunct="1">
+              <a:lnSpc>
+                <a:spcPct val="90000"/>
+              </a:lnSpc>
+              <a:spcBef>
+                <a:spcPts val="1400"/>
+              </a:spcBef>
+              <a:buFont typeface="Euphemia" pitchFamily="34" charset="0"/>
+              <a:buChar char="›"/>
+              <a:defRPr sz="2800" kern="1200">
+                <a:solidFill>
+                  <a:schemeClr val="lt1"/>
+                </a:solidFill>
+                <a:latin typeface="+mn-lt"/>
+                <a:ea typeface="+mn-ea"/>
+                <a:cs typeface="+mn-cs"/>
+              </a:defRPr>
+            </a:lvl1pPr>
+            <a:lvl2pPr marL="612648" indent="-246888" algn="l" defTabSz="914400" rtl="0" eaLnBrk="1" latinLnBrk="0" hangingPunct="1">
+              <a:lnSpc>
+                <a:spcPct val="90000"/>
+              </a:lnSpc>
+              <a:spcBef>
+                <a:spcPts val="600"/>
+              </a:spcBef>
+              <a:buFont typeface="Euphemia" pitchFamily="34" charset="0"/>
+              <a:buChar char="–"/>
+              <a:defRPr sz="2400" kern="1200">
+                <a:solidFill>
+                  <a:schemeClr val="lt1"/>
+                </a:solidFill>
+                <a:latin typeface="+mn-lt"/>
+                <a:ea typeface="+mn-ea"/>
+                <a:cs typeface="+mn-cs"/>
+              </a:defRPr>
+            </a:lvl2pPr>
+            <a:lvl3pPr marL="978408" indent="-246888" algn="l" defTabSz="914400" rtl="0" eaLnBrk="1" latinLnBrk="0" hangingPunct="1">
+              <a:lnSpc>
+                <a:spcPct val="90000"/>
+              </a:lnSpc>
+              <a:spcBef>
+                <a:spcPts val="600"/>
+              </a:spcBef>
+              <a:buFont typeface="Euphemia" pitchFamily="34" charset="0"/>
+              <a:buChar char="›"/>
+              <a:defRPr sz="2000" kern="1200">
+                <a:solidFill>
+                  <a:schemeClr val="lt1"/>
+                </a:solidFill>
+                <a:latin typeface="+mn-lt"/>
+                <a:ea typeface="+mn-ea"/>
+                <a:cs typeface="+mn-cs"/>
+              </a:defRPr>
+            </a:lvl3pPr>
+            <a:lvl4pPr marL="1344168" indent="-246888" algn="l" defTabSz="914400" rtl="0" eaLnBrk="1" latinLnBrk="0" hangingPunct="1">
+              <a:lnSpc>
+                <a:spcPct val="90000"/>
+              </a:lnSpc>
+              <a:spcBef>
+                <a:spcPts val="600"/>
+              </a:spcBef>
+              <a:buFont typeface="Arial" pitchFamily="34" charset="0"/>
+              <a:buChar char="–"/>
+              <a:defRPr sz="1800" kern="1200">
+                <a:solidFill>
+                  <a:schemeClr val="lt1"/>
+                </a:solidFill>
+                <a:latin typeface="+mn-lt"/>
+                <a:ea typeface="+mn-ea"/>
+                <a:cs typeface="+mn-cs"/>
+              </a:defRPr>
+            </a:lvl4pPr>
+            <a:lvl5pPr marL="1709928" indent="-246888" algn="l" defTabSz="914400" rtl="0" eaLnBrk="1" latinLnBrk="0" hangingPunct="1">
+              <a:lnSpc>
+                <a:spcPct val="90000"/>
+              </a:lnSpc>
+              <a:spcBef>
+                <a:spcPts val="600"/>
+              </a:spcBef>
+              <a:buFont typeface="Euphemia" pitchFamily="34" charset="0"/>
+              <a:buChar char="›"/>
+              <a:defRPr sz="1800" kern="1200">
+                <a:solidFill>
+                  <a:schemeClr val="lt1"/>
+                </a:solidFill>
+                <a:latin typeface="+mn-lt"/>
+                <a:ea typeface="+mn-ea"/>
+                <a:cs typeface="+mn-cs"/>
+              </a:defRPr>
+            </a:lvl5pPr>
+            <a:lvl6pPr marL="2075688" indent="-246888" algn="l" defTabSz="914400" rtl="0" eaLnBrk="1" latinLnBrk="0" hangingPunct="1">
+              <a:lnSpc>
+                <a:spcPct val="90000"/>
+              </a:lnSpc>
+              <a:spcBef>
+                <a:spcPts val="600"/>
+              </a:spcBef>
+              <a:buFont typeface="Euphemia" pitchFamily="34" charset="0"/>
+              <a:buChar char="–"/>
+              <a:defRPr sz="1800" kern="1200">
+                <a:solidFill>
+                  <a:schemeClr val="lt1"/>
+                </a:solidFill>
+                <a:latin typeface="+mn-lt"/>
+                <a:ea typeface="+mn-ea"/>
+                <a:cs typeface="+mn-cs"/>
+              </a:defRPr>
+            </a:lvl6pPr>
+            <a:lvl7pPr marL="2441448" indent="-246888" algn="l" defTabSz="914400" rtl="0" eaLnBrk="1" latinLnBrk="0" hangingPunct="1">
+              <a:lnSpc>
+                <a:spcPct val="90000"/>
+              </a:lnSpc>
+              <a:spcBef>
+                <a:spcPts val="600"/>
+              </a:spcBef>
+              <a:buFont typeface="Euphemia" pitchFamily="34" charset="0"/>
+              <a:buChar char="›"/>
+              <a:defRPr sz="1800" kern="1200">
+                <a:solidFill>
+                  <a:schemeClr val="lt1"/>
+                </a:solidFill>
+                <a:latin typeface="+mn-lt"/>
+                <a:ea typeface="+mn-ea"/>
+                <a:cs typeface="+mn-cs"/>
+              </a:defRPr>
+            </a:lvl7pPr>
+            <a:lvl8pPr marL="2807208" indent="-246888" algn="l" defTabSz="914400" rtl="0" eaLnBrk="1" latinLnBrk="0" hangingPunct="1">
+              <a:lnSpc>
+                <a:spcPct val="90000"/>
+              </a:lnSpc>
+              <a:spcBef>
+                <a:spcPts val="600"/>
+              </a:spcBef>
+              <a:buFont typeface="Euphemia" pitchFamily="34" charset="0"/>
+              <a:buChar char="–"/>
+              <a:defRPr sz="1800" kern="1200" baseline="0">
+                <a:solidFill>
+                  <a:schemeClr val="lt1"/>
+                </a:solidFill>
+                <a:latin typeface="+mn-lt"/>
+                <a:ea typeface="+mn-ea"/>
+                <a:cs typeface="+mn-cs"/>
+              </a:defRPr>
+            </a:lvl8pPr>
+            <a:lvl9pPr marL="3172968" indent="-246888" algn="l" defTabSz="914400" rtl="0" eaLnBrk="1" latinLnBrk="0" hangingPunct="1">
+              <a:lnSpc>
+                <a:spcPct val="90000"/>
+              </a:lnSpc>
+              <a:spcBef>
+                <a:spcPts val="600"/>
+              </a:spcBef>
+              <a:buFont typeface="Euphemia" pitchFamily="34" charset="0"/>
+              <a:buChar char="›"/>
+              <a:defRPr sz="1800" kern="1200" baseline="0">
+                <a:solidFill>
+                  <a:schemeClr val="lt1"/>
+                </a:solidFill>
+                <a:latin typeface="+mn-lt"/>
+                <a:ea typeface="+mn-ea"/>
+                <a:cs typeface="+mn-cs"/>
+              </a:defRPr>
+            </a:lvl9pPr>
+          </a:lstStyle>
+          <a:p>
+            <a:pPr marL="0" indent="0" algn="ctr">
+              <a:buNone/>
+            </a:pPr>
+            <a:r>
+              <a:rPr lang="en-US" sz="7200" b="1" dirty="0">
+                <a:solidFill>
+                  <a:schemeClr val="tx2">
+                    <a:lumMod val="75000"/>
+                    <a:lumOff val="25000"/>
+                  </a:schemeClr>
+                </a:solidFill>
+              </a:rPr>
+              <a:t>011</a:t>
+            </a:r>
+          </a:p>
+        </p:txBody>
+      </p:sp>
+      <p:sp>
+        <p:nvSpPr>
+          <p:cNvPr id="9" name="Title 12">
+            <a:extLst>
+              <a:ext uri="{FF2B5EF4-FFF2-40B4-BE49-F238E27FC236}">
+                <a16:creationId xmlns:a16="http://schemas.microsoft.com/office/drawing/2014/main" id="{FD62B765-1697-4473-8325-9774F46DBAAC}"/>
+              </a:ext>
+            </a:extLst>
+          </p:cNvPr>
+          <p:cNvSpPr txBox="1">
+            <a:spLocks/>
+          </p:cNvSpPr>
+          <p:nvPr/>
+        </p:nvSpPr>
+        <p:spPr>
+          <a:xfrm>
+            <a:off x="1773932" y="1124744"/>
+            <a:ext cx="9782801" cy="843659"/>
+          </a:xfrm>
+          <a:prstGeom prst="rect">
+            <a:avLst/>
+          </a:prstGeom>
+        </p:spPr>
+        <p:txBody>
+          <a:bodyPr vert="horz" lIns="91440" tIns="45720" rIns="91440" bIns="45720" rtlCol="0" anchor="ctr">
+            <a:normAutofit fontScale="97500"/>
+          </a:bodyPr>
+          <a:lstStyle>
+            <a:lvl1pPr algn="l" defTabSz="914400" rtl="0" eaLnBrk="1" latinLnBrk="0" hangingPunct="1">
+              <a:lnSpc>
+                <a:spcPct val="90000"/>
+              </a:lnSpc>
+              <a:spcBef>
+                <a:spcPct val="0"/>
+              </a:spcBef>
+              <a:buNone/>
+              <a:defRPr sz="3600" kern="1200">
+                <a:solidFill>
+                  <a:schemeClr val="tx1">
+                    <a:lumMod val="75000"/>
+                  </a:schemeClr>
+                </a:solidFill>
+                <a:latin typeface="+mj-lt"/>
+                <a:ea typeface="+mj-ea"/>
+                <a:cs typeface="+mj-cs"/>
+              </a:defRPr>
+            </a:lvl1pPr>
+          </a:lstStyle>
+          <a:p>
+            <a:r>
+              <a:rPr lang="en-US" sz="4800" b="1" dirty="0"/>
+              <a:t>Example: Warp Square</a:t>
+            </a:r>
+          </a:p>
+        </p:txBody>
+      </p:sp>
+      <p:pic>
+        <p:nvPicPr>
+          <p:cNvPr id="3" name="Picture 2">
+            <a:extLst>
+              <a:ext uri="{FF2B5EF4-FFF2-40B4-BE49-F238E27FC236}">
+                <a16:creationId xmlns:a16="http://schemas.microsoft.com/office/drawing/2014/main" id="{B9F27D50-4329-6478-371D-EFE65342E54E}"/>
+              </a:ext>
+            </a:extLst>
+          </p:cNvPr>
+          <p:cNvPicPr>
+            <a:picLocks noChangeAspect="1"/>
+          </p:cNvPicPr>
+          <p:nvPr/>
+        </p:nvPicPr>
+        <p:blipFill>
+          <a:blip r:embed="rId4"/>
+          <a:stretch>
+            <a:fillRect/>
+          </a:stretch>
+        </p:blipFill>
+        <p:spPr>
+          <a:xfrm>
+            <a:off x="2139776" y="1959080"/>
+            <a:ext cx="8271830" cy="4811091"/>
+          </a:xfrm>
+          <a:prstGeom prst="rect">
+            <a:avLst/>
+          </a:prstGeom>
+          <a:ln>
+            <a:noFill/>
+          </a:ln>
+          <a:effectLst>
+            <a:outerShdw blurRad="292100" dist="139700" dir="2700000" algn="tl" rotWithShape="0">
+              <a:srgbClr val="333333">
+                <a:alpha val="65000"/>
+              </a:srgbClr>
+            </a:outerShdw>
+          </a:effectLst>
+        </p:spPr>
+      </p:pic>
+    </p:spTree>
+    <p:extLst>
+      <p:ext uri="{BB962C8B-B14F-4D97-AF65-F5344CB8AC3E}">
+        <p14:creationId xmlns:p14="http://schemas.microsoft.com/office/powerpoint/2010/main" val="2095895203"/>
+      </p:ext>
+    </p:extLst>
+  </p:cSld>
+  <p:clrMapOvr>
+    <a:masterClrMapping/>
+  </p:clrMapOvr>
+  <mc:AlternateContent xmlns:mc="http://schemas.openxmlformats.org/markup-compatibility/2006">
+    <mc:Choice xmlns:p14="http://schemas.microsoft.com/office/powerpoint/2010/main" Requires="p14">
+      <p:transition spd="med" p14:dur="700">
+        <p:fade/>
+      </p:transition>
+    </mc:Choice>
+    <mc:Fallback>
+      <p:transition spd="med">
+        <p:fade/>
+      </p:transition>
+    </mc:Fallback>
+  </mc:AlternateContent>
+</p:sld>
+</file>
+
+<file path=ppt/slides/slide12.xml><?xml version="1.0" encoding="utf-8"?>
+<p:sld xmlns:a="http://schemas.openxmlformats.org/drawingml/2006/main" xmlns:r="http://schemas.openxmlformats.org/officeDocument/2006/relationships" xmlns:p="http://schemas.openxmlformats.org/presentationml/2006/main">
+  <p:cSld>
+    <p:spTree>
+      <p:nvGrpSpPr>
+        <p:cNvPr id="1" name="">
+          <a:extLst>
+            <a:ext uri="{FF2B5EF4-FFF2-40B4-BE49-F238E27FC236}">
+              <a16:creationId xmlns:a16="http://schemas.microsoft.com/office/drawing/2014/main" id="{CBE949B7-D948-8F99-6706-5EA7362D403D}"/>
+            </a:ext>
+          </a:extLst>
+        </p:cNvPr>
+        <p:cNvGrpSpPr/>
+        <p:nvPr/>
+      </p:nvGrpSpPr>
+      <p:grpSpPr>
+        <a:xfrm>
+          <a:off x="0" y="0"/>
+          <a:ext cx="0" cy="0"/>
+          <a:chOff x="0" y="0"/>
+          <a:chExt cx="0" cy="0"/>
+        </a:xfrm>
+      </p:grpSpPr>
+      <p:pic>
+        <p:nvPicPr>
+          <p:cNvPr id="5" name="Picture 4">
+            <a:extLst>
+              <a:ext uri="{FF2B5EF4-FFF2-40B4-BE49-F238E27FC236}">
+                <a16:creationId xmlns:a16="http://schemas.microsoft.com/office/drawing/2014/main" id="{468AEE3A-B5E7-961E-C258-1069B06DCAFE}"/>
+              </a:ext>
+            </a:extLst>
+          </p:cNvPr>
+          <p:cNvPicPr>
+            <a:picLocks noChangeAspect="1"/>
+          </p:cNvPicPr>
+          <p:nvPr/>
+        </p:nvPicPr>
+        <p:blipFill>
+          <a:blip r:embed="rId2"/>
+          <a:stretch>
+            <a:fillRect/>
+          </a:stretch>
+        </p:blipFill>
+        <p:spPr>
+          <a:xfrm>
+            <a:off x="1197868" y="2132856"/>
+            <a:ext cx="10265766" cy="3511429"/>
+          </a:xfrm>
+          <a:prstGeom prst="rect">
+            <a:avLst/>
+          </a:prstGeom>
+        </p:spPr>
+      </p:pic>
+      <p:pic>
+        <p:nvPicPr>
+          <p:cNvPr id="7" name="Picture 6">
+            <a:extLst>
+              <a:ext uri="{FF2B5EF4-FFF2-40B4-BE49-F238E27FC236}">
+                <a16:creationId xmlns:a16="http://schemas.microsoft.com/office/drawing/2014/main" id="{B910BE0A-266E-4CCD-979F-DAB960AE87D4}"/>
+              </a:ext>
+            </a:extLst>
+          </p:cNvPr>
+          <p:cNvPicPr>
+            <a:picLocks noChangeAspect="1"/>
+          </p:cNvPicPr>
+          <p:nvPr/>
+        </p:nvPicPr>
+        <p:blipFill>
+          <a:blip r:embed="rId3"/>
+          <a:stretch>
+            <a:fillRect/>
+          </a:stretch>
+        </p:blipFill>
+        <p:spPr>
+          <a:xfrm>
+            <a:off x="1413892" y="4542455"/>
+            <a:ext cx="2232248" cy="2288054"/>
+          </a:xfrm>
+          <a:prstGeom prst="rect">
+            <a:avLst/>
+          </a:prstGeom>
+          <a:ln>
+            <a:noFill/>
+          </a:ln>
+          <a:effectLst>
+            <a:softEdge rad="112500"/>
+          </a:effectLst>
+        </p:spPr>
+      </p:pic>
+      <p:pic>
+        <p:nvPicPr>
+          <p:cNvPr id="12" name="Picture 11">
+            <a:extLst>
+              <a:ext uri="{FF2B5EF4-FFF2-40B4-BE49-F238E27FC236}">
+                <a16:creationId xmlns:a16="http://schemas.microsoft.com/office/drawing/2014/main" id="{5C0E66FD-51BF-60D4-481D-048D92927193}"/>
+              </a:ext>
+            </a:extLst>
+          </p:cNvPr>
+          <p:cNvPicPr>
+            <a:picLocks noChangeAspect="1"/>
+          </p:cNvPicPr>
+          <p:nvPr/>
+        </p:nvPicPr>
+        <p:blipFill>
+          <a:blip r:embed="rId4"/>
+          <a:stretch>
+            <a:fillRect/>
+          </a:stretch>
+        </p:blipFill>
+        <p:spPr>
+          <a:xfrm>
+            <a:off x="1917948" y="447785"/>
+            <a:ext cx="2520280" cy="1685071"/>
+          </a:xfrm>
+          <a:prstGeom prst="rect">
+            <a:avLst/>
+          </a:prstGeom>
+          <a:ln>
+            <a:noFill/>
+          </a:ln>
+          <a:effectLst>
+            <a:outerShdw blurRad="292100" dist="139700" dir="2700000" algn="tl" rotWithShape="0">
+              <a:srgbClr val="333333">
+                <a:alpha val="65000"/>
+              </a:srgbClr>
+            </a:outerShdw>
+          </a:effectLst>
+        </p:spPr>
+      </p:pic>
+      <p:pic>
+        <p:nvPicPr>
+          <p:cNvPr id="14" name="Picture 13">
+            <a:extLst>
+              <a:ext uri="{FF2B5EF4-FFF2-40B4-BE49-F238E27FC236}">
+                <a16:creationId xmlns:a16="http://schemas.microsoft.com/office/drawing/2014/main" id="{316CFA05-4F6F-798E-E9E1-3C50BB2D3562}"/>
+              </a:ext>
+            </a:extLst>
+          </p:cNvPr>
+          <p:cNvPicPr>
+            <a:picLocks noChangeAspect="1"/>
+          </p:cNvPicPr>
+          <p:nvPr/>
+        </p:nvPicPr>
+        <p:blipFill>
+          <a:blip r:embed="rId5"/>
+          <a:stretch>
+            <a:fillRect/>
+          </a:stretch>
+        </p:blipFill>
+        <p:spPr>
+          <a:xfrm>
+            <a:off x="4841589" y="447784"/>
+            <a:ext cx="2433638" cy="1685071"/>
+          </a:xfrm>
+          <a:prstGeom prst="rect">
+            <a:avLst/>
+          </a:prstGeom>
+          <a:ln>
+            <a:noFill/>
+          </a:ln>
+          <a:effectLst>
+            <a:outerShdw blurRad="292100" dist="139700" dir="2700000" algn="tl" rotWithShape="0">
+              <a:srgbClr val="333333">
+                <a:alpha val="65000"/>
+              </a:srgbClr>
+            </a:outerShdw>
+          </a:effectLst>
+        </p:spPr>
+      </p:pic>
+      <p:pic>
+        <p:nvPicPr>
+          <p:cNvPr id="16" name="Picture 15">
+            <a:extLst>
+              <a:ext uri="{FF2B5EF4-FFF2-40B4-BE49-F238E27FC236}">
+                <a16:creationId xmlns:a16="http://schemas.microsoft.com/office/drawing/2014/main" id="{377E0420-B2C1-35F7-D502-259FAD94F5B1}"/>
+              </a:ext>
+            </a:extLst>
+          </p:cNvPr>
+          <p:cNvPicPr>
+            <a:picLocks noChangeAspect="1"/>
+          </p:cNvPicPr>
+          <p:nvPr/>
+        </p:nvPicPr>
+        <p:blipFill>
+          <a:blip r:embed="rId6"/>
+          <a:stretch>
+            <a:fillRect/>
+          </a:stretch>
+        </p:blipFill>
+        <p:spPr>
+          <a:xfrm>
+            <a:off x="7678588" y="447785"/>
+            <a:ext cx="2433638" cy="1685071"/>
+          </a:xfrm>
+          <a:prstGeom prst="rect">
+            <a:avLst/>
+          </a:prstGeom>
+          <a:ln>
+            <a:noFill/>
+          </a:ln>
+          <a:effectLst>
+            <a:outerShdw blurRad="292100" dist="139700" dir="2700000" algn="tl" rotWithShape="0">
+              <a:srgbClr val="333333">
+                <a:alpha val="65000"/>
+              </a:srgbClr>
+            </a:outerShdw>
+          </a:effectLst>
+        </p:spPr>
+      </p:pic>
+    </p:spTree>
+    <p:extLst>
+      <p:ext uri="{BB962C8B-B14F-4D97-AF65-F5344CB8AC3E}">
+        <p14:creationId xmlns:p14="http://schemas.microsoft.com/office/powerpoint/2010/main" val="2151474947"/>
+      </p:ext>
+    </p:extLst>
+  </p:cSld>
+  <p:clrMapOvr>
+    <a:masterClrMapping/>
+  </p:clrMapOvr>
+  <mc:AlternateContent xmlns:mc="http://schemas.openxmlformats.org/markup-compatibility/2006" xmlns:p14="http://schemas.microsoft.com/office/powerpoint/2010/main">
+    <mc:Choice Requires="p14">
+      <p:transition spd="med" p14:dur="700">
+        <p:fade/>
+      </p:transition>
+    </mc:Choice>
+    <mc:Fallback xmlns="">
+      <p:transition spd="med">
+        <p:fade/>
+      </p:transition>
+    </mc:Fallback>
+  </mc:AlternateContent>
+</p:sld>
+</file>
+
 <file path=ppt/slides/slide2.xml><?xml version="1.0" encoding="utf-8"?>
 <p:sld xmlns:a="http://schemas.openxmlformats.org/drawingml/2006/main" xmlns:r="http://schemas.openxmlformats.org/officeDocument/2006/relationships" xmlns:p="http://schemas.openxmlformats.org/presentationml/2006/main">
   <p:cSld>
@@ -9578,10 +10787,1938 @@
           </a:p>
         </p:txBody>
       </p:sp>
+      <p:pic>
+        <p:nvPicPr>
+          <p:cNvPr id="3" name="Picture 2">
+            <a:extLst>
+              <a:ext uri="{FF2B5EF4-FFF2-40B4-BE49-F238E27FC236}">
+                <a16:creationId xmlns:a16="http://schemas.microsoft.com/office/drawing/2014/main" id="{44FA732C-E1EB-4402-A35D-16D54C941CC1}"/>
+              </a:ext>
+            </a:extLst>
+          </p:cNvPr>
+          <p:cNvPicPr>
+            <a:picLocks noChangeAspect="1"/>
+          </p:cNvPicPr>
+          <p:nvPr/>
+        </p:nvPicPr>
+        <p:blipFill>
+          <a:blip r:embed="rId4"/>
+          <a:stretch>
+            <a:fillRect/>
+          </a:stretch>
+        </p:blipFill>
+        <p:spPr>
+          <a:xfrm>
+            <a:off x="2277988" y="2351580"/>
+            <a:ext cx="7444361" cy="4355957"/>
+          </a:xfrm>
+          <a:prstGeom prst="rect">
+            <a:avLst/>
+          </a:prstGeom>
+          <a:ln>
+            <a:noFill/>
+          </a:ln>
+          <a:effectLst>
+            <a:outerShdw blurRad="292100" dist="139700" dir="2700000" algn="tl" rotWithShape="0">
+              <a:srgbClr val="333333">
+                <a:alpha val="65000"/>
+              </a:srgbClr>
+            </a:outerShdw>
+          </a:effectLst>
+        </p:spPr>
+      </p:pic>
     </p:spTree>
     <p:extLst>
       <p:ext uri="{BB962C8B-B14F-4D97-AF65-F5344CB8AC3E}">
         <p14:creationId xmlns:p14="http://schemas.microsoft.com/office/powerpoint/2010/main" val="2554437319"/>
+      </p:ext>
+    </p:extLst>
+  </p:cSld>
+  <p:clrMapOvr>
+    <a:masterClrMapping/>
+  </p:clrMapOvr>
+  <mc:AlternateContent xmlns:mc="http://schemas.openxmlformats.org/markup-compatibility/2006">
+    <mc:Choice xmlns:p14="http://schemas.microsoft.com/office/powerpoint/2010/main" Requires="p14">
+      <p:transition spd="med" p14:dur="700">
+        <p:fade/>
+      </p:transition>
+    </mc:Choice>
+    <mc:Fallback>
+      <p:transition spd="med">
+        <p:fade/>
+      </p:transition>
+    </mc:Fallback>
+  </mc:AlternateContent>
+</p:sld>
+</file>
+
+<file path=ppt/slides/slide6.xml><?xml version="1.0" encoding="utf-8"?>
+<p:sld xmlns:a="http://schemas.openxmlformats.org/drawingml/2006/main" xmlns:r="http://schemas.openxmlformats.org/officeDocument/2006/relationships" xmlns:p="http://schemas.openxmlformats.org/presentationml/2006/main">
+  <p:cSld>
+    <p:spTree>
+      <p:nvGrpSpPr>
+        <p:cNvPr id="1" name="">
+          <a:extLst>
+            <a:ext uri="{FF2B5EF4-FFF2-40B4-BE49-F238E27FC236}">
+              <a16:creationId xmlns:a16="http://schemas.microsoft.com/office/drawing/2014/main" id="{34B2909B-3967-EA47-2E65-363CF5C70E6D}"/>
+            </a:ext>
+          </a:extLst>
+        </p:cNvPr>
+        <p:cNvGrpSpPr/>
+        <p:nvPr/>
+      </p:nvGrpSpPr>
+      <p:grpSpPr>
+        <a:xfrm>
+          <a:off x="0" y="0"/>
+          <a:ext cx="0" cy="0"/>
+          <a:chOff x="0" y="0"/>
+          <a:chExt cx="0" cy="0"/>
+        </a:xfrm>
+      </p:grpSpPr>
+      <p:sp>
+        <p:nvSpPr>
+          <p:cNvPr id="13" name="Title 12">
+            <a:extLst>
+              <a:ext uri="{FF2B5EF4-FFF2-40B4-BE49-F238E27FC236}">
+                <a16:creationId xmlns:a16="http://schemas.microsoft.com/office/drawing/2014/main" id="{796405A4-77DA-0AD6-FE42-544B681643BC}"/>
+              </a:ext>
+            </a:extLst>
+          </p:cNvPr>
+          <p:cNvSpPr>
+            <a:spLocks noGrp="1"/>
+          </p:cNvSpPr>
+          <p:nvPr>
+            <p:ph type="title"/>
+          </p:nvPr>
+        </p:nvSpPr>
+        <p:spPr>
+          <a:xfrm>
+            <a:off x="1593436" y="260649"/>
+            <a:ext cx="6174521" cy="864096"/>
+          </a:xfrm>
+        </p:spPr>
+        <p:txBody>
+          <a:bodyPr anchor="ctr">
+            <a:normAutofit fontScale="90000"/>
+          </a:bodyPr>
+          <a:lstStyle/>
+          <a:p>
+            <a:r>
+              <a:rPr lang="en-US" sz="6000" b="1" dirty="0">
+                <a:latin typeface="ADLaM Display" panose="02010000000000000000" pitchFamily="2" charset="0"/>
+                <a:ea typeface="ADLaM Display" panose="02010000000000000000" pitchFamily="2" charset="0"/>
+                <a:cs typeface="ADLaM Display" panose="02010000000000000000" pitchFamily="2" charset="0"/>
+              </a:rPr>
+              <a:t>Learning Manim</a:t>
+            </a:r>
+          </a:p>
+        </p:txBody>
+      </p:sp>
+      <p:pic>
+        <p:nvPicPr>
+          <p:cNvPr id="4" name="Picture 3">
+            <a:extLst>
+              <a:ext uri="{FF2B5EF4-FFF2-40B4-BE49-F238E27FC236}">
+                <a16:creationId xmlns:a16="http://schemas.microsoft.com/office/drawing/2014/main" id="{76C6B7C9-52D4-3849-3DC7-579E8C7A57F6}"/>
+              </a:ext>
+            </a:extLst>
+          </p:cNvPr>
+          <p:cNvPicPr>
+            <a:picLocks noChangeAspect="1"/>
+          </p:cNvPicPr>
+          <p:nvPr/>
+        </p:nvPicPr>
+        <p:blipFill>
+          <a:blip r:embed="rId2"/>
+          <a:stretch>
+            <a:fillRect/>
+          </a:stretch>
+        </p:blipFill>
+        <p:spPr>
+          <a:xfrm>
+            <a:off x="7767957" y="83058"/>
+            <a:ext cx="4420868" cy="1512168"/>
+          </a:xfrm>
+          <a:prstGeom prst="rect">
+            <a:avLst/>
+          </a:prstGeom>
+        </p:spPr>
+      </p:pic>
+      <p:pic>
+        <p:nvPicPr>
+          <p:cNvPr id="5" name="Picture 4">
+            <a:extLst>
+              <a:ext uri="{FF2B5EF4-FFF2-40B4-BE49-F238E27FC236}">
+                <a16:creationId xmlns:a16="http://schemas.microsoft.com/office/drawing/2014/main" id="{62E0907A-660E-16E3-0512-B4BDC102A343}"/>
+              </a:ext>
+            </a:extLst>
+          </p:cNvPr>
+          <p:cNvPicPr>
+            <a:picLocks noChangeAspect="1"/>
+          </p:cNvPicPr>
+          <p:nvPr/>
+        </p:nvPicPr>
+        <p:blipFill>
+          <a:blip r:embed="rId3"/>
+          <a:stretch>
+            <a:fillRect/>
+          </a:stretch>
+        </p:blipFill>
+        <p:spPr>
+          <a:xfrm>
+            <a:off x="117748" y="5589240"/>
+            <a:ext cx="1152128" cy="1180931"/>
+          </a:xfrm>
+          <a:prstGeom prst="rect">
+            <a:avLst/>
+          </a:prstGeom>
+          <a:ln>
+            <a:noFill/>
+          </a:ln>
+          <a:effectLst>
+            <a:softEdge rad="112500"/>
+          </a:effectLst>
+        </p:spPr>
+      </p:pic>
+      <p:sp>
+        <p:nvSpPr>
+          <p:cNvPr id="6" name="Subtitle 2">
+            <a:extLst>
+              <a:ext uri="{FF2B5EF4-FFF2-40B4-BE49-F238E27FC236}">
+                <a16:creationId xmlns:a16="http://schemas.microsoft.com/office/drawing/2014/main" id="{8025BF3D-663F-643D-F94E-18C643FCFA67}"/>
+              </a:ext>
+            </a:extLst>
+          </p:cNvPr>
+          <p:cNvSpPr txBox="1">
+            <a:spLocks/>
+          </p:cNvSpPr>
+          <p:nvPr/>
+        </p:nvSpPr>
+        <p:spPr>
+          <a:xfrm>
+            <a:off x="-1022" y="1484784"/>
+            <a:ext cx="1701923" cy="1368152"/>
+          </a:xfrm>
+          <a:prstGeom prst="rect">
+            <a:avLst/>
+          </a:prstGeom>
+        </p:spPr>
+        <p:style>
+          <a:lnRef idx="0">
+            <a:schemeClr val="accent2"/>
+          </a:lnRef>
+          <a:fillRef idx="3">
+            <a:schemeClr val="accent2"/>
+          </a:fillRef>
+          <a:effectRef idx="3">
+            <a:schemeClr val="accent2"/>
+          </a:effectRef>
+          <a:fontRef idx="minor">
+            <a:schemeClr val="lt1"/>
+          </a:fontRef>
+        </p:style>
+        <p:txBody>
+          <a:bodyPr vert="horz" lIns="91440" tIns="45720" rIns="91440" bIns="45720" rtlCol="0" anchor="ctr">
+            <a:normAutofit fontScale="92500"/>
+          </a:bodyPr>
+          <a:lstStyle>
+            <a:lvl1pPr marL="246888" indent="-246888" algn="l" defTabSz="914400" rtl="0" eaLnBrk="1" latinLnBrk="0" hangingPunct="1">
+              <a:lnSpc>
+                <a:spcPct val="90000"/>
+              </a:lnSpc>
+              <a:spcBef>
+                <a:spcPts val="1400"/>
+              </a:spcBef>
+              <a:buFont typeface="Euphemia" pitchFamily="34" charset="0"/>
+              <a:buChar char="›"/>
+              <a:defRPr sz="2800" kern="1200">
+                <a:solidFill>
+                  <a:schemeClr val="lt1"/>
+                </a:solidFill>
+                <a:latin typeface="+mn-lt"/>
+                <a:ea typeface="+mn-ea"/>
+                <a:cs typeface="+mn-cs"/>
+              </a:defRPr>
+            </a:lvl1pPr>
+            <a:lvl2pPr marL="612648" indent="-246888" algn="l" defTabSz="914400" rtl="0" eaLnBrk="1" latinLnBrk="0" hangingPunct="1">
+              <a:lnSpc>
+                <a:spcPct val="90000"/>
+              </a:lnSpc>
+              <a:spcBef>
+                <a:spcPts val="600"/>
+              </a:spcBef>
+              <a:buFont typeface="Euphemia" pitchFamily="34" charset="0"/>
+              <a:buChar char="–"/>
+              <a:defRPr sz="2400" kern="1200">
+                <a:solidFill>
+                  <a:schemeClr val="lt1"/>
+                </a:solidFill>
+                <a:latin typeface="+mn-lt"/>
+                <a:ea typeface="+mn-ea"/>
+                <a:cs typeface="+mn-cs"/>
+              </a:defRPr>
+            </a:lvl2pPr>
+            <a:lvl3pPr marL="978408" indent="-246888" algn="l" defTabSz="914400" rtl="0" eaLnBrk="1" latinLnBrk="0" hangingPunct="1">
+              <a:lnSpc>
+                <a:spcPct val="90000"/>
+              </a:lnSpc>
+              <a:spcBef>
+                <a:spcPts val="600"/>
+              </a:spcBef>
+              <a:buFont typeface="Euphemia" pitchFamily="34" charset="0"/>
+              <a:buChar char="›"/>
+              <a:defRPr sz="2000" kern="1200">
+                <a:solidFill>
+                  <a:schemeClr val="lt1"/>
+                </a:solidFill>
+                <a:latin typeface="+mn-lt"/>
+                <a:ea typeface="+mn-ea"/>
+                <a:cs typeface="+mn-cs"/>
+              </a:defRPr>
+            </a:lvl3pPr>
+            <a:lvl4pPr marL="1344168" indent="-246888" algn="l" defTabSz="914400" rtl="0" eaLnBrk="1" latinLnBrk="0" hangingPunct="1">
+              <a:lnSpc>
+                <a:spcPct val="90000"/>
+              </a:lnSpc>
+              <a:spcBef>
+                <a:spcPts val="600"/>
+              </a:spcBef>
+              <a:buFont typeface="Arial" pitchFamily="34" charset="0"/>
+              <a:buChar char="–"/>
+              <a:defRPr sz="1800" kern="1200">
+                <a:solidFill>
+                  <a:schemeClr val="lt1"/>
+                </a:solidFill>
+                <a:latin typeface="+mn-lt"/>
+                <a:ea typeface="+mn-ea"/>
+                <a:cs typeface="+mn-cs"/>
+              </a:defRPr>
+            </a:lvl4pPr>
+            <a:lvl5pPr marL="1709928" indent="-246888" algn="l" defTabSz="914400" rtl="0" eaLnBrk="1" latinLnBrk="0" hangingPunct="1">
+              <a:lnSpc>
+                <a:spcPct val="90000"/>
+              </a:lnSpc>
+              <a:spcBef>
+                <a:spcPts val="600"/>
+              </a:spcBef>
+              <a:buFont typeface="Euphemia" pitchFamily="34" charset="0"/>
+              <a:buChar char="›"/>
+              <a:defRPr sz="1800" kern="1200">
+                <a:solidFill>
+                  <a:schemeClr val="lt1"/>
+                </a:solidFill>
+                <a:latin typeface="+mn-lt"/>
+                <a:ea typeface="+mn-ea"/>
+                <a:cs typeface="+mn-cs"/>
+              </a:defRPr>
+            </a:lvl5pPr>
+            <a:lvl6pPr marL="2075688" indent="-246888" algn="l" defTabSz="914400" rtl="0" eaLnBrk="1" latinLnBrk="0" hangingPunct="1">
+              <a:lnSpc>
+                <a:spcPct val="90000"/>
+              </a:lnSpc>
+              <a:spcBef>
+                <a:spcPts val="600"/>
+              </a:spcBef>
+              <a:buFont typeface="Euphemia" pitchFamily="34" charset="0"/>
+              <a:buChar char="–"/>
+              <a:defRPr sz="1800" kern="1200">
+                <a:solidFill>
+                  <a:schemeClr val="lt1"/>
+                </a:solidFill>
+                <a:latin typeface="+mn-lt"/>
+                <a:ea typeface="+mn-ea"/>
+                <a:cs typeface="+mn-cs"/>
+              </a:defRPr>
+            </a:lvl6pPr>
+            <a:lvl7pPr marL="2441448" indent="-246888" algn="l" defTabSz="914400" rtl="0" eaLnBrk="1" latinLnBrk="0" hangingPunct="1">
+              <a:lnSpc>
+                <a:spcPct val="90000"/>
+              </a:lnSpc>
+              <a:spcBef>
+                <a:spcPts val="600"/>
+              </a:spcBef>
+              <a:buFont typeface="Euphemia" pitchFamily="34" charset="0"/>
+              <a:buChar char="›"/>
+              <a:defRPr sz="1800" kern="1200">
+                <a:solidFill>
+                  <a:schemeClr val="lt1"/>
+                </a:solidFill>
+                <a:latin typeface="+mn-lt"/>
+                <a:ea typeface="+mn-ea"/>
+                <a:cs typeface="+mn-cs"/>
+              </a:defRPr>
+            </a:lvl7pPr>
+            <a:lvl8pPr marL="2807208" indent="-246888" algn="l" defTabSz="914400" rtl="0" eaLnBrk="1" latinLnBrk="0" hangingPunct="1">
+              <a:lnSpc>
+                <a:spcPct val="90000"/>
+              </a:lnSpc>
+              <a:spcBef>
+                <a:spcPts val="600"/>
+              </a:spcBef>
+              <a:buFont typeface="Euphemia" pitchFamily="34" charset="0"/>
+              <a:buChar char="–"/>
+              <a:defRPr sz="1800" kern="1200" baseline="0">
+                <a:solidFill>
+                  <a:schemeClr val="lt1"/>
+                </a:solidFill>
+                <a:latin typeface="+mn-lt"/>
+                <a:ea typeface="+mn-ea"/>
+                <a:cs typeface="+mn-cs"/>
+              </a:defRPr>
+            </a:lvl8pPr>
+            <a:lvl9pPr marL="3172968" indent="-246888" algn="l" defTabSz="914400" rtl="0" eaLnBrk="1" latinLnBrk="0" hangingPunct="1">
+              <a:lnSpc>
+                <a:spcPct val="90000"/>
+              </a:lnSpc>
+              <a:spcBef>
+                <a:spcPts val="600"/>
+              </a:spcBef>
+              <a:buFont typeface="Euphemia" pitchFamily="34" charset="0"/>
+              <a:buChar char="›"/>
+              <a:defRPr sz="1800" kern="1200" baseline="0">
+                <a:solidFill>
+                  <a:schemeClr val="lt1"/>
+                </a:solidFill>
+                <a:latin typeface="+mn-lt"/>
+                <a:ea typeface="+mn-ea"/>
+                <a:cs typeface="+mn-cs"/>
+              </a:defRPr>
+            </a:lvl9pPr>
+          </a:lstStyle>
+          <a:p>
+            <a:pPr marL="0" indent="0" algn="ctr">
+              <a:buNone/>
+            </a:pPr>
+            <a:r>
+              <a:rPr lang="en-US" sz="7200" b="1" dirty="0">
+                <a:solidFill>
+                  <a:schemeClr val="tx2">
+                    <a:lumMod val="75000"/>
+                    <a:lumOff val="25000"/>
+                  </a:schemeClr>
+                </a:solidFill>
+              </a:rPr>
+              <a:t>006</a:t>
+            </a:r>
+          </a:p>
+        </p:txBody>
+      </p:sp>
+      <p:sp>
+        <p:nvSpPr>
+          <p:cNvPr id="9" name="Title 12">
+            <a:extLst>
+              <a:ext uri="{FF2B5EF4-FFF2-40B4-BE49-F238E27FC236}">
+                <a16:creationId xmlns:a16="http://schemas.microsoft.com/office/drawing/2014/main" id="{4F99A4BE-0B6A-3876-36F6-C1E599592DDA}"/>
+              </a:ext>
+            </a:extLst>
+          </p:cNvPr>
+          <p:cNvSpPr txBox="1">
+            <a:spLocks/>
+          </p:cNvSpPr>
+          <p:nvPr/>
+        </p:nvSpPr>
+        <p:spPr>
+          <a:xfrm>
+            <a:off x="1773932" y="1484783"/>
+            <a:ext cx="9782801" cy="843659"/>
+          </a:xfrm>
+          <a:prstGeom prst="rect">
+            <a:avLst/>
+          </a:prstGeom>
+        </p:spPr>
+        <p:txBody>
+          <a:bodyPr vert="horz" lIns="91440" tIns="45720" rIns="91440" bIns="45720" rtlCol="0" anchor="ctr">
+            <a:normAutofit fontScale="90000"/>
+          </a:bodyPr>
+          <a:lstStyle>
+            <a:lvl1pPr algn="l" defTabSz="914400" rtl="0" eaLnBrk="1" latinLnBrk="0" hangingPunct="1">
+              <a:lnSpc>
+                <a:spcPct val="90000"/>
+              </a:lnSpc>
+              <a:spcBef>
+                <a:spcPct val="0"/>
+              </a:spcBef>
+              <a:buNone/>
+              <a:defRPr sz="3600" kern="1200">
+                <a:solidFill>
+                  <a:schemeClr val="tx1">
+                    <a:lumMod val="75000"/>
+                  </a:schemeClr>
+                </a:solidFill>
+                <a:latin typeface="+mj-lt"/>
+                <a:ea typeface="+mj-ea"/>
+                <a:cs typeface="+mj-cs"/>
+              </a:defRPr>
+            </a:lvl1pPr>
+          </a:lstStyle>
+          <a:p>
+            <a:r>
+              <a:rPr lang="en-US" sz="4800" b="1" dirty="0"/>
+              <a:t>Transform vs. ReplacementTransform</a:t>
+            </a:r>
+          </a:p>
+        </p:txBody>
+      </p:sp>
+      <p:pic>
+        <p:nvPicPr>
+          <p:cNvPr id="7" name="Picture 6">
+            <a:extLst>
+              <a:ext uri="{FF2B5EF4-FFF2-40B4-BE49-F238E27FC236}">
+                <a16:creationId xmlns:a16="http://schemas.microsoft.com/office/drawing/2014/main" id="{D29764C9-882A-984A-8145-1D79E399DA19}"/>
+              </a:ext>
+            </a:extLst>
+          </p:cNvPr>
+          <p:cNvPicPr>
+            <a:picLocks noChangeAspect="1"/>
+          </p:cNvPicPr>
+          <p:nvPr/>
+        </p:nvPicPr>
+        <p:blipFill>
+          <a:blip r:embed="rId4"/>
+          <a:stretch>
+            <a:fillRect/>
+          </a:stretch>
+        </p:blipFill>
+        <p:spPr>
+          <a:xfrm>
+            <a:off x="2494012" y="2295142"/>
+            <a:ext cx="7612545" cy="4468833"/>
+          </a:xfrm>
+          <a:prstGeom prst="rect">
+            <a:avLst/>
+          </a:prstGeom>
+          <a:ln>
+            <a:noFill/>
+          </a:ln>
+          <a:effectLst>
+            <a:outerShdw blurRad="292100" dist="139700" dir="2700000" algn="tl" rotWithShape="0">
+              <a:srgbClr val="333333">
+                <a:alpha val="65000"/>
+              </a:srgbClr>
+            </a:outerShdw>
+          </a:effectLst>
+        </p:spPr>
+      </p:pic>
+    </p:spTree>
+    <p:extLst>
+      <p:ext uri="{BB962C8B-B14F-4D97-AF65-F5344CB8AC3E}">
+        <p14:creationId xmlns:p14="http://schemas.microsoft.com/office/powerpoint/2010/main" val="2787958720"/>
+      </p:ext>
+    </p:extLst>
+  </p:cSld>
+  <p:clrMapOvr>
+    <a:masterClrMapping/>
+  </p:clrMapOvr>
+  <mc:AlternateContent xmlns:mc="http://schemas.openxmlformats.org/markup-compatibility/2006">
+    <mc:Choice xmlns:p14="http://schemas.microsoft.com/office/powerpoint/2010/main" Requires="p14">
+      <p:transition spd="med" p14:dur="700">
+        <p:fade/>
+      </p:transition>
+    </mc:Choice>
+    <mc:Fallback>
+      <p:transition spd="med">
+        <p:fade/>
+      </p:transition>
+    </mc:Fallback>
+  </mc:AlternateContent>
+</p:sld>
+</file>
+
+<file path=ppt/slides/slide7.xml><?xml version="1.0" encoding="utf-8"?>
+<p:sld xmlns:a="http://schemas.openxmlformats.org/drawingml/2006/main" xmlns:r="http://schemas.openxmlformats.org/officeDocument/2006/relationships" xmlns:p="http://schemas.openxmlformats.org/presentationml/2006/main">
+  <p:cSld>
+    <p:spTree>
+      <p:nvGrpSpPr>
+        <p:cNvPr id="1" name="">
+          <a:extLst>
+            <a:ext uri="{FF2B5EF4-FFF2-40B4-BE49-F238E27FC236}">
+              <a16:creationId xmlns:a16="http://schemas.microsoft.com/office/drawing/2014/main" id="{4510773F-C238-3700-7D08-5A28813975C7}"/>
+            </a:ext>
+          </a:extLst>
+        </p:cNvPr>
+        <p:cNvGrpSpPr/>
+        <p:nvPr/>
+      </p:nvGrpSpPr>
+      <p:grpSpPr>
+        <a:xfrm>
+          <a:off x="0" y="0"/>
+          <a:ext cx="0" cy="0"/>
+          <a:chOff x="0" y="0"/>
+          <a:chExt cx="0" cy="0"/>
+        </a:xfrm>
+      </p:grpSpPr>
+      <p:sp>
+        <p:nvSpPr>
+          <p:cNvPr id="13" name="Title 12">
+            <a:extLst>
+              <a:ext uri="{FF2B5EF4-FFF2-40B4-BE49-F238E27FC236}">
+                <a16:creationId xmlns:a16="http://schemas.microsoft.com/office/drawing/2014/main" id="{D43CA282-2EFB-E683-06C7-7A9593694A81}"/>
+              </a:ext>
+            </a:extLst>
+          </p:cNvPr>
+          <p:cNvSpPr>
+            <a:spLocks noGrp="1"/>
+          </p:cNvSpPr>
+          <p:nvPr>
+            <p:ph type="title"/>
+          </p:nvPr>
+        </p:nvSpPr>
+        <p:spPr>
+          <a:xfrm>
+            <a:off x="1593436" y="260649"/>
+            <a:ext cx="6174521" cy="864096"/>
+          </a:xfrm>
+        </p:spPr>
+        <p:txBody>
+          <a:bodyPr anchor="ctr">
+            <a:normAutofit fontScale="90000"/>
+          </a:bodyPr>
+          <a:lstStyle/>
+          <a:p>
+            <a:r>
+              <a:rPr lang="en-US" sz="6000" b="1" dirty="0">
+                <a:latin typeface="ADLaM Display" panose="02010000000000000000" pitchFamily="2" charset="0"/>
+                <a:ea typeface="ADLaM Display" panose="02010000000000000000" pitchFamily="2" charset="0"/>
+                <a:cs typeface="ADLaM Display" panose="02010000000000000000" pitchFamily="2" charset="0"/>
+              </a:rPr>
+              <a:t>Learning Manim</a:t>
+            </a:r>
+          </a:p>
+        </p:txBody>
+      </p:sp>
+      <p:pic>
+        <p:nvPicPr>
+          <p:cNvPr id="4" name="Picture 3">
+            <a:extLst>
+              <a:ext uri="{FF2B5EF4-FFF2-40B4-BE49-F238E27FC236}">
+                <a16:creationId xmlns:a16="http://schemas.microsoft.com/office/drawing/2014/main" id="{8C6843B9-F7CC-814A-1650-C8BBF5965D0A}"/>
+              </a:ext>
+            </a:extLst>
+          </p:cNvPr>
+          <p:cNvPicPr>
+            <a:picLocks noChangeAspect="1"/>
+          </p:cNvPicPr>
+          <p:nvPr/>
+        </p:nvPicPr>
+        <p:blipFill>
+          <a:blip r:embed="rId2"/>
+          <a:stretch>
+            <a:fillRect/>
+          </a:stretch>
+        </p:blipFill>
+        <p:spPr>
+          <a:xfrm>
+            <a:off x="7767957" y="83058"/>
+            <a:ext cx="4420868" cy="1512168"/>
+          </a:xfrm>
+          <a:prstGeom prst="rect">
+            <a:avLst/>
+          </a:prstGeom>
+        </p:spPr>
+      </p:pic>
+      <p:pic>
+        <p:nvPicPr>
+          <p:cNvPr id="5" name="Picture 4">
+            <a:extLst>
+              <a:ext uri="{FF2B5EF4-FFF2-40B4-BE49-F238E27FC236}">
+                <a16:creationId xmlns:a16="http://schemas.microsoft.com/office/drawing/2014/main" id="{4B30DE2A-FBFB-D85D-04D6-20A7D329798F}"/>
+              </a:ext>
+            </a:extLst>
+          </p:cNvPr>
+          <p:cNvPicPr>
+            <a:picLocks noChangeAspect="1"/>
+          </p:cNvPicPr>
+          <p:nvPr/>
+        </p:nvPicPr>
+        <p:blipFill>
+          <a:blip r:embed="rId3"/>
+          <a:stretch>
+            <a:fillRect/>
+          </a:stretch>
+        </p:blipFill>
+        <p:spPr>
+          <a:xfrm>
+            <a:off x="117748" y="5589240"/>
+            <a:ext cx="1152128" cy="1180931"/>
+          </a:xfrm>
+          <a:prstGeom prst="rect">
+            <a:avLst/>
+          </a:prstGeom>
+          <a:ln>
+            <a:noFill/>
+          </a:ln>
+          <a:effectLst>
+            <a:softEdge rad="112500"/>
+          </a:effectLst>
+        </p:spPr>
+      </p:pic>
+      <p:sp>
+        <p:nvSpPr>
+          <p:cNvPr id="6" name="Subtitle 2">
+            <a:extLst>
+              <a:ext uri="{FF2B5EF4-FFF2-40B4-BE49-F238E27FC236}">
+                <a16:creationId xmlns:a16="http://schemas.microsoft.com/office/drawing/2014/main" id="{63B7CD09-D1C7-B940-0376-3BFB8C7906FD}"/>
+              </a:ext>
+            </a:extLst>
+          </p:cNvPr>
+          <p:cNvSpPr txBox="1">
+            <a:spLocks/>
+          </p:cNvSpPr>
+          <p:nvPr/>
+        </p:nvSpPr>
+        <p:spPr>
+          <a:xfrm>
+            <a:off x="-1022" y="1484784"/>
+            <a:ext cx="1701923" cy="1368152"/>
+          </a:xfrm>
+          <a:prstGeom prst="rect">
+            <a:avLst/>
+          </a:prstGeom>
+        </p:spPr>
+        <p:style>
+          <a:lnRef idx="0">
+            <a:schemeClr val="accent2"/>
+          </a:lnRef>
+          <a:fillRef idx="3">
+            <a:schemeClr val="accent2"/>
+          </a:fillRef>
+          <a:effectRef idx="3">
+            <a:schemeClr val="accent2"/>
+          </a:effectRef>
+          <a:fontRef idx="minor">
+            <a:schemeClr val="lt1"/>
+          </a:fontRef>
+        </p:style>
+        <p:txBody>
+          <a:bodyPr vert="horz" lIns="91440" tIns="45720" rIns="91440" bIns="45720" rtlCol="0" anchor="ctr">
+            <a:normAutofit fontScale="92500"/>
+          </a:bodyPr>
+          <a:lstStyle>
+            <a:lvl1pPr marL="246888" indent="-246888" algn="l" defTabSz="914400" rtl="0" eaLnBrk="1" latinLnBrk="0" hangingPunct="1">
+              <a:lnSpc>
+                <a:spcPct val="90000"/>
+              </a:lnSpc>
+              <a:spcBef>
+                <a:spcPts val="1400"/>
+              </a:spcBef>
+              <a:buFont typeface="Euphemia" pitchFamily="34" charset="0"/>
+              <a:buChar char="›"/>
+              <a:defRPr sz="2800" kern="1200">
+                <a:solidFill>
+                  <a:schemeClr val="lt1"/>
+                </a:solidFill>
+                <a:latin typeface="+mn-lt"/>
+                <a:ea typeface="+mn-ea"/>
+                <a:cs typeface="+mn-cs"/>
+              </a:defRPr>
+            </a:lvl1pPr>
+            <a:lvl2pPr marL="612648" indent="-246888" algn="l" defTabSz="914400" rtl="0" eaLnBrk="1" latinLnBrk="0" hangingPunct="1">
+              <a:lnSpc>
+                <a:spcPct val="90000"/>
+              </a:lnSpc>
+              <a:spcBef>
+                <a:spcPts val="600"/>
+              </a:spcBef>
+              <a:buFont typeface="Euphemia" pitchFamily="34" charset="0"/>
+              <a:buChar char="–"/>
+              <a:defRPr sz="2400" kern="1200">
+                <a:solidFill>
+                  <a:schemeClr val="lt1"/>
+                </a:solidFill>
+                <a:latin typeface="+mn-lt"/>
+                <a:ea typeface="+mn-ea"/>
+                <a:cs typeface="+mn-cs"/>
+              </a:defRPr>
+            </a:lvl2pPr>
+            <a:lvl3pPr marL="978408" indent="-246888" algn="l" defTabSz="914400" rtl="0" eaLnBrk="1" latinLnBrk="0" hangingPunct="1">
+              <a:lnSpc>
+                <a:spcPct val="90000"/>
+              </a:lnSpc>
+              <a:spcBef>
+                <a:spcPts val="600"/>
+              </a:spcBef>
+              <a:buFont typeface="Euphemia" pitchFamily="34" charset="0"/>
+              <a:buChar char="›"/>
+              <a:defRPr sz="2000" kern="1200">
+                <a:solidFill>
+                  <a:schemeClr val="lt1"/>
+                </a:solidFill>
+                <a:latin typeface="+mn-lt"/>
+                <a:ea typeface="+mn-ea"/>
+                <a:cs typeface="+mn-cs"/>
+              </a:defRPr>
+            </a:lvl3pPr>
+            <a:lvl4pPr marL="1344168" indent="-246888" algn="l" defTabSz="914400" rtl="0" eaLnBrk="1" latinLnBrk="0" hangingPunct="1">
+              <a:lnSpc>
+                <a:spcPct val="90000"/>
+              </a:lnSpc>
+              <a:spcBef>
+                <a:spcPts val="600"/>
+              </a:spcBef>
+              <a:buFont typeface="Arial" pitchFamily="34" charset="0"/>
+              <a:buChar char="–"/>
+              <a:defRPr sz="1800" kern="1200">
+                <a:solidFill>
+                  <a:schemeClr val="lt1"/>
+                </a:solidFill>
+                <a:latin typeface="+mn-lt"/>
+                <a:ea typeface="+mn-ea"/>
+                <a:cs typeface="+mn-cs"/>
+              </a:defRPr>
+            </a:lvl4pPr>
+            <a:lvl5pPr marL="1709928" indent="-246888" algn="l" defTabSz="914400" rtl="0" eaLnBrk="1" latinLnBrk="0" hangingPunct="1">
+              <a:lnSpc>
+                <a:spcPct val="90000"/>
+              </a:lnSpc>
+              <a:spcBef>
+                <a:spcPts val="600"/>
+              </a:spcBef>
+              <a:buFont typeface="Euphemia" pitchFamily="34" charset="0"/>
+              <a:buChar char="›"/>
+              <a:defRPr sz="1800" kern="1200">
+                <a:solidFill>
+                  <a:schemeClr val="lt1"/>
+                </a:solidFill>
+                <a:latin typeface="+mn-lt"/>
+                <a:ea typeface="+mn-ea"/>
+                <a:cs typeface="+mn-cs"/>
+              </a:defRPr>
+            </a:lvl5pPr>
+            <a:lvl6pPr marL="2075688" indent="-246888" algn="l" defTabSz="914400" rtl="0" eaLnBrk="1" latinLnBrk="0" hangingPunct="1">
+              <a:lnSpc>
+                <a:spcPct val="90000"/>
+              </a:lnSpc>
+              <a:spcBef>
+                <a:spcPts val="600"/>
+              </a:spcBef>
+              <a:buFont typeface="Euphemia" pitchFamily="34" charset="0"/>
+              <a:buChar char="–"/>
+              <a:defRPr sz="1800" kern="1200">
+                <a:solidFill>
+                  <a:schemeClr val="lt1"/>
+                </a:solidFill>
+                <a:latin typeface="+mn-lt"/>
+                <a:ea typeface="+mn-ea"/>
+                <a:cs typeface="+mn-cs"/>
+              </a:defRPr>
+            </a:lvl6pPr>
+            <a:lvl7pPr marL="2441448" indent="-246888" algn="l" defTabSz="914400" rtl="0" eaLnBrk="1" latinLnBrk="0" hangingPunct="1">
+              <a:lnSpc>
+                <a:spcPct val="90000"/>
+              </a:lnSpc>
+              <a:spcBef>
+                <a:spcPts val="600"/>
+              </a:spcBef>
+              <a:buFont typeface="Euphemia" pitchFamily="34" charset="0"/>
+              <a:buChar char="›"/>
+              <a:defRPr sz="1800" kern="1200">
+                <a:solidFill>
+                  <a:schemeClr val="lt1"/>
+                </a:solidFill>
+                <a:latin typeface="+mn-lt"/>
+                <a:ea typeface="+mn-ea"/>
+                <a:cs typeface="+mn-cs"/>
+              </a:defRPr>
+            </a:lvl7pPr>
+            <a:lvl8pPr marL="2807208" indent="-246888" algn="l" defTabSz="914400" rtl="0" eaLnBrk="1" latinLnBrk="0" hangingPunct="1">
+              <a:lnSpc>
+                <a:spcPct val="90000"/>
+              </a:lnSpc>
+              <a:spcBef>
+                <a:spcPts val="600"/>
+              </a:spcBef>
+              <a:buFont typeface="Euphemia" pitchFamily="34" charset="0"/>
+              <a:buChar char="–"/>
+              <a:defRPr sz="1800" kern="1200" baseline="0">
+                <a:solidFill>
+                  <a:schemeClr val="lt1"/>
+                </a:solidFill>
+                <a:latin typeface="+mn-lt"/>
+                <a:ea typeface="+mn-ea"/>
+                <a:cs typeface="+mn-cs"/>
+              </a:defRPr>
+            </a:lvl8pPr>
+            <a:lvl9pPr marL="3172968" indent="-246888" algn="l" defTabSz="914400" rtl="0" eaLnBrk="1" latinLnBrk="0" hangingPunct="1">
+              <a:lnSpc>
+                <a:spcPct val="90000"/>
+              </a:lnSpc>
+              <a:spcBef>
+                <a:spcPts val="600"/>
+              </a:spcBef>
+              <a:buFont typeface="Euphemia" pitchFamily="34" charset="0"/>
+              <a:buChar char="›"/>
+              <a:defRPr sz="1800" kern="1200" baseline="0">
+                <a:solidFill>
+                  <a:schemeClr val="lt1"/>
+                </a:solidFill>
+                <a:latin typeface="+mn-lt"/>
+                <a:ea typeface="+mn-ea"/>
+                <a:cs typeface="+mn-cs"/>
+              </a:defRPr>
+            </a:lvl9pPr>
+          </a:lstStyle>
+          <a:p>
+            <a:pPr marL="0" indent="0" algn="ctr">
+              <a:buNone/>
+            </a:pPr>
+            <a:r>
+              <a:rPr lang="en-US" sz="7200" b="1" dirty="0">
+                <a:solidFill>
+                  <a:schemeClr val="tx2">
+                    <a:lumMod val="75000"/>
+                    <a:lumOff val="25000"/>
+                  </a:schemeClr>
+                </a:solidFill>
+              </a:rPr>
+              <a:t>007</a:t>
+            </a:r>
+          </a:p>
+        </p:txBody>
+      </p:sp>
+      <p:sp>
+        <p:nvSpPr>
+          <p:cNvPr id="9" name="Title 12">
+            <a:extLst>
+              <a:ext uri="{FF2B5EF4-FFF2-40B4-BE49-F238E27FC236}">
+                <a16:creationId xmlns:a16="http://schemas.microsoft.com/office/drawing/2014/main" id="{9FF4251C-80B9-0F14-919C-AA272BA6B128}"/>
+              </a:ext>
+            </a:extLst>
+          </p:cNvPr>
+          <p:cNvSpPr txBox="1">
+            <a:spLocks/>
+          </p:cNvSpPr>
+          <p:nvPr/>
+        </p:nvSpPr>
+        <p:spPr>
+          <a:xfrm>
+            <a:off x="1773932" y="1484783"/>
+            <a:ext cx="9782801" cy="843659"/>
+          </a:xfrm>
+          <a:prstGeom prst="rect">
+            <a:avLst/>
+          </a:prstGeom>
+        </p:spPr>
+        <p:txBody>
+          <a:bodyPr vert="horz" lIns="91440" tIns="45720" rIns="91440" bIns="45720" rtlCol="0" anchor="ctr">
+            <a:normAutofit fontScale="97500"/>
+          </a:bodyPr>
+          <a:lstStyle>
+            <a:lvl1pPr algn="l" defTabSz="914400" rtl="0" eaLnBrk="1" latinLnBrk="0" hangingPunct="1">
+              <a:lnSpc>
+                <a:spcPct val="90000"/>
+              </a:lnSpc>
+              <a:spcBef>
+                <a:spcPct val="0"/>
+              </a:spcBef>
+              <a:buNone/>
+              <a:defRPr sz="3600" kern="1200">
+                <a:solidFill>
+                  <a:schemeClr val="tx1">
+                    <a:lumMod val="75000"/>
+                  </a:schemeClr>
+                </a:solidFill>
+                <a:latin typeface="+mj-lt"/>
+                <a:ea typeface="+mj-ea"/>
+                <a:cs typeface="+mj-cs"/>
+              </a:defRPr>
+            </a:lvl1pPr>
+          </a:lstStyle>
+          <a:p>
+            <a:r>
+              <a:rPr lang="en-US" sz="4800" b="1" dirty="0"/>
+              <a:t>Example: Continuous Motion</a:t>
+            </a:r>
+          </a:p>
+        </p:txBody>
+      </p:sp>
+      <p:pic>
+        <p:nvPicPr>
+          <p:cNvPr id="3" name="Picture 2">
+            <a:extLst>
+              <a:ext uri="{FF2B5EF4-FFF2-40B4-BE49-F238E27FC236}">
+                <a16:creationId xmlns:a16="http://schemas.microsoft.com/office/drawing/2014/main" id="{BFF142A3-45BE-7C17-DDDC-1CBF398C7662}"/>
+              </a:ext>
+            </a:extLst>
+          </p:cNvPr>
+          <p:cNvPicPr>
+            <a:picLocks noChangeAspect="1"/>
+          </p:cNvPicPr>
+          <p:nvPr/>
+        </p:nvPicPr>
+        <p:blipFill>
+          <a:blip r:embed="rId4"/>
+          <a:stretch>
+            <a:fillRect/>
+          </a:stretch>
+        </p:blipFill>
+        <p:spPr>
+          <a:xfrm>
+            <a:off x="2566020" y="2323388"/>
+            <a:ext cx="7488832" cy="4393805"/>
+          </a:xfrm>
+          <a:prstGeom prst="rect">
+            <a:avLst/>
+          </a:prstGeom>
+          <a:ln>
+            <a:noFill/>
+          </a:ln>
+          <a:effectLst>
+            <a:outerShdw blurRad="292100" dist="139700" dir="2700000" algn="tl" rotWithShape="0">
+              <a:srgbClr val="333333">
+                <a:alpha val="65000"/>
+              </a:srgbClr>
+            </a:outerShdw>
+          </a:effectLst>
+        </p:spPr>
+      </p:pic>
+    </p:spTree>
+    <p:extLst>
+      <p:ext uri="{BB962C8B-B14F-4D97-AF65-F5344CB8AC3E}">
+        <p14:creationId xmlns:p14="http://schemas.microsoft.com/office/powerpoint/2010/main" val="2667531005"/>
+      </p:ext>
+    </p:extLst>
+  </p:cSld>
+  <p:clrMapOvr>
+    <a:masterClrMapping/>
+  </p:clrMapOvr>
+  <mc:AlternateContent xmlns:mc="http://schemas.openxmlformats.org/markup-compatibility/2006">
+    <mc:Choice xmlns:p14="http://schemas.microsoft.com/office/powerpoint/2010/main" Requires="p14">
+      <p:transition spd="med" p14:dur="700">
+        <p:fade/>
+      </p:transition>
+    </mc:Choice>
+    <mc:Fallback>
+      <p:transition spd="med">
+        <p:fade/>
+      </p:transition>
+    </mc:Fallback>
+  </mc:AlternateContent>
+</p:sld>
+</file>
+
+<file path=ppt/slides/slide8.xml><?xml version="1.0" encoding="utf-8"?>
+<p:sld xmlns:a="http://schemas.openxmlformats.org/drawingml/2006/main" xmlns:r="http://schemas.openxmlformats.org/officeDocument/2006/relationships" xmlns:p="http://schemas.openxmlformats.org/presentationml/2006/main">
+  <p:cSld>
+    <p:spTree>
+      <p:nvGrpSpPr>
+        <p:cNvPr id="1" name="">
+          <a:extLst>
+            <a:ext uri="{FF2B5EF4-FFF2-40B4-BE49-F238E27FC236}">
+              <a16:creationId xmlns:a16="http://schemas.microsoft.com/office/drawing/2014/main" id="{094C8847-9238-F6D8-447B-58C8A4DC5292}"/>
+            </a:ext>
+          </a:extLst>
+        </p:cNvPr>
+        <p:cNvGrpSpPr/>
+        <p:nvPr/>
+      </p:nvGrpSpPr>
+      <p:grpSpPr>
+        <a:xfrm>
+          <a:off x="0" y="0"/>
+          <a:ext cx="0" cy="0"/>
+          <a:chOff x="0" y="0"/>
+          <a:chExt cx="0" cy="0"/>
+        </a:xfrm>
+      </p:grpSpPr>
+      <p:sp>
+        <p:nvSpPr>
+          <p:cNvPr id="13" name="Title 12">
+            <a:extLst>
+              <a:ext uri="{FF2B5EF4-FFF2-40B4-BE49-F238E27FC236}">
+                <a16:creationId xmlns:a16="http://schemas.microsoft.com/office/drawing/2014/main" id="{A2E8B1E1-F29A-D7B8-C636-6C42DF44B963}"/>
+              </a:ext>
+            </a:extLst>
+          </p:cNvPr>
+          <p:cNvSpPr>
+            <a:spLocks noGrp="1"/>
+          </p:cNvSpPr>
+          <p:nvPr>
+            <p:ph type="title"/>
+          </p:nvPr>
+        </p:nvSpPr>
+        <p:spPr>
+          <a:xfrm>
+            <a:off x="1593436" y="260649"/>
+            <a:ext cx="6174521" cy="864096"/>
+          </a:xfrm>
+        </p:spPr>
+        <p:txBody>
+          <a:bodyPr anchor="ctr">
+            <a:normAutofit fontScale="90000"/>
+          </a:bodyPr>
+          <a:lstStyle/>
+          <a:p>
+            <a:r>
+              <a:rPr lang="en-US" sz="6000" b="1" dirty="0">
+                <a:latin typeface="ADLaM Display" panose="02010000000000000000" pitchFamily="2" charset="0"/>
+                <a:ea typeface="ADLaM Display" panose="02010000000000000000" pitchFamily="2" charset="0"/>
+                <a:cs typeface="ADLaM Display" panose="02010000000000000000" pitchFamily="2" charset="0"/>
+              </a:rPr>
+              <a:t>Learning Manim</a:t>
+            </a:r>
+          </a:p>
+        </p:txBody>
+      </p:sp>
+      <p:pic>
+        <p:nvPicPr>
+          <p:cNvPr id="4" name="Picture 3">
+            <a:extLst>
+              <a:ext uri="{FF2B5EF4-FFF2-40B4-BE49-F238E27FC236}">
+                <a16:creationId xmlns:a16="http://schemas.microsoft.com/office/drawing/2014/main" id="{D6EEA777-889B-9772-9005-FE3D636BD35E}"/>
+              </a:ext>
+            </a:extLst>
+          </p:cNvPr>
+          <p:cNvPicPr>
+            <a:picLocks noChangeAspect="1"/>
+          </p:cNvPicPr>
+          <p:nvPr/>
+        </p:nvPicPr>
+        <p:blipFill>
+          <a:blip r:embed="rId2"/>
+          <a:stretch>
+            <a:fillRect/>
+          </a:stretch>
+        </p:blipFill>
+        <p:spPr>
+          <a:xfrm>
+            <a:off x="7767957" y="83058"/>
+            <a:ext cx="4420868" cy="1512168"/>
+          </a:xfrm>
+          <a:prstGeom prst="rect">
+            <a:avLst/>
+          </a:prstGeom>
+        </p:spPr>
+      </p:pic>
+      <p:pic>
+        <p:nvPicPr>
+          <p:cNvPr id="5" name="Picture 4">
+            <a:extLst>
+              <a:ext uri="{FF2B5EF4-FFF2-40B4-BE49-F238E27FC236}">
+                <a16:creationId xmlns:a16="http://schemas.microsoft.com/office/drawing/2014/main" id="{BCADD321-874B-7495-2820-D67E015AADEE}"/>
+              </a:ext>
+            </a:extLst>
+          </p:cNvPr>
+          <p:cNvPicPr>
+            <a:picLocks noChangeAspect="1"/>
+          </p:cNvPicPr>
+          <p:nvPr/>
+        </p:nvPicPr>
+        <p:blipFill>
+          <a:blip r:embed="rId3"/>
+          <a:stretch>
+            <a:fillRect/>
+          </a:stretch>
+        </p:blipFill>
+        <p:spPr>
+          <a:xfrm>
+            <a:off x="117748" y="5589240"/>
+            <a:ext cx="1152128" cy="1180931"/>
+          </a:xfrm>
+          <a:prstGeom prst="rect">
+            <a:avLst/>
+          </a:prstGeom>
+          <a:ln>
+            <a:noFill/>
+          </a:ln>
+          <a:effectLst>
+            <a:softEdge rad="112500"/>
+          </a:effectLst>
+        </p:spPr>
+      </p:pic>
+      <p:sp>
+        <p:nvSpPr>
+          <p:cNvPr id="6" name="Subtitle 2">
+            <a:extLst>
+              <a:ext uri="{FF2B5EF4-FFF2-40B4-BE49-F238E27FC236}">
+                <a16:creationId xmlns:a16="http://schemas.microsoft.com/office/drawing/2014/main" id="{FF814DDB-C619-1C42-6CBF-5157C6720186}"/>
+              </a:ext>
+            </a:extLst>
+          </p:cNvPr>
+          <p:cNvSpPr txBox="1">
+            <a:spLocks/>
+          </p:cNvSpPr>
+          <p:nvPr/>
+        </p:nvSpPr>
+        <p:spPr>
+          <a:xfrm>
+            <a:off x="-1022" y="1484784"/>
+            <a:ext cx="1701923" cy="1368152"/>
+          </a:xfrm>
+          <a:prstGeom prst="rect">
+            <a:avLst/>
+          </a:prstGeom>
+        </p:spPr>
+        <p:style>
+          <a:lnRef idx="0">
+            <a:schemeClr val="accent2"/>
+          </a:lnRef>
+          <a:fillRef idx="3">
+            <a:schemeClr val="accent2"/>
+          </a:fillRef>
+          <a:effectRef idx="3">
+            <a:schemeClr val="accent2"/>
+          </a:effectRef>
+          <a:fontRef idx="minor">
+            <a:schemeClr val="lt1"/>
+          </a:fontRef>
+        </p:style>
+        <p:txBody>
+          <a:bodyPr vert="horz" lIns="91440" tIns="45720" rIns="91440" bIns="45720" rtlCol="0" anchor="ctr">
+            <a:normAutofit fontScale="92500"/>
+          </a:bodyPr>
+          <a:lstStyle>
+            <a:lvl1pPr marL="246888" indent="-246888" algn="l" defTabSz="914400" rtl="0" eaLnBrk="1" latinLnBrk="0" hangingPunct="1">
+              <a:lnSpc>
+                <a:spcPct val="90000"/>
+              </a:lnSpc>
+              <a:spcBef>
+                <a:spcPts val="1400"/>
+              </a:spcBef>
+              <a:buFont typeface="Euphemia" pitchFamily="34" charset="0"/>
+              <a:buChar char="›"/>
+              <a:defRPr sz="2800" kern="1200">
+                <a:solidFill>
+                  <a:schemeClr val="lt1"/>
+                </a:solidFill>
+                <a:latin typeface="+mn-lt"/>
+                <a:ea typeface="+mn-ea"/>
+                <a:cs typeface="+mn-cs"/>
+              </a:defRPr>
+            </a:lvl1pPr>
+            <a:lvl2pPr marL="612648" indent="-246888" algn="l" defTabSz="914400" rtl="0" eaLnBrk="1" latinLnBrk="0" hangingPunct="1">
+              <a:lnSpc>
+                <a:spcPct val="90000"/>
+              </a:lnSpc>
+              <a:spcBef>
+                <a:spcPts val="600"/>
+              </a:spcBef>
+              <a:buFont typeface="Euphemia" pitchFamily="34" charset="0"/>
+              <a:buChar char="–"/>
+              <a:defRPr sz="2400" kern="1200">
+                <a:solidFill>
+                  <a:schemeClr val="lt1"/>
+                </a:solidFill>
+                <a:latin typeface="+mn-lt"/>
+                <a:ea typeface="+mn-ea"/>
+                <a:cs typeface="+mn-cs"/>
+              </a:defRPr>
+            </a:lvl2pPr>
+            <a:lvl3pPr marL="978408" indent="-246888" algn="l" defTabSz="914400" rtl="0" eaLnBrk="1" latinLnBrk="0" hangingPunct="1">
+              <a:lnSpc>
+                <a:spcPct val="90000"/>
+              </a:lnSpc>
+              <a:spcBef>
+                <a:spcPts val="600"/>
+              </a:spcBef>
+              <a:buFont typeface="Euphemia" pitchFamily="34" charset="0"/>
+              <a:buChar char="›"/>
+              <a:defRPr sz="2000" kern="1200">
+                <a:solidFill>
+                  <a:schemeClr val="lt1"/>
+                </a:solidFill>
+                <a:latin typeface="+mn-lt"/>
+                <a:ea typeface="+mn-ea"/>
+                <a:cs typeface="+mn-cs"/>
+              </a:defRPr>
+            </a:lvl3pPr>
+            <a:lvl4pPr marL="1344168" indent="-246888" algn="l" defTabSz="914400" rtl="0" eaLnBrk="1" latinLnBrk="0" hangingPunct="1">
+              <a:lnSpc>
+                <a:spcPct val="90000"/>
+              </a:lnSpc>
+              <a:spcBef>
+                <a:spcPts val="600"/>
+              </a:spcBef>
+              <a:buFont typeface="Arial" pitchFamily="34" charset="0"/>
+              <a:buChar char="–"/>
+              <a:defRPr sz="1800" kern="1200">
+                <a:solidFill>
+                  <a:schemeClr val="lt1"/>
+                </a:solidFill>
+                <a:latin typeface="+mn-lt"/>
+                <a:ea typeface="+mn-ea"/>
+                <a:cs typeface="+mn-cs"/>
+              </a:defRPr>
+            </a:lvl4pPr>
+            <a:lvl5pPr marL="1709928" indent="-246888" algn="l" defTabSz="914400" rtl="0" eaLnBrk="1" latinLnBrk="0" hangingPunct="1">
+              <a:lnSpc>
+                <a:spcPct val="90000"/>
+              </a:lnSpc>
+              <a:spcBef>
+                <a:spcPts val="600"/>
+              </a:spcBef>
+              <a:buFont typeface="Euphemia" pitchFamily="34" charset="0"/>
+              <a:buChar char="›"/>
+              <a:defRPr sz="1800" kern="1200">
+                <a:solidFill>
+                  <a:schemeClr val="lt1"/>
+                </a:solidFill>
+                <a:latin typeface="+mn-lt"/>
+                <a:ea typeface="+mn-ea"/>
+                <a:cs typeface="+mn-cs"/>
+              </a:defRPr>
+            </a:lvl5pPr>
+            <a:lvl6pPr marL="2075688" indent="-246888" algn="l" defTabSz="914400" rtl="0" eaLnBrk="1" latinLnBrk="0" hangingPunct="1">
+              <a:lnSpc>
+                <a:spcPct val="90000"/>
+              </a:lnSpc>
+              <a:spcBef>
+                <a:spcPts val="600"/>
+              </a:spcBef>
+              <a:buFont typeface="Euphemia" pitchFamily="34" charset="0"/>
+              <a:buChar char="–"/>
+              <a:defRPr sz="1800" kern="1200">
+                <a:solidFill>
+                  <a:schemeClr val="lt1"/>
+                </a:solidFill>
+                <a:latin typeface="+mn-lt"/>
+                <a:ea typeface="+mn-ea"/>
+                <a:cs typeface="+mn-cs"/>
+              </a:defRPr>
+            </a:lvl6pPr>
+            <a:lvl7pPr marL="2441448" indent="-246888" algn="l" defTabSz="914400" rtl="0" eaLnBrk="1" latinLnBrk="0" hangingPunct="1">
+              <a:lnSpc>
+                <a:spcPct val="90000"/>
+              </a:lnSpc>
+              <a:spcBef>
+                <a:spcPts val="600"/>
+              </a:spcBef>
+              <a:buFont typeface="Euphemia" pitchFamily="34" charset="0"/>
+              <a:buChar char="›"/>
+              <a:defRPr sz="1800" kern="1200">
+                <a:solidFill>
+                  <a:schemeClr val="lt1"/>
+                </a:solidFill>
+                <a:latin typeface="+mn-lt"/>
+                <a:ea typeface="+mn-ea"/>
+                <a:cs typeface="+mn-cs"/>
+              </a:defRPr>
+            </a:lvl7pPr>
+            <a:lvl8pPr marL="2807208" indent="-246888" algn="l" defTabSz="914400" rtl="0" eaLnBrk="1" latinLnBrk="0" hangingPunct="1">
+              <a:lnSpc>
+                <a:spcPct val="90000"/>
+              </a:lnSpc>
+              <a:spcBef>
+                <a:spcPts val="600"/>
+              </a:spcBef>
+              <a:buFont typeface="Euphemia" pitchFamily="34" charset="0"/>
+              <a:buChar char="–"/>
+              <a:defRPr sz="1800" kern="1200" baseline="0">
+                <a:solidFill>
+                  <a:schemeClr val="lt1"/>
+                </a:solidFill>
+                <a:latin typeface="+mn-lt"/>
+                <a:ea typeface="+mn-ea"/>
+                <a:cs typeface="+mn-cs"/>
+              </a:defRPr>
+            </a:lvl8pPr>
+            <a:lvl9pPr marL="3172968" indent="-246888" algn="l" defTabSz="914400" rtl="0" eaLnBrk="1" latinLnBrk="0" hangingPunct="1">
+              <a:lnSpc>
+                <a:spcPct val="90000"/>
+              </a:lnSpc>
+              <a:spcBef>
+                <a:spcPts val="600"/>
+              </a:spcBef>
+              <a:buFont typeface="Euphemia" pitchFamily="34" charset="0"/>
+              <a:buChar char="›"/>
+              <a:defRPr sz="1800" kern="1200" baseline="0">
+                <a:solidFill>
+                  <a:schemeClr val="lt1"/>
+                </a:solidFill>
+                <a:latin typeface="+mn-lt"/>
+                <a:ea typeface="+mn-ea"/>
+                <a:cs typeface="+mn-cs"/>
+              </a:defRPr>
+            </a:lvl9pPr>
+          </a:lstStyle>
+          <a:p>
+            <a:pPr marL="0" indent="0" algn="ctr">
+              <a:buNone/>
+            </a:pPr>
+            <a:r>
+              <a:rPr lang="en-US" sz="7200" b="1" dirty="0">
+                <a:solidFill>
+                  <a:schemeClr val="tx2">
+                    <a:lumMod val="75000"/>
+                    <a:lumOff val="25000"/>
+                  </a:schemeClr>
+                </a:solidFill>
+              </a:rPr>
+              <a:t>008</a:t>
+            </a:r>
+          </a:p>
+        </p:txBody>
+      </p:sp>
+      <p:sp>
+        <p:nvSpPr>
+          <p:cNvPr id="9" name="Title 12">
+            <a:extLst>
+              <a:ext uri="{FF2B5EF4-FFF2-40B4-BE49-F238E27FC236}">
+                <a16:creationId xmlns:a16="http://schemas.microsoft.com/office/drawing/2014/main" id="{30F3A660-B94C-C1CD-DFEF-793C0865B9D3}"/>
+              </a:ext>
+            </a:extLst>
+          </p:cNvPr>
+          <p:cNvSpPr txBox="1">
+            <a:spLocks/>
+          </p:cNvSpPr>
+          <p:nvPr/>
+        </p:nvSpPr>
+        <p:spPr>
+          <a:xfrm>
+            <a:off x="1773932" y="1124744"/>
+            <a:ext cx="9782801" cy="843659"/>
+          </a:xfrm>
+          <a:prstGeom prst="rect">
+            <a:avLst/>
+          </a:prstGeom>
+        </p:spPr>
+        <p:txBody>
+          <a:bodyPr vert="horz" lIns="91440" tIns="45720" rIns="91440" bIns="45720" rtlCol="0" anchor="ctr">
+            <a:normAutofit fontScale="97500"/>
+          </a:bodyPr>
+          <a:lstStyle>
+            <a:lvl1pPr algn="l" defTabSz="914400" rtl="0" eaLnBrk="1" latinLnBrk="0" hangingPunct="1">
+              <a:lnSpc>
+                <a:spcPct val="90000"/>
+              </a:lnSpc>
+              <a:spcBef>
+                <a:spcPct val="0"/>
+              </a:spcBef>
+              <a:buNone/>
+              <a:defRPr sz="3600" kern="1200">
+                <a:solidFill>
+                  <a:schemeClr val="tx1">
+                    <a:lumMod val="75000"/>
+                  </a:schemeClr>
+                </a:solidFill>
+                <a:latin typeface="+mj-lt"/>
+                <a:ea typeface="+mj-ea"/>
+                <a:cs typeface="+mj-cs"/>
+              </a:defRPr>
+            </a:lvl1pPr>
+          </a:lstStyle>
+          <a:p>
+            <a:r>
+              <a:rPr lang="en-US" sz="4800" b="1" dirty="0"/>
+              <a:t>Example: Opening Manim</a:t>
+            </a:r>
+          </a:p>
+        </p:txBody>
+      </p:sp>
+      <p:pic>
+        <p:nvPicPr>
+          <p:cNvPr id="7" name="Picture 6">
+            <a:extLst>
+              <a:ext uri="{FF2B5EF4-FFF2-40B4-BE49-F238E27FC236}">
+                <a16:creationId xmlns:a16="http://schemas.microsoft.com/office/drawing/2014/main" id="{E691A570-E63C-E0F6-E113-363D445852B8}"/>
+              </a:ext>
+            </a:extLst>
+          </p:cNvPr>
+          <p:cNvPicPr>
+            <a:picLocks noChangeAspect="1"/>
+          </p:cNvPicPr>
+          <p:nvPr/>
+        </p:nvPicPr>
+        <p:blipFill>
+          <a:blip r:embed="rId4"/>
+          <a:stretch>
+            <a:fillRect/>
+          </a:stretch>
+        </p:blipFill>
+        <p:spPr>
+          <a:xfrm>
+            <a:off x="2349996" y="1949744"/>
+            <a:ext cx="8173455" cy="4781798"/>
+          </a:xfrm>
+          <a:prstGeom prst="rect">
+            <a:avLst/>
+          </a:prstGeom>
+          <a:ln>
+            <a:noFill/>
+          </a:ln>
+          <a:effectLst>
+            <a:outerShdw blurRad="292100" dist="139700" dir="2700000" algn="tl" rotWithShape="0">
+              <a:srgbClr val="333333">
+                <a:alpha val="65000"/>
+              </a:srgbClr>
+            </a:outerShdw>
+          </a:effectLst>
+        </p:spPr>
+      </p:pic>
+    </p:spTree>
+    <p:extLst>
+      <p:ext uri="{BB962C8B-B14F-4D97-AF65-F5344CB8AC3E}">
+        <p14:creationId xmlns:p14="http://schemas.microsoft.com/office/powerpoint/2010/main" val="2527647917"/>
+      </p:ext>
+    </p:extLst>
+  </p:cSld>
+  <p:clrMapOvr>
+    <a:masterClrMapping/>
+  </p:clrMapOvr>
+  <mc:AlternateContent xmlns:mc="http://schemas.openxmlformats.org/markup-compatibility/2006">
+    <mc:Choice xmlns:p14="http://schemas.microsoft.com/office/powerpoint/2010/main" Requires="p14">
+      <p:transition spd="med" p14:dur="700">
+        <p:fade/>
+      </p:transition>
+    </mc:Choice>
+    <mc:Fallback>
+      <p:transition spd="med">
+        <p:fade/>
+      </p:transition>
+    </mc:Fallback>
+  </mc:AlternateContent>
+</p:sld>
+</file>
+
+<file path=ppt/slides/slide9.xml><?xml version="1.0" encoding="utf-8"?>
+<p:sld xmlns:a="http://schemas.openxmlformats.org/drawingml/2006/main" xmlns:r="http://schemas.openxmlformats.org/officeDocument/2006/relationships" xmlns:p="http://schemas.openxmlformats.org/presentationml/2006/main">
+  <p:cSld>
+    <p:spTree>
+      <p:nvGrpSpPr>
+        <p:cNvPr id="1" name="">
+          <a:extLst>
+            <a:ext uri="{FF2B5EF4-FFF2-40B4-BE49-F238E27FC236}">
+              <a16:creationId xmlns:a16="http://schemas.microsoft.com/office/drawing/2014/main" id="{603683ED-BCC0-26B2-AEF1-A980A12CEC59}"/>
+            </a:ext>
+          </a:extLst>
+        </p:cNvPr>
+        <p:cNvGrpSpPr/>
+        <p:nvPr/>
+      </p:nvGrpSpPr>
+      <p:grpSpPr>
+        <a:xfrm>
+          <a:off x="0" y="0"/>
+          <a:ext cx="0" cy="0"/>
+          <a:chOff x="0" y="0"/>
+          <a:chExt cx="0" cy="0"/>
+        </a:xfrm>
+      </p:grpSpPr>
+      <p:sp>
+        <p:nvSpPr>
+          <p:cNvPr id="13" name="Title 12">
+            <a:extLst>
+              <a:ext uri="{FF2B5EF4-FFF2-40B4-BE49-F238E27FC236}">
+                <a16:creationId xmlns:a16="http://schemas.microsoft.com/office/drawing/2014/main" id="{9867626C-0580-A6D2-B72E-7AC9C7F609EA}"/>
+              </a:ext>
+            </a:extLst>
+          </p:cNvPr>
+          <p:cNvSpPr>
+            <a:spLocks noGrp="1"/>
+          </p:cNvSpPr>
+          <p:nvPr>
+            <p:ph type="title"/>
+          </p:nvPr>
+        </p:nvSpPr>
+        <p:spPr>
+          <a:xfrm>
+            <a:off x="1593436" y="260649"/>
+            <a:ext cx="6174521" cy="864096"/>
+          </a:xfrm>
+        </p:spPr>
+        <p:txBody>
+          <a:bodyPr anchor="ctr">
+            <a:normAutofit fontScale="90000"/>
+          </a:bodyPr>
+          <a:lstStyle/>
+          <a:p>
+            <a:r>
+              <a:rPr lang="en-US" sz="6000" b="1" dirty="0">
+                <a:latin typeface="ADLaM Display" panose="02010000000000000000" pitchFamily="2" charset="0"/>
+                <a:ea typeface="ADLaM Display" panose="02010000000000000000" pitchFamily="2" charset="0"/>
+                <a:cs typeface="ADLaM Display" panose="02010000000000000000" pitchFamily="2" charset="0"/>
+              </a:rPr>
+              <a:t>Learning Manim</a:t>
+            </a:r>
+          </a:p>
+        </p:txBody>
+      </p:sp>
+      <p:pic>
+        <p:nvPicPr>
+          <p:cNvPr id="4" name="Picture 3">
+            <a:extLst>
+              <a:ext uri="{FF2B5EF4-FFF2-40B4-BE49-F238E27FC236}">
+                <a16:creationId xmlns:a16="http://schemas.microsoft.com/office/drawing/2014/main" id="{CEFCBC13-829C-8A42-D1B0-BC597F2C30B0}"/>
+              </a:ext>
+            </a:extLst>
+          </p:cNvPr>
+          <p:cNvPicPr>
+            <a:picLocks noChangeAspect="1"/>
+          </p:cNvPicPr>
+          <p:nvPr/>
+        </p:nvPicPr>
+        <p:blipFill>
+          <a:blip r:embed="rId2"/>
+          <a:stretch>
+            <a:fillRect/>
+          </a:stretch>
+        </p:blipFill>
+        <p:spPr>
+          <a:xfrm>
+            <a:off x="7767957" y="83058"/>
+            <a:ext cx="4420868" cy="1512168"/>
+          </a:xfrm>
+          <a:prstGeom prst="rect">
+            <a:avLst/>
+          </a:prstGeom>
+        </p:spPr>
+      </p:pic>
+      <p:pic>
+        <p:nvPicPr>
+          <p:cNvPr id="5" name="Picture 4">
+            <a:extLst>
+              <a:ext uri="{FF2B5EF4-FFF2-40B4-BE49-F238E27FC236}">
+                <a16:creationId xmlns:a16="http://schemas.microsoft.com/office/drawing/2014/main" id="{CC58D251-F46F-D079-D542-F228A97563E7}"/>
+              </a:ext>
+            </a:extLst>
+          </p:cNvPr>
+          <p:cNvPicPr>
+            <a:picLocks noChangeAspect="1"/>
+          </p:cNvPicPr>
+          <p:nvPr/>
+        </p:nvPicPr>
+        <p:blipFill>
+          <a:blip r:embed="rId3"/>
+          <a:stretch>
+            <a:fillRect/>
+          </a:stretch>
+        </p:blipFill>
+        <p:spPr>
+          <a:xfrm>
+            <a:off x="117748" y="5589240"/>
+            <a:ext cx="1152128" cy="1180931"/>
+          </a:xfrm>
+          <a:prstGeom prst="rect">
+            <a:avLst/>
+          </a:prstGeom>
+          <a:ln>
+            <a:noFill/>
+          </a:ln>
+          <a:effectLst>
+            <a:softEdge rad="112500"/>
+          </a:effectLst>
+        </p:spPr>
+      </p:pic>
+      <p:sp>
+        <p:nvSpPr>
+          <p:cNvPr id="6" name="Subtitle 2">
+            <a:extLst>
+              <a:ext uri="{FF2B5EF4-FFF2-40B4-BE49-F238E27FC236}">
+                <a16:creationId xmlns:a16="http://schemas.microsoft.com/office/drawing/2014/main" id="{D0CA555D-7F3B-F2C5-E2A9-2C069901EFAC}"/>
+              </a:ext>
+            </a:extLst>
+          </p:cNvPr>
+          <p:cNvSpPr txBox="1">
+            <a:spLocks/>
+          </p:cNvSpPr>
+          <p:nvPr/>
+        </p:nvSpPr>
+        <p:spPr>
+          <a:xfrm>
+            <a:off x="-1022" y="1484784"/>
+            <a:ext cx="1701923" cy="1368152"/>
+          </a:xfrm>
+          <a:prstGeom prst="rect">
+            <a:avLst/>
+          </a:prstGeom>
+        </p:spPr>
+        <p:style>
+          <a:lnRef idx="0">
+            <a:schemeClr val="accent2"/>
+          </a:lnRef>
+          <a:fillRef idx="3">
+            <a:schemeClr val="accent2"/>
+          </a:fillRef>
+          <a:effectRef idx="3">
+            <a:schemeClr val="accent2"/>
+          </a:effectRef>
+          <a:fontRef idx="minor">
+            <a:schemeClr val="lt1"/>
+          </a:fontRef>
+        </p:style>
+        <p:txBody>
+          <a:bodyPr vert="horz" lIns="91440" tIns="45720" rIns="91440" bIns="45720" rtlCol="0" anchor="ctr">
+            <a:normAutofit fontScale="92500"/>
+          </a:bodyPr>
+          <a:lstStyle>
+            <a:lvl1pPr marL="246888" indent="-246888" algn="l" defTabSz="914400" rtl="0" eaLnBrk="1" latinLnBrk="0" hangingPunct="1">
+              <a:lnSpc>
+                <a:spcPct val="90000"/>
+              </a:lnSpc>
+              <a:spcBef>
+                <a:spcPts val="1400"/>
+              </a:spcBef>
+              <a:buFont typeface="Euphemia" pitchFamily="34" charset="0"/>
+              <a:buChar char="›"/>
+              <a:defRPr sz="2800" kern="1200">
+                <a:solidFill>
+                  <a:schemeClr val="lt1"/>
+                </a:solidFill>
+                <a:latin typeface="+mn-lt"/>
+                <a:ea typeface="+mn-ea"/>
+                <a:cs typeface="+mn-cs"/>
+              </a:defRPr>
+            </a:lvl1pPr>
+            <a:lvl2pPr marL="612648" indent="-246888" algn="l" defTabSz="914400" rtl="0" eaLnBrk="1" latinLnBrk="0" hangingPunct="1">
+              <a:lnSpc>
+                <a:spcPct val="90000"/>
+              </a:lnSpc>
+              <a:spcBef>
+                <a:spcPts val="600"/>
+              </a:spcBef>
+              <a:buFont typeface="Euphemia" pitchFamily="34" charset="0"/>
+              <a:buChar char="–"/>
+              <a:defRPr sz="2400" kern="1200">
+                <a:solidFill>
+                  <a:schemeClr val="lt1"/>
+                </a:solidFill>
+                <a:latin typeface="+mn-lt"/>
+                <a:ea typeface="+mn-ea"/>
+                <a:cs typeface="+mn-cs"/>
+              </a:defRPr>
+            </a:lvl2pPr>
+            <a:lvl3pPr marL="978408" indent="-246888" algn="l" defTabSz="914400" rtl="0" eaLnBrk="1" latinLnBrk="0" hangingPunct="1">
+              <a:lnSpc>
+                <a:spcPct val="90000"/>
+              </a:lnSpc>
+              <a:spcBef>
+                <a:spcPts val="600"/>
+              </a:spcBef>
+              <a:buFont typeface="Euphemia" pitchFamily="34" charset="0"/>
+              <a:buChar char="›"/>
+              <a:defRPr sz="2000" kern="1200">
+                <a:solidFill>
+                  <a:schemeClr val="lt1"/>
+                </a:solidFill>
+                <a:latin typeface="+mn-lt"/>
+                <a:ea typeface="+mn-ea"/>
+                <a:cs typeface="+mn-cs"/>
+              </a:defRPr>
+            </a:lvl3pPr>
+            <a:lvl4pPr marL="1344168" indent="-246888" algn="l" defTabSz="914400" rtl="0" eaLnBrk="1" latinLnBrk="0" hangingPunct="1">
+              <a:lnSpc>
+                <a:spcPct val="90000"/>
+              </a:lnSpc>
+              <a:spcBef>
+                <a:spcPts val="600"/>
+              </a:spcBef>
+              <a:buFont typeface="Arial" pitchFamily="34" charset="0"/>
+              <a:buChar char="–"/>
+              <a:defRPr sz="1800" kern="1200">
+                <a:solidFill>
+                  <a:schemeClr val="lt1"/>
+                </a:solidFill>
+                <a:latin typeface="+mn-lt"/>
+                <a:ea typeface="+mn-ea"/>
+                <a:cs typeface="+mn-cs"/>
+              </a:defRPr>
+            </a:lvl4pPr>
+            <a:lvl5pPr marL="1709928" indent="-246888" algn="l" defTabSz="914400" rtl="0" eaLnBrk="1" latinLnBrk="0" hangingPunct="1">
+              <a:lnSpc>
+                <a:spcPct val="90000"/>
+              </a:lnSpc>
+              <a:spcBef>
+                <a:spcPts val="600"/>
+              </a:spcBef>
+              <a:buFont typeface="Euphemia" pitchFamily="34" charset="0"/>
+              <a:buChar char="›"/>
+              <a:defRPr sz="1800" kern="1200">
+                <a:solidFill>
+                  <a:schemeClr val="lt1"/>
+                </a:solidFill>
+                <a:latin typeface="+mn-lt"/>
+                <a:ea typeface="+mn-ea"/>
+                <a:cs typeface="+mn-cs"/>
+              </a:defRPr>
+            </a:lvl5pPr>
+            <a:lvl6pPr marL="2075688" indent="-246888" algn="l" defTabSz="914400" rtl="0" eaLnBrk="1" latinLnBrk="0" hangingPunct="1">
+              <a:lnSpc>
+                <a:spcPct val="90000"/>
+              </a:lnSpc>
+              <a:spcBef>
+                <a:spcPts val="600"/>
+              </a:spcBef>
+              <a:buFont typeface="Euphemia" pitchFamily="34" charset="0"/>
+              <a:buChar char="–"/>
+              <a:defRPr sz="1800" kern="1200">
+                <a:solidFill>
+                  <a:schemeClr val="lt1"/>
+                </a:solidFill>
+                <a:latin typeface="+mn-lt"/>
+                <a:ea typeface="+mn-ea"/>
+                <a:cs typeface="+mn-cs"/>
+              </a:defRPr>
+            </a:lvl6pPr>
+            <a:lvl7pPr marL="2441448" indent="-246888" algn="l" defTabSz="914400" rtl="0" eaLnBrk="1" latinLnBrk="0" hangingPunct="1">
+              <a:lnSpc>
+                <a:spcPct val="90000"/>
+              </a:lnSpc>
+              <a:spcBef>
+                <a:spcPts val="600"/>
+              </a:spcBef>
+              <a:buFont typeface="Euphemia" pitchFamily="34" charset="0"/>
+              <a:buChar char="›"/>
+              <a:defRPr sz="1800" kern="1200">
+                <a:solidFill>
+                  <a:schemeClr val="lt1"/>
+                </a:solidFill>
+                <a:latin typeface="+mn-lt"/>
+                <a:ea typeface="+mn-ea"/>
+                <a:cs typeface="+mn-cs"/>
+              </a:defRPr>
+            </a:lvl7pPr>
+            <a:lvl8pPr marL="2807208" indent="-246888" algn="l" defTabSz="914400" rtl="0" eaLnBrk="1" latinLnBrk="0" hangingPunct="1">
+              <a:lnSpc>
+                <a:spcPct val="90000"/>
+              </a:lnSpc>
+              <a:spcBef>
+                <a:spcPts val="600"/>
+              </a:spcBef>
+              <a:buFont typeface="Euphemia" pitchFamily="34" charset="0"/>
+              <a:buChar char="–"/>
+              <a:defRPr sz="1800" kern="1200" baseline="0">
+                <a:solidFill>
+                  <a:schemeClr val="lt1"/>
+                </a:solidFill>
+                <a:latin typeface="+mn-lt"/>
+                <a:ea typeface="+mn-ea"/>
+                <a:cs typeface="+mn-cs"/>
+              </a:defRPr>
+            </a:lvl8pPr>
+            <a:lvl9pPr marL="3172968" indent="-246888" algn="l" defTabSz="914400" rtl="0" eaLnBrk="1" latinLnBrk="0" hangingPunct="1">
+              <a:lnSpc>
+                <a:spcPct val="90000"/>
+              </a:lnSpc>
+              <a:spcBef>
+                <a:spcPts val="600"/>
+              </a:spcBef>
+              <a:buFont typeface="Euphemia" pitchFamily="34" charset="0"/>
+              <a:buChar char="›"/>
+              <a:defRPr sz="1800" kern="1200" baseline="0">
+                <a:solidFill>
+                  <a:schemeClr val="lt1"/>
+                </a:solidFill>
+                <a:latin typeface="+mn-lt"/>
+                <a:ea typeface="+mn-ea"/>
+                <a:cs typeface="+mn-cs"/>
+              </a:defRPr>
+            </a:lvl9pPr>
+          </a:lstStyle>
+          <a:p>
+            <a:pPr marL="0" indent="0" algn="ctr">
+              <a:buNone/>
+            </a:pPr>
+            <a:r>
+              <a:rPr lang="en-US" sz="7200" b="1" dirty="0">
+                <a:solidFill>
+                  <a:schemeClr val="tx2">
+                    <a:lumMod val="75000"/>
+                    <a:lumOff val="25000"/>
+                  </a:schemeClr>
+                </a:solidFill>
+              </a:rPr>
+              <a:t>009</a:t>
+            </a:r>
+          </a:p>
+        </p:txBody>
+      </p:sp>
+      <p:sp>
+        <p:nvSpPr>
+          <p:cNvPr id="9" name="Title 12">
+            <a:extLst>
+              <a:ext uri="{FF2B5EF4-FFF2-40B4-BE49-F238E27FC236}">
+                <a16:creationId xmlns:a16="http://schemas.microsoft.com/office/drawing/2014/main" id="{7BBBDF52-880F-BC7C-D5D1-B3DE51B74CA6}"/>
+              </a:ext>
+            </a:extLst>
+          </p:cNvPr>
+          <p:cNvSpPr txBox="1">
+            <a:spLocks/>
+          </p:cNvSpPr>
+          <p:nvPr/>
+        </p:nvSpPr>
+        <p:spPr>
+          <a:xfrm>
+            <a:off x="1773932" y="1124744"/>
+            <a:ext cx="9782801" cy="843659"/>
+          </a:xfrm>
+          <a:prstGeom prst="rect">
+            <a:avLst/>
+          </a:prstGeom>
+        </p:spPr>
+        <p:txBody>
+          <a:bodyPr vert="horz" lIns="91440" tIns="45720" rIns="91440" bIns="45720" rtlCol="0" anchor="ctr">
+            <a:normAutofit fontScale="97500"/>
+          </a:bodyPr>
+          <a:lstStyle>
+            <a:lvl1pPr algn="l" defTabSz="914400" rtl="0" eaLnBrk="1" latinLnBrk="0" hangingPunct="1">
+              <a:lnSpc>
+                <a:spcPct val="90000"/>
+              </a:lnSpc>
+              <a:spcBef>
+                <a:spcPct val="0"/>
+              </a:spcBef>
+              <a:buNone/>
+              <a:defRPr sz="3600" kern="1200">
+                <a:solidFill>
+                  <a:schemeClr val="tx1">
+                    <a:lumMod val="75000"/>
+                  </a:schemeClr>
+                </a:solidFill>
+                <a:latin typeface="+mj-lt"/>
+                <a:ea typeface="+mj-ea"/>
+                <a:cs typeface="+mj-cs"/>
+              </a:defRPr>
+            </a:lvl1pPr>
+          </a:lstStyle>
+          <a:p>
+            <a:r>
+              <a:rPr lang="en-US" sz="4800" b="1" dirty="0"/>
+              <a:t>Example: Square To Circle</a:t>
+            </a:r>
+          </a:p>
+        </p:txBody>
+      </p:sp>
+      <p:pic>
+        <p:nvPicPr>
+          <p:cNvPr id="3" name="Picture 2">
+            <a:extLst>
+              <a:ext uri="{FF2B5EF4-FFF2-40B4-BE49-F238E27FC236}">
+                <a16:creationId xmlns:a16="http://schemas.microsoft.com/office/drawing/2014/main" id="{4CF3C876-AEED-89C1-92F5-9DA6BB084C78}"/>
+              </a:ext>
+            </a:extLst>
+          </p:cNvPr>
+          <p:cNvPicPr>
+            <a:picLocks noChangeAspect="1"/>
+          </p:cNvPicPr>
+          <p:nvPr/>
+        </p:nvPicPr>
+        <p:blipFill>
+          <a:blip r:embed="rId4"/>
+          <a:stretch>
+            <a:fillRect/>
+          </a:stretch>
+        </p:blipFill>
+        <p:spPr>
+          <a:xfrm>
+            <a:off x="2076715" y="1954621"/>
+            <a:ext cx="8194161" cy="4770498"/>
+          </a:xfrm>
+          <a:prstGeom prst="rect">
+            <a:avLst/>
+          </a:prstGeom>
+          <a:ln>
+            <a:noFill/>
+          </a:ln>
+          <a:effectLst>
+            <a:outerShdw blurRad="292100" dist="139700" dir="2700000" algn="tl" rotWithShape="0">
+              <a:srgbClr val="333333">
+                <a:alpha val="65000"/>
+              </a:srgbClr>
+            </a:outerShdw>
+          </a:effectLst>
+        </p:spPr>
+      </p:pic>
+    </p:spTree>
+    <p:extLst>
+      <p:ext uri="{BB962C8B-B14F-4D97-AF65-F5344CB8AC3E}">
+        <p14:creationId xmlns:p14="http://schemas.microsoft.com/office/powerpoint/2010/main" val="2224776362"/>
       </p:ext>
     </p:extLst>
   </p:cSld>

--- a/Manim/Learn Manim Library by Practice.pptx
+++ b/Manim/Learn Manim Library by Practice.pptx
@@ -5,10 +5,10 @@
     <p:sldMasterId id="2147483648" r:id="rId1"/>
   </p:sldMasterIdLst>
   <p:notesMasterIdLst>
-    <p:notesMasterId r:id="rId14"/>
+    <p:notesMasterId r:id="rId15"/>
   </p:notesMasterIdLst>
   <p:handoutMasterIdLst>
-    <p:handoutMasterId r:id="rId15"/>
+    <p:handoutMasterId r:id="rId16"/>
   </p:handoutMasterIdLst>
   <p:sldIdLst>
     <p:sldId id="256" r:id="rId2"/>
@@ -22,7 +22,8 @@
     <p:sldId id="275" r:id="rId10"/>
     <p:sldId id="276" r:id="rId11"/>
     <p:sldId id="277" r:id="rId12"/>
-    <p:sldId id="272" r:id="rId13"/>
+    <p:sldId id="278" r:id="rId13"/>
+    <p:sldId id="272" r:id="rId14"/>
   </p:sldIdLst>
   <p:sldSz cx="12188825" cy="6858000"/>
   <p:notesSz cx="6858000" cy="9144000"/>
@@ -127,16 +128,29 @@
         <p14:section name="Default Section" id="{31C25DE4-BCB6-4E87-9795-4A924227221D}">
           <p14:sldIdLst>
             <p14:sldId id="256"/>
+          </p14:sldIdLst>
+        </p14:section>
+        <p14:section name="Tutorial - Quick Start" id="{A0C55BFF-E4B1-4023-8B93-331C94247258}">
+          <p14:sldIdLst>
             <p14:sldId id="267"/>
             <p14:sldId id="268"/>
             <p14:sldId id="269"/>
             <p14:sldId id="270"/>
             <p14:sldId id="271"/>
+          </p14:sldIdLst>
+        </p14:section>
+        <p14:section name="Tutorial - Homepage Examples" id="{A36C5EA5-BE0D-4B67-A46D-97AD6025E5FF}">
+          <p14:sldIdLst>
             <p14:sldId id="273"/>
             <p14:sldId id="274"/>
             <p14:sldId id="275"/>
             <p14:sldId id="276"/>
             <p14:sldId id="277"/>
+          </p14:sldIdLst>
+        </p14:section>
+        <p14:section name="Tutorial - Output Settings" id="{7F520405-7784-4B2D-9178-B5FA153AB5DC}">
+          <p14:sldIdLst>
+            <p14:sldId id="278"/>
           </p14:sldIdLst>
         </p14:section>
         <p14:section name="Udemy" id="{61D4A0FB-23D1-4A58-B3C6-86E5BDFA3F31}">
@@ -265,7 +279,7 @@
           <a:p>
             <a:fld id="{BDB7646E-8811-423A-9C42-2CBFADA00A96}" type="datetimeFigureOut">
               <a:rPr lang="en-US" smtClean="0"/>
-              <a:t>11/14/2024</a:t>
+              <a:t>11/17/2024</a:t>
             </a:fld>
             <a:endParaRPr lang="en-US"/>
           </a:p>
@@ -439,7 +453,7 @@
             <a:fld id="{D677E230-58DD-43ED-96A1-552DDAB53532}" type="datetimeFigureOut">
               <a:rPr lang="en-US" smtClean="0"/>
               <a:pPr/>
-              <a:t>11/14/2024</a:t>
+              <a:t>11/16/2024</a:t>
             </a:fld>
             <a:endParaRPr lang="en-US"/>
           </a:p>
@@ -1631,7 +1645,7 @@
             <a:fld id="{C2C6F8EA-316C-41DE-B9A4-EDCC3A85ED9A}" type="datetimeFigureOut">
               <a:rPr lang="en-US"/>
               <a:pPr/>
-              <a:t>11/14/2024</a:t>
+              <a:t>11/16/2024</a:t>
             </a:fld>
             <a:endParaRPr/>
           </a:p>
@@ -1846,7 +1860,7 @@
           <a:p>
             <a:fld id="{C2C6F8EA-316C-41DE-B9A4-EDCC3A85ED9A}" type="datetimeFigureOut">
               <a:rPr lang="en-US"/>
-              <a:t>11/14/2024</a:t>
+              <a:t>11/16/2024</a:t>
             </a:fld>
             <a:endParaRPr/>
           </a:p>
@@ -2660,7 +2674,7 @@
           <a:p>
             <a:fld id="{C2C6F8EA-316C-41DE-B9A4-EDCC3A85ED9A}" type="datetimeFigureOut">
               <a:rPr lang="en-US"/>
-              <a:t>11/14/2024</a:t>
+              <a:t>11/16/2024</a:t>
             </a:fld>
             <a:endParaRPr/>
           </a:p>
@@ -2858,7 +2872,7 @@
           <a:p>
             <a:fld id="{C2C6F8EA-316C-41DE-B9A4-EDCC3A85ED9A}" type="datetimeFigureOut">
               <a:rPr lang="en-US"/>
-              <a:t>11/14/2024</a:t>
+              <a:t>11/16/2024</a:t>
             </a:fld>
             <a:endParaRPr/>
           </a:p>
@@ -3964,7 +3978,7 @@
             <a:fld id="{C2C6F8EA-316C-41DE-B9A4-EDCC3A85ED9A}" type="datetimeFigureOut">
               <a:rPr lang="en-US"/>
               <a:pPr/>
-              <a:t>11/14/2024</a:t>
+              <a:t>11/16/2024</a:t>
             </a:fld>
             <a:endParaRPr/>
           </a:p>
@@ -4437,7 +4451,7 @@
           <a:p>
             <a:fld id="{C2C6F8EA-316C-41DE-B9A4-EDCC3A85ED9A}" type="datetimeFigureOut">
               <a:rPr lang="en-US"/>
-              <a:t>11/14/2024</a:t>
+              <a:t>11/16/2024</a:t>
             </a:fld>
             <a:endParaRPr/>
           </a:p>
@@ -4885,7 +4899,7 @@
           <a:p>
             <a:fld id="{C2C6F8EA-316C-41DE-B9A4-EDCC3A85ED9A}" type="datetimeFigureOut">
               <a:rPr lang="en-US"/>
-              <a:t>11/14/2024</a:t>
+              <a:t>11/16/2024</a:t>
             </a:fld>
             <a:endParaRPr/>
           </a:p>
@@ -5015,7 +5029,7 @@
           <a:p>
             <a:fld id="{C2C6F8EA-316C-41DE-B9A4-EDCC3A85ED9A}" type="datetimeFigureOut">
               <a:rPr lang="en-US"/>
-              <a:t>11/14/2024</a:t>
+              <a:t>11/16/2024</a:t>
             </a:fld>
             <a:endParaRPr/>
           </a:p>
@@ -5350,7 +5364,7 @@
           <a:p>
             <a:fld id="{C2C6F8EA-316C-41DE-B9A4-EDCC3A85ED9A}" type="datetimeFigureOut">
               <a:rPr lang="en-US"/>
-              <a:t>11/14/2024</a:t>
+              <a:t>11/16/2024</a:t>
             </a:fld>
             <a:endParaRPr/>
           </a:p>
@@ -5842,7 +5856,7 @@
           <a:p>
             <a:fld id="{C2C6F8EA-316C-41DE-B9A4-EDCC3A85ED9A}" type="datetimeFigureOut">
               <a:rPr lang="en-US"/>
-              <a:t>11/14/2024</a:t>
+              <a:t>11/16/2024</a:t>
             </a:fld>
             <a:endParaRPr/>
           </a:p>
@@ -6278,7 +6292,7 @@
           <a:p>
             <a:fld id="{C2C6F8EA-316C-41DE-B9A4-EDCC3A85ED9A}" type="datetimeFigureOut">
               <a:rPr lang="en-US"/>
-              <a:t>11/14/2024</a:t>
+              <a:t>11/16/2024</a:t>
             </a:fld>
             <a:endParaRPr/>
           </a:p>
@@ -7162,7 +7176,7 @@
             <a:fld id="{C2C6F8EA-316C-41DE-B9A4-EDCC3A85ED9A}" type="datetimeFigureOut">
               <a:rPr lang="en-US"/>
               <a:pPr/>
-              <a:t>11/14/2024</a:t>
+              <a:t>11/16/2024</a:t>
             </a:fld>
             <a:endParaRPr/>
           </a:p>
@@ -8259,13 +8273,13 @@
   <p:clrMapOvr>
     <a:masterClrMapping/>
   </p:clrMapOvr>
-  <mc:AlternateContent xmlns:mc="http://schemas.openxmlformats.org/markup-compatibility/2006">
-    <mc:Choice xmlns:p14="http://schemas.microsoft.com/office/powerpoint/2010/main" Requires="p14">
+  <mc:AlternateContent xmlns:mc="http://schemas.openxmlformats.org/markup-compatibility/2006" xmlns:p14="http://schemas.microsoft.com/office/powerpoint/2010/main">
+    <mc:Choice Requires="p14">
       <p:transition spd="med" p14:dur="700">
         <p:fade/>
       </p:transition>
     </mc:Choice>
-    <mc:Fallback>
+    <mc:Fallback xmlns="">
       <p:transition spd="med">
         <p:fade/>
       </p:transition>
@@ -8731,13 +8745,13 @@
   <p:clrMapOvr>
     <a:masterClrMapping/>
   </p:clrMapOvr>
-  <mc:AlternateContent xmlns:mc="http://schemas.openxmlformats.org/markup-compatibility/2006">
-    <mc:Choice xmlns:p14="http://schemas.microsoft.com/office/powerpoint/2010/main" Requires="p14">
+  <mc:AlternateContent xmlns:mc="http://schemas.openxmlformats.org/markup-compatibility/2006" xmlns:p14="http://schemas.microsoft.com/office/powerpoint/2010/main">
+    <mc:Choice Requires="p14">
       <p:transition spd="med" p14:dur="700">
         <p:fade/>
       </p:transition>
     </mc:Choice>
-    <mc:Fallback>
+    <mc:Fallback xmlns="">
       <p:transition spd="med">
         <p:fade/>
       </p:transition>
@@ -8747,6 +8761,481 @@
 </file>
 
 <file path=ppt/slides/slide12.xml><?xml version="1.0" encoding="utf-8"?>
+<p:sld xmlns:a="http://schemas.openxmlformats.org/drawingml/2006/main" xmlns:r="http://schemas.openxmlformats.org/officeDocument/2006/relationships" xmlns:p="http://schemas.openxmlformats.org/presentationml/2006/main">
+  <p:cSld>
+    <p:spTree>
+      <p:nvGrpSpPr>
+        <p:cNvPr id="1" name="">
+          <a:extLst>
+            <a:ext uri="{FF2B5EF4-FFF2-40B4-BE49-F238E27FC236}">
+              <a16:creationId xmlns:a16="http://schemas.microsoft.com/office/drawing/2014/main" id="{70C1F3F0-16D0-E9E5-95C7-E5D798F6B5CB}"/>
+            </a:ext>
+          </a:extLst>
+        </p:cNvPr>
+        <p:cNvGrpSpPr/>
+        <p:nvPr/>
+      </p:nvGrpSpPr>
+      <p:grpSpPr>
+        <a:xfrm>
+          <a:off x="0" y="0"/>
+          <a:ext cx="0" cy="0"/>
+          <a:chOff x="0" y="0"/>
+          <a:chExt cx="0" cy="0"/>
+        </a:xfrm>
+      </p:grpSpPr>
+      <p:sp>
+        <p:nvSpPr>
+          <p:cNvPr id="13" name="Title 12">
+            <a:extLst>
+              <a:ext uri="{FF2B5EF4-FFF2-40B4-BE49-F238E27FC236}">
+                <a16:creationId xmlns:a16="http://schemas.microsoft.com/office/drawing/2014/main" id="{449C439B-4DD9-E862-A0DE-F89000123297}"/>
+              </a:ext>
+            </a:extLst>
+          </p:cNvPr>
+          <p:cNvSpPr>
+            <a:spLocks noGrp="1"/>
+          </p:cNvSpPr>
+          <p:nvPr>
+            <p:ph type="title"/>
+          </p:nvPr>
+        </p:nvSpPr>
+        <p:spPr>
+          <a:xfrm>
+            <a:off x="1593436" y="260649"/>
+            <a:ext cx="6174521" cy="864096"/>
+          </a:xfrm>
+        </p:spPr>
+        <p:txBody>
+          <a:bodyPr anchor="ctr">
+            <a:normAutofit fontScale="90000"/>
+          </a:bodyPr>
+          <a:lstStyle/>
+          <a:p>
+            <a:r>
+              <a:rPr lang="en-US" sz="6000" b="1" dirty="0">
+                <a:latin typeface="ADLaM Display" panose="02010000000000000000" pitchFamily="2" charset="0"/>
+                <a:ea typeface="ADLaM Display" panose="02010000000000000000" pitchFamily="2" charset="0"/>
+                <a:cs typeface="ADLaM Display" panose="02010000000000000000" pitchFamily="2" charset="0"/>
+              </a:rPr>
+              <a:t>Learning Manim</a:t>
+            </a:r>
+          </a:p>
+        </p:txBody>
+      </p:sp>
+      <p:pic>
+        <p:nvPicPr>
+          <p:cNvPr id="4" name="Picture 3">
+            <a:extLst>
+              <a:ext uri="{FF2B5EF4-FFF2-40B4-BE49-F238E27FC236}">
+                <a16:creationId xmlns:a16="http://schemas.microsoft.com/office/drawing/2014/main" id="{6BD87344-C708-2F3E-F4E7-7EF35371605F}"/>
+              </a:ext>
+            </a:extLst>
+          </p:cNvPr>
+          <p:cNvPicPr>
+            <a:picLocks noChangeAspect="1"/>
+          </p:cNvPicPr>
+          <p:nvPr/>
+        </p:nvPicPr>
+        <p:blipFill>
+          <a:blip r:embed="rId2"/>
+          <a:stretch>
+            <a:fillRect/>
+          </a:stretch>
+        </p:blipFill>
+        <p:spPr>
+          <a:xfrm>
+            <a:off x="7767957" y="83058"/>
+            <a:ext cx="4420868" cy="1512168"/>
+          </a:xfrm>
+          <a:prstGeom prst="rect">
+            <a:avLst/>
+          </a:prstGeom>
+        </p:spPr>
+      </p:pic>
+      <p:pic>
+        <p:nvPicPr>
+          <p:cNvPr id="5" name="Picture 4">
+            <a:extLst>
+              <a:ext uri="{FF2B5EF4-FFF2-40B4-BE49-F238E27FC236}">
+                <a16:creationId xmlns:a16="http://schemas.microsoft.com/office/drawing/2014/main" id="{1928FDE1-D0BD-8D2F-2F2C-2807C7D37972}"/>
+              </a:ext>
+            </a:extLst>
+          </p:cNvPr>
+          <p:cNvPicPr>
+            <a:picLocks noChangeAspect="1"/>
+          </p:cNvPicPr>
+          <p:nvPr/>
+        </p:nvPicPr>
+        <p:blipFill>
+          <a:blip r:embed="rId3"/>
+          <a:stretch>
+            <a:fillRect/>
+          </a:stretch>
+        </p:blipFill>
+        <p:spPr>
+          <a:xfrm>
+            <a:off x="20044" y="2636912"/>
+            <a:ext cx="1152128" cy="1180931"/>
+          </a:xfrm>
+          <a:prstGeom prst="rect">
+            <a:avLst/>
+          </a:prstGeom>
+          <a:ln>
+            <a:noFill/>
+          </a:ln>
+          <a:effectLst>
+            <a:softEdge rad="112500"/>
+          </a:effectLst>
+        </p:spPr>
+      </p:pic>
+      <p:sp>
+        <p:nvSpPr>
+          <p:cNvPr id="6" name="Subtitle 2">
+            <a:extLst>
+              <a:ext uri="{FF2B5EF4-FFF2-40B4-BE49-F238E27FC236}">
+                <a16:creationId xmlns:a16="http://schemas.microsoft.com/office/drawing/2014/main" id="{E9E4E6AE-F488-8395-6869-7610AD9E42E3}"/>
+              </a:ext>
+            </a:extLst>
+          </p:cNvPr>
+          <p:cNvSpPr txBox="1">
+            <a:spLocks/>
+          </p:cNvSpPr>
+          <p:nvPr/>
+        </p:nvSpPr>
+        <p:spPr>
+          <a:xfrm>
+            <a:off x="-1022" y="1484784"/>
+            <a:ext cx="1774954" cy="1080120"/>
+          </a:xfrm>
+          <a:prstGeom prst="rect">
+            <a:avLst/>
+          </a:prstGeom>
+        </p:spPr>
+        <p:style>
+          <a:lnRef idx="0">
+            <a:schemeClr val="accent2"/>
+          </a:lnRef>
+          <a:fillRef idx="3">
+            <a:schemeClr val="accent2"/>
+          </a:fillRef>
+          <a:effectRef idx="3">
+            <a:schemeClr val="accent2"/>
+          </a:effectRef>
+          <a:fontRef idx="minor">
+            <a:schemeClr val="lt1"/>
+          </a:fontRef>
+        </p:style>
+        <p:txBody>
+          <a:bodyPr vert="horz" lIns="91440" tIns="45720" rIns="91440" bIns="45720" rtlCol="0" anchor="ctr">
+            <a:normAutofit/>
+          </a:bodyPr>
+          <a:lstStyle>
+            <a:lvl1pPr marL="246888" indent="-246888" algn="l" defTabSz="914400" rtl="0" eaLnBrk="1" latinLnBrk="0" hangingPunct="1">
+              <a:lnSpc>
+                <a:spcPct val="90000"/>
+              </a:lnSpc>
+              <a:spcBef>
+                <a:spcPts val="1400"/>
+              </a:spcBef>
+              <a:buFont typeface="Euphemia" pitchFamily="34" charset="0"/>
+              <a:buChar char="›"/>
+              <a:defRPr sz="2800" kern="1200">
+                <a:solidFill>
+                  <a:schemeClr val="lt1"/>
+                </a:solidFill>
+                <a:latin typeface="+mn-lt"/>
+                <a:ea typeface="+mn-ea"/>
+                <a:cs typeface="+mn-cs"/>
+              </a:defRPr>
+            </a:lvl1pPr>
+            <a:lvl2pPr marL="612648" indent="-246888" algn="l" defTabSz="914400" rtl="0" eaLnBrk="1" latinLnBrk="0" hangingPunct="1">
+              <a:lnSpc>
+                <a:spcPct val="90000"/>
+              </a:lnSpc>
+              <a:spcBef>
+                <a:spcPts val="600"/>
+              </a:spcBef>
+              <a:buFont typeface="Euphemia" pitchFamily="34" charset="0"/>
+              <a:buChar char="–"/>
+              <a:defRPr sz="2400" kern="1200">
+                <a:solidFill>
+                  <a:schemeClr val="lt1"/>
+                </a:solidFill>
+                <a:latin typeface="+mn-lt"/>
+                <a:ea typeface="+mn-ea"/>
+                <a:cs typeface="+mn-cs"/>
+              </a:defRPr>
+            </a:lvl2pPr>
+            <a:lvl3pPr marL="978408" indent="-246888" algn="l" defTabSz="914400" rtl="0" eaLnBrk="1" latinLnBrk="0" hangingPunct="1">
+              <a:lnSpc>
+                <a:spcPct val="90000"/>
+              </a:lnSpc>
+              <a:spcBef>
+                <a:spcPts val="600"/>
+              </a:spcBef>
+              <a:buFont typeface="Euphemia" pitchFamily="34" charset="0"/>
+              <a:buChar char="›"/>
+              <a:defRPr sz="2000" kern="1200">
+                <a:solidFill>
+                  <a:schemeClr val="lt1"/>
+                </a:solidFill>
+                <a:latin typeface="+mn-lt"/>
+                <a:ea typeface="+mn-ea"/>
+                <a:cs typeface="+mn-cs"/>
+              </a:defRPr>
+            </a:lvl3pPr>
+            <a:lvl4pPr marL="1344168" indent="-246888" algn="l" defTabSz="914400" rtl="0" eaLnBrk="1" latinLnBrk="0" hangingPunct="1">
+              <a:lnSpc>
+                <a:spcPct val="90000"/>
+              </a:lnSpc>
+              <a:spcBef>
+                <a:spcPts val="600"/>
+              </a:spcBef>
+              <a:buFont typeface="Arial" pitchFamily="34" charset="0"/>
+              <a:buChar char="–"/>
+              <a:defRPr sz="1800" kern="1200">
+                <a:solidFill>
+                  <a:schemeClr val="lt1"/>
+                </a:solidFill>
+                <a:latin typeface="+mn-lt"/>
+                <a:ea typeface="+mn-ea"/>
+                <a:cs typeface="+mn-cs"/>
+              </a:defRPr>
+            </a:lvl4pPr>
+            <a:lvl5pPr marL="1709928" indent="-246888" algn="l" defTabSz="914400" rtl="0" eaLnBrk="1" latinLnBrk="0" hangingPunct="1">
+              <a:lnSpc>
+                <a:spcPct val="90000"/>
+              </a:lnSpc>
+              <a:spcBef>
+                <a:spcPts val="600"/>
+              </a:spcBef>
+              <a:buFont typeface="Euphemia" pitchFamily="34" charset="0"/>
+              <a:buChar char="›"/>
+              <a:defRPr sz="1800" kern="1200">
+                <a:solidFill>
+                  <a:schemeClr val="lt1"/>
+                </a:solidFill>
+                <a:latin typeface="+mn-lt"/>
+                <a:ea typeface="+mn-ea"/>
+                <a:cs typeface="+mn-cs"/>
+              </a:defRPr>
+            </a:lvl5pPr>
+            <a:lvl6pPr marL="2075688" indent="-246888" algn="l" defTabSz="914400" rtl="0" eaLnBrk="1" latinLnBrk="0" hangingPunct="1">
+              <a:lnSpc>
+                <a:spcPct val="90000"/>
+              </a:lnSpc>
+              <a:spcBef>
+                <a:spcPts val="600"/>
+              </a:spcBef>
+              <a:buFont typeface="Euphemia" pitchFamily="34" charset="0"/>
+              <a:buChar char="–"/>
+              <a:defRPr sz="1800" kern="1200">
+                <a:solidFill>
+                  <a:schemeClr val="lt1"/>
+                </a:solidFill>
+                <a:latin typeface="+mn-lt"/>
+                <a:ea typeface="+mn-ea"/>
+                <a:cs typeface="+mn-cs"/>
+              </a:defRPr>
+            </a:lvl6pPr>
+            <a:lvl7pPr marL="2441448" indent="-246888" algn="l" defTabSz="914400" rtl="0" eaLnBrk="1" latinLnBrk="0" hangingPunct="1">
+              <a:lnSpc>
+                <a:spcPct val="90000"/>
+              </a:lnSpc>
+              <a:spcBef>
+                <a:spcPts val="600"/>
+              </a:spcBef>
+              <a:buFont typeface="Euphemia" pitchFamily="34" charset="0"/>
+              <a:buChar char="›"/>
+              <a:defRPr sz="1800" kern="1200">
+                <a:solidFill>
+                  <a:schemeClr val="lt1"/>
+                </a:solidFill>
+                <a:latin typeface="+mn-lt"/>
+                <a:ea typeface="+mn-ea"/>
+                <a:cs typeface="+mn-cs"/>
+              </a:defRPr>
+            </a:lvl7pPr>
+            <a:lvl8pPr marL="2807208" indent="-246888" algn="l" defTabSz="914400" rtl="0" eaLnBrk="1" latinLnBrk="0" hangingPunct="1">
+              <a:lnSpc>
+                <a:spcPct val="90000"/>
+              </a:lnSpc>
+              <a:spcBef>
+                <a:spcPts val="600"/>
+              </a:spcBef>
+              <a:buFont typeface="Euphemia" pitchFamily="34" charset="0"/>
+              <a:buChar char="–"/>
+              <a:defRPr sz="1800" kern="1200" baseline="0">
+                <a:solidFill>
+                  <a:schemeClr val="lt1"/>
+                </a:solidFill>
+                <a:latin typeface="+mn-lt"/>
+                <a:ea typeface="+mn-ea"/>
+                <a:cs typeface="+mn-cs"/>
+              </a:defRPr>
+            </a:lvl8pPr>
+            <a:lvl9pPr marL="3172968" indent="-246888" algn="l" defTabSz="914400" rtl="0" eaLnBrk="1" latinLnBrk="0" hangingPunct="1">
+              <a:lnSpc>
+                <a:spcPct val="90000"/>
+              </a:lnSpc>
+              <a:spcBef>
+                <a:spcPts val="600"/>
+              </a:spcBef>
+              <a:buFont typeface="Euphemia" pitchFamily="34" charset="0"/>
+              <a:buChar char="›"/>
+              <a:defRPr sz="1800" kern="1200" baseline="0">
+                <a:solidFill>
+                  <a:schemeClr val="lt1"/>
+                </a:solidFill>
+                <a:latin typeface="+mn-lt"/>
+                <a:ea typeface="+mn-ea"/>
+                <a:cs typeface="+mn-cs"/>
+              </a:defRPr>
+            </a:lvl9pPr>
+          </a:lstStyle>
+          <a:p>
+            <a:pPr marL="0" indent="0" algn="ctr">
+              <a:buNone/>
+            </a:pPr>
+            <a:r>
+              <a:rPr lang="en-US" sz="7200" b="1" dirty="0">
+                <a:solidFill>
+                  <a:schemeClr val="tx2">
+                    <a:lumMod val="75000"/>
+                    <a:lumOff val="25000"/>
+                  </a:schemeClr>
+                </a:solidFill>
+                <a:latin typeface="ADLaM Display" panose="02010000000000000000" pitchFamily="2" charset="0"/>
+                <a:ea typeface="ADLaM Display" panose="02010000000000000000" pitchFamily="2" charset="0"/>
+                <a:cs typeface="ADLaM Display" panose="02010000000000000000" pitchFamily="2" charset="0"/>
+              </a:rPr>
+              <a:t>012</a:t>
+            </a:r>
+          </a:p>
+        </p:txBody>
+      </p:sp>
+      <p:sp>
+        <p:nvSpPr>
+          <p:cNvPr id="9" name="Title 12">
+            <a:extLst>
+              <a:ext uri="{FF2B5EF4-FFF2-40B4-BE49-F238E27FC236}">
+                <a16:creationId xmlns:a16="http://schemas.microsoft.com/office/drawing/2014/main" id="{C937447D-486E-8C2D-D60B-9097CCE679E2}"/>
+              </a:ext>
+            </a:extLst>
+          </p:cNvPr>
+          <p:cNvSpPr txBox="1">
+            <a:spLocks/>
+          </p:cNvSpPr>
+          <p:nvPr/>
+        </p:nvSpPr>
+        <p:spPr>
+          <a:xfrm>
+            <a:off x="1773932" y="1124744"/>
+            <a:ext cx="9782801" cy="843659"/>
+          </a:xfrm>
+          <a:prstGeom prst="rect">
+            <a:avLst/>
+          </a:prstGeom>
+        </p:spPr>
+        <p:txBody>
+          <a:bodyPr vert="horz" lIns="91440" tIns="45720" rIns="91440" bIns="45720" rtlCol="0" anchor="ctr">
+            <a:normAutofit fontScale="97500"/>
+          </a:bodyPr>
+          <a:lstStyle>
+            <a:lvl1pPr algn="l" defTabSz="914400" rtl="0" eaLnBrk="1" latinLnBrk="0" hangingPunct="1">
+              <a:lnSpc>
+                <a:spcPct val="90000"/>
+              </a:lnSpc>
+              <a:spcBef>
+                <a:spcPct val="0"/>
+              </a:spcBef>
+              <a:buNone/>
+              <a:defRPr sz="3600" kern="1200">
+                <a:solidFill>
+                  <a:schemeClr val="tx1">
+                    <a:lumMod val="75000"/>
+                  </a:schemeClr>
+                </a:solidFill>
+                <a:latin typeface="+mj-lt"/>
+                <a:ea typeface="+mj-ea"/>
+                <a:cs typeface="+mj-cs"/>
+              </a:defRPr>
+            </a:lvl1pPr>
+          </a:lstStyle>
+          <a:p>
+            <a:r>
+              <a:rPr lang="en-US" sz="4800" b="1" dirty="0"/>
+              <a:t>Manim’s Output Settings</a:t>
+            </a:r>
+          </a:p>
+        </p:txBody>
+      </p:sp>
+      <p:pic>
+        <p:nvPicPr>
+          <p:cNvPr id="7" name="Picture 6">
+            <a:extLst>
+              <a:ext uri="{FF2B5EF4-FFF2-40B4-BE49-F238E27FC236}">
+                <a16:creationId xmlns:a16="http://schemas.microsoft.com/office/drawing/2014/main" id="{54B8A2DE-A380-0B2E-504B-F95DDA4954D9}"/>
+              </a:ext>
+            </a:extLst>
+          </p:cNvPr>
+          <p:cNvPicPr>
+            <a:picLocks noChangeAspect="1"/>
+          </p:cNvPicPr>
+          <p:nvPr/>
+        </p:nvPicPr>
+        <p:blipFill>
+          <a:blip r:embed="rId4"/>
+          <a:stretch>
+            <a:fillRect/>
+          </a:stretch>
+        </p:blipFill>
+        <p:spPr>
+          <a:xfrm>
+            <a:off x="2213969" y="1988825"/>
+            <a:ext cx="8902725" cy="4673410"/>
+          </a:xfrm>
+          <a:prstGeom prst="rect">
+            <a:avLst/>
+          </a:prstGeom>
+          <a:ln>
+            <a:noFill/>
+          </a:ln>
+          <a:effectLst>
+            <a:outerShdw blurRad="292100" dist="139700" dir="2700000" algn="tl" rotWithShape="0">
+              <a:srgbClr val="333333">
+                <a:alpha val="65000"/>
+              </a:srgbClr>
+            </a:outerShdw>
+          </a:effectLst>
+        </p:spPr>
+      </p:pic>
+    </p:spTree>
+    <p:extLst>
+      <p:ext uri="{BB962C8B-B14F-4D97-AF65-F5344CB8AC3E}">
+        <p14:creationId xmlns:p14="http://schemas.microsoft.com/office/powerpoint/2010/main" val="3478914847"/>
+      </p:ext>
+    </p:extLst>
+  </p:cSld>
+  <p:clrMapOvr>
+    <a:masterClrMapping/>
+  </p:clrMapOvr>
+  <mc:AlternateContent xmlns:mc="http://schemas.openxmlformats.org/markup-compatibility/2006" xmlns:p14="http://schemas.microsoft.com/office/powerpoint/2010/main">
+    <mc:Choice Requires="p14">
+      <p:transition spd="med" p14:dur="700">
+        <p:fade/>
+      </p:transition>
+    </mc:Choice>
+    <mc:Fallback xmlns="">
+      <p:transition spd="med">
+        <p:fade/>
+      </p:transition>
+    </mc:Fallback>
+  </mc:AlternateContent>
+</p:sld>
+</file>
+
+<file path=ppt/slides/slide13.xml><?xml version="1.0" encoding="utf-8"?>
 <p:sld xmlns:a="http://schemas.openxmlformats.org/drawingml/2006/main" xmlns:r="http://schemas.openxmlformats.org/officeDocument/2006/relationships" xmlns:p="http://schemas.openxmlformats.org/presentationml/2006/main">
   <p:cSld>
     <p:spTree>
@@ -10837,13 +11326,13 @@
   <p:clrMapOvr>
     <a:masterClrMapping/>
   </p:clrMapOvr>
-  <mc:AlternateContent xmlns:mc="http://schemas.openxmlformats.org/markup-compatibility/2006">
-    <mc:Choice xmlns:p14="http://schemas.microsoft.com/office/powerpoint/2010/main" Requires="p14">
+  <mc:AlternateContent xmlns:mc="http://schemas.openxmlformats.org/markup-compatibility/2006" xmlns:p14="http://schemas.microsoft.com/office/powerpoint/2010/main">
+    <mc:Choice Requires="p14">
       <p:transition spd="med" p14:dur="700">
         <p:fade/>
       </p:transition>
     </mc:Choice>
-    <mc:Fallback>
+    <mc:Fallback xmlns="">
       <p:transition spd="med">
         <p:fade/>
       </p:transition>
@@ -11309,13 +11798,13 @@
   <p:clrMapOvr>
     <a:masterClrMapping/>
   </p:clrMapOvr>
-  <mc:AlternateContent xmlns:mc="http://schemas.openxmlformats.org/markup-compatibility/2006">
-    <mc:Choice xmlns:p14="http://schemas.microsoft.com/office/powerpoint/2010/main" Requires="p14">
+  <mc:AlternateContent xmlns:mc="http://schemas.openxmlformats.org/markup-compatibility/2006" xmlns:p14="http://schemas.microsoft.com/office/powerpoint/2010/main">
+    <mc:Choice Requires="p14">
       <p:transition spd="med" p14:dur="700">
         <p:fade/>
       </p:transition>
     </mc:Choice>
-    <mc:Fallback>
+    <mc:Fallback xmlns="">
       <p:transition spd="med">
         <p:fade/>
       </p:transition>
@@ -11781,13 +12270,13 @@
   <p:clrMapOvr>
     <a:masterClrMapping/>
   </p:clrMapOvr>
-  <mc:AlternateContent xmlns:mc="http://schemas.openxmlformats.org/markup-compatibility/2006">
-    <mc:Choice xmlns:p14="http://schemas.microsoft.com/office/powerpoint/2010/main" Requires="p14">
+  <mc:AlternateContent xmlns:mc="http://schemas.openxmlformats.org/markup-compatibility/2006" xmlns:p14="http://schemas.microsoft.com/office/powerpoint/2010/main">
+    <mc:Choice Requires="p14">
       <p:transition spd="med" p14:dur="700">
         <p:fade/>
       </p:transition>
     </mc:Choice>
-    <mc:Fallback>
+    <mc:Fallback xmlns="">
       <p:transition spd="med">
         <p:fade/>
       </p:transition>
@@ -12253,13 +12742,13 @@
   <p:clrMapOvr>
     <a:masterClrMapping/>
   </p:clrMapOvr>
-  <mc:AlternateContent xmlns:mc="http://schemas.openxmlformats.org/markup-compatibility/2006">
-    <mc:Choice xmlns:p14="http://schemas.microsoft.com/office/powerpoint/2010/main" Requires="p14">
+  <mc:AlternateContent xmlns:mc="http://schemas.openxmlformats.org/markup-compatibility/2006" xmlns:p14="http://schemas.microsoft.com/office/powerpoint/2010/main">
+    <mc:Choice Requires="p14">
       <p:transition spd="med" p14:dur="700">
         <p:fade/>
       </p:transition>
     </mc:Choice>
-    <mc:Fallback>
+    <mc:Fallback xmlns="">
       <p:transition spd="med">
         <p:fade/>
       </p:transition>
@@ -12725,13 +13214,13 @@
   <p:clrMapOvr>
     <a:masterClrMapping/>
   </p:clrMapOvr>
-  <mc:AlternateContent xmlns:mc="http://schemas.openxmlformats.org/markup-compatibility/2006">
-    <mc:Choice xmlns:p14="http://schemas.microsoft.com/office/powerpoint/2010/main" Requires="p14">
+  <mc:AlternateContent xmlns:mc="http://schemas.openxmlformats.org/markup-compatibility/2006" xmlns:p14="http://schemas.microsoft.com/office/powerpoint/2010/main">
+    <mc:Choice Requires="p14">
       <p:transition spd="med" p14:dur="700">
         <p:fade/>
       </p:transition>
     </mc:Choice>
-    <mc:Fallback>
+    <mc:Fallback xmlns="">
       <p:transition spd="med">
         <p:fade/>
       </p:transition>

--- a/Manim/Learn Manim Library by Practice.pptx
+++ b/Manim/Learn Manim Library by Practice.pptx
@@ -5,10 +5,10 @@
     <p:sldMasterId id="2147483648" r:id="rId1"/>
   </p:sldMasterIdLst>
   <p:notesMasterIdLst>
-    <p:notesMasterId r:id="rId15"/>
+    <p:notesMasterId r:id="rId18"/>
   </p:notesMasterIdLst>
   <p:handoutMasterIdLst>
-    <p:handoutMasterId r:id="rId16"/>
+    <p:handoutMasterId r:id="rId19"/>
   </p:handoutMasterIdLst>
   <p:sldIdLst>
     <p:sldId id="256" r:id="rId2"/>
@@ -23,7 +23,10 @@
     <p:sldId id="276" r:id="rId11"/>
     <p:sldId id="277" r:id="rId12"/>
     <p:sldId id="278" r:id="rId13"/>
-    <p:sldId id="272" r:id="rId14"/>
+    <p:sldId id="279" r:id="rId14"/>
+    <p:sldId id="280" r:id="rId15"/>
+    <p:sldId id="281" r:id="rId16"/>
+    <p:sldId id="272" r:id="rId17"/>
   </p:sldIdLst>
   <p:sldSz cx="12188825" cy="6858000"/>
   <p:notesSz cx="6858000" cy="9144000"/>
@@ -153,6 +156,13 @@
             <p14:sldId id="278"/>
           </p14:sldIdLst>
         </p14:section>
+        <p14:section name="Tutorial - Building Blocks" id="{C2CB4489-0005-4B81-93CE-7371E2D9BF16}">
+          <p14:sldIdLst>
+            <p14:sldId id="279"/>
+            <p14:sldId id="280"/>
+            <p14:sldId id="281"/>
+          </p14:sldIdLst>
+        </p14:section>
         <p14:section name="Udemy" id="{61D4A0FB-23D1-4A58-B3C6-86E5BDFA3F31}">
           <p14:sldIdLst>
             <p14:sldId id="272"/>
@@ -453,7 +463,7 @@
             <a:fld id="{D677E230-58DD-43ED-96A1-552DDAB53532}" type="datetimeFigureOut">
               <a:rPr lang="en-US" smtClean="0"/>
               <a:pPr/>
-              <a:t>11/16/2024</a:t>
+              <a:t>11/17/2024</a:t>
             </a:fld>
             <a:endParaRPr lang="en-US"/>
           </a:p>
@@ -1645,7 +1655,7 @@
             <a:fld id="{C2C6F8EA-316C-41DE-B9A4-EDCC3A85ED9A}" type="datetimeFigureOut">
               <a:rPr lang="en-US"/>
               <a:pPr/>
-              <a:t>11/16/2024</a:t>
+              <a:t>11/17/2024</a:t>
             </a:fld>
             <a:endParaRPr/>
           </a:p>
@@ -1860,7 +1870,7 @@
           <a:p>
             <a:fld id="{C2C6F8EA-316C-41DE-B9A4-EDCC3A85ED9A}" type="datetimeFigureOut">
               <a:rPr lang="en-US"/>
-              <a:t>11/16/2024</a:t>
+              <a:t>11/17/2024</a:t>
             </a:fld>
             <a:endParaRPr/>
           </a:p>
@@ -2674,7 +2684,7 @@
           <a:p>
             <a:fld id="{C2C6F8EA-316C-41DE-B9A4-EDCC3A85ED9A}" type="datetimeFigureOut">
               <a:rPr lang="en-US"/>
-              <a:t>11/16/2024</a:t>
+              <a:t>11/17/2024</a:t>
             </a:fld>
             <a:endParaRPr/>
           </a:p>
@@ -2872,7 +2882,7 @@
           <a:p>
             <a:fld id="{C2C6F8EA-316C-41DE-B9A4-EDCC3A85ED9A}" type="datetimeFigureOut">
               <a:rPr lang="en-US"/>
-              <a:t>11/16/2024</a:t>
+              <a:t>11/17/2024</a:t>
             </a:fld>
             <a:endParaRPr/>
           </a:p>
@@ -3978,7 +3988,7 @@
             <a:fld id="{C2C6F8EA-316C-41DE-B9A4-EDCC3A85ED9A}" type="datetimeFigureOut">
               <a:rPr lang="en-US"/>
               <a:pPr/>
-              <a:t>11/16/2024</a:t>
+              <a:t>11/17/2024</a:t>
             </a:fld>
             <a:endParaRPr/>
           </a:p>
@@ -4451,7 +4461,7 @@
           <a:p>
             <a:fld id="{C2C6F8EA-316C-41DE-B9A4-EDCC3A85ED9A}" type="datetimeFigureOut">
               <a:rPr lang="en-US"/>
-              <a:t>11/16/2024</a:t>
+              <a:t>11/17/2024</a:t>
             </a:fld>
             <a:endParaRPr/>
           </a:p>
@@ -4899,7 +4909,7 @@
           <a:p>
             <a:fld id="{C2C6F8EA-316C-41DE-B9A4-EDCC3A85ED9A}" type="datetimeFigureOut">
               <a:rPr lang="en-US"/>
-              <a:t>11/16/2024</a:t>
+              <a:t>11/17/2024</a:t>
             </a:fld>
             <a:endParaRPr/>
           </a:p>
@@ -5029,7 +5039,7 @@
           <a:p>
             <a:fld id="{C2C6F8EA-316C-41DE-B9A4-EDCC3A85ED9A}" type="datetimeFigureOut">
               <a:rPr lang="en-US"/>
-              <a:t>11/16/2024</a:t>
+              <a:t>11/17/2024</a:t>
             </a:fld>
             <a:endParaRPr/>
           </a:p>
@@ -5364,7 +5374,7 @@
           <a:p>
             <a:fld id="{C2C6F8EA-316C-41DE-B9A4-EDCC3A85ED9A}" type="datetimeFigureOut">
               <a:rPr lang="en-US"/>
-              <a:t>11/16/2024</a:t>
+              <a:t>11/17/2024</a:t>
             </a:fld>
             <a:endParaRPr/>
           </a:p>
@@ -5856,7 +5866,7 @@
           <a:p>
             <a:fld id="{C2C6F8EA-316C-41DE-B9A4-EDCC3A85ED9A}" type="datetimeFigureOut">
               <a:rPr lang="en-US"/>
-              <a:t>11/16/2024</a:t>
+              <a:t>11/17/2024</a:t>
             </a:fld>
             <a:endParaRPr/>
           </a:p>
@@ -6292,7 +6302,7 @@
           <a:p>
             <a:fld id="{C2C6F8EA-316C-41DE-B9A4-EDCC3A85ED9A}" type="datetimeFigureOut">
               <a:rPr lang="en-US"/>
-              <a:t>11/16/2024</a:t>
+              <a:t>11/17/2024</a:t>
             </a:fld>
             <a:endParaRPr/>
           </a:p>
@@ -7176,7 +7186,7 @@
             <a:fld id="{C2C6F8EA-316C-41DE-B9A4-EDCC3A85ED9A}" type="datetimeFigureOut">
               <a:rPr lang="en-US"/>
               <a:pPr/>
-              <a:t>11/16/2024</a:t>
+              <a:t>11/17/2024</a:t>
             </a:fld>
             <a:endParaRPr/>
           </a:p>
@@ -9236,6 +9246,1556 @@
 </file>
 
 <file path=ppt/slides/slide13.xml><?xml version="1.0" encoding="utf-8"?>
+<p:sld xmlns:a="http://schemas.openxmlformats.org/drawingml/2006/main" xmlns:r="http://schemas.openxmlformats.org/officeDocument/2006/relationships" xmlns:p="http://schemas.openxmlformats.org/presentationml/2006/main">
+  <p:cSld>
+    <p:spTree>
+      <p:nvGrpSpPr>
+        <p:cNvPr id="1" name="">
+          <a:extLst>
+            <a:ext uri="{FF2B5EF4-FFF2-40B4-BE49-F238E27FC236}">
+              <a16:creationId xmlns:a16="http://schemas.microsoft.com/office/drawing/2014/main" id="{03A23FE1-B4D4-2C54-D6DE-9460D7B178BE}"/>
+            </a:ext>
+          </a:extLst>
+        </p:cNvPr>
+        <p:cNvGrpSpPr/>
+        <p:nvPr/>
+      </p:nvGrpSpPr>
+      <p:grpSpPr>
+        <a:xfrm>
+          <a:off x="0" y="0"/>
+          <a:ext cx="0" cy="0"/>
+          <a:chOff x="0" y="0"/>
+          <a:chExt cx="0" cy="0"/>
+        </a:xfrm>
+      </p:grpSpPr>
+      <p:sp>
+        <p:nvSpPr>
+          <p:cNvPr id="13" name="Title 12">
+            <a:extLst>
+              <a:ext uri="{FF2B5EF4-FFF2-40B4-BE49-F238E27FC236}">
+                <a16:creationId xmlns:a16="http://schemas.microsoft.com/office/drawing/2014/main" id="{A58CC17E-0FF3-5E7B-3B10-3C434D9C2C40}"/>
+              </a:ext>
+            </a:extLst>
+          </p:cNvPr>
+          <p:cNvSpPr>
+            <a:spLocks noGrp="1"/>
+          </p:cNvSpPr>
+          <p:nvPr>
+            <p:ph type="title"/>
+          </p:nvPr>
+        </p:nvSpPr>
+        <p:spPr>
+          <a:xfrm>
+            <a:off x="1593436" y="260649"/>
+            <a:ext cx="6174521" cy="864096"/>
+          </a:xfrm>
+        </p:spPr>
+        <p:txBody>
+          <a:bodyPr anchor="ctr">
+            <a:normAutofit fontScale="90000"/>
+          </a:bodyPr>
+          <a:lstStyle/>
+          <a:p>
+            <a:r>
+              <a:rPr lang="en-US" sz="6000" b="1" dirty="0">
+                <a:latin typeface="ADLaM Display" panose="02010000000000000000" pitchFamily="2" charset="0"/>
+                <a:ea typeface="ADLaM Display" panose="02010000000000000000" pitchFamily="2" charset="0"/>
+                <a:cs typeface="ADLaM Display" panose="02010000000000000000" pitchFamily="2" charset="0"/>
+              </a:rPr>
+              <a:t>Learning Manim</a:t>
+            </a:r>
+          </a:p>
+        </p:txBody>
+      </p:sp>
+      <p:pic>
+        <p:nvPicPr>
+          <p:cNvPr id="4" name="Picture 3">
+            <a:extLst>
+              <a:ext uri="{FF2B5EF4-FFF2-40B4-BE49-F238E27FC236}">
+                <a16:creationId xmlns:a16="http://schemas.microsoft.com/office/drawing/2014/main" id="{E697D272-9819-8B47-A501-7E1718B9583B}"/>
+              </a:ext>
+            </a:extLst>
+          </p:cNvPr>
+          <p:cNvPicPr>
+            <a:picLocks noChangeAspect="1"/>
+          </p:cNvPicPr>
+          <p:nvPr/>
+        </p:nvPicPr>
+        <p:blipFill>
+          <a:blip r:embed="rId2"/>
+          <a:stretch>
+            <a:fillRect/>
+          </a:stretch>
+        </p:blipFill>
+        <p:spPr>
+          <a:xfrm>
+            <a:off x="7767957" y="83058"/>
+            <a:ext cx="4420868" cy="1512168"/>
+          </a:xfrm>
+          <a:prstGeom prst="rect">
+            <a:avLst/>
+          </a:prstGeom>
+        </p:spPr>
+      </p:pic>
+      <p:pic>
+        <p:nvPicPr>
+          <p:cNvPr id="5" name="Picture 4">
+            <a:extLst>
+              <a:ext uri="{FF2B5EF4-FFF2-40B4-BE49-F238E27FC236}">
+                <a16:creationId xmlns:a16="http://schemas.microsoft.com/office/drawing/2014/main" id="{41F579FC-7EF9-C4BA-8015-B3C8ADDCA5B2}"/>
+              </a:ext>
+            </a:extLst>
+          </p:cNvPr>
+          <p:cNvPicPr>
+            <a:picLocks noChangeAspect="1"/>
+          </p:cNvPicPr>
+          <p:nvPr/>
+        </p:nvPicPr>
+        <p:blipFill>
+          <a:blip r:embed="rId3"/>
+          <a:stretch>
+            <a:fillRect/>
+          </a:stretch>
+        </p:blipFill>
+        <p:spPr>
+          <a:xfrm>
+            <a:off x="20044" y="2636912"/>
+            <a:ext cx="1152128" cy="1180931"/>
+          </a:xfrm>
+          <a:prstGeom prst="rect">
+            <a:avLst/>
+          </a:prstGeom>
+          <a:ln>
+            <a:noFill/>
+          </a:ln>
+          <a:effectLst>
+            <a:softEdge rad="112500"/>
+          </a:effectLst>
+        </p:spPr>
+      </p:pic>
+      <p:sp>
+        <p:nvSpPr>
+          <p:cNvPr id="6" name="Subtitle 2">
+            <a:extLst>
+              <a:ext uri="{FF2B5EF4-FFF2-40B4-BE49-F238E27FC236}">
+                <a16:creationId xmlns:a16="http://schemas.microsoft.com/office/drawing/2014/main" id="{95D00951-A52C-B05E-B98A-4E696C08202C}"/>
+              </a:ext>
+            </a:extLst>
+          </p:cNvPr>
+          <p:cNvSpPr txBox="1">
+            <a:spLocks/>
+          </p:cNvSpPr>
+          <p:nvPr/>
+        </p:nvSpPr>
+        <p:spPr>
+          <a:xfrm>
+            <a:off x="-1022" y="1484784"/>
+            <a:ext cx="1774954" cy="1080120"/>
+          </a:xfrm>
+          <a:prstGeom prst="rect">
+            <a:avLst/>
+          </a:prstGeom>
+        </p:spPr>
+        <p:style>
+          <a:lnRef idx="0">
+            <a:schemeClr val="accent2"/>
+          </a:lnRef>
+          <a:fillRef idx="3">
+            <a:schemeClr val="accent2"/>
+          </a:fillRef>
+          <a:effectRef idx="3">
+            <a:schemeClr val="accent2"/>
+          </a:effectRef>
+          <a:fontRef idx="minor">
+            <a:schemeClr val="lt1"/>
+          </a:fontRef>
+        </p:style>
+        <p:txBody>
+          <a:bodyPr vert="horz" lIns="91440" tIns="45720" rIns="91440" bIns="45720" rtlCol="0" anchor="ctr">
+            <a:normAutofit/>
+          </a:bodyPr>
+          <a:lstStyle>
+            <a:lvl1pPr marL="246888" indent="-246888" algn="l" defTabSz="914400" rtl="0" eaLnBrk="1" latinLnBrk="0" hangingPunct="1">
+              <a:lnSpc>
+                <a:spcPct val="90000"/>
+              </a:lnSpc>
+              <a:spcBef>
+                <a:spcPts val="1400"/>
+              </a:spcBef>
+              <a:buFont typeface="Euphemia" pitchFamily="34" charset="0"/>
+              <a:buChar char="›"/>
+              <a:defRPr sz="2800" kern="1200">
+                <a:solidFill>
+                  <a:schemeClr val="lt1"/>
+                </a:solidFill>
+                <a:latin typeface="+mn-lt"/>
+                <a:ea typeface="+mn-ea"/>
+                <a:cs typeface="+mn-cs"/>
+              </a:defRPr>
+            </a:lvl1pPr>
+            <a:lvl2pPr marL="612648" indent="-246888" algn="l" defTabSz="914400" rtl="0" eaLnBrk="1" latinLnBrk="0" hangingPunct="1">
+              <a:lnSpc>
+                <a:spcPct val="90000"/>
+              </a:lnSpc>
+              <a:spcBef>
+                <a:spcPts val="600"/>
+              </a:spcBef>
+              <a:buFont typeface="Euphemia" pitchFamily="34" charset="0"/>
+              <a:buChar char="–"/>
+              <a:defRPr sz="2400" kern="1200">
+                <a:solidFill>
+                  <a:schemeClr val="lt1"/>
+                </a:solidFill>
+                <a:latin typeface="+mn-lt"/>
+                <a:ea typeface="+mn-ea"/>
+                <a:cs typeface="+mn-cs"/>
+              </a:defRPr>
+            </a:lvl2pPr>
+            <a:lvl3pPr marL="978408" indent="-246888" algn="l" defTabSz="914400" rtl="0" eaLnBrk="1" latinLnBrk="0" hangingPunct="1">
+              <a:lnSpc>
+                <a:spcPct val="90000"/>
+              </a:lnSpc>
+              <a:spcBef>
+                <a:spcPts val="600"/>
+              </a:spcBef>
+              <a:buFont typeface="Euphemia" pitchFamily="34" charset="0"/>
+              <a:buChar char="›"/>
+              <a:defRPr sz="2000" kern="1200">
+                <a:solidFill>
+                  <a:schemeClr val="lt1"/>
+                </a:solidFill>
+                <a:latin typeface="+mn-lt"/>
+                <a:ea typeface="+mn-ea"/>
+                <a:cs typeface="+mn-cs"/>
+              </a:defRPr>
+            </a:lvl3pPr>
+            <a:lvl4pPr marL="1344168" indent="-246888" algn="l" defTabSz="914400" rtl="0" eaLnBrk="1" latinLnBrk="0" hangingPunct="1">
+              <a:lnSpc>
+                <a:spcPct val="90000"/>
+              </a:lnSpc>
+              <a:spcBef>
+                <a:spcPts val="600"/>
+              </a:spcBef>
+              <a:buFont typeface="Arial" pitchFamily="34" charset="0"/>
+              <a:buChar char="–"/>
+              <a:defRPr sz="1800" kern="1200">
+                <a:solidFill>
+                  <a:schemeClr val="lt1"/>
+                </a:solidFill>
+                <a:latin typeface="+mn-lt"/>
+                <a:ea typeface="+mn-ea"/>
+                <a:cs typeface="+mn-cs"/>
+              </a:defRPr>
+            </a:lvl4pPr>
+            <a:lvl5pPr marL="1709928" indent="-246888" algn="l" defTabSz="914400" rtl="0" eaLnBrk="1" latinLnBrk="0" hangingPunct="1">
+              <a:lnSpc>
+                <a:spcPct val="90000"/>
+              </a:lnSpc>
+              <a:spcBef>
+                <a:spcPts val="600"/>
+              </a:spcBef>
+              <a:buFont typeface="Euphemia" pitchFamily="34" charset="0"/>
+              <a:buChar char="›"/>
+              <a:defRPr sz="1800" kern="1200">
+                <a:solidFill>
+                  <a:schemeClr val="lt1"/>
+                </a:solidFill>
+                <a:latin typeface="+mn-lt"/>
+                <a:ea typeface="+mn-ea"/>
+                <a:cs typeface="+mn-cs"/>
+              </a:defRPr>
+            </a:lvl5pPr>
+            <a:lvl6pPr marL="2075688" indent="-246888" algn="l" defTabSz="914400" rtl="0" eaLnBrk="1" latinLnBrk="0" hangingPunct="1">
+              <a:lnSpc>
+                <a:spcPct val="90000"/>
+              </a:lnSpc>
+              <a:spcBef>
+                <a:spcPts val="600"/>
+              </a:spcBef>
+              <a:buFont typeface="Euphemia" pitchFamily="34" charset="0"/>
+              <a:buChar char="–"/>
+              <a:defRPr sz="1800" kern="1200">
+                <a:solidFill>
+                  <a:schemeClr val="lt1"/>
+                </a:solidFill>
+                <a:latin typeface="+mn-lt"/>
+                <a:ea typeface="+mn-ea"/>
+                <a:cs typeface="+mn-cs"/>
+              </a:defRPr>
+            </a:lvl6pPr>
+            <a:lvl7pPr marL="2441448" indent="-246888" algn="l" defTabSz="914400" rtl="0" eaLnBrk="1" latinLnBrk="0" hangingPunct="1">
+              <a:lnSpc>
+                <a:spcPct val="90000"/>
+              </a:lnSpc>
+              <a:spcBef>
+                <a:spcPts val="600"/>
+              </a:spcBef>
+              <a:buFont typeface="Euphemia" pitchFamily="34" charset="0"/>
+              <a:buChar char="›"/>
+              <a:defRPr sz="1800" kern="1200">
+                <a:solidFill>
+                  <a:schemeClr val="lt1"/>
+                </a:solidFill>
+                <a:latin typeface="+mn-lt"/>
+                <a:ea typeface="+mn-ea"/>
+                <a:cs typeface="+mn-cs"/>
+              </a:defRPr>
+            </a:lvl7pPr>
+            <a:lvl8pPr marL="2807208" indent="-246888" algn="l" defTabSz="914400" rtl="0" eaLnBrk="1" latinLnBrk="0" hangingPunct="1">
+              <a:lnSpc>
+                <a:spcPct val="90000"/>
+              </a:lnSpc>
+              <a:spcBef>
+                <a:spcPts val="600"/>
+              </a:spcBef>
+              <a:buFont typeface="Euphemia" pitchFamily="34" charset="0"/>
+              <a:buChar char="–"/>
+              <a:defRPr sz="1800" kern="1200" baseline="0">
+                <a:solidFill>
+                  <a:schemeClr val="lt1"/>
+                </a:solidFill>
+                <a:latin typeface="+mn-lt"/>
+                <a:ea typeface="+mn-ea"/>
+                <a:cs typeface="+mn-cs"/>
+              </a:defRPr>
+            </a:lvl8pPr>
+            <a:lvl9pPr marL="3172968" indent="-246888" algn="l" defTabSz="914400" rtl="0" eaLnBrk="1" latinLnBrk="0" hangingPunct="1">
+              <a:lnSpc>
+                <a:spcPct val="90000"/>
+              </a:lnSpc>
+              <a:spcBef>
+                <a:spcPts val="600"/>
+              </a:spcBef>
+              <a:buFont typeface="Euphemia" pitchFamily="34" charset="0"/>
+              <a:buChar char="›"/>
+              <a:defRPr sz="1800" kern="1200" baseline="0">
+                <a:solidFill>
+                  <a:schemeClr val="lt1"/>
+                </a:solidFill>
+                <a:latin typeface="+mn-lt"/>
+                <a:ea typeface="+mn-ea"/>
+                <a:cs typeface="+mn-cs"/>
+              </a:defRPr>
+            </a:lvl9pPr>
+          </a:lstStyle>
+          <a:p>
+            <a:pPr marL="0" indent="0" algn="ctr">
+              <a:buNone/>
+            </a:pPr>
+            <a:r>
+              <a:rPr lang="en-US" sz="7200" b="1" dirty="0">
+                <a:solidFill>
+                  <a:schemeClr val="tx2">
+                    <a:lumMod val="75000"/>
+                    <a:lumOff val="25000"/>
+                  </a:schemeClr>
+                </a:solidFill>
+                <a:latin typeface="ADLaM Display" panose="02010000000000000000" pitchFamily="2" charset="0"/>
+                <a:ea typeface="ADLaM Display" panose="02010000000000000000" pitchFamily="2" charset="0"/>
+                <a:cs typeface="ADLaM Display" panose="02010000000000000000" pitchFamily="2" charset="0"/>
+              </a:rPr>
+              <a:t>013</a:t>
+            </a:r>
+          </a:p>
+        </p:txBody>
+      </p:sp>
+      <p:sp>
+        <p:nvSpPr>
+          <p:cNvPr id="9" name="Title 12">
+            <a:extLst>
+              <a:ext uri="{FF2B5EF4-FFF2-40B4-BE49-F238E27FC236}">
+                <a16:creationId xmlns:a16="http://schemas.microsoft.com/office/drawing/2014/main" id="{6DF20DE3-4E11-F9D1-F611-7E2BA0F6B8AA}"/>
+              </a:ext>
+            </a:extLst>
+          </p:cNvPr>
+          <p:cNvSpPr txBox="1">
+            <a:spLocks/>
+          </p:cNvSpPr>
+          <p:nvPr/>
+        </p:nvSpPr>
+        <p:spPr>
+          <a:xfrm>
+            <a:off x="1773932" y="1124744"/>
+            <a:ext cx="9782801" cy="843659"/>
+          </a:xfrm>
+          <a:prstGeom prst="rect">
+            <a:avLst/>
+          </a:prstGeom>
+        </p:spPr>
+        <p:txBody>
+          <a:bodyPr vert="horz" lIns="91440" tIns="45720" rIns="91440" bIns="45720" rtlCol="0" anchor="ctr">
+            <a:normAutofit fontScale="67500" lnSpcReduction="20000"/>
+          </a:bodyPr>
+          <a:lstStyle>
+            <a:lvl1pPr algn="l" defTabSz="914400" rtl="0" eaLnBrk="1" latinLnBrk="0" hangingPunct="1">
+              <a:lnSpc>
+                <a:spcPct val="90000"/>
+              </a:lnSpc>
+              <a:spcBef>
+                <a:spcPct val="0"/>
+              </a:spcBef>
+              <a:buNone/>
+              <a:defRPr sz="3600" kern="1200">
+                <a:solidFill>
+                  <a:schemeClr val="tx1">
+                    <a:lumMod val="75000"/>
+                  </a:schemeClr>
+                </a:solidFill>
+                <a:latin typeface="+mj-lt"/>
+                <a:ea typeface="+mj-ea"/>
+                <a:cs typeface="+mj-cs"/>
+              </a:defRPr>
+            </a:lvl1pPr>
+          </a:lstStyle>
+          <a:p>
+            <a:r>
+              <a:rPr lang="en-US" sz="4800" b="1" dirty="0"/>
+              <a:t>Building Block – Mobjects – Create and Display</a:t>
+            </a:r>
+          </a:p>
+        </p:txBody>
+      </p:sp>
+      <p:pic>
+        <p:nvPicPr>
+          <p:cNvPr id="3" name="Picture 2">
+            <a:extLst>
+              <a:ext uri="{FF2B5EF4-FFF2-40B4-BE49-F238E27FC236}">
+                <a16:creationId xmlns:a16="http://schemas.microsoft.com/office/drawing/2014/main" id="{B0F29247-98D7-8D9D-D056-F808D7D9254C}"/>
+              </a:ext>
+            </a:extLst>
+          </p:cNvPr>
+          <p:cNvPicPr>
+            <a:picLocks noChangeAspect="1"/>
+          </p:cNvPicPr>
+          <p:nvPr/>
+        </p:nvPicPr>
+        <p:blipFill>
+          <a:blip r:embed="rId4"/>
+          <a:stretch>
+            <a:fillRect/>
+          </a:stretch>
+        </p:blipFill>
+        <p:spPr>
+          <a:xfrm>
+            <a:off x="1969666" y="1817381"/>
+            <a:ext cx="9093298" cy="4918981"/>
+          </a:xfrm>
+          <a:prstGeom prst="rect">
+            <a:avLst/>
+          </a:prstGeom>
+          <a:ln>
+            <a:noFill/>
+          </a:ln>
+          <a:effectLst>
+            <a:outerShdw blurRad="292100" dist="139700" dir="2700000" algn="tl" rotWithShape="0">
+              <a:srgbClr val="333333">
+                <a:alpha val="65000"/>
+              </a:srgbClr>
+            </a:outerShdw>
+          </a:effectLst>
+        </p:spPr>
+      </p:pic>
+      <p:pic>
+        <p:nvPicPr>
+          <p:cNvPr id="12" name="Picture 11">
+            <a:extLst>
+              <a:ext uri="{FF2B5EF4-FFF2-40B4-BE49-F238E27FC236}">
+                <a16:creationId xmlns:a16="http://schemas.microsoft.com/office/drawing/2014/main" id="{0770C32F-6009-D19C-90B8-39A19E01EE98}"/>
+              </a:ext>
+            </a:extLst>
+          </p:cNvPr>
+          <p:cNvPicPr>
+            <a:picLocks noChangeAspect="1"/>
+          </p:cNvPicPr>
+          <p:nvPr/>
+        </p:nvPicPr>
+        <p:blipFill>
+          <a:blip r:embed="rId5"/>
+          <a:stretch>
+            <a:fillRect/>
+          </a:stretch>
+        </p:blipFill>
+        <p:spPr>
+          <a:xfrm>
+            <a:off x="8260601" y="1817381"/>
+            <a:ext cx="2148203" cy="1520746"/>
+          </a:xfrm>
+          <a:prstGeom prst="rect">
+            <a:avLst/>
+          </a:prstGeom>
+          <a:ln>
+            <a:noFill/>
+          </a:ln>
+          <a:effectLst>
+            <a:outerShdw blurRad="292100" dist="139700" dir="2700000" algn="tl" rotWithShape="0">
+              <a:srgbClr val="333333">
+                <a:alpha val="65000"/>
+              </a:srgbClr>
+            </a:outerShdw>
+          </a:effectLst>
+        </p:spPr>
+      </p:pic>
+    </p:spTree>
+    <p:extLst>
+      <p:ext uri="{BB962C8B-B14F-4D97-AF65-F5344CB8AC3E}">
+        <p14:creationId xmlns:p14="http://schemas.microsoft.com/office/powerpoint/2010/main" val="3521152476"/>
+      </p:ext>
+    </p:extLst>
+  </p:cSld>
+  <p:clrMapOvr>
+    <a:masterClrMapping/>
+  </p:clrMapOvr>
+  <mc:AlternateContent xmlns:mc="http://schemas.openxmlformats.org/markup-compatibility/2006" xmlns:p14="http://schemas.microsoft.com/office/powerpoint/2010/main">
+    <mc:Choice Requires="p14">
+      <p:transition spd="med" p14:dur="700">
+        <p:fade/>
+      </p:transition>
+    </mc:Choice>
+    <mc:Fallback xmlns="">
+      <p:transition spd="med">
+        <p:fade/>
+      </p:transition>
+    </mc:Fallback>
+  </mc:AlternateContent>
+</p:sld>
+</file>
+
+<file path=ppt/slides/slide14.xml><?xml version="1.0" encoding="utf-8"?>
+<p:sld xmlns:a="http://schemas.openxmlformats.org/drawingml/2006/main" xmlns:r="http://schemas.openxmlformats.org/officeDocument/2006/relationships" xmlns:p="http://schemas.openxmlformats.org/presentationml/2006/main">
+  <p:cSld>
+    <p:spTree>
+      <p:nvGrpSpPr>
+        <p:cNvPr id="1" name="">
+          <a:extLst>
+            <a:ext uri="{FF2B5EF4-FFF2-40B4-BE49-F238E27FC236}">
+              <a16:creationId xmlns:a16="http://schemas.microsoft.com/office/drawing/2014/main" id="{20E5423C-80F2-332A-41C1-1C99E78625E1}"/>
+            </a:ext>
+          </a:extLst>
+        </p:cNvPr>
+        <p:cNvGrpSpPr/>
+        <p:nvPr/>
+      </p:nvGrpSpPr>
+      <p:grpSpPr>
+        <a:xfrm>
+          <a:off x="0" y="0"/>
+          <a:ext cx="0" cy="0"/>
+          <a:chOff x="0" y="0"/>
+          <a:chExt cx="0" cy="0"/>
+        </a:xfrm>
+      </p:grpSpPr>
+      <p:sp>
+        <p:nvSpPr>
+          <p:cNvPr id="13" name="Title 12">
+            <a:extLst>
+              <a:ext uri="{FF2B5EF4-FFF2-40B4-BE49-F238E27FC236}">
+                <a16:creationId xmlns:a16="http://schemas.microsoft.com/office/drawing/2014/main" id="{CC11AF7B-EBC9-793E-8076-ECE16BE2346A}"/>
+              </a:ext>
+            </a:extLst>
+          </p:cNvPr>
+          <p:cNvSpPr>
+            <a:spLocks noGrp="1"/>
+          </p:cNvSpPr>
+          <p:nvPr>
+            <p:ph type="title"/>
+          </p:nvPr>
+        </p:nvSpPr>
+        <p:spPr>
+          <a:xfrm>
+            <a:off x="1593436" y="260649"/>
+            <a:ext cx="6174521" cy="864096"/>
+          </a:xfrm>
+        </p:spPr>
+        <p:txBody>
+          <a:bodyPr anchor="ctr">
+            <a:normAutofit fontScale="90000"/>
+          </a:bodyPr>
+          <a:lstStyle/>
+          <a:p>
+            <a:r>
+              <a:rPr lang="en-US" sz="6000" b="1" dirty="0">
+                <a:latin typeface="ADLaM Display" panose="02010000000000000000" pitchFamily="2" charset="0"/>
+                <a:ea typeface="ADLaM Display" panose="02010000000000000000" pitchFamily="2" charset="0"/>
+                <a:cs typeface="ADLaM Display" panose="02010000000000000000" pitchFamily="2" charset="0"/>
+              </a:rPr>
+              <a:t>Learning Manim</a:t>
+            </a:r>
+          </a:p>
+        </p:txBody>
+      </p:sp>
+      <p:pic>
+        <p:nvPicPr>
+          <p:cNvPr id="4" name="Picture 3">
+            <a:extLst>
+              <a:ext uri="{FF2B5EF4-FFF2-40B4-BE49-F238E27FC236}">
+                <a16:creationId xmlns:a16="http://schemas.microsoft.com/office/drawing/2014/main" id="{C972EA59-3EA1-1640-0AD6-A23CE1F515AE}"/>
+              </a:ext>
+            </a:extLst>
+          </p:cNvPr>
+          <p:cNvPicPr>
+            <a:picLocks noChangeAspect="1"/>
+          </p:cNvPicPr>
+          <p:nvPr/>
+        </p:nvPicPr>
+        <p:blipFill>
+          <a:blip r:embed="rId2"/>
+          <a:stretch>
+            <a:fillRect/>
+          </a:stretch>
+        </p:blipFill>
+        <p:spPr>
+          <a:xfrm>
+            <a:off x="7767957" y="83058"/>
+            <a:ext cx="4420868" cy="1512168"/>
+          </a:xfrm>
+          <a:prstGeom prst="rect">
+            <a:avLst/>
+          </a:prstGeom>
+        </p:spPr>
+      </p:pic>
+      <p:pic>
+        <p:nvPicPr>
+          <p:cNvPr id="5" name="Picture 4">
+            <a:extLst>
+              <a:ext uri="{FF2B5EF4-FFF2-40B4-BE49-F238E27FC236}">
+                <a16:creationId xmlns:a16="http://schemas.microsoft.com/office/drawing/2014/main" id="{B872CCA4-E4B9-DD11-617D-3E5AFC441334}"/>
+              </a:ext>
+            </a:extLst>
+          </p:cNvPr>
+          <p:cNvPicPr>
+            <a:picLocks noChangeAspect="1"/>
+          </p:cNvPicPr>
+          <p:nvPr/>
+        </p:nvPicPr>
+        <p:blipFill>
+          <a:blip r:embed="rId3"/>
+          <a:stretch>
+            <a:fillRect/>
+          </a:stretch>
+        </p:blipFill>
+        <p:spPr>
+          <a:xfrm>
+            <a:off x="20044" y="2636912"/>
+            <a:ext cx="1152128" cy="1180931"/>
+          </a:xfrm>
+          <a:prstGeom prst="rect">
+            <a:avLst/>
+          </a:prstGeom>
+          <a:ln>
+            <a:noFill/>
+          </a:ln>
+          <a:effectLst>
+            <a:softEdge rad="112500"/>
+          </a:effectLst>
+        </p:spPr>
+      </p:pic>
+      <p:sp>
+        <p:nvSpPr>
+          <p:cNvPr id="6" name="Subtitle 2">
+            <a:extLst>
+              <a:ext uri="{FF2B5EF4-FFF2-40B4-BE49-F238E27FC236}">
+                <a16:creationId xmlns:a16="http://schemas.microsoft.com/office/drawing/2014/main" id="{8243AE5B-15D6-A97E-735E-46374081D250}"/>
+              </a:ext>
+            </a:extLst>
+          </p:cNvPr>
+          <p:cNvSpPr txBox="1">
+            <a:spLocks/>
+          </p:cNvSpPr>
+          <p:nvPr/>
+        </p:nvSpPr>
+        <p:spPr>
+          <a:xfrm>
+            <a:off x="-1022" y="1484784"/>
+            <a:ext cx="1774954" cy="1080120"/>
+          </a:xfrm>
+          <a:prstGeom prst="rect">
+            <a:avLst/>
+          </a:prstGeom>
+        </p:spPr>
+        <p:style>
+          <a:lnRef idx="0">
+            <a:schemeClr val="accent2"/>
+          </a:lnRef>
+          <a:fillRef idx="3">
+            <a:schemeClr val="accent2"/>
+          </a:fillRef>
+          <a:effectRef idx="3">
+            <a:schemeClr val="accent2"/>
+          </a:effectRef>
+          <a:fontRef idx="minor">
+            <a:schemeClr val="lt1"/>
+          </a:fontRef>
+        </p:style>
+        <p:txBody>
+          <a:bodyPr vert="horz" lIns="91440" tIns="45720" rIns="91440" bIns="45720" rtlCol="0" anchor="ctr">
+            <a:normAutofit/>
+          </a:bodyPr>
+          <a:lstStyle>
+            <a:lvl1pPr marL="246888" indent="-246888" algn="l" defTabSz="914400" rtl="0" eaLnBrk="1" latinLnBrk="0" hangingPunct="1">
+              <a:lnSpc>
+                <a:spcPct val="90000"/>
+              </a:lnSpc>
+              <a:spcBef>
+                <a:spcPts val="1400"/>
+              </a:spcBef>
+              <a:buFont typeface="Euphemia" pitchFamily="34" charset="0"/>
+              <a:buChar char="›"/>
+              <a:defRPr sz="2800" kern="1200">
+                <a:solidFill>
+                  <a:schemeClr val="lt1"/>
+                </a:solidFill>
+                <a:latin typeface="+mn-lt"/>
+                <a:ea typeface="+mn-ea"/>
+                <a:cs typeface="+mn-cs"/>
+              </a:defRPr>
+            </a:lvl1pPr>
+            <a:lvl2pPr marL="612648" indent="-246888" algn="l" defTabSz="914400" rtl="0" eaLnBrk="1" latinLnBrk="0" hangingPunct="1">
+              <a:lnSpc>
+                <a:spcPct val="90000"/>
+              </a:lnSpc>
+              <a:spcBef>
+                <a:spcPts val="600"/>
+              </a:spcBef>
+              <a:buFont typeface="Euphemia" pitchFamily="34" charset="0"/>
+              <a:buChar char="–"/>
+              <a:defRPr sz="2400" kern="1200">
+                <a:solidFill>
+                  <a:schemeClr val="lt1"/>
+                </a:solidFill>
+                <a:latin typeface="+mn-lt"/>
+                <a:ea typeface="+mn-ea"/>
+                <a:cs typeface="+mn-cs"/>
+              </a:defRPr>
+            </a:lvl2pPr>
+            <a:lvl3pPr marL="978408" indent="-246888" algn="l" defTabSz="914400" rtl="0" eaLnBrk="1" latinLnBrk="0" hangingPunct="1">
+              <a:lnSpc>
+                <a:spcPct val="90000"/>
+              </a:lnSpc>
+              <a:spcBef>
+                <a:spcPts val="600"/>
+              </a:spcBef>
+              <a:buFont typeface="Euphemia" pitchFamily="34" charset="0"/>
+              <a:buChar char="›"/>
+              <a:defRPr sz="2000" kern="1200">
+                <a:solidFill>
+                  <a:schemeClr val="lt1"/>
+                </a:solidFill>
+                <a:latin typeface="+mn-lt"/>
+                <a:ea typeface="+mn-ea"/>
+                <a:cs typeface="+mn-cs"/>
+              </a:defRPr>
+            </a:lvl3pPr>
+            <a:lvl4pPr marL="1344168" indent="-246888" algn="l" defTabSz="914400" rtl="0" eaLnBrk="1" latinLnBrk="0" hangingPunct="1">
+              <a:lnSpc>
+                <a:spcPct val="90000"/>
+              </a:lnSpc>
+              <a:spcBef>
+                <a:spcPts val="600"/>
+              </a:spcBef>
+              <a:buFont typeface="Arial" pitchFamily="34" charset="0"/>
+              <a:buChar char="–"/>
+              <a:defRPr sz="1800" kern="1200">
+                <a:solidFill>
+                  <a:schemeClr val="lt1"/>
+                </a:solidFill>
+                <a:latin typeface="+mn-lt"/>
+                <a:ea typeface="+mn-ea"/>
+                <a:cs typeface="+mn-cs"/>
+              </a:defRPr>
+            </a:lvl4pPr>
+            <a:lvl5pPr marL="1709928" indent="-246888" algn="l" defTabSz="914400" rtl="0" eaLnBrk="1" latinLnBrk="0" hangingPunct="1">
+              <a:lnSpc>
+                <a:spcPct val="90000"/>
+              </a:lnSpc>
+              <a:spcBef>
+                <a:spcPts val="600"/>
+              </a:spcBef>
+              <a:buFont typeface="Euphemia" pitchFamily="34" charset="0"/>
+              <a:buChar char="›"/>
+              <a:defRPr sz="1800" kern="1200">
+                <a:solidFill>
+                  <a:schemeClr val="lt1"/>
+                </a:solidFill>
+                <a:latin typeface="+mn-lt"/>
+                <a:ea typeface="+mn-ea"/>
+                <a:cs typeface="+mn-cs"/>
+              </a:defRPr>
+            </a:lvl5pPr>
+            <a:lvl6pPr marL="2075688" indent="-246888" algn="l" defTabSz="914400" rtl="0" eaLnBrk="1" latinLnBrk="0" hangingPunct="1">
+              <a:lnSpc>
+                <a:spcPct val="90000"/>
+              </a:lnSpc>
+              <a:spcBef>
+                <a:spcPts val="600"/>
+              </a:spcBef>
+              <a:buFont typeface="Euphemia" pitchFamily="34" charset="0"/>
+              <a:buChar char="–"/>
+              <a:defRPr sz="1800" kern="1200">
+                <a:solidFill>
+                  <a:schemeClr val="lt1"/>
+                </a:solidFill>
+                <a:latin typeface="+mn-lt"/>
+                <a:ea typeface="+mn-ea"/>
+                <a:cs typeface="+mn-cs"/>
+              </a:defRPr>
+            </a:lvl6pPr>
+            <a:lvl7pPr marL="2441448" indent="-246888" algn="l" defTabSz="914400" rtl="0" eaLnBrk="1" latinLnBrk="0" hangingPunct="1">
+              <a:lnSpc>
+                <a:spcPct val="90000"/>
+              </a:lnSpc>
+              <a:spcBef>
+                <a:spcPts val="600"/>
+              </a:spcBef>
+              <a:buFont typeface="Euphemia" pitchFamily="34" charset="0"/>
+              <a:buChar char="›"/>
+              <a:defRPr sz="1800" kern="1200">
+                <a:solidFill>
+                  <a:schemeClr val="lt1"/>
+                </a:solidFill>
+                <a:latin typeface="+mn-lt"/>
+                <a:ea typeface="+mn-ea"/>
+                <a:cs typeface="+mn-cs"/>
+              </a:defRPr>
+            </a:lvl7pPr>
+            <a:lvl8pPr marL="2807208" indent="-246888" algn="l" defTabSz="914400" rtl="0" eaLnBrk="1" latinLnBrk="0" hangingPunct="1">
+              <a:lnSpc>
+                <a:spcPct val="90000"/>
+              </a:lnSpc>
+              <a:spcBef>
+                <a:spcPts val="600"/>
+              </a:spcBef>
+              <a:buFont typeface="Euphemia" pitchFamily="34" charset="0"/>
+              <a:buChar char="–"/>
+              <a:defRPr sz="1800" kern="1200" baseline="0">
+                <a:solidFill>
+                  <a:schemeClr val="lt1"/>
+                </a:solidFill>
+                <a:latin typeface="+mn-lt"/>
+                <a:ea typeface="+mn-ea"/>
+                <a:cs typeface="+mn-cs"/>
+              </a:defRPr>
+            </a:lvl8pPr>
+            <a:lvl9pPr marL="3172968" indent="-246888" algn="l" defTabSz="914400" rtl="0" eaLnBrk="1" latinLnBrk="0" hangingPunct="1">
+              <a:lnSpc>
+                <a:spcPct val="90000"/>
+              </a:lnSpc>
+              <a:spcBef>
+                <a:spcPts val="600"/>
+              </a:spcBef>
+              <a:buFont typeface="Euphemia" pitchFamily="34" charset="0"/>
+              <a:buChar char="›"/>
+              <a:defRPr sz="1800" kern="1200" baseline="0">
+                <a:solidFill>
+                  <a:schemeClr val="lt1"/>
+                </a:solidFill>
+                <a:latin typeface="+mn-lt"/>
+                <a:ea typeface="+mn-ea"/>
+                <a:cs typeface="+mn-cs"/>
+              </a:defRPr>
+            </a:lvl9pPr>
+          </a:lstStyle>
+          <a:p>
+            <a:pPr marL="0" indent="0" algn="ctr">
+              <a:buNone/>
+            </a:pPr>
+            <a:r>
+              <a:rPr lang="en-US" sz="7200" b="1" dirty="0">
+                <a:solidFill>
+                  <a:schemeClr val="tx2">
+                    <a:lumMod val="75000"/>
+                    <a:lumOff val="25000"/>
+                  </a:schemeClr>
+                </a:solidFill>
+                <a:latin typeface="ADLaM Display" panose="02010000000000000000" pitchFamily="2" charset="0"/>
+                <a:ea typeface="ADLaM Display" panose="02010000000000000000" pitchFamily="2" charset="0"/>
+                <a:cs typeface="ADLaM Display" panose="02010000000000000000" pitchFamily="2" charset="0"/>
+              </a:rPr>
+              <a:t>014</a:t>
+            </a:r>
+          </a:p>
+        </p:txBody>
+      </p:sp>
+      <p:sp>
+        <p:nvSpPr>
+          <p:cNvPr id="9" name="Title 12">
+            <a:extLst>
+              <a:ext uri="{FF2B5EF4-FFF2-40B4-BE49-F238E27FC236}">
+                <a16:creationId xmlns:a16="http://schemas.microsoft.com/office/drawing/2014/main" id="{C0F6C481-8E6C-D596-9462-C585CD34454F}"/>
+              </a:ext>
+            </a:extLst>
+          </p:cNvPr>
+          <p:cNvSpPr txBox="1">
+            <a:spLocks/>
+          </p:cNvSpPr>
+          <p:nvPr/>
+        </p:nvSpPr>
+        <p:spPr>
+          <a:xfrm>
+            <a:off x="1773932" y="1124744"/>
+            <a:ext cx="9782801" cy="843659"/>
+          </a:xfrm>
+          <a:prstGeom prst="rect">
+            <a:avLst/>
+          </a:prstGeom>
+        </p:spPr>
+        <p:txBody>
+          <a:bodyPr vert="horz" lIns="91440" tIns="45720" rIns="91440" bIns="45720" rtlCol="0" anchor="ctr">
+            <a:normAutofit fontScale="90000"/>
+          </a:bodyPr>
+          <a:lstStyle>
+            <a:lvl1pPr algn="l" defTabSz="914400" rtl="0" eaLnBrk="1" latinLnBrk="0" hangingPunct="1">
+              <a:lnSpc>
+                <a:spcPct val="90000"/>
+              </a:lnSpc>
+              <a:spcBef>
+                <a:spcPct val="0"/>
+              </a:spcBef>
+              <a:buNone/>
+              <a:defRPr sz="3600" kern="1200">
+                <a:solidFill>
+                  <a:schemeClr val="tx1">
+                    <a:lumMod val="75000"/>
+                  </a:schemeClr>
+                </a:solidFill>
+                <a:latin typeface="+mj-lt"/>
+                <a:ea typeface="+mj-ea"/>
+                <a:cs typeface="+mj-cs"/>
+              </a:defRPr>
+            </a:lvl1pPr>
+          </a:lstStyle>
+          <a:p>
+            <a:r>
+              <a:rPr lang="en-US" sz="4800" b="1" dirty="0"/>
+              <a:t>Building Block – Mobjects – Placing</a:t>
+            </a:r>
+          </a:p>
+        </p:txBody>
+      </p:sp>
+      <p:pic>
+        <p:nvPicPr>
+          <p:cNvPr id="7" name="Picture 6">
+            <a:extLst>
+              <a:ext uri="{FF2B5EF4-FFF2-40B4-BE49-F238E27FC236}">
+                <a16:creationId xmlns:a16="http://schemas.microsoft.com/office/drawing/2014/main" id="{37BC64A9-5FDD-F615-1636-2CCCF658B258}"/>
+              </a:ext>
+            </a:extLst>
+          </p:cNvPr>
+          <p:cNvPicPr>
+            <a:picLocks noChangeAspect="1"/>
+          </p:cNvPicPr>
+          <p:nvPr/>
+        </p:nvPicPr>
+        <p:blipFill>
+          <a:blip r:embed="rId4"/>
+          <a:stretch>
+            <a:fillRect/>
+          </a:stretch>
+        </p:blipFill>
+        <p:spPr>
+          <a:xfrm>
+            <a:off x="1984285" y="1954022"/>
+            <a:ext cx="8904643" cy="4820920"/>
+          </a:xfrm>
+          <a:prstGeom prst="rect">
+            <a:avLst/>
+          </a:prstGeom>
+          <a:ln>
+            <a:noFill/>
+          </a:ln>
+          <a:effectLst>
+            <a:outerShdw blurRad="292100" dist="139700" dir="2700000" algn="tl" rotWithShape="0">
+              <a:srgbClr val="333333">
+                <a:alpha val="65000"/>
+              </a:srgbClr>
+            </a:outerShdw>
+          </a:effectLst>
+        </p:spPr>
+      </p:pic>
+      <p:pic>
+        <p:nvPicPr>
+          <p:cNvPr id="8" name="Picture 7">
+            <a:extLst>
+              <a:ext uri="{FF2B5EF4-FFF2-40B4-BE49-F238E27FC236}">
+                <a16:creationId xmlns:a16="http://schemas.microsoft.com/office/drawing/2014/main" id="{5EB02E9A-9DD8-FE4B-46A8-DFA231263555}"/>
+              </a:ext>
+            </a:extLst>
+          </p:cNvPr>
+          <p:cNvPicPr>
+            <a:picLocks noChangeAspect="1"/>
+          </p:cNvPicPr>
+          <p:nvPr/>
+        </p:nvPicPr>
+        <p:blipFill>
+          <a:blip r:embed="rId5"/>
+          <a:stretch>
+            <a:fillRect/>
+          </a:stretch>
+        </p:blipFill>
+        <p:spPr>
+          <a:xfrm>
+            <a:off x="9134599" y="1968403"/>
+            <a:ext cx="2088232" cy="1404937"/>
+          </a:xfrm>
+          <a:prstGeom prst="rect">
+            <a:avLst/>
+          </a:prstGeom>
+          <a:ln>
+            <a:noFill/>
+          </a:ln>
+          <a:effectLst>
+            <a:outerShdw blurRad="292100" dist="139700" dir="2700000" algn="tl" rotWithShape="0">
+              <a:srgbClr val="333333">
+                <a:alpha val="65000"/>
+              </a:srgbClr>
+            </a:outerShdw>
+          </a:effectLst>
+        </p:spPr>
+      </p:pic>
+    </p:spTree>
+    <p:extLst>
+      <p:ext uri="{BB962C8B-B14F-4D97-AF65-F5344CB8AC3E}">
+        <p14:creationId xmlns:p14="http://schemas.microsoft.com/office/powerpoint/2010/main" val="2198635983"/>
+      </p:ext>
+    </p:extLst>
+  </p:cSld>
+  <p:clrMapOvr>
+    <a:masterClrMapping/>
+  </p:clrMapOvr>
+  <mc:AlternateContent xmlns:mc="http://schemas.openxmlformats.org/markup-compatibility/2006">
+    <mc:Choice xmlns:p14="http://schemas.microsoft.com/office/powerpoint/2010/main" Requires="p14">
+      <p:transition spd="med" p14:dur="700">
+        <p:fade/>
+      </p:transition>
+    </mc:Choice>
+    <mc:Fallback>
+      <p:transition spd="med">
+        <p:fade/>
+      </p:transition>
+    </mc:Fallback>
+  </mc:AlternateContent>
+</p:sld>
+</file>
+
+<file path=ppt/slides/slide15.xml><?xml version="1.0" encoding="utf-8"?>
+<p:sld xmlns:a="http://schemas.openxmlformats.org/drawingml/2006/main" xmlns:r="http://schemas.openxmlformats.org/officeDocument/2006/relationships" xmlns:p="http://schemas.openxmlformats.org/presentationml/2006/main">
+  <p:cSld>
+    <p:spTree>
+      <p:nvGrpSpPr>
+        <p:cNvPr id="1" name="">
+          <a:extLst>
+            <a:ext uri="{FF2B5EF4-FFF2-40B4-BE49-F238E27FC236}">
+              <a16:creationId xmlns:a16="http://schemas.microsoft.com/office/drawing/2014/main" id="{78C68C2E-30E7-7D63-B3F3-290E1E267A4A}"/>
+            </a:ext>
+          </a:extLst>
+        </p:cNvPr>
+        <p:cNvGrpSpPr/>
+        <p:nvPr/>
+      </p:nvGrpSpPr>
+      <p:grpSpPr>
+        <a:xfrm>
+          <a:off x="0" y="0"/>
+          <a:ext cx="0" cy="0"/>
+          <a:chOff x="0" y="0"/>
+          <a:chExt cx="0" cy="0"/>
+        </a:xfrm>
+      </p:grpSpPr>
+      <p:sp>
+        <p:nvSpPr>
+          <p:cNvPr id="13" name="Title 12">
+            <a:extLst>
+              <a:ext uri="{FF2B5EF4-FFF2-40B4-BE49-F238E27FC236}">
+                <a16:creationId xmlns:a16="http://schemas.microsoft.com/office/drawing/2014/main" id="{7C72D042-D029-DEF5-9853-EE3DFA739656}"/>
+              </a:ext>
+            </a:extLst>
+          </p:cNvPr>
+          <p:cNvSpPr>
+            <a:spLocks noGrp="1"/>
+          </p:cNvSpPr>
+          <p:nvPr>
+            <p:ph type="title"/>
+          </p:nvPr>
+        </p:nvSpPr>
+        <p:spPr>
+          <a:xfrm>
+            <a:off x="1593436" y="260649"/>
+            <a:ext cx="6174521" cy="864096"/>
+          </a:xfrm>
+        </p:spPr>
+        <p:txBody>
+          <a:bodyPr anchor="ctr">
+            <a:normAutofit fontScale="90000"/>
+          </a:bodyPr>
+          <a:lstStyle/>
+          <a:p>
+            <a:r>
+              <a:rPr lang="en-US" sz="6000" b="1" dirty="0">
+                <a:latin typeface="ADLaM Display" panose="02010000000000000000" pitchFamily="2" charset="0"/>
+                <a:ea typeface="ADLaM Display" panose="02010000000000000000" pitchFamily="2" charset="0"/>
+                <a:cs typeface="ADLaM Display" panose="02010000000000000000" pitchFamily="2" charset="0"/>
+              </a:rPr>
+              <a:t>Learning Manim</a:t>
+            </a:r>
+          </a:p>
+        </p:txBody>
+      </p:sp>
+      <p:pic>
+        <p:nvPicPr>
+          <p:cNvPr id="4" name="Picture 3">
+            <a:extLst>
+              <a:ext uri="{FF2B5EF4-FFF2-40B4-BE49-F238E27FC236}">
+                <a16:creationId xmlns:a16="http://schemas.microsoft.com/office/drawing/2014/main" id="{3C32646F-1CC1-DDA1-7D43-E996D3910E20}"/>
+              </a:ext>
+            </a:extLst>
+          </p:cNvPr>
+          <p:cNvPicPr>
+            <a:picLocks noChangeAspect="1"/>
+          </p:cNvPicPr>
+          <p:nvPr/>
+        </p:nvPicPr>
+        <p:blipFill>
+          <a:blip r:embed="rId2"/>
+          <a:stretch>
+            <a:fillRect/>
+          </a:stretch>
+        </p:blipFill>
+        <p:spPr>
+          <a:xfrm>
+            <a:off x="7767957" y="83058"/>
+            <a:ext cx="4420868" cy="1512168"/>
+          </a:xfrm>
+          <a:prstGeom prst="rect">
+            <a:avLst/>
+          </a:prstGeom>
+        </p:spPr>
+      </p:pic>
+      <p:pic>
+        <p:nvPicPr>
+          <p:cNvPr id="5" name="Picture 4">
+            <a:extLst>
+              <a:ext uri="{FF2B5EF4-FFF2-40B4-BE49-F238E27FC236}">
+                <a16:creationId xmlns:a16="http://schemas.microsoft.com/office/drawing/2014/main" id="{FCFC817F-A1ED-091F-1006-23FE40FB5410}"/>
+              </a:ext>
+            </a:extLst>
+          </p:cNvPr>
+          <p:cNvPicPr>
+            <a:picLocks noChangeAspect="1"/>
+          </p:cNvPicPr>
+          <p:nvPr/>
+        </p:nvPicPr>
+        <p:blipFill>
+          <a:blip r:embed="rId3"/>
+          <a:stretch>
+            <a:fillRect/>
+          </a:stretch>
+        </p:blipFill>
+        <p:spPr>
+          <a:xfrm>
+            <a:off x="20044" y="2636912"/>
+            <a:ext cx="1152128" cy="1180931"/>
+          </a:xfrm>
+          <a:prstGeom prst="rect">
+            <a:avLst/>
+          </a:prstGeom>
+          <a:ln>
+            <a:noFill/>
+          </a:ln>
+          <a:effectLst>
+            <a:softEdge rad="112500"/>
+          </a:effectLst>
+        </p:spPr>
+      </p:pic>
+      <p:sp>
+        <p:nvSpPr>
+          <p:cNvPr id="6" name="Subtitle 2">
+            <a:extLst>
+              <a:ext uri="{FF2B5EF4-FFF2-40B4-BE49-F238E27FC236}">
+                <a16:creationId xmlns:a16="http://schemas.microsoft.com/office/drawing/2014/main" id="{48644B54-CA66-2BFE-7881-DD62AE16FF49}"/>
+              </a:ext>
+            </a:extLst>
+          </p:cNvPr>
+          <p:cNvSpPr txBox="1">
+            <a:spLocks/>
+          </p:cNvSpPr>
+          <p:nvPr/>
+        </p:nvSpPr>
+        <p:spPr>
+          <a:xfrm>
+            <a:off x="-1022" y="1484784"/>
+            <a:ext cx="1774954" cy="1080120"/>
+          </a:xfrm>
+          <a:prstGeom prst="rect">
+            <a:avLst/>
+          </a:prstGeom>
+        </p:spPr>
+        <p:style>
+          <a:lnRef idx="0">
+            <a:schemeClr val="accent2"/>
+          </a:lnRef>
+          <a:fillRef idx="3">
+            <a:schemeClr val="accent2"/>
+          </a:fillRef>
+          <a:effectRef idx="3">
+            <a:schemeClr val="accent2"/>
+          </a:effectRef>
+          <a:fontRef idx="minor">
+            <a:schemeClr val="lt1"/>
+          </a:fontRef>
+        </p:style>
+        <p:txBody>
+          <a:bodyPr vert="horz" lIns="91440" tIns="45720" rIns="91440" bIns="45720" rtlCol="0" anchor="ctr">
+            <a:normAutofit/>
+          </a:bodyPr>
+          <a:lstStyle>
+            <a:lvl1pPr marL="246888" indent="-246888" algn="l" defTabSz="914400" rtl="0" eaLnBrk="1" latinLnBrk="0" hangingPunct="1">
+              <a:lnSpc>
+                <a:spcPct val="90000"/>
+              </a:lnSpc>
+              <a:spcBef>
+                <a:spcPts val="1400"/>
+              </a:spcBef>
+              <a:buFont typeface="Euphemia" pitchFamily="34" charset="0"/>
+              <a:buChar char="›"/>
+              <a:defRPr sz="2800" kern="1200">
+                <a:solidFill>
+                  <a:schemeClr val="lt1"/>
+                </a:solidFill>
+                <a:latin typeface="+mn-lt"/>
+                <a:ea typeface="+mn-ea"/>
+                <a:cs typeface="+mn-cs"/>
+              </a:defRPr>
+            </a:lvl1pPr>
+            <a:lvl2pPr marL="612648" indent="-246888" algn="l" defTabSz="914400" rtl="0" eaLnBrk="1" latinLnBrk="0" hangingPunct="1">
+              <a:lnSpc>
+                <a:spcPct val="90000"/>
+              </a:lnSpc>
+              <a:spcBef>
+                <a:spcPts val="600"/>
+              </a:spcBef>
+              <a:buFont typeface="Euphemia" pitchFamily="34" charset="0"/>
+              <a:buChar char="–"/>
+              <a:defRPr sz="2400" kern="1200">
+                <a:solidFill>
+                  <a:schemeClr val="lt1"/>
+                </a:solidFill>
+                <a:latin typeface="+mn-lt"/>
+                <a:ea typeface="+mn-ea"/>
+                <a:cs typeface="+mn-cs"/>
+              </a:defRPr>
+            </a:lvl2pPr>
+            <a:lvl3pPr marL="978408" indent="-246888" algn="l" defTabSz="914400" rtl="0" eaLnBrk="1" latinLnBrk="0" hangingPunct="1">
+              <a:lnSpc>
+                <a:spcPct val="90000"/>
+              </a:lnSpc>
+              <a:spcBef>
+                <a:spcPts val="600"/>
+              </a:spcBef>
+              <a:buFont typeface="Euphemia" pitchFamily="34" charset="0"/>
+              <a:buChar char="›"/>
+              <a:defRPr sz="2000" kern="1200">
+                <a:solidFill>
+                  <a:schemeClr val="lt1"/>
+                </a:solidFill>
+                <a:latin typeface="+mn-lt"/>
+                <a:ea typeface="+mn-ea"/>
+                <a:cs typeface="+mn-cs"/>
+              </a:defRPr>
+            </a:lvl3pPr>
+            <a:lvl4pPr marL="1344168" indent="-246888" algn="l" defTabSz="914400" rtl="0" eaLnBrk="1" latinLnBrk="0" hangingPunct="1">
+              <a:lnSpc>
+                <a:spcPct val="90000"/>
+              </a:lnSpc>
+              <a:spcBef>
+                <a:spcPts val="600"/>
+              </a:spcBef>
+              <a:buFont typeface="Arial" pitchFamily="34" charset="0"/>
+              <a:buChar char="–"/>
+              <a:defRPr sz="1800" kern="1200">
+                <a:solidFill>
+                  <a:schemeClr val="lt1"/>
+                </a:solidFill>
+                <a:latin typeface="+mn-lt"/>
+                <a:ea typeface="+mn-ea"/>
+                <a:cs typeface="+mn-cs"/>
+              </a:defRPr>
+            </a:lvl4pPr>
+            <a:lvl5pPr marL="1709928" indent="-246888" algn="l" defTabSz="914400" rtl="0" eaLnBrk="1" latinLnBrk="0" hangingPunct="1">
+              <a:lnSpc>
+                <a:spcPct val="90000"/>
+              </a:lnSpc>
+              <a:spcBef>
+                <a:spcPts val="600"/>
+              </a:spcBef>
+              <a:buFont typeface="Euphemia" pitchFamily="34" charset="0"/>
+              <a:buChar char="›"/>
+              <a:defRPr sz="1800" kern="1200">
+                <a:solidFill>
+                  <a:schemeClr val="lt1"/>
+                </a:solidFill>
+                <a:latin typeface="+mn-lt"/>
+                <a:ea typeface="+mn-ea"/>
+                <a:cs typeface="+mn-cs"/>
+              </a:defRPr>
+            </a:lvl5pPr>
+            <a:lvl6pPr marL="2075688" indent="-246888" algn="l" defTabSz="914400" rtl="0" eaLnBrk="1" latinLnBrk="0" hangingPunct="1">
+              <a:lnSpc>
+                <a:spcPct val="90000"/>
+              </a:lnSpc>
+              <a:spcBef>
+                <a:spcPts val="600"/>
+              </a:spcBef>
+              <a:buFont typeface="Euphemia" pitchFamily="34" charset="0"/>
+              <a:buChar char="–"/>
+              <a:defRPr sz="1800" kern="1200">
+                <a:solidFill>
+                  <a:schemeClr val="lt1"/>
+                </a:solidFill>
+                <a:latin typeface="+mn-lt"/>
+                <a:ea typeface="+mn-ea"/>
+                <a:cs typeface="+mn-cs"/>
+              </a:defRPr>
+            </a:lvl6pPr>
+            <a:lvl7pPr marL="2441448" indent="-246888" algn="l" defTabSz="914400" rtl="0" eaLnBrk="1" latinLnBrk="0" hangingPunct="1">
+              <a:lnSpc>
+                <a:spcPct val="90000"/>
+              </a:lnSpc>
+              <a:spcBef>
+                <a:spcPts val="600"/>
+              </a:spcBef>
+              <a:buFont typeface="Euphemia" pitchFamily="34" charset="0"/>
+              <a:buChar char="›"/>
+              <a:defRPr sz="1800" kern="1200">
+                <a:solidFill>
+                  <a:schemeClr val="lt1"/>
+                </a:solidFill>
+                <a:latin typeface="+mn-lt"/>
+                <a:ea typeface="+mn-ea"/>
+                <a:cs typeface="+mn-cs"/>
+              </a:defRPr>
+            </a:lvl7pPr>
+            <a:lvl8pPr marL="2807208" indent="-246888" algn="l" defTabSz="914400" rtl="0" eaLnBrk="1" latinLnBrk="0" hangingPunct="1">
+              <a:lnSpc>
+                <a:spcPct val="90000"/>
+              </a:lnSpc>
+              <a:spcBef>
+                <a:spcPts val="600"/>
+              </a:spcBef>
+              <a:buFont typeface="Euphemia" pitchFamily="34" charset="0"/>
+              <a:buChar char="–"/>
+              <a:defRPr sz="1800" kern="1200" baseline="0">
+                <a:solidFill>
+                  <a:schemeClr val="lt1"/>
+                </a:solidFill>
+                <a:latin typeface="+mn-lt"/>
+                <a:ea typeface="+mn-ea"/>
+                <a:cs typeface="+mn-cs"/>
+              </a:defRPr>
+            </a:lvl8pPr>
+            <a:lvl9pPr marL="3172968" indent="-246888" algn="l" defTabSz="914400" rtl="0" eaLnBrk="1" latinLnBrk="0" hangingPunct="1">
+              <a:lnSpc>
+                <a:spcPct val="90000"/>
+              </a:lnSpc>
+              <a:spcBef>
+                <a:spcPts val="600"/>
+              </a:spcBef>
+              <a:buFont typeface="Euphemia" pitchFamily="34" charset="0"/>
+              <a:buChar char="›"/>
+              <a:defRPr sz="1800" kern="1200" baseline="0">
+                <a:solidFill>
+                  <a:schemeClr val="lt1"/>
+                </a:solidFill>
+                <a:latin typeface="+mn-lt"/>
+                <a:ea typeface="+mn-ea"/>
+                <a:cs typeface="+mn-cs"/>
+              </a:defRPr>
+            </a:lvl9pPr>
+          </a:lstStyle>
+          <a:p>
+            <a:pPr marL="0" indent="0" algn="ctr">
+              <a:buNone/>
+            </a:pPr>
+            <a:r>
+              <a:rPr lang="en-US" sz="7200" b="1" dirty="0">
+                <a:solidFill>
+                  <a:schemeClr val="tx2">
+                    <a:lumMod val="75000"/>
+                    <a:lumOff val="25000"/>
+                  </a:schemeClr>
+                </a:solidFill>
+                <a:latin typeface="ADLaM Display" panose="02010000000000000000" pitchFamily="2" charset="0"/>
+                <a:ea typeface="ADLaM Display" panose="02010000000000000000" pitchFamily="2" charset="0"/>
+                <a:cs typeface="ADLaM Display" panose="02010000000000000000" pitchFamily="2" charset="0"/>
+              </a:rPr>
+              <a:t>015</a:t>
+            </a:r>
+          </a:p>
+        </p:txBody>
+      </p:sp>
+      <p:sp>
+        <p:nvSpPr>
+          <p:cNvPr id="9" name="Title 12">
+            <a:extLst>
+              <a:ext uri="{FF2B5EF4-FFF2-40B4-BE49-F238E27FC236}">
+                <a16:creationId xmlns:a16="http://schemas.microsoft.com/office/drawing/2014/main" id="{50246150-BB8D-CE43-39F7-67E6B469D5E4}"/>
+              </a:ext>
+            </a:extLst>
+          </p:cNvPr>
+          <p:cNvSpPr txBox="1">
+            <a:spLocks/>
+          </p:cNvSpPr>
+          <p:nvPr/>
+        </p:nvSpPr>
+        <p:spPr>
+          <a:xfrm>
+            <a:off x="1773932" y="1124744"/>
+            <a:ext cx="9782801" cy="843659"/>
+          </a:xfrm>
+          <a:prstGeom prst="rect">
+            <a:avLst/>
+          </a:prstGeom>
+        </p:spPr>
+        <p:txBody>
+          <a:bodyPr vert="horz" lIns="91440" tIns="45720" rIns="91440" bIns="45720" rtlCol="0" anchor="ctr">
+            <a:normAutofit fontScale="75000" lnSpcReduction="20000"/>
+          </a:bodyPr>
+          <a:lstStyle>
+            <a:lvl1pPr algn="l" defTabSz="914400" rtl="0" eaLnBrk="1" latinLnBrk="0" hangingPunct="1">
+              <a:lnSpc>
+                <a:spcPct val="90000"/>
+              </a:lnSpc>
+              <a:spcBef>
+                <a:spcPct val="0"/>
+              </a:spcBef>
+              <a:buNone/>
+              <a:defRPr sz="3600" kern="1200">
+                <a:solidFill>
+                  <a:schemeClr val="tx1">
+                    <a:lumMod val="75000"/>
+                  </a:schemeClr>
+                </a:solidFill>
+                <a:latin typeface="+mj-lt"/>
+                <a:ea typeface="+mj-ea"/>
+                <a:cs typeface="+mj-cs"/>
+              </a:defRPr>
+            </a:lvl1pPr>
+          </a:lstStyle>
+          <a:p>
+            <a:r>
+              <a:rPr lang="en-US" sz="4800" b="1" dirty="0"/>
+              <a:t>Building Block – Mobjects </a:t>
+            </a:r>
+            <a:r>
+              <a:rPr lang="en-US" sz="4800" b="1"/>
+              <a:t>– Styling, Ordering</a:t>
+            </a:r>
+            <a:endParaRPr lang="en-US" sz="4800" b="1" dirty="0"/>
+          </a:p>
+        </p:txBody>
+      </p:sp>
+      <p:pic>
+        <p:nvPicPr>
+          <p:cNvPr id="14" name="Picture 13">
+            <a:extLst>
+              <a:ext uri="{FF2B5EF4-FFF2-40B4-BE49-F238E27FC236}">
+                <a16:creationId xmlns:a16="http://schemas.microsoft.com/office/drawing/2014/main" id="{18DD290C-A46D-CB09-06AA-8DDDE2810228}"/>
+              </a:ext>
+            </a:extLst>
+          </p:cNvPr>
+          <p:cNvPicPr>
+            <a:picLocks noChangeAspect="1"/>
+          </p:cNvPicPr>
+          <p:nvPr/>
+        </p:nvPicPr>
+        <p:blipFill>
+          <a:blip r:embed="rId4"/>
+          <a:stretch>
+            <a:fillRect/>
+          </a:stretch>
+        </p:blipFill>
+        <p:spPr>
+          <a:xfrm>
+            <a:off x="1917948" y="2123104"/>
+            <a:ext cx="8686701" cy="4521449"/>
+          </a:xfrm>
+          <a:prstGeom prst="rect">
+            <a:avLst/>
+          </a:prstGeom>
+          <a:ln>
+            <a:noFill/>
+          </a:ln>
+          <a:effectLst>
+            <a:outerShdw blurRad="292100" dist="139700" dir="2700000" algn="tl" rotWithShape="0">
+              <a:srgbClr val="333333">
+                <a:alpha val="65000"/>
+              </a:srgbClr>
+            </a:outerShdw>
+          </a:effectLst>
+        </p:spPr>
+      </p:pic>
+      <p:pic>
+        <p:nvPicPr>
+          <p:cNvPr id="11" name="Picture 10">
+            <a:extLst>
+              <a:ext uri="{FF2B5EF4-FFF2-40B4-BE49-F238E27FC236}">
+                <a16:creationId xmlns:a16="http://schemas.microsoft.com/office/drawing/2014/main" id="{4B8A4A9B-7D12-A0B1-2048-C5494A732900}"/>
+              </a:ext>
+            </a:extLst>
+          </p:cNvPr>
+          <p:cNvPicPr>
+            <a:picLocks noChangeAspect="1"/>
+          </p:cNvPicPr>
+          <p:nvPr/>
+        </p:nvPicPr>
+        <p:blipFill>
+          <a:blip r:embed="rId5"/>
+          <a:stretch>
+            <a:fillRect/>
+          </a:stretch>
+        </p:blipFill>
+        <p:spPr>
+          <a:xfrm>
+            <a:off x="8281070" y="2034814"/>
+            <a:ext cx="1800200" cy="1359044"/>
+          </a:xfrm>
+          <a:prstGeom prst="rect">
+            <a:avLst/>
+          </a:prstGeom>
+          <a:ln>
+            <a:noFill/>
+          </a:ln>
+          <a:effectLst>
+            <a:outerShdw blurRad="292100" dist="139700" dir="2700000" algn="tl" rotWithShape="0">
+              <a:srgbClr val="333333">
+                <a:alpha val="65000"/>
+              </a:srgbClr>
+            </a:outerShdw>
+          </a:effectLst>
+        </p:spPr>
+      </p:pic>
+    </p:spTree>
+    <p:extLst>
+      <p:ext uri="{BB962C8B-B14F-4D97-AF65-F5344CB8AC3E}">
+        <p14:creationId xmlns:p14="http://schemas.microsoft.com/office/powerpoint/2010/main" val="3697964569"/>
+      </p:ext>
+    </p:extLst>
+  </p:cSld>
+  <p:clrMapOvr>
+    <a:masterClrMapping/>
+  </p:clrMapOvr>
+  <mc:AlternateContent xmlns:mc="http://schemas.openxmlformats.org/markup-compatibility/2006">
+    <mc:Choice xmlns:p14="http://schemas.microsoft.com/office/powerpoint/2010/main" Requires="p14">
+      <p:transition spd="med" p14:dur="700">
+        <p:fade/>
+      </p:transition>
+    </mc:Choice>
+    <mc:Fallback>
+      <p:transition spd="med">
+        <p:fade/>
+      </p:transition>
+    </mc:Fallback>
+  </mc:AlternateContent>
+</p:sld>
+</file>
+
+<file path=ppt/slides/slide16.xml><?xml version="1.0" encoding="utf-8"?>
 <p:sld xmlns:a="http://schemas.openxmlformats.org/drawingml/2006/main" xmlns:r="http://schemas.openxmlformats.org/officeDocument/2006/relationships" xmlns:p="http://schemas.openxmlformats.org/presentationml/2006/main">
   <p:cSld>
     <p:spTree>

--- a/Manim/Learn Manim Library by Practice.pptx
+++ b/Manim/Learn Manim Library by Practice.pptx
@@ -5,10 +5,10 @@
     <p:sldMasterId id="2147483648" r:id="rId1"/>
   </p:sldMasterIdLst>
   <p:notesMasterIdLst>
-    <p:notesMasterId r:id="rId18"/>
+    <p:notesMasterId r:id="rId25"/>
   </p:notesMasterIdLst>
   <p:handoutMasterIdLst>
-    <p:handoutMasterId r:id="rId19"/>
+    <p:handoutMasterId r:id="rId26"/>
   </p:handoutMasterIdLst>
   <p:sldIdLst>
     <p:sldId id="256" r:id="rId2"/>
@@ -26,7 +26,14 @@
     <p:sldId id="279" r:id="rId14"/>
     <p:sldId id="280" r:id="rId15"/>
     <p:sldId id="281" r:id="rId16"/>
-    <p:sldId id="272" r:id="rId17"/>
+    <p:sldId id="282" r:id="rId17"/>
+    <p:sldId id="288" r:id="rId18"/>
+    <p:sldId id="283" r:id="rId19"/>
+    <p:sldId id="284" r:id="rId20"/>
+    <p:sldId id="285" r:id="rId21"/>
+    <p:sldId id="286" r:id="rId22"/>
+    <p:sldId id="287" r:id="rId23"/>
+    <p:sldId id="272" r:id="rId24"/>
   </p:sldIdLst>
   <p:sldSz cx="12188825" cy="6858000"/>
   <p:notesSz cx="6858000" cy="9144000"/>
@@ -161,6 +168,13 @@
             <p14:sldId id="279"/>
             <p14:sldId id="280"/>
             <p14:sldId id="281"/>
+            <p14:sldId id="282"/>
+            <p14:sldId id="288"/>
+            <p14:sldId id="283"/>
+            <p14:sldId id="284"/>
+            <p14:sldId id="285"/>
+            <p14:sldId id="286"/>
+            <p14:sldId id="287"/>
           </p14:sldIdLst>
         </p14:section>
         <p14:section name="Udemy" id="{61D4A0FB-23D1-4A58-B3C6-86E5BDFA3F31}">
@@ -289,7 +303,7 @@
           <a:p>
             <a:fld id="{BDB7646E-8811-423A-9C42-2CBFADA00A96}" type="datetimeFigureOut">
               <a:rPr lang="en-US" smtClean="0"/>
-              <a:t>11/17/2024</a:t>
+              <a:t>11/19/2024</a:t>
             </a:fld>
             <a:endParaRPr lang="en-US"/>
           </a:p>
@@ -463,7 +477,7 @@
             <a:fld id="{D677E230-58DD-43ED-96A1-552DDAB53532}" type="datetimeFigureOut">
               <a:rPr lang="en-US" smtClean="0"/>
               <a:pPr/>
-              <a:t>11/17/2024</a:t>
+              <a:t>11/19/2024</a:t>
             </a:fld>
             <a:endParaRPr lang="en-US"/>
           </a:p>
@@ -1655,7 +1669,7 @@
             <a:fld id="{C2C6F8EA-316C-41DE-B9A4-EDCC3A85ED9A}" type="datetimeFigureOut">
               <a:rPr lang="en-US"/>
               <a:pPr/>
-              <a:t>11/17/2024</a:t>
+              <a:t>11/19/2024</a:t>
             </a:fld>
             <a:endParaRPr/>
           </a:p>
@@ -1870,7 +1884,7 @@
           <a:p>
             <a:fld id="{C2C6F8EA-316C-41DE-B9A4-EDCC3A85ED9A}" type="datetimeFigureOut">
               <a:rPr lang="en-US"/>
-              <a:t>11/17/2024</a:t>
+              <a:t>11/19/2024</a:t>
             </a:fld>
             <a:endParaRPr/>
           </a:p>
@@ -2684,7 +2698,7 @@
           <a:p>
             <a:fld id="{C2C6F8EA-316C-41DE-B9A4-EDCC3A85ED9A}" type="datetimeFigureOut">
               <a:rPr lang="en-US"/>
-              <a:t>11/17/2024</a:t>
+              <a:t>11/19/2024</a:t>
             </a:fld>
             <a:endParaRPr/>
           </a:p>
@@ -2882,7 +2896,7 @@
           <a:p>
             <a:fld id="{C2C6F8EA-316C-41DE-B9A4-EDCC3A85ED9A}" type="datetimeFigureOut">
               <a:rPr lang="en-US"/>
-              <a:t>11/17/2024</a:t>
+              <a:t>11/19/2024</a:t>
             </a:fld>
             <a:endParaRPr/>
           </a:p>
@@ -3988,7 +4002,7 @@
             <a:fld id="{C2C6F8EA-316C-41DE-B9A4-EDCC3A85ED9A}" type="datetimeFigureOut">
               <a:rPr lang="en-US"/>
               <a:pPr/>
-              <a:t>11/17/2024</a:t>
+              <a:t>11/19/2024</a:t>
             </a:fld>
             <a:endParaRPr/>
           </a:p>
@@ -4461,7 +4475,7 @@
           <a:p>
             <a:fld id="{C2C6F8EA-316C-41DE-B9A4-EDCC3A85ED9A}" type="datetimeFigureOut">
               <a:rPr lang="en-US"/>
-              <a:t>11/17/2024</a:t>
+              <a:t>11/19/2024</a:t>
             </a:fld>
             <a:endParaRPr/>
           </a:p>
@@ -4909,7 +4923,7 @@
           <a:p>
             <a:fld id="{C2C6F8EA-316C-41DE-B9A4-EDCC3A85ED9A}" type="datetimeFigureOut">
               <a:rPr lang="en-US"/>
-              <a:t>11/17/2024</a:t>
+              <a:t>11/19/2024</a:t>
             </a:fld>
             <a:endParaRPr/>
           </a:p>
@@ -5039,7 +5053,7 @@
           <a:p>
             <a:fld id="{C2C6F8EA-316C-41DE-B9A4-EDCC3A85ED9A}" type="datetimeFigureOut">
               <a:rPr lang="en-US"/>
-              <a:t>11/17/2024</a:t>
+              <a:t>11/19/2024</a:t>
             </a:fld>
             <a:endParaRPr/>
           </a:p>
@@ -5374,7 +5388,7 @@
           <a:p>
             <a:fld id="{C2C6F8EA-316C-41DE-B9A4-EDCC3A85ED9A}" type="datetimeFigureOut">
               <a:rPr lang="en-US"/>
-              <a:t>11/17/2024</a:t>
+              <a:t>11/19/2024</a:t>
             </a:fld>
             <a:endParaRPr/>
           </a:p>
@@ -5866,7 +5880,7 @@
           <a:p>
             <a:fld id="{C2C6F8EA-316C-41DE-B9A4-EDCC3A85ED9A}" type="datetimeFigureOut">
               <a:rPr lang="en-US"/>
-              <a:t>11/17/2024</a:t>
+              <a:t>11/19/2024</a:t>
             </a:fld>
             <a:endParaRPr/>
           </a:p>
@@ -6302,7 +6316,7 @@
           <a:p>
             <a:fld id="{C2C6F8EA-316C-41DE-B9A4-EDCC3A85ED9A}" type="datetimeFigureOut">
               <a:rPr lang="en-US"/>
-              <a:t>11/17/2024</a:t>
+              <a:t>11/19/2024</a:t>
             </a:fld>
             <a:endParaRPr/>
           </a:p>
@@ -7186,7 +7200,7 @@
             <a:fld id="{C2C6F8EA-316C-41DE-B9A4-EDCC3A85ED9A}" type="datetimeFigureOut">
               <a:rPr lang="en-US"/>
               <a:pPr/>
-              <a:t>11/17/2024</a:t>
+              <a:t>11/19/2024</a:t>
             </a:fld>
             <a:endParaRPr/>
           </a:p>
@@ -10260,13 +10274,13 @@
   <p:clrMapOvr>
     <a:masterClrMapping/>
   </p:clrMapOvr>
-  <mc:AlternateContent xmlns:mc="http://schemas.openxmlformats.org/markup-compatibility/2006">
-    <mc:Choice xmlns:p14="http://schemas.microsoft.com/office/powerpoint/2010/main" Requires="p14">
+  <mc:AlternateContent xmlns:mc="http://schemas.openxmlformats.org/markup-compatibility/2006" xmlns:p14="http://schemas.microsoft.com/office/powerpoint/2010/main">
+    <mc:Choice Requires="p14">
       <p:transition spd="med" p14:dur="700">
         <p:fade/>
       </p:transition>
     </mc:Choice>
-    <mc:Fallback>
+    <mc:Fallback xmlns="">
       <p:transition spd="med">
         <p:fade/>
       </p:transition>
@@ -10680,13 +10694,8 @@
           <a:p>
             <a:r>
               <a:rPr lang="en-US" sz="4800" b="1" dirty="0"/>
-              <a:t>Building Block – Mobjects </a:t>
+              <a:t>Building Block – Mobjects – Styling, Ordering</a:t>
             </a:r>
-            <a:r>
-              <a:rPr lang="en-US" sz="4800" b="1"/>
-              <a:t>– Styling, Ordering</a:t>
-            </a:r>
-            <a:endParaRPr lang="en-US" sz="4800" b="1" dirty="0"/>
           </a:p>
         </p:txBody>
       </p:sp>
@@ -10780,6 +10789,581 @@
   <p:clrMapOvr>
     <a:masterClrMapping/>
   </p:clrMapOvr>
+  <mc:AlternateContent xmlns:mc="http://schemas.openxmlformats.org/markup-compatibility/2006" xmlns:p14="http://schemas.microsoft.com/office/powerpoint/2010/main">
+    <mc:Choice Requires="p14">
+      <p:transition spd="med" p14:dur="700">
+        <p:fade/>
+      </p:transition>
+    </mc:Choice>
+    <mc:Fallback xmlns="">
+      <p:transition spd="med">
+        <p:fade/>
+      </p:transition>
+    </mc:Fallback>
+  </mc:AlternateContent>
+</p:sld>
+</file>
+
+<file path=ppt/slides/slide16.xml><?xml version="1.0" encoding="utf-8"?>
+<p:sld xmlns:a="http://schemas.openxmlformats.org/drawingml/2006/main" xmlns:r="http://schemas.openxmlformats.org/officeDocument/2006/relationships" xmlns:p="http://schemas.openxmlformats.org/presentationml/2006/main">
+  <p:cSld>
+    <p:spTree>
+      <p:nvGrpSpPr>
+        <p:cNvPr id="1" name="">
+          <a:extLst>
+            <a:ext uri="{FF2B5EF4-FFF2-40B4-BE49-F238E27FC236}">
+              <a16:creationId xmlns:a16="http://schemas.microsoft.com/office/drawing/2014/main" id="{78C68C2E-30E7-7D63-B3F3-290E1E267A4A}"/>
+            </a:ext>
+          </a:extLst>
+        </p:cNvPr>
+        <p:cNvGrpSpPr/>
+        <p:nvPr/>
+      </p:nvGrpSpPr>
+      <p:grpSpPr>
+        <a:xfrm>
+          <a:off x="0" y="0"/>
+          <a:ext cx="0" cy="0"/>
+          <a:chOff x="0" y="0"/>
+          <a:chExt cx="0" cy="0"/>
+        </a:xfrm>
+      </p:grpSpPr>
+      <p:sp>
+        <p:nvSpPr>
+          <p:cNvPr id="13" name="Title 12">
+            <a:extLst>
+              <a:ext uri="{FF2B5EF4-FFF2-40B4-BE49-F238E27FC236}">
+                <a16:creationId xmlns:a16="http://schemas.microsoft.com/office/drawing/2014/main" id="{7C72D042-D029-DEF5-9853-EE3DFA739656}"/>
+              </a:ext>
+            </a:extLst>
+          </p:cNvPr>
+          <p:cNvSpPr>
+            <a:spLocks noGrp="1"/>
+          </p:cNvSpPr>
+          <p:nvPr>
+            <p:ph type="title"/>
+          </p:nvPr>
+        </p:nvSpPr>
+        <p:spPr>
+          <a:xfrm>
+            <a:off x="1593436" y="260649"/>
+            <a:ext cx="6174521" cy="864096"/>
+          </a:xfrm>
+        </p:spPr>
+        <p:txBody>
+          <a:bodyPr anchor="ctr">
+            <a:normAutofit fontScale="90000"/>
+          </a:bodyPr>
+          <a:lstStyle/>
+          <a:p>
+            <a:r>
+              <a:rPr lang="en-US" sz="6000" b="1" dirty="0">
+                <a:latin typeface="ADLaM Display" panose="02010000000000000000" pitchFamily="2" charset="0"/>
+                <a:ea typeface="ADLaM Display" panose="02010000000000000000" pitchFamily="2" charset="0"/>
+                <a:cs typeface="ADLaM Display" panose="02010000000000000000" pitchFamily="2" charset="0"/>
+              </a:rPr>
+              <a:t>Learning Manim</a:t>
+            </a:r>
+          </a:p>
+        </p:txBody>
+      </p:sp>
+      <p:pic>
+        <p:nvPicPr>
+          <p:cNvPr id="4" name="Picture 3">
+            <a:extLst>
+              <a:ext uri="{FF2B5EF4-FFF2-40B4-BE49-F238E27FC236}">
+                <a16:creationId xmlns:a16="http://schemas.microsoft.com/office/drawing/2014/main" id="{3C32646F-1CC1-DDA1-7D43-E996D3910E20}"/>
+              </a:ext>
+            </a:extLst>
+          </p:cNvPr>
+          <p:cNvPicPr>
+            <a:picLocks noChangeAspect="1"/>
+          </p:cNvPicPr>
+          <p:nvPr/>
+        </p:nvPicPr>
+        <p:blipFill>
+          <a:blip r:embed="rId2"/>
+          <a:stretch>
+            <a:fillRect/>
+          </a:stretch>
+        </p:blipFill>
+        <p:spPr>
+          <a:xfrm>
+            <a:off x="7767957" y="83058"/>
+            <a:ext cx="4420868" cy="1512168"/>
+          </a:xfrm>
+          <a:prstGeom prst="rect">
+            <a:avLst/>
+          </a:prstGeom>
+        </p:spPr>
+      </p:pic>
+      <p:pic>
+        <p:nvPicPr>
+          <p:cNvPr id="5" name="Picture 4">
+            <a:extLst>
+              <a:ext uri="{FF2B5EF4-FFF2-40B4-BE49-F238E27FC236}">
+                <a16:creationId xmlns:a16="http://schemas.microsoft.com/office/drawing/2014/main" id="{FCFC817F-A1ED-091F-1006-23FE40FB5410}"/>
+              </a:ext>
+            </a:extLst>
+          </p:cNvPr>
+          <p:cNvPicPr>
+            <a:picLocks noChangeAspect="1"/>
+          </p:cNvPicPr>
+          <p:nvPr/>
+        </p:nvPicPr>
+        <p:blipFill>
+          <a:blip r:embed="rId3"/>
+          <a:stretch>
+            <a:fillRect/>
+          </a:stretch>
+        </p:blipFill>
+        <p:spPr>
+          <a:xfrm>
+            <a:off x="20044" y="2636912"/>
+            <a:ext cx="1152128" cy="1180931"/>
+          </a:xfrm>
+          <a:prstGeom prst="rect">
+            <a:avLst/>
+          </a:prstGeom>
+          <a:ln>
+            <a:noFill/>
+          </a:ln>
+          <a:effectLst>
+            <a:softEdge rad="112500"/>
+          </a:effectLst>
+        </p:spPr>
+      </p:pic>
+      <p:sp>
+        <p:nvSpPr>
+          <p:cNvPr id="6" name="Subtitle 2">
+            <a:extLst>
+              <a:ext uri="{FF2B5EF4-FFF2-40B4-BE49-F238E27FC236}">
+                <a16:creationId xmlns:a16="http://schemas.microsoft.com/office/drawing/2014/main" id="{48644B54-CA66-2BFE-7881-DD62AE16FF49}"/>
+              </a:ext>
+            </a:extLst>
+          </p:cNvPr>
+          <p:cNvSpPr txBox="1">
+            <a:spLocks/>
+          </p:cNvSpPr>
+          <p:nvPr/>
+        </p:nvSpPr>
+        <p:spPr>
+          <a:xfrm>
+            <a:off x="-1022" y="1484784"/>
+            <a:ext cx="1774954" cy="1080120"/>
+          </a:xfrm>
+          <a:prstGeom prst="rect">
+            <a:avLst/>
+          </a:prstGeom>
+        </p:spPr>
+        <p:style>
+          <a:lnRef idx="0">
+            <a:schemeClr val="accent2"/>
+          </a:lnRef>
+          <a:fillRef idx="3">
+            <a:schemeClr val="accent2"/>
+          </a:fillRef>
+          <a:effectRef idx="3">
+            <a:schemeClr val="accent2"/>
+          </a:effectRef>
+          <a:fontRef idx="minor">
+            <a:schemeClr val="lt1"/>
+          </a:fontRef>
+        </p:style>
+        <p:txBody>
+          <a:bodyPr vert="horz" lIns="91440" tIns="45720" rIns="91440" bIns="45720" rtlCol="0" anchor="ctr">
+            <a:normAutofit/>
+          </a:bodyPr>
+          <a:lstStyle>
+            <a:lvl1pPr marL="246888" indent="-246888" algn="l" defTabSz="914400" rtl="0" eaLnBrk="1" latinLnBrk="0" hangingPunct="1">
+              <a:lnSpc>
+                <a:spcPct val="90000"/>
+              </a:lnSpc>
+              <a:spcBef>
+                <a:spcPts val="1400"/>
+              </a:spcBef>
+              <a:buFont typeface="Euphemia" pitchFamily="34" charset="0"/>
+              <a:buChar char="›"/>
+              <a:defRPr sz="2800" kern="1200">
+                <a:solidFill>
+                  <a:schemeClr val="lt1"/>
+                </a:solidFill>
+                <a:latin typeface="+mn-lt"/>
+                <a:ea typeface="+mn-ea"/>
+                <a:cs typeface="+mn-cs"/>
+              </a:defRPr>
+            </a:lvl1pPr>
+            <a:lvl2pPr marL="612648" indent="-246888" algn="l" defTabSz="914400" rtl="0" eaLnBrk="1" latinLnBrk="0" hangingPunct="1">
+              <a:lnSpc>
+                <a:spcPct val="90000"/>
+              </a:lnSpc>
+              <a:spcBef>
+                <a:spcPts val="600"/>
+              </a:spcBef>
+              <a:buFont typeface="Euphemia" pitchFamily="34" charset="0"/>
+              <a:buChar char="–"/>
+              <a:defRPr sz="2400" kern="1200">
+                <a:solidFill>
+                  <a:schemeClr val="lt1"/>
+                </a:solidFill>
+                <a:latin typeface="+mn-lt"/>
+                <a:ea typeface="+mn-ea"/>
+                <a:cs typeface="+mn-cs"/>
+              </a:defRPr>
+            </a:lvl2pPr>
+            <a:lvl3pPr marL="978408" indent="-246888" algn="l" defTabSz="914400" rtl="0" eaLnBrk="1" latinLnBrk="0" hangingPunct="1">
+              <a:lnSpc>
+                <a:spcPct val="90000"/>
+              </a:lnSpc>
+              <a:spcBef>
+                <a:spcPts val="600"/>
+              </a:spcBef>
+              <a:buFont typeface="Euphemia" pitchFamily="34" charset="0"/>
+              <a:buChar char="›"/>
+              <a:defRPr sz="2000" kern="1200">
+                <a:solidFill>
+                  <a:schemeClr val="lt1"/>
+                </a:solidFill>
+                <a:latin typeface="+mn-lt"/>
+                <a:ea typeface="+mn-ea"/>
+                <a:cs typeface="+mn-cs"/>
+              </a:defRPr>
+            </a:lvl3pPr>
+            <a:lvl4pPr marL="1344168" indent="-246888" algn="l" defTabSz="914400" rtl="0" eaLnBrk="1" latinLnBrk="0" hangingPunct="1">
+              <a:lnSpc>
+                <a:spcPct val="90000"/>
+              </a:lnSpc>
+              <a:spcBef>
+                <a:spcPts val="600"/>
+              </a:spcBef>
+              <a:buFont typeface="Arial" pitchFamily="34" charset="0"/>
+              <a:buChar char="–"/>
+              <a:defRPr sz="1800" kern="1200">
+                <a:solidFill>
+                  <a:schemeClr val="lt1"/>
+                </a:solidFill>
+                <a:latin typeface="+mn-lt"/>
+                <a:ea typeface="+mn-ea"/>
+                <a:cs typeface="+mn-cs"/>
+              </a:defRPr>
+            </a:lvl4pPr>
+            <a:lvl5pPr marL="1709928" indent="-246888" algn="l" defTabSz="914400" rtl="0" eaLnBrk="1" latinLnBrk="0" hangingPunct="1">
+              <a:lnSpc>
+                <a:spcPct val="90000"/>
+              </a:lnSpc>
+              <a:spcBef>
+                <a:spcPts val="600"/>
+              </a:spcBef>
+              <a:buFont typeface="Euphemia" pitchFamily="34" charset="0"/>
+              <a:buChar char="›"/>
+              <a:defRPr sz="1800" kern="1200">
+                <a:solidFill>
+                  <a:schemeClr val="lt1"/>
+                </a:solidFill>
+                <a:latin typeface="+mn-lt"/>
+                <a:ea typeface="+mn-ea"/>
+                <a:cs typeface="+mn-cs"/>
+              </a:defRPr>
+            </a:lvl5pPr>
+            <a:lvl6pPr marL="2075688" indent="-246888" algn="l" defTabSz="914400" rtl="0" eaLnBrk="1" latinLnBrk="0" hangingPunct="1">
+              <a:lnSpc>
+                <a:spcPct val="90000"/>
+              </a:lnSpc>
+              <a:spcBef>
+                <a:spcPts val="600"/>
+              </a:spcBef>
+              <a:buFont typeface="Euphemia" pitchFamily="34" charset="0"/>
+              <a:buChar char="–"/>
+              <a:defRPr sz="1800" kern="1200">
+                <a:solidFill>
+                  <a:schemeClr val="lt1"/>
+                </a:solidFill>
+                <a:latin typeface="+mn-lt"/>
+                <a:ea typeface="+mn-ea"/>
+                <a:cs typeface="+mn-cs"/>
+              </a:defRPr>
+            </a:lvl6pPr>
+            <a:lvl7pPr marL="2441448" indent="-246888" algn="l" defTabSz="914400" rtl="0" eaLnBrk="1" latinLnBrk="0" hangingPunct="1">
+              <a:lnSpc>
+                <a:spcPct val="90000"/>
+              </a:lnSpc>
+              <a:spcBef>
+                <a:spcPts val="600"/>
+              </a:spcBef>
+              <a:buFont typeface="Euphemia" pitchFamily="34" charset="0"/>
+              <a:buChar char="›"/>
+              <a:defRPr sz="1800" kern="1200">
+                <a:solidFill>
+                  <a:schemeClr val="lt1"/>
+                </a:solidFill>
+                <a:latin typeface="+mn-lt"/>
+                <a:ea typeface="+mn-ea"/>
+                <a:cs typeface="+mn-cs"/>
+              </a:defRPr>
+            </a:lvl7pPr>
+            <a:lvl8pPr marL="2807208" indent="-246888" algn="l" defTabSz="914400" rtl="0" eaLnBrk="1" latinLnBrk="0" hangingPunct="1">
+              <a:lnSpc>
+                <a:spcPct val="90000"/>
+              </a:lnSpc>
+              <a:spcBef>
+                <a:spcPts val="600"/>
+              </a:spcBef>
+              <a:buFont typeface="Euphemia" pitchFamily="34" charset="0"/>
+              <a:buChar char="–"/>
+              <a:defRPr sz="1800" kern="1200" baseline="0">
+                <a:solidFill>
+                  <a:schemeClr val="lt1"/>
+                </a:solidFill>
+                <a:latin typeface="+mn-lt"/>
+                <a:ea typeface="+mn-ea"/>
+                <a:cs typeface="+mn-cs"/>
+              </a:defRPr>
+            </a:lvl8pPr>
+            <a:lvl9pPr marL="3172968" indent="-246888" algn="l" defTabSz="914400" rtl="0" eaLnBrk="1" latinLnBrk="0" hangingPunct="1">
+              <a:lnSpc>
+                <a:spcPct val="90000"/>
+              </a:lnSpc>
+              <a:spcBef>
+                <a:spcPts val="600"/>
+              </a:spcBef>
+              <a:buFont typeface="Euphemia" pitchFamily="34" charset="0"/>
+              <a:buChar char="›"/>
+              <a:defRPr sz="1800" kern="1200" baseline="0">
+                <a:solidFill>
+                  <a:schemeClr val="lt1"/>
+                </a:solidFill>
+                <a:latin typeface="+mn-lt"/>
+                <a:ea typeface="+mn-ea"/>
+                <a:cs typeface="+mn-cs"/>
+              </a:defRPr>
+            </a:lvl9pPr>
+          </a:lstStyle>
+          <a:p>
+            <a:pPr marL="0" indent="0" algn="ctr">
+              <a:buNone/>
+            </a:pPr>
+            <a:r>
+              <a:rPr lang="en-US" sz="7200" b="1" dirty="0">
+                <a:solidFill>
+                  <a:schemeClr val="tx2">
+                    <a:lumMod val="75000"/>
+                    <a:lumOff val="25000"/>
+                  </a:schemeClr>
+                </a:solidFill>
+                <a:latin typeface="ADLaM Display" panose="02010000000000000000" pitchFamily="2" charset="0"/>
+                <a:ea typeface="ADLaM Display" panose="02010000000000000000" pitchFamily="2" charset="0"/>
+                <a:cs typeface="ADLaM Display" panose="02010000000000000000" pitchFamily="2" charset="0"/>
+              </a:rPr>
+              <a:t>016</a:t>
+            </a:r>
+          </a:p>
+        </p:txBody>
+      </p:sp>
+      <p:sp>
+        <p:nvSpPr>
+          <p:cNvPr id="9" name="Title 12">
+            <a:extLst>
+              <a:ext uri="{FF2B5EF4-FFF2-40B4-BE49-F238E27FC236}">
+                <a16:creationId xmlns:a16="http://schemas.microsoft.com/office/drawing/2014/main" id="{50246150-BB8D-CE43-39F7-67E6B469D5E4}"/>
+              </a:ext>
+            </a:extLst>
+          </p:cNvPr>
+          <p:cNvSpPr txBox="1">
+            <a:spLocks/>
+          </p:cNvSpPr>
+          <p:nvPr/>
+        </p:nvSpPr>
+        <p:spPr>
+          <a:xfrm>
+            <a:off x="1773932" y="1124744"/>
+            <a:ext cx="9782801" cy="843659"/>
+          </a:xfrm>
+          <a:prstGeom prst="rect">
+            <a:avLst/>
+          </a:prstGeom>
+        </p:spPr>
+        <p:txBody>
+          <a:bodyPr vert="horz" lIns="91440" tIns="45720" rIns="91440" bIns="45720" rtlCol="0" anchor="ctr">
+            <a:normAutofit fontScale="90000"/>
+          </a:bodyPr>
+          <a:lstStyle>
+            <a:lvl1pPr algn="l" defTabSz="914400" rtl="0" eaLnBrk="1" latinLnBrk="0" hangingPunct="1">
+              <a:lnSpc>
+                <a:spcPct val="90000"/>
+              </a:lnSpc>
+              <a:spcBef>
+                <a:spcPct val="0"/>
+              </a:spcBef>
+              <a:buNone/>
+              <a:defRPr sz="3600" kern="1200">
+                <a:solidFill>
+                  <a:schemeClr val="tx1">
+                    <a:lumMod val="75000"/>
+                  </a:schemeClr>
+                </a:solidFill>
+                <a:latin typeface="+mj-lt"/>
+                <a:ea typeface="+mj-ea"/>
+                <a:cs typeface="+mj-cs"/>
+              </a:defRPr>
+            </a:lvl1pPr>
+          </a:lstStyle>
+          <a:p>
+            <a:r>
+              <a:rPr lang="en-US" sz="4800" b="1" dirty="0"/>
+              <a:t>Building Block – Animations - Basics</a:t>
+            </a:r>
+          </a:p>
+        </p:txBody>
+      </p:sp>
+      <p:pic>
+        <p:nvPicPr>
+          <p:cNvPr id="3" name="Picture 2">
+            <a:extLst>
+              <a:ext uri="{FF2B5EF4-FFF2-40B4-BE49-F238E27FC236}">
+                <a16:creationId xmlns:a16="http://schemas.microsoft.com/office/drawing/2014/main" id="{F9A20CB3-BA84-BE04-A021-29DECB2D7392}"/>
+              </a:ext>
+            </a:extLst>
+          </p:cNvPr>
+          <p:cNvPicPr>
+            <a:picLocks noChangeAspect="1"/>
+          </p:cNvPicPr>
+          <p:nvPr/>
+        </p:nvPicPr>
+        <p:blipFill>
+          <a:blip r:embed="rId4"/>
+          <a:stretch>
+            <a:fillRect/>
+          </a:stretch>
+        </p:blipFill>
+        <p:spPr>
+          <a:xfrm>
+            <a:off x="1917948" y="1996209"/>
+            <a:ext cx="8974733" cy="4360065"/>
+          </a:xfrm>
+          <a:prstGeom prst="rect">
+            <a:avLst/>
+          </a:prstGeom>
+          <a:ln>
+            <a:noFill/>
+          </a:ln>
+          <a:effectLst>
+            <a:outerShdw blurRad="292100" dist="139700" dir="2700000" algn="tl" rotWithShape="0">
+              <a:srgbClr val="333333">
+                <a:alpha val="65000"/>
+              </a:srgbClr>
+            </a:outerShdw>
+          </a:effectLst>
+        </p:spPr>
+      </p:pic>
+      <p:pic>
+        <p:nvPicPr>
+          <p:cNvPr id="8" name="Picture 7">
+            <a:extLst>
+              <a:ext uri="{FF2B5EF4-FFF2-40B4-BE49-F238E27FC236}">
+                <a16:creationId xmlns:a16="http://schemas.microsoft.com/office/drawing/2014/main" id="{2B9ED4A2-E622-8A4B-C4E4-B1F2454ACF9D}"/>
+              </a:ext>
+            </a:extLst>
+          </p:cNvPr>
+          <p:cNvPicPr>
+            <a:picLocks noChangeAspect="1"/>
+          </p:cNvPicPr>
+          <p:nvPr/>
+        </p:nvPicPr>
+        <p:blipFill>
+          <a:blip r:embed="rId5"/>
+          <a:stretch>
+            <a:fillRect/>
+          </a:stretch>
+        </p:blipFill>
+        <p:spPr>
+          <a:xfrm>
+            <a:off x="8668383" y="1913502"/>
+            <a:ext cx="2970074" cy="1810722"/>
+          </a:xfrm>
+          <a:prstGeom prst="rect">
+            <a:avLst/>
+          </a:prstGeom>
+          <a:ln>
+            <a:noFill/>
+          </a:ln>
+          <a:effectLst>
+            <a:outerShdw blurRad="292100" dist="139700" dir="2700000" algn="tl" rotWithShape="0">
+              <a:srgbClr val="333333">
+                <a:alpha val="65000"/>
+              </a:srgbClr>
+            </a:outerShdw>
+          </a:effectLst>
+        </p:spPr>
+      </p:pic>
+      <p:sp>
+        <p:nvSpPr>
+          <p:cNvPr id="10" name="Title 12">
+            <a:extLst>
+              <a:ext uri="{FF2B5EF4-FFF2-40B4-BE49-F238E27FC236}">
+                <a16:creationId xmlns:a16="http://schemas.microsoft.com/office/drawing/2014/main" id="{28852053-5DF2-4A16-69C5-E202A4A78D3C}"/>
+              </a:ext>
+            </a:extLst>
+          </p:cNvPr>
+          <p:cNvSpPr txBox="1">
+            <a:spLocks/>
+          </p:cNvSpPr>
+          <p:nvPr/>
+        </p:nvSpPr>
+        <p:spPr>
+          <a:xfrm>
+            <a:off x="6166420" y="5517232"/>
+            <a:ext cx="4960168" cy="843659"/>
+          </a:xfrm>
+          <a:prstGeom prst="rect">
+            <a:avLst/>
+          </a:prstGeom>
+        </p:spPr>
+        <p:txBody>
+          <a:bodyPr vert="horz" lIns="91440" tIns="45720" rIns="91440" bIns="45720" rtlCol="0" anchor="ctr">
+            <a:normAutofit fontScale="97500"/>
+          </a:bodyPr>
+          <a:lstStyle>
+            <a:lvl1pPr algn="l" defTabSz="914400" rtl="0" eaLnBrk="1" latinLnBrk="0" hangingPunct="1">
+              <a:lnSpc>
+                <a:spcPct val="90000"/>
+              </a:lnSpc>
+              <a:spcBef>
+                <a:spcPct val="0"/>
+              </a:spcBef>
+              <a:buNone/>
+              <a:defRPr sz="3600" kern="1200">
+                <a:solidFill>
+                  <a:schemeClr val="tx1">
+                    <a:lumMod val="75000"/>
+                  </a:schemeClr>
+                </a:solidFill>
+                <a:latin typeface="+mj-lt"/>
+                <a:ea typeface="+mj-ea"/>
+                <a:cs typeface="+mj-cs"/>
+              </a:defRPr>
+            </a:lvl1pPr>
+          </a:lstStyle>
+          <a:p>
+            <a:r>
+              <a:rPr lang="en-US" sz="4800" b="1" dirty="0">
+                <a:solidFill>
+                  <a:srgbClr val="FF0000"/>
+                </a:solidFill>
+              </a:rPr>
+              <a:t>Reinstall Manim</a:t>
+            </a:r>
+          </a:p>
+        </p:txBody>
+      </p:sp>
+    </p:spTree>
+    <p:extLst>
+      <p:ext uri="{BB962C8B-B14F-4D97-AF65-F5344CB8AC3E}">
+        <p14:creationId xmlns:p14="http://schemas.microsoft.com/office/powerpoint/2010/main" val="2518674363"/>
+      </p:ext>
+    </p:extLst>
+  </p:cSld>
+  <p:clrMapOvr>
+    <a:masterClrMapping/>
+  </p:clrMapOvr>
   <mc:AlternateContent xmlns:mc="http://schemas.openxmlformats.org/markup-compatibility/2006">
     <mc:Choice xmlns:p14="http://schemas.microsoft.com/office/powerpoint/2010/main" Requires="p14">
       <p:transition spd="med" p14:dur="700">
@@ -10795,7 +11379,3553 @@
 </p:sld>
 </file>
 
-<file path=ppt/slides/slide16.xml><?xml version="1.0" encoding="utf-8"?>
+<file path=ppt/slides/slide17.xml><?xml version="1.0" encoding="utf-8"?>
+<p:sld xmlns:a="http://schemas.openxmlformats.org/drawingml/2006/main" xmlns:r="http://schemas.openxmlformats.org/officeDocument/2006/relationships" xmlns:p="http://schemas.openxmlformats.org/presentationml/2006/main">
+  <p:cSld>
+    <p:spTree>
+      <p:nvGrpSpPr>
+        <p:cNvPr id="1" name="">
+          <a:extLst>
+            <a:ext uri="{FF2B5EF4-FFF2-40B4-BE49-F238E27FC236}">
+              <a16:creationId xmlns:a16="http://schemas.microsoft.com/office/drawing/2014/main" id="{78C68C2E-30E7-7D63-B3F3-290E1E267A4A}"/>
+            </a:ext>
+          </a:extLst>
+        </p:cNvPr>
+        <p:cNvGrpSpPr/>
+        <p:nvPr/>
+      </p:nvGrpSpPr>
+      <p:grpSpPr>
+        <a:xfrm>
+          <a:off x="0" y="0"/>
+          <a:ext cx="0" cy="0"/>
+          <a:chOff x="0" y="0"/>
+          <a:chExt cx="0" cy="0"/>
+        </a:xfrm>
+      </p:grpSpPr>
+      <p:sp>
+        <p:nvSpPr>
+          <p:cNvPr id="13" name="Title 12">
+            <a:extLst>
+              <a:ext uri="{FF2B5EF4-FFF2-40B4-BE49-F238E27FC236}">
+                <a16:creationId xmlns:a16="http://schemas.microsoft.com/office/drawing/2014/main" id="{7C72D042-D029-DEF5-9853-EE3DFA739656}"/>
+              </a:ext>
+            </a:extLst>
+          </p:cNvPr>
+          <p:cNvSpPr>
+            <a:spLocks noGrp="1"/>
+          </p:cNvSpPr>
+          <p:nvPr>
+            <p:ph type="title"/>
+          </p:nvPr>
+        </p:nvSpPr>
+        <p:spPr>
+          <a:xfrm>
+            <a:off x="1593436" y="260649"/>
+            <a:ext cx="6174521" cy="864096"/>
+          </a:xfrm>
+        </p:spPr>
+        <p:txBody>
+          <a:bodyPr anchor="ctr">
+            <a:normAutofit fontScale="90000"/>
+          </a:bodyPr>
+          <a:lstStyle/>
+          <a:p>
+            <a:r>
+              <a:rPr lang="en-US" sz="6000" b="1" dirty="0">
+                <a:latin typeface="ADLaM Display" panose="02010000000000000000" pitchFamily="2" charset="0"/>
+                <a:ea typeface="ADLaM Display" panose="02010000000000000000" pitchFamily="2" charset="0"/>
+                <a:cs typeface="ADLaM Display" panose="02010000000000000000" pitchFamily="2" charset="0"/>
+              </a:rPr>
+              <a:t>Learning Manim</a:t>
+            </a:r>
+          </a:p>
+        </p:txBody>
+      </p:sp>
+      <p:pic>
+        <p:nvPicPr>
+          <p:cNvPr id="4" name="Picture 3">
+            <a:extLst>
+              <a:ext uri="{FF2B5EF4-FFF2-40B4-BE49-F238E27FC236}">
+                <a16:creationId xmlns:a16="http://schemas.microsoft.com/office/drawing/2014/main" id="{3C32646F-1CC1-DDA1-7D43-E996D3910E20}"/>
+              </a:ext>
+            </a:extLst>
+          </p:cNvPr>
+          <p:cNvPicPr>
+            <a:picLocks noChangeAspect="1"/>
+          </p:cNvPicPr>
+          <p:nvPr/>
+        </p:nvPicPr>
+        <p:blipFill>
+          <a:blip r:embed="rId2"/>
+          <a:stretch>
+            <a:fillRect/>
+          </a:stretch>
+        </p:blipFill>
+        <p:spPr>
+          <a:xfrm>
+            <a:off x="7767957" y="83058"/>
+            <a:ext cx="4420868" cy="1512168"/>
+          </a:xfrm>
+          <a:prstGeom prst="rect">
+            <a:avLst/>
+          </a:prstGeom>
+        </p:spPr>
+      </p:pic>
+      <p:pic>
+        <p:nvPicPr>
+          <p:cNvPr id="5" name="Picture 4">
+            <a:extLst>
+              <a:ext uri="{FF2B5EF4-FFF2-40B4-BE49-F238E27FC236}">
+                <a16:creationId xmlns:a16="http://schemas.microsoft.com/office/drawing/2014/main" id="{FCFC817F-A1ED-091F-1006-23FE40FB5410}"/>
+              </a:ext>
+            </a:extLst>
+          </p:cNvPr>
+          <p:cNvPicPr>
+            <a:picLocks noChangeAspect="1"/>
+          </p:cNvPicPr>
+          <p:nvPr/>
+        </p:nvPicPr>
+        <p:blipFill>
+          <a:blip r:embed="rId3"/>
+          <a:stretch>
+            <a:fillRect/>
+          </a:stretch>
+        </p:blipFill>
+        <p:spPr>
+          <a:xfrm>
+            <a:off x="20044" y="2636912"/>
+            <a:ext cx="1152128" cy="1180931"/>
+          </a:xfrm>
+          <a:prstGeom prst="rect">
+            <a:avLst/>
+          </a:prstGeom>
+          <a:ln>
+            <a:noFill/>
+          </a:ln>
+          <a:effectLst>
+            <a:softEdge rad="112500"/>
+          </a:effectLst>
+        </p:spPr>
+      </p:pic>
+      <p:sp>
+        <p:nvSpPr>
+          <p:cNvPr id="6" name="Subtitle 2">
+            <a:extLst>
+              <a:ext uri="{FF2B5EF4-FFF2-40B4-BE49-F238E27FC236}">
+                <a16:creationId xmlns:a16="http://schemas.microsoft.com/office/drawing/2014/main" id="{48644B54-CA66-2BFE-7881-DD62AE16FF49}"/>
+              </a:ext>
+            </a:extLst>
+          </p:cNvPr>
+          <p:cNvSpPr txBox="1">
+            <a:spLocks/>
+          </p:cNvSpPr>
+          <p:nvPr/>
+        </p:nvSpPr>
+        <p:spPr>
+          <a:xfrm>
+            <a:off x="-1022" y="1484784"/>
+            <a:ext cx="1774954" cy="1080120"/>
+          </a:xfrm>
+          <a:prstGeom prst="rect">
+            <a:avLst/>
+          </a:prstGeom>
+        </p:spPr>
+        <p:style>
+          <a:lnRef idx="0">
+            <a:schemeClr val="accent2"/>
+          </a:lnRef>
+          <a:fillRef idx="3">
+            <a:schemeClr val="accent2"/>
+          </a:fillRef>
+          <a:effectRef idx="3">
+            <a:schemeClr val="accent2"/>
+          </a:effectRef>
+          <a:fontRef idx="minor">
+            <a:schemeClr val="lt1"/>
+          </a:fontRef>
+        </p:style>
+        <p:txBody>
+          <a:bodyPr vert="horz" lIns="91440" tIns="45720" rIns="91440" bIns="45720" rtlCol="0" anchor="ctr">
+            <a:normAutofit/>
+          </a:bodyPr>
+          <a:lstStyle>
+            <a:lvl1pPr marL="246888" indent="-246888" algn="l" defTabSz="914400" rtl="0" eaLnBrk="1" latinLnBrk="0" hangingPunct="1">
+              <a:lnSpc>
+                <a:spcPct val="90000"/>
+              </a:lnSpc>
+              <a:spcBef>
+                <a:spcPts val="1400"/>
+              </a:spcBef>
+              <a:buFont typeface="Euphemia" pitchFamily="34" charset="0"/>
+              <a:buChar char="›"/>
+              <a:defRPr sz="2800" kern="1200">
+                <a:solidFill>
+                  <a:schemeClr val="lt1"/>
+                </a:solidFill>
+                <a:latin typeface="+mn-lt"/>
+                <a:ea typeface="+mn-ea"/>
+                <a:cs typeface="+mn-cs"/>
+              </a:defRPr>
+            </a:lvl1pPr>
+            <a:lvl2pPr marL="612648" indent="-246888" algn="l" defTabSz="914400" rtl="0" eaLnBrk="1" latinLnBrk="0" hangingPunct="1">
+              <a:lnSpc>
+                <a:spcPct val="90000"/>
+              </a:lnSpc>
+              <a:spcBef>
+                <a:spcPts val="600"/>
+              </a:spcBef>
+              <a:buFont typeface="Euphemia" pitchFamily="34" charset="0"/>
+              <a:buChar char="–"/>
+              <a:defRPr sz="2400" kern="1200">
+                <a:solidFill>
+                  <a:schemeClr val="lt1"/>
+                </a:solidFill>
+                <a:latin typeface="+mn-lt"/>
+                <a:ea typeface="+mn-ea"/>
+                <a:cs typeface="+mn-cs"/>
+              </a:defRPr>
+            </a:lvl2pPr>
+            <a:lvl3pPr marL="978408" indent="-246888" algn="l" defTabSz="914400" rtl="0" eaLnBrk="1" latinLnBrk="0" hangingPunct="1">
+              <a:lnSpc>
+                <a:spcPct val="90000"/>
+              </a:lnSpc>
+              <a:spcBef>
+                <a:spcPts val="600"/>
+              </a:spcBef>
+              <a:buFont typeface="Euphemia" pitchFamily="34" charset="0"/>
+              <a:buChar char="›"/>
+              <a:defRPr sz="2000" kern="1200">
+                <a:solidFill>
+                  <a:schemeClr val="lt1"/>
+                </a:solidFill>
+                <a:latin typeface="+mn-lt"/>
+                <a:ea typeface="+mn-ea"/>
+                <a:cs typeface="+mn-cs"/>
+              </a:defRPr>
+            </a:lvl3pPr>
+            <a:lvl4pPr marL="1344168" indent="-246888" algn="l" defTabSz="914400" rtl="0" eaLnBrk="1" latinLnBrk="0" hangingPunct="1">
+              <a:lnSpc>
+                <a:spcPct val="90000"/>
+              </a:lnSpc>
+              <a:spcBef>
+                <a:spcPts val="600"/>
+              </a:spcBef>
+              <a:buFont typeface="Arial" pitchFamily="34" charset="0"/>
+              <a:buChar char="–"/>
+              <a:defRPr sz="1800" kern="1200">
+                <a:solidFill>
+                  <a:schemeClr val="lt1"/>
+                </a:solidFill>
+                <a:latin typeface="+mn-lt"/>
+                <a:ea typeface="+mn-ea"/>
+                <a:cs typeface="+mn-cs"/>
+              </a:defRPr>
+            </a:lvl4pPr>
+            <a:lvl5pPr marL="1709928" indent="-246888" algn="l" defTabSz="914400" rtl="0" eaLnBrk="1" latinLnBrk="0" hangingPunct="1">
+              <a:lnSpc>
+                <a:spcPct val="90000"/>
+              </a:lnSpc>
+              <a:spcBef>
+                <a:spcPts val="600"/>
+              </a:spcBef>
+              <a:buFont typeface="Euphemia" pitchFamily="34" charset="0"/>
+              <a:buChar char="›"/>
+              <a:defRPr sz="1800" kern="1200">
+                <a:solidFill>
+                  <a:schemeClr val="lt1"/>
+                </a:solidFill>
+                <a:latin typeface="+mn-lt"/>
+                <a:ea typeface="+mn-ea"/>
+                <a:cs typeface="+mn-cs"/>
+              </a:defRPr>
+            </a:lvl5pPr>
+            <a:lvl6pPr marL="2075688" indent="-246888" algn="l" defTabSz="914400" rtl="0" eaLnBrk="1" latinLnBrk="0" hangingPunct="1">
+              <a:lnSpc>
+                <a:spcPct val="90000"/>
+              </a:lnSpc>
+              <a:spcBef>
+                <a:spcPts val="600"/>
+              </a:spcBef>
+              <a:buFont typeface="Euphemia" pitchFamily="34" charset="0"/>
+              <a:buChar char="–"/>
+              <a:defRPr sz="1800" kern="1200">
+                <a:solidFill>
+                  <a:schemeClr val="lt1"/>
+                </a:solidFill>
+                <a:latin typeface="+mn-lt"/>
+                <a:ea typeface="+mn-ea"/>
+                <a:cs typeface="+mn-cs"/>
+              </a:defRPr>
+            </a:lvl6pPr>
+            <a:lvl7pPr marL="2441448" indent="-246888" algn="l" defTabSz="914400" rtl="0" eaLnBrk="1" latinLnBrk="0" hangingPunct="1">
+              <a:lnSpc>
+                <a:spcPct val="90000"/>
+              </a:lnSpc>
+              <a:spcBef>
+                <a:spcPts val="600"/>
+              </a:spcBef>
+              <a:buFont typeface="Euphemia" pitchFamily="34" charset="0"/>
+              <a:buChar char="›"/>
+              <a:defRPr sz="1800" kern="1200">
+                <a:solidFill>
+                  <a:schemeClr val="lt1"/>
+                </a:solidFill>
+                <a:latin typeface="+mn-lt"/>
+                <a:ea typeface="+mn-ea"/>
+                <a:cs typeface="+mn-cs"/>
+              </a:defRPr>
+            </a:lvl7pPr>
+            <a:lvl8pPr marL="2807208" indent="-246888" algn="l" defTabSz="914400" rtl="0" eaLnBrk="1" latinLnBrk="0" hangingPunct="1">
+              <a:lnSpc>
+                <a:spcPct val="90000"/>
+              </a:lnSpc>
+              <a:spcBef>
+                <a:spcPts val="600"/>
+              </a:spcBef>
+              <a:buFont typeface="Euphemia" pitchFamily="34" charset="0"/>
+              <a:buChar char="–"/>
+              <a:defRPr sz="1800" kern="1200" baseline="0">
+                <a:solidFill>
+                  <a:schemeClr val="lt1"/>
+                </a:solidFill>
+                <a:latin typeface="+mn-lt"/>
+                <a:ea typeface="+mn-ea"/>
+                <a:cs typeface="+mn-cs"/>
+              </a:defRPr>
+            </a:lvl8pPr>
+            <a:lvl9pPr marL="3172968" indent="-246888" algn="l" defTabSz="914400" rtl="0" eaLnBrk="1" latinLnBrk="0" hangingPunct="1">
+              <a:lnSpc>
+                <a:spcPct val="90000"/>
+              </a:lnSpc>
+              <a:spcBef>
+                <a:spcPts val="600"/>
+              </a:spcBef>
+              <a:buFont typeface="Euphemia" pitchFamily="34" charset="0"/>
+              <a:buChar char="›"/>
+              <a:defRPr sz="1800" kern="1200" baseline="0">
+                <a:solidFill>
+                  <a:schemeClr val="lt1"/>
+                </a:solidFill>
+                <a:latin typeface="+mn-lt"/>
+                <a:ea typeface="+mn-ea"/>
+                <a:cs typeface="+mn-cs"/>
+              </a:defRPr>
+            </a:lvl9pPr>
+          </a:lstStyle>
+          <a:p>
+            <a:pPr marL="0" indent="0" algn="ctr">
+              <a:buNone/>
+            </a:pPr>
+            <a:r>
+              <a:rPr lang="en-US" sz="7200" b="1" dirty="0">
+                <a:solidFill>
+                  <a:schemeClr val="tx2">
+                    <a:lumMod val="75000"/>
+                    <a:lumOff val="25000"/>
+                  </a:schemeClr>
+                </a:solidFill>
+                <a:latin typeface="ADLaM Display" panose="02010000000000000000" pitchFamily="2" charset="0"/>
+                <a:ea typeface="ADLaM Display" panose="02010000000000000000" pitchFamily="2" charset="0"/>
+                <a:cs typeface="ADLaM Display" panose="02010000000000000000" pitchFamily="2" charset="0"/>
+              </a:rPr>
+              <a:t>017</a:t>
+            </a:r>
+          </a:p>
+        </p:txBody>
+      </p:sp>
+      <p:sp>
+        <p:nvSpPr>
+          <p:cNvPr id="9" name="Title 12">
+            <a:extLst>
+              <a:ext uri="{FF2B5EF4-FFF2-40B4-BE49-F238E27FC236}">
+                <a16:creationId xmlns:a16="http://schemas.microsoft.com/office/drawing/2014/main" id="{50246150-BB8D-CE43-39F7-67E6B469D5E4}"/>
+              </a:ext>
+            </a:extLst>
+          </p:cNvPr>
+          <p:cNvSpPr txBox="1">
+            <a:spLocks/>
+          </p:cNvSpPr>
+          <p:nvPr/>
+        </p:nvSpPr>
+        <p:spPr>
+          <a:xfrm>
+            <a:off x="1773932" y="1124744"/>
+            <a:ext cx="9782801" cy="843659"/>
+          </a:xfrm>
+          <a:prstGeom prst="rect">
+            <a:avLst/>
+          </a:prstGeom>
+        </p:spPr>
+        <p:txBody>
+          <a:bodyPr vert="horz" lIns="91440" tIns="45720" rIns="91440" bIns="45720" rtlCol="0" anchor="ctr">
+            <a:normAutofit fontScale="90000"/>
+          </a:bodyPr>
+          <a:lstStyle>
+            <a:lvl1pPr algn="l" defTabSz="914400" rtl="0" eaLnBrk="1" latinLnBrk="0" hangingPunct="1">
+              <a:lnSpc>
+                <a:spcPct val="90000"/>
+              </a:lnSpc>
+              <a:spcBef>
+                <a:spcPct val="0"/>
+              </a:spcBef>
+              <a:buNone/>
+              <a:defRPr sz="3600" kern="1200">
+                <a:solidFill>
+                  <a:schemeClr val="tx1">
+                    <a:lumMod val="75000"/>
+                  </a:schemeClr>
+                </a:solidFill>
+                <a:latin typeface="+mj-lt"/>
+                <a:ea typeface="+mj-ea"/>
+                <a:cs typeface="+mj-cs"/>
+              </a:defRPr>
+            </a:lvl1pPr>
+          </a:lstStyle>
+          <a:p>
+            <a:r>
+              <a:rPr lang="en-US" sz="4800" b="1" dirty="0"/>
+              <a:t>Building Block – Animations - Basics</a:t>
+            </a:r>
+          </a:p>
+        </p:txBody>
+      </p:sp>
+      <p:pic>
+        <p:nvPicPr>
+          <p:cNvPr id="3" name="Picture 2">
+            <a:extLst>
+              <a:ext uri="{FF2B5EF4-FFF2-40B4-BE49-F238E27FC236}">
+                <a16:creationId xmlns:a16="http://schemas.microsoft.com/office/drawing/2014/main" id="{F9A20CB3-BA84-BE04-A021-29DECB2D7392}"/>
+              </a:ext>
+            </a:extLst>
+          </p:cNvPr>
+          <p:cNvPicPr>
+            <a:picLocks noChangeAspect="1"/>
+          </p:cNvPicPr>
+          <p:nvPr/>
+        </p:nvPicPr>
+        <p:blipFill>
+          <a:blip r:embed="rId4"/>
+          <a:stretch>
+            <a:fillRect/>
+          </a:stretch>
+        </p:blipFill>
+        <p:spPr>
+          <a:xfrm>
+            <a:off x="1917948" y="1996209"/>
+            <a:ext cx="8974733" cy="4360065"/>
+          </a:xfrm>
+          <a:prstGeom prst="rect">
+            <a:avLst/>
+          </a:prstGeom>
+          <a:ln>
+            <a:noFill/>
+          </a:ln>
+          <a:effectLst>
+            <a:outerShdw blurRad="292100" dist="139700" dir="2700000" algn="tl" rotWithShape="0">
+              <a:srgbClr val="333333">
+                <a:alpha val="65000"/>
+              </a:srgbClr>
+            </a:outerShdw>
+          </a:effectLst>
+        </p:spPr>
+      </p:pic>
+      <p:pic>
+        <p:nvPicPr>
+          <p:cNvPr id="8" name="Picture 7">
+            <a:extLst>
+              <a:ext uri="{FF2B5EF4-FFF2-40B4-BE49-F238E27FC236}">
+                <a16:creationId xmlns:a16="http://schemas.microsoft.com/office/drawing/2014/main" id="{2B9ED4A2-E622-8A4B-C4E4-B1F2454ACF9D}"/>
+              </a:ext>
+            </a:extLst>
+          </p:cNvPr>
+          <p:cNvPicPr>
+            <a:picLocks noChangeAspect="1"/>
+          </p:cNvPicPr>
+          <p:nvPr/>
+        </p:nvPicPr>
+        <p:blipFill>
+          <a:blip r:embed="rId5"/>
+          <a:stretch>
+            <a:fillRect/>
+          </a:stretch>
+        </p:blipFill>
+        <p:spPr>
+          <a:xfrm>
+            <a:off x="8668383" y="1913502"/>
+            <a:ext cx="2970074" cy="1810722"/>
+          </a:xfrm>
+          <a:prstGeom prst="rect">
+            <a:avLst/>
+          </a:prstGeom>
+          <a:ln>
+            <a:noFill/>
+          </a:ln>
+          <a:effectLst>
+            <a:outerShdw blurRad="292100" dist="139700" dir="2700000" algn="tl" rotWithShape="0">
+              <a:srgbClr val="333333">
+                <a:alpha val="65000"/>
+              </a:srgbClr>
+            </a:outerShdw>
+          </a:effectLst>
+        </p:spPr>
+      </p:pic>
+    </p:spTree>
+    <p:extLst>
+      <p:ext uri="{BB962C8B-B14F-4D97-AF65-F5344CB8AC3E}">
+        <p14:creationId xmlns:p14="http://schemas.microsoft.com/office/powerpoint/2010/main" val="4247845762"/>
+      </p:ext>
+    </p:extLst>
+  </p:cSld>
+  <p:clrMapOvr>
+    <a:masterClrMapping/>
+  </p:clrMapOvr>
+  <mc:AlternateContent xmlns:mc="http://schemas.openxmlformats.org/markup-compatibility/2006">
+    <mc:Choice xmlns:p14="http://schemas.microsoft.com/office/powerpoint/2010/main" Requires="p14">
+      <p:transition spd="med" p14:dur="700">
+        <p:fade/>
+      </p:transition>
+    </mc:Choice>
+    <mc:Fallback>
+      <p:transition spd="med">
+        <p:fade/>
+      </p:transition>
+    </mc:Fallback>
+  </mc:AlternateContent>
+</p:sld>
+</file>
+
+<file path=ppt/slides/slide18.xml><?xml version="1.0" encoding="utf-8"?>
+<p:sld xmlns:a="http://schemas.openxmlformats.org/drawingml/2006/main" xmlns:r="http://schemas.openxmlformats.org/officeDocument/2006/relationships" xmlns:p="http://schemas.openxmlformats.org/presentationml/2006/main">
+  <p:cSld>
+    <p:spTree>
+      <p:nvGrpSpPr>
+        <p:cNvPr id="1" name="">
+          <a:extLst>
+            <a:ext uri="{FF2B5EF4-FFF2-40B4-BE49-F238E27FC236}">
+              <a16:creationId xmlns:a16="http://schemas.microsoft.com/office/drawing/2014/main" id="{78C68C2E-30E7-7D63-B3F3-290E1E267A4A}"/>
+            </a:ext>
+          </a:extLst>
+        </p:cNvPr>
+        <p:cNvGrpSpPr/>
+        <p:nvPr/>
+      </p:nvGrpSpPr>
+      <p:grpSpPr>
+        <a:xfrm>
+          <a:off x="0" y="0"/>
+          <a:ext cx="0" cy="0"/>
+          <a:chOff x="0" y="0"/>
+          <a:chExt cx="0" cy="0"/>
+        </a:xfrm>
+      </p:grpSpPr>
+      <p:sp>
+        <p:nvSpPr>
+          <p:cNvPr id="13" name="Title 12">
+            <a:extLst>
+              <a:ext uri="{FF2B5EF4-FFF2-40B4-BE49-F238E27FC236}">
+                <a16:creationId xmlns:a16="http://schemas.microsoft.com/office/drawing/2014/main" id="{7C72D042-D029-DEF5-9853-EE3DFA739656}"/>
+              </a:ext>
+            </a:extLst>
+          </p:cNvPr>
+          <p:cNvSpPr>
+            <a:spLocks noGrp="1"/>
+          </p:cNvSpPr>
+          <p:nvPr>
+            <p:ph type="title"/>
+          </p:nvPr>
+        </p:nvSpPr>
+        <p:spPr>
+          <a:xfrm>
+            <a:off x="1593436" y="260649"/>
+            <a:ext cx="6174521" cy="864096"/>
+          </a:xfrm>
+        </p:spPr>
+        <p:txBody>
+          <a:bodyPr anchor="ctr">
+            <a:normAutofit fontScale="90000"/>
+          </a:bodyPr>
+          <a:lstStyle/>
+          <a:p>
+            <a:r>
+              <a:rPr lang="en-US" sz="6000" b="1" dirty="0">
+                <a:latin typeface="ADLaM Display" panose="02010000000000000000" pitchFamily="2" charset="0"/>
+                <a:ea typeface="ADLaM Display" panose="02010000000000000000" pitchFamily="2" charset="0"/>
+                <a:cs typeface="ADLaM Display" panose="02010000000000000000" pitchFamily="2" charset="0"/>
+              </a:rPr>
+              <a:t>Learning Manim</a:t>
+            </a:r>
+          </a:p>
+        </p:txBody>
+      </p:sp>
+      <p:pic>
+        <p:nvPicPr>
+          <p:cNvPr id="4" name="Picture 3">
+            <a:extLst>
+              <a:ext uri="{FF2B5EF4-FFF2-40B4-BE49-F238E27FC236}">
+                <a16:creationId xmlns:a16="http://schemas.microsoft.com/office/drawing/2014/main" id="{3C32646F-1CC1-DDA1-7D43-E996D3910E20}"/>
+              </a:ext>
+            </a:extLst>
+          </p:cNvPr>
+          <p:cNvPicPr>
+            <a:picLocks noChangeAspect="1"/>
+          </p:cNvPicPr>
+          <p:nvPr/>
+        </p:nvPicPr>
+        <p:blipFill>
+          <a:blip r:embed="rId2"/>
+          <a:stretch>
+            <a:fillRect/>
+          </a:stretch>
+        </p:blipFill>
+        <p:spPr>
+          <a:xfrm>
+            <a:off x="7767957" y="83058"/>
+            <a:ext cx="4420868" cy="1512168"/>
+          </a:xfrm>
+          <a:prstGeom prst="rect">
+            <a:avLst/>
+          </a:prstGeom>
+        </p:spPr>
+      </p:pic>
+      <p:pic>
+        <p:nvPicPr>
+          <p:cNvPr id="5" name="Picture 4">
+            <a:extLst>
+              <a:ext uri="{FF2B5EF4-FFF2-40B4-BE49-F238E27FC236}">
+                <a16:creationId xmlns:a16="http://schemas.microsoft.com/office/drawing/2014/main" id="{FCFC817F-A1ED-091F-1006-23FE40FB5410}"/>
+              </a:ext>
+            </a:extLst>
+          </p:cNvPr>
+          <p:cNvPicPr>
+            <a:picLocks noChangeAspect="1"/>
+          </p:cNvPicPr>
+          <p:nvPr/>
+        </p:nvPicPr>
+        <p:blipFill>
+          <a:blip r:embed="rId3"/>
+          <a:stretch>
+            <a:fillRect/>
+          </a:stretch>
+        </p:blipFill>
+        <p:spPr>
+          <a:xfrm>
+            <a:off x="20044" y="2636912"/>
+            <a:ext cx="1152128" cy="1180931"/>
+          </a:xfrm>
+          <a:prstGeom prst="rect">
+            <a:avLst/>
+          </a:prstGeom>
+          <a:ln>
+            <a:noFill/>
+          </a:ln>
+          <a:effectLst>
+            <a:softEdge rad="112500"/>
+          </a:effectLst>
+        </p:spPr>
+      </p:pic>
+      <p:sp>
+        <p:nvSpPr>
+          <p:cNvPr id="6" name="Subtitle 2">
+            <a:extLst>
+              <a:ext uri="{FF2B5EF4-FFF2-40B4-BE49-F238E27FC236}">
+                <a16:creationId xmlns:a16="http://schemas.microsoft.com/office/drawing/2014/main" id="{48644B54-CA66-2BFE-7881-DD62AE16FF49}"/>
+              </a:ext>
+            </a:extLst>
+          </p:cNvPr>
+          <p:cNvSpPr txBox="1">
+            <a:spLocks/>
+          </p:cNvSpPr>
+          <p:nvPr/>
+        </p:nvSpPr>
+        <p:spPr>
+          <a:xfrm>
+            <a:off x="-1022" y="1484784"/>
+            <a:ext cx="1774954" cy="1080120"/>
+          </a:xfrm>
+          <a:prstGeom prst="rect">
+            <a:avLst/>
+          </a:prstGeom>
+        </p:spPr>
+        <p:style>
+          <a:lnRef idx="0">
+            <a:schemeClr val="accent2"/>
+          </a:lnRef>
+          <a:fillRef idx="3">
+            <a:schemeClr val="accent2"/>
+          </a:fillRef>
+          <a:effectRef idx="3">
+            <a:schemeClr val="accent2"/>
+          </a:effectRef>
+          <a:fontRef idx="minor">
+            <a:schemeClr val="lt1"/>
+          </a:fontRef>
+        </p:style>
+        <p:txBody>
+          <a:bodyPr vert="horz" lIns="91440" tIns="45720" rIns="91440" bIns="45720" rtlCol="0" anchor="ctr">
+            <a:normAutofit/>
+          </a:bodyPr>
+          <a:lstStyle>
+            <a:lvl1pPr marL="246888" indent="-246888" algn="l" defTabSz="914400" rtl="0" eaLnBrk="1" latinLnBrk="0" hangingPunct="1">
+              <a:lnSpc>
+                <a:spcPct val="90000"/>
+              </a:lnSpc>
+              <a:spcBef>
+                <a:spcPts val="1400"/>
+              </a:spcBef>
+              <a:buFont typeface="Euphemia" pitchFamily="34" charset="0"/>
+              <a:buChar char="›"/>
+              <a:defRPr sz="2800" kern="1200">
+                <a:solidFill>
+                  <a:schemeClr val="lt1"/>
+                </a:solidFill>
+                <a:latin typeface="+mn-lt"/>
+                <a:ea typeface="+mn-ea"/>
+                <a:cs typeface="+mn-cs"/>
+              </a:defRPr>
+            </a:lvl1pPr>
+            <a:lvl2pPr marL="612648" indent="-246888" algn="l" defTabSz="914400" rtl="0" eaLnBrk="1" latinLnBrk="0" hangingPunct="1">
+              <a:lnSpc>
+                <a:spcPct val="90000"/>
+              </a:lnSpc>
+              <a:spcBef>
+                <a:spcPts val="600"/>
+              </a:spcBef>
+              <a:buFont typeface="Euphemia" pitchFamily="34" charset="0"/>
+              <a:buChar char="–"/>
+              <a:defRPr sz="2400" kern="1200">
+                <a:solidFill>
+                  <a:schemeClr val="lt1"/>
+                </a:solidFill>
+                <a:latin typeface="+mn-lt"/>
+                <a:ea typeface="+mn-ea"/>
+                <a:cs typeface="+mn-cs"/>
+              </a:defRPr>
+            </a:lvl2pPr>
+            <a:lvl3pPr marL="978408" indent="-246888" algn="l" defTabSz="914400" rtl="0" eaLnBrk="1" latinLnBrk="0" hangingPunct="1">
+              <a:lnSpc>
+                <a:spcPct val="90000"/>
+              </a:lnSpc>
+              <a:spcBef>
+                <a:spcPts val="600"/>
+              </a:spcBef>
+              <a:buFont typeface="Euphemia" pitchFamily="34" charset="0"/>
+              <a:buChar char="›"/>
+              <a:defRPr sz="2000" kern="1200">
+                <a:solidFill>
+                  <a:schemeClr val="lt1"/>
+                </a:solidFill>
+                <a:latin typeface="+mn-lt"/>
+                <a:ea typeface="+mn-ea"/>
+                <a:cs typeface="+mn-cs"/>
+              </a:defRPr>
+            </a:lvl3pPr>
+            <a:lvl4pPr marL="1344168" indent="-246888" algn="l" defTabSz="914400" rtl="0" eaLnBrk="1" latinLnBrk="0" hangingPunct="1">
+              <a:lnSpc>
+                <a:spcPct val="90000"/>
+              </a:lnSpc>
+              <a:spcBef>
+                <a:spcPts val="600"/>
+              </a:spcBef>
+              <a:buFont typeface="Arial" pitchFamily="34" charset="0"/>
+              <a:buChar char="–"/>
+              <a:defRPr sz="1800" kern="1200">
+                <a:solidFill>
+                  <a:schemeClr val="lt1"/>
+                </a:solidFill>
+                <a:latin typeface="+mn-lt"/>
+                <a:ea typeface="+mn-ea"/>
+                <a:cs typeface="+mn-cs"/>
+              </a:defRPr>
+            </a:lvl4pPr>
+            <a:lvl5pPr marL="1709928" indent="-246888" algn="l" defTabSz="914400" rtl="0" eaLnBrk="1" latinLnBrk="0" hangingPunct="1">
+              <a:lnSpc>
+                <a:spcPct val="90000"/>
+              </a:lnSpc>
+              <a:spcBef>
+                <a:spcPts val="600"/>
+              </a:spcBef>
+              <a:buFont typeface="Euphemia" pitchFamily="34" charset="0"/>
+              <a:buChar char="›"/>
+              <a:defRPr sz="1800" kern="1200">
+                <a:solidFill>
+                  <a:schemeClr val="lt1"/>
+                </a:solidFill>
+                <a:latin typeface="+mn-lt"/>
+                <a:ea typeface="+mn-ea"/>
+                <a:cs typeface="+mn-cs"/>
+              </a:defRPr>
+            </a:lvl5pPr>
+            <a:lvl6pPr marL="2075688" indent="-246888" algn="l" defTabSz="914400" rtl="0" eaLnBrk="1" latinLnBrk="0" hangingPunct="1">
+              <a:lnSpc>
+                <a:spcPct val="90000"/>
+              </a:lnSpc>
+              <a:spcBef>
+                <a:spcPts val="600"/>
+              </a:spcBef>
+              <a:buFont typeface="Euphemia" pitchFamily="34" charset="0"/>
+              <a:buChar char="–"/>
+              <a:defRPr sz="1800" kern="1200">
+                <a:solidFill>
+                  <a:schemeClr val="lt1"/>
+                </a:solidFill>
+                <a:latin typeface="+mn-lt"/>
+                <a:ea typeface="+mn-ea"/>
+                <a:cs typeface="+mn-cs"/>
+              </a:defRPr>
+            </a:lvl6pPr>
+            <a:lvl7pPr marL="2441448" indent="-246888" algn="l" defTabSz="914400" rtl="0" eaLnBrk="1" latinLnBrk="0" hangingPunct="1">
+              <a:lnSpc>
+                <a:spcPct val="90000"/>
+              </a:lnSpc>
+              <a:spcBef>
+                <a:spcPts val="600"/>
+              </a:spcBef>
+              <a:buFont typeface="Euphemia" pitchFamily="34" charset="0"/>
+              <a:buChar char="›"/>
+              <a:defRPr sz="1800" kern="1200">
+                <a:solidFill>
+                  <a:schemeClr val="lt1"/>
+                </a:solidFill>
+                <a:latin typeface="+mn-lt"/>
+                <a:ea typeface="+mn-ea"/>
+                <a:cs typeface="+mn-cs"/>
+              </a:defRPr>
+            </a:lvl7pPr>
+            <a:lvl8pPr marL="2807208" indent="-246888" algn="l" defTabSz="914400" rtl="0" eaLnBrk="1" latinLnBrk="0" hangingPunct="1">
+              <a:lnSpc>
+                <a:spcPct val="90000"/>
+              </a:lnSpc>
+              <a:spcBef>
+                <a:spcPts val="600"/>
+              </a:spcBef>
+              <a:buFont typeface="Euphemia" pitchFamily="34" charset="0"/>
+              <a:buChar char="–"/>
+              <a:defRPr sz="1800" kern="1200" baseline="0">
+                <a:solidFill>
+                  <a:schemeClr val="lt1"/>
+                </a:solidFill>
+                <a:latin typeface="+mn-lt"/>
+                <a:ea typeface="+mn-ea"/>
+                <a:cs typeface="+mn-cs"/>
+              </a:defRPr>
+            </a:lvl8pPr>
+            <a:lvl9pPr marL="3172968" indent="-246888" algn="l" defTabSz="914400" rtl="0" eaLnBrk="1" latinLnBrk="0" hangingPunct="1">
+              <a:lnSpc>
+                <a:spcPct val="90000"/>
+              </a:lnSpc>
+              <a:spcBef>
+                <a:spcPts val="600"/>
+              </a:spcBef>
+              <a:buFont typeface="Euphemia" pitchFamily="34" charset="0"/>
+              <a:buChar char="›"/>
+              <a:defRPr sz="1800" kern="1200" baseline="0">
+                <a:solidFill>
+                  <a:schemeClr val="lt1"/>
+                </a:solidFill>
+                <a:latin typeface="+mn-lt"/>
+                <a:ea typeface="+mn-ea"/>
+                <a:cs typeface="+mn-cs"/>
+              </a:defRPr>
+            </a:lvl9pPr>
+          </a:lstStyle>
+          <a:p>
+            <a:pPr marL="0" indent="0" algn="ctr">
+              <a:buNone/>
+            </a:pPr>
+            <a:r>
+              <a:rPr lang="en-US" sz="7200" b="1" dirty="0">
+                <a:solidFill>
+                  <a:schemeClr val="tx2">
+                    <a:lumMod val="75000"/>
+                    <a:lumOff val="25000"/>
+                  </a:schemeClr>
+                </a:solidFill>
+                <a:latin typeface="ADLaM Display" panose="02010000000000000000" pitchFamily="2" charset="0"/>
+                <a:ea typeface="ADLaM Display" panose="02010000000000000000" pitchFamily="2" charset="0"/>
+                <a:cs typeface="ADLaM Display" panose="02010000000000000000" pitchFamily="2" charset="0"/>
+              </a:rPr>
+              <a:t>018</a:t>
+            </a:r>
+          </a:p>
+        </p:txBody>
+      </p:sp>
+      <p:sp>
+        <p:nvSpPr>
+          <p:cNvPr id="9" name="Title 12">
+            <a:extLst>
+              <a:ext uri="{FF2B5EF4-FFF2-40B4-BE49-F238E27FC236}">
+                <a16:creationId xmlns:a16="http://schemas.microsoft.com/office/drawing/2014/main" id="{50246150-BB8D-CE43-39F7-67E6B469D5E4}"/>
+              </a:ext>
+            </a:extLst>
+          </p:cNvPr>
+          <p:cNvSpPr txBox="1">
+            <a:spLocks/>
+          </p:cNvSpPr>
+          <p:nvPr/>
+        </p:nvSpPr>
+        <p:spPr>
+          <a:xfrm>
+            <a:off x="1773932" y="1124744"/>
+            <a:ext cx="9782801" cy="843659"/>
+          </a:xfrm>
+          <a:prstGeom prst="rect">
+            <a:avLst/>
+          </a:prstGeom>
+        </p:spPr>
+        <p:txBody>
+          <a:bodyPr vert="horz" lIns="91440" tIns="45720" rIns="91440" bIns="45720" rtlCol="0" anchor="ctr">
+            <a:normAutofit fontScale="82500" lnSpcReduction="10000"/>
+          </a:bodyPr>
+          <a:lstStyle>
+            <a:lvl1pPr algn="l" defTabSz="914400" rtl="0" eaLnBrk="1" latinLnBrk="0" hangingPunct="1">
+              <a:lnSpc>
+                <a:spcPct val="90000"/>
+              </a:lnSpc>
+              <a:spcBef>
+                <a:spcPct val="0"/>
+              </a:spcBef>
+              <a:buNone/>
+              <a:defRPr sz="3600" kern="1200">
+                <a:solidFill>
+                  <a:schemeClr val="tx1">
+                    <a:lumMod val="75000"/>
+                  </a:schemeClr>
+                </a:solidFill>
+                <a:latin typeface="+mj-lt"/>
+                <a:ea typeface="+mj-ea"/>
+                <a:cs typeface="+mj-cs"/>
+              </a:defRPr>
+            </a:lvl1pPr>
+          </a:lstStyle>
+          <a:p>
+            <a:r>
+              <a:rPr lang="en-US" sz="4800" b="1" dirty="0"/>
+              <a:t>Building Block – Animations - Methods</a:t>
+            </a:r>
+          </a:p>
+        </p:txBody>
+      </p:sp>
+      <p:pic>
+        <p:nvPicPr>
+          <p:cNvPr id="7" name="Picture 6">
+            <a:extLst>
+              <a:ext uri="{FF2B5EF4-FFF2-40B4-BE49-F238E27FC236}">
+                <a16:creationId xmlns:a16="http://schemas.microsoft.com/office/drawing/2014/main" id="{D6BFBE5A-4B2B-B3A6-441A-7A483AE62DC4}"/>
+              </a:ext>
+            </a:extLst>
+          </p:cNvPr>
+          <p:cNvPicPr>
+            <a:picLocks noChangeAspect="1"/>
+          </p:cNvPicPr>
+          <p:nvPr/>
+        </p:nvPicPr>
+        <p:blipFill>
+          <a:blip r:embed="rId4"/>
+          <a:stretch>
+            <a:fillRect/>
+          </a:stretch>
+        </p:blipFill>
+        <p:spPr>
+          <a:xfrm>
+            <a:off x="1934931" y="1968403"/>
+            <a:ext cx="9269731" cy="4484933"/>
+          </a:xfrm>
+          <a:prstGeom prst="rect">
+            <a:avLst/>
+          </a:prstGeom>
+          <a:ln>
+            <a:noFill/>
+          </a:ln>
+          <a:effectLst>
+            <a:outerShdw blurRad="292100" dist="139700" dir="2700000" algn="tl" rotWithShape="0">
+              <a:srgbClr val="333333">
+                <a:alpha val="65000"/>
+              </a:srgbClr>
+            </a:outerShdw>
+          </a:effectLst>
+        </p:spPr>
+      </p:pic>
+      <p:pic>
+        <p:nvPicPr>
+          <p:cNvPr id="10" name="Picture 9">
+            <a:extLst>
+              <a:ext uri="{FF2B5EF4-FFF2-40B4-BE49-F238E27FC236}">
+                <a16:creationId xmlns:a16="http://schemas.microsoft.com/office/drawing/2014/main" id="{7DB38EC7-0785-461C-824E-E2BE839C72EA}"/>
+              </a:ext>
+            </a:extLst>
+          </p:cNvPr>
+          <p:cNvPicPr>
+            <a:picLocks noChangeAspect="1"/>
+          </p:cNvPicPr>
+          <p:nvPr/>
+        </p:nvPicPr>
+        <p:blipFill>
+          <a:blip r:embed="rId5"/>
+          <a:stretch>
+            <a:fillRect/>
+          </a:stretch>
+        </p:blipFill>
+        <p:spPr>
+          <a:xfrm>
+            <a:off x="8864381" y="1869609"/>
+            <a:ext cx="3103040" cy="1884904"/>
+          </a:xfrm>
+          <a:prstGeom prst="rect">
+            <a:avLst/>
+          </a:prstGeom>
+          <a:ln>
+            <a:noFill/>
+          </a:ln>
+          <a:effectLst>
+            <a:outerShdw blurRad="292100" dist="139700" dir="2700000" algn="tl" rotWithShape="0">
+              <a:srgbClr val="333333">
+                <a:alpha val="65000"/>
+              </a:srgbClr>
+            </a:outerShdw>
+          </a:effectLst>
+        </p:spPr>
+      </p:pic>
+    </p:spTree>
+    <p:extLst>
+      <p:ext uri="{BB962C8B-B14F-4D97-AF65-F5344CB8AC3E}">
+        <p14:creationId xmlns:p14="http://schemas.microsoft.com/office/powerpoint/2010/main" val="2318871219"/>
+      </p:ext>
+    </p:extLst>
+  </p:cSld>
+  <p:clrMapOvr>
+    <a:masterClrMapping/>
+  </p:clrMapOvr>
+  <mc:AlternateContent xmlns:mc="http://schemas.openxmlformats.org/markup-compatibility/2006">
+    <mc:Choice xmlns:p14="http://schemas.microsoft.com/office/powerpoint/2010/main" Requires="p14">
+      <p:transition spd="med" p14:dur="700">
+        <p:fade/>
+      </p:transition>
+    </mc:Choice>
+    <mc:Fallback>
+      <p:transition spd="med">
+        <p:fade/>
+      </p:transition>
+    </mc:Fallback>
+  </mc:AlternateContent>
+</p:sld>
+</file>
+
+<file path=ppt/slides/slide19.xml><?xml version="1.0" encoding="utf-8"?>
+<p:sld xmlns:a="http://schemas.openxmlformats.org/drawingml/2006/main" xmlns:r="http://schemas.openxmlformats.org/officeDocument/2006/relationships" xmlns:p="http://schemas.openxmlformats.org/presentationml/2006/main">
+  <p:cSld>
+    <p:spTree>
+      <p:nvGrpSpPr>
+        <p:cNvPr id="1" name="">
+          <a:extLst>
+            <a:ext uri="{FF2B5EF4-FFF2-40B4-BE49-F238E27FC236}">
+              <a16:creationId xmlns:a16="http://schemas.microsoft.com/office/drawing/2014/main" id="{78C68C2E-30E7-7D63-B3F3-290E1E267A4A}"/>
+            </a:ext>
+          </a:extLst>
+        </p:cNvPr>
+        <p:cNvGrpSpPr/>
+        <p:nvPr/>
+      </p:nvGrpSpPr>
+      <p:grpSpPr>
+        <a:xfrm>
+          <a:off x="0" y="0"/>
+          <a:ext cx="0" cy="0"/>
+          <a:chOff x="0" y="0"/>
+          <a:chExt cx="0" cy="0"/>
+        </a:xfrm>
+      </p:grpSpPr>
+      <p:sp>
+        <p:nvSpPr>
+          <p:cNvPr id="13" name="Title 12">
+            <a:extLst>
+              <a:ext uri="{FF2B5EF4-FFF2-40B4-BE49-F238E27FC236}">
+                <a16:creationId xmlns:a16="http://schemas.microsoft.com/office/drawing/2014/main" id="{7C72D042-D029-DEF5-9853-EE3DFA739656}"/>
+              </a:ext>
+            </a:extLst>
+          </p:cNvPr>
+          <p:cNvSpPr>
+            <a:spLocks noGrp="1"/>
+          </p:cNvSpPr>
+          <p:nvPr>
+            <p:ph type="title"/>
+          </p:nvPr>
+        </p:nvSpPr>
+        <p:spPr>
+          <a:xfrm>
+            <a:off x="1593436" y="260649"/>
+            <a:ext cx="6174521" cy="864096"/>
+          </a:xfrm>
+        </p:spPr>
+        <p:txBody>
+          <a:bodyPr anchor="ctr">
+            <a:normAutofit fontScale="90000"/>
+          </a:bodyPr>
+          <a:lstStyle/>
+          <a:p>
+            <a:r>
+              <a:rPr lang="en-US" sz="6000" b="1" dirty="0">
+                <a:latin typeface="ADLaM Display" panose="02010000000000000000" pitchFamily="2" charset="0"/>
+                <a:ea typeface="ADLaM Display" panose="02010000000000000000" pitchFamily="2" charset="0"/>
+                <a:cs typeface="ADLaM Display" panose="02010000000000000000" pitchFamily="2" charset="0"/>
+              </a:rPr>
+              <a:t>Learning Manim</a:t>
+            </a:r>
+          </a:p>
+        </p:txBody>
+      </p:sp>
+      <p:pic>
+        <p:nvPicPr>
+          <p:cNvPr id="4" name="Picture 3">
+            <a:extLst>
+              <a:ext uri="{FF2B5EF4-FFF2-40B4-BE49-F238E27FC236}">
+                <a16:creationId xmlns:a16="http://schemas.microsoft.com/office/drawing/2014/main" id="{3C32646F-1CC1-DDA1-7D43-E996D3910E20}"/>
+              </a:ext>
+            </a:extLst>
+          </p:cNvPr>
+          <p:cNvPicPr>
+            <a:picLocks noChangeAspect="1"/>
+          </p:cNvPicPr>
+          <p:nvPr/>
+        </p:nvPicPr>
+        <p:blipFill>
+          <a:blip r:embed="rId2"/>
+          <a:stretch>
+            <a:fillRect/>
+          </a:stretch>
+        </p:blipFill>
+        <p:spPr>
+          <a:xfrm>
+            <a:off x="7767957" y="83058"/>
+            <a:ext cx="4420868" cy="1512168"/>
+          </a:xfrm>
+          <a:prstGeom prst="rect">
+            <a:avLst/>
+          </a:prstGeom>
+        </p:spPr>
+      </p:pic>
+      <p:pic>
+        <p:nvPicPr>
+          <p:cNvPr id="5" name="Picture 4">
+            <a:extLst>
+              <a:ext uri="{FF2B5EF4-FFF2-40B4-BE49-F238E27FC236}">
+                <a16:creationId xmlns:a16="http://schemas.microsoft.com/office/drawing/2014/main" id="{FCFC817F-A1ED-091F-1006-23FE40FB5410}"/>
+              </a:ext>
+            </a:extLst>
+          </p:cNvPr>
+          <p:cNvPicPr>
+            <a:picLocks noChangeAspect="1"/>
+          </p:cNvPicPr>
+          <p:nvPr/>
+        </p:nvPicPr>
+        <p:blipFill>
+          <a:blip r:embed="rId3"/>
+          <a:stretch>
+            <a:fillRect/>
+          </a:stretch>
+        </p:blipFill>
+        <p:spPr>
+          <a:xfrm>
+            <a:off x="20044" y="2636912"/>
+            <a:ext cx="1152128" cy="1180931"/>
+          </a:xfrm>
+          <a:prstGeom prst="rect">
+            <a:avLst/>
+          </a:prstGeom>
+          <a:ln>
+            <a:noFill/>
+          </a:ln>
+          <a:effectLst>
+            <a:softEdge rad="112500"/>
+          </a:effectLst>
+        </p:spPr>
+      </p:pic>
+      <p:sp>
+        <p:nvSpPr>
+          <p:cNvPr id="6" name="Subtitle 2">
+            <a:extLst>
+              <a:ext uri="{FF2B5EF4-FFF2-40B4-BE49-F238E27FC236}">
+                <a16:creationId xmlns:a16="http://schemas.microsoft.com/office/drawing/2014/main" id="{48644B54-CA66-2BFE-7881-DD62AE16FF49}"/>
+              </a:ext>
+            </a:extLst>
+          </p:cNvPr>
+          <p:cNvSpPr txBox="1">
+            <a:spLocks/>
+          </p:cNvSpPr>
+          <p:nvPr/>
+        </p:nvSpPr>
+        <p:spPr>
+          <a:xfrm>
+            <a:off x="-1022" y="1484784"/>
+            <a:ext cx="1774954" cy="1080120"/>
+          </a:xfrm>
+          <a:prstGeom prst="rect">
+            <a:avLst/>
+          </a:prstGeom>
+        </p:spPr>
+        <p:style>
+          <a:lnRef idx="0">
+            <a:schemeClr val="accent2"/>
+          </a:lnRef>
+          <a:fillRef idx="3">
+            <a:schemeClr val="accent2"/>
+          </a:fillRef>
+          <a:effectRef idx="3">
+            <a:schemeClr val="accent2"/>
+          </a:effectRef>
+          <a:fontRef idx="minor">
+            <a:schemeClr val="lt1"/>
+          </a:fontRef>
+        </p:style>
+        <p:txBody>
+          <a:bodyPr vert="horz" lIns="91440" tIns="45720" rIns="91440" bIns="45720" rtlCol="0" anchor="ctr">
+            <a:normAutofit/>
+          </a:bodyPr>
+          <a:lstStyle>
+            <a:lvl1pPr marL="246888" indent="-246888" algn="l" defTabSz="914400" rtl="0" eaLnBrk="1" latinLnBrk="0" hangingPunct="1">
+              <a:lnSpc>
+                <a:spcPct val="90000"/>
+              </a:lnSpc>
+              <a:spcBef>
+                <a:spcPts val="1400"/>
+              </a:spcBef>
+              <a:buFont typeface="Euphemia" pitchFamily="34" charset="0"/>
+              <a:buChar char="›"/>
+              <a:defRPr sz="2800" kern="1200">
+                <a:solidFill>
+                  <a:schemeClr val="lt1"/>
+                </a:solidFill>
+                <a:latin typeface="+mn-lt"/>
+                <a:ea typeface="+mn-ea"/>
+                <a:cs typeface="+mn-cs"/>
+              </a:defRPr>
+            </a:lvl1pPr>
+            <a:lvl2pPr marL="612648" indent="-246888" algn="l" defTabSz="914400" rtl="0" eaLnBrk="1" latinLnBrk="0" hangingPunct="1">
+              <a:lnSpc>
+                <a:spcPct val="90000"/>
+              </a:lnSpc>
+              <a:spcBef>
+                <a:spcPts val="600"/>
+              </a:spcBef>
+              <a:buFont typeface="Euphemia" pitchFamily="34" charset="0"/>
+              <a:buChar char="–"/>
+              <a:defRPr sz="2400" kern="1200">
+                <a:solidFill>
+                  <a:schemeClr val="lt1"/>
+                </a:solidFill>
+                <a:latin typeface="+mn-lt"/>
+                <a:ea typeface="+mn-ea"/>
+                <a:cs typeface="+mn-cs"/>
+              </a:defRPr>
+            </a:lvl2pPr>
+            <a:lvl3pPr marL="978408" indent="-246888" algn="l" defTabSz="914400" rtl="0" eaLnBrk="1" latinLnBrk="0" hangingPunct="1">
+              <a:lnSpc>
+                <a:spcPct val="90000"/>
+              </a:lnSpc>
+              <a:spcBef>
+                <a:spcPts val="600"/>
+              </a:spcBef>
+              <a:buFont typeface="Euphemia" pitchFamily="34" charset="0"/>
+              <a:buChar char="›"/>
+              <a:defRPr sz="2000" kern="1200">
+                <a:solidFill>
+                  <a:schemeClr val="lt1"/>
+                </a:solidFill>
+                <a:latin typeface="+mn-lt"/>
+                <a:ea typeface="+mn-ea"/>
+                <a:cs typeface="+mn-cs"/>
+              </a:defRPr>
+            </a:lvl3pPr>
+            <a:lvl4pPr marL="1344168" indent="-246888" algn="l" defTabSz="914400" rtl="0" eaLnBrk="1" latinLnBrk="0" hangingPunct="1">
+              <a:lnSpc>
+                <a:spcPct val="90000"/>
+              </a:lnSpc>
+              <a:spcBef>
+                <a:spcPts val="600"/>
+              </a:spcBef>
+              <a:buFont typeface="Arial" pitchFamily="34" charset="0"/>
+              <a:buChar char="–"/>
+              <a:defRPr sz="1800" kern="1200">
+                <a:solidFill>
+                  <a:schemeClr val="lt1"/>
+                </a:solidFill>
+                <a:latin typeface="+mn-lt"/>
+                <a:ea typeface="+mn-ea"/>
+                <a:cs typeface="+mn-cs"/>
+              </a:defRPr>
+            </a:lvl4pPr>
+            <a:lvl5pPr marL="1709928" indent="-246888" algn="l" defTabSz="914400" rtl="0" eaLnBrk="1" latinLnBrk="0" hangingPunct="1">
+              <a:lnSpc>
+                <a:spcPct val="90000"/>
+              </a:lnSpc>
+              <a:spcBef>
+                <a:spcPts val="600"/>
+              </a:spcBef>
+              <a:buFont typeface="Euphemia" pitchFamily="34" charset="0"/>
+              <a:buChar char="›"/>
+              <a:defRPr sz="1800" kern="1200">
+                <a:solidFill>
+                  <a:schemeClr val="lt1"/>
+                </a:solidFill>
+                <a:latin typeface="+mn-lt"/>
+                <a:ea typeface="+mn-ea"/>
+                <a:cs typeface="+mn-cs"/>
+              </a:defRPr>
+            </a:lvl5pPr>
+            <a:lvl6pPr marL="2075688" indent="-246888" algn="l" defTabSz="914400" rtl="0" eaLnBrk="1" latinLnBrk="0" hangingPunct="1">
+              <a:lnSpc>
+                <a:spcPct val="90000"/>
+              </a:lnSpc>
+              <a:spcBef>
+                <a:spcPts val="600"/>
+              </a:spcBef>
+              <a:buFont typeface="Euphemia" pitchFamily="34" charset="0"/>
+              <a:buChar char="–"/>
+              <a:defRPr sz="1800" kern="1200">
+                <a:solidFill>
+                  <a:schemeClr val="lt1"/>
+                </a:solidFill>
+                <a:latin typeface="+mn-lt"/>
+                <a:ea typeface="+mn-ea"/>
+                <a:cs typeface="+mn-cs"/>
+              </a:defRPr>
+            </a:lvl6pPr>
+            <a:lvl7pPr marL="2441448" indent="-246888" algn="l" defTabSz="914400" rtl="0" eaLnBrk="1" latinLnBrk="0" hangingPunct="1">
+              <a:lnSpc>
+                <a:spcPct val="90000"/>
+              </a:lnSpc>
+              <a:spcBef>
+                <a:spcPts val="600"/>
+              </a:spcBef>
+              <a:buFont typeface="Euphemia" pitchFamily="34" charset="0"/>
+              <a:buChar char="›"/>
+              <a:defRPr sz="1800" kern="1200">
+                <a:solidFill>
+                  <a:schemeClr val="lt1"/>
+                </a:solidFill>
+                <a:latin typeface="+mn-lt"/>
+                <a:ea typeface="+mn-ea"/>
+                <a:cs typeface="+mn-cs"/>
+              </a:defRPr>
+            </a:lvl7pPr>
+            <a:lvl8pPr marL="2807208" indent="-246888" algn="l" defTabSz="914400" rtl="0" eaLnBrk="1" latinLnBrk="0" hangingPunct="1">
+              <a:lnSpc>
+                <a:spcPct val="90000"/>
+              </a:lnSpc>
+              <a:spcBef>
+                <a:spcPts val="600"/>
+              </a:spcBef>
+              <a:buFont typeface="Euphemia" pitchFamily="34" charset="0"/>
+              <a:buChar char="–"/>
+              <a:defRPr sz="1800" kern="1200" baseline="0">
+                <a:solidFill>
+                  <a:schemeClr val="lt1"/>
+                </a:solidFill>
+                <a:latin typeface="+mn-lt"/>
+                <a:ea typeface="+mn-ea"/>
+                <a:cs typeface="+mn-cs"/>
+              </a:defRPr>
+            </a:lvl8pPr>
+            <a:lvl9pPr marL="3172968" indent="-246888" algn="l" defTabSz="914400" rtl="0" eaLnBrk="1" latinLnBrk="0" hangingPunct="1">
+              <a:lnSpc>
+                <a:spcPct val="90000"/>
+              </a:lnSpc>
+              <a:spcBef>
+                <a:spcPts val="600"/>
+              </a:spcBef>
+              <a:buFont typeface="Euphemia" pitchFamily="34" charset="0"/>
+              <a:buChar char="›"/>
+              <a:defRPr sz="1800" kern="1200" baseline="0">
+                <a:solidFill>
+                  <a:schemeClr val="lt1"/>
+                </a:solidFill>
+                <a:latin typeface="+mn-lt"/>
+                <a:ea typeface="+mn-ea"/>
+                <a:cs typeface="+mn-cs"/>
+              </a:defRPr>
+            </a:lvl9pPr>
+          </a:lstStyle>
+          <a:p>
+            <a:pPr marL="0" indent="0" algn="ctr">
+              <a:buNone/>
+            </a:pPr>
+            <a:r>
+              <a:rPr lang="en-US" sz="7200" b="1" dirty="0">
+                <a:solidFill>
+                  <a:schemeClr val="tx2">
+                    <a:lumMod val="75000"/>
+                    <a:lumOff val="25000"/>
+                  </a:schemeClr>
+                </a:solidFill>
+                <a:latin typeface="ADLaM Display" panose="02010000000000000000" pitchFamily="2" charset="0"/>
+                <a:ea typeface="ADLaM Display" panose="02010000000000000000" pitchFamily="2" charset="0"/>
+                <a:cs typeface="ADLaM Display" panose="02010000000000000000" pitchFamily="2" charset="0"/>
+              </a:rPr>
+              <a:t>019</a:t>
+            </a:r>
+          </a:p>
+        </p:txBody>
+      </p:sp>
+      <p:sp>
+        <p:nvSpPr>
+          <p:cNvPr id="9" name="Title 12">
+            <a:extLst>
+              <a:ext uri="{FF2B5EF4-FFF2-40B4-BE49-F238E27FC236}">
+                <a16:creationId xmlns:a16="http://schemas.microsoft.com/office/drawing/2014/main" id="{50246150-BB8D-CE43-39F7-67E6B469D5E4}"/>
+              </a:ext>
+            </a:extLst>
+          </p:cNvPr>
+          <p:cNvSpPr txBox="1">
+            <a:spLocks/>
+          </p:cNvSpPr>
+          <p:nvPr/>
+        </p:nvSpPr>
+        <p:spPr>
+          <a:xfrm>
+            <a:off x="1773932" y="1124744"/>
+            <a:ext cx="9782801" cy="843659"/>
+          </a:xfrm>
+          <a:prstGeom prst="rect">
+            <a:avLst/>
+          </a:prstGeom>
+        </p:spPr>
+        <p:txBody>
+          <a:bodyPr vert="horz" lIns="91440" tIns="45720" rIns="91440" bIns="45720" rtlCol="0" anchor="ctr">
+            <a:normAutofit fontScale="82500" lnSpcReduction="10000"/>
+          </a:bodyPr>
+          <a:lstStyle>
+            <a:lvl1pPr algn="l" defTabSz="914400" rtl="0" eaLnBrk="1" latinLnBrk="0" hangingPunct="1">
+              <a:lnSpc>
+                <a:spcPct val="90000"/>
+              </a:lnSpc>
+              <a:spcBef>
+                <a:spcPct val="0"/>
+              </a:spcBef>
+              <a:buNone/>
+              <a:defRPr sz="3600" kern="1200">
+                <a:solidFill>
+                  <a:schemeClr val="tx1">
+                    <a:lumMod val="75000"/>
+                  </a:schemeClr>
+                </a:solidFill>
+                <a:latin typeface="+mj-lt"/>
+                <a:ea typeface="+mj-ea"/>
+                <a:cs typeface="+mj-cs"/>
+              </a:defRPr>
+            </a:lvl1pPr>
+          </a:lstStyle>
+          <a:p>
+            <a:r>
+              <a:rPr lang="en-US" sz="4800" b="1" dirty="0"/>
+              <a:t>Building Block – Animations – Run Time</a:t>
+            </a:r>
+          </a:p>
+        </p:txBody>
+      </p:sp>
+      <p:pic>
+        <p:nvPicPr>
+          <p:cNvPr id="3" name="Picture 2">
+            <a:extLst>
+              <a:ext uri="{FF2B5EF4-FFF2-40B4-BE49-F238E27FC236}">
+                <a16:creationId xmlns:a16="http://schemas.microsoft.com/office/drawing/2014/main" id="{ECF8C56D-C495-233B-FAE4-D7C6882E4302}"/>
+              </a:ext>
+            </a:extLst>
+          </p:cNvPr>
+          <p:cNvPicPr>
+            <a:picLocks noChangeAspect="1"/>
+          </p:cNvPicPr>
+          <p:nvPr/>
+        </p:nvPicPr>
+        <p:blipFill>
+          <a:blip r:embed="rId4"/>
+          <a:stretch>
+            <a:fillRect/>
+          </a:stretch>
+        </p:blipFill>
+        <p:spPr>
+          <a:xfrm>
+            <a:off x="1954429" y="1824571"/>
+            <a:ext cx="8604480" cy="4952041"/>
+          </a:xfrm>
+          <a:prstGeom prst="rect">
+            <a:avLst/>
+          </a:prstGeom>
+          <a:ln>
+            <a:noFill/>
+          </a:ln>
+          <a:effectLst>
+            <a:outerShdw blurRad="292100" dist="139700" dir="2700000" algn="tl" rotWithShape="0">
+              <a:srgbClr val="333333">
+                <a:alpha val="65000"/>
+              </a:srgbClr>
+            </a:outerShdw>
+          </a:effectLst>
+        </p:spPr>
+      </p:pic>
+      <p:pic>
+        <p:nvPicPr>
+          <p:cNvPr id="11" name="Picture 10">
+            <a:extLst>
+              <a:ext uri="{FF2B5EF4-FFF2-40B4-BE49-F238E27FC236}">
+                <a16:creationId xmlns:a16="http://schemas.microsoft.com/office/drawing/2014/main" id="{97A2CF33-F9F7-83EC-F715-A9A3E9D48838}"/>
+              </a:ext>
+            </a:extLst>
+          </p:cNvPr>
+          <p:cNvPicPr>
+            <a:picLocks noChangeAspect="1"/>
+          </p:cNvPicPr>
+          <p:nvPr/>
+        </p:nvPicPr>
+        <p:blipFill>
+          <a:blip r:embed="rId5"/>
+          <a:stretch>
+            <a:fillRect/>
+          </a:stretch>
+        </p:blipFill>
+        <p:spPr>
+          <a:xfrm>
+            <a:off x="6036546" y="4667515"/>
+            <a:ext cx="3462821" cy="2100556"/>
+          </a:xfrm>
+          <a:prstGeom prst="rect">
+            <a:avLst/>
+          </a:prstGeom>
+          <a:ln>
+            <a:noFill/>
+          </a:ln>
+          <a:effectLst>
+            <a:outerShdw blurRad="292100" dist="139700" dir="2700000" algn="tl" rotWithShape="0">
+              <a:srgbClr val="333333">
+                <a:alpha val="65000"/>
+              </a:srgbClr>
+            </a:outerShdw>
+          </a:effectLst>
+        </p:spPr>
+      </p:pic>
+    </p:spTree>
+    <p:extLst>
+      <p:ext uri="{BB962C8B-B14F-4D97-AF65-F5344CB8AC3E}">
+        <p14:creationId xmlns:p14="http://schemas.microsoft.com/office/powerpoint/2010/main" val="3229070540"/>
+      </p:ext>
+    </p:extLst>
+  </p:cSld>
+  <p:clrMapOvr>
+    <a:masterClrMapping/>
+  </p:clrMapOvr>
+  <mc:AlternateContent xmlns:mc="http://schemas.openxmlformats.org/markup-compatibility/2006">
+    <mc:Choice xmlns:p14="http://schemas.microsoft.com/office/powerpoint/2010/main" Requires="p14">
+      <p:transition spd="med" p14:dur="700">
+        <p:fade/>
+      </p:transition>
+    </mc:Choice>
+    <mc:Fallback>
+      <p:transition spd="med">
+        <p:fade/>
+      </p:transition>
+    </mc:Fallback>
+  </mc:AlternateContent>
+</p:sld>
+</file>
+
+<file path=ppt/slides/slide2.xml><?xml version="1.0" encoding="utf-8"?>
+<p:sld xmlns:a="http://schemas.openxmlformats.org/drawingml/2006/main" xmlns:r="http://schemas.openxmlformats.org/officeDocument/2006/relationships" xmlns:p="http://schemas.openxmlformats.org/presentationml/2006/main">
+  <p:cSld>
+    <p:spTree>
+      <p:nvGrpSpPr>
+        <p:cNvPr id="1" name=""/>
+        <p:cNvGrpSpPr/>
+        <p:nvPr/>
+      </p:nvGrpSpPr>
+      <p:grpSpPr>
+        <a:xfrm>
+          <a:off x="0" y="0"/>
+          <a:ext cx="0" cy="0"/>
+          <a:chOff x="0" y="0"/>
+          <a:chExt cx="0" cy="0"/>
+        </a:xfrm>
+      </p:grpSpPr>
+      <p:sp>
+        <p:nvSpPr>
+          <p:cNvPr id="13" name="Title 12"/>
+          <p:cNvSpPr>
+            <a:spLocks noGrp="1"/>
+          </p:cNvSpPr>
+          <p:nvPr>
+            <p:ph type="title"/>
+          </p:nvPr>
+        </p:nvSpPr>
+        <p:spPr>
+          <a:xfrm>
+            <a:off x="1593436" y="260649"/>
+            <a:ext cx="9782801" cy="864096"/>
+          </a:xfrm>
+        </p:spPr>
+        <p:txBody>
+          <a:bodyPr anchor="ctr">
+            <a:normAutofit fontScale="90000"/>
+          </a:bodyPr>
+          <a:lstStyle/>
+          <a:p>
+            <a:r>
+              <a:rPr lang="en-US" sz="6000" b="1" dirty="0"/>
+              <a:t>Learning Manim</a:t>
+            </a:r>
+          </a:p>
+        </p:txBody>
+      </p:sp>
+      <p:pic>
+        <p:nvPicPr>
+          <p:cNvPr id="4" name="Picture 3">
+            <a:extLst>
+              <a:ext uri="{FF2B5EF4-FFF2-40B4-BE49-F238E27FC236}">
+                <a16:creationId xmlns:a16="http://schemas.microsoft.com/office/drawing/2014/main" id="{096C7980-7297-A056-1640-E4109B914CDD}"/>
+              </a:ext>
+            </a:extLst>
+          </p:cNvPr>
+          <p:cNvPicPr>
+            <a:picLocks noChangeAspect="1"/>
+          </p:cNvPicPr>
+          <p:nvPr/>
+        </p:nvPicPr>
+        <p:blipFill>
+          <a:blip r:embed="rId2"/>
+          <a:stretch>
+            <a:fillRect/>
+          </a:stretch>
+        </p:blipFill>
+        <p:spPr>
+          <a:xfrm>
+            <a:off x="7767957" y="83058"/>
+            <a:ext cx="4420868" cy="1512168"/>
+          </a:xfrm>
+          <a:prstGeom prst="rect">
+            <a:avLst/>
+          </a:prstGeom>
+        </p:spPr>
+      </p:pic>
+      <p:pic>
+        <p:nvPicPr>
+          <p:cNvPr id="5" name="Picture 4">
+            <a:extLst>
+              <a:ext uri="{FF2B5EF4-FFF2-40B4-BE49-F238E27FC236}">
+                <a16:creationId xmlns:a16="http://schemas.microsoft.com/office/drawing/2014/main" id="{A29A4FAA-8674-8DEA-4FB9-F88E5AF9A40C}"/>
+              </a:ext>
+            </a:extLst>
+          </p:cNvPr>
+          <p:cNvPicPr>
+            <a:picLocks noChangeAspect="1"/>
+          </p:cNvPicPr>
+          <p:nvPr/>
+        </p:nvPicPr>
+        <p:blipFill>
+          <a:blip r:embed="rId3"/>
+          <a:stretch>
+            <a:fillRect/>
+          </a:stretch>
+        </p:blipFill>
+        <p:spPr>
+          <a:xfrm>
+            <a:off x="117748" y="5589240"/>
+            <a:ext cx="1152128" cy="1180931"/>
+          </a:xfrm>
+          <a:prstGeom prst="rect">
+            <a:avLst/>
+          </a:prstGeom>
+          <a:ln>
+            <a:noFill/>
+          </a:ln>
+          <a:effectLst>
+            <a:softEdge rad="112500"/>
+          </a:effectLst>
+        </p:spPr>
+      </p:pic>
+      <p:sp>
+        <p:nvSpPr>
+          <p:cNvPr id="6" name="Subtitle 2">
+            <a:extLst>
+              <a:ext uri="{FF2B5EF4-FFF2-40B4-BE49-F238E27FC236}">
+                <a16:creationId xmlns:a16="http://schemas.microsoft.com/office/drawing/2014/main" id="{77F7B754-7A45-491D-AAC9-0D7BC1542012}"/>
+              </a:ext>
+            </a:extLst>
+          </p:cNvPr>
+          <p:cNvSpPr txBox="1">
+            <a:spLocks/>
+          </p:cNvSpPr>
+          <p:nvPr/>
+        </p:nvSpPr>
+        <p:spPr>
+          <a:xfrm>
+            <a:off x="-1022" y="1484784"/>
+            <a:ext cx="1701923" cy="1368152"/>
+          </a:xfrm>
+          <a:prstGeom prst="rect">
+            <a:avLst/>
+          </a:prstGeom>
+        </p:spPr>
+        <p:style>
+          <a:lnRef idx="0">
+            <a:schemeClr val="accent2"/>
+          </a:lnRef>
+          <a:fillRef idx="3">
+            <a:schemeClr val="accent2"/>
+          </a:fillRef>
+          <a:effectRef idx="3">
+            <a:schemeClr val="accent2"/>
+          </a:effectRef>
+          <a:fontRef idx="minor">
+            <a:schemeClr val="lt1"/>
+          </a:fontRef>
+        </p:style>
+        <p:txBody>
+          <a:bodyPr vert="horz" lIns="91440" tIns="45720" rIns="91440" bIns="45720" rtlCol="0" anchor="ctr">
+            <a:normAutofit fontScale="92500"/>
+          </a:bodyPr>
+          <a:lstStyle>
+            <a:lvl1pPr marL="246888" indent="-246888" algn="l" defTabSz="914400" rtl="0" eaLnBrk="1" latinLnBrk="0" hangingPunct="1">
+              <a:lnSpc>
+                <a:spcPct val="90000"/>
+              </a:lnSpc>
+              <a:spcBef>
+                <a:spcPts val="1400"/>
+              </a:spcBef>
+              <a:buFont typeface="Euphemia" pitchFamily="34" charset="0"/>
+              <a:buChar char="›"/>
+              <a:defRPr sz="2800" kern="1200">
+                <a:solidFill>
+                  <a:schemeClr val="lt1"/>
+                </a:solidFill>
+                <a:latin typeface="+mn-lt"/>
+                <a:ea typeface="+mn-ea"/>
+                <a:cs typeface="+mn-cs"/>
+              </a:defRPr>
+            </a:lvl1pPr>
+            <a:lvl2pPr marL="612648" indent="-246888" algn="l" defTabSz="914400" rtl="0" eaLnBrk="1" latinLnBrk="0" hangingPunct="1">
+              <a:lnSpc>
+                <a:spcPct val="90000"/>
+              </a:lnSpc>
+              <a:spcBef>
+                <a:spcPts val="600"/>
+              </a:spcBef>
+              <a:buFont typeface="Euphemia" pitchFamily="34" charset="0"/>
+              <a:buChar char="–"/>
+              <a:defRPr sz="2400" kern="1200">
+                <a:solidFill>
+                  <a:schemeClr val="lt1"/>
+                </a:solidFill>
+                <a:latin typeface="+mn-lt"/>
+                <a:ea typeface="+mn-ea"/>
+                <a:cs typeface="+mn-cs"/>
+              </a:defRPr>
+            </a:lvl2pPr>
+            <a:lvl3pPr marL="978408" indent="-246888" algn="l" defTabSz="914400" rtl="0" eaLnBrk="1" latinLnBrk="0" hangingPunct="1">
+              <a:lnSpc>
+                <a:spcPct val="90000"/>
+              </a:lnSpc>
+              <a:spcBef>
+                <a:spcPts val="600"/>
+              </a:spcBef>
+              <a:buFont typeface="Euphemia" pitchFamily="34" charset="0"/>
+              <a:buChar char="›"/>
+              <a:defRPr sz="2000" kern="1200">
+                <a:solidFill>
+                  <a:schemeClr val="lt1"/>
+                </a:solidFill>
+                <a:latin typeface="+mn-lt"/>
+                <a:ea typeface="+mn-ea"/>
+                <a:cs typeface="+mn-cs"/>
+              </a:defRPr>
+            </a:lvl3pPr>
+            <a:lvl4pPr marL="1344168" indent="-246888" algn="l" defTabSz="914400" rtl="0" eaLnBrk="1" latinLnBrk="0" hangingPunct="1">
+              <a:lnSpc>
+                <a:spcPct val="90000"/>
+              </a:lnSpc>
+              <a:spcBef>
+                <a:spcPts val="600"/>
+              </a:spcBef>
+              <a:buFont typeface="Arial" pitchFamily="34" charset="0"/>
+              <a:buChar char="–"/>
+              <a:defRPr sz="1800" kern="1200">
+                <a:solidFill>
+                  <a:schemeClr val="lt1"/>
+                </a:solidFill>
+                <a:latin typeface="+mn-lt"/>
+                <a:ea typeface="+mn-ea"/>
+                <a:cs typeface="+mn-cs"/>
+              </a:defRPr>
+            </a:lvl4pPr>
+            <a:lvl5pPr marL="1709928" indent="-246888" algn="l" defTabSz="914400" rtl="0" eaLnBrk="1" latinLnBrk="0" hangingPunct="1">
+              <a:lnSpc>
+                <a:spcPct val="90000"/>
+              </a:lnSpc>
+              <a:spcBef>
+                <a:spcPts val="600"/>
+              </a:spcBef>
+              <a:buFont typeface="Euphemia" pitchFamily="34" charset="0"/>
+              <a:buChar char="›"/>
+              <a:defRPr sz="1800" kern="1200">
+                <a:solidFill>
+                  <a:schemeClr val="lt1"/>
+                </a:solidFill>
+                <a:latin typeface="+mn-lt"/>
+                <a:ea typeface="+mn-ea"/>
+                <a:cs typeface="+mn-cs"/>
+              </a:defRPr>
+            </a:lvl5pPr>
+            <a:lvl6pPr marL="2075688" indent="-246888" algn="l" defTabSz="914400" rtl="0" eaLnBrk="1" latinLnBrk="0" hangingPunct="1">
+              <a:lnSpc>
+                <a:spcPct val="90000"/>
+              </a:lnSpc>
+              <a:spcBef>
+                <a:spcPts val="600"/>
+              </a:spcBef>
+              <a:buFont typeface="Euphemia" pitchFamily="34" charset="0"/>
+              <a:buChar char="–"/>
+              <a:defRPr sz="1800" kern="1200">
+                <a:solidFill>
+                  <a:schemeClr val="lt1"/>
+                </a:solidFill>
+                <a:latin typeface="+mn-lt"/>
+                <a:ea typeface="+mn-ea"/>
+                <a:cs typeface="+mn-cs"/>
+              </a:defRPr>
+            </a:lvl6pPr>
+            <a:lvl7pPr marL="2441448" indent="-246888" algn="l" defTabSz="914400" rtl="0" eaLnBrk="1" latinLnBrk="0" hangingPunct="1">
+              <a:lnSpc>
+                <a:spcPct val="90000"/>
+              </a:lnSpc>
+              <a:spcBef>
+                <a:spcPts val="600"/>
+              </a:spcBef>
+              <a:buFont typeface="Euphemia" pitchFamily="34" charset="0"/>
+              <a:buChar char="›"/>
+              <a:defRPr sz="1800" kern="1200">
+                <a:solidFill>
+                  <a:schemeClr val="lt1"/>
+                </a:solidFill>
+                <a:latin typeface="+mn-lt"/>
+                <a:ea typeface="+mn-ea"/>
+                <a:cs typeface="+mn-cs"/>
+              </a:defRPr>
+            </a:lvl7pPr>
+            <a:lvl8pPr marL="2807208" indent="-246888" algn="l" defTabSz="914400" rtl="0" eaLnBrk="1" latinLnBrk="0" hangingPunct="1">
+              <a:lnSpc>
+                <a:spcPct val="90000"/>
+              </a:lnSpc>
+              <a:spcBef>
+                <a:spcPts val="600"/>
+              </a:spcBef>
+              <a:buFont typeface="Euphemia" pitchFamily="34" charset="0"/>
+              <a:buChar char="–"/>
+              <a:defRPr sz="1800" kern="1200" baseline="0">
+                <a:solidFill>
+                  <a:schemeClr val="lt1"/>
+                </a:solidFill>
+                <a:latin typeface="+mn-lt"/>
+                <a:ea typeface="+mn-ea"/>
+                <a:cs typeface="+mn-cs"/>
+              </a:defRPr>
+            </a:lvl8pPr>
+            <a:lvl9pPr marL="3172968" indent="-246888" algn="l" defTabSz="914400" rtl="0" eaLnBrk="1" latinLnBrk="0" hangingPunct="1">
+              <a:lnSpc>
+                <a:spcPct val="90000"/>
+              </a:lnSpc>
+              <a:spcBef>
+                <a:spcPts val="600"/>
+              </a:spcBef>
+              <a:buFont typeface="Euphemia" pitchFamily="34" charset="0"/>
+              <a:buChar char="›"/>
+              <a:defRPr sz="1800" kern="1200" baseline="0">
+                <a:solidFill>
+                  <a:schemeClr val="lt1"/>
+                </a:solidFill>
+                <a:latin typeface="+mn-lt"/>
+                <a:ea typeface="+mn-ea"/>
+                <a:cs typeface="+mn-cs"/>
+              </a:defRPr>
+            </a:lvl9pPr>
+          </a:lstStyle>
+          <a:p>
+            <a:pPr marL="0" indent="0" algn="ctr">
+              <a:buNone/>
+            </a:pPr>
+            <a:r>
+              <a:rPr lang="en-US" sz="7200" b="1" dirty="0">
+                <a:solidFill>
+                  <a:schemeClr val="tx2">
+                    <a:lumMod val="75000"/>
+                    <a:lumOff val="25000"/>
+                  </a:schemeClr>
+                </a:solidFill>
+              </a:rPr>
+              <a:t>002</a:t>
+            </a:r>
+          </a:p>
+        </p:txBody>
+      </p:sp>
+      <p:pic>
+        <p:nvPicPr>
+          <p:cNvPr id="8" name="Picture 7">
+            <a:extLst>
+              <a:ext uri="{FF2B5EF4-FFF2-40B4-BE49-F238E27FC236}">
+                <a16:creationId xmlns:a16="http://schemas.microsoft.com/office/drawing/2014/main" id="{794087CD-E907-F863-B24C-95F5EF287A05}"/>
+              </a:ext>
+            </a:extLst>
+          </p:cNvPr>
+          <p:cNvPicPr>
+            <a:picLocks noChangeAspect="1"/>
+          </p:cNvPicPr>
+          <p:nvPr/>
+        </p:nvPicPr>
+        <p:blipFill>
+          <a:blip r:embed="rId4"/>
+          <a:stretch>
+            <a:fillRect/>
+          </a:stretch>
+        </p:blipFill>
+        <p:spPr>
+          <a:xfrm>
+            <a:off x="2694994" y="2328443"/>
+            <a:ext cx="7579683" cy="4441728"/>
+          </a:xfrm>
+          <a:prstGeom prst="rect">
+            <a:avLst/>
+          </a:prstGeom>
+          <a:ln>
+            <a:noFill/>
+          </a:ln>
+          <a:effectLst>
+            <a:outerShdw blurRad="292100" dist="139700" dir="2700000" algn="tl" rotWithShape="0">
+              <a:srgbClr val="333333">
+                <a:alpha val="65000"/>
+              </a:srgbClr>
+            </a:outerShdw>
+          </a:effectLst>
+        </p:spPr>
+      </p:pic>
+      <p:sp>
+        <p:nvSpPr>
+          <p:cNvPr id="9" name="Title 12">
+            <a:extLst>
+              <a:ext uri="{FF2B5EF4-FFF2-40B4-BE49-F238E27FC236}">
+                <a16:creationId xmlns:a16="http://schemas.microsoft.com/office/drawing/2014/main" id="{2EA57332-1839-DB63-CEB6-D8B6EE9B2FBC}"/>
+              </a:ext>
+            </a:extLst>
+          </p:cNvPr>
+          <p:cNvSpPr txBox="1">
+            <a:spLocks/>
+          </p:cNvSpPr>
+          <p:nvPr/>
+        </p:nvSpPr>
+        <p:spPr>
+          <a:xfrm>
+            <a:off x="1773932" y="1484783"/>
+            <a:ext cx="9782801" cy="843659"/>
+          </a:xfrm>
+          <a:prstGeom prst="rect">
+            <a:avLst/>
+          </a:prstGeom>
+        </p:spPr>
+        <p:txBody>
+          <a:bodyPr vert="horz" lIns="91440" tIns="45720" rIns="91440" bIns="45720" rtlCol="0" anchor="ctr">
+            <a:normAutofit fontScale="90000"/>
+          </a:bodyPr>
+          <a:lstStyle>
+            <a:lvl1pPr algn="l" defTabSz="914400" rtl="0" eaLnBrk="1" latinLnBrk="0" hangingPunct="1">
+              <a:lnSpc>
+                <a:spcPct val="90000"/>
+              </a:lnSpc>
+              <a:spcBef>
+                <a:spcPct val="0"/>
+              </a:spcBef>
+              <a:buNone/>
+              <a:defRPr sz="3600" kern="1200">
+                <a:solidFill>
+                  <a:schemeClr val="tx1">
+                    <a:lumMod val="75000"/>
+                  </a:schemeClr>
+                </a:solidFill>
+                <a:latin typeface="+mj-lt"/>
+                <a:ea typeface="+mj-ea"/>
+                <a:cs typeface="+mj-cs"/>
+              </a:defRPr>
+            </a:lvl1pPr>
+          </a:lstStyle>
+          <a:p>
+            <a:r>
+              <a:rPr lang="en-US" sz="4800" b="1" dirty="0"/>
+              <a:t>Tutorial – QuickStart – New Project</a:t>
+            </a:r>
+          </a:p>
+        </p:txBody>
+      </p:sp>
+    </p:spTree>
+    <p:extLst>
+      <p:ext uri="{BB962C8B-B14F-4D97-AF65-F5344CB8AC3E}">
+        <p14:creationId xmlns:p14="http://schemas.microsoft.com/office/powerpoint/2010/main" val="1720426387"/>
+      </p:ext>
+    </p:extLst>
+  </p:cSld>
+  <p:clrMapOvr>
+    <a:masterClrMapping/>
+  </p:clrMapOvr>
+  <mc:AlternateContent xmlns:mc="http://schemas.openxmlformats.org/markup-compatibility/2006" xmlns:p14="http://schemas.microsoft.com/office/powerpoint/2010/main">
+    <mc:Choice Requires="p14">
+      <p:transition spd="med" p14:dur="700">
+        <p:fade/>
+      </p:transition>
+    </mc:Choice>
+    <mc:Fallback xmlns="">
+      <p:transition spd="med">
+        <p:fade/>
+      </p:transition>
+    </mc:Fallback>
+  </mc:AlternateContent>
+</p:sld>
+</file>
+
+<file path=ppt/slides/slide20.xml><?xml version="1.0" encoding="utf-8"?>
+<p:sld xmlns:a="http://schemas.openxmlformats.org/drawingml/2006/main" xmlns:r="http://schemas.openxmlformats.org/officeDocument/2006/relationships" xmlns:p="http://schemas.openxmlformats.org/presentationml/2006/main">
+  <p:cSld>
+    <p:spTree>
+      <p:nvGrpSpPr>
+        <p:cNvPr id="1" name="">
+          <a:extLst>
+            <a:ext uri="{FF2B5EF4-FFF2-40B4-BE49-F238E27FC236}">
+              <a16:creationId xmlns:a16="http://schemas.microsoft.com/office/drawing/2014/main" id="{78C68C2E-30E7-7D63-B3F3-290E1E267A4A}"/>
+            </a:ext>
+          </a:extLst>
+        </p:cNvPr>
+        <p:cNvGrpSpPr/>
+        <p:nvPr/>
+      </p:nvGrpSpPr>
+      <p:grpSpPr>
+        <a:xfrm>
+          <a:off x="0" y="0"/>
+          <a:ext cx="0" cy="0"/>
+          <a:chOff x="0" y="0"/>
+          <a:chExt cx="0" cy="0"/>
+        </a:xfrm>
+      </p:grpSpPr>
+      <p:sp>
+        <p:nvSpPr>
+          <p:cNvPr id="13" name="Title 12">
+            <a:extLst>
+              <a:ext uri="{FF2B5EF4-FFF2-40B4-BE49-F238E27FC236}">
+                <a16:creationId xmlns:a16="http://schemas.microsoft.com/office/drawing/2014/main" id="{7C72D042-D029-DEF5-9853-EE3DFA739656}"/>
+              </a:ext>
+            </a:extLst>
+          </p:cNvPr>
+          <p:cNvSpPr>
+            <a:spLocks noGrp="1"/>
+          </p:cNvSpPr>
+          <p:nvPr>
+            <p:ph type="title"/>
+          </p:nvPr>
+        </p:nvSpPr>
+        <p:spPr>
+          <a:xfrm>
+            <a:off x="1593436" y="260649"/>
+            <a:ext cx="6174521" cy="864096"/>
+          </a:xfrm>
+        </p:spPr>
+        <p:txBody>
+          <a:bodyPr anchor="ctr">
+            <a:normAutofit fontScale="90000"/>
+          </a:bodyPr>
+          <a:lstStyle/>
+          <a:p>
+            <a:r>
+              <a:rPr lang="en-US" sz="6000" b="1" dirty="0">
+                <a:latin typeface="ADLaM Display" panose="02010000000000000000" pitchFamily="2" charset="0"/>
+                <a:ea typeface="ADLaM Display" panose="02010000000000000000" pitchFamily="2" charset="0"/>
+                <a:cs typeface="ADLaM Display" panose="02010000000000000000" pitchFamily="2" charset="0"/>
+              </a:rPr>
+              <a:t>Learning Manim</a:t>
+            </a:r>
+          </a:p>
+        </p:txBody>
+      </p:sp>
+      <p:pic>
+        <p:nvPicPr>
+          <p:cNvPr id="4" name="Picture 3">
+            <a:extLst>
+              <a:ext uri="{FF2B5EF4-FFF2-40B4-BE49-F238E27FC236}">
+                <a16:creationId xmlns:a16="http://schemas.microsoft.com/office/drawing/2014/main" id="{3C32646F-1CC1-DDA1-7D43-E996D3910E20}"/>
+              </a:ext>
+            </a:extLst>
+          </p:cNvPr>
+          <p:cNvPicPr>
+            <a:picLocks noChangeAspect="1"/>
+          </p:cNvPicPr>
+          <p:nvPr/>
+        </p:nvPicPr>
+        <p:blipFill>
+          <a:blip r:embed="rId2"/>
+          <a:stretch>
+            <a:fillRect/>
+          </a:stretch>
+        </p:blipFill>
+        <p:spPr>
+          <a:xfrm>
+            <a:off x="7767957" y="83058"/>
+            <a:ext cx="4420868" cy="1512168"/>
+          </a:xfrm>
+          <a:prstGeom prst="rect">
+            <a:avLst/>
+          </a:prstGeom>
+        </p:spPr>
+      </p:pic>
+      <p:pic>
+        <p:nvPicPr>
+          <p:cNvPr id="5" name="Picture 4">
+            <a:extLst>
+              <a:ext uri="{FF2B5EF4-FFF2-40B4-BE49-F238E27FC236}">
+                <a16:creationId xmlns:a16="http://schemas.microsoft.com/office/drawing/2014/main" id="{FCFC817F-A1ED-091F-1006-23FE40FB5410}"/>
+              </a:ext>
+            </a:extLst>
+          </p:cNvPr>
+          <p:cNvPicPr>
+            <a:picLocks noChangeAspect="1"/>
+          </p:cNvPicPr>
+          <p:nvPr/>
+        </p:nvPicPr>
+        <p:blipFill>
+          <a:blip r:embed="rId3"/>
+          <a:stretch>
+            <a:fillRect/>
+          </a:stretch>
+        </p:blipFill>
+        <p:spPr>
+          <a:xfrm>
+            <a:off x="20044" y="2636912"/>
+            <a:ext cx="1152128" cy="1180931"/>
+          </a:xfrm>
+          <a:prstGeom prst="rect">
+            <a:avLst/>
+          </a:prstGeom>
+          <a:ln>
+            <a:noFill/>
+          </a:ln>
+          <a:effectLst>
+            <a:softEdge rad="112500"/>
+          </a:effectLst>
+        </p:spPr>
+      </p:pic>
+      <p:sp>
+        <p:nvSpPr>
+          <p:cNvPr id="6" name="Subtitle 2">
+            <a:extLst>
+              <a:ext uri="{FF2B5EF4-FFF2-40B4-BE49-F238E27FC236}">
+                <a16:creationId xmlns:a16="http://schemas.microsoft.com/office/drawing/2014/main" id="{48644B54-CA66-2BFE-7881-DD62AE16FF49}"/>
+              </a:ext>
+            </a:extLst>
+          </p:cNvPr>
+          <p:cNvSpPr txBox="1">
+            <a:spLocks/>
+          </p:cNvSpPr>
+          <p:nvPr/>
+        </p:nvSpPr>
+        <p:spPr>
+          <a:xfrm>
+            <a:off x="-1022" y="1484784"/>
+            <a:ext cx="1774954" cy="1080120"/>
+          </a:xfrm>
+          <a:prstGeom prst="rect">
+            <a:avLst/>
+          </a:prstGeom>
+        </p:spPr>
+        <p:style>
+          <a:lnRef idx="0">
+            <a:schemeClr val="accent2"/>
+          </a:lnRef>
+          <a:fillRef idx="3">
+            <a:schemeClr val="accent2"/>
+          </a:fillRef>
+          <a:effectRef idx="3">
+            <a:schemeClr val="accent2"/>
+          </a:effectRef>
+          <a:fontRef idx="minor">
+            <a:schemeClr val="lt1"/>
+          </a:fontRef>
+        </p:style>
+        <p:txBody>
+          <a:bodyPr vert="horz" lIns="91440" tIns="45720" rIns="91440" bIns="45720" rtlCol="0" anchor="ctr">
+            <a:normAutofit fontScale="92500"/>
+          </a:bodyPr>
+          <a:lstStyle>
+            <a:lvl1pPr marL="246888" indent="-246888" algn="l" defTabSz="914400" rtl="0" eaLnBrk="1" latinLnBrk="0" hangingPunct="1">
+              <a:lnSpc>
+                <a:spcPct val="90000"/>
+              </a:lnSpc>
+              <a:spcBef>
+                <a:spcPts val="1400"/>
+              </a:spcBef>
+              <a:buFont typeface="Euphemia" pitchFamily="34" charset="0"/>
+              <a:buChar char="›"/>
+              <a:defRPr sz="2800" kern="1200">
+                <a:solidFill>
+                  <a:schemeClr val="lt1"/>
+                </a:solidFill>
+                <a:latin typeface="+mn-lt"/>
+                <a:ea typeface="+mn-ea"/>
+                <a:cs typeface="+mn-cs"/>
+              </a:defRPr>
+            </a:lvl1pPr>
+            <a:lvl2pPr marL="612648" indent="-246888" algn="l" defTabSz="914400" rtl="0" eaLnBrk="1" latinLnBrk="0" hangingPunct="1">
+              <a:lnSpc>
+                <a:spcPct val="90000"/>
+              </a:lnSpc>
+              <a:spcBef>
+                <a:spcPts val="600"/>
+              </a:spcBef>
+              <a:buFont typeface="Euphemia" pitchFamily="34" charset="0"/>
+              <a:buChar char="–"/>
+              <a:defRPr sz="2400" kern="1200">
+                <a:solidFill>
+                  <a:schemeClr val="lt1"/>
+                </a:solidFill>
+                <a:latin typeface="+mn-lt"/>
+                <a:ea typeface="+mn-ea"/>
+                <a:cs typeface="+mn-cs"/>
+              </a:defRPr>
+            </a:lvl2pPr>
+            <a:lvl3pPr marL="978408" indent="-246888" algn="l" defTabSz="914400" rtl="0" eaLnBrk="1" latinLnBrk="0" hangingPunct="1">
+              <a:lnSpc>
+                <a:spcPct val="90000"/>
+              </a:lnSpc>
+              <a:spcBef>
+                <a:spcPts val="600"/>
+              </a:spcBef>
+              <a:buFont typeface="Euphemia" pitchFamily="34" charset="0"/>
+              <a:buChar char="›"/>
+              <a:defRPr sz="2000" kern="1200">
+                <a:solidFill>
+                  <a:schemeClr val="lt1"/>
+                </a:solidFill>
+                <a:latin typeface="+mn-lt"/>
+                <a:ea typeface="+mn-ea"/>
+                <a:cs typeface="+mn-cs"/>
+              </a:defRPr>
+            </a:lvl3pPr>
+            <a:lvl4pPr marL="1344168" indent="-246888" algn="l" defTabSz="914400" rtl="0" eaLnBrk="1" latinLnBrk="0" hangingPunct="1">
+              <a:lnSpc>
+                <a:spcPct val="90000"/>
+              </a:lnSpc>
+              <a:spcBef>
+                <a:spcPts val="600"/>
+              </a:spcBef>
+              <a:buFont typeface="Arial" pitchFamily="34" charset="0"/>
+              <a:buChar char="–"/>
+              <a:defRPr sz="1800" kern="1200">
+                <a:solidFill>
+                  <a:schemeClr val="lt1"/>
+                </a:solidFill>
+                <a:latin typeface="+mn-lt"/>
+                <a:ea typeface="+mn-ea"/>
+                <a:cs typeface="+mn-cs"/>
+              </a:defRPr>
+            </a:lvl4pPr>
+            <a:lvl5pPr marL="1709928" indent="-246888" algn="l" defTabSz="914400" rtl="0" eaLnBrk="1" latinLnBrk="0" hangingPunct="1">
+              <a:lnSpc>
+                <a:spcPct val="90000"/>
+              </a:lnSpc>
+              <a:spcBef>
+                <a:spcPts val="600"/>
+              </a:spcBef>
+              <a:buFont typeface="Euphemia" pitchFamily="34" charset="0"/>
+              <a:buChar char="›"/>
+              <a:defRPr sz="1800" kern="1200">
+                <a:solidFill>
+                  <a:schemeClr val="lt1"/>
+                </a:solidFill>
+                <a:latin typeface="+mn-lt"/>
+                <a:ea typeface="+mn-ea"/>
+                <a:cs typeface="+mn-cs"/>
+              </a:defRPr>
+            </a:lvl5pPr>
+            <a:lvl6pPr marL="2075688" indent="-246888" algn="l" defTabSz="914400" rtl="0" eaLnBrk="1" latinLnBrk="0" hangingPunct="1">
+              <a:lnSpc>
+                <a:spcPct val="90000"/>
+              </a:lnSpc>
+              <a:spcBef>
+                <a:spcPts val="600"/>
+              </a:spcBef>
+              <a:buFont typeface="Euphemia" pitchFamily="34" charset="0"/>
+              <a:buChar char="–"/>
+              <a:defRPr sz="1800" kern="1200">
+                <a:solidFill>
+                  <a:schemeClr val="lt1"/>
+                </a:solidFill>
+                <a:latin typeface="+mn-lt"/>
+                <a:ea typeface="+mn-ea"/>
+                <a:cs typeface="+mn-cs"/>
+              </a:defRPr>
+            </a:lvl6pPr>
+            <a:lvl7pPr marL="2441448" indent="-246888" algn="l" defTabSz="914400" rtl="0" eaLnBrk="1" latinLnBrk="0" hangingPunct="1">
+              <a:lnSpc>
+                <a:spcPct val="90000"/>
+              </a:lnSpc>
+              <a:spcBef>
+                <a:spcPts val="600"/>
+              </a:spcBef>
+              <a:buFont typeface="Euphemia" pitchFamily="34" charset="0"/>
+              <a:buChar char="›"/>
+              <a:defRPr sz="1800" kern="1200">
+                <a:solidFill>
+                  <a:schemeClr val="lt1"/>
+                </a:solidFill>
+                <a:latin typeface="+mn-lt"/>
+                <a:ea typeface="+mn-ea"/>
+                <a:cs typeface="+mn-cs"/>
+              </a:defRPr>
+            </a:lvl7pPr>
+            <a:lvl8pPr marL="2807208" indent="-246888" algn="l" defTabSz="914400" rtl="0" eaLnBrk="1" latinLnBrk="0" hangingPunct="1">
+              <a:lnSpc>
+                <a:spcPct val="90000"/>
+              </a:lnSpc>
+              <a:spcBef>
+                <a:spcPts val="600"/>
+              </a:spcBef>
+              <a:buFont typeface="Euphemia" pitchFamily="34" charset="0"/>
+              <a:buChar char="–"/>
+              <a:defRPr sz="1800" kern="1200" baseline="0">
+                <a:solidFill>
+                  <a:schemeClr val="lt1"/>
+                </a:solidFill>
+                <a:latin typeface="+mn-lt"/>
+                <a:ea typeface="+mn-ea"/>
+                <a:cs typeface="+mn-cs"/>
+              </a:defRPr>
+            </a:lvl8pPr>
+            <a:lvl9pPr marL="3172968" indent="-246888" algn="l" defTabSz="914400" rtl="0" eaLnBrk="1" latinLnBrk="0" hangingPunct="1">
+              <a:lnSpc>
+                <a:spcPct val="90000"/>
+              </a:lnSpc>
+              <a:spcBef>
+                <a:spcPts val="600"/>
+              </a:spcBef>
+              <a:buFont typeface="Euphemia" pitchFamily="34" charset="0"/>
+              <a:buChar char="›"/>
+              <a:defRPr sz="1800" kern="1200" baseline="0">
+                <a:solidFill>
+                  <a:schemeClr val="lt1"/>
+                </a:solidFill>
+                <a:latin typeface="+mn-lt"/>
+                <a:ea typeface="+mn-ea"/>
+                <a:cs typeface="+mn-cs"/>
+              </a:defRPr>
+            </a:lvl9pPr>
+          </a:lstStyle>
+          <a:p>
+            <a:pPr marL="0" indent="0" algn="ctr">
+              <a:buNone/>
+            </a:pPr>
+            <a:r>
+              <a:rPr lang="en-US" sz="7200" b="1" dirty="0">
+                <a:solidFill>
+                  <a:schemeClr val="tx2">
+                    <a:lumMod val="75000"/>
+                    <a:lumOff val="25000"/>
+                  </a:schemeClr>
+                </a:solidFill>
+                <a:latin typeface="ADLaM Display" panose="02010000000000000000" pitchFamily="2" charset="0"/>
+                <a:ea typeface="ADLaM Display" panose="02010000000000000000" pitchFamily="2" charset="0"/>
+                <a:cs typeface="ADLaM Display" panose="02010000000000000000" pitchFamily="2" charset="0"/>
+              </a:rPr>
+              <a:t>020</a:t>
+            </a:r>
+          </a:p>
+        </p:txBody>
+      </p:sp>
+      <p:sp>
+        <p:nvSpPr>
+          <p:cNvPr id="9" name="Title 12">
+            <a:extLst>
+              <a:ext uri="{FF2B5EF4-FFF2-40B4-BE49-F238E27FC236}">
+                <a16:creationId xmlns:a16="http://schemas.microsoft.com/office/drawing/2014/main" id="{50246150-BB8D-CE43-39F7-67E6B469D5E4}"/>
+              </a:ext>
+            </a:extLst>
+          </p:cNvPr>
+          <p:cNvSpPr txBox="1">
+            <a:spLocks/>
+          </p:cNvSpPr>
+          <p:nvPr/>
+        </p:nvSpPr>
+        <p:spPr>
+          <a:xfrm>
+            <a:off x="1773932" y="1124744"/>
+            <a:ext cx="9782801" cy="843659"/>
+          </a:xfrm>
+          <a:prstGeom prst="rect">
+            <a:avLst/>
+          </a:prstGeom>
+        </p:spPr>
+        <p:txBody>
+          <a:bodyPr vert="horz" lIns="91440" tIns="45720" rIns="91440" bIns="45720" rtlCol="0" anchor="ctr">
+            <a:normAutofit fontScale="82500" lnSpcReduction="10000"/>
+          </a:bodyPr>
+          <a:lstStyle>
+            <a:lvl1pPr algn="l" defTabSz="914400" rtl="0" eaLnBrk="1" latinLnBrk="0" hangingPunct="1">
+              <a:lnSpc>
+                <a:spcPct val="90000"/>
+              </a:lnSpc>
+              <a:spcBef>
+                <a:spcPct val="0"/>
+              </a:spcBef>
+              <a:buNone/>
+              <a:defRPr sz="3600" kern="1200">
+                <a:solidFill>
+                  <a:schemeClr val="tx1">
+                    <a:lumMod val="75000"/>
+                  </a:schemeClr>
+                </a:solidFill>
+                <a:latin typeface="+mj-lt"/>
+                <a:ea typeface="+mj-ea"/>
+                <a:cs typeface="+mj-cs"/>
+              </a:defRPr>
+            </a:lvl1pPr>
+          </a:lstStyle>
+          <a:p>
+            <a:r>
+              <a:rPr lang="en-US" sz="4800" b="1" dirty="0"/>
+              <a:t>Building Block – Animations – Customize</a:t>
+            </a:r>
+          </a:p>
+        </p:txBody>
+      </p:sp>
+      <p:pic>
+        <p:nvPicPr>
+          <p:cNvPr id="7" name="Picture 6">
+            <a:extLst>
+              <a:ext uri="{FF2B5EF4-FFF2-40B4-BE49-F238E27FC236}">
+                <a16:creationId xmlns:a16="http://schemas.microsoft.com/office/drawing/2014/main" id="{A48BAD80-BDB7-927A-407A-721693CF3C5B}"/>
+              </a:ext>
+            </a:extLst>
+          </p:cNvPr>
+          <p:cNvPicPr>
+            <a:picLocks noChangeAspect="1"/>
+          </p:cNvPicPr>
+          <p:nvPr/>
+        </p:nvPicPr>
+        <p:blipFill>
+          <a:blip r:embed="rId4"/>
+          <a:stretch>
+            <a:fillRect/>
+          </a:stretch>
+        </p:blipFill>
+        <p:spPr>
+          <a:xfrm>
+            <a:off x="2022282" y="1968403"/>
+            <a:ext cx="9550797" cy="4737743"/>
+          </a:xfrm>
+          <a:prstGeom prst="rect">
+            <a:avLst/>
+          </a:prstGeom>
+          <a:ln>
+            <a:noFill/>
+          </a:ln>
+          <a:effectLst>
+            <a:outerShdw blurRad="292100" dist="139700" dir="2700000" algn="tl" rotWithShape="0">
+              <a:srgbClr val="333333">
+                <a:alpha val="65000"/>
+              </a:srgbClr>
+            </a:outerShdw>
+          </a:effectLst>
+        </p:spPr>
+      </p:pic>
+      <p:pic>
+        <p:nvPicPr>
+          <p:cNvPr id="10" name="Picture 9">
+            <a:extLst>
+              <a:ext uri="{FF2B5EF4-FFF2-40B4-BE49-F238E27FC236}">
+                <a16:creationId xmlns:a16="http://schemas.microsoft.com/office/drawing/2014/main" id="{517EA3D4-3751-CD11-BAB9-6DE897868DFE}"/>
+              </a:ext>
+            </a:extLst>
+          </p:cNvPr>
+          <p:cNvPicPr>
+            <a:picLocks noChangeAspect="1"/>
+          </p:cNvPicPr>
+          <p:nvPr/>
+        </p:nvPicPr>
+        <p:blipFill>
+          <a:blip r:embed="rId5"/>
+          <a:stretch>
+            <a:fillRect/>
+          </a:stretch>
+        </p:blipFill>
+        <p:spPr>
+          <a:xfrm>
+            <a:off x="9118748" y="1844824"/>
+            <a:ext cx="2934949" cy="1788612"/>
+          </a:xfrm>
+          <a:prstGeom prst="rect">
+            <a:avLst/>
+          </a:prstGeom>
+          <a:ln>
+            <a:noFill/>
+          </a:ln>
+          <a:effectLst>
+            <a:outerShdw blurRad="292100" dist="139700" dir="2700000" algn="tl" rotWithShape="0">
+              <a:srgbClr val="333333">
+                <a:alpha val="65000"/>
+              </a:srgbClr>
+            </a:outerShdw>
+          </a:effectLst>
+        </p:spPr>
+      </p:pic>
+    </p:spTree>
+    <p:extLst>
+      <p:ext uri="{BB962C8B-B14F-4D97-AF65-F5344CB8AC3E}">
+        <p14:creationId xmlns:p14="http://schemas.microsoft.com/office/powerpoint/2010/main" val="2492023357"/>
+      </p:ext>
+    </p:extLst>
+  </p:cSld>
+  <p:clrMapOvr>
+    <a:masterClrMapping/>
+  </p:clrMapOvr>
+  <mc:AlternateContent xmlns:mc="http://schemas.openxmlformats.org/markup-compatibility/2006">
+    <mc:Choice xmlns:p14="http://schemas.microsoft.com/office/powerpoint/2010/main" Requires="p14">
+      <p:transition spd="med" p14:dur="700">
+        <p:fade/>
+      </p:transition>
+    </mc:Choice>
+    <mc:Fallback>
+      <p:transition spd="med">
+        <p:fade/>
+      </p:transition>
+    </mc:Fallback>
+  </mc:AlternateContent>
+</p:sld>
+</file>
+
+<file path=ppt/slides/slide21.xml><?xml version="1.0" encoding="utf-8"?>
+<p:sld xmlns:a="http://schemas.openxmlformats.org/drawingml/2006/main" xmlns:r="http://schemas.openxmlformats.org/officeDocument/2006/relationships" xmlns:p="http://schemas.openxmlformats.org/presentationml/2006/main">
+  <p:cSld>
+    <p:spTree>
+      <p:nvGrpSpPr>
+        <p:cNvPr id="1" name="">
+          <a:extLst>
+            <a:ext uri="{FF2B5EF4-FFF2-40B4-BE49-F238E27FC236}">
+              <a16:creationId xmlns:a16="http://schemas.microsoft.com/office/drawing/2014/main" id="{78C68C2E-30E7-7D63-B3F3-290E1E267A4A}"/>
+            </a:ext>
+          </a:extLst>
+        </p:cNvPr>
+        <p:cNvGrpSpPr/>
+        <p:nvPr/>
+      </p:nvGrpSpPr>
+      <p:grpSpPr>
+        <a:xfrm>
+          <a:off x="0" y="0"/>
+          <a:ext cx="0" cy="0"/>
+          <a:chOff x="0" y="0"/>
+          <a:chExt cx="0" cy="0"/>
+        </a:xfrm>
+      </p:grpSpPr>
+      <p:sp>
+        <p:nvSpPr>
+          <p:cNvPr id="13" name="Title 12">
+            <a:extLst>
+              <a:ext uri="{FF2B5EF4-FFF2-40B4-BE49-F238E27FC236}">
+                <a16:creationId xmlns:a16="http://schemas.microsoft.com/office/drawing/2014/main" id="{7C72D042-D029-DEF5-9853-EE3DFA739656}"/>
+              </a:ext>
+            </a:extLst>
+          </p:cNvPr>
+          <p:cNvSpPr>
+            <a:spLocks noGrp="1"/>
+          </p:cNvSpPr>
+          <p:nvPr>
+            <p:ph type="title"/>
+          </p:nvPr>
+        </p:nvSpPr>
+        <p:spPr>
+          <a:xfrm>
+            <a:off x="1593436" y="260649"/>
+            <a:ext cx="6174521" cy="864096"/>
+          </a:xfrm>
+        </p:spPr>
+        <p:txBody>
+          <a:bodyPr anchor="ctr">
+            <a:normAutofit fontScale="90000"/>
+          </a:bodyPr>
+          <a:lstStyle/>
+          <a:p>
+            <a:r>
+              <a:rPr lang="en-US" sz="6000" b="1" dirty="0">
+                <a:latin typeface="ADLaM Display" panose="02010000000000000000" pitchFamily="2" charset="0"/>
+                <a:ea typeface="ADLaM Display" panose="02010000000000000000" pitchFamily="2" charset="0"/>
+                <a:cs typeface="ADLaM Display" panose="02010000000000000000" pitchFamily="2" charset="0"/>
+              </a:rPr>
+              <a:t>Learning Manim</a:t>
+            </a:r>
+          </a:p>
+        </p:txBody>
+      </p:sp>
+      <p:pic>
+        <p:nvPicPr>
+          <p:cNvPr id="4" name="Picture 3">
+            <a:extLst>
+              <a:ext uri="{FF2B5EF4-FFF2-40B4-BE49-F238E27FC236}">
+                <a16:creationId xmlns:a16="http://schemas.microsoft.com/office/drawing/2014/main" id="{3C32646F-1CC1-DDA1-7D43-E996D3910E20}"/>
+              </a:ext>
+            </a:extLst>
+          </p:cNvPr>
+          <p:cNvPicPr>
+            <a:picLocks noChangeAspect="1"/>
+          </p:cNvPicPr>
+          <p:nvPr/>
+        </p:nvPicPr>
+        <p:blipFill>
+          <a:blip r:embed="rId2"/>
+          <a:stretch>
+            <a:fillRect/>
+          </a:stretch>
+        </p:blipFill>
+        <p:spPr>
+          <a:xfrm>
+            <a:off x="7767957" y="83058"/>
+            <a:ext cx="4420868" cy="1512168"/>
+          </a:xfrm>
+          <a:prstGeom prst="rect">
+            <a:avLst/>
+          </a:prstGeom>
+        </p:spPr>
+      </p:pic>
+      <p:pic>
+        <p:nvPicPr>
+          <p:cNvPr id="5" name="Picture 4">
+            <a:extLst>
+              <a:ext uri="{FF2B5EF4-FFF2-40B4-BE49-F238E27FC236}">
+                <a16:creationId xmlns:a16="http://schemas.microsoft.com/office/drawing/2014/main" id="{FCFC817F-A1ED-091F-1006-23FE40FB5410}"/>
+              </a:ext>
+            </a:extLst>
+          </p:cNvPr>
+          <p:cNvPicPr>
+            <a:picLocks noChangeAspect="1"/>
+          </p:cNvPicPr>
+          <p:nvPr/>
+        </p:nvPicPr>
+        <p:blipFill>
+          <a:blip r:embed="rId3"/>
+          <a:stretch>
+            <a:fillRect/>
+          </a:stretch>
+        </p:blipFill>
+        <p:spPr>
+          <a:xfrm>
+            <a:off x="20044" y="2636912"/>
+            <a:ext cx="1152128" cy="1180931"/>
+          </a:xfrm>
+          <a:prstGeom prst="rect">
+            <a:avLst/>
+          </a:prstGeom>
+          <a:ln>
+            <a:noFill/>
+          </a:ln>
+          <a:effectLst>
+            <a:softEdge rad="112500"/>
+          </a:effectLst>
+        </p:spPr>
+      </p:pic>
+      <p:sp>
+        <p:nvSpPr>
+          <p:cNvPr id="6" name="Subtitle 2">
+            <a:extLst>
+              <a:ext uri="{FF2B5EF4-FFF2-40B4-BE49-F238E27FC236}">
+                <a16:creationId xmlns:a16="http://schemas.microsoft.com/office/drawing/2014/main" id="{48644B54-CA66-2BFE-7881-DD62AE16FF49}"/>
+              </a:ext>
+            </a:extLst>
+          </p:cNvPr>
+          <p:cNvSpPr txBox="1">
+            <a:spLocks/>
+          </p:cNvSpPr>
+          <p:nvPr/>
+        </p:nvSpPr>
+        <p:spPr>
+          <a:xfrm>
+            <a:off x="-1022" y="1484784"/>
+            <a:ext cx="1774954" cy="1080120"/>
+          </a:xfrm>
+          <a:prstGeom prst="rect">
+            <a:avLst/>
+          </a:prstGeom>
+        </p:spPr>
+        <p:style>
+          <a:lnRef idx="0">
+            <a:schemeClr val="accent2"/>
+          </a:lnRef>
+          <a:fillRef idx="3">
+            <a:schemeClr val="accent2"/>
+          </a:fillRef>
+          <a:effectRef idx="3">
+            <a:schemeClr val="accent2"/>
+          </a:effectRef>
+          <a:fontRef idx="minor">
+            <a:schemeClr val="lt1"/>
+          </a:fontRef>
+        </p:style>
+        <p:txBody>
+          <a:bodyPr vert="horz" lIns="91440" tIns="45720" rIns="91440" bIns="45720" rtlCol="0" anchor="ctr">
+            <a:normAutofit/>
+          </a:bodyPr>
+          <a:lstStyle>
+            <a:lvl1pPr marL="246888" indent="-246888" algn="l" defTabSz="914400" rtl="0" eaLnBrk="1" latinLnBrk="0" hangingPunct="1">
+              <a:lnSpc>
+                <a:spcPct val="90000"/>
+              </a:lnSpc>
+              <a:spcBef>
+                <a:spcPts val="1400"/>
+              </a:spcBef>
+              <a:buFont typeface="Euphemia" pitchFamily="34" charset="0"/>
+              <a:buChar char="›"/>
+              <a:defRPr sz="2800" kern="1200">
+                <a:solidFill>
+                  <a:schemeClr val="lt1"/>
+                </a:solidFill>
+                <a:latin typeface="+mn-lt"/>
+                <a:ea typeface="+mn-ea"/>
+                <a:cs typeface="+mn-cs"/>
+              </a:defRPr>
+            </a:lvl1pPr>
+            <a:lvl2pPr marL="612648" indent="-246888" algn="l" defTabSz="914400" rtl="0" eaLnBrk="1" latinLnBrk="0" hangingPunct="1">
+              <a:lnSpc>
+                <a:spcPct val="90000"/>
+              </a:lnSpc>
+              <a:spcBef>
+                <a:spcPts val="600"/>
+              </a:spcBef>
+              <a:buFont typeface="Euphemia" pitchFamily="34" charset="0"/>
+              <a:buChar char="–"/>
+              <a:defRPr sz="2400" kern="1200">
+                <a:solidFill>
+                  <a:schemeClr val="lt1"/>
+                </a:solidFill>
+                <a:latin typeface="+mn-lt"/>
+                <a:ea typeface="+mn-ea"/>
+                <a:cs typeface="+mn-cs"/>
+              </a:defRPr>
+            </a:lvl2pPr>
+            <a:lvl3pPr marL="978408" indent="-246888" algn="l" defTabSz="914400" rtl="0" eaLnBrk="1" latinLnBrk="0" hangingPunct="1">
+              <a:lnSpc>
+                <a:spcPct val="90000"/>
+              </a:lnSpc>
+              <a:spcBef>
+                <a:spcPts val="600"/>
+              </a:spcBef>
+              <a:buFont typeface="Euphemia" pitchFamily="34" charset="0"/>
+              <a:buChar char="›"/>
+              <a:defRPr sz="2000" kern="1200">
+                <a:solidFill>
+                  <a:schemeClr val="lt1"/>
+                </a:solidFill>
+                <a:latin typeface="+mn-lt"/>
+                <a:ea typeface="+mn-ea"/>
+                <a:cs typeface="+mn-cs"/>
+              </a:defRPr>
+            </a:lvl3pPr>
+            <a:lvl4pPr marL="1344168" indent="-246888" algn="l" defTabSz="914400" rtl="0" eaLnBrk="1" latinLnBrk="0" hangingPunct="1">
+              <a:lnSpc>
+                <a:spcPct val="90000"/>
+              </a:lnSpc>
+              <a:spcBef>
+                <a:spcPts val="600"/>
+              </a:spcBef>
+              <a:buFont typeface="Arial" pitchFamily="34" charset="0"/>
+              <a:buChar char="–"/>
+              <a:defRPr sz="1800" kern="1200">
+                <a:solidFill>
+                  <a:schemeClr val="lt1"/>
+                </a:solidFill>
+                <a:latin typeface="+mn-lt"/>
+                <a:ea typeface="+mn-ea"/>
+                <a:cs typeface="+mn-cs"/>
+              </a:defRPr>
+            </a:lvl4pPr>
+            <a:lvl5pPr marL="1709928" indent="-246888" algn="l" defTabSz="914400" rtl="0" eaLnBrk="1" latinLnBrk="0" hangingPunct="1">
+              <a:lnSpc>
+                <a:spcPct val="90000"/>
+              </a:lnSpc>
+              <a:spcBef>
+                <a:spcPts val="600"/>
+              </a:spcBef>
+              <a:buFont typeface="Euphemia" pitchFamily="34" charset="0"/>
+              <a:buChar char="›"/>
+              <a:defRPr sz="1800" kern="1200">
+                <a:solidFill>
+                  <a:schemeClr val="lt1"/>
+                </a:solidFill>
+                <a:latin typeface="+mn-lt"/>
+                <a:ea typeface="+mn-ea"/>
+                <a:cs typeface="+mn-cs"/>
+              </a:defRPr>
+            </a:lvl5pPr>
+            <a:lvl6pPr marL="2075688" indent="-246888" algn="l" defTabSz="914400" rtl="0" eaLnBrk="1" latinLnBrk="0" hangingPunct="1">
+              <a:lnSpc>
+                <a:spcPct val="90000"/>
+              </a:lnSpc>
+              <a:spcBef>
+                <a:spcPts val="600"/>
+              </a:spcBef>
+              <a:buFont typeface="Euphemia" pitchFamily="34" charset="0"/>
+              <a:buChar char="–"/>
+              <a:defRPr sz="1800" kern="1200">
+                <a:solidFill>
+                  <a:schemeClr val="lt1"/>
+                </a:solidFill>
+                <a:latin typeface="+mn-lt"/>
+                <a:ea typeface="+mn-ea"/>
+                <a:cs typeface="+mn-cs"/>
+              </a:defRPr>
+            </a:lvl6pPr>
+            <a:lvl7pPr marL="2441448" indent="-246888" algn="l" defTabSz="914400" rtl="0" eaLnBrk="1" latinLnBrk="0" hangingPunct="1">
+              <a:lnSpc>
+                <a:spcPct val="90000"/>
+              </a:lnSpc>
+              <a:spcBef>
+                <a:spcPts val="600"/>
+              </a:spcBef>
+              <a:buFont typeface="Euphemia" pitchFamily="34" charset="0"/>
+              <a:buChar char="›"/>
+              <a:defRPr sz="1800" kern="1200">
+                <a:solidFill>
+                  <a:schemeClr val="lt1"/>
+                </a:solidFill>
+                <a:latin typeface="+mn-lt"/>
+                <a:ea typeface="+mn-ea"/>
+                <a:cs typeface="+mn-cs"/>
+              </a:defRPr>
+            </a:lvl7pPr>
+            <a:lvl8pPr marL="2807208" indent="-246888" algn="l" defTabSz="914400" rtl="0" eaLnBrk="1" latinLnBrk="0" hangingPunct="1">
+              <a:lnSpc>
+                <a:spcPct val="90000"/>
+              </a:lnSpc>
+              <a:spcBef>
+                <a:spcPts val="600"/>
+              </a:spcBef>
+              <a:buFont typeface="Euphemia" pitchFamily="34" charset="0"/>
+              <a:buChar char="–"/>
+              <a:defRPr sz="1800" kern="1200" baseline="0">
+                <a:solidFill>
+                  <a:schemeClr val="lt1"/>
+                </a:solidFill>
+                <a:latin typeface="+mn-lt"/>
+                <a:ea typeface="+mn-ea"/>
+                <a:cs typeface="+mn-cs"/>
+              </a:defRPr>
+            </a:lvl8pPr>
+            <a:lvl9pPr marL="3172968" indent="-246888" algn="l" defTabSz="914400" rtl="0" eaLnBrk="1" latinLnBrk="0" hangingPunct="1">
+              <a:lnSpc>
+                <a:spcPct val="90000"/>
+              </a:lnSpc>
+              <a:spcBef>
+                <a:spcPts val="600"/>
+              </a:spcBef>
+              <a:buFont typeface="Euphemia" pitchFamily="34" charset="0"/>
+              <a:buChar char="›"/>
+              <a:defRPr sz="1800" kern="1200" baseline="0">
+                <a:solidFill>
+                  <a:schemeClr val="lt1"/>
+                </a:solidFill>
+                <a:latin typeface="+mn-lt"/>
+                <a:ea typeface="+mn-ea"/>
+                <a:cs typeface="+mn-cs"/>
+              </a:defRPr>
+            </a:lvl9pPr>
+          </a:lstStyle>
+          <a:p>
+            <a:pPr marL="0" indent="0" algn="ctr">
+              <a:buNone/>
+            </a:pPr>
+            <a:r>
+              <a:rPr lang="en-US" sz="7200" b="1" dirty="0">
+                <a:solidFill>
+                  <a:schemeClr val="tx2">
+                    <a:lumMod val="75000"/>
+                    <a:lumOff val="25000"/>
+                  </a:schemeClr>
+                </a:solidFill>
+                <a:latin typeface="ADLaM Display" panose="02010000000000000000" pitchFamily="2" charset="0"/>
+                <a:ea typeface="ADLaM Display" panose="02010000000000000000" pitchFamily="2" charset="0"/>
+                <a:cs typeface="ADLaM Display" panose="02010000000000000000" pitchFamily="2" charset="0"/>
+              </a:rPr>
+              <a:t>021</a:t>
+            </a:r>
+          </a:p>
+        </p:txBody>
+      </p:sp>
+      <p:sp>
+        <p:nvSpPr>
+          <p:cNvPr id="9" name="Title 12">
+            <a:extLst>
+              <a:ext uri="{FF2B5EF4-FFF2-40B4-BE49-F238E27FC236}">
+                <a16:creationId xmlns:a16="http://schemas.microsoft.com/office/drawing/2014/main" id="{50246150-BB8D-CE43-39F7-67E6B469D5E4}"/>
+              </a:ext>
+            </a:extLst>
+          </p:cNvPr>
+          <p:cNvSpPr txBox="1">
+            <a:spLocks/>
+          </p:cNvSpPr>
+          <p:nvPr/>
+        </p:nvSpPr>
+        <p:spPr>
+          <a:xfrm>
+            <a:off x="1773932" y="1124744"/>
+            <a:ext cx="9782801" cy="843659"/>
+          </a:xfrm>
+          <a:prstGeom prst="rect">
+            <a:avLst/>
+          </a:prstGeom>
+        </p:spPr>
+        <p:txBody>
+          <a:bodyPr vert="horz" lIns="91440" tIns="45720" rIns="91440" bIns="45720" rtlCol="0" anchor="ctr">
+            <a:normAutofit fontScale="67500" lnSpcReduction="20000"/>
+          </a:bodyPr>
+          <a:lstStyle>
+            <a:lvl1pPr algn="l" defTabSz="914400" rtl="0" eaLnBrk="1" latinLnBrk="0" hangingPunct="1">
+              <a:lnSpc>
+                <a:spcPct val="90000"/>
+              </a:lnSpc>
+              <a:spcBef>
+                <a:spcPct val="0"/>
+              </a:spcBef>
+              <a:buNone/>
+              <a:defRPr sz="3600" kern="1200">
+                <a:solidFill>
+                  <a:schemeClr val="tx1">
+                    <a:lumMod val="75000"/>
+                  </a:schemeClr>
+                </a:solidFill>
+                <a:latin typeface="+mj-lt"/>
+                <a:ea typeface="+mj-ea"/>
+                <a:cs typeface="+mj-cs"/>
+              </a:defRPr>
+            </a:lvl1pPr>
+          </a:lstStyle>
+          <a:p>
+            <a:r>
+              <a:rPr lang="en-US" sz="4800" b="1" dirty="0"/>
+              <a:t>Building Block – Animations – Use Coordinates</a:t>
+            </a:r>
+          </a:p>
+        </p:txBody>
+      </p:sp>
+      <p:pic>
+        <p:nvPicPr>
+          <p:cNvPr id="3" name="Picture 2">
+            <a:extLst>
+              <a:ext uri="{FF2B5EF4-FFF2-40B4-BE49-F238E27FC236}">
+                <a16:creationId xmlns:a16="http://schemas.microsoft.com/office/drawing/2014/main" id="{E01C18E0-32D8-C736-877B-EDDFCAD8637B}"/>
+              </a:ext>
+            </a:extLst>
+          </p:cNvPr>
+          <p:cNvPicPr>
+            <a:picLocks noChangeAspect="1"/>
+          </p:cNvPicPr>
+          <p:nvPr/>
+        </p:nvPicPr>
+        <p:blipFill>
+          <a:blip r:embed="rId4"/>
+          <a:stretch>
+            <a:fillRect/>
+          </a:stretch>
+        </p:blipFill>
+        <p:spPr>
+          <a:xfrm>
+            <a:off x="1933928" y="1922983"/>
+            <a:ext cx="9622805" cy="4667677"/>
+          </a:xfrm>
+          <a:prstGeom prst="rect">
+            <a:avLst/>
+          </a:prstGeom>
+          <a:ln>
+            <a:noFill/>
+          </a:ln>
+          <a:effectLst>
+            <a:outerShdw blurRad="292100" dist="139700" dir="2700000" algn="tl" rotWithShape="0">
+              <a:srgbClr val="333333">
+                <a:alpha val="65000"/>
+              </a:srgbClr>
+            </a:outerShdw>
+          </a:effectLst>
+        </p:spPr>
+      </p:pic>
+      <p:pic>
+        <p:nvPicPr>
+          <p:cNvPr id="11" name="Picture 10">
+            <a:extLst>
+              <a:ext uri="{FF2B5EF4-FFF2-40B4-BE49-F238E27FC236}">
+                <a16:creationId xmlns:a16="http://schemas.microsoft.com/office/drawing/2014/main" id="{5C17102A-3D8C-F7C0-5946-585F99669F00}"/>
+              </a:ext>
+            </a:extLst>
+          </p:cNvPr>
+          <p:cNvPicPr>
+            <a:picLocks noChangeAspect="1"/>
+          </p:cNvPicPr>
+          <p:nvPr/>
+        </p:nvPicPr>
+        <p:blipFill>
+          <a:blip r:embed="rId5"/>
+          <a:stretch>
+            <a:fillRect/>
+          </a:stretch>
+        </p:blipFill>
+        <p:spPr>
+          <a:xfrm>
+            <a:off x="9118748" y="1879432"/>
+            <a:ext cx="2954631" cy="1774418"/>
+          </a:xfrm>
+          <a:prstGeom prst="rect">
+            <a:avLst/>
+          </a:prstGeom>
+          <a:ln>
+            <a:noFill/>
+          </a:ln>
+          <a:effectLst>
+            <a:outerShdw blurRad="292100" dist="139700" dir="2700000" algn="tl" rotWithShape="0">
+              <a:srgbClr val="333333">
+                <a:alpha val="65000"/>
+              </a:srgbClr>
+            </a:outerShdw>
+          </a:effectLst>
+        </p:spPr>
+      </p:pic>
+    </p:spTree>
+    <p:extLst>
+      <p:ext uri="{BB962C8B-B14F-4D97-AF65-F5344CB8AC3E}">
+        <p14:creationId xmlns:p14="http://schemas.microsoft.com/office/powerpoint/2010/main" val="3107085412"/>
+      </p:ext>
+    </p:extLst>
+  </p:cSld>
+  <p:clrMapOvr>
+    <a:masterClrMapping/>
+  </p:clrMapOvr>
+  <mc:AlternateContent xmlns:mc="http://schemas.openxmlformats.org/markup-compatibility/2006">
+    <mc:Choice xmlns:p14="http://schemas.microsoft.com/office/powerpoint/2010/main" Requires="p14">
+      <p:transition spd="med" p14:dur="700">
+        <p:fade/>
+      </p:transition>
+    </mc:Choice>
+    <mc:Fallback>
+      <p:transition spd="med">
+        <p:fade/>
+      </p:transition>
+    </mc:Fallback>
+  </mc:AlternateContent>
+</p:sld>
+</file>
+
+<file path=ppt/slides/slide22.xml><?xml version="1.0" encoding="utf-8"?>
+<p:sld xmlns:a="http://schemas.openxmlformats.org/drawingml/2006/main" xmlns:r="http://schemas.openxmlformats.org/officeDocument/2006/relationships" xmlns:p="http://schemas.openxmlformats.org/presentationml/2006/main">
+  <p:cSld>
+    <p:spTree>
+      <p:nvGrpSpPr>
+        <p:cNvPr id="1" name="">
+          <a:extLst>
+            <a:ext uri="{FF2B5EF4-FFF2-40B4-BE49-F238E27FC236}">
+              <a16:creationId xmlns:a16="http://schemas.microsoft.com/office/drawing/2014/main" id="{78C68C2E-30E7-7D63-B3F3-290E1E267A4A}"/>
+            </a:ext>
+          </a:extLst>
+        </p:cNvPr>
+        <p:cNvGrpSpPr/>
+        <p:nvPr/>
+      </p:nvGrpSpPr>
+      <p:grpSpPr>
+        <a:xfrm>
+          <a:off x="0" y="0"/>
+          <a:ext cx="0" cy="0"/>
+          <a:chOff x="0" y="0"/>
+          <a:chExt cx="0" cy="0"/>
+        </a:xfrm>
+      </p:grpSpPr>
+      <p:sp>
+        <p:nvSpPr>
+          <p:cNvPr id="13" name="Title 12">
+            <a:extLst>
+              <a:ext uri="{FF2B5EF4-FFF2-40B4-BE49-F238E27FC236}">
+                <a16:creationId xmlns:a16="http://schemas.microsoft.com/office/drawing/2014/main" id="{7C72D042-D029-DEF5-9853-EE3DFA739656}"/>
+              </a:ext>
+            </a:extLst>
+          </p:cNvPr>
+          <p:cNvSpPr>
+            <a:spLocks noGrp="1"/>
+          </p:cNvSpPr>
+          <p:nvPr>
+            <p:ph type="title"/>
+          </p:nvPr>
+        </p:nvSpPr>
+        <p:spPr>
+          <a:xfrm>
+            <a:off x="1593436" y="260649"/>
+            <a:ext cx="6174521" cy="864096"/>
+          </a:xfrm>
+        </p:spPr>
+        <p:txBody>
+          <a:bodyPr anchor="ctr">
+            <a:normAutofit fontScale="90000"/>
+          </a:bodyPr>
+          <a:lstStyle/>
+          <a:p>
+            <a:r>
+              <a:rPr lang="en-US" sz="6000" b="1" dirty="0">
+                <a:latin typeface="ADLaM Display" panose="02010000000000000000" pitchFamily="2" charset="0"/>
+                <a:ea typeface="ADLaM Display" panose="02010000000000000000" pitchFamily="2" charset="0"/>
+                <a:cs typeface="ADLaM Display" panose="02010000000000000000" pitchFamily="2" charset="0"/>
+              </a:rPr>
+              <a:t>Learning Manim</a:t>
+            </a:r>
+          </a:p>
+        </p:txBody>
+      </p:sp>
+      <p:pic>
+        <p:nvPicPr>
+          <p:cNvPr id="4" name="Picture 3">
+            <a:extLst>
+              <a:ext uri="{FF2B5EF4-FFF2-40B4-BE49-F238E27FC236}">
+                <a16:creationId xmlns:a16="http://schemas.microsoft.com/office/drawing/2014/main" id="{3C32646F-1CC1-DDA1-7D43-E996D3910E20}"/>
+              </a:ext>
+            </a:extLst>
+          </p:cNvPr>
+          <p:cNvPicPr>
+            <a:picLocks noChangeAspect="1"/>
+          </p:cNvPicPr>
+          <p:nvPr/>
+        </p:nvPicPr>
+        <p:blipFill>
+          <a:blip r:embed="rId2"/>
+          <a:stretch>
+            <a:fillRect/>
+          </a:stretch>
+        </p:blipFill>
+        <p:spPr>
+          <a:xfrm>
+            <a:off x="7767957" y="83058"/>
+            <a:ext cx="4420868" cy="1512168"/>
+          </a:xfrm>
+          <a:prstGeom prst="rect">
+            <a:avLst/>
+          </a:prstGeom>
+        </p:spPr>
+      </p:pic>
+      <p:pic>
+        <p:nvPicPr>
+          <p:cNvPr id="5" name="Picture 4">
+            <a:extLst>
+              <a:ext uri="{FF2B5EF4-FFF2-40B4-BE49-F238E27FC236}">
+                <a16:creationId xmlns:a16="http://schemas.microsoft.com/office/drawing/2014/main" id="{FCFC817F-A1ED-091F-1006-23FE40FB5410}"/>
+              </a:ext>
+            </a:extLst>
+          </p:cNvPr>
+          <p:cNvPicPr>
+            <a:picLocks noChangeAspect="1"/>
+          </p:cNvPicPr>
+          <p:nvPr/>
+        </p:nvPicPr>
+        <p:blipFill>
+          <a:blip r:embed="rId3"/>
+          <a:stretch>
+            <a:fillRect/>
+          </a:stretch>
+        </p:blipFill>
+        <p:spPr>
+          <a:xfrm>
+            <a:off x="20044" y="2636912"/>
+            <a:ext cx="1152128" cy="1180931"/>
+          </a:xfrm>
+          <a:prstGeom prst="rect">
+            <a:avLst/>
+          </a:prstGeom>
+          <a:ln>
+            <a:noFill/>
+          </a:ln>
+          <a:effectLst>
+            <a:softEdge rad="112500"/>
+          </a:effectLst>
+        </p:spPr>
+      </p:pic>
+      <p:sp>
+        <p:nvSpPr>
+          <p:cNvPr id="6" name="Subtitle 2">
+            <a:extLst>
+              <a:ext uri="{FF2B5EF4-FFF2-40B4-BE49-F238E27FC236}">
+                <a16:creationId xmlns:a16="http://schemas.microsoft.com/office/drawing/2014/main" id="{48644B54-CA66-2BFE-7881-DD62AE16FF49}"/>
+              </a:ext>
+            </a:extLst>
+          </p:cNvPr>
+          <p:cNvSpPr txBox="1">
+            <a:spLocks/>
+          </p:cNvSpPr>
+          <p:nvPr/>
+        </p:nvSpPr>
+        <p:spPr>
+          <a:xfrm>
+            <a:off x="-1022" y="1484784"/>
+            <a:ext cx="1774954" cy="1080120"/>
+          </a:xfrm>
+          <a:prstGeom prst="rect">
+            <a:avLst/>
+          </a:prstGeom>
+        </p:spPr>
+        <p:style>
+          <a:lnRef idx="0">
+            <a:schemeClr val="accent2"/>
+          </a:lnRef>
+          <a:fillRef idx="3">
+            <a:schemeClr val="accent2"/>
+          </a:fillRef>
+          <a:effectRef idx="3">
+            <a:schemeClr val="accent2"/>
+          </a:effectRef>
+          <a:fontRef idx="minor">
+            <a:schemeClr val="lt1"/>
+          </a:fontRef>
+        </p:style>
+        <p:txBody>
+          <a:bodyPr vert="horz" lIns="91440" tIns="45720" rIns="91440" bIns="45720" rtlCol="0" anchor="ctr">
+            <a:normAutofit fontScale="92500"/>
+          </a:bodyPr>
+          <a:lstStyle>
+            <a:lvl1pPr marL="246888" indent="-246888" algn="l" defTabSz="914400" rtl="0" eaLnBrk="1" latinLnBrk="0" hangingPunct="1">
+              <a:lnSpc>
+                <a:spcPct val="90000"/>
+              </a:lnSpc>
+              <a:spcBef>
+                <a:spcPts val="1400"/>
+              </a:spcBef>
+              <a:buFont typeface="Euphemia" pitchFamily="34" charset="0"/>
+              <a:buChar char="›"/>
+              <a:defRPr sz="2800" kern="1200">
+                <a:solidFill>
+                  <a:schemeClr val="lt1"/>
+                </a:solidFill>
+                <a:latin typeface="+mn-lt"/>
+                <a:ea typeface="+mn-ea"/>
+                <a:cs typeface="+mn-cs"/>
+              </a:defRPr>
+            </a:lvl1pPr>
+            <a:lvl2pPr marL="612648" indent="-246888" algn="l" defTabSz="914400" rtl="0" eaLnBrk="1" latinLnBrk="0" hangingPunct="1">
+              <a:lnSpc>
+                <a:spcPct val="90000"/>
+              </a:lnSpc>
+              <a:spcBef>
+                <a:spcPts val="600"/>
+              </a:spcBef>
+              <a:buFont typeface="Euphemia" pitchFamily="34" charset="0"/>
+              <a:buChar char="–"/>
+              <a:defRPr sz="2400" kern="1200">
+                <a:solidFill>
+                  <a:schemeClr val="lt1"/>
+                </a:solidFill>
+                <a:latin typeface="+mn-lt"/>
+                <a:ea typeface="+mn-ea"/>
+                <a:cs typeface="+mn-cs"/>
+              </a:defRPr>
+            </a:lvl2pPr>
+            <a:lvl3pPr marL="978408" indent="-246888" algn="l" defTabSz="914400" rtl="0" eaLnBrk="1" latinLnBrk="0" hangingPunct="1">
+              <a:lnSpc>
+                <a:spcPct val="90000"/>
+              </a:lnSpc>
+              <a:spcBef>
+                <a:spcPts val="600"/>
+              </a:spcBef>
+              <a:buFont typeface="Euphemia" pitchFamily="34" charset="0"/>
+              <a:buChar char="›"/>
+              <a:defRPr sz="2000" kern="1200">
+                <a:solidFill>
+                  <a:schemeClr val="lt1"/>
+                </a:solidFill>
+                <a:latin typeface="+mn-lt"/>
+                <a:ea typeface="+mn-ea"/>
+                <a:cs typeface="+mn-cs"/>
+              </a:defRPr>
+            </a:lvl3pPr>
+            <a:lvl4pPr marL="1344168" indent="-246888" algn="l" defTabSz="914400" rtl="0" eaLnBrk="1" latinLnBrk="0" hangingPunct="1">
+              <a:lnSpc>
+                <a:spcPct val="90000"/>
+              </a:lnSpc>
+              <a:spcBef>
+                <a:spcPts val="600"/>
+              </a:spcBef>
+              <a:buFont typeface="Arial" pitchFamily="34" charset="0"/>
+              <a:buChar char="–"/>
+              <a:defRPr sz="1800" kern="1200">
+                <a:solidFill>
+                  <a:schemeClr val="lt1"/>
+                </a:solidFill>
+                <a:latin typeface="+mn-lt"/>
+                <a:ea typeface="+mn-ea"/>
+                <a:cs typeface="+mn-cs"/>
+              </a:defRPr>
+            </a:lvl4pPr>
+            <a:lvl5pPr marL="1709928" indent="-246888" algn="l" defTabSz="914400" rtl="0" eaLnBrk="1" latinLnBrk="0" hangingPunct="1">
+              <a:lnSpc>
+                <a:spcPct val="90000"/>
+              </a:lnSpc>
+              <a:spcBef>
+                <a:spcPts val="600"/>
+              </a:spcBef>
+              <a:buFont typeface="Euphemia" pitchFamily="34" charset="0"/>
+              <a:buChar char="›"/>
+              <a:defRPr sz="1800" kern="1200">
+                <a:solidFill>
+                  <a:schemeClr val="lt1"/>
+                </a:solidFill>
+                <a:latin typeface="+mn-lt"/>
+                <a:ea typeface="+mn-ea"/>
+                <a:cs typeface="+mn-cs"/>
+              </a:defRPr>
+            </a:lvl5pPr>
+            <a:lvl6pPr marL="2075688" indent="-246888" algn="l" defTabSz="914400" rtl="0" eaLnBrk="1" latinLnBrk="0" hangingPunct="1">
+              <a:lnSpc>
+                <a:spcPct val="90000"/>
+              </a:lnSpc>
+              <a:spcBef>
+                <a:spcPts val="600"/>
+              </a:spcBef>
+              <a:buFont typeface="Euphemia" pitchFamily="34" charset="0"/>
+              <a:buChar char="–"/>
+              <a:defRPr sz="1800" kern="1200">
+                <a:solidFill>
+                  <a:schemeClr val="lt1"/>
+                </a:solidFill>
+                <a:latin typeface="+mn-lt"/>
+                <a:ea typeface="+mn-ea"/>
+                <a:cs typeface="+mn-cs"/>
+              </a:defRPr>
+            </a:lvl6pPr>
+            <a:lvl7pPr marL="2441448" indent="-246888" algn="l" defTabSz="914400" rtl="0" eaLnBrk="1" latinLnBrk="0" hangingPunct="1">
+              <a:lnSpc>
+                <a:spcPct val="90000"/>
+              </a:lnSpc>
+              <a:spcBef>
+                <a:spcPts val="600"/>
+              </a:spcBef>
+              <a:buFont typeface="Euphemia" pitchFamily="34" charset="0"/>
+              <a:buChar char="›"/>
+              <a:defRPr sz="1800" kern="1200">
+                <a:solidFill>
+                  <a:schemeClr val="lt1"/>
+                </a:solidFill>
+                <a:latin typeface="+mn-lt"/>
+                <a:ea typeface="+mn-ea"/>
+                <a:cs typeface="+mn-cs"/>
+              </a:defRPr>
+            </a:lvl7pPr>
+            <a:lvl8pPr marL="2807208" indent="-246888" algn="l" defTabSz="914400" rtl="0" eaLnBrk="1" latinLnBrk="0" hangingPunct="1">
+              <a:lnSpc>
+                <a:spcPct val="90000"/>
+              </a:lnSpc>
+              <a:spcBef>
+                <a:spcPts val="600"/>
+              </a:spcBef>
+              <a:buFont typeface="Euphemia" pitchFamily="34" charset="0"/>
+              <a:buChar char="–"/>
+              <a:defRPr sz="1800" kern="1200" baseline="0">
+                <a:solidFill>
+                  <a:schemeClr val="lt1"/>
+                </a:solidFill>
+                <a:latin typeface="+mn-lt"/>
+                <a:ea typeface="+mn-ea"/>
+                <a:cs typeface="+mn-cs"/>
+              </a:defRPr>
+            </a:lvl8pPr>
+            <a:lvl9pPr marL="3172968" indent="-246888" algn="l" defTabSz="914400" rtl="0" eaLnBrk="1" latinLnBrk="0" hangingPunct="1">
+              <a:lnSpc>
+                <a:spcPct val="90000"/>
+              </a:lnSpc>
+              <a:spcBef>
+                <a:spcPts val="600"/>
+              </a:spcBef>
+              <a:buFont typeface="Euphemia" pitchFamily="34" charset="0"/>
+              <a:buChar char="›"/>
+              <a:defRPr sz="1800" kern="1200" baseline="0">
+                <a:solidFill>
+                  <a:schemeClr val="lt1"/>
+                </a:solidFill>
+                <a:latin typeface="+mn-lt"/>
+                <a:ea typeface="+mn-ea"/>
+                <a:cs typeface="+mn-cs"/>
+              </a:defRPr>
+            </a:lvl9pPr>
+          </a:lstStyle>
+          <a:p>
+            <a:pPr marL="0" indent="0" algn="ctr">
+              <a:buNone/>
+            </a:pPr>
+            <a:r>
+              <a:rPr lang="en-US" sz="7200" b="1" dirty="0">
+                <a:solidFill>
+                  <a:schemeClr val="tx2">
+                    <a:lumMod val="75000"/>
+                    <a:lumOff val="25000"/>
+                  </a:schemeClr>
+                </a:solidFill>
+                <a:latin typeface="ADLaM Display" panose="02010000000000000000" pitchFamily="2" charset="0"/>
+                <a:ea typeface="ADLaM Display" panose="02010000000000000000" pitchFamily="2" charset="0"/>
+                <a:cs typeface="ADLaM Display" panose="02010000000000000000" pitchFamily="2" charset="0"/>
+              </a:rPr>
+              <a:t>022</a:t>
+            </a:r>
+          </a:p>
+        </p:txBody>
+      </p:sp>
+      <p:sp>
+        <p:nvSpPr>
+          <p:cNvPr id="9" name="Title 12">
+            <a:extLst>
+              <a:ext uri="{FF2B5EF4-FFF2-40B4-BE49-F238E27FC236}">
+                <a16:creationId xmlns:a16="http://schemas.microsoft.com/office/drawing/2014/main" id="{50246150-BB8D-CE43-39F7-67E6B469D5E4}"/>
+              </a:ext>
+            </a:extLst>
+          </p:cNvPr>
+          <p:cNvSpPr txBox="1">
+            <a:spLocks/>
+          </p:cNvSpPr>
+          <p:nvPr/>
+        </p:nvSpPr>
+        <p:spPr>
+          <a:xfrm>
+            <a:off x="1773932" y="1124744"/>
+            <a:ext cx="9782801" cy="843659"/>
+          </a:xfrm>
+          <a:prstGeom prst="rect">
+            <a:avLst/>
+          </a:prstGeom>
+        </p:spPr>
+        <p:txBody>
+          <a:bodyPr vert="horz" lIns="91440" tIns="45720" rIns="91440" bIns="45720" rtlCol="0" anchor="ctr">
+            <a:normAutofit fontScale="75000" lnSpcReduction="20000"/>
+          </a:bodyPr>
+          <a:lstStyle>
+            <a:lvl1pPr algn="l" defTabSz="914400" rtl="0" eaLnBrk="1" latinLnBrk="0" hangingPunct="1">
+              <a:lnSpc>
+                <a:spcPct val="90000"/>
+              </a:lnSpc>
+              <a:spcBef>
+                <a:spcPct val="0"/>
+              </a:spcBef>
+              <a:buNone/>
+              <a:defRPr sz="3600" kern="1200">
+                <a:solidFill>
+                  <a:schemeClr val="tx1">
+                    <a:lumMod val="75000"/>
+                  </a:schemeClr>
+                </a:solidFill>
+                <a:latin typeface="+mj-lt"/>
+                <a:ea typeface="+mj-ea"/>
+                <a:cs typeface="+mj-cs"/>
+              </a:defRPr>
+            </a:lvl1pPr>
+          </a:lstStyle>
+          <a:p>
+            <a:r>
+              <a:rPr lang="en-US" sz="4800" b="1" dirty="0"/>
+              <a:t>Building Block – Animations – Transforming</a:t>
+            </a:r>
+          </a:p>
+        </p:txBody>
+      </p:sp>
+      <p:pic>
+        <p:nvPicPr>
+          <p:cNvPr id="7" name="Picture 6">
+            <a:extLst>
+              <a:ext uri="{FF2B5EF4-FFF2-40B4-BE49-F238E27FC236}">
+                <a16:creationId xmlns:a16="http://schemas.microsoft.com/office/drawing/2014/main" id="{569A72DE-C53B-BA8C-AF78-DBFB3EF13B63}"/>
+              </a:ext>
+            </a:extLst>
+          </p:cNvPr>
+          <p:cNvPicPr>
+            <a:picLocks noChangeAspect="1"/>
+          </p:cNvPicPr>
+          <p:nvPr/>
+        </p:nvPicPr>
+        <p:blipFill>
+          <a:blip r:embed="rId4"/>
+          <a:stretch>
+            <a:fillRect/>
+          </a:stretch>
+        </p:blipFill>
+        <p:spPr>
+          <a:xfrm>
+            <a:off x="1977620" y="1844825"/>
+            <a:ext cx="9824894" cy="4824536"/>
+          </a:xfrm>
+          <a:prstGeom prst="rect">
+            <a:avLst/>
+          </a:prstGeom>
+          <a:ln>
+            <a:noFill/>
+          </a:ln>
+          <a:effectLst>
+            <a:outerShdw blurRad="292100" dist="139700" dir="2700000" algn="tl" rotWithShape="0">
+              <a:srgbClr val="333333">
+                <a:alpha val="65000"/>
+              </a:srgbClr>
+            </a:outerShdw>
+          </a:effectLst>
+        </p:spPr>
+      </p:pic>
+      <p:pic>
+        <p:nvPicPr>
+          <p:cNvPr id="10" name="Picture 9">
+            <a:extLst>
+              <a:ext uri="{FF2B5EF4-FFF2-40B4-BE49-F238E27FC236}">
+                <a16:creationId xmlns:a16="http://schemas.microsoft.com/office/drawing/2014/main" id="{B9E3255F-CDF1-58AD-7BBA-776B5B092324}"/>
+              </a:ext>
+            </a:extLst>
+          </p:cNvPr>
+          <p:cNvPicPr>
+            <a:picLocks noChangeAspect="1"/>
+          </p:cNvPicPr>
+          <p:nvPr/>
+        </p:nvPicPr>
+        <p:blipFill>
+          <a:blip r:embed="rId5"/>
+          <a:stretch>
+            <a:fillRect/>
+          </a:stretch>
+        </p:blipFill>
+        <p:spPr>
+          <a:xfrm>
+            <a:off x="9259379" y="1968403"/>
+            <a:ext cx="2746823" cy="1675638"/>
+          </a:xfrm>
+          <a:prstGeom prst="rect">
+            <a:avLst/>
+          </a:prstGeom>
+          <a:ln>
+            <a:noFill/>
+          </a:ln>
+          <a:effectLst>
+            <a:outerShdw blurRad="292100" dist="139700" dir="2700000" algn="tl" rotWithShape="0">
+              <a:srgbClr val="333333">
+                <a:alpha val="65000"/>
+              </a:srgbClr>
+            </a:outerShdw>
+          </a:effectLst>
+        </p:spPr>
+      </p:pic>
+    </p:spTree>
+    <p:extLst>
+      <p:ext uri="{BB962C8B-B14F-4D97-AF65-F5344CB8AC3E}">
+        <p14:creationId xmlns:p14="http://schemas.microsoft.com/office/powerpoint/2010/main" val="80183563"/>
+      </p:ext>
+    </p:extLst>
+  </p:cSld>
+  <p:clrMapOvr>
+    <a:masterClrMapping/>
+  </p:clrMapOvr>
+  <mc:AlternateContent xmlns:mc="http://schemas.openxmlformats.org/markup-compatibility/2006">
+    <mc:Choice xmlns:p14="http://schemas.microsoft.com/office/powerpoint/2010/main" Requires="p14">
+      <p:transition spd="med" p14:dur="700">
+        <p:fade/>
+      </p:transition>
+    </mc:Choice>
+    <mc:Fallback>
+      <p:transition spd="med">
+        <p:fade/>
+      </p:transition>
+    </mc:Fallback>
+  </mc:AlternateContent>
+</p:sld>
+</file>
+
+<file path=ppt/slides/slide23.xml><?xml version="1.0" encoding="utf-8"?>
 <p:sld xmlns:a="http://schemas.openxmlformats.org/drawingml/2006/main" xmlns:r="http://schemas.openxmlformats.org/officeDocument/2006/relationships" xmlns:p="http://schemas.openxmlformats.org/presentationml/2006/main">
   <p:cSld>
     <p:spTree>
@@ -11008,462 +15138,6 @@
     <p:extLst>
       <p:ext uri="{BB962C8B-B14F-4D97-AF65-F5344CB8AC3E}">
         <p14:creationId xmlns:p14="http://schemas.microsoft.com/office/powerpoint/2010/main" val="2151474947"/>
-      </p:ext>
-    </p:extLst>
-  </p:cSld>
-  <p:clrMapOvr>
-    <a:masterClrMapping/>
-  </p:clrMapOvr>
-  <mc:AlternateContent xmlns:mc="http://schemas.openxmlformats.org/markup-compatibility/2006" xmlns:p14="http://schemas.microsoft.com/office/powerpoint/2010/main">
-    <mc:Choice Requires="p14">
-      <p:transition spd="med" p14:dur="700">
-        <p:fade/>
-      </p:transition>
-    </mc:Choice>
-    <mc:Fallback xmlns="">
-      <p:transition spd="med">
-        <p:fade/>
-      </p:transition>
-    </mc:Fallback>
-  </mc:AlternateContent>
-</p:sld>
-</file>
-
-<file path=ppt/slides/slide2.xml><?xml version="1.0" encoding="utf-8"?>
-<p:sld xmlns:a="http://schemas.openxmlformats.org/drawingml/2006/main" xmlns:r="http://schemas.openxmlformats.org/officeDocument/2006/relationships" xmlns:p="http://schemas.openxmlformats.org/presentationml/2006/main">
-  <p:cSld>
-    <p:spTree>
-      <p:nvGrpSpPr>
-        <p:cNvPr id="1" name=""/>
-        <p:cNvGrpSpPr/>
-        <p:nvPr/>
-      </p:nvGrpSpPr>
-      <p:grpSpPr>
-        <a:xfrm>
-          <a:off x="0" y="0"/>
-          <a:ext cx="0" cy="0"/>
-          <a:chOff x="0" y="0"/>
-          <a:chExt cx="0" cy="0"/>
-        </a:xfrm>
-      </p:grpSpPr>
-      <p:sp>
-        <p:nvSpPr>
-          <p:cNvPr id="13" name="Title 12"/>
-          <p:cNvSpPr>
-            <a:spLocks noGrp="1"/>
-          </p:cNvSpPr>
-          <p:nvPr>
-            <p:ph type="title"/>
-          </p:nvPr>
-        </p:nvSpPr>
-        <p:spPr>
-          <a:xfrm>
-            <a:off x="1593436" y="260649"/>
-            <a:ext cx="9782801" cy="864096"/>
-          </a:xfrm>
-        </p:spPr>
-        <p:txBody>
-          <a:bodyPr anchor="ctr">
-            <a:normAutofit fontScale="90000"/>
-          </a:bodyPr>
-          <a:lstStyle/>
-          <a:p>
-            <a:r>
-              <a:rPr lang="en-US" sz="6000" b="1" dirty="0"/>
-              <a:t>Learning Manim</a:t>
-            </a:r>
-          </a:p>
-        </p:txBody>
-      </p:sp>
-      <p:pic>
-        <p:nvPicPr>
-          <p:cNvPr id="4" name="Picture 3">
-            <a:extLst>
-              <a:ext uri="{FF2B5EF4-FFF2-40B4-BE49-F238E27FC236}">
-                <a16:creationId xmlns:a16="http://schemas.microsoft.com/office/drawing/2014/main" id="{096C7980-7297-A056-1640-E4109B914CDD}"/>
-              </a:ext>
-            </a:extLst>
-          </p:cNvPr>
-          <p:cNvPicPr>
-            <a:picLocks noChangeAspect="1"/>
-          </p:cNvPicPr>
-          <p:nvPr/>
-        </p:nvPicPr>
-        <p:blipFill>
-          <a:blip r:embed="rId2"/>
-          <a:stretch>
-            <a:fillRect/>
-          </a:stretch>
-        </p:blipFill>
-        <p:spPr>
-          <a:xfrm>
-            <a:off x="7767957" y="83058"/>
-            <a:ext cx="4420868" cy="1512168"/>
-          </a:xfrm>
-          <a:prstGeom prst="rect">
-            <a:avLst/>
-          </a:prstGeom>
-        </p:spPr>
-      </p:pic>
-      <p:pic>
-        <p:nvPicPr>
-          <p:cNvPr id="5" name="Picture 4">
-            <a:extLst>
-              <a:ext uri="{FF2B5EF4-FFF2-40B4-BE49-F238E27FC236}">
-                <a16:creationId xmlns:a16="http://schemas.microsoft.com/office/drawing/2014/main" id="{A29A4FAA-8674-8DEA-4FB9-F88E5AF9A40C}"/>
-              </a:ext>
-            </a:extLst>
-          </p:cNvPr>
-          <p:cNvPicPr>
-            <a:picLocks noChangeAspect="1"/>
-          </p:cNvPicPr>
-          <p:nvPr/>
-        </p:nvPicPr>
-        <p:blipFill>
-          <a:blip r:embed="rId3"/>
-          <a:stretch>
-            <a:fillRect/>
-          </a:stretch>
-        </p:blipFill>
-        <p:spPr>
-          <a:xfrm>
-            <a:off x="117748" y="5589240"/>
-            <a:ext cx="1152128" cy="1180931"/>
-          </a:xfrm>
-          <a:prstGeom prst="rect">
-            <a:avLst/>
-          </a:prstGeom>
-          <a:ln>
-            <a:noFill/>
-          </a:ln>
-          <a:effectLst>
-            <a:softEdge rad="112500"/>
-          </a:effectLst>
-        </p:spPr>
-      </p:pic>
-      <p:sp>
-        <p:nvSpPr>
-          <p:cNvPr id="6" name="Subtitle 2">
-            <a:extLst>
-              <a:ext uri="{FF2B5EF4-FFF2-40B4-BE49-F238E27FC236}">
-                <a16:creationId xmlns:a16="http://schemas.microsoft.com/office/drawing/2014/main" id="{77F7B754-7A45-491D-AAC9-0D7BC1542012}"/>
-              </a:ext>
-            </a:extLst>
-          </p:cNvPr>
-          <p:cNvSpPr txBox="1">
-            <a:spLocks/>
-          </p:cNvSpPr>
-          <p:nvPr/>
-        </p:nvSpPr>
-        <p:spPr>
-          <a:xfrm>
-            <a:off x="-1022" y="1484784"/>
-            <a:ext cx="1701923" cy="1368152"/>
-          </a:xfrm>
-          <a:prstGeom prst="rect">
-            <a:avLst/>
-          </a:prstGeom>
-        </p:spPr>
-        <p:style>
-          <a:lnRef idx="0">
-            <a:schemeClr val="accent2"/>
-          </a:lnRef>
-          <a:fillRef idx="3">
-            <a:schemeClr val="accent2"/>
-          </a:fillRef>
-          <a:effectRef idx="3">
-            <a:schemeClr val="accent2"/>
-          </a:effectRef>
-          <a:fontRef idx="minor">
-            <a:schemeClr val="lt1"/>
-          </a:fontRef>
-        </p:style>
-        <p:txBody>
-          <a:bodyPr vert="horz" lIns="91440" tIns="45720" rIns="91440" bIns="45720" rtlCol="0" anchor="ctr">
-            <a:normAutofit fontScale="92500"/>
-          </a:bodyPr>
-          <a:lstStyle>
-            <a:lvl1pPr marL="246888" indent="-246888" algn="l" defTabSz="914400" rtl="0" eaLnBrk="1" latinLnBrk="0" hangingPunct="1">
-              <a:lnSpc>
-                <a:spcPct val="90000"/>
-              </a:lnSpc>
-              <a:spcBef>
-                <a:spcPts val="1400"/>
-              </a:spcBef>
-              <a:buFont typeface="Euphemia" pitchFamily="34" charset="0"/>
-              <a:buChar char="›"/>
-              <a:defRPr sz="2800" kern="1200">
-                <a:solidFill>
-                  <a:schemeClr val="lt1"/>
-                </a:solidFill>
-                <a:latin typeface="+mn-lt"/>
-                <a:ea typeface="+mn-ea"/>
-                <a:cs typeface="+mn-cs"/>
-              </a:defRPr>
-            </a:lvl1pPr>
-            <a:lvl2pPr marL="612648" indent="-246888" algn="l" defTabSz="914400" rtl="0" eaLnBrk="1" latinLnBrk="0" hangingPunct="1">
-              <a:lnSpc>
-                <a:spcPct val="90000"/>
-              </a:lnSpc>
-              <a:spcBef>
-                <a:spcPts val="600"/>
-              </a:spcBef>
-              <a:buFont typeface="Euphemia" pitchFamily="34" charset="0"/>
-              <a:buChar char="–"/>
-              <a:defRPr sz="2400" kern="1200">
-                <a:solidFill>
-                  <a:schemeClr val="lt1"/>
-                </a:solidFill>
-                <a:latin typeface="+mn-lt"/>
-                <a:ea typeface="+mn-ea"/>
-                <a:cs typeface="+mn-cs"/>
-              </a:defRPr>
-            </a:lvl2pPr>
-            <a:lvl3pPr marL="978408" indent="-246888" algn="l" defTabSz="914400" rtl="0" eaLnBrk="1" latinLnBrk="0" hangingPunct="1">
-              <a:lnSpc>
-                <a:spcPct val="90000"/>
-              </a:lnSpc>
-              <a:spcBef>
-                <a:spcPts val="600"/>
-              </a:spcBef>
-              <a:buFont typeface="Euphemia" pitchFamily="34" charset="0"/>
-              <a:buChar char="›"/>
-              <a:defRPr sz="2000" kern="1200">
-                <a:solidFill>
-                  <a:schemeClr val="lt1"/>
-                </a:solidFill>
-                <a:latin typeface="+mn-lt"/>
-                <a:ea typeface="+mn-ea"/>
-                <a:cs typeface="+mn-cs"/>
-              </a:defRPr>
-            </a:lvl3pPr>
-            <a:lvl4pPr marL="1344168" indent="-246888" algn="l" defTabSz="914400" rtl="0" eaLnBrk="1" latinLnBrk="0" hangingPunct="1">
-              <a:lnSpc>
-                <a:spcPct val="90000"/>
-              </a:lnSpc>
-              <a:spcBef>
-                <a:spcPts val="600"/>
-              </a:spcBef>
-              <a:buFont typeface="Arial" pitchFamily="34" charset="0"/>
-              <a:buChar char="–"/>
-              <a:defRPr sz="1800" kern="1200">
-                <a:solidFill>
-                  <a:schemeClr val="lt1"/>
-                </a:solidFill>
-                <a:latin typeface="+mn-lt"/>
-                <a:ea typeface="+mn-ea"/>
-                <a:cs typeface="+mn-cs"/>
-              </a:defRPr>
-            </a:lvl4pPr>
-            <a:lvl5pPr marL="1709928" indent="-246888" algn="l" defTabSz="914400" rtl="0" eaLnBrk="1" latinLnBrk="0" hangingPunct="1">
-              <a:lnSpc>
-                <a:spcPct val="90000"/>
-              </a:lnSpc>
-              <a:spcBef>
-                <a:spcPts val="600"/>
-              </a:spcBef>
-              <a:buFont typeface="Euphemia" pitchFamily="34" charset="0"/>
-              <a:buChar char="›"/>
-              <a:defRPr sz="1800" kern="1200">
-                <a:solidFill>
-                  <a:schemeClr val="lt1"/>
-                </a:solidFill>
-                <a:latin typeface="+mn-lt"/>
-                <a:ea typeface="+mn-ea"/>
-                <a:cs typeface="+mn-cs"/>
-              </a:defRPr>
-            </a:lvl5pPr>
-            <a:lvl6pPr marL="2075688" indent="-246888" algn="l" defTabSz="914400" rtl="0" eaLnBrk="1" latinLnBrk="0" hangingPunct="1">
-              <a:lnSpc>
-                <a:spcPct val="90000"/>
-              </a:lnSpc>
-              <a:spcBef>
-                <a:spcPts val="600"/>
-              </a:spcBef>
-              <a:buFont typeface="Euphemia" pitchFamily="34" charset="0"/>
-              <a:buChar char="–"/>
-              <a:defRPr sz="1800" kern="1200">
-                <a:solidFill>
-                  <a:schemeClr val="lt1"/>
-                </a:solidFill>
-                <a:latin typeface="+mn-lt"/>
-                <a:ea typeface="+mn-ea"/>
-                <a:cs typeface="+mn-cs"/>
-              </a:defRPr>
-            </a:lvl6pPr>
-            <a:lvl7pPr marL="2441448" indent="-246888" algn="l" defTabSz="914400" rtl="0" eaLnBrk="1" latinLnBrk="0" hangingPunct="1">
-              <a:lnSpc>
-                <a:spcPct val="90000"/>
-              </a:lnSpc>
-              <a:spcBef>
-                <a:spcPts val="600"/>
-              </a:spcBef>
-              <a:buFont typeface="Euphemia" pitchFamily="34" charset="0"/>
-              <a:buChar char="›"/>
-              <a:defRPr sz="1800" kern="1200">
-                <a:solidFill>
-                  <a:schemeClr val="lt1"/>
-                </a:solidFill>
-                <a:latin typeface="+mn-lt"/>
-                <a:ea typeface="+mn-ea"/>
-                <a:cs typeface="+mn-cs"/>
-              </a:defRPr>
-            </a:lvl7pPr>
-            <a:lvl8pPr marL="2807208" indent="-246888" algn="l" defTabSz="914400" rtl="0" eaLnBrk="1" latinLnBrk="0" hangingPunct="1">
-              <a:lnSpc>
-                <a:spcPct val="90000"/>
-              </a:lnSpc>
-              <a:spcBef>
-                <a:spcPts val="600"/>
-              </a:spcBef>
-              <a:buFont typeface="Euphemia" pitchFamily="34" charset="0"/>
-              <a:buChar char="–"/>
-              <a:defRPr sz="1800" kern="1200" baseline="0">
-                <a:solidFill>
-                  <a:schemeClr val="lt1"/>
-                </a:solidFill>
-                <a:latin typeface="+mn-lt"/>
-                <a:ea typeface="+mn-ea"/>
-                <a:cs typeface="+mn-cs"/>
-              </a:defRPr>
-            </a:lvl8pPr>
-            <a:lvl9pPr marL="3172968" indent="-246888" algn="l" defTabSz="914400" rtl="0" eaLnBrk="1" latinLnBrk="0" hangingPunct="1">
-              <a:lnSpc>
-                <a:spcPct val="90000"/>
-              </a:lnSpc>
-              <a:spcBef>
-                <a:spcPts val="600"/>
-              </a:spcBef>
-              <a:buFont typeface="Euphemia" pitchFamily="34" charset="0"/>
-              <a:buChar char="›"/>
-              <a:defRPr sz="1800" kern="1200" baseline="0">
-                <a:solidFill>
-                  <a:schemeClr val="lt1"/>
-                </a:solidFill>
-                <a:latin typeface="+mn-lt"/>
-                <a:ea typeface="+mn-ea"/>
-                <a:cs typeface="+mn-cs"/>
-              </a:defRPr>
-            </a:lvl9pPr>
-          </a:lstStyle>
-          <a:p>
-            <a:pPr marL="0" indent="0" algn="ctr">
-              <a:buNone/>
-            </a:pPr>
-            <a:r>
-              <a:rPr lang="en-US" sz="7200" b="1" dirty="0">
-                <a:solidFill>
-                  <a:schemeClr val="tx2">
-                    <a:lumMod val="75000"/>
-                    <a:lumOff val="25000"/>
-                  </a:schemeClr>
-                </a:solidFill>
-              </a:rPr>
-              <a:t>002</a:t>
-            </a:r>
-          </a:p>
-        </p:txBody>
-      </p:sp>
-      <p:pic>
-        <p:nvPicPr>
-          <p:cNvPr id="8" name="Picture 7">
-            <a:extLst>
-              <a:ext uri="{FF2B5EF4-FFF2-40B4-BE49-F238E27FC236}">
-                <a16:creationId xmlns:a16="http://schemas.microsoft.com/office/drawing/2014/main" id="{794087CD-E907-F863-B24C-95F5EF287A05}"/>
-              </a:ext>
-            </a:extLst>
-          </p:cNvPr>
-          <p:cNvPicPr>
-            <a:picLocks noChangeAspect="1"/>
-          </p:cNvPicPr>
-          <p:nvPr/>
-        </p:nvPicPr>
-        <p:blipFill>
-          <a:blip r:embed="rId4"/>
-          <a:stretch>
-            <a:fillRect/>
-          </a:stretch>
-        </p:blipFill>
-        <p:spPr>
-          <a:xfrm>
-            <a:off x="2694994" y="2328443"/>
-            <a:ext cx="7579683" cy="4441728"/>
-          </a:xfrm>
-          <a:prstGeom prst="rect">
-            <a:avLst/>
-          </a:prstGeom>
-          <a:ln>
-            <a:noFill/>
-          </a:ln>
-          <a:effectLst>
-            <a:outerShdw blurRad="292100" dist="139700" dir="2700000" algn="tl" rotWithShape="0">
-              <a:srgbClr val="333333">
-                <a:alpha val="65000"/>
-              </a:srgbClr>
-            </a:outerShdw>
-          </a:effectLst>
-        </p:spPr>
-      </p:pic>
-      <p:sp>
-        <p:nvSpPr>
-          <p:cNvPr id="9" name="Title 12">
-            <a:extLst>
-              <a:ext uri="{FF2B5EF4-FFF2-40B4-BE49-F238E27FC236}">
-                <a16:creationId xmlns:a16="http://schemas.microsoft.com/office/drawing/2014/main" id="{2EA57332-1839-DB63-CEB6-D8B6EE9B2FBC}"/>
-              </a:ext>
-            </a:extLst>
-          </p:cNvPr>
-          <p:cNvSpPr txBox="1">
-            <a:spLocks/>
-          </p:cNvSpPr>
-          <p:nvPr/>
-        </p:nvSpPr>
-        <p:spPr>
-          <a:xfrm>
-            <a:off x="1773932" y="1484783"/>
-            <a:ext cx="9782801" cy="843659"/>
-          </a:xfrm>
-          <a:prstGeom prst="rect">
-            <a:avLst/>
-          </a:prstGeom>
-        </p:spPr>
-        <p:txBody>
-          <a:bodyPr vert="horz" lIns="91440" tIns="45720" rIns="91440" bIns="45720" rtlCol="0" anchor="ctr">
-            <a:normAutofit fontScale="90000"/>
-          </a:bodyPr>
-          <a:lstStyle>
-            <a:lvl1pPr algn="l" defTabSz="914400" rtl="0" eaLnBrk="1" latinLnBrk="0" hangingPunct="1">
-              <a:lnSpc>
-                <a:spcPct val="90000"/>
-              </a:lnSpc>
-              <a:spcBef>
-                <a:spcPct val="0"/>
-              </a:spcBef>
-              <a:buNone/>
-              <a:defRPr sz="3600" kern="1200">
-                <a:solidFill>
-                  <a:schemeClr val="tx1">
-                    <a:lumMod val="75000"/>
-                  </a:schemeClr>
-                </a:solidFill>
-                <a:latin typeface="+mj-lt"/>
-                <a:ea typeface="+mj-ea"/>
-                <a:cs typeface="+mj-cs"/>
-              </a:defRPr>
-            </a:lvl1pPr>
-          </a:lstStyle>
-          <a:p>
-            <a:r>
-              <a:rPr lang="en-US" sz="4800" b="1" dirty="0"/>
-              <a:t>Tutorial – QuickStart – New Project</a:t>
-            </a:r>
-          </a:p>
-        </p:txBody>
-      </p:sp>
-    </p:spTree>
-    <p:extLst>
-      <p:ext uri="{BB962C8B-B14F-4D97-AF65-F5344CB8AC3E}">
-        <p14:creationId xmlns:p14="http://schemas.microsoft.com/office/powerpoint/2010/main" val="1720426387"/>
       </p:ext>
     </p:extLst>
   </p:cSld>

--- a/Manim/Learn Manim Library by Practice.pptx
+++ b/Manim/Learn Manim Library by Practice.pptx
@@ -5,10 +5,10 @@
     <p:sldMasterId id="2147483648" r:id="rId1"/>
   </p:sldMasterIdLst>
   <p:notesMasterIdLst>
-    <p:notesMasterId r:id="rId25"/>
+    <p:notesMasterId r:id="rId27"/>
   </p:notesMasterIdLst>
   <p:handoutMasterIdLst>
-    <p:handoutMasterId r:id="rId26"/>
+    <p:handoutMasterId r:id="rId28"/>
   </p:handoutMasterIdLst>
   <p:sldIdLst>
     <p:sldId id="256" r:id="rId2"/>
@@ -33,7 +33,9 @@
     <p:sldId id="285" r:id="rId21"/>
     <p:sldId id="286" r:id="rId22"/>
     <p:sldId id="287" r:id="rId23"/>
-    <p:sldId id="272" r:id="rId24"/>
+    <p:sldId id="289" r:id="rId24"/>
+    <p:sldId id="290" r:id="rId25"/>
+    <p:sldId id="272" r:id="rId26"/>
   </p:sldIdLst>
   <p:sldSz cx="12188825" cy="6858000"/>
   <p:notesSz cx="6858000" cy="9144000"/>
@@ -175,6 +177,8 @@
             <p14:sldId id="285"/>
             <p14:sldId id="286"/>
             <p14:sldId id="287"/>
+            <p14:sldId id="289"/>
+            <p14:sldId id="290"/>
           </p14:sldIdLst>
         </p14:section>
         <p14:section name="Udemy" id="{61D4A0FB-23D1-4A58-B3C6-86E5BDFA3F31}">
@@ -11364,13 +11368,13 @@
   <p:clrMapOvr>
     <a:masterClrMapping/>
   </p:clrMapOvr>
-  <mc:AlternateContent xmlns:mc="http://schemas.openxmlformats.org/markup-compatibility/2006">
-    <mc:Choice xmlns:p14="http://schemas.microsoft.com/office/powerpoint/2010/main" Requires="p14">
+  <mc:AlternateContent xmlns:mc="http://schemas.openxmlformats.org/markup-compatibility/2006" xmlns:p14="http://schemas.microsoft.com/office/powerpoint/2010/main">
+    <mc:Choice Requires="p14">
       <p:transition spd="med" p14:dur="700">
         <p:fade/>
       </p:transition>
     </mc:Choice>
-    <mc:Fallback>
+    <mc:Fallback xmlns="">
       <p:transition spd="med">
         <p:fade/>
       </p:transition>
@@ -11879,13 +11883,13 @@
   <p:clrMapOvr>
     <a:masterClrMapping/>
   </p:clrMapOvr>
-  <mc:AlternateContent xmlns:mc="http://schemas.openxmlformats.org/markup-compatibility/2006">
-    <mc:Choice xmlns:p14="http://schemas.microsoft.com/office/powerpoint/2010/main" Requires="p14">
+  <mc:AlternateContent xmlns:mc="http://schemas.openxmlformats.org/markup-compatibility/2006" xmlns:p14="http://schemas.microsoft.com/office/powerpoint/2010/main">
+    <mc:Choice Requires="p14">
       <p:transition spd="med" p14:dur="700">
         <p:fade/>
       </p:transition>
     </mc:Choice>
-    <mc:Fallback>
+    <mc:Fallback xmlns="">
       <p:transition spd="med">
         <p:fade/>
       </p:transition>
@@ -12394,13 +12398,13 @@
   <p:clrMapOvr>
     <a:masterClrMapping/>
   </p:clrMapOvr>
-  <mc:AlternateContent xmlns:mc="http://schemas.openxmlformats.org/markup-compatibility/2006">
-    <mc:Choice xmlns:p14="http://schemas.microsoft.com/office/powerpoint/2010/main" Requires="p14">
+  <mc:AlternateContent xmlns:mc="http://schemas.openxmlformats.org/markup-compatibility/2006" xmlns:p14="http://schemas.microsoft.com/office/powerpoint/2010/main">
+    <mc:Choice Requires="p14">
       <p:transition spd="med" p14:dur="700">
         <p:fade/>
       </p:transition>
     </mc:Choice>
-    <mc:Fallback>
+    <mc:Fallback xmlns="">
       <p:transition spd="med">
         <p:fade/>
       </p:transition>
@@ -12909,13 +12913,13 @@
   <p:clrMapOvr>
     <a:masterClrMapping/>
   </p:clrMapOvr>
-  <mc:AlternateContent xmlns:mc="http://schemas.openxmlformats.org/markup-compatibility/2006">
-    <mc:Choice xmlns:p14="http://schemas.microsoft.com/office/powerpoint/2010/main" Requires="p14">
+  <mc:AlternateContent xmlns:mc="http://schemas.openxmlformats.org/markup-compatibility/2006" xmlns:p14="http://schemas.microsoft.com/office/powerpoint/2010/main">
+    <mc:Choice Requires="p14">
       <p:transition spd="med" p14:dur="700">
         <p:fade/>
       </p:transition>
     </mc:Choice>
-    <mc:Fallback>
+    <mc:Fallback xmlns="">
       <p:transition spd="med">
         <p:fade/>
       </p:transition>
@@ -13880,13 +13884,13 @@
   <p:clrMapOvr>
     <a:masterClrMapping/>
   </p:clrMapOvr>
-  <mc:AlternateContent xmlns:mc="http://schemas.openxmlformats.org/markup-compatibility/2006">
-    <mc:Choice xmlns:p14="http://schemas.microsoft.com/office/powerpoint/2010/main" Requires="p14">
+  <mc:AlternateContent xmlns:mc="http://schemas.openxmlformats.org/markup-compatibility/2006" xmlns:p14="http://schemas.microsoft.com/office/powerpoint/2010/main">
+    <mc:Choice Requires="p14">
       <p:transition spd="med" p14:dur="700">
         <p:fade/>
       </p:transition>
     </mc:Choice>
-    <mc:Fallback>
+    <mc:Fallback xmlns="">
       <p:transition spd="med">
         <p:fade/>
       </p:transition>
@@ -14395,13 +14399,13 @@
   <p:clrMapOvr>
     <a:masterClrMapping/>
   </p:clrMapOvr>
-  <mc:AlternateContent xmlns:mc="http://schemas.openxmlformats.org/markup-compatibility/2006">
-    <mc:Choice xmlns:p14="http://schemas.microsoft.com/office/powerpoint/2010/main" Requires="p14">
+  <mc:AlternateContent xmlns:mc="http://schemas.openxmlformats.org/markup-compatibility/2006" xmlns:p14="http://schemas.microsoft.com/office/powerpoint/2010/main">
+    <mc:Choice Requires="p14">
       <p:transition spd="med" p14:dur="700">
         <p:fade/>
       </p:transition>
     </mc:Choice>
-    <mc:Fallback>
+    <mc:Fallback xmlns="">
       <p:transition spd="med">
         <p:fade/>
       </p:transition>
@@ -14910,6 +14914,501 @@
   <p:clrMapOvr>
     <a:masterClrMapping/>
   </p:clrMapOvr>
+  <mc:AlternateContent xmlns:mc="http://schemas.openxmlformats.org/markup-compatibility/2006" xmlns:p14="http://schemas.microsoft.com/office/powerpoint/2010/main">
+    <mc:Choice Requires="p14">
+      <p:transition spd="med" p14:dur="700">
+        <p:fade/>
+      </p:transition>
+    </mc:Choice>
+    <mc:Fallback xmlns="">
+      <p:transition spd="med">
+        <p:fade/>
+      </p:transition>
+    </mc:Fallback>
+  </mc:AlternateContent>
+</p:sld>
+</file>
+
+<file path=ppt/slides/slide23.xml><?xml version="1.0" encoding="utf-8"?>
+<p:sld xmlns:a="http://schemas.openxmlformats.org/drawingml/2006/main" xmlns:r="http://schemas.openxmlformats.org/officeDocument/2006/relationships" xmlns:p="http://schemas.openxmlformats.org/presentationml/2006/main">
+  <p:cSld>
+    <p:spTree>
+      <p:nvGrpSpPr>
+        <p:cNvPr id="1" name="">
+          <a:extLst>
+            <a:ext uri="{FF2B5EF4-FFF2-40B4-BE49-F238E27FC236}">
+              <a16:creationId xmlns:a16="http://schemas.microsoft.com/office/drawing/2014/main" id="{78C68C2E-30E7-7D63-B3F3-290E1E267A4A}"/>
+            </a:ext>
+          </a:extLst>
+        </p:cNvPr>
+        <p:cNvGrpSpPr/>
+        <p:nvPr/>
+      </p:nvGrpSpPr>
+      <p:grpSpPr>
+        <a:xfrm>
+          <a:off x="0" y="0"/>
+          <a:ext cx="0" cy="0"/>
+          <a:chOff x="0" y="0"/>
+          <a:chExt cx="0" cy="0"/>
+        </a:xfrm>
+      </p:grpSpPr>
+      <p:sp>
+        <p:nvSpPr>
+          <p:cNvPr id="13" name="Title 12">
+            <a:extLst>
+              <a:ext uri="{FF2B5EF4-FFF2-40B4-BE49-F238E27FC236}">
+                <a16:creationId xmlns:a16="http://schemas.microsoft.com/office/drawing/2014/main" id="{7C72D042-D029-DEF5-9853-EE3DFA739656}"/>
+              </a:ext>
+            </a:extLst>
+          </p:cNvPr>
+          <p:cNvSpPr>
+            <a:spLocks noGrp="1"/>
+          </p:cNvSpPr>
+          <p:nvPr>
+            <p:ph type="title"/>
+          </p:nvPr>
+        </p:nvSpPr>
+        <p:spPr>
+          <a:xfrm>
+            <a:off x="1593436" y="260649"/>
+            <a:ext cx="6174521" cy="864096"/>
+          </a:xfrm>
+        </p:spPr>
+        <p:txBody>
+          <a:bodyPr anchor="ctr">
+            <a:normAutofit fontScale="90000"/>
+          </a:bodyPr>
+          <a:lstStyle/>
+          <a:p>
+            <a:r>
+              <a:rPr lang="en-US" sz="6000" b="1" dirty="0">
+                <a:latin typeface="ADLaM Display" panose="02010000000000000000" pitchFamily="2" charset="0"/>
+                <a:ea typeface="ADLaM Display" panose="02010000000000000000" pitchFamily="2" charset="0"/>
+                <a:cs typeface="ADLaM Display" panose="02010000000000000000" pitchFamily="2" charset="0"/>
+              </a:rPr>
+              <a:t>Learning Manim</a:t>
+            </a:r>
+          </a:p>
+        </p:txBody>
+      </p:sp>
+      <p:pic>
+        <p:nvPicPr>
+          <p:cNvPr id="4" name="Picture 3">
+            <a:extLst>
+              <a:ext uri="{FF2B5EF4-FFF2-40B4-BE49-F238E27FC236}">
+                <a16:creationId xmlns:a16="http://schemas.microsoft.com/office/drawing/2014/main" id="{3C32646F-1CC1-DDA1-7D43-E996D3910E20}"/>
+              </a:ext>
+            </a:extLst>
+          </p:cNvPr>
+          <p:cNvPicPr>
+            <a:picLocks noChangeAspect="1"/>
+          </p:cNvPicPr>
+          <p:nvPr/>
+        </p:nvPicPr>
+        <p:blipFill>
+          <a:blip r:embed="rId2"/>
+          <a:stretch>
+            <a:fillRect/>
+          </a:stretch>
+        </p:blipFill>
+        <p:spPr>
+          <a:xfrm>
+            <a:off x="7767957" y="83058"/>
+            <a:ext cx="4420868" cy="1512168"/>
+          </a:xfrm>
+          <a:prstGeom prst="rect">
+            <a:avLst/>
+          </a:prstGeom>
+        </p:spPr>
+      </p:pic>
+      <p:pic>
+        <p:nvPicPr>
+          <p:cNvPr id="5" name="Picture 4">
+            <a:extLst>
+              <a:ext uri="{FF2B5EF4-FFF2-40B4-BE49-F238E27FC236}">
+                <a16:creationId xmlns:a16="http://schemas.microsoft.com/office/drawing/2014/main" id="{FCFC817F-A1ED-091F-1006-23FE40FB5410}"/>
+              </a:ext>
+            </a:extLst>
+          </p:cNvPr>
+          <p:cNvPicPr>
+            <a:picLocks noChangeAspect="1"/>
+          </p:cNvPicPr>
+          <p:nvPr/>
+        </p:nvPicPr>
+        <p:blipFill>
+          <a:blip r:embed="rId3"/>
+          <a:stretch>
+            <a:fillRect/>
+          </a:stretch>
+        </p:blipFill>
+        <p:spPr>
+          <a:xfrm>
+            <a:off x="20044" y="2636912"/>
+            <a:ext cx="1152128" cy="1180931"/>
+          </a:xfrm>
+          <a:prstGeom prst="rect">
+            <a:avLst/>
+          </a:prstGeom>
+          <a:ln>
+            <a:noFill/>
+          </a:ln>
+          <a:effectLst>
+            <a:softEdge rad="112500"/>
+          </a:effectLst>
+        </p:spPr>
+      </p:pic>
+      <p:sp>
+        <p:nvSpPr>
+          <p:cNvPr id="6" name="Subtitle 2">
+            <a:extLst>
+              <a:ext uri="{FF2B5EF4-FFF2-40B4-BE49-F238E27FC236}">
+                <a16:creationId xmlns:a16="http://schemas.microsoft.com/office/drawing/2014/main" id="{48644B54-CA66-2BFE-7881-DD62AE16FF49}"/>
+              </a:ext>
+            </a:extLst>
+          </p:cNvPr>
+          <p:cNvSpPr txBox="1">
+            <a:spLocks/>
+          </p:cNvSpPr>
+          <p:nvPr/>
+        </p:nvSpPr>
+        <p:spPr>
+          <a:xfrm>
+            <a:off x="-1022" y="1484784"/>
+            <a:ext cx="1774954" cy="1080120"/>
+          </a:xfrm>
+          <a:prstGeom prst="rect">
+            <a:avLst/>
+          </a:prstGeom>
+        </p:spPr>
+        <p:style>
+          <a:lnRef idx="0">
+            <a:schemeClr val="accent2"/>
+          </a:lnRef>
+          <a:fillRef idx="3">
+            <a:schemeClr val="accent2"/>
+          </a:fillRef>
+          <a:effectRef idx="3">
+            <a:schemeClr val="accent2"/>
+          </a:effectRef>
+          <a:fontRef idx="minor">
+            <a:schemeClr val="lt1"/>
+          </a:fontRef>
+        </p:style>
+        <p:txBody>
+          <a:bodyPr vert="horz" lIns="91440" tIns="45720" rIns="91440" bIns="45720" rtlCol="0" anchor="ctr">
+            <a:normAutofit/>
+          </a:bodyPr>
+          <a:lstStyle>
+            <a:lvl1pPr marL="246888" indent="-246888" algn="l" defTabSz="914400" rtl="0" eaLnBrk="1" latinLnBrk="0" hangingPunct="1">
+              <a:lnSpc>
+                <a:spcPct val="90000"/>
+              </a:lnSpc>
+              <a:spcBef>
+                <a:spcPts val="1400"/>
+              </a:spcBef>
+              <a:buFont typeface="Euphemia" pitchFamily="34" charset="0"/>
+              <a:buChar char="›"/>
+              <a:defRPr sz="2800" kern="1200">
+                <a:solidFill>
+                  <a:schemeClr val="lt1"/>
+                </a:solidFill>
+                <a:latin typeface="+mn-lt"/>
+                <a:ea typeface="+mn-ea"/>
+                <a:cs typeface="+mn-cs"/>
+              </a:defRPr>
+            </a:lvl1pPr>
+            <a:lvl2pPr marL="612648" indent="-246888" algn="l" defTabSz="914400" rtl="0" eaLnBrk="1" latinLnBrk="0" hangingPunct="1">
+              <a:lnSpc>
+                <a:spcPct val="90000"/>
+              </a:lnSpc>
+              <a:spcBef>
+                <a:spcPts val="600"/>
+              </a:spcBef>
+              <a:buFont typeface="Euphemia" pitchFamily="34" charset="0"/>
+              <a:buChar char="–"/>
+              <a:defRPr sz="2400" kern="1200">
+                <a:solidFill>
+                  <a:schemeClr val="lt1"/>
+                </a:solidFill>
+                <a:latin typeface="+mn-lt"/>
+                <a:ea typeface="+mn-ea"/>
+                <a:cs typeface="+mn-cs"/>
+              </a:defRPr>
+            </a:lvl2pPr>
+            <a:lvl3pPr marL="978408" indent="-246888" algn="l" defTabSz="914400" rtl="0" eaLnBrk="1" latinLnBrk="0" hangingPunct="1">
+              <a:lnSpc>
+                <a:spcPct val="90000"/>
+              </a:lnSpc>
+              <a:spcBef>
+                <a:spcPts val="600"/>
+              </a:spcBef>
+              <a:buFont typeface="Euphemia" pitchFamily="34" charset="0"/>
+              <a:buChar char="›"/>
+              <a:defRPr sz="2000" kern="1200">
+                <a:solidFill>
+                  <a:schemeClr val="lt1"/>
+                </a:solidFill>
+                <a:latin typeface="+mn-lt"/>
+                <a:ea typeface="+mn-ea"/>
+                <a:cs typeface="+mn-cs"/>
+              </a:defRPr>
+            </a:lvl3pPr>
+            <a:lvl4pPr marL="1344168" indent="-246888" algn="l" defTabSz="914400" rtl="0" eaLnBrk="1" latinLnBrk="0" hangingPunct="1">
+              <a:lnSpc>
+                <a:spcPct val="90000"/>
+              </a:lnSpc>
+              <a:spcBef>
+                <a:spcPts val="600"/>
+              </a:spcBef>
+              <a:buFont typeface="Arial" pitchFamily="34" charset="0"/>
+              <a:buChar char="–"/>
+              <a:defRPr sz="1800" kern="1200">
+                <a:solidFill>
+                  <a:schemeClr val="lt1"/>
+                </a:solidFill>
+                <a:latin typeface="+mn-lt"/>
+                <a:ea typeface="+mn-ea"/>
+                <a:cs typeface="+mn-cs"/>
+              </a:defRPr>
+            </a:lvl4pPr>
+            <a:lvl5pPr marL="1709928" indent="-246888" algn="l" defTabSz="914400" rtl="0" eaLnBrk="1" latinLnBrk="0" hangingPunct="1">
+              <a:lnSpc>
+                <a:spcPct val="90000"/>
+              </a:lnSpc>
+              <a:spcBef>
+                <a:spcPts val="600"/>
+              </a:spcBef>
+              <a:buFont typeface="Euphemia" pitchFamily="34" charset="0"/>
+              <a:buChar char="›"/>
+              <a:defRPr sz="1800" kern="1200">
+                <a:solidFill>
+                  <a:schemeClr val="lt1"/>
+                </a:solidFill>
+                <a:latin typeface="+mn-lt"/>
+                <a:ea typeface="+mn-ea"/>
+                <a:cs typeface="+mn-cs"/>
+              </a:defRPr>
+            </a:lvl5pPr>
+            <a:lvl6pPr marL="2075688" indent="-246888" algn="l" defTabSz="914400" rtl="0" eaLnBrk="1" latinLnBrk="0" hangingPunct="1">
+              <a:lnSpc>
+                <a:spcPct val="90000"/>
+              </a:lnSpc>
+              <a:spcBef>
+                <a:spcPts val="600"/>
+              </a:spcBef>
+              <a:buFont typeface="Euphemia" pitchFamily="34" charset="0"/>
+              <a:buChar char="–"/>
+              <a:defRPr sz="1800" kern="1200">
+                <a:solidFill>
+                  <a:schemeClr val="lt1"/>
+                </a:solidFill>
+                <a:latin typeface="+mn-lt"/>
+                <a:ea typeface="+mn-ea"/>
+                <a:cs typeface="+mn-cs"/>
+              </a:defRPr>
+            </a:lvl6pPr>
+            <a:lvl7pPr marL="2441448" indent="-246888" algn="l" defTabSz="914400" rtl="0" eaLnBrk="1" latinLnBrk="0" hangingPunct="1">
+              <a:lnSpc>
+                <a:spcPct val="90000"/>
+              </a:lnSpc>
+              <a:spcBef>
+                <a:spcPts val="600"/>
+              </a:spcBef>
+              <a:buFont typeface="Euphemia" pitchFamily="34" charset="0"/>
+              <a:buChar char="›"/>
+              <a:defRPr sz="1800" kern="1200">
+                <a:solidFill>
+                  <a:schemeClr val="lt1"/>
+                </a:solidFill>
+                <a:latin typeface="+mn-lt"/>
+                <a:ea typeface="+mn-ea"/>
+                <a:cs typeface="+mn-cs"/>
+              </a:defRPr>
+            </a:lvl7pPr>
+            <a:lvl8pPr marL="2807208" indent="-246888" algn="l" defTabSz="914400" rtl="0" eaLnBrk="1" latinLnBrk="0" hangingPunct="1">
+              <a:lnSpc>
+                <a:spcPct val="90000"/>
+              </a:lnSpc>
+              <a:spcBef>
+                <a:spcPts val="600"/>
+              </a:spcBef>
+              <a:buFont typeface="Euphemia" pitchFamily="34" charset="0"/>
+              <a:buChar char="–"/>
+              <a:defRPr sz="1800" kern="1200" baseline="0">
+                <a:solidFill>
+                  <a:schemeClr val="lt1"/>
+                </a:solidFill>
+                <a:latin typeface="+mn-lt"/>
+                <a:ea typeface="+mn-ea"/>
+                <a:cs typeface="+mn-cs"/>
+              </a:defRPr>
+            </a:lvl8pPr>
+            <a:lvl9pPr marL="3172968" indent="-246888" algn="l" defTabSz="914400" rtl="0" eaLnBrk="1" latinLnBrk="0" hangingPunct="1">
+              <a:lnSpc>
+                <a:spcPct val="90000"/>
+              </a:lnSpc>
+              <a:spcBef>
+                <a:spcPts val="600"/>
+              </a:spcBef>
+              <a:buFont typeface="Euphemia" pitchFamily="34" charset="0"/>
+              <a:buChar char="›"/>
+              <a:defRPr sz="1800" kern="1200" baseline="0">
+                <a:solidFill>
+                  <a:schemeClr val="lt1"/>
+                </a:solidFill>
+                <a:latin typeface="+mn-lt"/>
+                <a:ea typeface="+mn-ea"/>
+                <a:cs typeface="+mn-cs"/>
+              </a:defRPr>
+            </a:lvl9pPr>
+          </a:lstStyle>
+          <a:p>
+            <a:pPr marL="0" indent="0" algn="ctr">
+              <a:buNone/>
+            </a:pPr>
+            <a:r>
+              <a:rPr lang="en-US" sz="7200" b="1" dirty="0">
+                <a:solidFill>
+                  <a:schemeClr val="tx2">
+                    <a:lumMod val="75000"/>
+                    <a:lumOff val="25000"/>
+                  </a:schemeClr>
+                </a:solidFill>
+                <a:latin typeface="ADLaM Display" panose="02010000000000000000" pitchFamily="2" charset="0"/>
+                <a:ea typeface="ADLaM Display" panose="02010000000000000000" pitchFamily="2" charset="0"/>
+                <a:cs typeface="ADLaM Display" panose="02010000000000000000" pitchFamily="2" charset="0"/>
+              </a:rPr>
+              <a:t>023</a:t>
+            </a:r>
+          </a:p>
+        </p:txBody>
+      </p:sp>
+      <p:sp>
+        <p:nvSpPr>
+          <p:cNvPr id="9" name="Title 12">
+            <a:extLst>
+              <a:ext uri="{FF2B5EF4-FFF2-40B4-BE49-F238E27FC236}">
+                <a16:creationId xmlns:a16="http://schemas.microsoft.com/office/drawing/2014/main" id="{50246150-BB8D-CE43-39F7-67E6B469D5E4}"/>
+              </a:ext>
+            </a:extLst>
+          </p:cNvPr>
+          <p:cNvSpPr txBox="1">
+            <a:spLocks/>
+          </p:cNvSpPr>
+          <p:nvPr/>
+        </p:nvSpPr>
+        <p:spPr>
+          <a:xfrm>
+            <a:off x="1773932" y="1124744"/>
+            <a:ext cx="9782801" cy="1212025"/>
+          </a:xfrm>
+          <a:prstGeom prst="rect">
+            <a:avLst/>
+          </a:prstGeom>
+        </p:spPr>
+        <p:txBody>
+          <a:bodyPr vert="horz" lIns="91440" tIns="45720" rIns="91440" bIns="45720" rtlCol="0" anchor="ctr">
+            <a:normAutofit fontScale="67500" lnSpcReduction="20000"/>
+          </a:bodyPr>
+          <a:lstStyle>
+            <a:lvl1pPr algn="l" defTabSz="914400" rtl="0" eaLnBrk="1" latinLnBrk="0" hangingPunct="1">
+              <a:lnSpc>
+                <a:spcPct val="90000"/>
+              </a:lnSpc>
+              <a:spcBef>
+                <a:spcPct val="0"/>
+              </a:spcBef>
+              <a:buNone/>
+              <a:defRPr sz="3600" kern="1200">
+                <a:solidFill>
+                  <a:schemeClr val="tx1">
+                    <a:lumMod val="75000"/>
+                  </a:schemeClr>
+                </a:solidFill>
+                <a:latin typeface="+mj-lt"/>
+                <a:ea typeface="+mj-ea"/>
+                <a:cs typeface="+mj-cs"/>
+              </a:defRPr>
+            </a:lvl1pPr>
+          </a:lstStyle>
+          <a:p>
+            <a:pPr>
+              <a:lnSpc>
+                <a:spcPct val="120000"/>
+              </a:lnSpc>
+            </a:pPr>
+            <a:r>
+              <a:rPr lang="en-US" sz="4800" b="1" dirty="0"/>
+              <a:t>Building Block – </a:t>
+            </a:r>
+            <a:r>
+              <a:rPr lang="en-US" altLang="zh-CN" sz="4800" b="1" dirty="0"/>
+              <a:t>Scenes</a:t>
+            </a:r>
+          </a:p>
+          <a:p>
+            <a:pPr>
+              <a:lnSpc>
+                <a:spcPct val="120000"/>
+              </a:lnSpc>
+            </a:pPr>
+            <a:r>
+              <a:rPr lang="en-US" sz="4800" b="1" dirty="0"/>
+              <a:t>Thematic Guides – Configuration – CL Arguments</a:t>
+            </a:r>
+          </a:p>
+        </p:txBody>
+      </p:sp>
+      <p:pic>
+        <p:nvPicPr>
+          <p:cNvPr id="3" name="Picture 2">
+            <a:extLst>
+              <a:ext uri="{FF2B5EF4-FFF2-40B4-BE49-F238E27FC236}">
+                <a16:creationId xmlns:a16="http://schemas.microsoft.com/office/drawing/2014/main" id="{23BB5DFD-72D9-287D-836B-C9E30FD999E4}"/>
+              </a:ext>
+            </a:extLst>
+          </p:cNvPr>
+          <p:cNvPicPr>
+            <a:picLocks noChangeAspect="1"/>
+          </p:cNvPicPr>
+          <p:nvPr/>
+        </p:nvPicPr>
+        <p:blipFill>
+          <a:blip r:embed="rId4"/>
+          <a:stretch>
+            <a:fillRect/>
+          </a:stretch>
+        </p:blipFill>
+        <p:spPr>
+          <a:xfrm>
+            <a:off x="2061964" y="2408777"/>
+            <a:ext cx="5956183" cy="4188574"/>
+          </a:xfrm>
+          <a:prstGeom prst="rect">
+            <a:avLst/>
+          </a:prstGeom>
+          <a:ln>
+            <a:noFill/>
+          </a:ln>
+          <a:effectLst>
+            <a:outerShdw blurRad="292100" dist="139700" dir="2700000" algn="tl" rotWithShape="0">
+              <a:srgbClr val="333333">
+                <a:alpha val="65000"/>
+              </a:srgbClr>
+            </a:outerShdw>
+          </a:effectLst>
+        </p:spPr>
+      </p:pic>
+    </p:spTree>
+    <p:extLst>
+      <p:ext uri="{BB962C8B-B14F-4D97-AF65-F5344CB8AC3E}">
+        <p14:creationId xmlns:p14="http://schemas.microsoft.com/office/powerpoint/2010/main" val="2087370400"/>
+      </p:ext>
+    </p:extLst>
+  </p:cSld>
+  <p:clrMapOvr>
+    <a:masterClrMapping/>
+  </p:clrMapOvr>
   <mc:AlternateContent xmlns:mc="http://schemas.openxmlformats.org/markup-compatibility/2006">
     <mc:Choice xmlns:p14="http://schemas.microsoft.com/office/powerpoint/2010/main" Requires="p14">
       <p:transition spd="med" p14:dur="700">
@@ -14925,7 +15424,450 @@
 </p:sld>
 </file>
 
-<file path=ppt/slides/slide23.xml><?xml version="1.0" encoding="utf-8"?>
+<file path=ppt/slides/slide24.xml><?xml version="1.0" encoding="utf-8"?>
+<p:sld xmlns:a="http://schemas.openxmlformats.org/drawingml/2006/main" xmlns:r="http://schemas.openxmlformats.org/officeDocument/2006/relationships" xmlns:p="http://schemas.openxmlformats.org/presentationml/2006/main">
+  <p:cSld>
+    <p:spTree>
+      <p:nvGrpSpPr>
+        <p:cNvPr id="1" name="">
+          <a:extLst>
+            <a:ext uri="{FF2B5EF4-FFF2-40B4-BE49-F238E27FC236}">
+              <a16:creationId xmlns:a16="http://schemas.microsoft.com/office/drawing/2014/main" id="{78C68C2E-30E7-7D63-B3F3-290E1E267A4A}"/>
+            </a:ext>
+          </a:extLst>
+        </p:cNvPr>
+        <p:cNvGrpSpPr/>
+        <p:nvPr/>
+      </p:nvGrpSpPr>
+      <p:grpSpPr>
+        <a:xfrm>
+          <a:off x="0" y="0"/>
+          <a:ext cx="0" cy="0"/>
+          <a:chOff x="0" y="0"/>
+          <a:chExt cx="0" cy="0"/>
+        </a:xfrm>
+      </p:grpSpPr>
+      <p:sp>
+        <p:nvSpPr>
+          <p:cNvPr id="13" name="Title 12">
+            <a:extLst>
+              <a:ext uri="{FF2B5EF4-FFF2-40B4-BE49-F238E27FC236}">
+                <a16:creationId xmlns:a16="http://schemas.microsoft.com/office/drawing/2014/main" id="{7C72D042-D029-DEF5-9853-EE3DFA739656}"/>
+              </a:ext>
+            </a:extLst>
+          </p:cNvPr>
+          <p:cNvSpPr>
+            <a:spLocks noGrp="1"/>
+          </p:cNvSpPr>
+          <p:nvPr>
+            <p:ph type="title"/>
+          </p:nvPr>
+        </p:nvSpPr>
+        <p:spPr>
+          <a:xfrm>
+            <a:off x="1593436" y="260649"/>
+            <a:ext cx="6174521" cy="864096"/>
+          </a:xfrm>
+        </p:spPr>
+        <p:txBody>
+          <a:bodyPr anchor="ctr">
+            <a:normAutofit fontScale="90000"/>
+          </a:bodyPr>
+          <a:lstStyle/>
+          <a:p>
+            <a:r>
+              <a:rPr lang="en-US" sz="6000" b="1" dirty="0">
+                <a:latin typeface="ADLaM Display" panose="02010000000000000000" pitchFamily="2" charset="0"/>
+                <a:ea typeface="ADLaM Display" panose="02010000000000000000" pitchFamily="2" charset="0"/>
+                <a:cs typeface="ADLaM Display" panose="02010000000000000000" pitchFamily="2" charset="0"/>
+              </a:rPr>
+              <a:t>Learning Manim</a:t>
+            </a:r>
+          </a:p>
+        </p:txBody>
+      </p:sp>
+      <p:pic>
+        <p:nvPicPr>
+          <p:cNvPr id="4" name="Picture 3">
+            <a:extLst>
+              <a:ext uri="{FF2B5EF4-FFF2-40B4-BE49-F238E27FC236}">
+                <a16:creationId xmlns:a16="http://schemas.microsoft.com/office/drawing/2014/main" id="{3C32646F-1CC1-DDA1-7D43-E996D3910E20}"/>
+              </a:ext>
+            </a:extLst>
+          </p:cNvPr>
+          <p:cNvPicPr>
+            <a:picLocks noChangeAspect="1"/>
+          </p:cNvPicPr>
+          <p:nvPr/>
+        </p:nvPicPr>
+        <p:blipFill>
+          <a:blip r:embed="rId2"/>
+          <a:stretch>
+            <a:fillRect/>
+          </a:stretch>
+        </p:blipFill>
+        <p:spPr>
+          <a:xfrm>
+            <a:off x="7767957" y="83058"/>
+            <a:ext cx="4420868" cy="1512168"/>
+          </a:xfrm>
+          <a:prstGeom prst="rect">
+            <a:avLst/>
+          </a:prstGeom>
+        </p:spPr>
+      </p:pic>
+      <p:pic>
+        <p:nvPicPr>
+          <p:cNvPr id="5" name="Picture 4">
+            <a:extLst>
+              <a:ext uri="{FF2B5EF4-FFF2-40B4-BE49-F238E27FC236}">
+                <a16:creationId xmlns:a16="http://schemas.microsoft.com/office/drawing/2014/main" id="{FCFC817F-A1ED-091F-1006-23FE40FB5410}"/>
+              </a:ext>
+            </a:extLst>
+          </p:cNvPr>
+          <p:cNvPicPr>
+            <a:picLocks noChangeAspect="1"/>
+          </p:cNvPicPr>
+          <p:nvPr/>
+        </p:nvPicPr>
+        <p:blipFill>
+          <a:blip r:embed="rId3"/>
+          <a:stretch>
+            <a:fillRect/>
+          </a:stretch>
+        </p:blipFill>
+        <p:spPr>
+          <a:xfrm>
+            <a:off x="20044" y="2636912"/>
+            <a:ext cx="1152128" cy="1180931"/>
+          </a:xfrm>
+          <a:prstGeom prst="rect">
+            <a:avLst/>
+          </a:prstGeom>
+          <a:ln>
+            <a:noFill/>
+          </a:ln>
+          <a:effectLst>
+            <a:softEdge rad="112500"/>
+          </a:effectLst>
+        </p:spPr>
+      </p:pic>
+      <p:sp>
+        <p:nvSpPr>
+          <p:cNvPr id="6" name="Subtitle 2">
+            <a:extLst>
+              <a:ext uri="{FF2B5EF4-FFF2-40B4-BE49-F238E27FC236}">
+                <a16:creationId xmlns:a16="http://schemas.microsoft.com/office/drawing/2014/main" id="{48644B54-CA66-2BFE-7881-DD62AE16FF49}"/>
+              </a:ext>
+            </a:extLst>
+          </p:cNvPr>
+          <p:cNvSpPr txBox="1">
+            <a:spLocks/>
+          </p:cNvSpPr>
+          <p:nvPr/>
+        </p:nvSpPr>
+        <p:spPr>
+          <a:xfrm>
+            <a:off x="-1022" y="1484784"/>
+            <a:ext cx="1774954" cy="1080120"/>
+          </a:xfrm>
+          <a:prstGeom prst="rect">
+            <a:avLst/>
+          </a:prstGeom>
+        </p:spPr>
+        <p:style>
+          <a:lnRef idx="0">
+            <a:schemeClr val="accent2"/>
+          </a:lnRef>
+          <a:fillRef idx="3">
+            <a:schemeClr val="accent2"/>
+          </a:fillRef>
+          <a:effectRef idx="3">
+            <a:schemeClr val="accent2"/>
+          </a:effectRef>
+          <a:fontRef idx="minor">
+            <a:schemeClr val="lt1"/>
+          </a:fontRef>
+        </p:style>
+        <p:txBody>
+          <a:bodyPr vert="horz" lIns="91440" tIns="45720" rIns="91440" bIns="45720" rtlCol="0" anchor="ctr">
+            <a:normAutofit fontScale="92500"/>
+          </a:bodyPr>
+          <a:lstStyle>
+            <a:lvl1pPr marL="246888" indent="-246888" algn="l" defTabSz="914400" rtl="0" eaLnBrk="1" latinLnBrk="0" hangingPunct="1">
+              <a:lnSpc>
+                <a:spcPct val="90000"/>
+              </a:lnSpc>
+              <a:spcBef>
+                <a:spcPts val="1400"/>
+              </a:spcBef>
+              <a:buFont typeface="Euphemia" pitchFamily="34" charset="0"/>
+              <a:buChar char="›"/>
+              <a:defRPr sz="2800" kern="1200">
+                <a:solidFill>
+                  <a:schemeClr val="lt1"/>
+                </a:solidFill>
+                <a:latin typeface="+mn-lt"/>
+                <a:ea typeface="+mn-ea"/>
+                <a:cs typeface="+mn-cs"/>
+              </a:defRPr>
+            </a:lvl1pPr>
+            <a:lvl2pPr marL="612648" indent="-246888" algn="l" defTabSz="914400" rtl="0" eaLnBrk="1" latinLnBrk="0" hangingPunct="1">
+              <a:lnSpc>
+                <a:spcPct val="90000"/>
+              </a:lnSpc>
+              <a:spcBef>
+                <a:spcPts val="600"/>
+              </a:spcBef>
+              <a:buFont typeface="Euphemia" pitchFamily="34" charset="0"/>
+              <a:buChar char="–"/>
+              <a:defRPr sz="2400" kern="1200">
+                <a:solidFill>
+                  <a:schemeClr val="lt1"/>
+                </a:solidFill>
+                <a:latin typeface="+mn-lt"/>
+                <a:ea typeface="+mn-ea"/>
+                <a:cs typeface="+mn-cs"/>
+              </a:defRPr>
+            </a:lvl2pPr>
+            <a:lvl3pPr marL="978408" indent="-246888" algn="l" defTabSz="914400" rtl="0" eaLnBrk="1" latinLnBrk="0" hangingPunct="1">
+              <a:lnSpc>
+                <a:spcPct val="90000"/>
+              </a:lnSpc>
+              <a:spcBef>
+                <a:spcPts val="600"/>
+              </a:spcBef>
+              <a:buFont typeface="Euphemia" pitchFamily="34" charset="0"/>
+              <a:buChar char="›"/>
+              <a:defRPr sz="2000" kern="1200">
+                <a:solidFill>
+                  <a:schemeClr val="lt1"/>
+                </a:solidFill>
+                <a:latin typeface="+mn-lt"/>
+                <a:ea typeface="+mn-ea"/>
+                <a:cs typeface="+mn-cs"/>
+              </a:defRPr>
+            </a:lvl3pPr>
+            <a:lvl4pPr marL="1344168" indent="-246888" algn="l" defTabSz="914400" rtl="0" eaLnBrk="1" latinLnBrk="0" hangingPunct="1">
+              <a:lnSpc>
+                <a:spcPct val="90000"/>
+              </a:lnSpc>
+              <a:spcBef>
+                <a:spcPts val="600"/>
+              </a:spcBef>
+              <a:buFont typeface="Arial" pitchFamily="34" charset="0"/>
+              <a:buChar char="–"/>
+              <a:defRPr sz="1800" kern="1200">
+                <a:solidFill>
+                  <a:schemeClr val="lt1"/>
+                </a:solidFill>
+                <a:latin typeface="+mn-lt"/>
+                <a:ea typeface="+mn-ea"/>
+                <a:cs typeface="+mn-cs"/>
+              </a:defRPr>
+            </a:lvl4pPr>
+            <a:lvl5pPr marL="1709928" indent="-246888" algn="l" defTabSz="914400" rtl="0" eaLnBrk="1" latinLnBrk="0" hangingPunct="1">
+              <a:lnSpc>
+                <a:spcPct val="90000"/>
+              </a:lnSpc>
+              <a:spcBef>
+                <a:spcPts val="600"/>
+              </a:spcBef>
+              <a:buFont typeface="Euphemia" pitchFamily="34" charset="0"/>
+              <a:buChar char="›"/>
+              <a:defRPr sz="1800" kern="1200">
+                <a:solidFill>
+                  <a:schemeClr val="lt1"/>
+                </a:solidFill>
+                <a:latin typeface="+mn-lt"/>
+                <a:ea typeface="+mn-ea"/>
+                <a:cs typeface="+mn-cs"/>
+              </a:defRPr>
+            </a:lvl5pPr>
+            <a:lvl6pPr marL="2075688" indent="-246888" algn="l" defTabSz="914400" rtl="0" eaLnBrk="1" latinLnBrk="0" hangingPunct="1">
+              <a:lnSpc>
+                <a:spcPct val="90000"/>
+              </a:lnSpc>
+              <a:spcBef>
+                <a:spcPts val="600"/>
+              </a:spcBef>
+              <a:buFont typeface="Euphemia" pitchFamily="34" charset="0"/>
+              <a:buChar char="–"/>
+              <a:defRPr sz="1800" kern="1200">
+                <a:solidFill>
+                  <a:schemeClr val="lt1"/>
+                </a:solidFill>
+                <a:latin typeface="+mn-lt"/>
+                <a:ea typeface="+mn-ea"/>
+                <a:cs typeface="+mn-cs"/>
+              </a:defRPr>
+            </a:lvl6pPr>
+            <a:lvl7pPr marL="2441448" indent="-246888" algn="l" defTabSz="914400" rtl="0" eaLnBrk="1" latinLnBrk="0" hangingPunct="1">
+              <a:lnSpc>
+                <a:spcPct val="90000"/>
+              </a:lnSpc>
+              <a:spcBef>
+                <a:spcPts val="600"/>
+              </a:spcBef>
+              <a:buFont typeface="Euphemia" pitchFamily="34" charset="0"/>
+              <a:buChar char="›"/>
+              <a:defRPr sz="1800" kern="1200">
+                <a:solidFill>
+                  <a:schemeClr val="lt1"/>
+                </a:solidFill>
+                <a:latin typeface="+mn-lt"/>
+                <a:ea typeface="+mn-ea"/>
+                <a:cs typeface="+mn-cs"/>
+              </a:defRPr>
+            </a:lvl7pPr>
+            <a:lvl8pPr marL="2807208" indent="-246888" algn="l" defTabSz="914400" rtl="0" eaLnBrk="1" latinLnBrk="0" hangingPunct="1">
+              <a:lnSpc>
+                <a:spcPct val="90000"/>
+              </a:lnSpc>
+              <a:spcBef>
+                <a:spcPts val="600"/>
+              </a:spcBef>
+              <a:buFont typeface="Euphemia" pitchFamily="34" charset="0"/>
+              <a:buChar char="–"/>
+              <a:defRPr sz="1800" kern="1200" baseline="0">
+                <a:solidFill>
+                  <a:schemeClr val="lt1"/>
+                </a:solidFill>
+                <a:latin typeface="+mn-lt"/>
+                <a:ea typeface="+mn-ea"/>
+                <a:cs typeface="+mn-cs"/>
+              </a:defRPr>
+            </a:lvl8pPr>
+            <a:lvl9pPr marL="3172968" indent="-246888" algn="l" defTabSz="914400" rtl="0" eaLnBrk="1" latinLnBrk="0" hangingPunct="1">
+              <a:lnSpc>
+                <a:spcPct val="90000"/>
+              </a:lnSpc>
+              <a:spcBef>
+                <a:spcPts val="600"/>
+              </a:spcBef>
+              <a:buFont typeface="Euphemia" pitchFamily="34" charset="0"/>
+              <a:buChar char="›"/>
+              <a:defRPr sz="1800" kern="1200" baseline="0">
+                <a:solidFill>
+                  <a:schemeClr val="lt1"/>
+                </a:solidFill>
+                <a:latin typeface="+mn-lt"/>
+                <a:ea typeface="+mn-ea"/>
+                <a:cs typeface="+mn-cs"/>
+              </a:defRPr>
+            </a:lvl9pPr>
+          </a:lstStyle>
+          <a:p>
+            <a:pPr marL="0" indent="0" algn="ctr">
+              <a:buNone/>
+            </a:pPr>
+            <a:r>
+              <a:rPr lang="en-US" sz="7200" b="1" dirty="0">
+                <a:solidFill>
+                  <a:schemeClr val="tx2">
+                    <a:lumMod val="75000"/>
+                    <a:lumOff val="25000"/>
+                  </a:schemeClr>
+                </a:solidFill>
+                <a:latin typeface="ADLaM Display" panose="02010000000000000000" pitchFamily="2" charset="0"/>
+                <a:ea typeface="ADLaM Display" panose="02010000000000000000" pitchFamily="2" charset="0"/>
+                <a:cs typeface="ADLaM Display" panose="02010000000000000000" pitchFamily="2" charset="0"/>
+              </a:rPr>
+              <a:t>024</a:t>
+            </a:r>
+          </a:p>
+        </p:txBody>
+      </p:sp>
+      <p:sp>
+        <p:nvSpPr>
+          <p:cNvPr id="9" name="Title 12">
+            <a:extLst>
+              <a:ext uri="{FF2B5EF4-FFF2-40B4-BE49-F238E27FC236}">
+                <a16:creationId xmlns:a16="http://schemas.microsoft.com/office/drawing/2014/main" id="{50246150-BB8D-CE43-39F7-67E6B469D5E4}"/>
+              </a:ext>
+            </a:extLst>
+          </p:cNvPr>
+          <p:cNvSpPr txBox="1">
+            <a:spLocks/>
+          </p:cNvSpPr>
+          <p:nvPr/>
+        </p:nvSpPr>
+        <p:spPr>
+          <a:xfrm>
+            <a:off x="1773932" y="1124744"/>
+            <a:ext cx="9782801" cy="843659"/>
+          </a:xfrm>
+          <a:prstGeom prst="rect">
+            <a:avLst/>
+          </a:prstGeom>
+        </p:spPr>
+        <p:txBody>
+          <a:bodyPr vert="horz" lIns="91440" tIns="45720" rIns="91440" bIns="45720" rtlCol="0" anchor="ctr">
+            <a:normAutofit fontScale="67500" lnSpcReduction="20000"/>
+          </a:bodyPr>
+          <a:lstStyle>
+            <a:lvl1pPr algn="l" defTabSz="914400" rtl="0" eaLnBrk="1" latinLnBrk="0" hangingPunct="1">
+              <a:lnSpc>
+                <a:spcPct val="90000"/>
+              </a:lnSpc>
+              <a:spcBef>
+                <a:spcPct val="0"/>
+              </a:spcBef>
+              <a:buNone/>
+              <a:defRPr sz="3600" kern="1200">
+                <a:solidFill>
+                  <a:schemeClr val="tx1">
+                    <a:lumMod val="75000"/>
+                  </a:schemeClr>
+                </a:solidFill>
+                <a:latin typeface="+mj-lt"/>
+                <a:ea typeface="+mj-ea"/>
+                <a:cs typeface="+mj-cs"/>
+              </a:defRPr>
+            </a:lvl1pPr>
+          </a:lstStyle>
+          <a:p>
+            <a:r>
+              <a:rPr lang="en-US" sz="4800" b="1" dirty="0"/>
+              <a:t>Thematic Guides </a:t>
+            </a:r>
+            <a:r>
+              <a:rPr lang="en-US" sz="4800" b="1"/>
+              <a:t>– Config </a:t>
+            </a:r>
+            <a:r>
+              <a:rPr lang="en-US" sz="4800" b="1" dirty="0"/>
+              <a:t>– ManimConfig Class</a:t>
+            </a:r>
+          </a:p>
+        </p:txBody>
+      </p:sp>
+    </p:spTree>
+    <p:extLst>
+      <p:ext uri="{BB962C8B-B14F-4D97-AF65-F5344CB8AC3E}">
+        <p14:creationId xmlns:p14="http://schemas.microsoft.com/office/powerpoint/2010/main" val="2211683012"/>
+      </p:ext>
+    </p:extLst>
+  </p:cSld>
+  <p:clrMapOvr>
+    <a:masterClrMapping/>
+  </p:clrMapOvr>
+  <mc:AlternateContent xmlns:mc="http://schemas.openxmlformats.org/markup-compatibility/2006" xmlns:p14="http://schemas.microsoft.com/office/powerpoint/2010/main">
+    <mc:Choice Requires="p14">
+      <p:transition spd="med" p14:dur="700">
+        <p:fade/>
+      </p:transition>
+    </mc:Choice>
+    <mc:Fallback xmlns="">
+      <p:transition spd="med">
+        <p:fade/>
+      </p:transition>
+    </mc:Fallback>
+  </mc:AlternateContent>
+</p:sld>
+</file>
+
+<file path=ppt/slides/slide25.xml><?xml version="1.0" encoding="utf-8"?>
 <p:sld xmlns:a="http://schemas.openxmlformats.org/drawingml/2006/main" xmlns:r="http://schemas.openxmlformats.org/officeDocument/2006/relationships" xmlns:p="http://schemas.openxmlformats.org/presentationml/2006/main">
   <p:cSld>
     <p:spTree>

--- a/Manim/Learn Manim Library by Practice.pptx
+++ b/Manim/Learn Manim Library by Practice.pptx
@@ -5,10 +5,10 @@
     <p:sldMasterId id="2147483648" r:id="rId1"/>
   </p:sldMasterIdLst>
   <p:notesMasterIdLst>
-    <p:notesMasterId r:id="rId27"/>
+    <p:notesMasterId r:id="rId28"/>
   </p:notesMasterIdLst>
   <p:handoutMasterIdLst>
-    <p:handoutMasterId r:id="rId28"/>
+    <p:handoutMasterId r:id="rId29"/>
   </p:handoutMasterIdLst>
   <p:sldIdLst>
     <p:sldId id="256" r:id="rId2"/>
@@ -31,11 +31,12 @@
     <p:sldId id="283" r:id="rId19"/>
     <p:sldId id="284" r:id="rId20"/>
     <p:sldId id="285" r:id="rId21"/>
-    <p:sldId id="286" r:id="rId22"/>
-    <p:sldId id="287" r:id="rId23"/>
-    <p:sldId id="289" r:id="rId24"/>
-    <p:sldId id="290" r:id="rId25"/>
-    <p:sldId id="272" r:id="rId26"/>
+    <p:sldId id="291" r:id="rId22"/>
+    <p:sldId id="286" r:id="rId23"/>
+    <p:sldId id="287" r:id="rId24"/>
+    <p:sldId id="289" r:id="rId25"/>
+    <p:sldId id="290" r:id="rId26"/>
+    <p:sldId id="272" r:id="rId27"/>
   </p:sldIdLst>
   <p:sldSz cx="12188825" cy="6858000"/>
   <p:notesSz cx="6858000" cy="9144000"/>
@@ -175,6 +176,7 @@
             <p14:sldId id="283"/>
             <p14:sldId id="284"/>
             <p14:sldId id="285"/>
+            <p14:sldId id="291"/>
             <p14:sldId id="286"/>
             <p14:sldId id="287"/>
             <p14:sldId id="289"/>
@@ -13874,6 +13876,79 @@
           </a:effectLst>
         </p:spPr>
       </p:pic>
+      <p:sp>
+        <p:nvSpPr>
+          <p:cNvPr id="2" name="Title 12">
+            <a:extLst>
+              <a:ext uri="{FF2B5EF4-FFF2-40B4-BE49-F238E27FC236}">
+                <a16:creationId xmlns:a16="http://schemas.microsoft.com/office/drawing/2014/main" id="{58A86E17-C74D-1B3B-6741-87F1EE50DF4D}"/>
+              </a:ext>
+            </a:extLst>
+          </p:cNvPr>
+          <p:cNvSpPr txBox="1">
+            <a:spLocks/>
+          </p:cNvSpPr>
+          <p:nvPr/>
+        </p:nvSpPr>
+        <p:spPr>
+          <a:xfrm>
+            <a:off x="2200612" y="5373216"/>
+            <a:ext cx="4960168" cy="843659"/>
+          </a:xfrm>
+          <a:prstGeom prst="rect">
+            <a:avLst/>
+          </a:prstGeom>
+        </p:spPr>
+        <p:txBody>
+          <a:bodyPr vert="horz" lIns="91440" tIns="45720" rIns="91440" bIns="45720" rtlCol="0" anchor="ctr">
+            <a:normAutofit fontScale="97500"/>
+          </a:bodyPr>
+          <a:lstStyle>
+            <a:lvl1pPr algn="l" defTabSz="914400" rtl="0" eaLnBrk="1" latinLnBrk="0" hangingPunct="1">
+              <a:lnSpc>
+                <a:spcPct val="90000"/>
+              </a:lnSpc>
+              <a:spcBef>
+                <a:spcPct val="0"/>
+              </a:spcBef>
+              <a:buNone/>
+              <a:defRPr sz="3600" kern="1200">
+                <a:solidFill>
+                  <a:schemeClr val="tx1">
+                    <a:lumMod val="75000"/>
+                  </a:schemeClr>
+                </a:solidFill>
+                <a:latin typeface="+mj-lt"/>
+                <a:ea typeface="+mj-ea"/>
+                <a:cs typeface="+mj-cs"/>
+              </a:defRPr>
+            </a:lvl1pPr>
+          </a:lstStyle>
+          <a:p>
+            <a:r>
+              <a:rPr lang="en-US" sz="4800" b="1" dirty="0">
+                <a:solidFill>
+                  <a:srgbClr val="FF0000"/>
+                </a:solidFill>
+              </a:rPr>
+              <a:t>Missing </a:t>
+            </a:r>
+            <a:r>
+              <a:rPr lang="en-US" sz="4800" b="1" dirty="0" err="1">
+                <a:solidFill>
+                  <a:srgbClr val="FF0000"/>
+                </a:solidFill>
+              </a:rPr>
+              <a:t>LaTex</a:t>
+            </a:r>
+            <a:endParaRPr lang="en-US" sz="4800" b="1" dirty="0">
+              <a:solidFill>
+                <a:srgbClr val="FF0000"/>
+              </a:solidFill>
+            </a:endParaRPr>
+          </a:p>
+        </p:txBody>
+      </p:sp>
     </p:spTree>
     <p:extLst>
       <p:ext uri="{BB962C8B-B14F-4D97-AF65-F5344CB8AC3E}">
@@ -14278,7 +14353,7 @@
         </p:spPr>
         <p:txBody>
           <a:bodyPr vert="horz" lIns="91440" tIns="45720" rIns="91440" bIns="45720" rtlCol="0" anchor="ctr">
-            <a:normAutofit fontScale="67500" lnSpcReduction="20000"/>
+            <a:normAutofit fontScale="82500" lnSpcReduction="10000"/>
           </a:bodyPr>
           <a:lstStyle>
             <a:lvl1pPr algn="l" defTabSz="914400" rtl="0" eaLnBrk="1" latinLnBrk="0" hangingPunct="1">
@@ -14304,17 +14379,17 @@
           <a:p>
             <a:r>
               <a:rPr lang="en-US" sz="4800" b="1" dirty="0"/>
-              <a:t>Building Block – Animations – Use Coordinates</a:t>
+              <a:t>Building Block – Animations – Customize</a:t>
             </a:r>
           </a:p>
         </p:txBody>
       </p:sp>
       <p:pic>
         <p:nvPicPr>
-          <p:cNvPr id="3" name="Picture 2">
+          <p:cNvPr id="7" name="Picture 6">
             <a:extLst>
               <a:ext uri="{FF2B5EF4-FFF2-40B4-BE49-F238E27FC236}">
-                <a16:creationId xmlns:a16="http://schemas.microsoft.com/office/drawing/2014/main" id="{E01C18E0-32D8-C736-877B-EDDFCAD8637B}"/>
+                <a16:creationId xmlns:a16="http://schemas.microsoft.com/office/drawing/2014/main" id="{A48BAD80-BDB7-927A-407A-721693CF3C5B}"/>
               </a:ext>
             </a:extLst>
           </p:cNvPr>
@@ -14331,8 +14406,8 @@
         </p:blipFill>
         <p:spPr>
           <a:xfrm>
-            <a:off x="1933928" y="1922983"/>
-            <a:ext cx="9622805" cy="4667677"/>
+            <a:off x="2022282" y="1968403"/>
+            <a:ext cx="9550797" cy="4737743"/>
           </a:xfrm>
           <a:prstGeom prst="rect">
             <a:avLst/>
@@ -14351,10 +14426,10 @@
       </p:pic>
       <p:pic>
         <p:nvPicPr>
-          <p:cNvPr id="11" name="Picture 10">
+          <p:cNvPr id="10" name="Picture 9">
             <a:extLst>
               <a:ext uri="{FF2B5EF4-FFF2-40B4-BE49-F238E27FC236}">
-                <a16:creationId xmlns:a16="http://schemas.microsoft.com/office/drawing/2014/main" id="{5C17102A-3D8C-F7C0-5946-585F99669F00}"/>
+                <a16:creationId xmlns:a16="http://schemas.microsoft.com/office/drawing/2014/main" id="{517EA3D4-3751-CD11-BAB9-6DE897868DFE}"/>
               </a:ext>
             </a:extLst>
           </p:cNvPr>
@@ -14371,8 +14446,8 @@
         </p:blipFill>
         <p:spPr>
           <a:xfrm>
-            <a:off x="9118748" y="1879432"/>
-            <a:ext cx="2954631" cy="1774418"/>
+            <a:off x="9118748" y="1844824"/>
+            <a:ext cx="2934949" cy="1788612"/>
           </a:xfrm>
           <a:prstGeom prst="rect">
             <a:avLst/>
@@ -14389,10 +14464,70 @@
           </a:effectLst>
         </p:spPr>
       </p:pic>
+      <p:sp>
+        <p:nvSpPr>
+          <p:cNvPr id="2" name="Title 12">
+            <a:extLst>
+              <a:ext uri="{FF2B5EF4-FFF2-40B4-BE49-F238E27FC236}">
+                <a16:creationId xmlns:a16="http://schemas.microsoft.com/office/drawing/2014/main" id="{58A86E17-C74D-1B3B-6741-87F1EE50DF4D}"/>
+              </a:ext>
+            </a:extLst>
+          </p:cNvPr>
+          <p:cNvSpPr txBox="1">
+            <a:spLocks/>
+          </p:cNvSpPr>
+          <p:nvPr/>
+        </p:nvSpPr>
+        <p:spPr>
+          <a:xfrm>
+            <a:off x="2200612" y="5373216"/>
+            <a:ext cx="4960168" cy="843659"/>
+          </a:xfrm>
+          <a:prstGeom prst="rect">
+            <a:avLst/>
+          </a:prstGeom>
+        </p:spPr>
+        <p:txBody>
+          <a:bodyPr vert="horz" lIns="91440" tIns="45720" rIns="91440" bIns="45720" rtlCol="0" anchor="ctr">
+            <a:normAutofit fontScale="97500"/>
+          </a:bodyPr>
+          <a:lstStyle>
+            <a:lvl1pPr algn="l" defTabSz="914400" rtl="0" eaLnBrk="1" latinLnBrk="0" hangingPunct="1">
+              <a:lnSpc>
+                <a:spcPct val="90000"/>
+              </a:lnSpc>
+              <a:spcBef>
+                <a:spcPct val="0"/>
+              </a:spcBef>
+              <a:buNone/>
+              <a:defRPr sz="3600" kern="1200">
+                <a:solidFill>
+                  <a:schemeClr val="tx1">
+                    <a:lumMod val="75000"/>
+                  </a:schemeClr>
+                </a:solidFill>
+                <a:latin typeface="+mj-lt"/>
+                <a:ea typeface="+mj-ea"/>
+                <a:cs typeface="+mj-cs"/>
+              </a:defRPr>
+            </a:lvl1pPr>
+          </a:lstStyle>
+          <a:p>
+            <a:r>
+              <a:rPr lang="en-US" sz="4800" b="1" dirty="0">
+                <a:solidFill>
+                  <a:srgbClr val="FF0000"/>
+                </a:solidFill>
+              </a:rPr>
+              <a:t>Continue…</a:t>
+            </a:r>
+          </a:p>
+        </p:txBody>
+      </p:sp>
     </p:spTree>
     <p:extLst>
       <p:ext uri="{BB962C8B-B14F-4D97-AF65-F5344CB8AC3E}">
-        <p14:creationId xmlns:p14="http://schemas.microsoft.com/office/powerpoint/2010/main" val="3107085412"/>
+        <p14:creationId xmlns:p14="http://schemas.microsoft.com/office/powerpoint/2010/main" val="3110859572"/>
       </p:ext>
     </p:extLst>
   </p:cSld>
@@ -14793,7 +14928,7 @@
         </p:spPr>
         <p:txBody>
           <a:bodyPr vert="horz" lIns="91440" tIns="45720" rIns="91440" bIns="45720" rtlCol="0" anchor="ctr">
-            <a:normAutofit fontScale="75000" lnSpcReduction="20000"/>
+            <a:normAutofit fontScale="67500" lnSpcReduction="20000"/>
           </a:bodyPr>
           <a:lstStyle>
             <a:lvl1pPr algn="l" defTabSz="914400" rtl="0" eaLnBrk="1" latinLnBrk="0" hangingPunct="1">
@@ -14819,17 +14954,17 @@
           <a:p>
             <a:r>
               <a:rPr lang="en-US" sz="4800" b="1" dirty="0"/>
-              <a:t>Building Block – Animations – Transforming</a:t>
+              <a:t>Building Block – Animations – Use Coordinates</a:t>
             </a:r>
           </a:p>
         </p:txBody>
       </p:sp>
       <p:pic>
         <p:nvPicPr>
-          <p:cNvPr id="7" name="Picture 6">
+          <p:cNvPr id="3" name="Picture 2">
             <a:extLst>
               <a:ext uri="{FF2B5EF4-FFF2-40B4-BE49-F238E27FC236}">
-                <a16:creationId xmlns:a16="http://schemas.microsoft.com/office/drawing/2014/main" id="{569A72DE-C53B-BA8C-AF78-DBFB3EF13B63}"/>
+                <a16:creationId xmlns:a16="http://schemas.microsoft.com/office/drawing/2014/main" id="{E01C18E0-32D8-C736-877B-EDDFCAD8637B}"/>
               </a:ext>
             </a:extLst>
           </p:cNvPr>
@@ -14846,8 +14981,8 @@
         </p:blipFill>
         <p:spPr>
           <a:xfrm>
-            <a:off x="1977620" y="1844825"/>
-            <a:ext cx="9824894" cy="4824536"/>
+            <a:off x="1933928" y="1922983"/>
+            <a:ext cx="9622805" cy="4667677"/>
           </a:xfrm>
           <a:prstGeom prst="rect">
             <a:avLst/>
@@ -14866,10 +15001,10 @@
       </p:pic>
       <p:pic>
         <p:nvPicPr>
-          <p:cNvPr id="10" name="Picture 9">
+          <p:cNvPr id="11" name="Picture 10">
             <a:extLst>
               <a:ext uri="{FF2B5EF4-FFF2-40B4-BE49-F238E27FC236}">
-                <a16:creationId xmlns:a16="http://schemas.microsoft.com/office/drawing/2014/main" id="{B9E3255F-CDF1-58AD-7BBA-776B5B092324}"/>
+                <a16:creationId xmlns:a16="http://schemas.microsoft.com/office/drawing/2014/main" id="{5C17102A-3D8C-F7C0-5946-585F99669F00}"/>
               </a:ext>
             </a:extLst>
           </p:cNvPr>
@@ -14886,8 +15021,8 @@
         </p:blipFill>
         <p:spPr>
           <a:xfrm>
-            <a:off x="9259379" y="1968403"/>
-            <a:ext cx="2746823" cy="1675638"/>
+            <a:off x="9118748" y="1879432"/>
+            <a:ext cx="2954631" cy="1774418"/>
           </a:xfrm>
           <a:prstGeom prst="rect">
             <a:avLst/>
@@ -14907,7 +15042,7 @@
     </p:spTree>
     <p:extLst>
       <p:ext uri="{BB962C8B-B14F-4D97-AF65-F5344CB8AC3E}">
-        <p14:creationId xmlns:p14="http://schemas.microsoft.com/office/powerpoint/2010/main" val="80183563"/>
+        <p14:creationId xmlns:p14="http://schemas.microsoft.com/office/powerpoint/2010/main" val="3107085412"/>
       </p:ext>
     </p:extLst>
   </p:cSld>
@@ -15300,7 +15435,7 @@
         <p:spPr>
           <a:xfrm>
             <a:off x="1773932" y="1124744"/>
-            <a:ext cx="9782801" cy="1212025"/>
+            <a:ext cx="9782801" cy="843659"/>
           </a:xfrm>
           <a:prstGeom prst="rect">
             <a:avLst/>
@@ -15308,7 +15443,7 @@
         </p:spPr>
         <p:txBody>
           <a:bodyPr vert="horz" lIns="91440" tIns="45720" rIns="91440" bIns="45720" rtlCol="0" anchor="ctr">
-            <a:normAutofit fontScale="67500" lnSpcReduction="20000"/>
+            <a:normAutofit fontScale="75000" lnSpcReduction="20000"/>
           </a:bodyPr>
           <a:lstStyle>
             <a:lvl1pPr algn="l" defTabSz="914400" rtl="0" eaLnBrk="1" latinLnBrk="0" hangingPunct="1">
@@ -15332,39 +15467,19 @@
             </a:lvl1pPr>
           </a:lstStyle>
           <a:p>
-            <a:pPr>
-              <a:lnSpc>
-                <a:spcPct val="120000"/>
-              </a:lnSpc>
-            </a:pPr>
             <a:r>
               <a:rPr lang="en-US" sz="4800" b="1" dirty="0"/>
-              <a:t>Building Block – </a:t>
-            </a:r>
-            <a:r>
-              <a:rPr lang="en-US" altLang="zh-CN" sz="4800" b="1" dirty="0"/>
-              <a:t>Scenes</a:t>
-            </a:r>
-          </a:p>
-          <a:p>
-            <a:pPr>
-              <a:lnSpc>
-                <a:spcPct val="120000"/>
-              </a:lnSpc>
-            </a:pPr>
-            <a:r>
-              <a:rPr lang="en-US" sz="4800" b="1" dirty="0"/>
-              <a:t>Thematic Guides – Configuration – CL Arguments</a:t>
+              <a:t>Building Block – Animations – Transforming</a:t>
             </a:r>
           </a:p>
         </p:txBody>
       </p:sp>
       <p:pic>
         <p:nvPicPr>
-          <p:cNvPr id="3" name="Picture 2">
+          <p:cNvPr id="7" name="Picture 6">
             <a:extLst>
               <a:ext uri="{FF2B5EF4-FFF2-40B4-BE49-F238E27FC236}">
-                <a16:creationId xmlns:a16="http://schemas.microsoft.com/office/drawing/2014/main" id="{23BB5DFD-72D9-287D-836B-C9E30FD999E4}"/>
+                <a16:creationId xmlns:a16="http://schemas.microsoft.com/office/drawing/2014/main" id="{569A72DE-C53B-BA8C-AF78-DBFB3EF13B63}"/>
               </a:ext>
             </a:extLst>
           </p:cNvPr>
@@ -15381,8 +15496,8 @@
         </p:blipFill>
         <p:spPr>
           <a:xfrm>
-            <a:off x="2061964" y="2408777"/>
-            <a:ext cx="5956183" cy="4188574"/>
+            <a:off x="1977620" y="1844825"/>
+            <a:ext cx="9824894" cy="4824536"/>
           </a:xfrm>
           <a:prstGeom prst="rect">
             <a:avLst/>
@@ -15399,23 +15514,63 @@
           </a:effectLst>
         </p:spPr>
       </p:pic>
+      <p:pic>
+        <p:nvPicPr>
+          <p:cNvPr id="10" name="Picture 9">
+            <a:extLst>
+              <a:ext uri="{FF2B5EF4-FFF2-40B4-BE49-F238E27FC236}">
+                <a16:creationId xmlns:a16="http://schemas.microsoft.com/office/drawing/2014/main" id="{B9E3255F-CDF1-58AD-7BBA-776B5B092324}"/>
+              </a:ext>
+            </a:extLst>
+          </p:cNvPr>
+          <p:cNvPicPr>
+            <a:picLocks noChangeAspect="1"/>
+          </p:cNvPicPr>
+          <p:nvPr/>
+        </p:nvPicPr>
+        <p:blipFill>
+          <a:blip r:embed="rId5"/>
+          <a:stretch>
+            <a:fillRect/>
+          </a:stretch>
+        </p:blipFill>
+        <p:spPr>
+          <a:xfrm>
+            <a:off x="9259379" y="1968403"/>
+            <a:ext cx="2746823" cy="1675638"/>
+          </a:xfrm>
+          <a:prstGeom prst="rect">
+            <a:avLst/>
+          </a:prstGeom>
+          <a:ln>
+            <a:noFill/>
+          </a:ln>
+          <a:effectLst>
+            <a:outerShdw blurRad="292100" dist="139700" dir="2700000" algn="tl" rotWithShape="0">
+              <a:srgbClr val="333333">
+                <a:alpha val="65000"/>
+              </a:srgbClr>
+            </a:outerShdw>
+          </a:effectLst>
+        </p:spPr>
+      </p:pic>
     </p:spTree>
     <p:extLst>
       <p:ext uri="{BB962C8B-B14F-4D97-AF65-F5344CB8AC3E}">
-        <p14:creationId xmlns:p14="http://schemas.microsoft.com/office/powerpoint/2010/main" val="2087370400"/>
+        <p14:creationId xmlns:p14="http://schemas.microsoft.com/office/powerpoint/2010/main" val="80183563"/>
       </p:ext>
     </p:extLst>
   </p:cSld>
   <p:clrMapOvr>
     <a:masterClrMapping/>
   </p:clrMapOvr>
-  <mc:AlternateContent xmlns:mc="http://schemas.openxmlformats.org/markup-compatibility/2006">
-    <mc:Choice xmlns:p14="http://schemas.microsoft.com/office/powerpoint/2010/main" Requires="p14">
+  <mc:AlternateContent xmlns:mc="http://schemas.openxmlformats.org/markup-compatibility/2006" xmlns:p14="http://schemas.microsoft.com/office/powerpoint/2010/main">
+    <mc:Choice Requires="p14">
       <p:transition spd="med" p14:dur="700">
         <p:fade/>
       </p:transition>
     </mc:Choice>
-    <mc:Fallback>
+    <mc:Fallback xmlns="">
       <p:transition spd="med">
         <p:fade/>
       </p:transition>
@@ -15795,7 +15950,7 @@
         <p:spPr>
           <a:xfrm>
             <a:off x="1773932" y="1124744"/>
-            <a:ext cx="9782801" cy="843659"/>
+            <a:ext cx="9782801" cy="1212025"/>
           </a:xfrm>
           <a:prstGeom prst="rect">
             <a:avLst/>
@@ -15827,17 +15982,504 @@
             </a:lvl1pPr>
           </a:lstStyle>
           <a:p>
+            <a:pPr>
+              <a:lnSpc>
+                <a:spcPct val="120000"/>
+              </a:lnSpc>
+            </a:pPr>
             <a:r>
               <a:rPr lang="en-US" sz="4800" b="1" dirty="0"/>
-              <a:t>Thematic Guides </a:t>
+              <a:t>Building Block – </a:t>
             </a:r>
             <a:r>
-              <a:rPr lang="en-US" sz="4800" b="1"/>
-              <a:t>– Config </a:t>
+              <a:rPr lang="en-US" altLang="zh-CN" sz="4800" b="1" dirty="0"/>
+              <a:t>Scenes</a:t>
             </a:r>
+          </a:p>
+          <a:p>
+            <a:pPr>
+              <a:lnSpc>
+                <a:spcPct val="120000"/>
+              </a:lnSpc>
+            </a:pPr>
             <a:r>
               <a:rPr lang="en-US" sz="4800" b="1" dirty="0"/>
-              <a:t>– ManimConfig Class</a:t>
+              <a:t>Thematic Guides – Configuration – CL Arguments</a:t>
+            </a:r>
+          </a:p>
+        </p:txBody>
+      </p:sp>
+      <p:pic>
+        <p:nvPicPr>
+          <p:cNvPr id="3" name="Picture 2">
+            <a:extLst>
+              <a:ext uri="{FF2B5EF4-FFF2-40B4-BE49-F238E27FC236}">
+                <a16:creationId xmlns:a16="http://schemas.microsoft.com/office/drawing/2014/main" id="{23BB5DFD-72D9-287D-836B-C9E30FD999E4}"/>
+              </a:ext>
+            </a:extLst>
+          </p:cNvPr>
+          <p:cNvPicPr>
+            <a:picLocks noChangeAspect="1"/>
+          </p:cNvPicPr>
+          <p:nvPr/>
+        </p:nvPicPr>
+        <p:blipFill>
+          <a:blip r:embed="rId4"/>
+          <a:stretch>
+            <a:fillRect/>
+          </a:stretch>
+        </p:blipFill>
+        <p:spPr>
+          <a:xfrm>
+            <a:off x="2061964" y="2408777"/>
+            <a:ext cx="5956183" cy="4188574"/>
+          </a:xfrm>
+          <a:prstGeom prst="rect">
+            <a:avLst/>
+          </a:prstGeom>
+          <a:ln>
+            <a:noFill/>
+          </a:ln>
+          <a:effectLst>
+            <a:outerShdw blurRad="292100" dist="139700" dir="2700000" algn="tl" rotWithShape="0">
+              <a:srgbClr val="333333">
+                <a:alpha val="65000"/>
+              </a:srgbClr>
+            </a:outerShdw>
+          </a:effectLst>
+        </p:spPr>
+      </p:pic>
+    </p:spTree>
+    <p:extLst>
+      <p:ext uri="{BB962C8B-B14F-4D97-AF65-F5344CB8AC3E}">
+        <p14:creationId xmlns:p14="http://schemas.microsoft.com/office/powerpoint/2010/main" val="2087370400"/>
+      </p:ext>
+    </p:extLst>
+  </p:cSld>
+  <p:clrMapOvr>
+    <a:masterClrMapping/>
+  </p:clrMapOvr>
+  <mc:AlternateContent xmlns:mc="http://schemas.openxmlformats.org/markup-compatibility/2006">
+    <mc:Choice xmlns:p14="http://schemas.microsoft.com/office/powerpoint/2010/main" Requires="p14">
+      <p:transition spd="med" p14:dur="700">
+        <p:fade/>
+      </p:transition>
+    </mc:Choice>
+    <mc:Fallback>
+      <p:transition spd="med">
+        <p:fade/>
+      </p:transition>
+    </mc:Fallback>
+  </mc:AlternateContent>
+</p:sld>
+</file>
+
+<file path=ppt/slides/slide25.xml><?xml version="1.0" encoding="utf-8"?>
+<p:sld xmlns:a="http://schemas.openxmlformats.org/drawingml/2006/main" xmlns:r="http://schemas.openxmlformats.org/officeDocument/2006/relationships" xmlns:p="http://schemas.openxmlformats.org/presentationml/2006/main">
+  <p:cSld>
+    <p:spTree>
+      <p:nvGrpSpPr>
+        <p:cNvPr id="1" name="">
+          <a:extLst>
+            <a:ext uri="{FF2B5EF4-FFF2-40B4-BE49-F238E27FC236}">
+              <a16:creationId xmlns:a16="http://schemas.microsoft.com/office/drawing/2014/main" id="{78C68C2E-30E7-7D63-B3F3-290E1E267A4A}"/>
+            </a:ext>
+          </a:extLst>
+        </p:cNvPr>
+        <p:cNvGrpSpPr/>
+        <p:nvPr/>
+      </p:nvGrpSpPr>
+      <p:grpSpPr>
+        <a:xfrm>
+          <a:off x="0" y="0"/>
+          <a:ext cx="0" cy="0"/>
+          <a:chOff x="0" y="0"/>
+          <a:chExt cx="0" cy="0"/>
+        </a:xfrm>
+      </p:grpSpPr>
+      <p:sp>
+        <p:nvSpPr>
+          <p:cNvPr id="13" name="Title 12">
+            <a:extLst>
+              <a:ext uri="{FF2B5EF4-FFF2-40B4-BE49-F238E27FC236}">
+                <a16:creationId xmlns:a16="http://schemas.microsoft.com/office/drawing/2014/main" id="{7C72D042-D029-DEF5-9853-EE3DFA739656}"/>
+              </a:ext>
+            </a:extLst>
+          </p:cNvPr>
+          <p:cNvSpPr>
+            <a:spLocks noGrp="1"/>
+          </p:cNvSpPr>
+          <p:nvPr>
+            <p:ph type="title"/>
+          </p:nvPr>
+        </p:nvSpPr>
+        <p:spPr>
+          <a:xfrm>
+            <a:off x="1593436" y="260649"/>
+            <a:ext cx="6174521" cy="864096"/>
+          </a:xfrm>
+        </p:spPr>
+        <p:txBody>
+          <a:bodyPr anchor="ctr">
+            <a:normAutofit fontScale="90000"/>
+          </a:bodyPr>
+          <a:lstStyle/>
+          <a:p>
+            <a:r>
+              <a:rPr lang="en-US" sz="6000" b="1" dirty="0">
+                <a:latin typeface="ADLaM Display" panose="02010000000000000000" pitchFamily="2" charset="0"/>
+                <a:ea typeface="ADLaM Display" panose="02010000000000000000" pitchFamily="2" charset="0"/>
+                <a:cs typeface="ADLaM Display" panose="02010000000000000000" pitchFamily="2" charset="0"/>
+              </a:rPr>
+              <a:t>Learning Manim</a:t>
+            </a:r>
+          </a:p>
+        </p:txBody>
+      </p:sp>
+      <p:pic>
+        <p:nvPicPr>
+          <p:cNvPr id="4" name="Picture 3">
+            <a:extLst>
+              <a:ext uri="{FF2B5EF4-FFF2-40B4-BE49-F238E27FC236}">
+                <a16:creationId xmlns:a16="http://schemas.microsoft.com/office/drawing/2014/main" id="{3C32646F-1CC1-DDA1-7D43-E996D3910E20}"/>
+              </a:ext>
+            </a:extLst>
+          </p:cNvPr>
+          <p:cNvPicPr>
+            <a:picLocks noChangeAspect="1"/>
+          </p:cNvPicPr>
+          <p:nvPr/>
+        </p:nvPicPr>
+        <p:blipFill>
+          <a:blip r:embed="rId2"/>
+          <a:stretch>
+            <a:fillRect/>
+          </a:stretch>
+        </p:blipFill>
+        <p:spPr>
+          <a:xfrm>
+            <a:off x="7767957" y="83058"/>
+            <a:ext cx="4420868" cy="1512168"/>
+          </a:xfrm>
+          <a:prstGeom prst="rect">
+            <a:avLst/>
+          </a:prstGeom>
+        </p:spPr>
+      </p:pic>
+      <p:pic>
+        <p:nvPicPr>
+          <p:cNvPr id="5" name="Picture 4">
+            <a:extLst>
+              <a:ext uri="{FF2B5EF4-FFF2-40B4-BE49-F238E27FC236}">
+                <a16:creationId xmlns:a16="http://schemas.microsoft.com/office/drawing/2014/main" id="{FCFC817F-A1ED-091F-1006-23FE40FB5410}"/>
+              </a:ext>
+            </a:extLst>
+          </p:cNvPr>
+          <p:cNvPicPr>
+            <a:picLocks noChangeAspect="1"/>
+          </p:cNvPicPr>
+          <p:nvPr/>
+        </p:nvPicPr>
+        <p:blipFill>
+          <a:blip r:embed="rId3"/>
+          <a:stretch>
+            <a:fillRect/>
+          </a:stretch>
+        </p:blipFill>
+        <p:spPr>
+          <a:xfrm>
+            <a:off x="20044" y="2636912"/>
+            <a:ext cx="1152128" cy="1180931"/>
+          </a:xfrm>
+          <a:prstGeom prst="rect">
+            <a:avLst/>
+          </a:prstGeom>
+          <a:ln>
+            <a:noFill/>
+          </a:ln>
+          <a:effectLst>
+            <a:softEdge rad="112500"/>
+          </a:effectLst>
+        </p:spPr>
+      </p:pic>
+      <p:sp>
+        <p:nvSpPr>
+          <p:cNvPr id="6" name="Subtitle 2">
+            <a:extLst>
+              <a:ext uri="{FF2B5EF4-FFF2-40B4-BE49-F238E27FC236}">
+                <a16:creationId xmlns:a16="http://schemas.microsoft.com/office/drawing/2014/main" id="{48644B54-CA66-2BFE-7881-DD62AE16FF49}"/>
+              </a:ext>
+            </a:extLst>
+          </p:cNvPr>
+          <p:cNvSpPr txBox="1">
+            <a:spLocks/>
+          </p:cNvSpPr>
+          <p:nvPr/>
+        </p:nvSpPr>
+        <p:spPr>
+          <a:xfrm>
+            <a:off x="-1022" y="1484784"/>
+            <a:ext cx="1774954" cy="1080120"/>
+          </a:xfrm>
+          <a:prstGeom prst="rect">
+            <a:avLst/>
+          </a:prstGeom>
+        </p:spPr>
+        <p:style>
+          <a:lnRef idx="0">
+            <a:schemeClr val="accent2"/>
+          </a:lnRef>
+          <a:fillRef idx="3">
+            <a:schemeClr val="accent2"/>
+          </a:fillRef>
+          <a:effectRef idx="3">
+            <a:schemeClr val="accent2"/>
+          </a:effectRef>
+          <a:fontRef idx="minor">
+            <a:schemeClr val="lt1"/>
+          </a:fontRef>
+        </p:style>
+        <p:txBody>
+          <a:bodyPr vert="horz" lIns="91440" tIns="45720" rIns="91440" bIns="45720" rtlCol="0" anchor="ctr">
+            <a:normAutofit/>
+          </a:bodyPr>
+          <a:lstStyle>
+            <a:lvl1pPr marL="246888" indent="-246888" algn="l" defTabSz="914400" rtl="0" eaLnBrk="1" latinLnBrk="0" hangingPunct="1">
+              <a:lnSpc>
+                <a:spcPct val="90000"/>
+              </a:lnSpc>
+              <a:spcBef>
+                <a:spcPts val="1400"/>
+              </a:spcBef>
+              <a:buFont typeface="Euphemia" pitchFamily="34" charset="0"/>
+              <a:buChar char="›"/>
+              <a:defRPr sz="2800" kern="1200">
+                <a:solidFill>
+                  <a:schemeClr val="lt1"/>
+                </a:solidFill>
+                <a:latin typeface="+mn-lt"/>
+                <a:ea typeface="+mn-ea"/>
+                <a:cs typeface="+mn-cs"/>
+              </a:defRPr>
+            </a:lvl1pPr>
+            <a:lvl2pPr marL="612648" indent="-246888" algn="l" defTabSz="914400" rtl="0" eaLnBrk="1" latinLnBrk="0" hangingPunct="1">
+              <a:lnSpc>
+                <a:spcPct val="90000"/>
+              </a:lnSpc>
+              <a:spcBef>
+                <a:spcPts val="600"/>
+              </a:spcBef>
+              <a:buFont typeface="Euphemia" pitchFamily="34" charset="0"/>
+              <a:buChar char="–"/>
+              <a:defRPr sz="2400" kern="1200">
+                <a:solidFill>
+                  <a:schemeClr val="lt1"/>
+                </a:solidFill>
+                <a:latin typeface="+mn-lt"/>
+                <a:ea typeface="+mn-ea"/>
+                <a:cs typeface="+mn-cs"/>
+              </a:defRPr>
+            </a:lvl2pPr>
+            <a:lvl3pPr marL="978408" indent="-246888" algn="l" defTabSz="914400" rtl="0" eaLnBrk="1" latinLnBrk="0" hangingPunct="1">
+              <a:lnSpc>
+                <a:spcPct val="90000"/>
+              </a:lnSpc>
+              <a:spcBef>
+                <a:spcPts val="600"/>
+              </a:spcBef>
+              <a:buFont typeface="Euphemia" pitchFamily="34" charset="0"/>
+              <a:buChar char="›"/>
+              <a:defRPr sz="2000" kern="1200">
+                <a:solidFill>
+                  <a:schemeClr val="lt1"/>
+                </a:solidFill>
+                <a:latin typeface="+mn-lt"/>
+                <a:ea typeface="+mn-ea"/>
+                <a:cs typeface="+mn-cs"/>
+              </a:defRPr>
+            </a:lvl3pPr>
+            <a:lvl4pPr marL="1344168" indent="-246888" algn="l" defTabSz="914400" rtl="0" eaLnBrk="1" latinLnBrk="0" hangingPunct="1">
+              <a:lnSpc>
+                <a:spcPct val="90000"/>
+              </a:lnSpc>
+              <a:spcBef>
+                <a:spcPts val="600"/>
+              </a:spcBef>
+              <a:buFont typeface="Arial" pitchFamily="34" charset="0"/>
+              <a:buChar char="–"/>
+              <a:defRPr sz="1800" kern="1200">
+                <a:solidFill>
+                  <a:schemeClr val="lt1"/>
+                </a:solidFill>
+                <a:latin typeface="+mn-lt"/>
+                <a:ea typeface="+mn-ea"/>
+                <a:cs typeface="+mn-cs"/>
+              </a:defRPr>
+            </a:lvl4pPr>
+            <a:lvl5pPr marL="1709928" indent="-246888" algn="l" defTabSz="914400" rtl="0" eaLnBrk="1" latinLnBrk="0" hangingPunct="1">
+              <a:lnSpc>
+                <a:spcPct val="90000"/>
+              </a:lnSpc>
+              <a:spcBef>
+                <a:spcPts val="600"/>
+              </a:spcBef>
+              <a:buFont typeface="Euphemia" pitchFamily="34" charset="0"/>
+              <a:buChar char="›"/>
+              <a:defRPr sz="1800" kern="1200">
+                <a:solidFill>
+                  <a:schemeClr val="lt1"/>
+                </a:solidFill>
+                <a:latin typeface="+mn-lt"/>
+                <a:ea typeface="+mn-ea"/>
+                <a:cs typeface="+mn-cs"/>
+              </a:defRPr>
+            </a:lvl5pPr>
+            <a:lvl6pPr marL="2075688" indent="-246888" algn="l" defTabSz="914400" rtl="0" eaLnBrk="1" latinLnBrk="0" hangingPunct="1">
+              <a:lnSpc>
+                <a:spcPct val="90000"/>
+              </a:lnSpc>
+              <a:spcBef>
+                <a:spcPts val="600"/>
+              </a:spcBef>
+              <a:buFont typeface="Euphemia" pitchFamily="34" charset="0"/>
+              <a:buChar char="–"/>
+              <a:defRPr sz="1800" kern="1200">
+                <a:solidFill>
+                  <a:schemeClr val="lt1"/>
+                </a:solidFill>
+                <a:latin typeface="+mn-lt"/>
+                <a:ea typeface="+mn-ea"/>
+                <a:cs typeface="+mn-cs"/>
+              </a:defRPr>
+            </a:lvl6pPr>
+            <a:lvl7pPr marL="2441448" indent="-246888" algn="l" defTabSz="914400" rtl="0" eaLnBrk="1" latinLnBrk="0" hangingPunct="1">
+              <a:lnSpc>
+                <a:spcPct val="90000"/>
+              </a:lnSpc>
+              <a:spcBef>
+                <a:spcPts val="600"/>
+              </a:spcBef>
+              <a:buFont typeface="Euphemia" pitchFamily="34" charset="0"/>
+              <a:buChar char="›"/>
+              <a:defRPr sz="1800" kern="1200">
+                <a:solidFill>
+                  <a:schemeClr val="lt1"/>
+                </a:solidFill>
+                <a:latin typeface="+mn-lt"/>
+                <a:ea typeface="+mn-ea"/>
+                <a:cs typeface="+mn-cs"/>
+              </a:defRPr>
+            </a:lvl7pPr>
+            <a:lvl8pPr marL="2807208" indent="-246888" algn="l" defTabSz="914400" rtl="0" eaLnBrk="1" latinLnBrk="0" hangingPunct="1">
+              <a:lnSpc>
+                <a:spcPct val="90000"/>
+              </a:lnSpc>
+              <a:spcBef>
+                <a:spcPts val="600"/>
+              </a:spcBef>
+              <a:buFont typeface="Euphemia" pitchFamily="34" charset="0"/>
+              <a:buChar char="–"/>
+              <a:defRPr sz="1800" kern="1200" baseline="0">
+                <a:solidFill>
+                  <a:schemeClr val="lt1"/>
+                </a:solidFill>
+                <a:latin typeface="+mn-lt"/>
+                <a:ea typeface="+mn-ea"/>
+                <a:cs typeface="+mn-cs"/>
+              </a:defRPr>
+            </a:lvl8pPr>
+            <a:lvl9pPr marL="3172968" indent="-246888" algn="l" defTabSz="914400" rtl="0" eaLnBrk="1" latinLnBrk="0" hangingPunct="1">
+              <a:lnSpc>
+                <a:spcPct val="90000"/>
+              </a:lnSpc>
+              <a:spcBef>
+                <a:spcPts val="600"/>
+              </a:spcBef>
+              <a:buFont typeface="Euphemia" pitchFamily="34" charset="0"/>
+              <a:buChar char="›"/>
+              <a:defRPr sz="1800" kern="1200" baseline="0">
+                <a:solidFill>
+                  <a:schemeClr val="lt1"/>
+                </a:solidFill>
+                <a:latin typeface="+mn-lt"/>
+                <a:ea typeface="+mn-ea"/>
+                <a:cs typeface="+mn-cs"/>
+              </a:defRPr>
+            </a:lvl9pPr>
+          </a:lstStyle>
+          <a:p>
+            <a:pPr marL="0" indent="0" algn="ctr">
+              <a:buNone/>
+            </a:pPr>
+            <a:r>
+              <a:rPr lang="en-US" sz="7200" b="1" dirty="0">
+                <a:solidFill>
+                  <a:schemeClr val="tx2">
+                    <a:lumMod val="75000"/>
+                    <a:lumOff val="25000"/>
+                  </a:schemeClr>
+                </a:solidFill>
+                <a:latin typeface="ADLaM Display" panose="02010000000000000000" pitchFamily="2" charset="0"/>
+                <a:ea typeface="ADLaM Display" panose="02010000000000000000" pitchFamily="2" charset="0"/>
+                <a:cs typeface="ADLaM Display" panose="02010000000000000000" pitchFamily="2" charset="0"/>
+              </a:rPr>
+              <a:t>025</a:t>
+            </a:r>
+          </a:p>
+        </p:txBody>
+      </p:sp>
+      <p:sp>
+        <p:nvSpPr>
+          <p:cNvPr id="9" name="Title 12">
+            <a:extLst>
+              <a:ext uri="{FF2B5EF4-FFF2-40B4-BE49-F238E27FC236}">
+                <a16:creationId xmlns:a16="http://schemas.microsoft.com/office/drawing/2014/main" id="{50246150-BB8D-CE43-39F7-67E6B469D5E4}"/>
+              </a:ext>
+            </a:extLst>
+          </p:cNvPr>
+          <p:cNvSpPr txBox="1">
+            <a:spLocks/>
+          </p:cNvSpPr>
+          <p:nvPr/>
+        </p:nvSpPr>
+        <p:spPr>
+          <a:xfrm>
+            <a:off x="1773932" y="1124744"/>
+            <a:ext cx="9782801" cy="843659"/>
+          </a:xfrm>
+          <a:prstGeom prst="rect">
+            <a:avLst/>
+          </a:prstGeom>
+        </p:spPr>
+        <p:txBody>
+          <a:bodyPr vert="horz" lIns="91440" tIns="45720" rIns="91440" bIns="45720" rtlCol="0" anchor="ctr">
+            <a:normAutofit fontScale="67500" lnSpcReduction="20000"/>
+          </a:bodyPr>
+          <a:lstStyle>
+            <a:lvl1pPr algn="l" defTabSz="914400" rtl="0" eaLnBrk="1" latinLnBrk="0" hangingPunct="1">
+              <a:lnSpc>
+                <a:spcPct val="90000"/>
+              </a:lnSpc>
+              <a:spcBef>
+                <a:spcPct val="0"/>
+              </a:spcBef>
+              <a:buNone/>
+              <a:defRPr sz="3600" kern="1200">
+                <a:solidFill>
+                  <a:schemeClr val="tx1">
+                    <a:lumMod val="75000"/>
+                  </a:schemeClr>
+                </a:solidFill>
+                <a:latin typeface="+mj-lt"/>
+                <a:ea typeface="+mj-ea"/>
+                <a:cs typeface="+mj-cs"/>
+              </a:defRPr>
+            </a:lvl1pPr>
+          </a:lstStyle>
+          <a:p>
+            <a:r>
+              <a:rPr lang="en-US" sz="4800" b="1" dirty="0"/>
+              <a:t>Thematic Guides – Config – ManimConfig Class</a:t>
             </a:r>
           </a:p>
         </p:txBody>
@@ -15867,7 +16509,7 @@
 </p:sld>
 </file>
 
-<file path=ppt/slides/slide25.xml><?xml version="1.0" encoding="utf-8"?>
+<file path=ppt/slides/slide26.xml><?xml version="1.0" encoding="utf-8"?>
 <p:sld xmlns:a="http://schemas.openxmlformats.org/drawingml/2006/main" xmlns:r="http://schemas.openxmlformats.org/officeDocument/2006/relationships" xmlns:p="http://schemas.openxmlformats.org/presentationml/2006/main">
   <p:cSld>
     <p:spTree>

--- a/Manim/Learn Manim Library by Practice.pptx
+++ b/Manim/Learn Manim Library by Practice.pptx
@@ -309,7 +309,7 @@
           <a:p>
             <a:fld id="{BDB7646E-8811-423A-9C42-2CBFADA00A96}" type="datetimeFigureOut">
               <a:rPr lang="en-US" smtClean="0"/>
-              <a:t>11/19/2024</a:t>
+              <a:t>11/20/2024</a:t>
             </a:fld>
             <a:endParaRPr lang="en-US"/>
           </a:p>
@@ -483,7 +483,7 @@
             <a:fld id="{D677E230-58DD-43ED-96A1-552DDAB53532}" type="datetimeFigureOut">
               <a:rPr lang="en-US" smtClean="0"/>
               <a:pPr/>
-              <a:t>11/19/2024</a:t>
+              <a:t>11/20/2024</a:t>
             </a:fld>
             <a:endParaRPr lang="en-US"/>
           </a:p>
@@ -1675,7 +1675,7 @@
             <a:fld id="{C2C6F8EA-316C-41DE-B9A4-EDCC3A85ED9A}" type="datetimeFigureOut">
               <a:rPr lang="en-US"/>
               <a:pPr/>
-              <a:t>11/19/2024</a:t>
+              <a:t>11/20/2024</a:t>
             </a:fld>
             <a:endParaRPr/>
           </a:p>
@@ -1890,7 +1890,7 @@
           <a:p>
             <a:fld id="{C2C6F8EA-316C-41DE-B9A4-EDCC3A85ED9A}" type="datetimeFigureOut">
               <a:rPr lang="en-US"/>
-              <a:t>11/19/2024</a:t>
+              <a:t>11/20/2024</a:t>
             </a:fld>
             <a:endParaRPr/>
           </a:p>
@@ -2704,7 +2704,7 @@
           <a:p>
             <a:fld id="{C2C6F8EA-316C-41DE-B9A4-EDCC3A85ED9A}" type="datetimeFigureOut">
               <a:rPr lang="en-US"/>
-              <a:t>11/19/2024</a:t>
+              <a:t>11/20/2024</a:t>
             </a:fld>
             <a:endParaRPr/>
           </a:p>
@@ -2902,7 +2902,7 @@
           <a:p>
             <a:fld id="{C2C6F8EA-316C-41DE-B9A4-EDCC3A85ED9A}" type="datetimeFigureOut">
               <a:rPr lang="en-US"/>
-              <a:t>11/19/2024</a:t>
+              <a:t>11/20/2024</a:t>
             </a:fld>
             <a:endParaRPr/>
           </a:p>
@@ -4008,7 +4008,7 @@
             <a:fld id="{C2C6F8EA-316C-41DE-B9A4-EDCC3A85ED9A}" type="datetimeFigureOut">
               <a:rPr lang="en-US"/>
               <a:pPr/>
-              <a:t>11/19/2024</a:t>
+              <a:t>11/20/2024</a:t>
             </a:fld>
             <a:endParaRPr/>
           </a:p>
@@ -4481,7 +4481,7 @@
           <a:p>
             <a:fld id="{C2C6F8EA-316C-41DE-B9A4-EDCC3A85ED9A}" type="datetimeFigureOut">
               <a:rPr lang="en-US"/>
-              <a:t>11/19/2024</a:t>
+              <a:t>11/20/2024</a:t>
             </a:fld>
             <a:endParaRPr/>
           </a:p>
@@ -4929,7 +4929,7 @@
           <a:p>
             <a:fld id="{C2C6F8EA-316C-41DE-B9A4-EDCC3A85ED9A}" type="datetimeFigureOut">
               <a:rPr lang="en-US"/>
-              <a:t>11/19/2024</a:t>
+              <a:t>11/20/2024</a:t>
             </a:fld>
             <a:endParaRPr/>
           </a:p>
@@ -5059,7 +5059,7 @@
           <a:p>
             <a:fld id="{C2C6F8EA-316C-41DE-B9A4-EDCC3A85ED9A}" type="datetimeFigureOut">
               <a:rPr lang="en-US"/>
-              <a:t>11/19/2024</a:t>
+              <a:t>11/20/2024</a:t>
             </a:fld>
             <a:endParaRPr/>
           </a:p>
@@ -5394,7 +5394,7 @@
           <a:p>
             <a:fld id="{C2C6F8EA-316C-41DE-B9A4-EDCC3A85ED9A}" type="datetimeFigureOut">
               <a:rPr lang="en-US"/>
-              <a:t>11/19/2024</a:t>
+              <a:t>11/20/2024</a:t>
             </a:fld>
             <a:endParaRPr/>
           </a:p>
@@ -5886,7 +5886,7 @@
           <a:p>
             <a:fld id="{C2C6F8EA-316C-41DE-B9A4-EDCC3A85ED9A}" type="datetimeFigureOut">
               <a:rPr lang="en-US"/>
-              <a:t>11/19/2024</a:t>
+              <a:t>11/20/2024</a:t>
             </a:fld>
             <a:endParaRPr/>
           </a:p>
@@ -6322,7 +6322,7 @@
           <a:p>
             <a:fld id="{C2C6F8EA-316C-41DE-B9A4-EDCC3A85ED9A}" type="datetimeFigureOut">
               <a:rPr lang="en-US"/>
-              <a:t>11/19/2024</a:t>
+              <a:t>11/20/2024</a:t>
             </a:fld>
             <a:endParaRPr/>
           </a:p>
@@ -7206,7 +7206,7 @@
             <a:fld id="{C2C6F8EA-316C-41DE-B9A4-EDCC3A85ED9A}" type="datetimeFigureOut">
               <a:rPr lang="en-US"/>
               <a:pPr/>
-              <a:t>11/19/2024</a:t>
+              <a:t>11/20/2024</a:t>
             </a:fld>
             <a:endParaRPr/>
           </a:p>
@@ -15443,7 +15443,7 @@
         </p:spPr>
         <p:txBody>
           <a:bodyPr vert="horz" lIns="91440" tIns="45720" rIns="91440" bIns="45720" rtlCol="0" anchor="ctr">
-            <a:normAutofit fontScale="75000" lnSpcReduction="20000"/>
+            <a:normAutofit fontScale="45000" lnSpcReduction="20000"/>
           </a:bodyPr>
           <a:lstStyle>
             <a:lvl1pPr algn="l" defTabSz="914400" rtl="0" eaLnBrk="1" latinLnBrk="0" hangingPunct="1">
@@ -15467,19 +15467,39 @@
             </a:lvl1pPr>
           </a:lstStyle>
           <a:p>
+            <a:pPr>
+              <a:lnSpc>
+                <a:spcPct val="120000"/>
+              </a:lnSpc>
+            </a:pPr>
             <a:r>
               <a:rPr lang="en-US" sz="4800" b="1" dirty="0"/>
               <a:t>Building Block – Animations – Transforming</a:t>
             </a:r>
           </a:p>
+          <a:p>
+            <a:pPr>
+              <a:lnSpc>
+                <a:spcPct val="120000"/>
+              </a:lnSpc>
+            </a:pPr>
+            <a:r>
+              <a:rPr lang="en-US" sz="4800" b="1" dirty="0"/>
+              <a:t>Building Block – </a:t>
+            </a:r>
+            <a:r>
+              <a:rPr lang="en-US" altLang="zh-CN" sz="4800" b="1" dirty="0"/>
+              <a:t>Scenes</a:t>
+            </a:r>
+          </a:p>
         </p:txBody>
       </p:sp>
       <p:pic>
         <p:nvPicPr>
-          <p:cNvPr id="7" name="Picture 6">
+          <p:cNvPr id="3" name="Picture 2">
             <a:extLst>
               <a:ext uri="{FF2B5EF4-FFF2-40B4-BE49-F238E27FC236}">
-                <a16:creationId xmlns:a16="http://schemas.microsoft.com/office/drawing/2014/main" id="{569A72DE-C53B-BA8C-AF78-DBFB3EF13B63}"/>
+                <a16:creationId xmlns:a16="http://schemas.microsoft.com/office/drawing/2014/main" id="{D1DC20B8-445F-C726-E6C8-2C9D313318BC}"/>
               </a:ext>
             </a:extLst>
           </p:cNvPr>
@@ -15496,8 +15516,8 @@
         </p:blipFill>
         <p:spPr>
           <a:xfrm>
-            <a:off x="1977620" y="1844825"/>
-            <a:ext cx="9824894" cy="4824536"/>
+            <a:off x="2133972" y="2024844"/>
+            <a:ext cx="8295445" cy="4747819"/>
           </a:xfrm>
           <a:prstGeom prst="rect">
             <a:avLst/>
@@ -15958,7 +15978,7 @@
         </p:spPr>
         <p:txBody>
           <a:bodyPr vert="horz" lIns="91440" tIns="45720" rIns="91440" bIns="45720" rtlCol="0" anchor="ctr">
-            <a:normAutofit fontScale="67500" lnSpcReduction="20000"/>
+            <a:normAutofit fontScale="75000" lnSpcReduction="20000"/>
           </a:bodyPr>
           <a:lstStyle>
             <a:lvl1pPr algn="l" defTabSz="914400" rtl="0" eaLnBrk="1" latinLnBrk="0" hangingPunct="1">
@@ -15981,21 +16001,6 @@
               </a:defRPr>
             </a:lvl1pPr>
           </a:lstStyle>
-          <a:p>
-            <a:pPr>
-              <a:lnSpc>
-                <a:spcPct val="120000"/>
-              </a:lnSpc>
-            </a:pPr>
-            <a:r>
-              <a:rPr lang="en-US" sz="4800" b="1" dirty="0"/>
-              <a:t>Building Block – </a:t>
-            </a:r>
-            <a:r>
-              <a:rPr lang="en-US" altLang="zh-CN" sz="4800" b="1" dirty="0"/>
-              <a:t>Scenes</a:t>
-            </a:r>
-          </a:p>
           <a:p>
             <a:pPr>
               <a:lnSpc>
@@ -16009,46 +16014,6 @@
           </a:p>
         </p:txBody>
       </p:sp>
-      <p:pic>
-        <p:nvPicPr>
-          <p:cNvPr id="3" name="Picture 2">
-            <a:extLst>
-              <a:ext uri="{FF2B5EF4-FFF2-40B4-BE49-F238E27FC236}">
-                <a16:creationId xmlns:a16="http://schemas.microsoft.com/office/drawing/2014/main" id="{23BB5DFD-72D9-287D-836B-C9E30FD999E4}"/>
-              </a:ext>
-            </a:extLst>
-          </p:cNvPr>
-          <p:cNvPicPr>
-            <a:picLocks noChangeAspect="1"/>
-          </p:cNvPicPr>
-          <p:nvPr/>
-        </p:nvPicPr>
-        <p:blipFill>
-          <a:blip r:embed="rId4"/>
-          <a:stretch>
-            <a:fillRect/>
-          </a:stretch>
-        </p:blipFill>
-        <p:spPr>
-          <a:xfrm>
-            <a:off x="2061964" y="2408777"/>
-            <a:ext cx="5956183" cy="4188574"/>
-          </a:xfrm>
-          <a:prstGeom prst="rect">
-            <a:avLst/>
-          </a:prstGeom>
-          <a:ln>
-            <a:noFill/>
-          </a:ln>
-          <a:effectLst>
-            <a:outerShdw blurRad="292100" dist="139700" dir="2700000" algn="tl" rotWithShape="0">
-              <a:srgbClr val="333333">
-                <a:alpha val="65000"/>
-              </a:srgbClr>
-            </a:outerShdw>
-          </a:effectLst>
-        </p:spPr>
-      </p:pic>
     </p:spTree>
     <p:extLst>
       <p:ext uri="{BB962C8B-B14F-4D97-AF65-F5344CB8AC3E}">
@@ -16059,13 +16024,13 @@
   <p:clrMapOvr>
     <a:masterClrMapping/>
   </p:clrMapOvr>
-  <mc:AlternateContent xmlns:mc="http://schemas.openxmlformats.org/markup-compatibility/2006">
-    <mc:Choice xmlns:p14="http://schemas.microsoft.com/office/powerpoint/2010/main" Requires="p14">
+  <mc:AlternateContent xmlns:mc="http://schemas.openxmlformats.org/markup-compatibility/2006" xmlns:p14="http://schemas.microsoft.com/office/powerpoint/2010/main">
+    <mc:Choice Requires="p14">
       <p:transition spd="med" p14:dur="700">
         <p:fade/>
       </p:transition>
     </mc:Choice>
-    <mc:Fallback>
+    <mc:Fallback xmlns="">
       <p:transition spd="med">
         <p:fade/>
       </p:transition>

--- a/Manim/Learn Manim Library by Practice.pptx
+++ b/Manim/Learn Manim Library by Practice.pptx
@@ -309,7 +309,7 @@
           <a:p>
             <a:fld id="{BDB7646E-8811-423A-9C42-2CBFADA00A96}" type="datetimeFigureOut">
               <a:rPr lang="en-US" smtClean="0"/>
-              <a:t>11/20/2024</a:t>
+              <a:t>12/2/2024</a:t>
             </a:fld>
             <a:endParaRPr lang="en-US"/>
           </a:p>
@@ -483,7 +483,7 @@
             <a:fld id="{D677E230-58DD-43ED-96A1-552DDAB53532}" type="datetimeFigureOut">
               <a:rPr lang="en-US" smtClean="0"/>
               <a:pPr/>
-              <a:t>11/20/2024</a:t>
+              <a:t>12/2/2024</a:t>
             </a:fld>
             <a:endParaRPr lang="en-US"/>
           </a:p>
@@ -1675,7 +1675,7 @@
             <a:fld id="{C2C6F8EA-316C-41DE-B9A4-EDCC3A85ED9A}" type="datetimeFigureOut">
               <a:rPr lang="en-US"/>
               <a:pPr/>
-              <a:t>11/20/2024</a:t>
+              <a:t>12/2/2024</a:t>
             </a:fld>
             <a:endParaRPr/>
           </a:p>
@@ -1890,7 +1890,7 @@
           <a:p>
             <a:fld id="{C2C6F8EA-316C-41DE-B9A4-EDCC3A85ED9A}" type="datetimeFigureOut">
               <a:rPr lang="en-US"/>
-              <a:t>11/20/2024</a:t>
+              <a:t>12/2/2024</a:t>
             </a:fld>
             <a:endParaRPr/>
           </a:p>
@@ -2704,7 +2704,7 @@
           <a:p>
             <a:fld id="{C2C6F8EA-316C-41DE-B9A4-EDCC3A85ED9A}" type="datetimeFigureOut">
               <a:rPr lang="en-US"/>
-              <a:t>11/20/2024</a:t>
+              <a:t>12/2/2024</a:t>
             </a:fld>
             <a:endParaRPr/>
           </a:p>
@@ -2902,7 +2902,7 @@
           <a:p>
             <a:fld id="{C2C6F8EA-316C-41DE-B9A4-EDCC3A85ED9A}" type="datetimeFigureOut">
               <a:rPr lang="en-US"/>
-              <a:t>11/20/2024</a:t>
+              <a:t>12/2/2024</a:t>
             </a:fld>
             <a:endParaRPr/>
           </a:p>
@@ -4008,7 +4008,7 @@
             <a:fld id="{C2C6F8EA-316C-41DE-B9A4-EDCC3A85ED9A}" type="datetimeFigureOut">
               <a:rPr lang="en-US"/>
               <a:pPr/>
-              <a:t>11/20/2024</a:t>
+              <a:t>12/2/2024</a:t>
             </a:fld>
             <a:endParaRPr/>
           </a:p>
@@ -4481,7 +4481,7 @@
           <a:p>
             <a:fld id="{C2C6F8EA-316C-41DE-B9A4-EDCC3A85ED9A}" type="datetimeFigureOut">
               <a:rPr lang="en-US"/>
-              <a:t>11/20/2024</a:t>
+              <a:t>12/2/2024</a:t>
             </a:fld>
             <a:endParaRPr/>
           </a:p>
@@ -4929,7 +4929,7 @@
           <a:p>
             <a:fld id="{C2C6F8EA-316C-41DE-B9A4-EDCC3A85ED9A}" type="datetimeFigureOut">
               <a:rPr lang="en-US"/>
-              <a:t>11/20/2024</a:t>
+              <a:t>12/2/2024</a:t>
             </a:fld>
             <a:endParaRPr/>
           </a:p>
@@ -5059,7 +5059,7 @@
           <a:p>
             <a:fld id="{C2C6F8EA-316C-41DE-B9A4-EDCC3A85ED9A}" type="datetimeFigureOut">
               <a:rPr lang="en-US"/>
-              <a:t>11/20/2024</a:t>
+              <a:t>12/2/2024</a:t>
             </a:fld>
             <a:endParaRPr/>
           </a:p>
@@ -5394,7 +5394,7 @@
           <a:p>
             <a:fld id="{C2C6F8EA-316C-41DE-B9A4-EDCC3A85ED9A}" type="datetimeFigureOut">
               <a:rPr lang="en-US"/>
-              <a:t>11/20/2024</a:t>
+              <a:t>12/2/2024</a:t>
             </a:fld>
             <a:endParaRPr/>
           </a:p>
@@ -5886,7 +5886,7 @@
           <a:p>
             <a:fld id="{C2C6F8EA-316C-41DE-B9A4-EDCC3A85ED9A}" type="datetimeFigureOut">
               <a:rPr lang="en-US"/>
-              <a:t>11/20/2024</a:t>
+              <a:t>12/2/2024</a:t>
             </a:fld>
             <a:endParaRPr/>
           </a:p>
@@ -6322,7 +6322,7 @@
           <a:p>
             <a:fld id="{C2C6F8EA-316C-41DE-B9A4-EDCC3A85ED9A}" type="datetimeFigureOut">
               <a:rPr lang="en-US"/>
-              <a:t>11/20/2024</a:t>
+              <a:t>12/2/2024</a:t>
             </a:fld>
             <a:endParaRPr/>
           </a:p>
@@ -7206,7 +7206,7 @@
             <a:fld id="{C2C6F8EA-316C-41DE-B9A4-EDCC3A85ED9A}" type="datetimeFigureOut">
               <a:rPr lang="en-US"/>
               <a:pPr/>
-              <a:t>11/20/2024</a:t>
+              <a:t>12/2/2024</a:t>
             </a:fld>
             <a:endParaRPr/>
           </a:p>
@@ -15978,7 +15978,7 @@
         </p:spPr>
         <p:txBody>
           <a:bodyPr vert="horz" lIns="91440" tIns="45720" rIns="91440" bIns="45720" rtlCol="0" anchor="ctr">
-            <a:normAutofit fontScale="75000" lnSpcReduction="20000"/>
+            <a:normAutofit fontScale="97500"/>
           </a:bodyPr>
           <a:lstStyle>
             <a:lvl1pPr algn="l" defTabSz="914400" rtl="0" eaLnBrk="1" latinLnBrk="0" hangingPunct="1">
@@ -16009,11 +16009,51 @@
             </a:pPr>
             <a:r>
               <a:rPr lang="en-US" sz="4800" b="1" dirty="0"/>
-              <a:t>Thematic Guides – Configuration – CL Arguments</a:t>
+              <a:t>Thematic Guides – Configuration</a:t>
             </a:r>
           </a:p>
         </p:txBody>
       </p:sp>
+      <p:pic>
+        <p:nvPicPr>
+          <p:cNvPr id="8" name="Picture 7">
+            <a:extLst>
+              <a:ext uri="{FF2B5EF4-FFF2-40B4-BE49-F238E27FC236}">
+                <a16:creationId xmlns:a16="http://schemas.microsoft.com/office/drawing/2014/main" id="{5453F341-9615-EF86-FBDE-3E55960D7111}"/>
+              </a:ext>
+            </a:extLst>
+          </p:cNvPr>
+          <p:cNvPicPr>
+            <a:picLocks noChangeAspect="1"/>
+          </p:cNvPicPr>
+          <p:nvPr/>
+        </p:nvPicPr>
+        <p:blipFill>
+          <a:blip r:embed="rId4"/>
+          <a:stretch>
+            <a:fillRect/>
+          </a:stretch>
+        </p:blipFill>
+        <p:spPr>
+          <a:xfrm>
+            <a:off x="2071710" y="2197827"/>
+            <a:ext cx="9245038" cy="4567218"/>
+          </a:xfrm>
+          <a:prstGeom prst="rect">
+            <a:avLst/>
+          </a:prstGeom>
+          <a:ln>
+            <a:noFill/>
+          </a:ln>
+          <a:effectLst>
+            <a:outerShdw blurRad="292100" dist="139700" dir="2700000" algn="tl" rotWithShape="0">
+              <a:srgbClr val="333333">
+                <a:alpha val="65000"/>
+              </a:srgbClr>
+            </a:outerShdw>
+          </a:effectLst>
+        </p:spPr>
+      </p:pic>
     </p:spTree>
     <p:extLst>
       <p:ext uri="{BB962C8B-B14F-4D97-AF65-F5344CB8AC3E}">
@@ -16418,7 +16458,7 @@
         </p:spPr>
         <p:txBody>
           <a:bodyPr vert="horz" lIns="91440" tIns="45720" rIns="91440" bIns="45720" rtlCol="0" anchor="ctr">
-            <a:normAutofit fontScale="67500" lnSpcReduction="20000"/>
+            <a:normAutofit fontScale="97500"/>
           </a:bodyPr>
           <a:lstStyle>
             <a:lvl1pPr algn="l" defTabSz="914400" rtl="0" eaLnBrk="1" latinLnBrk="0" hangingPunct="1">
@@ -16444,7 +16484,7 @@
           <a:p>
             <a:r>
               <a:rPr lang="en-US" sz="4800" b="1" dirty="0"/>
-              <a:t>Thematic Guides – Config – ManimConfig Class</a:t>
+              <a:t>Thematic Guides – Deep Dive</a:t>
             </a:r>
           </a:p>
         </p:txBody>
